--- a/Présentation 1.pptx
+++ b/Présentation 1.pptx
@@ -5,10 +5,10 @@
     <p:sldMasterId id="2147483648" r:id="rId4"/>
   </p:sldMasterIdLst>
   <p:notesMasterIdLst>
-    <p:notesMasterId r:id="rId28"/>
+    <p:notesMasterId r:id="rId29"/>
   </p:notesMasterIdLst>
   <p:handoutMasterIdLst>
-    <p:handoutMasterId r:id="rId29"/>
+    <p:handoutMasterId r:id="rId30"/>
   </p:handoutMasterIdLst>
   <p:sldIdLst>
     <p:sldId id="256" r:id="rId5"/>
@@ -32,8 +32,9 @@
     <p:sldId id="277" r:id="rId23"/>
     <p:sldId id="276" r:id="rId24"/>
     <p:sldId id="279" r:id="rId25"/>
-    <p:sldId id="267" r:id="rId26"/>
-    <p:sldId id="268" r:id="rId27"/>
+    <p:sldId id="283" r:id="rId26"/>
+    <p:sldId id="267" r:id="rId27"/>
+    <p:sldId id="268" r:id="rId28"/>
   </p:sldIdLst>
   <p:sldSz cx="12192000" cy="6858000"/>
   <p:notesSz cx="6858000" cy="9144000"/>
@@ -136,6 +137,9 @@
     <p:ext uri="{EFAFB233-063F-42B5-8137-9DF3F51BA10A}">
       <p15:sldGuideLst xmlns:p15="http://schemas.microsoft.com/office/powerpoint/2012/main"/>
     </p:ext>
+    <p:ext uri="{2D200454-40CA-4A62-9FC3-DE9A4176ACB9}">
+      <p15:notesGuideLst xmlns:p15="http://schemas.microsoft.com/office/powerpoint/2012/main"/>
+    </p:ext>
   </p:extLst>
 </p:presentation>
 </file>
@@ -143,8 +147,7 @@
 <file path=ppt/revisionInfo.xml><?xml version="1.0" encoding="utf-8"?>
 <p1510:revInfo xmlns:a="http://schemas.openxmlformats.org/drawingml/2006/main" xmlns:r="http://schemas.openxmlformats.org/officeDocument/2006/relationships" xmlns:p1510="http://schemas.microsoft.com/office/powerpoint/2015/10/main">
   <p1510:revLst>
-    <p1510:client id="{24C4D8FE-2D5F-474A-A547-9EDDF165BA0E}" v="1117" dt="2020-05-28T16:09:04.365"/>
-    <p1510:client id="{71071A23-00DE-4DEE-F840-0B988AB79541}" v="5" dt="2020-05-28T08:43:49.920"/>
+    <p1510:client id="{24C4D8FE-2D5F-474A-A547-9EDDF165BA0E}" v="1144" dt="2020-05-29T13:47:46.425"/>
   </p1510:revLst>
 </p1510:revInfo>
 </file>
@@ -154,18 +157,18 @@
   <pc:docChgLst>
     <pc:chgData name="GAUTIER Edouard" userId="ebb82edb-7407-4d15-83b7-25e3e52afcdf" providerId="ADAL" clId="{24C4D8FE-2D5F-474A-A547-9EDDF165BA0E}"/>
     <pc:docChg chg="undo redo custSel mod addSld delSld modSld sldOrd addSection delSection modSection">
-      <pc:chgData name="GAUTIER Edouard" userId="ebb82edb-7407-4d15-83b7-25e3e52afcdf" providerId="ADAL" clId="{24C4D8FE-2D5F-474A-A547-9EDDF165BA0E}" dt="2020-05-28T16:09:04.365" v="2018"/>
+      <pc:chgData name="GAUTIER Edouard" userId="ebb82edb-7407-4d15-83b7-25e3e52afcdf" providerId="ADAL" clId="{24C4D8FE-2D5F-474A-A547-9EDDF165BA0E}" dt="2020-05-29T14:04:21.074" v="2580" actId="403"/>
       <pc:docMkLst>
         <pc:docMk/>
       </pc:docMkLst>
       <pc:sldChg chg="addSp modSp mod">
-        <pc:chgData name="GAUTIER Edouard" userId="ebb82edb-7407-4d15-83b7-25e3e52afcdf" providerId="ADAL" clId="{24C4D8FE-2D5F-474A-A547-9EDDF165BA0E}" dt="2020-05-28T15:03:22.400" v="1322" actId="14100"/>
+        <pc:chgData name="GAUTIER Edouard" userId="ebb82edb-7407-4d15-83b7-25e3e52afcdf" providerId="ADAL" clId="{24C4D8FE-2D5F-474A-A547-9EDDF165BA0E}" dt="2020-05-29T13:12:12.456" v="2218" actId="403"/>
         <pc:sldMkLst>
           <pc:docMk/>
           <pc:sldMk cId="1369094749" sldId="256"/>
         </pc:sldMkLst>
         <pc:spChg chg="mod">
-          <ac:chgData name="GAUTIER Edouard" userId="ebb82edb-7407-4d15-83b7-25e3e52afcdf" providerId="ADAL" clId="{24C4D8FE-2D5F-474A-A547-9EDDF165BA0E}" dt="2020-05-27T13:40:50.318" v="16" actId="20577"/>
+          <ac:chgData name="GAUTIER Edouard" userId="ebb82edb-7407-4d15-83b7-25e3e52afcdf" providerId="ADAL" clId="{24C4D8FE-2D5F-474A-A547-9EDDF165BA0E}" dt="2020-05-29T13:12:08.700" v="2214" actId="403"/>
           <ac:spMkLst>
             <pc:docMk/>
             <pc:sldMk cId="1369094749" sldId="256"/>
@@ -173,7 +176,7 @@
           </ac:spMkLst>
         </pc:spChg>
         <pc:spChg chg="mod">
-          <ac:chgData name="GAUTIER Edouard" userId="ebb82edb-7407-4d15-83b7-25e3e52afcdf" providerId="ADAL" clId="{24C4D8FE-2D5F-474A-A547-9EDDF165BA0E}" dt="2020-05-27T13:40:57.347" v="25" actId="20577"/>
+          <ac:chgData name="GAUTIER Edouard" userId="ebb82edb-7407-4d15-83b7-25e3e52afcdf" providerId="ADAL" clId="{24C4D8FE-2D5F-474A-A547-9EDDF165BA0E}" dt="2020-05-29T13:12:12.456" v="2218" actId="403"/>
           <ac:spMkLst>
             <pc:docMk/>
             <pc:sldMk cId="1369094749" sldId="256"/>
@@ -181,7 +184,7 @@
           </ac:spMkLst>
         </pc:spChg>
         <pc:picChg chg="add mod">
-          <ac:chgData name="GAUTIER Edouard" userId="ebb82edb-7407-4d15-83b7-25e3e52afcdf" providerId="ADAL" clId="{24C4D8FE-2D5F-474A-A547-9EDDF165BA0E}" dt="2020-05-28T15:03:22.400" v="1322" actId="14100"/>
+          <ac:chgData name="GAUTIER Edouard" userId="ebb82edb-7407-4d15-83b7-25e3e52afcdf" providerId="ADAL" clId="{24C4D8FE-2D5F-474A-A547-9EDDF165BA0E}" dt="2020-05-29T12:58:46.302" v="2019" actId="207"/>
           <ac:picMkLst>
             <pc:docMk/>
             <pc:sldMk cId="1369094749" sldId="256"/>
@@ -190,13 +193,13 @@
         </pc:picChg>
       </pc:sldChg>
       <pc:sldChg chg="addSp delSp modSp mod">
-        <pc:chgData name="GAUTIER Edouard" userId="ebb82edb-7407-4d15-83b7-25e3e52afcdf" providerId="ADAL" clId="{24C4D8FE-2D5F-474A-A547-9EDDF165BA0E}" dt="2020-05-28T15:34:25.145" v="1602" actId="478"/>
+        <pc:chgData name="GAUTIER Edouard" userId="ebb82edb-7407-4d15-83b7-25e3e52afcdf" providerId="ADAL" clId="{24C4D8FE-2D5F-474A-A547-9EDDF165BA0E}" dt="2020-05-29T13:44:46.463" v="2402" actId="20577"/>
         <pc:sldMkLst>
           <pc:docMk/>
           <pc:sldMk cId="468036146" sldId="257"/>
         </pc:sldMkLst>
         <pc:spChg chg="mod">
-          <ac:chgData name="GAUTIER Edouard" userId="ebb82edb-7407-4d15-83b7-25e3e52afcdf" providerId="ADAL" clId="{24C4D8FE-2D5F-474A-A547-9EDDF165BA0E}" dt="2020-05-28T14:45:13.298" v="1252" actId="20577"/>
+          <ac:chgData name="GAUTIER Edouard" userId="ebb82edb-7407-4d15-83b7-25e3e52afcdf" providerId="ADAL" clId="{24C4D8FE-2D5F-474A-A547-9EDDF165BA0E}" dt="2020-05-29T13:44:46.463" v="2402" actId="20577"/>
           <ac:spMkLst>
             <pc:docMk/>
             <pc:sldMk cId="468036146" sldId="257"/>
@@ -237,13 +240,13 @@
         </pc:picChg>
       </pc:sldChg>
       <pc:sldChg chg="addSp delSp modSp mod setBg setClrOvrMap">
-        <pc:chgData name="GAUTIER Edouard" userId="ebb82edb-7407-4d15-83b7-25e3e52afcdf" providerId="ADAL" clId="{24C4D8FE-2D5F-474A-A547-9EDDF165BA0E}" dt="2020-05-28T15:08:07.683" v="1339" actId="20577"/>
+        <pc:chgData name="GAUTIER Edouard" userId="ebb82edb-7407-4d15-83b7-25e3e52afcdf" providerId="ADAL" clId="{24C4D8FE-2D5F-474A-A547-9EDDF165BA0E}" dt="2020-05-29T13:13:41.745" v="2224" actId="404"/>
         <pc:sldMkLst>
           <pc:docMk/>
           <pc:sldMk cId="2457266096" sldId="258"/>
         </pc:sldMkLst>
         <pc:spChg chg="mod">
-          <ac:chgData name="GAUTIER Edouard" userId="ebb82edb-7407-4d15-83b7-25e3e52afcdf" providerId="ADAL" clId="{24C4D8FE-2D5F-474A-A547-9EDDF165BA0E}" dt="2020-05-28T14:31:57.490" v="1227" actId="26606"/>
+          <ac:chgData name="GAUTIER Edouard" userId="ebb82edb-7407-4d15-83b7-25e3e52afcdf" providerId="ADAL" clId="{24C4D8FE-2D5F-474A-A547-9EDDF165BA0E}" dt="2020-05-29T13:13:41.745" v="2224" actId="404"/>
           <ac:spMkLst>
             <pc:docMk/>
             <pc:sldMk cId="2457266096" sldId="258"/>
@@ -499,14 +502,14 @@
           </ac:picMkLst>
         </pc:picChg>
       </pc:sldChg>
-      <pc:sldChg chg="addSp delSp modSp mod setBg">
-        <pc:chgData name="GAUTIER Edouard" userId="ebb82edb-7407-4d15-83b7-25e3e52afcdf" providerId="ADAL" clId="{24C4D8FE-2D5F-474A-A547-9EDDF165BA0E}" dt="2020-05-28T16:07:05.766" v="2000" actId="14826"/>
+      <pc:sldChg chg="addSp delSp modSp mod setBg modNotesTx">
+        <pc:chgData name="GAUTIER Edouard" userId="ebb82edb-7407-4d15-83b7-25e3e52afcdf" providerId="ADAL" clId="{24C4D8FE-2D5F-474A-A547-9EDDF165BA0E}" dt="2020-05-29T13:25:13.177" v="2319" actId="20577"/>
         <pc:sldMkLst>
           <pc:docMk/>
           <pc:sldMk cId="4275845374" sldId="259"/>
         </pc:sldMkLst>
         <pc:spChg chg="mod">
-          <ac:chgData name="GAUTIER Edouard" userId="ebb82edb-7407-4d15-83b7-25e3e52afcdf" providerId="ADAL" clId="{24C4D8FE-2D5F-474A-A547-9EDDF165BA0E}" dt="2020-05-27T13:44:00.412" v="82" actId="20577"/>
+          <ac:chgData name="GAUTIER Edouard" userId="ebb82edb-7407-4d15-83b7-25e3e52afcdf" providerId="ADAL" clId="{24C4D8FE-2D5F-474A-A547-9EDDF165BA0E}" dt="2020-05-29T13:23:04.720" v="2303" actId="403"/>
           <ac:spMkLst>
             <pc:docMk/>
             <pc:sldMk cId="4275845374" sldId="259"/>
@@ -514,7 +517,7 @@
           </ac:spMkLst>
         </pc:spChg>
         <pc:spChg chg="mod ord">
-          <ac:chgData name="GAUTIER Edouard" userId="ebb82edb-7407-4d15-83b7-25e3e52afcdf" providerId="ADAL" clId="{24C4D8FE-2D5F-474A-A547-9EDDF165BA0E}" dt="2020-05-27T13:49:37.803" v="188" actId="20577"/>
+          <ac:chgData name="GAUTIER Edouard" userId="ebb82edb-7407-4d15-83b7-25e3e52afcdf" providerId="ADAL" clId="{24C4D8FE-2D5F-474A-A547-9EDDF165BA0E}" dt="2020-05-29T13:24:17.961" v="2318" actId="27636"/>
           <ac:spMkLst>
             <pc:docMk/>
             <pc:sldMk cId="4275845374" sldId="259"/>
@@ -618,7 +621,7 @@
           </ac:grpSpMkLst>
         </pc:grpChg>
         <pc:picChg chg="add mod">
-          <ac:chgData name="GAUTIER Edouard" userId="ebb82edb-7407-4d15-83b7-25e3e52afcdf" providerId="ADAL" clId="{24C4D8FE-2D5F-474A-A547-9EDDF165BA0E}" dt="2020-05-28T16:07:05.766" v="2000" actId="14826"/>
+          <ac:chgData name="GAUTIER Edouard" userId="ebb82edb-7407-4d15-83b7-25e3e52afcdf" providerId="ADAL" clId="{24C4D8FE-2D5F-474A-A547-9EDDF165BA0E}" dt="2020-05-29T13:22:45.344" v="2302" actId="207"/>
           <ac:picMkLst>
             <pc:docMk/>
             <pc:sldMk cId="4275845374" sldId="259"/>
@@ -635,13 +638,13 @@
         </pc:picChg>
       </pc:sldChg>
       <pc:sldChg chg="addSp delSp modSp mod setBg">
-        <pc:chgData name="GAUTIER Edouard" userId="ebb82edb-7407-4d15-83b7-25e3e52afcdf" providerId="ADAL" clId="{24C4D8FE-2D5F-474A-A547-9EDDF165BA0E}" dt="2020-05-28T16:08:30.237" v="2004" actId="14826"/>
+        <pc:chgData name="GAUTIER Edouard" userId="ebb82edb-7407-4d15-83b7-25e3e52afcdf" providerId="ADAL" clId="{24C4D8FE-2D5F-474A-A547-9EDDF165BA0E}" dt="2020-05-29T13:23:28.141" v="2308" actId="403"/>
         <pc:sldMkLst>
           <pc:docMk/>
           <pc:sldMk cId="1705105624" sldId="260"/>
         </pc:sldMkLst>
         <pc:spChg chg="mod">
-          <ac:chgData name="GAUTIER Edouard" userId="ebb82edb-7407-4d15-83b7-25e3e52afcdf" providerId="ADAL" clId="{24C4D8FE-2D5F-474A-A547-9EDDF165BA0E}" dt="2020-05-27T13:58:36.614" v="227" actId="26606"/>
+          <ac:chgData name="GAUTIER Edouard" userId="ebb82edb-7407-4d15-83b7-25e3e52afcdf" providerId="ADAL" clId="{24C4D8FE-2D5F-474A-A547-9EDDF165BA0E}" dt="2020-05-29T13:23:11.829" v="2305" actId="403"/>
           <ac:spMkLst>
             <pc:docMk/>
             <pc:sldMk cId="1705105624" sldId="260"/>
@@ -649,7 +652,7 @@
           </ac:spMkLst>
         </pc:spChg>
         <pc:spChg chg="mod ord">
-          <ac:chgData name="GAUTIER Edouard" userId="ebb82edb-7407-4d15-83b7-25e3e52afcdf" providerId="ADAL" clId="{24C4D8FE-2D5F-474A-A547-9EDDF165BA0E}" dt="2020-05-27T14:00:41.560" v="334" actId="20577"/>
+          <ac:chgData name="GAUTIER Edouard" userId="ebb82edb-7407-4d15-83b7-25e3e52afcdf" providerId="ADAL" clId="{24C4D8FE-2D5F-474A-A547-9EDDF165BA0E}" dt="2020-05-29T13:23:28.141" v="2308" actId="403"/>
           <ac:spMkLst>
             <pc:docMk/>
             <pc:sldMk cId="1705105624" sldId="260"/>
@@ -737,7 +740,7 @@
           </ac:picMkLst>
         </pc:picChg>
         <pc:picChg chg="add mod">
-          <ac:chgData name="GAUTIER Edouard" userId="ebb82edb-7407-4d15-83b7-25e3e52afcdf" providerId="ADAL" clId="{24C4D8FE-2D5F-474A-A547-9EDDF165BA0E}" dt="2020-05-28T16:08:30.237" v="2004" actId="14826"/>
+          <ac:chgData name="GAUTIER Edouard" userId="ebb82edb-7407-4d15-83b7-25e3e52afcdf" providerId="ADAL" clId="{24C4D8FE-2D5F-474A-A547-9EDDF165BA0E}" dt="2020-05-29T13:23:15.400" v="2306" actId="207"/>
           <ac:picMkLst>
             <pc:docMk/>
             <pc:sldMk cId="1705105624" sldId="260"/>
@@ -746,13 +749,13 @@
         </pc:picChg>
       </pc:sldChg>
       <pc:sldChg chg="addSp delSp modSp new mod">
-        <pc:chgData name="GAUTIER Edouard" userId="ebb82edb-7407-4d15-83b7-25e3e52afcdf" providerId="ADAL" clId="{24C4D8FE-2D5F-474A-A547-9EDDF165BA0E}" dt="2020-05-28T16:08:40.465" v="2005"/>
+        <pc:chgData name="GAUTIER Edouard" userId="ebb82edb-7407-4d15-83b7-25e3e52afcdf" providerId="ADAL" clId="{24C4D8FE-2D5F-474A-A547-9EDDF165BA0E}" dt="2020-05-29T13:42:55.580" v="2368" actId="20577"/>
         <pc:sldMkLst>
           <pc:docMk/>
           <pc:sldMk cId="563083232" sldId="261"/>
         </pc:sldMkLst>
         <pc:spChg chg="mod">
-          <ac:chgData name="GAUTIER Edouard" userId="ebb82edb-7407-4d15-83b7-25e3e52afcdf" providerId="ADAL" clId="{24C4D8FE-2D5F-474A-A547-9EDDF165BA0E}" dt="2020-05-27T13:59:46.070" v="290" actId="20577"/>
+          <ac:chgData name="GAUTIER Edouard" userId="ebb82edb-7407-4d15-83b7-25e3e52afcdf" providerId="ADAL" clId="{24C4D8FE-2D5F-474A-A547-9EDDF165BA0E}" dt="2020-05-29T13:25:36.221" v="2322" actId="403"/>
           <ac:spMkLst>
             <pc:docMk/>
             <pc:sldMk cId="563083232" sldId="261"/>
@@ -840,7 +843,7 @@
           </ac:spMkLst>
         </pc:spChg>
         <pc:spChg chg="add mod">
-          <ac:chgData name="GAUTIER Edouard" userId="ebb82edb-7407-4d15-83b7-25e3e52afcdf" providerId="ADAL" clId="{24C4D8FE-2D5F-474A-A547-9EDDF165BA0E}" dt="2020-05-27T14:27:10.536" v="910" actId="20577"/>
+          <ac:chgData name="GAUTIER Edouard" userId="ebb82edb-7407-4d15-83b7-25e3e52afcdf" providerId="ADAL" clId="{24C4D8FE-2D5F-474A-A547-9EDDF165BA0E}" dt="2020-05-29T13:42:55.580" v="2368" actId="20577"/>
           <ac:spMkLst>
             <pc:docMk/>
             <pc:sldMk cId="563083232" sldId="261"/>
@@ -896,7 +899,7 @@
           </ac:picMkLst>
         </pc:picChg>
         <pc:picChg chg="add mod">
-          <ac:chgData name="GAUTIER Edouard" userId="ebb82edb-7407-4d15-83b7-25e3e52afcdf" providerId="ADAL" clId="{24C4D8FE-2D5F-474A-A547-9EDDF165BA0E}" dt="2020-05-28T16:08:40.465" v="2005"/>
+          <ac:chgData name="GAUTIER Edouard" userId="ebb82edb-7407-4d15-83b7-25e3e52afcdf" providerId="ADAL" clId="{24C4D8FE-2D5F-474A-A547-9EDDF165BA0E}" dt="2020-05-29T13:25:39.728" v="2323" actId="207"/>
           <ac:picMkLst>
             <pc:docMk/>
             <pc:sldMk cId="563083232" sldId="261"/>
@@ -968,13 +971,13 @@
         </pc:spChg>
       </pc:sldChg>
       <pc:sldChg chg="addSp delSp modSp new mod">
-        <pc:chgData name="GAUTIER Edouard" userId="ebb82edb-7407-4d15-83b7-25e3e52afcdf" providerId="ADAL" clId="{24C4D8FE-2D5F-474A-A547-9EDDF165BA0E}" dt="2020-05-28T16:08:43.061" v="2006"/>
+        <pc:chgData name="GAUTIER Edouard" userId="ebb82edb-7407-4d15-83b7-25e3e52afcdf" providerId="ADAL" clId="{24C4D8FE-2D5F-474A-A547-9EDDF165BA0E}" dt="2020-05-29T13:32:10.687" v="2339" actId="14826"/>
         <pc:sldMkLst>
           <pc:docMk/>
           <pc:sldMk cId="1858337997" sldId="262"/>
         </pc:sldMkLst>
         <pc:spChg chg="mod">
-          <ac:chgData name="GAUTIER Edouard" userId="ebb82edb-7407-4d15-83b7-25e3e52afcdf" providerId="ADAL" clId="{24C4D8FE-2D5F-474A-A547-9EDDF165BA0E}" dt="2020-05-27T14:28:44.055" v="935" actId="20577"/>
+          <ac:chgData name="GAUTIER Edouard" userId="ebb82edb-7407-4d15-83b7-25e3e52afcdf" providerId="ADAL" clId="{24C4D8FE-2D5F-474A-A547-9EDDF165BA0E}" dt="2020-05-29T13:27:19.455" v="2326" actId="404"/>
           <ac:spMkLst>
             <pc:docMk/>
             <pc:sldMk cId="1858337997" sldId="262"/>
@@ -1062,7 +1065,7 @@
           </ac:spMkLst>
         </pc:spChg>
         <pc:spChg chg="mod">
-          <ac:chgData name="GAUTIER Edouard" userId="ebb82edb-7407-4d15-83b7-25e3e52afcdf" providerId="ADAL" clId="{24C4D8FE-2D5F-474A-A547-9EDDF165BA0E}" dt="2020-05-28T10:54:50.039" v="1075" actId="1076"/>
+          <ac:chgData name="GAUTIER Edouard" userId="ebb82edb-7407-4d15-83b7-25e3e52afcdf" providerId="ADAL" clId="{24C4D8FE-2D5F-474A-A547-9EDDF165BA0E}" dt="2020-05-29T13:28:09.762" v="2329" actId="1076"/>
           <ac:spMkLst>
             <pc:docMk/>
             <pc:sldMk cId="1858337997" sldId="262"/>
@@ -1086,7 +1089,7 @@
           </ac:grpSpMkLst>
         </pc:grpChg>
         <pc:picChg chg="add mod">
-          <ac:chgData name="GAUTIER Edouard" userId="ebb82edb-7407-4d15-83b7-25e3e52afcdf" providerId="ADAL" clId="{24C4D8FE-2D5F-474A-A547-9EDDF165BA0E}" dt="2020-05-28T16:08:43.061" v="2006"/>
+          <ac:chgData name="GAUTIER Edouard" userId="ebb82edb-7407-4d15-83b7-25e3e52afcdf" providerId="ADAL" clId="{24C4D8FE-2D5F-474A-A547-9EDDF165BA0E}" dt="2020-05-29T13:27:35.965" v="2328" actId="207"/>
           <ac:picMkLst>
             <pc:docMk/>
             <pc:sldMk cId="1858337997" sldId="262"/>
@@ -1094,7 +1097,7 @@
           </ac:picMkLst>
         </pc:picChg>
         <pc:picChg chg="mod">
-          <ac:chgData name="GAUTIER Edouard" userId="ebb82edb-7407-4d15-83b7-25e3e52afcdf" providerId="ADAL" clId="{24C4D8FE-2D5F-474A-A547-9EDDF165BA0E}" dt="2020-05-28T14:36:11.367" v="1246" actId="14826"/>
+          <ac:chgData name="GAUTIER Edouard" userId="ebb82edb-7407-4d15-83b7-25e3e52afcdf" providerId="ADAL" clId="{24C4D8FE-2D5F-474A-A547-9EDDF165BA0E}" dt="2020-05-29T13:32:10.687" v="2339" actId="14826"/>
           <ac:picMkLst>
             <pc:docMk/>
             <pc:sldMk cId="1858337997" sldId="262"/>
@@ -1150,22 +1153,22 @@
           </ac:cxnSpMkLst>
         </pc:cxnChg>
       </pc:sldChg>
-      <pc:sldChg chg="addSp delSp modSp mod setBg">
-        <pc:chgData name="GAUTIER Edouard" userId="ebb82edb-7407-4d15-83b7-25e3e52afcdf" providerId="ADAL" clId="{24C4D8FE-2D5F-474A-A547-9EDDF165BA0E}" dt="2020-05-28T14:45:39.947" v="1253" actId="478"/>
+      <pc:sldChg chg="addSp delSp modSp mod setBg modNotesTx">
+        <pc:chgData name="GAUTIER Edouard" userId="ebb82edb-7407-4d15-83b7-25e3e52afcdf" providerId="ADAL" clId="{24C4D8FE-2D5F-474A-A547-9EDDF165BA0E}" dt="2020-05-29T13:13:19.127" v="2221" actId="403"/>
         <pc:sldMkLst>
           <pc:docMk/>
           <pc:sldMk cId="415891755" sldId="263"/>
         </pc:sldMkLst>
         <pc:spChg chg="mod">
-          <ac:chgData name="GAUTIER Edouard" userId="ebb82edb-7407-4d15-83b7-25e3e52afcdf" providerId="ADAL" clId="{24C4D8FE-2D5F-474A-A547-9EDDF165BA0E}" dt="2020-05-28T14:26:42.905" v="1150" actId="26606"/>
+          <ac:chgData name="GAUTIER Edouard" userId="ebb82edb-7407-4d15-83b7-25e3e52afcdf" providerId="ADAL" clId="{24C4D8FE-2D5F-474A-A547-9EDDF165BA0E}" dt="2020-05-29T13:13:19.127" v="2221" actId="403"/>
           <ac:spMkLst>
             <pc:docMk/>
             <pc:sldMk cId="415891755" sldId="263"/>
             <ac:spMk id="2" creationId="{7372985E-EB87-47A4-BD52-DB9C2A5E0F22}"/>
           </ac:spMkLst>
         </pc:spChg>
-        <pc:spChg chg="mod">
-          <ac:chgData name="GAUTIER Edouard" userId="ebb82edb-7407-4d15-83b7-25e3e52afcdf" providerId="ADAL" clId="{24C4D8FE-2D5F-474A-A547-9EDDF165BA0E}" dt="2020-05-28T14:26:42.905" v="1150" actId="26606"/>
+        <pc:spChg chg="mod ord">
+          <ac:chgData name="GAUTIER Edouard" userId="ebb82edb-7407-4d15-83b7-25e3e52afcdf" providerId="ADAL" clId="{24C4D8FE-2D5F-474A-A547-9EDDF165BA0E}" dt="2020-05-29T13:12:49.569" v="2220" actId="403"/>
           <ac:spMkLst>
             <pc:docMk/>
             <pc:sldMk cId="415891755" sldId="263"/>
@@ -1228,16 +1231,96 @@
             <ac:spMk id="6" creationId="{E4789124-943C-4F83-A857-057C2272CB9A}"/>
           </ac:spMkLst>
         </pc:spChg>
-        <pc:spChg chg="add">
-          <ac:chgData name="GAUTIER Edouard" userId="ebb82edb-7407-4d15-83b7-25e3e52afcdf" providerId="ADAL" clId="{24C4D8FE-2D5F-474A-A547-9EDDF165BA0E}" dt="2020-05-28T14:26:42.905" v="1150" actId="26606"/>
+        <pc:spChg chg="add del">
+          <ac:chgData name="GAUTIER Edouard" userId="ebb82edb-7407-4d15-83b7-25e3e52afcdf" providerId="ADAL" clId="{24C4D8FE-2D5F-474A-A547-9EDDF165BA0E}" dt="2020-05-29T13:02:32.457" v="2083" actId="26606"/>
           <ac:spMkLst>
             <pc:docMk/>
             <pc:sldMk cId="415891755" sldId="263"/>
             <ac:spMk id="71" creationId="{3FE9758B-E361-4084-8D9F-729FA6C4AD7E}"/>
           </ac:spMkLst>
         </pc:spChg>
+        <pc:spChg chg="add del">
+          <ac:chgData name="GAUTIER Edouard" userId="ebb82edb-7407-4d15-83b7-25e3e52afcdf" providerId="ADAL" clId="{24C4D8FE-2D5F-474A-A547-9EDDF165BA0E}" dt="2020-05-29T13:10:58.848" v="2203" actId="26606"/>
+          <ac:spMkLst>
+            <pc:docMk/>
+            <pc:sldMk cId="415891755" sldId="263"/>
+            <ac:spMk id="78" creationId="{3FE9758B-E361-4084-8D9F-729FA6C4AD7E}"/>
+          </ac:spMkLst>
+        </pc:spChg>
+        <pc:spChg chg="add del">
+          <ac:chgData name="GAUTIER Edouard" userId="ebb82edb-7407-4d15-83b7-25e3e52afcdf" providerId="ADAL" clId="{24C4D8FE-2D5F-474A-A547-9EDDF165BA0E}" dt="2020-05-29T13:09:15.262" v="2194" actId="26606"/>
+          <ac:spMkLst>
+            <pc:docMk/>
+            <pc:sldMk cId="415891755" sldId="263"/>
+            <ac:spMk id="135" creationId="{8F404549-B4DC-481C-926C-DED3EF1C585B}"/>
+          </ac:spMkLst>
+        </pc:spChg>
+        <pc:spChg chg="add del">
+          <ac:chgData name="GAUTIER Edouard" userId="ebb82edb-7407-4d15-83b7-25e3e52afcdf" providerId="ADAL" clId="{24C4D8FE-2D5F-474A-A547-9EDDF165BA0E}" dt="2020-05-29T13:09:15.262" v="2194" actId="26606"/>
+          <ac:spMkLst>
+            <pc:docMk/>
+            <pc:sldMk cId="415891755" sldId="263"/>
+            <ac:spMk id="137" creationId="{1E8FD5CD-351E-4B06-8B78-BD5102D00908}"/>
+          </ac:spMkLst>
+        </pc:spChg>
+        <pc:spChg chg="add del">
+          <ac:chgData name="GAUTIER Edouard" userId="ebb82edb-7407-4d15-83b7-25e3e52afcdf" providerId="ADAL" clId="{24C4D8FE-2D5F-474A-A547-9EDDF165BA0E}" dt="2020-05-29T13:09:07.966" v="2189" actId="26606"/>
+          <ac:spMkLst>
+            <pc:docMk/>
+            <pc:sldMk cId="415891755" sldId="263"/>
+            <ac:spMk id="192" creationId="{E97FF61E-4BA9-4C8B-AD03-05E9B2A40AA7}"/>
+          </ac:spMkLst>
+        </pc:spChg>
+        <pc:spChg chg="add del">
+          <ac:chgData name="GAUTIER Edouard" userId="ebb82edb-7407-4d15-83b7-25e3e52afcdf" providerId="ADAL" clId="{24C4D8FE-2D5F-474A-A547-9EDDF165BA0E}" dt="2020-05-29T13:09:07.966" v="2189" actId="26606"/>
+          <ac:spMkLst>
+            <pc:docMk/>
+            <pc:sldMk cId="415891755" sldId="263"/>
+            <ac:spMk id="193" creationId="{F166425F-5B9E-47A4-9DDB-F86B87375E30}"/>
+          </ac:spMkLst>
+        </pc:spChg>
+        <pc:spChg chg="add del">
+          <ac:chgData name="GAUTIER Edouard" userId="ebb82edb-7407-4d15-83b7-25e3e52afcdf" providerId="ADAL" clId="{24C4D8FE-2D5F-474A-A547-9EDDF165BA0E}" dt="2020-05-29T13:09:11.720" v="2191" actId="26606"/>
+          <ac:spMkLst>
+            <pc:docMk/>
+            <pc:sldMk cId="415891755" sldId="263"/>
+            <ac:spMk id="1028" creationId="{2A2327CB-1839-4A51-8B61-B95E86C562AD}"/>
+          </ac:spMkLst>
+        </pc:spChg>
+        <pc:spChg chg="add del">
+          <ac:chgData name="GAUTIER Edouard" userId="ebb82edb-7407-4d15-83b7-25e3e52afcdf" providerId="ADAL" clId="{24C4D8FE-2D5F-474A-A547-9EDDF165BA0E}" dt="2020-05-29T13:09:15.256" v="2193" actId="26606"/>
+          <ac:spMkLst>
+            <pc:docMk/>
+            <pc:sldMk cId="415891755" sldId="263"/>
+            <ac:spMk id="1030" creationId="{2E32075D-9299-4657-87D7-B9987B7FDE36}"/>
+          </ac:spMkLst>
+        </pc:spChg>
+        <pc:spChg chg="add del">
+          <ac:chgData name="GAUTIER Edouard" userId="ebb82edb-7407-4d15-83b7-25e3e52afcdf" providerId="ADAL" clId="{24C4D8FE-2D5F-474A-A547-9EDDF165BA0E}" dt="2020-05-29T13:10:58.855" v="2204" actId="26606"/>
+          <ac:spMkLst>
+            <pc:docMk/>
+            <pc:sldMk cId="415891755" sldId="263"/>
+            <ac:spMk id="1032" creationId="{8F404549-B4DC-481C-926C-DED3EF1C585B}"/>
+          </ac:spMkLst>
+        </pc:spChg>
+        <pc:spChg chg="add del">
+          <ac:chgData name="GAUTIER Edouard" userId="ebb82edb-7407-4d15-83b7-25e3e52afcdf" providerId="ADAL" clId="{24C4D8FE-2D5F-474A-A547-9EDDF165BA0E}" dt="2020-05-29T13:10:58.855" v="2204" actId="26606"/>
+          <ac:spMkLst>
+            <pc:docMk/>
+            <pc:sldMk cId="415891755" sldId="263"/>
+            <ac:spMk id="1033" creationId="{1E8FD5CD-351E-4B06-8B78-BD5102D00908}"/>
+          </ac:spMkLst>
+        </pc:spChg>
+        <pc:spChg chg="add">
+          <ac:chgData name="GAUTIER Edouard" userId="ebb82edb-7407-4d15-83b7-25e3e52afcdf" providerId="ADAL" clId="{24C4D8FE-2D5F-474A-A547-9EDDF165BA0E}" dt="2020-05-29T13:10:58.855" v="2204" actId="26606"/>
+          <ac:spMkLst>
+            <pc:docMk/>
+            <pc:sldMk cId="415891755" sldId="263"/>
+            <ac:spMk id="1035" creationId="{F9E22090-20B0-4E64-847E-6DE402F70577}"/>
+          </ac:spMkLst>
+        </pc:spChg>
         <pc:picChg chg="add mod ord">
-          <ac:chgData name="GAUTIER Edouard" userId="ebb82edb-7407-4d15-83b7-25e3e52afcdf" providerId="ADAL" clId="{24C4D8FE-2D5F-474A-A547-9EDDF165BA0E}" dt="2020-05-28T14:26:42.905" v="1150" actId="26606"/>
+          <ac:chgData name="GAUTIER Edouard" userId="ebb82edb-7407-4d15-83b7-25e3e52afcdf" providerId="ADAL" clId="{24C4D8FE-2D5F-474A-A547-9EDDF165BA0E}" dt="2020-05-29T13:10:58.855" v="2204" actId="26606"/>
           <ac:picMkLst>
             <pc:docMk/>
             <pc:sldMk cId="415891755" sldId="263"/>
@@ -1394,12 +1477,28 @@
           </ac:picMkLst>
         </pc:picChg>
       </pc:sldChg>
-      <pc:sldChg chg="delSp add del mod ord">
-        <pc:chgData name="GAUTIER Edouard" userId="ebb82edb-7407-4d15-83b7-25e3e52afcdf" providerId="ADAL" clId="{24C4D8FE-2D5F-474A-A547-9EDDF165BA0E}" dt="2020-05-28T10:56:48.386" v="1099" actId="478"/>
+      <pc:sldChg chg="delSp modSp add del mod ord">
+        <pc:chgData name="GAUTIER Edouard" userId="ebb82edb-7407-4d15-83b7-25e3e52afcdf" providerId="ADAL" clId="{24C4D8FE-2D5F-474A-A547-9EDDF165BA0E}" dt="2020-05-29T14:04:21.074" v="2580" actId="403"/>
         <pc:sldMkLst>
           <pc:docMk/>
           <pc:sldMk cId="79438583" sldId="267"/>
         </pc:sldMkLst>
+        <pc:spChg chg="mod">
+          <ac:chgData name="GAUTIER Edouard" userId="ebb82edb-7407-4d15-83b7-25e3e52afcdf" providerId="ADAL" clId="{24C4D8FE-2D5F-474A-A547-9EDDF165BA0E}" dt="2020-05-29T13:43:56.236" v="2369" actId="403"/>
+          <ac:spMkLst>
+            <pc:docMk/>
+            <pc:sldMk cId="79438583" sldId="267"/>
+            <ac:spMk id="2" creationId="{C0E826B4-C563-43E2-AE03-9DE23046AE13}"/>
+          </ac:spMkLst>
+        </pc:spChg>
+        <pc:spChg chg="mod">
+          <ac:chgData name="GAUTIER Edouard" userId="ebb82edb-7407-4d15-83b7-25e3e52afcdf" providerId="ADAL" clId="{24C4D8FE-2D5F-474A-A547-9EDDF165BA0E}" dt="2020-05-29T14:04:21.074" v="2580" actId="403"/>
+          <ac:spMkLst>
+            <pc:docMk/>
+            <pc:sldMk cId="79438583" sldId="267"/>
+            <ac:spMk id="3" creationId="{5F24D5BD-B63B-4A58-8699-4E81FEF660D4}"/>
+          </ac:spMkLst>
+        </pc:spChg>
         <pc:spChg chg="del">
           <ac:chgData name="GAUTIER Edouard" userId="ebb82edb-7407-4d15-83b7-25e3e52afcdf" providerId="ADAL" clId="{24C4D8FE-2D5F-474A-A547-9EDDF165BA0E}" dt="2020-05-28T10:56:48.386" v="1099" actId="478"/>
           <ac:spMkLst>
@@ -1448,12 +1547,20 @@
           <pc:sldMk cId="943909847" sldId="267"/>
         </pc:sldMkLst>
       </pc:sldChg>
-      <pc:sldChg chg="delSp add del mod ord">
-        <pc:chgData name="GAUTIER Edouard" userId="ebb82edb-7407-4d15-83b7-25e3e52afcdf" providerId="ADAL" clId="{24C4D8FE-2D5F-474A-A547-9EDDF165BA0E}" dt="2020-05-28T10:56:49.902" v="1100" actId="478"/>
+      <pc:sldChg chg="delSp modSp add del mod ord">
+        <pc:chgData name="GAUTIER Edouard" userId="ebb82edb-7407-4d15-83b7-25e3e52afcdf" providerId="ADAL" clId="{24C4D8FE-2D5F-474A-A547-9EDDF165BA0E}" dt="2020-05-29T13:44:03.362" v="2370" actId="403"/>
         <pc:sldMkLst>
           <pc:docMk/>
           <pc:sldMk cId="3958710600" sldId="268"/>
         </pc:sldMkLst>
+        <pc:spChg chg="mod">
+          <ac:chgData name="GAUTIER Edouard" userId="ebb82edb-7407-4d15-83b7-25e3e52afcdf" providerId="ADAL" clId="{24C4D8FE-2D5F-474A-A547-9EDDF165BA0E}" dt="2020-05-29T13:44:03.362" v="2370" actId="403"/>
+          <ac:spMkLst>
+            <pc:docMk/>
+            <pc:sldMk cId="3958710600" sldId="268"/>
+            <ac:spMk id="2" creationId="{A8124734-C51B-48C4-A282-7DF8F36A005A}"/>
+          </ac:spMkLst>
+        </pc:spChg>
         <pc:spChg chg="del">
           <ac:chgData name="GAUTIER Edouard" userId="ebb82edb-7407-4d15-83b7-25e3e52afcdf" providerId="ADAL" clId="{24C4D8FE-2D5F-474A-A547-9EDDF165BA0E}" dt="2020-05-28T10:56:49.902" v="1100" actId="478"/>
           <ac:spMkLst>
@@ -1519,11 +1626,19 @@
         </pc:picChg>
       </pc:sldChg>
       <pc:sldChg chg="addSp delSp modSp mod">
-        <pc:chgData name="GAUTIER Edouard" userId="ebb82edb-7407-4d15-83b7-25e3e52afcdf" providerId="ADAL" clId="{24C4D8FE-2D5F-474A-A547-9EDDF165BA0E}" dt="2020-05-28T16:08:43.996" v="2007"/>
+        <pc:chgData name="GAUTIER Edouard" userId="ebb82edb-7407-4d15-83b7-25e3e52afcdf" providerId="ADAL" clId="{24C4D8FE-2D5F-474A-A547-9EDDF165BA0E}" dt="2020-05-29T13:28:44.604" v="2332" actId="14826"/>
         <pc:sldMkLst>
           <pc:docMk/>
           <pc:sldMk cId="313590426" sldId="270"/>
         </pc:sldMkLst>
+        <pc:spChg chg="mod">
+          <ac:chgData name="GAUTIER Edouard" userId="ebb82edb-7407-4d15-83b7-25e3e52afcdf" providerId="ADAL" clId="{24C4D8FE-2D5F-474A-A547-9EDDF165BA0E}" dt="2020-05-29T13:28:24.654" v="2330" actId="403"/>
+          <ac:spMkLst>
+            <pc:docMk/>
+            <pc:sldMk cId="313590426" sldId="270"/>
+            <ac:spMk id="2" creationId="{3E08FC1D-C78E-4032-BFFE-55F8041FC993}"/>
+          </ac:spMkLst>
+        </pc:spChg>
         <pc:spChg chg="del">
           <ac:chgData name="GAUTIER Edouard" userId="ebb82edb-7407-4d15-83b7-25e3e52afcdf" providerId="ADAL" clId="{24C4D8FE-2D5F-474A-A547-9EDDF165BA0E}" dt="2020-05-28T10:56:27.992" v="1092" actId="478"/>
           <ac:spMkLst>
@@ -1557,7 +1672,7 @@
           </ac:picMkLst>
         </pc:picChg>
         <pc:picChg chg="add mod">
-          <ac:chgData name="GAUTIER Edouard" userId="ebb82edb-7407-4d15-83b7-25e3e52afcdf" providerId="ADAL" clId="{24C4D8FE-2D5F-474A-A547-9EDDF165BA0E}" dt="2020-05-28T16:08:43.996" v="2007"/>
+          <ac:chgData name="GAUTIER Edouard" userId="ebb82edb-7407-4d15-83b7-25e3e52afcdf" providerId="ADAL" clId="{24C4D8FE-2D5F-474A-A547-9EDDF165BA0E}" dt="2020-05-29T13:28:44.604" v="2332" actId="14826"/>
           <ac:picMkLst>
             <pc:docMk/>
             <pc:sldMk cId="313590426" sldId="270"/>
@@ -1566,11 +1681,19 @@
         </pc:picChg>
       </pc:sldChg>
       <pc:sldChg chg="addSp delSp modSp mod">
-        <pc:chgData name="GAUTIER Edouard" userId="ebb82edb-7407-4d15-83b7-25e3e52afcdf" providerId="ADAL" clId="{24C4D8FE-2D5F-474A-A547-9EDDF165BA0E}" dt="2020-05-28T16:08:49.116" v="2011"/>
+        <pc:chgData name="GAUTIER Edouard" userId="ebb82edb-7407-4d15-83b7-25e3e52afcdf" providerId="ADAL" clId="{24C4D8FE-2D5F-474A-A547-9EDDF165BA0E}" dt="2020-05-29T13:42:47.636" v="2366" actId="20577"/>
         <pc:sldMkLst>
           <pc:docMk/>
           <pc:sldMk cId="709428904" sldId="272"/>
         </pc:sldMkLst>
+        <pc:spChg chg="mod">
+          <ac:chgData name="GAUTIER Edouard" userId="ebb82edb-7407-4d15-83b7-25e3e52afcdf" providerId="ADAL" clId="{24C4D8FE-2D5F-474A-A547-9EDDF165BA0E}" dt="2020-05-29T13:30:04.561" v="2337" actId="403"/>
+          <ac:spMkLst>
+            <pc:docMk/>
+            <pc:sldMk cId="709428904" sldId="272"/>
+            <ac:spMk id="2" creationId="{220858F6-2F55-40CF-8197-0B389B7D0A21}"/>
+          </ac:spMkLst>
+        </pc:spChg>
         <pc:spChg chg="del">
           <ac:chgData name="GAUTIER Edouard" userId="ebb82edb-7407-4d15-83b7-25e3e52afcdf" providerId="ADAL" clId="{24C4D8FE-2D5F-474A-A547-9EDDF165BA0E}" dt="2020-05-28T10:56:37.672" v="1094" actId="478"/>
           <ac:spMkLst>
@@ -1595,8 +1718,24 @@
             <ac:spMk id="4" creationId="{78C7D0DF-FDAC-453D-B979-32D0A16C84D4}"/>
           </ac:spMkLst>
         </pc:spChg>
+        <pc:spChg chg="mod">
+          <ac:chgData name="GAUTIER Edouard" userId="ebb82edb-7407-4d15-83b7-25e3e52afcdf" providerId="ADAL" clId="{24C4D8FE-2D5F-474A-A547-9EDDF165BA0E}" dt="2020-05-29T13:42:47.636" v="2366" actId="20577"/>
+          <ac:spMkLst>
+            <pc:docMk/>
+            <pc:sldMk cId="709428904" sldId="272"/>
+            <ac:spMk id="38" creationId="{A631560F-1203-4E35-81C1-C59C36738578}"/>
+          </ac:spMkLst>
+        </pc:spChg>
+        <pc:picChg chg="mod">
+          <ac:chgData name="GAUTIER Edouard" userId="ebb82edb-7407-4d15-83b7-25e3e52afcdf" providerId="ADAL" clId="{24C4D8FE-2D5F-474A-A547-9EDDF165BA0E}" dt="2020-05-29T13:38:48.812" v="2345" actId="14826"/>
+          <ac:picMkLst>
+            <pc:docMk/>
+            <pc:sldMk cId="709428904" sldId="272"/>
+            <ac:picMk id="12" creationId="{0F1D9A14-8A79-42AF-AA5F-A34975D093BC}"/>
+          </ac:picMkLst>
+        </pc:picChg>
         <pc:picChg chg="add mod">
-          <ac:chgData name="GAUTIER Edouard" userId="ebb82edb-7407-4d15-83b7-25e3e52afcdf" providerId="ADAL" clId="{24C4D8FE-2D5F-474A-A547-9EDDF165BA0E}" dt="2020-05-28T16:08:49.116" v="2011"/>
+          <ac:chgData name="GAUTIER Edouard" userId="ebb82edb-7407-4d15-83b7-25e3e52afcdf" providerId="ADAL" clId="{24C4D8FE-2D5F-474A-A547-9EDDF165BA0E}" dt="2020-05-29T13:30:07.029" v="2338" actId="207"/>
           <ac:picMkLst>
             <pc:docMk/>
             <pc:sldMk cId="709428904" sldId="272"/>
@@ -1605,11 +1744,19 @@
         </pc:picChg>
       </pc:sldChg>
       <pc:sldChg chg="addSp delSp modSp mod">
-        <pc:chgData name="GAUTIER Edouard" userId="ebb82edb-7407-4d15-83b7-25e3e52afcdf" providerId="ADAL" clId="{24C4D8FE-2D5F-474A-A547-9EDDF165BA0E}" dt="2020-05-28T16:08:49.858" v="2012"/>
+        <pc:chgData name="GAUTIER Edouard" userId="ebb82edb-7407-4d15-83b7-25e3e52afcdf" providerId="ADAL" clId="{24C4D8FE-2D5F-474A-A547-9EDDF165BA0E}" dt="2020-05-29T13:41:11.203" v="2359" actId="403"/>
         <pc:sldMkLst>
           <pc:docMk/>
           <pc:sldMk cId="776776765" sldId="273"/>
         </pc:sldMkLst>
+        <pc:spChg chg="mod">
+          <ac:chgData name="GAUTIER Edouard" userId="ebb82edb-7407-4d15-83b7-25e3e52afcdf" providerId="ADAL" clId="{24C4D8FE-2D5F-474A-A547-9EDDF165BA0E}" dt="2020-05-29T13:41:11.203" v="2359" actId="403"/>
+          <ac:spMkLst>
+            <pc:docMk/>
+            <pc:sldMk cId="776776765" sldId="273"/>
+            <ac:spMk id="2" creationId="{83B6FFD0-9C8C-4765-8753-4CD7BCD4139F}"/>
+          </ac:spMkLst>
+        </pc:spChg>
         <pc:spChg chg="del">
           <ac:chgData name="GAUTIER Edouard" userId="ebb82edb-7407-4d15-83b7-25e3e52afcdf" providerId="ADAL" clId="{24C4D8FE-2D5F-474A-A547-9EDDF165BA0E}" dt="2020-05-28T15:07:07.716" v="1334" actId="478"/>
           <ac:spMkLst>
@@ -1634,8 +1781,16 @@
             <ac:spMk id="4" creationId="{FB16DDD5-A44D-44B0-9BC3-2B64FDD0337A}"/>
           </ac:spMkLst>
         </pc:spChg>
+        <pc:picChg chg="mod">
+          <ac:chgData name="GAUTIER Edouard" userId="ebb82edb-7407-4d15-83b7-25e3e52afcdf" providerId="ADAL" clId="{24C4D8FE-2D5F-474A-A547-9EDDF165BA0E}" dt="2020-05-29T13:36:13.267" v="2341" actId="14826"/>
+          <ac:picMkLst>
+            <pc:docMk/>
+            <pc:sldMk cId="776776765" sldId="273"/>
+            <ac:picMk id="7" creationId="{F2A22C05-9093-4168-9477-E68EAE86748E}"/>
+          </ac:picMkLst>
+        </pc:picChg>
         <pc:picChg chg="add mod">
-          <ac:chgData name="GAUTIER Edouard" userId="ebb82edb-7407-4d15-83b7-25e3e52afcdf" providerId="ADAL" clId="{24C4D8FE-2D5F-474A-A547-9EDDF165BA0E}" dt="2020-05-28T16:08:49.858" v="2012"/>
+          <ac:chgData name="GAUTIER Edouard" userId="ebb82edb-7407-4d15-83b7-25e3e52afcdf" providerId="ADAL" clId="{24C4D8FE-2D5F-474A-A547-9EDDF165BA0E}" dt="2020-05-29T13:40:15.400" v="2355" actId="207"/>
           <ac:picMkLst>
             <pc:docMk/>
             <pc:sldMk cId="776776765" sldId="273"/>
@@ -1644,11 +1799,19 @@
         </pc:picChg>
       </pc:sldChg>
       <pc:sldChg chg="addSp delSp modSp mod">
-        <pc:chgData name="GAUTIER Edouard" userId="ebb82edb-7407-4d15-83b7-25e3e52afcdf" providerId="ADAL" clId="{24C4D8FE-2D5F-474A-A547-9EDDF165BA0E}" dt="2020-05-28T16:08:48.250" v="2010"/>
+        <pc:chgData name="GAUTIER Edouard" userId="ebb82edb-7407-4d15-83b7-25e3e52afcdf" providerId="ADAL" clId="{24C4D8FE-2D5F-474A-A547-9EDDF165BA0E}" dt="2020-05-29T13:29:21.741" v="2336" actId="207"/>
         <pc:sldMkLst>
           <pc:docMk/>
           <pc:sldMk cId="1343881736" sldId="274"/>
         </pc:sldMkLst>
+        <pc:spChg chg="mod">
+          <ac:chgData name="GAUTIER Edouard" userId="ebb82edb-7407-4d15-83b7-25e3e52afcdf" providerId="ADAL" clId="{24C4D8FE-2D5F-474A-A547-9EDDF165BA0E}" dt="2020-05-29T13:29:05.113" v="2333" actId="403"/>
+          <ac:spMkLst>
+            <pc:docMk/>
+            <pc:sldMk cId="1343881736" sldId="274"/>
+            <ac:spMk id="2" creationId="{F06AE56E-512C-472A-866E-A841F38E75F9}"/>
+          </ac:spMkLst>
+        </pc:spChg>
         <pc:spChg chg="del">
           <ac:chgData name="GAUTIER Edouard" userId="ebb82edb-7407-4d15-83b7-25e3e52afcdf" providerId="ADAL" clId="{24C4D8FE-2D5F-474A-A547-9EDDF165BA0E}" dt="2020-05-28T15:07:02.995" v="1332" actId="478"/>
           <ac:spMkLst>
@@ -1673,8 +1836,16 @@
             <ac:spMk id="4" creationId="{C009A535-DB07-4A37-81E2-3D8FB493F0F2}"/>
           </ac:spMkLst>
         </pc:spChg>
+        <pc:spChg chg="mod">
+          <ac:chgData name="GAUTIER Edouard" userId="ebb82edb-7407-4d15-83b7-25e3e52afcdf" providerId="ADAL" clId="{24C4D8FE-2D5F-474A-A547-9EDDF165BA0E}" dt="2020-05-29T13:29:13.651" v="2335" actId="403"/>
+          <ac:spMkLst>
+            <pc:docMk/>
+            <pc:sldMk cId="1343881736" sldId="274"/>
+            <ac:spMk id="6" creationId="{91C0BCC7-F8EF-4181-92B5-9524CC883C9A}"/>
+          </ac:spMkLst>
+        </pc:spChg>
         <pc:picChg chg="add mod">
-          <ac:chgData name="GAUTIER Edouard" userId="ebb82edb-7407-4d15-83b7-25e3e52afcdf" providerId="ADAL" clId="{24C4D8FE-2D5F-474A-A547-9EDDF165BA0E}" dt="2020-05-28T16:08:48.250" v="2010"/>
+          <ac:chgData name="GAUTIER Edouard" userId="ebb82edb-7407-4d15-83b7-25e3e52afcdf" providerId="ADAL" clId="{24C4D8FE-2D5F-474A-A547-9EDDF165BA0E}" dt="2020-05-29T13:29:21.741" v="2336" actId="207"/>
           <ac:picMkLst>
             <pc:docMk/>
             <pc:sldMk cId="1343881736" sldId="274"/>
@@ -1683,11 +1854,19 @@
         </pc:picChg>
       </pc:sldChg>
       <pc:sldChg chg="addSp delSp modSp mod">
-        <pc:chgData name="GAUTIER Edouard" userId="ebb82edb-7407-4d15-83b7-25e3e52afcdf" providerId="ADAL" clId="{24C4D8FE-2D5F-474A-A547-9EDDF165BA0E}" dt="2020-05-28T16:08:57.886" v="2017"/>
+        <pc:chgData name="GAUTIER Edouard" userId="ebb82edb-7407-4d15-83b7-25e3e52afcdf" providerId="ADAL" clId="{24C4D8FE-2D5F-474A-A547-9EDDF165BA0E}" dt="2020-05-29T13:42:26.023" v="2364" actId="20577"/>
         <pc:sldMkLst>
           <pc:docMk/>
           <pc:sldMk cId="2740397971" sldId="276"/>
         </pc:sldMkLst>
+        <pc:spChg chg="mod">
+          <ac:chgData name="GAUTIER Edouard" userId="ebb82edb-7407-4d15-83b7-25e3e52afcdf" providerId="ADAL" clId="{24C4D8FE-2D5F-474A-A547-9EDDF165BA0E}" dt="2020-05-29T13:42:11.904" v="2362" actId="20577"/>
+          <ac:spMkLst>
+            <pc:docMk/>
+            <pc:sldMk cId="2740397971" sldId="276"/>
+            <ac:spMk id="2" creationId="{220858F6-2F55-40CF-8197-0B389B7D0A21}"/>
+          </ac:spMkLst>
+        </pc:spChg>
         <pc:spChg chg="del">
           <ac:chgData name="GAUTIER Edouard" userId="ebb82edb-7407-4d15-83b7-25e3e52afcdf" providerId="ADAL" clId="{24C4D8FE-2D5F-474A-A547-9EDDF165BA0E}" dt="2020-05-28T15:07:13.450" v="1335" actId="478"/>
           <ac:spMkLst>
@@ -1712,21 +1891,45 @@
             <ac:spMk id="4" creationId="{FDB2800C-BD47-4E87-952F-B8B5974AE05B}"/>
           </ac:spMkLst>
         </pc:spChg>
+        <pc:spChg chg="mod">
+          <ac:chgData name="GAUTIER Edouard" userId="ebb82edb-7407-4d15-83b7-25e3e52afcdf" providerId="ADAL" clId="{24C4D8FE-2D5F-474A-A547-9EDDF165BA0E}" dt="2020-05-29T13:42:26.023" v="2364" actId="20577"/>
+          <ac:spMkLst>
+            <pc:docMk/>
+            <pc:sldMk cId="2740397971" sldId="276"/>
+            <ac:spMk id="38" creationId="{A631560F-1203-4E35-81C1-C59C36738578}"/>
+          </ac:spMkLst>
+        </pc:spChg>
         <pc:picChg chg="add mod">
-          <ac:chgData name="GAUTIER Edouard" userId="ebb82edb-7407-4d15-83b7-25e3e52afcdf" providerId="ADAL" clId="{24C4D8FE-2D5F-474A-A547-9EDDF165BA0E}" dt="2020-05-28T16:08:57.886" v="2017"/>
+          <ac:chgData name="GAUTIER Edouard" userId="ebb82edb-7407-4d15-83b7-25e3e52afcdf" providerId="ADAL" clId="{24C4D8FE-2D5F-474A-A547-9EDDF165BA0E}" dt="2020-05-29T13:39:47.649" v="2350" actId="207"/>
           <ac:picMkLst>
             <pc:docMk/>
             <pc:sldMk cId="2740397971" sldId="276"/>
             <ac:picMk id="14" creationId="{FD04FE2E-E6FF-42F6-9B76-8BF7744F92AE}"/>
           </ac:picMkLst>
         </pc:picChg>
+        <pc:picChg chg="mod">
+          <ac:chgData name="GAUTIER Edouard" userId="ebb82edb-7407-4d15-83b7-25e3e52afcdf" providerId="ADAL" clId="{24C4D8FE-2D5F-474A-A547-9EDDF165BA0E}" dt="2020-05-29T13:36:52.848" v="2342" actId="14826"/>
+          <ac:picMkLst>
+            <pc:docMk/>
+            <pc:sldMk cId="2740397971" sldId="276"/>
+            <ac:picMk id="20" creationId="{DC0AC8DA-9EBD-4ECC-94AC-0EB9878E17D9}"/>
+          </ac:picMkLst>
+        </pc:picChg>
       </pc:sldChg>
       <pc:sldChg chg="addSp delSp modSp mod">
-        <pc:chgData name="GAUTIER Edouard" userId="ebb82edb-7407-4d15-83b7-25e3e52afcdf" providerId="ADAL" clId="{24C4D8FE-2D5F-474A-A547-9EDDF165BA0E}" dt="2020-05-28T16:08:56.227" v="2016" actId="478"/>
+        <pc:chgData name="GAUTIER Edouard" userId="ebb82edb-7407-4d15-83b7-25e3e52afcdf" providerId="ADAL" clId="{24C4D8FE-2D5F-474A-A547-9EDDF165BA0E}" dt="2020-05-29T13:40:46.152" v="2358" actId="403"/>
         <pc:sldMkLst>
           <pc:docMk/>
           <pc:sldMk cId="1050353512" sldId="277"/>
         </pc:sldMkLst>
+        <pc:spChg chg="mod">
+          <ac:chgData name="GAUTIER Edouard" userId="ebb82edb-7407-4d15-83b7-25e3e52afcdf" providerId="ADAL" clId="{24C4D8FE-2D5F-474A-A547-9EDDF165BA0E}" dt="2020-05-29T13:39:57.633" v="2353" actId="403"/>
+          <ac:spMkLst>
+            <pc:docMk/>
+            <pc:sldMk cId="1050353512" sldId="277"/>
+            <ac:spMk id="2" creationId="{F06AE56E-512C-472A-866E-A841F38E75F9}"/>
+          </ac:spMkLst>
+        </pc:spChg>
         <pc:spChg chg="del">
           <ac:chgData name="GAUTIER Edouard" userId="ebb82edb-7407-4d15-83b7-25e3e52afcdf" providerId="ADAL" clId="{24C4D8FE-2D5F-474A-A547-9EDDF165BA0E}" dt="2020-05-28T16:08:56.227" v="2016" actId="478"/>
           <ac:spMkLst>
@@ -1751,8 +1954,16 @@
             <ac:spMk id="5" creationId="{C60B2EAE-68DD-4534-8A20-AF309B0C8943}"/>
           </ac:spMkLst>
         </pc:spChg>
+        <pc:spChg chg="mod">
+          <ac:chgData name="GAUTIER Edouard" userId="ebb82edb-7407-4d15-83b7-25e3e52afcdf" providerId="ADAL" clId="{24C4D8FE-2D5F-474A-A547-9EDDF165BA0E}" dt="2020-05-29T13:40:46.152" v="2358" actId="403"/>
+          <ac:spMkLst>
+            <pc:docMk/>
+            <pc:sldMk cId="1050353512" sldId="277"/>
+            <ac:spMk id="6" creationId="{91C0BCC7-F8EF-4181-92B5-9524CC883C9A}"/>
+          </ac:spMkLst>
+        </pc:spChg>
         <pc:picChg chg="add mod">
-          <ac:chgData name="GAUTIER Edouard" userId="ebb82edb-7407-4d15-83b7-25e3e52afcdf" providerId="ADAL" clId="{24C4D8FE-2D5F-474A-A547-9EDDF165BA0E}" dt="2020-05-28T16:08:53.240" v="2015"/>
+          <ac:chgData name="GAUTIER Edouard" userId="ebb82edb-7407-4d15-83b7-25e3e52afcdf" providerId="ADAL" clId="{24C4D8FE-2D5F-474A-A547-9EDDF165BA0E}" dt="2020-05-29T13:40:42.185" v="2356" actId="207"/>
           <ac:picMkLst>
             <pc:docMk/>
             <pc:sldMk cId="1050353512" sldId="277"/>
@@ -1761,11 +1972,19 @@
         </pc:picChg>
       </pc:sldChg>
       <pc:sldChg chg="addSp delSp modSp mod">
-        <pc:chgData name="GAUTIER Edouard" userId="ebb82edb-7407-4d15-83b7-25e3e52afcdf" providerId="ADAL" clId="{24C4D8FE-2D5F-474A-A547-9EDDF165BA0E}" dt="2020-05-28T16:09:04.365" v="2018"/>
+        <pc:chgData name="GAUTIER Edouard" userId="ebb82edb-7407-4d15-83b7-25e3e52afcdf" providerId="ADAL" clId="{24C4D8FE-2D5F-474A-A547-9EDDF165BA0E}" dt="2020-05-29T13:39:54.837" v="2352" actId="403"/>
         <pc:sldMkLst>
           <pc:docMk/>
           <pc:sldMk cId="584539415" sldId="279"/>
         </pc:sldMkLst>
+        <pc:spChg chg="mod">
+          <ac:chgData name="GAUTIER Edouard" userId="ebb82edb-7407-4d15-83b7-25e3e52afcdf" providerId="ADAL" clId="{24C4D8FE-2D5F-474A-A547-9EDDF165BA0E}" dt="2020-05-29T13:39:54.837" v="2352" actId="403"/>
+          <ac:spMkLst>
+            <pc:docMk/>
+            <pc:sldMk cId="584539415" sldId="279"/>
+            <ac:spMk id="2" creationId="{83B6FFD0-9C8C-4765-8753-4CD7BCD4139F}"/>
+          </ac:spMkLst>
+        </pc:spChg>
         <pc:spChg chg="del">
           <ac:chgData name="GAUTIER Edouard" userId="ebb82edb-7407-4d15-83b7-25e3e52afcdf" providerId="ADAL" clId="{24C4D8FE-2D5F-474A-A547-9EDDF165BA0E}" dt="2020-05-28T15:07:19.554" v="1338" actId="478"/>
           <ac:spMkLst>
@@ -1798,8 +2017,24 @@
             <ac:spMk id="10" creationId="{77B34B7D-7590-4BDC-844B-79E08444F730}"/>
           </ac:spMkLst>
         </pc:spChg>
+        <pc:graphicFrameChg chg="add del modGraphic">
+          <ac:chgData name="GAUTIER Edouard" userId="ebb82edb-7407-4d15-83b7-25e3e52afcdf" providerId="ADAL" clId="{24C4D8FE-2D5F-474A-A547-9EDDF165BA0E}" dt="2020-05-29T13:39:29.460" v="2347" actId="27309"/>
+          <ac:graphicFrameMkLst>
+            <pc:docMk/>
+            <pc:sldMk cId="584539415" sldId="279"/>
+            <ac:graphicFrameMk id="6" creationId="{37908FC1-5A7D-4B62-A7F7-EF2AE781DEFD}"/>
+          </ac:graphicFrameMkLst>
+        </pc:graphicFrameChg>
+        <pc:picChg chg="mod">
+          <ac:chgData name="GAUTIER Edouard" userId="ebb82edb-7407-4d15-83b7-25e3e52afcdf" providerId="ADAL" clId="{24C4D8FE-2D5F-474A-A547-9EDDF165BA0E}" dt="2020-05-29T13:37:03.284" v="2343" actId="14826"/>
+          <ac:picMkLst>
+            <pc:docMk/>
+            <pc:sldMk cId="584539415" sldId="279"/>
+            <ac:picMk id="7" creationId="{F2A22C05-9093-4168-9477-E68EAE86748E}"/>
+          </ac:picMkLst>
+        </pc:picChg>
         <pc:picChg chg="add mod">
-          <ac:chgData name="GAUTIER Edouard" userId="ebb82edb-7407-4d15-83b7-25e3e52afcdf" providerId="ADAL" clId="{24C4D8FE-2D5F-474A-A547-9EDDF165BA0E}" dt="2020-05-28T16:09:04.365" v="2018"/>
+          <ac:chgData name="GAUTIER Edouard" userId="ebb82edb-7407-4d15-83b7-25e3e52afcdf" providerId="ADAL" clId="{24C4D8FE-2D5F-474A-A547-9EDDF165BA0E}" dt="2020-05-29T13:39:43.558" v="2349" actId="14826"/>
           <ac:picMkLst>
             <pc:docMk/>
             <pc:sldMk cId="584539415" sldId="279"/>
@@ -1824,13 +2059,13 @@
         </pc:cxnChg>
       </pc:sldChg>
       <pc:sldChg chg="addSp delSp modSp new mod setBg">
-        <pc:chgData name="GAUTIER Edouard" userId="ebb82edb-7407-4d15-83b7-25e3e52afcdf" providerId="ADAL" clId="{24C4D8FE-2D5F-474A-A547-9EDDF165BA0E}" dt="2020-05-28T15:34:21.199" v="1601" actId="478"/>
+        <pc:chgData name="GAUTIER Edouard" userId="ebb82edb-7407-4d15-83b7-25e3e52afcdf" providerId="ADAL" clId="{24C4D8FE-2D5F-474A-A547-9EDDF165BA0E}" dt="2020-05-29T13:15:50.998" v="2233" actId="1076"/>
         <pc:sldMkLst>
           <pc:docMk/>
           <pc:sldMk cId="88123512" sldId="280"/>
         </pc:sldMkLst>
         <pc:spChg chg="mod">
-          <ac:chgData name="GAUTIER Edouard" userId="ebb82edb-7407-4d15-83b7-25e3e52afcdf" providerId="ADAL" clId="{24C4D8FE-2D5F-474A-A547-9EDDF165BA0E}" dt="2020-05-28T14:49:42.509" v="1289" actId="26606"/>
+          <ac:chgData name="GAUTIER Edouard" userId="ebb82edb-7407-4d15-83b7-25e3e52afcdf" providerId="ADAL" clId="{24C4D8FE-2D5F-474A-A547-9EDDF165BA0E}" dt="2020-05-29T13:15:07.491" v="2229" actId="790"/>
           <ac:spMkLst>
             <pc:docMk/>
             <pc:sldMk cId="88123512" sldId="280"/>
@@ -1909,6 +2144,14 @@
             <ac:spMk id="20" creationId="{49B5AD54-1E68-4239-A6AF-FE0F49BB8367}"/>
           </ac:spMkLst>
         </pc:spChg>
+        <pc:picChg chg="add mod">
+          <ac:chgData name="GAUTIER Edouard" userId="ebb82edb-7407-4d15-83b7-25e3e52afcdf" providerId="ADAL" clId="{24C4D8FE-2D5F-474A-A547-9EDDF165BA0E}" dt="2020-05-29T13:15:50.998" v="2233" actId="1076"/>
+          <ac:picMkLst>
+            <pc:docMk/>
+            <pc:sldMk cId="88123512" sldId="280"/>
+            <ac:picMk id="6" creationId="{EEF60CE1-863F-4C20-AA86-A9A8E4ADD915}"/>
+          </ac:picMkLst>
+        </pc:picChg>
         <pc:picChg chg="add del mod">
           <ac:chgData name="GAUTIER Edouard" userId="ebb82edb-7407-4d15-83b7-25e3e52afcdf" providerId="ADAL" clId="{24C4D8FE-2D5F-474A-A547-9EDDF165BA0E}" dt="2020-05-28T14:55:30.312" v="1300" actId="478"/>
           <ac:picMkLst>
@@ -1990,13 +2233,13 @@
         </pc:picChg>
       </pc:sldChg>
       <pc:sldChg chg="addSp delSp modSp new mod">
-        <pc:chgData name="GAUTIER Edouard" userId="ebb82edb-7407-4d15-83b7-25e3e52afcdf" providerId="ADAL" clId="{24C4D8FE-2D5F-474A-A547-9EDDF165BA0E}" dt="2020-05-28T15:48:07.219" v="1781" actId="20577"/>
+        <pc:chgData name="GAUTIER Edouard" userId="ebb82edb-7407-4d15-83b7-25e3e52afcdf" providerId="ADAL" clId="{24C4D8FE-2D5F-474A-A547-9EDDF165BA0E}" dt="2020-05-29T13:21:56.303" v="2295" actId="14100"/>
         <pc:sldMkLst>
           <pc:docMk/>
           <pc:sldMk cId="1194584853" sldId="281"/>
         </pc:sldMkLst>
         <pc:spChg chg="mod">
-          <ac:chgData name="GAUTIER Edouard" userId="ebb82edb-7407-4d15-83b7-25e3e52afcdf" providerId="ADAL" clId="{24C4D8FE-2D5F-474A-A547-9EDDF165BA0E}" dt="2020-05-28T15:15:30.363" v="1350" actId="20577"/>
+          <ac:chgData name="GAUTIER Edouard" userId="ebb82edb-7407-4d15-83b7-25e3e52afcdf" providerId="ADAL" clId="{24C4D8FE-2D5F-474A-A547-9EDDF165BA0E}" dt="2020-05-29T13:14:54.079" v="2228" actId="404"/>
           <ac:spMkLst>
             <pc:docMk/>
             <pc:sldMk cId="1194584853" sldId="281"/>
@@ -2020,7 +2263,7 @@
           </ac:spMkLst>
         </pc:spChg>
         <pc:spChg chg="add mod">
-          <ac:chgData name="GAUTIER Edouard" userId="ebb82edb-7407-4d15-83b7-25e3e52afcdf" providerId="ADAL" clId="{24C4D8FE-2D5F-474A-A547-9EDDF165BA0E}" dt="2020-05-28T15:46:53.306" v="1762" actId="1076"/>
+          <ac:chgData name="GAUTIER Edouard" userId="ebb82edb-7407-4d15-83b7-25e3e52afcdf" providerId="ADAL" clId="{24C4D8FE-2D5F-474A-A547-9EDDF165BA0E}" dt="2020-05-29T13:16:20.579" v="2236" actId="1076"/>
           <ac:spMkLst>
             <pc:docMk/>
             <pc:sldMk cId="1194584853" sldId="281"/>
@@ -2044,7 +2287,7 @@
           </ac:spMkLst>
         </pc:spChg>
         <pc:spChg chg="add mod">
-          <ac:chgData name="GAUTIER Edouard" userId="ebb82edb-7407-4d15-83b7-25e3e52afcdf" providerId="ADAL" clId="{24C4D8FE-2D5F-474A-A547-9EDDF165BA0E}" dt="2020-05-28T15:45:47.379" v="1752" actId="108"/>
+          <ac:chgData name="GAUTIER Edouard" userId="ebb82edb-7407-4d15-83b7-25e3e52afcdf" providerId="ADAL" clId="{24C4D8FE-2D5F-474A-A547-9EDDF165BA0E}" dt="2020-05-29T13:16:56.442" v="2238" actId="1076"/>
           <ac:spMkLst>
             <pc:docMk/>
             <pc:sldMk cId="1194584853" sldId="281"/>
@@ -2052,6 +2295,14 @@
           </ac:spMkLst>
         </pc:spChg>
         <pc:spChg chg="add mod">
+          <ac:chgData name="GAUTIER Edouard" userId="ebb82edb-7407-4d15-83b7-25e3e52afcdf" providerId="ADAL" clId="{24C4D8FE-2D5F-474A-A547-9EDDF165BA0E}" dt="2020-05-29T13:19:36.574" v="2294" actId="1076"/>
+          <ac:spMkLst>
+            <pc:docMk/>
+            <pc:sldMk cId="1194584853" sldId="281"/>
+            <ac:spMk id="21" creationId="{EC8D2273-DE9A-47F5-A9B5-6BCDA5B2A3BA}"/>
+          </ac:spMkLst>
+        </pc:spChg>
+        <pc:spChg chg="add mod">
           <ac:chgData name="GAUTIER Edouard" userId="ebb82edb-7407-4d15-83b7-25e3e52afcdf" providerId="ADAL" clId="{24C4D8FE-2D5F-474A-A547-9EDDF165BA0E}" dt="2020-05-28T15:40:48.326" v="1694" actId="1076"/>
           <ac:spMkLst>
             <pc:docMk/>
@@ -2059,8 +2310,8 @@
             <ac:spMk id="24" creationId="{8D3AF57F-7EB5-40C2-B9A6-5B66C5A15E7E}"/>
           </ac:spMkLst>
         </pc:spChg>
-        <pc:spChg chg="add mod">
-          <ac:chgData name="GAUTIER Edouard" userId="ebb82edb-7407-4d15-83b7-25e3e52afcdf" providerId="ADAL" clId="{24C4D8FE-2D5F-474A-A547-9EDDF165BA0E}" dt="2020-05-28T15:35:20.364" v="1606" actId="108"/>
+        <pc:spChg chg="add del mod">
+          <ac:chgData name="GAUTIER Edouard" userId="ebb82edb-7407-4d15-83b7-25e3e52afcdf" providerId="ADAL" clId="{24C4D8FE-2D5F-474A-A547-9EDDF165BA0E}" dt="2020-05-29T13:18:02.433" v="2239" actId="478"/>
           <ac:spMkLst>
             <pc:docMk/>
             <pc:sldMk cId="1194584853" sldId="281"/>
@@ -2092,7 +2343,15 @@
           </ac:spMkLst>
         </pc:spChg>
         <pc:picChg chg="add mod">
-          <ac:chgData name="GAUTIER Edouard" userId="ebb82edb-7407-4d15-83b7-25e3e52afcdf" providerId="ADAL" clId="{24C4D8FE-2D5F-474A-A547-9EDDF165BA0E}" dt="2020-05-28T15:39:32.409" v="1692" actId="14826"/>
+          <ac:chgData name="GAUTIER Edouard" userId="ebb82edb-7407-4d15-83b7-25e3e52afcdf" providerId="ADAL" clId="{24C4D8FE-2D5F-474A-A547-9EDDF165BA0E}" dt="2020-05-29T13:18:52.507" v="2247" actId="1076"/>
+          <ac:picMkLst>
+            <pc:docMk/>
+            <pc:sldMk cId="1194584853" sldId="281"/>
+            <ac:picMk id="20" creationId="{9B4DE5F5-D845-4748-BE64-17289FF9CB39}"/>
+          </ac:picMkLst>
+        </pc:picChg>
+        <pc:picChg chg="add mod">
+          <ac:chgData name="GAUTIER Edouard" userId="ebb82edb-7407-4d15-83b7-25e3e52afcdf" providerId="ADAL" clId="{24C4D8FE-2D5F-474A-A547-9EDDF165BA0E}" dt="2020-05-29T13:14:38.159" v="2225" actId="207"/>
           <ac:picMkLst>
             <pc:docMk/>
             <pc:sldMk cId="1194584853" sldId="281"/>
@@ -2100,7 +2359,7 @@
           </ac:picMkLst>
         </pc:picChg>
         <pc:cxnChg chg="add mod">
-          <ac:chgData name="GAUTIER Edouard" userId="ebb82edb-7407-4d15-83b7-25e3e52afcdf" providerId="ADAL" clId="{24C4D8FE-2D5F-474A-A547-9EDDF165BA0E}" dt="2020-05-28T15:47:44.601" v="1767" actId="1076"/>
+          <ac:chgData name="GAUTIER Edouard" userId="ebb82edb-7407-4d15-83b7-25e3e52afcdf" providerId="ADAL" clId="{24C4D8FE-2D5F-474A-A547-9EDDF165BA0E}" dt="2020-05-29T13:16:20.579" v="2236" actId="1076"/>
           <ac:cxnSpMkLst>
             <pc:docMk/>
             <pc:sldMk cId="1194584853" sldId="281"/>
@@ -2116,7 +2375,7 @@
           </ac:cxnSpMkLst>
         </pc:cxnChg>
         <pc:cxnChg chg="add mod">
-          <ac:chgData name="GAUTIER Edouard" userId="ebb82edb-7407-4d15-83b7-25e3e52afcdf" providerId="ADAL" clId="{24C4D8FE-2D5F-474A-A547-9EDDF165BA0E}" dt="2020-05-28T15:45:41.916" v="1751" actId="108"/>
+          <ac:chgData name="GAUTIER Edouard" userId="ebb82edb-7407-4d15-83b7-25e3e52afcdf" providerId="ADAL" clId="{24C4D8FE-2D5F-474A-A547-9EDDF165BA0E}" dt="2020-05-29T13:16:56.442" v="2238" actId="1076"/>
           <ac:cxnSpMkLst>
             <pc:docMk/>
             <pc:sldMk cId="1194584853" sldId="281"/>
@@ -2148,7 +2407,7 @@
           </ac:cxnSpMkLst>
         </pc:cxnChg>
         <pc:cxnChg chg="add mod">
-          <ac:chgData name="GAUTIER Edouard" userId="ebb82edb-7407-4d15-83b7-25e3e52afcdf" providerId="ADAL" clId="{24C4D8FE-2D5F-474A-A547-9EDDF165BA0E}" dt="2020-05-28T15:46:53.306" v="1762" actId="1076"/>
+          <ac:chgData name="GAUTIER Edouard" userId="ebb82edb-7407-4d15-83b7-25e3e52afcdf" providerId="ADAL" clId="{24C4D8FE-2D5F-474A-A547-9EDDF165BA0E}" dt="2020-05-29T13:21:56.303" v="2295" actId="14100"/>
           <ac:cxnSpMkLst>
             <pc:docMk/>
             <pc:sldMk cId="1194584853" sldId="281"/>
@@ -2156,7 +2415,7 @@
           </ac:cxnSpMkLst>
         </pc:cxnChg>
         <pc:cxnChg chg="add mod">
-          <ac:chgData name="GAUTIER Edouard" userId="ebb82edb-7407-4d15-83b7-25e3e52afcdf" providerId="ADAL" clId="{24C4D8FE-2D5F-474A-A547-9EDDF165BA0E}" dt="2020-05-28T15:46:53.306" v="1762" actId="1076"/>
+          <ac:chgData name="GAUTIER Edouard" userId="ebb82edb-7407-4d15-83b7-25e3e52afcdf" providerId="ADAL" clId="{24C4D8FE-2D5F-474A-A547-9EDDF165BA0E}" dt="2020-05-29T13:16:20.579" v="2236" actId="1076"/>
           <ac:cxnSpMkLst>
             <pc:docMk/>
             <pc:sldMk cId="1194584853" sldId="281"/>
@@ -2165,13 +2424,13 @@
         </pc:cxnChg>
       </pc:sldChg>
       <pc:sldChg chg="addSp delSp modSp new mod">
-        <pc:chgData name="GAUTIER Edouard" userId="ebb82edb-7407-4d15-83b7-25e3e52afcdf" providerId="ADAL" clId="{24C4D8FE-2D5F-474A-A547-9EDDF165BA0E}" dt="2020-05-28T16:02:26.561" v="1998" actId="11529"/>
+        <pc:chgData name="GAUTIER Edouard" userId="ebb82edb-7407-4d15-83b7-25e3e52afcdf" providerId="ADAL" clId="{24C4D8FE-2D5F-474A-A547-9EDDF165BA0E}" dt="2020-05-29T13:22:22.184" v="2301" actId="14100"/>
         <pc:sldMkLst>
           <pc:docMk/>
           <pc:sldMk cId="3441293947" sldId="282"/>
         </pc:sldMkLst>
         <pc:spChg chg="mod">
-          <ac:chgData name="GAUTIER Edouard" userId="ebb82edb-7407-4d15-83b7-25e3e52afcdf" providerId="ADAL" clId="{24C4D8FE-2D5F-474A-A547-9EDDF165BA0E}" dt="2020-05-28T15:38:46.604" v="1689" actId="20577"/>
+          <ac:chgData name="GAUTIER Edouard" userId="ebb82edb-7407-4d15-83b7-25e3e52afcdf" providerId="ADAL" clId="{24C4D8FE-2D5F-474A-A547-9EDDF165BA0E}" dt="2020-05-29T13:22:07.455" v="2298" actId="404"/>
           <ac:spMkLst>
             <pc:docMk/>
             <pc:sldMk cId="3441293947" sldId="282"/>
@@ -2195,7 +2454,7 @@
           </ac:spMkLst>
         </pc:spChg>
         <pc:spChg chg="add mod">
-          <ac:chgData name="GAUTIER Edouard" userId="ebb82edb-7407-4d15-83b7-25e3e52afcdf" providerId="ADAL" clId="{24C4D8FE-2D5F-474A-A547-9EDDF165BA0E}" dt="2020-05-28T15:55:47.795" v="1925" actId="1076"/>
+          <ac:chgData name="GAUTIER Edouard" userId="ebb82edb-7407-4d15-83b7-25e3e52afcdf" providerId="ADAL" clId="{24C4D8FE-2D5F-474A-A547-9EDDF165BA0E}" dt="2020-05-29T13:22:22.184" v="2301" actId="14100"/>
           <ac:spMkLst>
             <pc:docMk/>
             <pc:sldMk cId="3441293947" sldId="282"/>
@@ -2275,7 +2534,7 @@
           </ac:spMkLst>
         </pc:spChg>
         <pc:picChg chg="add mod">
-          <ac:chgData name="GAUTIER Edouard" userId="ebb82edb-7407-4d15-83b7-25e3e52afcdf" providerId="ADAL" clId="{24C4D8FE-2D5F-474A-A547-9EDDF165BA0E}" dt="2020-05-28T15:39:18.396" v="1691" actId="14826"/>
+          <ac:chgData name="GAUTIER Edouard" userId="ebb82edb-7407-4d15-83b7-25e3e52afcdf" providerId="ADAL" clId="{24C4D8FE-2D5F-474A-A547-9EDDF165BA0E}" dt="2020-05-29T13:22:12.800" v="2299" actId="207"/>
           <ac:picMkLst>
             <pc:docMk/>
             <pc:sldMk cId="3441293947" sldId="282"/>
@@ -2363,7 +2622,7 @@
           </ac:cxnSpMkLst>
         </pc:cxnChg>
         <pc:cxnChg chg="add mod">
-          <ac:chgData name="GAUTIER Edouard" userId="ebb82edb-7407-4d15-83b7-25e3e52afcdf" providerId="ADAL" clId="{24C4D8FE-2D5F-474A-A547-9EDDF165BA0E}" dt="2020-05-28T15:55:47.795" v="1925" actId="1076"/>
+          <ac:chgData name="GAUTIER Edouard" userId="ebb82edb-7407-4d15-83b7-25e3e52afcdf" providerId="ADAL" clId="{24C4D8FE-2D5F-474A-A547-9EDDF165BA0E}" dt="2020-05-29T13:22:22.184" v="2301" actId="14100"/>
           <ac:cxnSpMkLst>
             <pc:docMk/>
             <pc:sldMk cId="3441293947" sldId="282"/>
@@ -2402,14 +2661,37 @@
             <ac:cxnSpMk id="68" creationId="{7E0648FE-CB8A-4AF5-B854-8C0F1D8F15C3}"/>
           </ac:cxnSpMkLst>
         </pc:cxnChg>
-        <pc:cxnChg chg="add">
-          <ac:chgData name="GAUTIER Edouard" userId="ebb82edb-7407-4d15-83b7-25e3e52afcdf" providerId="ADAL" clId="{24C4D8FE-2D5F-474A-A547-9EDDF165BA0E}" dt="2020-05-28T16:02:26.561" v="1998" actId="11529"/>
+        <pc:cxnChg chg="add mod">
+          <ac:chgData name="GAUTIER Edouard" userId="ebb82edb-7407-4d15-83b7-25e3e52afcdf" providerId="ADAL" clId="{24C4D8FE-2D5F-474A-A547-9EDDF165BA0E}" dt="2020-05-29T13:22:22.184" v="2301" actId="14100"/>
           <ac:cxnSpMkLst>
             <pc:docMk/>
             <pc:sldMk cId="3441293947" sldId="282"/>
             <ac:cxnSpMk id="73" creationId="{29965306-8C62-4ECA-8A39-7AC2F97E8E5D}"/>
           </ac:cxnSpMkLst>
         </pc:cxnChg>
+      </pc:sldChg>
+      <pc:sldChg chg="modSp new mod">
+        <pc:chgData name="GAUTIER Edouard" userId="ebb82edb-7407-4d15-83b7-25e3e52afcdf" providerId="ADAL" clId="{24C4D8FE-2D5F-474A-A547-9EDDF165BA0E}" dt="2020-05-29T14:03:22.792" v="2575" actId="20577"/>
+        <pc:sldMkLst>
+          <pc:docMk/>
+          <pc:sldMk cId="2630815628" sldId="283"/>
+        </pc:sldMkLst>
+        <pc:spChg chg="mod">
+          <ac:chgData name="GAUTIER Edouard" userId="ebb82edb-7407-4d15-83b7-25e3e52afcdf" providerId="ADAL" clId="{24C4D8FE-2D5F-474A-A547-9EDDF165BA0E}" dt="2020-05-29T13:45:27.810" v="2421" actId="20577"/>
+          <ac:spMkLst>
+            <pc:docMk/>
+            <pc:sldMk cId="2630815628" sldId="283"/>
+            <ac:spMk id="2" creationId="{2D70C537-B7BF-46FA-B53C-96AF0FBBDCEE}"/>
+          </ac:spMkLst>
+        </pc:spChg>
+        <pc:spChg chg="mod">
+          <ac:chgData name="GAUTIER Edouard" userId="ebb82edb-7407-4d15-83b7-25e3e52afcdf" providerId="ADAL" clId="{24C4D8FE-2D5F-474A-A547-9EDDF165BA0E}" dt="2020-05-29T14:03:22.792" v="2575" actId="20577"/>
+          <ac:spMkLst>
+            <pc:docMk/>
+            <pc:sldMk cId="2630815628" sldId="283"/>
+            <ac:spMk id="3" creationId="{84A3C687-8C8D-4052-AAB3-91C7C37D9D35}"/>
+          </ac:spMkLst>
+        </pc:spChg>
       </pc:sldChg>
     </pc:docChg>
   </pc:docChgLst>
@@ -3496,10 +3778,10 @@
             <a:defRPr b="1"/>
           </a:pPr>
           <a:r>
-            <a:rPr lang="fr-FR"/>
+            <a:rPr lang="fr-FR" dirty="0"/>
             <a:t>Trouver l’enveloppe convexe</a:t>
           </a:r>
-          <a:endParaRPr lang="en-US"/>
+          <a:endParaRPr lang="en-US" dirty="0"/>
         </a:p>
       </dgm:t>
     </dgm:pt>
@@ -4153,10 +4435,10 @@
             <a:defRPr b="1"/>
           </a:pPr>
           <a:r>
-            <a:rPr lang="fr-FR" sz="1800" kern="1200"/>
+            <a:rPr lang="fr-FR" sz="1800" kern="1200" dirty="0"/>
             <a:t>Trouver l’enveloppe convexe</a:t>
           </a:r>
-          <a:endParaRPr lang="en-US" sz="1800" kern="1200"/>
+          <a:endParaRPr lang="en-US" sz="1800" kern="1200" dirty="0"/>
         </a:p>
       </dsp:txBody>
       <dsp:txXfrm>
@@ -5737,7 +6019,7 @@
           <a:p>
             <a:fld id="{4AA541ED-C7AA-47AE-AC9F-075210CA23C4}" type="datetime1">
               <a:rPr lang="fr-FR" smtClean="0"/>
-              <a:t>28/05/2020</a:t>
+              <a:t>29/05/2020</a:t>
             </a:fld>
             <a:endParaRPr lang="fr-FR"/>
           </a:p>
@@ -5915,7 +6197,7 @@
           <a:p>
             <a:fld id="{82DF1070-EB11-4739-82EF-FABD2E9EA50B}" type="datetime1">
               <a:rPr lang="fr-FR" smtClean="0"/>
-              <a:t>28/05/2020</a:t>
+              <a:t>29/05/2020</a:t>
             </a:fld>
             <a:endParaRPr lang="fr-FR"/>
           </a:p>
@@ -6227,13 +6509,39 @@
           <a:bodyPr/>
           <a:lstStyle/>
           <a:p>
-            <a:endParaRPr lang="fr-FR" dirty="0"/>
+            <a:r>
+              <a:rPr lang="fr-FR" dirty="0"/>
+              <a:t>Définir: ensemble convexe</a:t>
+            </a:r>
           </a:p>
         </p:txBody>
       </p:sp>
       <p:sp>
         <p:nvSpPr>
-          <p:cNvPr id="4" name="Espace réservé du numéro de diapositive 3"/>
+          <p:cNvPr id="4" name="Espace réservé de la date 3"/>
+          <p:cNvSpPr>
+            <a:spLocks noGrp="1"/>
+          </p:cNvSpPr>
+          <p:nvPr>
+            <p:ph type="dt" idx="1"/>
+          </p:nvPr>
+        </p:nvSpPr>
+        <p:spPr/>
+        <p:txBody>
+          <a:bodyPr/>
+          <a:lstStyle/>
+          <a:p>
+            <a:fld id="{82DF1070-EB11-4739-82EF-FABD2E9EA50B}" type="datetime1">
+              <a:rPr lang="fr-FR" smtClean="0"/>
+              <a:t>29/05/2020</a:t>
+            </a:fld>
+            <a:endParaRPr lang="fr-FR"/>
+          </a:p>
+        </p:txBody>
+      </p:sp>
+      <p:sp>
+        <p:nvSpPr>
+          <p:cNvPr id="5" name="Espace réservé du numéro de diapositive 4"/>
           <p:cNvSpPr>
             <a:spLocks noGrp="1"/>
           </p:cNvSpPr>
@@ -6248,36 +6556,7 @@
           <a:p>
             <a:fld id="{8CE07506-0F94-4913-A884-ED2E254FC74D}" type="slidenum">
               <a:rPr lang="fr-FR" smtClean="0"/>
-              <a:t>10</a:t>
-            </a:fld>
-            <a:endParaRPr lang="fr-FR"/>
-          </a:p>
-        </p:txBody>
-      </p:sp>
-      <p:sp>
-        <p:nvSpPr>
-          <p:cNvPr id="5" name="Espace réservé de la date 4">
-            <a:extLst>
-              <a:ext uri="{FF2B5EF4-FFF2-40B4-BE49-F238E27FC236}">
-                <a16:creationId xmlns:a16="http://schemas.microsoft.com/office/drawing/2014/main" id="{3FDF1471-78DD-490F-BFC1-1385B28B5903}"/>
-              </a:ext>
-            </a:extLst>
-          </p:cNvPr>
-          <p:cNvSpPr>
-            <a:spLocks noGrp="1"/>
-          </p:cNvSpPr>
-          <p:nvPr>
-            <p:ph type="dt" idx="1"/>
-          </p:nvPr>
-        </p:nvSpPr>
-        <p:spPr/>
-        <p:txBody>
-          <a:bodyPr/>
-          <a:lstStyle/>
-          <a:p>
-            <a:fld id="{D8ADFAA2-538F-4D28-903F-D2423B8FF165}" type="datetime1">
-              <a:rPr lang="fr-FR" smtClean="0"/>
-              <a:t>28/05/2020</a:t>
+              <a:t>3</a:t>
             </a:fld>
             <a:endParaRPr lang="fr-FR"/>
           </a:p>
@@ -6286,7 +6565,7 @@
     </p:spTree>
     <p:extLst>
       <p:ext uri="{BB962C8B-B14F-4D97-AF65-F5344CB8AC3E}">
-        <p14:creationId xmlns:p14="http://schemas.microsoft.com/office/powerpoint/2010/main" val="1397351272"/>
+        <p14:creationId xmlns:p14="http://schemas.microsoft.com/office/powerpoint/2010/main" val="2817258641"/>
       </p:ext>
     </p:extLst>
   </p:cSld>
@@ -6340,30 +6619,47 @@
           <a:bodyPr/>
           <a:lstStyle/>
           <a:p>
-            <a:pPr marL="0" marR="0" lvl="0" indent="0" algn="l" defTabSz="914400" rtl="0" eaLnBrk="1" fontAlgn="auto" latinLnBrk="0" hangingPunct="1">
-              <a:lnSpc>
-                <a:spcPct val="100000"/>
-              </a:lnSpc>
-              <a:spcBef>
-                <a:spcPts val="0"/>
-              </a:spcBef>
-              <a:spcAft>
-                <a:spcPts val="0"/>
-              </a:spcAft>
-              <a:buClrTx/>
-              <a:buSzTx/>
-              <a:buFontTx/>
-              <a:buNone/>
-              <a:tabLst/>
-              <a:defRPr/>
-            </a:pPr>
-            <a:endParaRPr lang="fr-FR" dirty="0"/>
+            <a:r>
+              <a:rPr lang="fr-FR" dirty="0"/>
+              <a:t>American </a:t>
+            </a:r>
+            <a:r>
+              <a:rPr lang="fr-FR" dirty="0" err="1"/>
+              <a:t>Mathematical</a:t>
+            </a:r>
+            <a:r>
+              <a:rPr lang="fr-FR" dirty="0"/>
+              <a:t> Society</a:t>
+            </a:r>
           </a:p>
         </p:txBody>
       </p:sp>
       <p:sp>
         <p:nvSpPr>
-          <p:cNvPr id="4" name="Espace réservé du numéro de diapositive 3"/>
+          <p:cNvPr id="4" name="Espace réservé de la date 3"/>
+          <p:cNvSpPr>
+            <a:spLocks noGrp="1"/>
+          </p:cNvSpPr>
+          <p:nvPr>
+            <p:ph type="dt" idx="1"/>
+          </p:nvPr>
+        </p:nvSpPr>
+        <p:spPr/>
+        <p:txBody>
+          <a:bodyPr/>
+          <a:lstStyle/>
+          <a:p>
+            <a:fld id="{82DF1070-EB11-4739-82EF-FABD2E9EA50B}" type="datetime1">
+              <a:rPr lang="fr-FR" smtClean="0"/>
+              <a:t>29/05/2020</a:t>
+            </a:fld>
+            <a:endParaRPr lang="fr-FR"/>
+          </a:p>
+        </p:txBody>
+      </p:sp>
+      <p:sp>
+        <p:nvSpPr>
+          <p:cNvPr id="5" name="Espace réservé du numéro de diapositive 4"/>
           <p:cNvSpPr>
             <a:spLocks noGrp="1"/>
           </p:cNvSpPr>
@@ -6378,36 +6674,7 @@
           <a:p>
             <a:fld id="{8CE07506-0F94-4913-A884-ED2E254FC74D}" type="slidenum">
               <a:rPr lang="fr-FR" smtClean="0"/>
-              <a:t>12</a:t>
-            </a:fld>
-            <a:endParaRPr lang="fr-FR"/>
-          </a:p>
-        </p:txBody>
-      </p:sp>
-      <p:sp>
-        <p:nvSpPr>
-          <p:cNvPr id="5" name="Espace réservé de la date 4">
-            <a:extLst>
-              <a:ext uri="{FF2B5EF4-FFF2-40B4-BE49-F238E27FC236}">
-                <a16:creationId xmlns:a16="http://schemas.microsoft.com/office/drawing/2014/main" id="{C4D8BA02-66BF-40C4-9DEF-57D7367DAA1A}"/>
-              </a:ext>
-            </a:extLst>
-          </p:cNvPr>
-          <p:cNvSpPr>
-            <a:spLocks noGrp="1"/>
-          </p:cNvSpPr>
-          <p:nvPr>
-            <p:ph type="dt" idx="1"/>
-          </p:nvPr>
-        </p:nvSpPr>
-        <p:spPr/>
-        <p:txBody>
-          <a:bodyPr/>
-          <a:lstStyle/>
-          <a:p>
-            <a:fld id="{BBEB4104-C201-4C69-A85B-57BE821AD32B}" type="datetime1">
-              <a:rPr lang="fr-FR" smtClean="0"/>
-              <a:t>28/05/2020</a:t>
+              <a:t>9</a:t>
             </a:fld>
             <a:endParaRPr lang="fr-FR"/>
           </a:p>
@@ -6416,7 +6683,7 @@
     </p:spTree>
     <p:extLst>
       <p:ext uri="{BB962C8B-B14F-4D97-AF65-F5344CB8AC3E}">
-        <p14:creationId xmlns:p14="http://schemas.microsoft.com/office/powerpoint/2010/main" val="4147850616"/>
+        <p14:creationId xmlns:p14="http://schemas.microsoft.com/office/powerpoint/2010/main" val="2898481273"/>
       </p:ext>
     </p:extLst>
   </p:cSld>
@@ -6470,27 +6737,7 @@
           <a:bodyPr/>
           <a:lstStyle/>
           <a:p>
-            <a:pPr marL="0" marR="0" lvl="0" indent="0" algn="l" defTabSz="914400" rtl="0" eaLnBrk="1" fontAlgn="auto" latinLnBrk="0" hangingPunct="1">
-              <a:lnSpc>
-                <a:spcPct val="100000"/>
-              </a:lnSpc>
-              <a:spcBef>
-                <a:spcPts val="0"/>
-              </a:spcBef>
-              <a:spcAft>
-                <a:spcPts val="0"/>
-              </a:spcAft>
-              <a:buClrTx/>
-              <a:buSzTx/>
-              <a:buFontTx/>
-              <a:buNone/>
-              <a:tabLst/>
-              <a:defRPr/>
-            </a:pPr>
-            <a:r>
-              <a:rPr lang="fr-FR" dirty="0"/>
-              <a:t>Axe des y orienté vers le bas</a:t>
-            </a:r>
+            <a:endParaRPr lang="fr-FR" dirty="0"/>
           </a:p>
         </p:txBody>
       </p:sp>
@@ -6511,7 +6758,7 @@
           <a:p>
             <a:fld id="{8CE07506-0F94-4913-A884-ED2E254FC74D}" type="slidenum">
               <a:rPr lang="fr-FR" smtClean="0"/>
-              <a:t>13</a:t>
+              <a:t>10</a:t>
             </a:fld>
             <a:endParaRPr lang="fr-FR"/>
           </a:p>
@@ -6522,7 +6769,7 @@
           <p:cNvPr id="5" name="Espace réservé de la date 4">
             <a:extLst>
               <a:ext uri="{FF2B5EF4-FFF2-40B4-BE49-F238E27FC236}">
-                <a16:creationId xmlns:a16="http://schemas.microsoft.com/office/drawing/2014/main" id="{A9A6ED02-52A4-47B2-9AD9-A6924F5E52D9}"/>
+                <a16:creationId xmlns:a16="http://schemas.microsoft.com/office/drawing/2014/main" id="{3FDF1471-78DD-490F-BFC1-1385B28B5903}"/>
               </a:ext>
             </a:extLst>
           </p:cNvPr>
@@ -6538,9 +6785,9 @@
           <a:bodyPr/>
           <a:lstStyle/>
           <a:p>
-            <a:fld id="{6E14323A-0738-4D8C-A03D-2ECF029AD613}" type="datetime1">
+            <a:fld id="{D8ADFAA2-538F-4D28-903F-D2423B8FF165}" type="datetime1">
               <a:rPr lang="fr-FR" smtClean="0"/>
-              <a:t>28/05/2020</a:t>
+              <a:t>29/05/2020</a:t>
             </a:fld>
             <a:endParaRPr lang="fr-FR"/>
           </a:p>
@@ -6549,7 +6796,7 @@
     </p:spTree>
     <p:extLst>
       <p:ext uri="{BB962C8B-B14F-4D97-AF65-F5344CB8AC3E}">
-        <p14:creationId xmlns:p14="http://schemas.microsoft.com/office/powerpoint/2010/main" val="3063132595"/>
+        <p14:creationId xmlns:p14="http://schemas.microsoft.com/office/powerpoint/2010/main" val="1397351272"/>
       </p:ext>
     </p:extLst>
   </p:cSld>
@@ -6603,16 +6850,23 @@
           <a:bodyPr/>
           <a:lstStyle/>
           <a:p>
-            <a:r>
-              <a:rPr lang="fr-FR" dirty="0"/>
-              <a:t>Inversion de A et B</a:t>
-            </a:r>
-            <a:r>
-              <a:rPr lang="fr-FR" dirty="0">
-                <a:sym typeface="Wingdings" panose="05000000000000000000" pitchFamily="2" charset="2"/>
-              </a:rPr>
-              <a:t> inversion droite et gauche</a:t>
-            </a:r>
+            <a:pPr marL="0" marR="0" lvl="0" indent="0" algn="l" defTabSz="914400" rtl="0" eaLnBrk="1" fontAlgn="auto" latinLnBrk="0" hangingPunct="1">
+              <a:lnSpc>
+                <a:spcPct val="100000"/>
+              </a:lnSpc>
+              <a:spcBef>
+                <a:spcPts val="0"/>
+              </a:spcBef>
+              <a:spcAft>
+                <a:spcPts val="0"/>
+              </a:spcAft>
+              <a:buClrTx/>
+              <a:buSzTx/>
+              <a:buFontTx/>
+              <a:buNone/>
+              <a:tabLst/>
+              <a:defRPr/>
+            </a:pPr>
             <a:endParaRPr lang="fr-FR" dirty="0"/>
           </a:p>
         </p:txBody>
@@ -6634,7 +6888,7 @@
           <a:p>
             <a:fld id="{8CE07506-0F94-4913-A884-ED2E254FC74D}" type="slidenum">
               <a:rPr lang="fr-FR" smtClean="0"/>
-              <a:t>21</a:t>
+              <a:t>12</a:t>
             </a:fld>
             <a:endParaRPr lang="fr-FR"/>
           </a:p>
@@ -6645,7 +6899,7 @@
           <p:cNvPr id="5" name="Espace réservé de la date 4">
             <a:extLst>
               <a:ext uri="{FF2B5EF4-FFF2-40B4-BE49-F238E27FC236}">
-                <a16:creationId xmlns:a16="http://schemas.microsoft.com/office/drawing/2014/main" id="{6C88329B-E092-4673-962B-3AB3BD86A93B}"/>
+                <a16:creationId xmlns:a16="http://schemas.microsoft.com/office/drawing/2014/main" id="{C4D8BA02-66BF-40C4-9DEF-57D7367DAA1A}"/>
               </a:ext>
             </a:extLst>
           </p:cNvPr>
@@ -6661,9 +6915,265 @@
           <a:bodyPr/>
           <a:lstStyle/>
           <a:p>
+            <a:fld id="{BBEB4104-C201-4C69-A85B-57BE821AD32B}" type="datetime1">
+              <a:rPr lang="fr-FR" smtClean="0"/>
+              <a:t>29/05/2020</a:t>
+            </a:fld>
+            <a:endParaRPr lang="fr-FR"/>
+          </a:p>
+        </p:txBody>
+      </p:sp>
+    </p:spTree>
+    <p:extLst>
+      <p:ext uri="{BB962C8B-B14F-4D97-AF65-F5344CB8AC3E}">
+        <p14:creationId xmlns:p14="http://schemas.microsoft.com/office/powerpoint/2010/main" val="4147850616"/>
+      </p:ext>
+    </p:extLst>
+  </p:cSld>
+  <p:clrMapOvr>
+    <a:masterClrMapping/>
+  </p:clrMapOvr>
+</p:notes>
+</file>
+
+<file path=ppt/notesSlides/notesSlide5.xml><?xml version="1.0" encoding="utf-8"?>
+<p:notes xmlns:a="http://schemas.openxmlformats.org/drawingml/2006/main" xmlns:r="http://schemas.openxmlformats.org/officeDocument/2006/relationships" xmlns:p="http://schemas.openxmlformats.org/presentationml/2006/main">
+  <p:cSld>
+    <p:spTree>
+      <p:nvGrpSpPr>
+        <p:cNvPr id="1" name=""/>
+        <p:cNvGrpSpPr/>
+        <p:nvPr/>
+      </p:nvGrpSpPr>
+      <p:grpSpPr>
+        <a:xfrm>
+          <a:off x="0" y="0"/>
+          <a:ext cx="0" cy="0"/>
+          <a:chOff x="0" y="0"/>
+          <a:chExt cx="0" cy="0"/>
+        </a:xfrm>
+      </p:grpSpPr>
+      <p:sp>
+        <p:nvSpPr>
+          <p:cNvPr id="2" name="Espace réservé de l'image des diapositives 1"/>
+          <p:cNvSpPr>
+            <a:spLocks noGrp="1" noRot="1" noChangeAspect="1"/>
+          </p:cNvSpPr>
+          <p:nvPr>
+            <p:ph type="sldImg"/>
+          </p:nvPr>
+        </p:nvSpPr>
+        <p:spPr/>
+      </p:sp>
+      <p:sp>
+        <p:nvSpPr>
+          <p:cNvPr id="3" name="Espace réservé des notes 2"/>
+          <p:cNvSpPr>
+            <a:spLocks noGrp="1"/>
+          </p:cNvSpPr>
+          <p:nvPr>
+            <p:ph type="body" idx="1"/>
+          </p:nvPr>
+        </p:nvSpPr>
+        <p:spPr/>
+        <p:txBody>
+          <a:bodyPr/>
+          <a:lstStyle/>
+          <a:p>
+            <a:pPr marL="0" marR="0" lvl="0" indent="0" algn="l" defTabSz="914400" rtl="0" eaLnBrk="1" fontAlgn="auto" latinLnBrk="0" hangingPunct="1">
+              <a:lnSpc>
+                <a:spcPct val="100000"/>
+              </a:lnSpc>
+              <a:spcBef>
+                <a:spcPts val="0"/>
+              </a:spcBef>
+              <a:spcAft>
+                <a:spcPts val="0"/>
+              </a:spcAft>
+              <a:buClrTx/>
+              <a:buSzTx/>
+              <a:buFontTx/>
+              <a:buNone/>
+              <a:tabLst/>
+              <a:defRPr/>
+            </a:pPr>
+            <a:r>
+              <a:rPr lang="fr-FR" dirty="0"/>
+              <a:t>Axe des y orienté vers le bas</a:t>
+            </a:r>
+          </a:p>
+        </p:txBody>
+      </p:sp>
+      <p:sp>
+        <p:nvSpPr>
+          <p:cNvPr id="4" name="Espace réservé du numéro de diapositive 3"/>
+          <p:cNvSpPr>
+            <a:spLocks noGrp="1"/>
+          </p:cNvSpPr>
+          <p:nvPr>
+            <p:ph type="sldNum" sz="quarter" idx="5"/>
+          </p:nvPr>
+        </p:nvSpPr>
+        <p:spPr/>
+        <p:txBody>
+          <a:bodyPr/>
+          <a:lstStyle/>
+          <a:p>
+            <a:fld id="{8CE07506-0F94-4913-A884-ED2E254FC74D}" type="slidenum">
+              <a:rPr lang="fr-FR" smtClean="0"/>
+              <a:t>13</a:t>
+            </a:fld>
+            <a:endParaRPr lang="fr-FR"/>
+          </a:p>
+        </p:txBody>
+      </p:sp>
+      <p:sp>
+        <p:nvSpPr>
+          <p:cNvPr id="5" name="Espace réservé de la date 4">
+            <a:extLst>
+              <a:ext uri="{FF2B5EF4-FFF2-40B4-BE49-F238E27FC236}">
+                <a16:creationId xmlns:a16="http://schemas.microsoft.com/office/drawing/2014/main" id="{A9A6ED02-52A4-47B2-9AD9-A6924F5E52D9}"/>
+              </a:ext>
+            </a:extLst>
+          </p:cNvPr>
+          <p:cNvSpPr>
+            <a:spLocks noGrp="1"/>
+          </p:cNvSpPr>
+          <p:nvPr>
+            <p:ph type="dt" idx="1"/>
+          </p:nvPr>
+        </p:nvSpPr>
+        <p:spPr/>
+        <p:txBody>
+          <a:bodyPr/>
+          <a:lstStyle/>
+          <a:p>
+            <a:fld id="{6E14323A-0738-4D8C-A03D-2ECF029AD613}" type="datetime1">
+              <a:rPr lang="fr-FR" smtClean="0"/>
+              <a:t>29/05/2020</a:t>
+            </a:fld>
+            <a:endParaRPr lang="fr-FR"/>
+          </a:p>
+        </p:txBody>
+      </p:sp>
+    </p:spTree>
+    <p:extLst>
+      <p:ext uri="{BB962C8B-B14F-4D97-AF65-F5344CB8AC3E}">
+        <p14:creationId xmlns:p14="http://schemas.microsoft.com/office/powerpoint/2010/main" val="3063132595"/>
+      </p:ext>
+    </p:extLst>
+  </p:cSld>
+  <p:clrMapOvr>
+    <a:masterClrMapping/>
+  </p:clrMapOvr>
+</p:notes>
+</file>
+
+<file path=ppt/notesSlides/notesSlide6.xml><?xml version="1.0" encoding="utf-8"?>
+<p:notes xmlns:a="http://schemas.openxmlformats.org/drawingml/2006/main" xmlns:r="http://schemas.openxmlformats.org/officeDocument/2006/relationships" xmlns:p="http://schemas.openxmlformats.org/presentationml/2006/main">
+  <p:cSld>
+    <p:spTree>
+      <p:nvGrpSpPr>
+        <p:cNvPr id="1" name=""/>
+        <p:cNvGrpSpPr/>
+        <p:nvPr/>
+      </p:nvGrpSpPr>
+      <p:grpSpPr>
+        <a:xfrm>
+          <a:off x="0" y="0"/>
+          <a:ext cx="0" cy="0"/>
+          <a:chOff x="0" y="0"/>
+          <a:chExt cx="0" cy="0"/>
+        </a:xfrm>
+      </p:grpSpPr>
+      <p:sp>
+        <p:nvSpPr>
+          <p:cNvPr id="2" name="Espace réservé de l'image des diapositives 1"/>
+          <p:cNvSpPr>
+            <a:spLocks noGrp="1" noRot="1" noChangeAspect="1"/>
+          </p:cNvSpPr>
+          <p:nvPr>
+            <p:ph type="sldImg"/>
+          </p:nvPr>
+        </p:nvSpPr>
+        <p:spPr/>
+      </p:sp>
+      <p:sp>
+        <p:nvSpPr>
+          <p:cNvPr id="3" name="Espace réservé des notes 2"/>
+          <p:cNvSpPr>
+            <a:spLocks noGrp="1"/>
+          </p:cNvSpPr>
+          <p:nvPr>
+            <p:ph type="body" idx="1"/>
+          </p:nvPr>
+        </p:nvSpPr>
+        <p:spPr/>
+        <p:txBody>
+          <a:bodyPr/>
+          <a:lstStyle/>
+          <a:p>
+            <a:r>
+              <a:rPr lang="fr-FR" dirty="0"/>
+              <a:t>Inversion de A et B</a:t>
+            </a:r>
+            <a:r>
+              <a:rPr lang="fr-FR" dirty="0">
+                <a:sym typeface="Wingdings" panose="05000000000000000000" pitchFamily="2" charset="2"/>
+              </a:rPr>
+              <a:t> inversion droite et gauche</a:t>
+            </a:r>
+            <a:endParaRPr lang="fr-FR" dirty="0"/>
+          </a:p>
+        </p:txBody>
+      </p:sp>
+      <p:sp>
+        <p:nvSpPr>
+          <p:cNvPr id="4" name="Espace réservé du numéro de diapositive 3"/>
+          <p:cNvSpPr>
+            <a:spLocks noGrp="1"/>
+          </p:cNvSpPr>
+          <p:nvPr>
+            <p:ph type="sldNum" sz="quarter" idx="5"/>
+          </p:nvPr>
+        </p:nvSpPr>
+        <p:spPr/>
+        <p:txBody>
+          <a:bodyPr/>
+          <a:lstStyle/>
+          <a:p>
+            <a:fld id="{8CE07506-0F94-4913-A884-ED2E254FC74D}" type="slidenum">
+              <a:rPr lang="fr-FR" smtClean="0"/>
+              <a:t>21</a:t>
+            </a:fld>
+            <a:endParaRPr lang="fr-FR"/>
+          </a:p>
+        </p:txBody>
+      </p:sp>
+      <p:sp>
+        <p:nvSpPr>
+          <p:cNvPr id="5" name="Espace réservé de la date 4">
+            <a:extLst>
+              <a:ext uri="{FF2B5EF4-FFF2-40B4-BE49-F238E27FC236}">
+                <a16:creationId xmlns:a16="http://schemas.microsoft.com/office/drawing/2014/main" id="{6C88329B-E092-4673-962B-3AB3BD86A93B}"/>
+              </a:ext>
+            </a:extLst>
+          </p:cNvPr>
+          <p:cNvSpPr>
+            <a:spLocks noGrp="1"/>
+          </p:cNvSpPr>
+          <p:nvPr>
+            <p:ph type="dt" idx="1"/>
+          </p:nvPr>
+        </p:nvSpPr>
+        <p:spPr/>
+        <p:txBody>
+          <a:bodyPr/>
+          <a:lstStyle/>
+          <a:p>
             <a:fld id="{057E73A0-ADA5-443C-ABAC-43FCD5CDB48E}" type="datetime1">
               <a:rPr lang="fr-FR" smtClean="0"/>
-              <a:t>28/05/2020</a:t>
+              <a:t>29/05/2020</a:t>
             </a:fld>
             <a:endParaRPr lang="fr-FR"/>
           </a:p>
@@ -6927,7 +7437,7 @@
           <a:p>
             <a:fld id="{DA5D3EB8-6C48-4D25-B05F-4BC451C6C547}" type="datetime1">
               <a:rPr lang="fr-FR" smtClean="0"/>
-              <a:t>28/05/2020</a:t>
+              <a:t>29/05/2020</a:t>
             </a:fld>
             <a:endParaRPr lang="en-US"/>
           </a:p>
@@ -7188,7 +7698,7 @@
           <a:p>
             <a:fld id="{FD107687-799E-4B57-838A-65DABA1A419F}" type="datetime1">
               <a:rPr lang="fr-FR" smtClean="0"/>
-              <a:t>28/05/2020</a:t>
+              <a:t>29/05/2020</a:t>
             </a:fld>
             <a:endParaRPr lang="en-US"/>
           </a:p>
@@ -7422,7 +7932,7 @@
           <a:p>
             <a:fld id="{34A88134-DAD4-4409-A49D-D4356E281651}" type="datetime1">
               <a:rPr lang="fr-FR" smtClean="0"/>
-              <a:t>28/05/2020</a:t>
+              <a:t>29/05/2020</a:t>
             </a:fld>
             <a:endParaRPr lang="en-US"/>
           </a:p>
@@ -7661,7 +8171,7 @@
           <a:p>
             <a:fld id="{06C0CA56-DC9C-4E7F-9783-63DF819EFF2E}" type="datetime1">
               <a:rPr lang="fr-FR" smtClean="0"/>
-              <a:t>28/05/2020</a:t>
+              <a:t>29/05/2020</a:t>
             </a:fld>
             <a:endParaRPr lang="en-US"/>
           </a:p>
@@ -7967,7 +8477,7 @@
           <a:p>
             <a:fld id="{BB5B10AA-F6A6-4EE8-98FB-3796D9F140DE}" type="datetime1">
               <a:rPr lang="fr-FR" smtClean="0"/>
-              <a:t>28/05/2020</a:t>
+              <a:t>29/05/2020</a:t>
             </a:fld>
             <a:endParaRPr lang="en-US"/>
           </a:p>
@@ -8268,7 +8778,7 @@
           <a:p>
             <a:fld id="{EEC7DB40-12CD-43B8-8317-E8A99E39A9D5}" type="datetime1">
               <a:rPr lang="fr-FR" smtClean="0"/>
-              <a:t>28/05/2020</a:t>
+              <a:t>29/05/2020</a:t>
             </a:fld>
             <a:endParaRPr lang="en-US"/>
           </a:p>
@@ -8689,7 +9199,7 @@
           <a:p>
             <a:fld id="{299DDD94-25E4-427F-8B8D-84236D3B1A56}" type="datetime1">
               <a:rPr lang="fr-FR" smtClean="0"/>
-              <a:t>28/05/2020</a:t>
+              <a:t>29/05/2020</a:t>
             </a:fld>
             <a:endParaRPr lang="en-US"/>
           </a:p>
@@ -8783,7 +9293,7 @@
           <a:p>
             <a:fld id="{E55CB8F1-A686-4E6C-A610-A10C2558198A}" type="datetime1">
               <a:rPr lang="fr-FR" smtClean="0"/>
-              <a:t>28/05/2020</a:t>
+              <a:t>29/05/2020</a:t>
             </a:fld>
             <a:endParaRPr lang="en-US"/>
           </a:p>
@@ -8944,7 +9454,7 @@
           <a:p>
             <a:fld id="{1BEFD228-43C2-4723-ABD7-DAA91E962E0E}" type="datetime1">
               <a:rPr lang="fr-FR" smtClean="0"/>
-              <a:t>28/05/2020</a:t>
+              <a:t>29/05/2020</a:t>
             </a:fld>
             <a:endParaRPr lang="en-US"/>
           </a:p>
@@ -9321,7 +9831,7 @@
           <a:p>
             <a:fld id="{866D44F8-2101-4F00-944F-A3201D9D3CC5}" type="datetime1">
               <a:rPr lang="fr-FR" smtClean="0"/>
-              <a:t>28/05/2020</a:t>
+              <a:t>29/05/2020</a:t>
             </a:fld>
             <a:endParaRPr lang="en-US"/>
           </a:p>
@@ -9609,7 +10119,7 @@
           <a:p>
             <a:fld id="{12B7D130-156C-4092-91A0-2E1447EB6872}" type="datetime1">
               <a:rPr lang="fr-FR" smtClean="0"/>
-              <a:t>28/05/2020</a:t>
+              <a:t>29/05/2020</a:t>
             </a:fld>
             <a:endParaRPr lang="en-US"/>
           </a:p>
@@ -9819,7 +10329,7 @@
           <a:p>
             <a:fld id="{81BA643A-4643-4E47-833D-B1F194874E22}" type="datetime1">
               <a:rPr lang="fr-FR" smtClean="0"/>
-              <a:t>28/05/2020</a:t>
+              <a:t>29/05/2020</a:t>
             </a:fld>
             <a:endParaRPr lang="en-US"/>
           </a:p>
@@ -10438,11 +10948,13 @@
         </p:nvSpPr>
         <p:spPr/>
         <p:txBody>
-          <a:bodyPr/>
+          <a:bodyPr>
+            <a:normAutofit/>
+          </a:bodyPr>
           <a:lstStyle/>
           <a:p>
             <a:r>
-              <a:rPr lang="fr-FR"/>
+              <a:rPr lang="fr-FR" sz="5400" dirty="0"/>
               <a:t>Enveloppe Convexe</a:t>
             </a:r>
           </a:p>
@@ -10466,11 +10978,13 @@
         </p:nvSpPr>
         <p:spPr/>
         <p:txBody>
-          <a:bodyPr/>
+          <a:bodyPr>
+            <a:normAutofit/>
+          </a:bodyPr>
           <a:lstStyle/>
           <a:p>
             <a:r>
-              <a:rPr lang="fr-FR"/>
+              <a:rPr lang="fr-FR" sz="2800" dirty="0"/>
               <a:t>Maths-Info</a:t>
             </a:r>
           </a:p>
@@ -10579,7 +11093,7 @@
           <a:lstStyle/>
           <a:p>
             <a:r>
-              <a:rPr lang="fr-FR" b="1"/>
+              <a:rPr lang="fr-FR" sz="3200" dirty="0"/>
               <a:t>Méthode de Graham</a:t>
             </a:r>
           </a:p>
@@ -10710,28 +11224,28 @@
           <a:p>
             <a:pPr marL="305435" indent="-305435"/>
             <a:r>
-              <a:rPr lang="fr-FR" dirty="0"/>
+              <a:rPr lang="fr-FR" sz="2400" dirty="0"/>
               <a:t>Algorithme pour le calcul de l'enveloppe convexe d'un ensemble de points dans le plan</a:t>
             </a:r>
           </a:p>
           <a:p>
             <a:pPr marL="305435" indent="-305435"/>
             <a:r>
-              <a:rPr lang="fr-FR" dirty="0"/>
+              <a:rPr lang="fr-FR" sz="2400" dirty="0"/>
               <a:t>Publication de l'algorithme original en 1973</a:t>
             </a:r>
           </a:p>
           <a:p>
             <a:pPr marL="305435" indent="-305435"/>
             <a:r>
-              <a:rPr lang="fr-FR" dirty="0"/>
+              <a:rPr lang="fr-FR" sz="2400" dirty="0"/>
               <a:t>Création d’une classe Graham</a:t>
             </a:r>
           </a:p>
           <a:p>
             <a:pPr marL="305435" indent="-305435"/>
             <a:r>
-              <a:rPr lang="fr-FR" dirty="0"/>
+              <a:rPr lang="fr-FR" sz="2400" dirty="0"/>
               <a:t>Notions mathématiques abordées : méthode de la tangente, produit vectoriel</a:t>
             </a:r>
           </a:p>
@@ -10850,11 +11364,13 @@
         </p:nvSpPr>
         <p:spPr/>
         <p:txBody>
-          <a:bodyPr/>
+          <a:bodyPr>
+            <a:normAutofit/>
+          </a:bodyPr>
           <a:lstStyle/>
           <a:p>
             <a:r>
-              <a:rPr lang="fr-FR"/>
+              <a:rPr lang="fr-FR" sz="3200" dirty="0"/>
               <a:t>Recherche de l’origine relative</a:t>
             </a:r>
           </a:p>
@@ -11164,7 +11680,7 @@
           <a:p>
             <a:r>
               <a:rPr lang="fr-FR" dirty="0"/>
-              <a:t>Représentation du nuage de points sous la forme d’une liste de points, Eux-mêmes une liste de leurs coordonnées</a:t>
+              <a:t>Représentation du nuage de points sous la forme d’une liste de points, eux-mêmes une liste de leurs coordonnées</a:t>
             </a:r>
           </a:p>
         </p:txBody>
@@ -11387,11 +11903,13 @@
         </p:nvSpPr>
         <p:spPr/>
         <p:txBody>
-          <a:bodyPr/>
+          <a:bodyPr>
+            <a:normAutofit/>
+          </a:bodyPr>
           <a:lstStyle/>
           <a:p>
             <a:r>
-              <a:rPr lang="fr-FR" dirty="0"/>
+              <a:rPr lang="fr-FR" sz="3200" dirty="0"/>
               <a:t>Tri de la liste</a:t>
             </a:r>
           </a:p>
@@ -11689,7 +12207,7 @@
         </p:nvSpPr>
         <p:spPr>
           <a:xfrm>
-            <a:off x="299451" y="3181328"/>
+            <a:off x="167931" y="3181328"/>
             <a:ext cx="2339632" cy="369332"/>
           </a:xfrm>
           <a:prstGeom prst="rect">
@@ -11894,7 +12412,7 @@
         <p:spPr>
           <a:xfrm>
             <a:off x="589652" y="4181235"/>
-            <a:ext cx="2600877" cy="2289903"/>
+            <a:ext cx="2600877" cy="2289902"/>
           </a:xfrm>
           <a:prstGeom prst="rect">
             <a:avLst/>
@@ -11983,7 +12501,7 @@
       </p:cxnSp>
       <p:pic>
         <p:nvPicPr>
-          <p:cNvPr id="16" name="Graphique 15" descr="Loupe">
+          <p:cNvPr id="16" name="Graphique 15" descr="Calculatrice">
             <a:extLst>
               <a:ext uri="{FF2B5EF4-FFF2-40B4-BE49-F238E27FC236}">
                 <a16:creationId xmlns:a16="http://schemas.microsoft.com/office/drawing/2014/main" id="{86663D7B-E2DB-45ED-B1E1-208959A3232E}"/>
@@ -12064,11 +12582,13 @@
         </p:nvSpPr>
         <p:spPr/>
         <p:txBody>
-          <a:bodyPr/>
+          <a:bodyPr>
+            <a:normAutofit/>
+          </a:bodyPr>
           <a:lstStyle/>
           <a:p>
             <a:r>
-              <a:rPr lang="fr-FR" dirty="0"/>
+              <a:rPr lang="fr-FR" sz="3200" dirty="0"/>
               <a:t>Recherche de l’enveloppe convexe</a:t>
             </a:r>
           </a:p>
@@ -12529,7 +13049,7 @@
       </p:sp>
       <p:pic>
         <p:nvPicPr>
-          <p:cNvPr id="14" name="Graphique 13" descr="Loupe">
+          <p:cNvPr id="14" name="Graphique 13" descr="Calculatrice">
             <a:extLst>
               <a:ext uri="{FF2B5EF4-FFF2-40B4-BE49-F238E27FC236}">
                 <a16:creationId xmlns:a16="http://schemas.microsoft.com/office/drawing/2014/main" id="{2C22556C-D714-4C6A-931C-825ECAE4D641}"/>
@@ -13102,7 +13622,7 @@
           <a:lstStyle/>
           <a:p>
             <a:r>
-              <a:rPr lang="fr-FR" dirty="0"/>
+              <a:rPr lang="fr-FR" sz="3200" dirty="0"/>
               <a:t>Méthode de Jarvis</a:t>
             </a:r>
           </a:p>
@@ -13232,20 +13752,20 @@
           <a:lstStyle/>
           <a:p>
             <a:r>
-              <a:rPr lang="fr-FR" dirty="0"/>
+              <a:rPr lang="fr-FR" sz="2400" dirty="0"/>
               <a:t>Algorithme pour calculer l'enveloppe convexe d'un ensemble fini de points</a:t>
             </a:r>
           </a:p>
           <a:p>
             <a:r>
-              <a:rPr lang="fr-FR" dirty="0"/>
+              <a:rPr lang="fr-FR" sz="2400" dirty="0"/>
               <a:t>Création d’une classe Jarvis</a:t>
             </a:r>
           </a:p>
           <a:p>
             <a:pPr marL="305435" indent="-305435"/>
             <a:r>
-              <a:rPr lang="fr-FR" dirty="0"/>
+              <a:rPr lang="fr-FR" sz="2400" dirty="0"/>
               <a:t>Notions mathématiques abordées : méthode de la tangente, produit vectoriel</a:t>
             </a:r>
           </a:p>
@@ -13364,11 +13884,13 @@
         </p:nvSpPr>
         <p:spPr/>
         <p:txBody>
-          <a:bodyPr/>
+          <a:bodyPr>
+            <a:normAutofit/>
+          </a:bodyPr>
           <a:lstStyle/>
           <a:p>
             <a:r>
-              <a:rPr lang="fr-FR"/>
+              <a:rPr lang="fr-FR" sz="3200" dirty="0"/>
               <a:t>Recherche de l’origine relative</a:t>
             </a:r>
           </a:p>
@@ -13678,7 +14200,7 @@
           <a:p>
             <a:r>
               <a:rPr lang="fr-FR" dirty="0"/>
-              <a:t>Représentation du nuage de points sous la forme d’une liste de points, Eux-mêmes une liste de leurs coordonnées</a:t>
+              <a:t>Représentation du nuage de points sous la forme d’une liste de points, eux-mêmes une liste de leurs coordonnées</a:t>
             </a:r>
           </a:p>
         </p:txBody>
@@ -13755,7 +14277,7 @@
       </p:sp>
       <p:pic>
         <p:nvPicPr>
-          <p:cNvPr id="12" name="Image 11" descr="Une image contenant grand, groupe, volant, gens&#10;&#10;Description générée automatiquement">
+          <p:cNvPr id="12" name="Image 11">
             <a:extLst>
               <a:ext uri="{FF2B5EF4-FFF2-40B4-BE49-F238E27FC236}">
                 <a16:creationId xmlns:a16="http://schemas.microsoft.com/office/drawing/2014/main" id="{0F1D9A14-8A79-42AF-AA5F-A34975D093BC}"/>
@@ -13769,14 +14291,13 @@
         </p:nvPicPr>
         <p:blipFill>
           <a:blip r:embed="rId2"/>
-          <a:stretch>
-            <a:fillRect/>
-          </a:stretch>
+          <a:srcRect/>
+          <a:stretch/>
         </p:blipFill>
         <p:spPr>
           <a:xfrm>
-            <a:off x="4297724" y="3759293"/>
-            <a:ext cx="3596552" cy="2909710"/>
+            <a:off x="4443572" y="3759293"/>
+            <a:ext cx="3304855" cy="2909710"/>
           </a:xfrm>
           <a:prstGeom prst="rect">
             <a:avLst/>
@@ -13901,11 +14422,13 @@
         </p:nvSpPr>
         <p:spPr/>
         <p:txBody>
-          <a:bodyPr/>
+          <a:bodyPr>
+            <a:normAutofit/>
+          </a:bodyPr>
           <a:lstStyle/>
           <a:p>
             <a:r>
-              <a:rPr lang="fr-FR" dirty="0"/>
+              <a:rPr lang="fr-FR" sz="3200" dirty="0"/>
               <a:t>Recherche de l’enveloppe convexe</a:t>
             </a:r>
           </a:p>
@@ -13948,7 +14471,7 @@
       </p:sp>
       <p:pic>
         <p:nvPicPr>
-          <p:cNvPr id="7" name="Espace réservé du contenu 4" descr="Une image contenant texte, carte&#10;&#10;Description générée automatiquement">
+          <p:cNvPr id="7" name="Espace réservé du contenu 4">
             <a:extLst>
               <a:ext uri="{FF2B5EF4-FFF2-40B4-BE49-F238E27FC236}">
                 <a16:creationId xmlns:a16="http://schemas.microsoft.com/office/drawing/2014/main" id="{F2A22C05-9093-4168-9477-E68EAE86748E}"/>
@@ -13964,14 +14487,13 @@
         </p:nvPicPr>
         <p:blipFill>
           <a:blip r:embed="rId2"/>
-          <a:stretch>
-            <a:fillRect/>
-          </a:stretch>
+          <a:srcRect/>
+          <a:stretch/>
         </p:blipFill>
         <p:spPr>
           <a:xfrm>
-            <a:off x="6867817" y="2208008"/>
-            <a:ext cx="4742991" cy="3678238"/>
+            <a:off x="7150437" y="2208008"/>
+            <a:ext cx="4177751" cy="3678238"/>
           </a:xfrm>
           <a:ln w="12700">
             <a:solidFill>
@@ -14348,7 +14870,7 @@
       </p:sp>
       <p:pic>
         <p:nvPicPr>
-          <p:cNvPr id="15" name="Graphique 14" descr="Loupe">
+          <p:cNvPr id="15" name="Graphique 14" descr="Calculatrice">
             <a:extLst>
               <a:ext uri="{FF2B5EF4-FFF2-40B4-BE49-F238E27FC236}">
                 <a16:creationId xmlns:a16="http://schemas.microsoft.com/office/drawing/2014/main" id="{A423867D-ACB6-4D9E-99C6-674D075F1652}"/>
@@ -14934,7 +15456,7 @@
           <a:lstStyle/>
           <a:p>
             <a:r>
-              <a:rPr lang="fr-FR" dirty="0"/>
+              <a:rPr lang="fr-FR" sz="3200" dirty="0"/>
               <a:t>Méthode de Quickhull</a:t>
             </a:r>
           </a:p>
@@ -15064,26 +15586,26 @@
           <a:lstStyle/>
           <a:p>
             <a:r>
-              <a:rPr lang="fr-FR" dirty="0"/>
+              <a:rPr lang="fr-FR" sz="2400" dirty="0"/>
               <a:t>Algorithme pour calculer l'enveloppe convexe d'un ensemble fini de points</a:t>
             </a:r>
           </a:p>
           <a:p>
             <a:r>
-              <a:rPr lang="fr-FR" dirty="0"/>
+              <a:rPr lang="fr-FR" sz="2400" dirty="0"/>
               <a:t>Algorithme du type diviser pour régner</a:t>
             </a:r>
           </a:p>
           <a:p>
             <a:r>
-              <a:rPr lang="fr-FR" dirty="0"/>
+              <a:rPr lang="fr-FR" sz="2400" dirty="0"/>
               <a:t>Création d’une classe Quickhull</a:t>
             </a:r>
           </a:p>
           <a:p>
             <a:pPr marL="305435" indent="-305435"/>
             <a:r>
-              <a:rPr lang="fr-FR" dirty="0"/>
+              <a:rPr lang="fr-FR" sz="2400" dirty="0"/>
               <a:t>Notions mathématiques abordées : méthode de la tangente, produit vectoriel</a:t>
             </a:r>
           </a:p>
@@ -15495,13 +16017,13 @@
         </p:spPr>
         <p:txBody>
           <a:bodyPr anchor="ctr">
-            <a:normAutofit/>
+            <a:normAutofit fontScale="92500" lnSpcReduction="10000"/>
           </a:bodyPr>
           <a:lstStyle/>
           <a:p>
             <a:pPr marL="305435" indent="-305435"/>
             <a:r>
-              <a:rPr lang="fr-FR" sz="2000" dirty="0">
+              <a:rPr lang="fr-FR" sz="2800" dirty="0">
                 <a:solidFill>
                   <a:schemeClr val="accent2">
                     <a:lumMod val="50000"/>
@@ -15514,7 +16036,7 @@
           <a:p>
             <a:pPr marL="305435" indent="-305435"/>
             <a:r>
-              <a:rPr lang="fr-FR" sz="2000" dirty="0">
+              <a:rPr lang="fr-FR" sz="2800" dirty="0">
                 <a:solidFill>
                   <a:schemeClr val="accent2">
                     <a:lumMod val="50000"/>
@@ -15527,7 +16049,20 @@
           <a:p>
             <a:pPr marL="305435" indent="-305435"/>
             <a:r>
-              <a:rPr lang="fr-FR" sz="2000" dirty="0">
+              <a:rPr lang="fr-FR" sz="2800" dirty="0">
+                <a:solidFill>
+                  <a:schemeClr val="accent2">
+                    <a:lumMod val="50000"/>
+                  </a:schemeClr>
+                </a:solidFill>
+              </a:rPr>
+              <a:t>Lecture et écriture des nuages</a:t>
+            </a:r>
+          </a:p>
+          <a:p>
+            <a:pPr marL="305435" indent="-305435"/>
+            <a:r>
+              <a:rPr lang="fr-FR" sz="2800" dirty="0">
                 <a:solidFill>
                   <a:schemeClr val="accent2">
                     <a:lumMod val="50000"/>
@@ -15540,7 +16075,7 @@
           <a:p>
             <a:pPr marL="305435" indent="-305435"/>
             <a:r>
-              <a:rPr lang="fr-FR" sz="2000" dirty="0">
+              <a:rPr lang="fr-FR" sz="2800" dirty="0">
                 <a:solidFill>
                   <a:schemeClr val="accent2">
                     <a:lumMod val="50000"/>
@@ -15553,7 +16088,7 @@
           <a:p>
             <a:pPr marL="305435" indent="-305435"/>
             <a:r>
-              <a:rPr lang="fr-FR" sz="2000" dirty="0">
+              <a:rPr lang="fr-FR" sz="2800" dirty="0">
                 <a:solidFill>
                   <a:schemeClr val="accent2">
                     <a:lumMod val="50000"/>
@@ -15566,7 +16101,7 @@
           <a:p>
             <a:pPr marL="305435" indent="-305435"/>
             <a:r>
-              <a:rPr lang="fr-FR" sz="2000" dirty="0">
+              <a:rPr lang="fr-FR" sz="2800" dirty="0">
                 <a:solidFill>
                   <a:schemeClr val="accent2">
                     <a:lumMod val="50000"/>
@@ -15579,7 +16114,7 @@
           <a:p>
             <a:pPr marL="305435" indent="-305435"/>
             <a:r>
-              <a:rPr lang="fr-FR" sz="2000" dirty="0">
+              <a:rPr lang="fr-FR" sz="2800" dirty="0">
                 <a:solidFill>
                   <a:schemeClr val="accent2">
                     <a:lumMod val="50000"/>
@@ -15592,7 +16127,7 @@
           <a:p>
             <a:pPr marL="305435" indent="-305435"/>
             <a:r>
-              <a:rPr lang="fr-FR" sz="2000" dirty="0">
+              <a:rPr lang="fr-FR" sz="2800" dirty="0">
                 <a:solidFill>
                   <a:schemeClr val="accent2">
                     <a:lumMod val="50000"/>
@@ -15710,12 +16245,14 @@
         </p:nvSpPr>
         <p:spPr/>
         <p:txBody>
-          <a:bodyPr/>
+          <a:bodyPr>
+            <a:normAutofit/>
+          </a:bodyPr>
           <a:lstStyle/>
           <a:p>
             <a:r>
-              <a:rPr lang="fr-FR" dirty="0"/>
-              <a:t>Recherche de des origines relatives</a:t>
+              <a:rPr lang="fr-FR" sz="3200" dirty="0"/>
+              <a:t>Recherche des origines relatives</a:t>
             </a:r>
           </a:p>
         </p:txBody>
@@ -16054,7 +16591,7 @@
           <a:p>
             <a:r>
               <a:rPr lang="fr-FR" dirty="0"/>
-              <a:t>Représentation du nuage de points sous la forme d’une liste de points, Eux-mêmes une liste de leurs coordonnées</a:t>
+              <a:t>Représentation du nuage de points sous la forme d’une liste de points, eux-mêmes une liste de leurs coordonnées</a:t>
             </a:r>
           </a:p>
         </p:txBody>
@@ -16131,7 +16668,7 @@
       </p:sp>
       <p:pic>
         <p:nvPicPr>
-          <p:cNvPr id="20" name="Image 19" descr="Une image contenant grand, groupe, volant, gens&#10;&#10;Description générée automatiquement">
+          <p:cNvPr id="20" name="Image 19">
             <a:extLst>
               <a:ext uri="{FF2B5EF4-FFF2-40B4-BE49-F238E27FC236}">
                 <a16:creationId xmlns:a16="http://schemas.microsoft.com/office/drawing/2014/main" id="{DC0AC8DA-9EBD-4ECC-94AC-0EB9878E17D9}"/>
@@ -16145,14 +16682,13 @@
         </p:nvPicPr>
         <p:blipFill>
           <a:blip r:embed="rId2"/>
-          <a:stretch>
-            <a:fillRect/>
-          </a:stretch>
+          <a:srcRect/>
+          <a:stretch/>
         </p:blipFill>
         <p:spPr>
           <a:xfrm>
-            <a:off x="4297724" y="3759293"/>
-            <a:ext cx="3596552" cy="2909710"/>
+            <a:off x="4417786" y="3759293"/>
+            <a:ext cx="3356428" cy="2909710"/>
           </a:xfrm>
           <a:prstGeom prst="rect">
             <a:avLst/>
@@ -16277,11 +16813,13 @@
         </p:nvSpPr>
         <p:spPr/>
         <p:txBody>
-          <a:bodyPr/>
+          <a:bodyPr>
+            <a:normAutofit/>
+          </a:bodyPr>
           <a:lstStyle/>
           <a:p>
             <a:r>
-              <a:rPr lang="fr-FR" dirty="0"/>
+              <a:rPr lang="fr-FR" sz="3200" dirty="0"/>
               <a:t>Recherche de l’enveloppe convexe</a:t>
             </a:r>
           </a:p>
@@ -16324,7 +16862,7 @@
       </p:sp>
       <p:pic>
         <p:nvPicPr>
-          <p:cNvPr id="7" name="Espace réservé du contenu 4" descr="Une image contenant texte, carte&#10;&#10;Description générée automatiquement">
+          <p:cNvPr id="7" name="Espace réservé du contenu 4">
             <a:extLst>
               <a:ext uri="{FF2B5EF4-FFF2-40B4-BE49-F238E27FC236}">
                 <a16:creationId xmlns:a16="http://schemas.microsoft.com/office/drawing/2014/main" id="{F2A22C05-9093-4168-9477-E68EAE86748E}"/>
@@ -16340,14 +16878,13 @@
         </p:nvPicPr>
         <p:blipFill>
           <a:blip r:embed="rId3"/>
-          <a:stretch>
-            <a:fillRect/>
-          </a:stretch>
+          <a:srcRect/>
+          <a:stretch/>
         </p:blipFill>
         <p:spPr>
           <a:xfrm>
-            <a:off x="6867817" y="2208008"/>
-            <a:ext cx="4742991" cy="3678238"/>
+            <a:off x="7117839" y="2208008"/>
+            <a:ext cx="4242946" cy="3678238"/>
           </a:xfrm>
           <a:ln w="12700">
             <a:solidFill>
@@ -16746,7 +17283,7 @@
       </p:sp>
       <p:pic>
         <p:nvPicPr>
-          <p:cNvPr id="15" name="Graphique 14" descr="Loupe">
+          <p:cNvPr id="15" name="Graphique 14" descr="Calculatrice">
             <a:extLst>
               <a:ext uri="{FF2B5EF4-FFF2-40B4-BE49-F238E27FC236}">
                 <a16:creationId xmlns:a16="http://schemas.microsoft.com/office/drawing/2014/main" id="{4DD30494-0BB1-4FAC-A8B2-9A648D9EE458}"/>
@@ -16814,7 +17351,7 @@
           <p:cNvPr id="2" name="Titre 1">
             <a:extLst>
               <a:ext uri="{FF2B5EF4-FFF2-40B4-BE49-F238E27FC236}">
-                <a16:creationId xmlns:a16="http://schemas.microsoft.com/office/drawing/2014/main" id="{C0E826B4-C563-43E2-AE03-9DE23046AE13}"/>
+                <a16:creationId xmlns:a16="http://schemas.microsoft.com/office/drawing/2014/main" id="{2D70C537-B7BF-46FA-B53C-96AF0FBBDCEE}"/>
               </a:ext>
             </a:extLst>
           </p:cNvPr>
@@ -16827,12 +17364,14 @@
         </p:nvSpPr>
         <p:spPr/>
         <p:txBody>
-          <a:bodyPr/>
+          <a:bodyPr>
+            <a:normAutofit/>
+          </a:bodyPr>
           <a:lstStyle/>
           <a:p>
             <a:r>
-              <a:rPr lang="fr-FR"/>
-              <a:t>LIMITES DU PROGRAMME</a:t>
+              <a:rPr lang="fr-FR" sz="3200" dirty="0"/>
+              <a:t>Tests unitaires</a:t>
             </a:r>
           </a:p>
         </p:txBody>
@@ -16842,7 +17381,7 @@
           <p:cNvPr id="3" name="Espace réservé du contenu 2">
             <a:extLst>
               <a:ext uri="{FF2B5EF4-FFF2-40B4-BE49-F238E27FC236}">
-                <a16:creationId xmlns:a16="http://schemas.microsoft.com/office/drawing/2014/main" id="{5F24D5BD-B63B-4A58-8699-4E81FEF660D4}"/>
+                <a16:creationId xmlns:a16="http://schemas.microsoft.com/office/drawing/2014/main" id="{84A3C687-8C8D-4052-AAB3-91C7C37D9D35}"/>
               </a:ext>
             </a:extLst>
           </p:cNvPr>
@@ -16858,16 +17397,59 @@
           <a:bodyPr/>
           <a:lstStyle/>
           <a:p>
-            <a:endParaRPr lang="fr-FR"/>
+            <a:r>
+              <a:rPr lang="fr-FR" dirty="0"/>
+              <a:t>Montrer performances</a:t>
+            </a:r>
+          </a:p>
+          <a:p>
+            <a:r>
+              <a:rPr lang="fr-FR" dirty="0"/>
+              <a:t>Complexité algorithmique</a:t>
+            </a:r>
+          </a:p>
+          <a:p>
+            <a:r>
+              <a:rPr lang="fr-FR" dirty="0"/>
+              <a:t>Couverture des tests</a:t>
+            </a:r>
           </a:p>
         </p:txBody>
       </p:sp>
       <p:sp>
         <p:nvSpPr>
-          <p:cNvPr id="6" name="Espace réservé du numéro de diapositive 5">
-            <a:extLst>
-              <a:ext uri="{FF2B5EF4-FFF2-40B4-BE49-F238E27FC236}">
-                <a16:creationId xmlns:a16="http://schemas.microsoft.com/office/drawing/2014/main" id="{E07121FA-74A6-496E-8066-D97984B16D3E}"/>
+          <p:cNvPr id="4" name="Espace réservé du pied de page 3">
+            <a:extLst>
+              <a:ext uri="{FF2B5EF4-FFF2-40B4-BE49-F238E27FC236}">
+                <a16:creationId xmlns:a16="http://schemas.microsoft.com/office/drawing/2014/main" id="{9C035442-78C4-4487-864C-6C3F36D436E2}"/>
+              </a:ext>
+            </a:extLst>
+          </p:cNvPr>
+          <p:cNvSpPr>
+            <a:spLocks noGrp="1"/>
+          </p:cNvSpPr>
+          <p:nvPr>
+            <p:ph type="ftr" sz="quarter" idx="11"/>
+          </p:nvPr>
+        </p:nvSpPr>
+        <p:spPr/>
+        <p:txBody>
+          <a:bodyPr/>
+          <a:lstStyle/>
+          <a:p>
+            <a:r>
+              <a:rPr lang="en-US"/>
+              <a:t>Anaïs Gallerand ; Edouard Gautier ; Antoine Orvain</a:t>
+            </a:r>
+          </a:p>
+        </p:txBody>
+      </p:sp>
+      <p:sp>
+        <p:nvSpPr>
+          <p:cNvPr id="5" name="Espace réservé du numéro de diapositive 4">
+            <a:extLst>
+              <a:ext uri="{FF2B5EF4-FFF2-40B4-BE49-F238E27FC236}">
+                <a16:creationId xmlns:a16="http://schemas.microsoft.com/office/drawing/2014/main" id="{41244C4E-3F87-420A-B111-9D980FE43D82}"/>
               </a:ext>
             </a:extLst>
           </p:cNvPr>
@@ -16892,38 +17474,10 @@
           </a:p>
         </p:txBody>
       </p:sp>
-      <p:sp>
-        <p:nvSpPr>
-          <p:cNvPr id="4" name="Espace réservé du pied de page 3">
-            <a:extLst>
-              <a:ext uri="{FF2B5EF4-FFF2-40B4-BE49-F238E27FC236}">
-                <a16:creationId xmlns:a16="http://schemas.microsoft.com/office/drawing/2014/main" id="{56514CDE-FA9C-400B-955D-2B8E0F13EE10}"/>
-              </a:ext>
-            </a:extLst>
-          </p:cNvPr>
-          <p:cNvSpPr>
-            <a:spLocks noGrp="1"/>
-          </p:cNvSpPr>
-          <p:nvPr>
-            <p:ph type="ftr" sz="quarter" idx="11"/>
-          </p:nvPr>
-        </p:nvSpPr>
-        <p:spPr/>
-        <p:txBody>
-          <a:bodyPr/>
-          <a:lstStyle/>
-          <a:p>
-            <a:r>
-              <a:rPr lang="en-US"/>
-              <a:t>Anaïs Gallerand ; Edouard Gautier ; Antoine Orvain</a:t>
-            </a:r>
-          </a:p>
-        </p:txBody>
-      </p:sp>
     </p:spTree>
     <p:extLst>
       <p:ext uri="{BB962C8B-B14F-4D97-AF65-F5344CB8AC3E}">
-        <p14:creationId xmlns:p14="http://schemas.microsoft.com/office/powerpoint/2010/main" val="79438583"/>
+        <p14:creationId xmlns:p14="http://schemas.microsoft.com/office/powerpoint/2010/main" val="2630815628"/>
       </p:ext>
     </p:extLst>
   </p:cSld>
@@ -16955,7 +17509,7 @@
           <p:cNvPr id="2" name="Titre 1">
             <a:extLst>
               <a:ext uri="{FF2B5EF4-FFF2-40B4-BE49-F238E27FC236}">
-                <a16:creationId xmlns:a16="http://schemas.microsoft.com/office/drawing/2014/main" id="{A8124734-C51B-48C4-A282-7DF8F36A005A}"/>
+                <a16:creationId xmlns:a16="http://schemas.microsoft.com/office/drawing/2014/main" id="{C0E826B4-C563-43E2-AE03-9DE23046AE13}"/>
               </a:ext>
             </a:extLst>
           </p:cNvPr>
@@ -16968,12 +17522,14 @@
         </p:nvSpPr>
         <p:spPr/>
         <p:txBody>
-          <a:bodyPr/>
+          <a:bodyPr>
+            <a:normAutofit/>
+          </a:bodyPr>
           <a:lstStyle/>
           <a:p>
             <a:r>
-              <a:rPr lang="fr-FR"/>
-              <a:t>CONCLUSION</a:t>
+              <a:rPr lang="fr-FR" sz="3200" dirty="0"/>
+              <a:t>LIMITES DU PROGRAMME</a:t>
             </a:r>
           </a:p>
         </p:txBody>
@@ -16983,7 +17539,7 @@
           <p:cNvPr id="3" name="Espace réservé du contenu 2">
             <a:extLst>
               <a:ext uri="{FF2B5EF4-FFF2-40B4-BE49-F238E27FC236}">
-                <a16:creationId xmlns:a16="http://schemas.microsoft.com/office/drawing/2014/main" id="{76BED381-5DB9-4197-8BAD-4019E6D49582}"/>
+                <a16:creationId xmlns:a16="http://schemas.microsoft.com/office/drawing/2014/main" id="{5F24D5BD-B63B-4A58-8699-4E81FEF660D4}"/>
               </a:ext>
             </a:extLst>
           </p:cNvPr>
@@ -16996,10 +17552,28 @@
         </p:nvSpPr>
         <p:spPr/>
         <p:txBody>
-          <a:bodyPr/>
+          <a:bodyPr>
+            <a:normAutofit/>
+          </a:bodyPr>
           <a:lstStyle/>
           <a:p>
-            <a:endParaRPr lang="fr-FR"/>
+            <a:r>
+              <a:rPr lang="fr-FR" sz="2400" dirty="0" err="1"/>
+              <a:t>2D</a:t>
+            </a:r>
+            <a:endParaRPr lang="fr-FR" sz="2400" dirty="0"/>
+          </a:p>
+          <a:p>
+            <a:r>
+              <a:rPr lang="fr-FR" sz="2400" dirty="0"/>
+              <a:t>Erreurs avec Jarvis</a:t>
+            </a:r>
+          </a:p>
+          <a:p>
+            <a:r>
+              <a:rPr lang="fr-FR" sz="2400" dirty="0"/>
+              <a:t>Complexité algorithmique </a:t>
+            </a:r>
           </a:p>
         </p:txBody>
       </p:sp>
@@ -17008,7 +17582,7 @@
           <p:cNvPr id="6" name="Espace réservé du numéro de diapositive 5">
             <a:extLst>
               <a:ext uri="{FF2B5EF4-FFF2-40B4-BE49-F238E27FC236}">
-                <a16:creationId xmlns:a16="http://schemas.microsoft.com/office/drawing/2014/main" id="{88B3C869-69F9-4691-8DAA-D0771A00C1C4}"/>
+                <a16:creationId xmlns:a16="http://schemas.microsoft.com/office/drawing/2014/main" id="{E07121FA-74A6-496E-8066-D97984B16D3E}"/>
               </a:ext>
             </a:extLst>
           </p:cNvPr>
@@ -17028,6 +17602,149 @@
               <a:rPr lang="en-US" smtClean="0"/>
               <a:pPr/>
               <a:t>23</a:t>
+            </a:fld>
+            <a:endParaRPr lang="en-US"/>
+          </a:p>
+        </p:txBody>
+      </p:sp>
+      <p:sp>
+        <p:nvSpPr>
+          <p:cNvPr id="4" name="Espace réservé du pied de page 3">
+            <a:extLst>
+              <a:ext uri="{FF2B5EF4-FFF2-40B4-BE49-F238E27FC236}">
+                <a16:creationId xmlns:a16="http://schemas.microsoft.com/office/drawing/2014/main" id="{56514CDE-FA9C-400B-955D-2B8E0F13EE10}"/>
+              </a:ext>
+            </a:extLst>
+          </p:cNvPr>
+          <p:cNvSpPr>
+            <a:spLocks noGrp="1"/>
+          </p:cNvSpPr>
+          <p:nvPr>
+            <p:ph type="ftr" sz="quarter" idx="11"/>
+          </p:nvPr>
+        </p:nvSpPr>
+        <p:spPr/>
+        <p:txBody>
+          <a:bodyPr/>
+          <a:lstStyle/>
+          <a:p>
+            <a:r>
+              <a:rPr lang="en-US"/>
+              <a:t>Anaïs Gallerand ; Edouard Gautier ; Antoine Orvain</a:t>
+            </a:r>
+          </a:p>
+        </p:txBody>
+      </p:sp>
+    </p:spTree>
+    <p:extLst>
+      <p:ext uri="{BB962C8B-B14F-4D97-AF65-F5344CB8AC3E}">
+        <p14:creationId xmlns:p14="http://schemas.microsoft.com/office/powerpoint/2010/main" val="79438583"/>
+      </p:ext>
+    </p:extLst>
+  </p:cSld>
+  <p:clrMapOvr>
+    <a:masterClrMapping/>
+  </p:clrMapOvr>
+</p:sld>
+</file>
+
+<file path=ppt/slides/slide24.xml><?xml version="1.0" encoding="utf-8"?>
+<p:sld xmlns:a="http://schemas.openxmlformats.org/drawingml/2006/main" xmlns:r="http://schemas.openxmlformats.org/officeDocument/2006/relationships" xmlns:p="http://schemas.openxmlformats.org/presentationml/2006/main">
+  <p:cSld>
+    <p:spTree>
+      <p:nvGrpSpPr>
+        <p:cNvPr id="1" name=""/>
+        <p:cNvGrpSpPr/>
+        <p:nvPr/>
+      </p:nvGrpSpPr>
+      <p:grpSpPr>
+        <a:xfrm>
+          <a:off x="0" y="0"/>
+          <a:ext cx="0" cy="0"/>
+          <a:chOff x="0" y="0"/>
+          <a:chExt cx="0" cy="0"/>
+        </a:xfrm>
+      </p:grpSpPr>
+      <p:sp>
+        <p:nvSpPr>
+          <p:cNvPr id="2" name="Titre 1">
+            <a:extLst>
+              <a:ext uri="{FF2B5EF4-FFF2-40B4-BE49-F238E27FC236}">
+                <a16:creationId xmlns:a16="http://schemas.microsoft.com/office/drawing/2014/main" id="{A8124734-C51B-48C4-A282-7DF8F36A005A}"/>
+              </a:ext>
+            </a:extLst>
+          </p:cNvPr>
+          <p:cNvSpPr>
+            <a:spLocks noGrp="1"/>
+          </p:cNvSpPr>
+          <p:nvPr>
+            <p:ph type="title"/>
+          </p:nvPr>
+        </p:nvSpPr>
+        <p:spPr/>
+        <p:txBody>
+          <a:bodyPr>
+            <a:normAutofit/>
+          </a:bodyPr>
+          <a:lstStyle/>
+          <a:p>
+            <a:r>
+              <a:rPr lang="fr-FR" sz="3200" dirty="0"/>
+              <a:t>CONCLUSION</a:t>
+            </a:r>
+          </a:p>
+        </p:txBody>
+      </p:sp>
+      <p:sp>
+        <p:nvSpPr>
+          <p:cNvPr id="3" name="Espace réservé du contenu 2">
+            <a:extLst>
+              <a:ext uri="{FF2B5EF4-FFF2-40B4-BE49-F238E27FC236}">
+                <a16:creationId xmlns:a16="http://schemas.microsoft.com/office/drawing/2014/main" id="{76BED381-5DB9-4197-8BAD-4019E6D49582}"/>
+              </a:ext>
+            </a:extLst>
+          </p:cNvPr>
+          <p:cNvSpPr>
+            <a:spLocks noGrp="1"/>
+          </p:cNvSpPr>
+          <p:nvPr>
+            <p:ph idx="1"/>
+          </p:nvPr>
+        </p:nvSpPr>
+        <p:spPr/>
+        <p:txBody>
+          <a:bodyPr/>
+          <a:lstStyle/>
+          <a:p>
+            <a:endParaRPr lang="fr-FR"/>
+          </a:p>
+        </p:txBody>
+      </p:sp>
+      <p:sp>
+        <p:nvSpPr>
+          <p:cNvPr id="6" name="Espace réservé du numéro de diapositive 5">
+            <a:extLst>
+              <a:ext uri="{FF2B5EF4-FFF2-40B4-BE49-F238E27FC236}">
+                <a16:creationId xmlns:a16="http://schemas.microsoft.com/office/drawing/2014/main" id="{88B3C869-69F9-4691-8DAA-D0771A00C1C4}"/>
+              </a:ext>
+            </a:extLst>
+          </p:cNvPr>
+          <p:cNvSpPr>
+            <a:spLocks noGrp="1"/>
+          </p:cNvSpPr>
+          <p:nvPr>
+            <p:ph type="sldNum" sz="quarter" idx="12"/>
+          </p:nvPr>
+        </p:nvSpPr>
+        <p:spPr/>
+        <p:txBody>
+          <a:bodyPr/>
+          <a:lstStyle/>
+          <a:p>
+            <a:fld id="{D57F1E4F-1CFF-5643-939E-217C01CDF565}" type="slidenum">
+              <a:rPr lang="en-US" smtClean="0"/>
+              <a:pPr/>
+              <a:t>24</a:t>
             </a:fld>
             <a:endParaRPr lang="en-US"/>
           </a:p>
@@ -17128,7 +17845,7 @@
           <a:lstStyle/>
           <a:p>
             <a:r>
-              <a:rPr lang="fr-FR"/>
+              <a:rPr lang="fr-FR" sz="3200" dirty="0"/>
               <a:t>Introduction</a:t>
             </a:r>
           </a:p>
@@ -17136,10 +17853,10 @@
       </p:sp>
       <p:sp>
         <p:nvSpPr>
-          <p:cNvPr id="71" name="Rectangle 70">
-            <a:extLst>
-              <a:ext uri="{FF2B5EF4-FFF2-40B4-BE49-F238E27FC236}">
-                <a16:creationId xmlns:a16="http://schemas.microsoft.com/office/drawing/2014/main" id="{3FE9758B-E361-4084-8D9F-729FA6C4AD7E}"/>
+          <p:cNvPr id="1035" name="Rectangle 77">
+            <a:extLst>
+              <a:ext uri="{FF2B5EF4-FFF2-40B4-BE49-F238E27FC236}">
+                <a16:creationId xmlns:a16="http://schemas.microsoft.com/office/drawing/2014/main" id="{F9E22090-20B0-4E64-847E-6DE402F70577}"/>
               </a:ext>
               <a:ext uri="{C183D7F6-B498-43B3-948B-1728B52AA6E4}">
                 <adec:decorative xmlns:adec="http://schemas.microsoft.com/office/drawing/2017/decorative" val="1"/>
@@ -17159,8 +17876,8 @@
         </p:nvSpPr>
         <p:spPr>
           <a:xfrm>
-            <a:off x="446533" y="2180496"/>
-            <a:ext cx="5404639" cy="4045683"/>
+            <a:off x="446534" y="2180496"/>
+            <a:ext cx="3703320" cy="4045683"/>
           </a:xfrm>
           <a:prstGeom prst="rect">
             <a:avLst/>
@@ -17201,7 +17918,7 @@
       </p:sp>
       <p:pic>
         <p:nvPicPr>
-          <p:cNvPr id="1026" name="Picture 2" descr="Enveloppe convexe — Wikipédia">
+          <p:cNvPr id="1026" name="Picture 2">
             <a:extLst>
               <a:ext uri="{FF2B5EF4-FFF2-40B4-BE49-F238E27FC236}">
                 <a16:creationId xmlns:a16="http://schemas.microsoft.com/office/drawing/2014/main" id="{3B077465-AD67-4B69-992B-73DE68FC6163}"/>
@@ -17214,21 +17931,13 @@
           <p:nvPr/>
         </p:nvPicPr>
         <p:blipFill>
-          <a:blip r:embed="rId2">
-            <a:extLst>
-              <a:ext uri="{28A0092B-C50C-407E-A947-70E740481C1C}">
-                <a14:useLocalDpi xmlns:a14="http://schemas.microsoft.com/office/drawing/2010/main" val="0"/>
-              </a:ext>
-            </a:extLst>
-          </a:blip>
-          <a:stretch>
-            <a:fillRect/>
-          </a:stretch>
+          <a:blip r:embed="rId3"/>
+          <a:stretch/>
         </p:blipFill>
         <p:spPr bwMode="auto">
           <a:xfrm>
-            <a:off x="857726" y="2361056"/>
-            <a:ext cx="4561523" cy="3649219"/>
+            <a:off x="657225" y="2863595"/>
+            <a:ext cx="3305175" cy="2644140"/>
           </a:xfrm>
           <a:prstGeom prst="rect">
             <a:avLst/>
@@ -17263,8 +17972,8 @@
         </p:nvSpPr>
         <p:spPr>
           <a:xfrm>
-            <a:off x="6335805" y="2180496"/>
-            <a:ext cx="5275001" cy="4045683"/>
+            <a:off x="4505325" y="2180496"/>
+            <a:ext cx="7105481" cy="4045683"/>
           </a:xfrm>
         </p:spPr>
         <p:txBody>
@@ -17273,22 +17982,37 @@
           </a:bodyPr>
           <a:lstStyle/>
           <a:p>
+            <a:pPr marL="0" indent="0">
+              <a:buNone/>
+            </a:pPr>
+            <a:r>
+              <a:rPr lang="fr-FR" sz="2400" b="1" dirty="0"/>
+              <a:t>Qu’est-ce qu’une enveloppe convexe ?</a:t>
+            </a:r>
+          </a:p>
+          <a:p>
+            <a:pPr marL="0" indent="0">
+              <a:buNone/>
+            </a:pPr>
+            <a:endParaRPr lang="fr-FR" sz="2400" b="1" dirty="0"/>
+          </a:p>
+          <a:p>
             <a:pPr marL="305435" indent="-305435"/>
             <a:r>
-              <a:rPr lang="fr-FR" dirty="0"/>
-              <a:t>Ensemble convexe le plus petit parmi ceux qui le contiennent</a:t>
+              <a:rPr lang="fr-FR" sz="2400" dirty="0"/>
+              <a:t>Plus petit ensemble convexe contenant un groupe d’objets</a:t>
             </a:r>
           </a:p>
           <a:p>
             <a:pPr marL="305435" indent="-305435"/>
-            <a:endParaRPr lang="fr-FR" dirty="0"/>
+            <a:r>
+              <a:rPr lang="fr-FR" sz="2400" dirty="0"/>
+              <a:t>Peut être comparée à la région limitée par un élastique qui englobe tous les points qu'on relâche jusqu'à ce qu'il se contracte au maximum</a:t>
+            </a:r>
           </a:p>
           <a:p>
             <a:pPr marL="305435" indent="-305435"/>
-            <a:r>
-              <a:rPr lang="fr-FR" dirty="0"/>
-              <a:t>Peut être comparée à la région limitée par un élastique qui englobe tous les points qu'on relâche jusqu'à ce qu'il se contracte au maximum.</a:t>
-            </a:r>
+            <a:endParaRPr lang="fr-FR" sz="2400" dirty="0"/>
           </a:p>
         </p:txBody>
       </p:sp>
@@ -17405,7 +18129,7 @@
           <a:lstStyle/>
           <a:p>
             <a:r>
-              <a:rPr lang="fr-FR">
+              <a:rPr lang="fr-FR" sz="3200" dirty="0">
                 <a:solidFill>
                   <a:srgbClr val="FFFEFF"/>
                 </a:solidFill>
@@ -17843,7 +18567,7 @@
               <a:t>Lecture et </a:t>
             </a:r>
             <a:r>
-              <a:rPr lang="en-US" sz="6000" dirty="0" err="1">
+              <a:rPr lang="fr-FR" sz="6000" dirty="0">
                 <a:solidFill>
                   <a:schemeClr val="tx2"/>
                 </a:solidFill>
@@ -18032,6 +18756,42 @@
           </a:p>
         </p:txBody>
       </p:sp>
+      <p:pic>
+        <p:nvPicPr>
+          <p:cNvPr id="6" name="Graphique 5" descr="Nuage">
+            <a:extLst>
+              <a:ext uri="{FF2B5EF4-FFF2-40B4-BE49-F238E27FC236}">
+                <a16:creationId xmlns:a16="http://schemas.microsoft.com/office/drawing/2014/main" id="{EEF60CE1-863F-4C20-AA86-A9A8E4ADD915}"/>
+              </a:ext>
+            </a:extLst>
+          </p:cNvPr>
+          <p:cNvPicPr>
+            <a:picLocks noChangeAspect="1"/>
+          </p:cNvPicPr>
+          <p:nvPr/>
+        </p:nvPicPr>
+        <p:blipFill>
+          <a:blip r:embed="rId2">
+            <a:extLst>
+              <a:ext uri="{96DAC541-7B7A-43D3-8B79-37D633B846F1}">
+                <asvg:svgBlip xmlns:asvg="http://schemas.microsoft.com/office/drawing/2016/SVG/main" r:embed="rId3"/>
+              </a:ext>
+            </a:extLst>
+          </a:blip>
+          <a:stretch>
+            <a:fillRect/>
+          </a:stretch>
+        </p:blipFill>
+        <p:spPr>
+          <a:xfrm>
+            <a:off x="482600" y="548639"/>
+            <a:ext cx="914400" cy="914400"/>
+          </a:xfrm>
+          <a:prstGeom prst="rect">
+            <a:avLst/>
+          </a:prstGeom>
+        </p:spPr>
+      </p:pic>
     </p:spTree>
     <p:extLst>
       <p:ext uri="{BB962C8B-B14F-4D97-AF65-F5344CB8AC3E}">
@@ -18080,11 +18840,13 @@
         </p:nvSpPr>
         <p:spPr/>
         <p:txBody>
-          <a:bodyPr/>
+          <a:bodyPr>
+            <a:normAutofit/>
+          </a:bodyPr>
           <a:lstStyle/>
           <a:p>
             <a:r>
-              <a:rPr lang="fr-FR" dirty="0"/>
+              <a:rPr lang="fr-FR" sz="3200" dirty="0"/>
               <a:t>écriture</a:t>
             </a:r>
           </a:p>
@@ -18134,8 +18896,8 @@
         </p:nvSpPr>
         <p:spPr>
           <a:xfrm>
-            <a:off x="1355329" y="2917405"/>
-            <a:ext cx="3751658" cy="369332"/>
+            <a:off x="1320361" y="2917405"/>
+            <a:ext cx="3821582" cy="369332"/>
           </a:xfrm>
           <a:prstGeom prst="rect">
             <a:avLst/>
@@ -18150,7 +18912,7 @@
           <a:p>
             <a:r>
               <a:rPr lang="fr-FR" dirty="0"/>
-              <a:t>Points avec des coordonnées aléatoire</a:t>
+              <a:t>Points avec des coordonnées aléatoires</a:t>
             </a:r>
           </a:p>
         </p:txBody>
@@ -18242,9 +19004,9 @@
           <p:nvPr/>
         </p:nvCxnSpPr>
         <p:spPr>
-          <a:xfrm flipH="1">
+          <a:xfrm>
             <a:off x="3231152" y="3286737"/>
-            <a:ext cx="6" cy="581206"/>
+            <a:ext cx="0" cy="581206"/>
           </a:xfrm>
           <a:prstGeom prst="straightConnector1">
             <a:avLst/>
@@ -18325,7 +19087,7 @@
         </p:nvSpPr>
         <p:spPr>
           <a:xfrm>
-            <a:off x="5301518" y="4818482"/>
+            <a:off x="5627080" y="4811748"/>
             <a:ext cx="2110154" cy="369332"/>
           </a:xfrm>
           <a:prstGeom prst="rect">
@@ -18375,8 +19137,8 @@
         </p:nvCxnSpPr>
         <p:spPr>
           <a:xfrm flipH="1">
-            <a:off x="4706054" y="5003148"/>
-            <a:ext cx="595464" cy="0"/>
+            <a:off x="4706054" y="4996414"/>
+            <a:ext cx="921026" cy="6734"/>
           </a:xfrm>
           <a:prstGeom prst="straightConnector1">
             <a:avLst/>
@@ -18518,43 +19280,6 @@
       </p:pic>
       <p:sp>
         <p:nvSpPr>
-          <p:cNvPr id="33" name="Rectangle 32">
-            <a:extLst>
-              <a:ext uri="{FF2B5EF4-FFF2-40B4-BE49-F238E27FC236}">
-                <a16:creationId xmlns:a16="http://schemas.microsoft.com/office/drawing/2014/main" id="{9FA83BC1-D8EB-49F4-A07B-11C06056D691}"/>
-              </a:ext>
-            </a:extLst>
-          </p:cNvPr>
-          <p:cNvSpPr/>
-          <p:nvPr/>
-        </p:nvSpPr>
-        <p:spPr>
-          <a:xfrm>
-            <a:off x="8023000" y="2194299"/>
-            <a:ext cx="3603672" cy="3293209"/>
-          </a:xfrm>
-          <a:prstGeom prst="rect">
-            <a:avLst/>
-          </a:prstGeom>
-        </p:spPr>
-        <p:txBody>
-          <a:bodyPr wrap="square">
-            <a:spAutoFit/>
-          </a:bodyPr>
-          <a:lstStyle/>
-          <a:p>
-            <a:r>
-              <a:rPr lang="fr-FR" sz="1600" dirty="0">
-                <a:latin typeface="Courier New" panose="02070309020205020404" pitchFamily="49" charset="0"/>
-                <a:cs typeface="Courier New" panose="02070309020205020404" pitchFamily="49" charset="0"/>
-              </a:rPr>
-              <a:t>[[[219, 379], [44, 104], [82, 235], [437, 445], [98, 116], [33, 276], [199, 319], [111, 56], [66, 95], [242, 53], [297, 322], [101, 90], [390, 278], [439, 305], [435, 21], [123, 75], [248, 319], [408, 20], [246, 145], [472, 182], [114, 248], [156, 316], [206, 168], [275, 395], [399, 449]], [500, 500]]</a:t>
-            </a:r>
-          </a:p>
-        </p:txBody>
-      </p:sp>
-      <p:sp>
-        <p:nvSpPr>
           <p:cNvPr id="41" name="ZoneTexte 40">
             <a:extLst>
               <a:ext uri="{FF2B5EF4-FFF2-40B4-BE49-F238E27FC236}">
@@ -18685,9 +19410,9 @@
           <p:nvPr/>
         </p:nvCxnSpPr>
         <p:spPr>
-          <a:xfrm>
-            <a:off x="3231153" y="2384468"/>
-            <a:ext cx="5" cy="532937"/>
+          <a:xfrm flipH="1">
+            <a:off x="3231152" y="2384468"/>
+            <a:ext cx="1" cy="532937"/>
           </a:xfrm>
           <a:prstGeom prst="straightConnector1">
             <a:avLst/>
@@ -18775,8 +19500,8 @@
         </p:nvCxnSpPr>
         <p:spPr>
           <a:xfrm flipH="1" flipV="1">
-            <a:off x="5106987" y="3102071"/>
-            <a:ext cx="520093" cy="3665"/>
+            <a:off x="5141943" y="3102071"/>
+            <a:ext cx="485137" cy="3665"/>
           </a:xfrm>
           <a:prstGeom prst="straightConnector1">
             <a:avLst/>
@@ -18800,6 +19525,71 @@
           </a:fontRef>
         </p:style>
       </p:cxnSp>
+      <p:pic>
+        <p:nvPicPr>
+          <p:cNvPr id="20" name="Image 19" descr="Une image contenant dessin&#10;&#10;Description générée automatiquement">
+            <a:extLst>
+              <a:ext uri="{FF2B5EF4-FFF2-40B4-BE49-F238E27FC236}">
+                <a16:creationId xmlns:a16="http://schemas.microsoft.com/office/drawing/2014/main" id="{9B4DE5F5-D845-4748-BE64-17289FF9CB39}"/>
+              </a:ext>
+            </a:extLst>
+          </p:cNvPr>
+          <p:cNvPicPr>
+            <a:picLocks noChangeAspect="1"/>
+          </p:cNvPicPr>
+          <p:nvPr/>
+        </p:nvPicPr>
+        <p:blipFill>
+          <a:blip r:embed="rId4"/>
+          <a:stretch>
+            <a:fillRect/>
+          </a:stretch>
+        </p:blipFill>
+        <p:spPr>
+          <a:xfrm>
+            <a:off x="7939125" y="2188349"/>
+            <a:ext cx="3670110" cy="3359187"/>
+          </a:xfrm>
+          <a:prstGeom prst="rect">
+            <a:avLst/>
+          </a:prstGeom>
+        </p:spPr>
+      </p:pic>
+      <p:sp>
+        <p:nvSpPr>
+          <p:cNvPr id="21" name="ZoneTexte 20">
+            <a:extLst>
+              <a:ext uri="{FF2B5EF4-FFF2-40B4-BE49-F238E27FC236}">
+                <a16:creationId xmlns:a16="http://schemas.microsoft.com/office/drawing/2014/main" id="{EC8D2273-DE9A-47F5-A9B5-6BCDA5B2A3BA}"/>
+              </a:ext>
+            </a:extLst>
+          </p:cNvPr>
+          <p:cNvSpPr txBox="1"/>
+          <p:nvPr/>
+        </p:nvSpPr>
+        <p:spPr>
+          <a:xfrm>
+            <a:off x="7939125" y="5502552"/>
+            <a:ext cx="3468200" cy="307777"/>
+          </a:xfrm>
+          <a:prstGeom prst="rect">
+            <a:avLst/>
+          </a:prstGeom>
+          <a:noFill/>
+        </p:spPr>
+        <p:txBody>
+          <a:bodyPr wrap="square" rtlCol="0">
+            <a:spAutoFit/>
+          </a:bodyPr>
+          <a:lstStyle/>
+          <a:p>
+            <a:r>
+              <a:rPr lang="fr-FR" sz="1400" dirty="0"/>
+              <a:t>Représentation du nuage de points</a:t>
+            </a:r>
+          </a:p>
+        </p:txBody>
+      </p:sp>
     </p:spTree>
     <p:extLst>
       <p:ext uri="{BB962C8B-B14F-4D97-AF65-F5344CB8AC3E}">
@@ -18852,9 +19642,10 @@
           <a:lstStyle/>
           <a:p>
             <a:r>
-              <a:rPr lang="fr-FR" dirty="0"/>
+              <a:rPr lang="fr-FR" sz="3200" dirty="0"/>
               <a:t>Lecture</a:t>
             </a:r>
+            <a:endParaRPr lang="fr-FR" dirty="0"/>
           </a:p>
         </p:txBody>
       </p:sp>
@@ -19000,8 +19791,8 @@
         </p:nvSpPr>
         <p:spPr>
           <a:xfrm>
-            <a:off x="581192" y="3867698"/>
-            <a:ext cx="2464660" cy="369332"/>
+            <a:off x="581191" y="3867698"/>
+            <a:ext cx="2649957" cy="369332"/>
           </a:xfrm>
           <a:prstGeom prst="rect">
             <a:avLst/>
@@ -19016,7 +19807,7 @@
           <a:p>
             <a:r>
               <a:rPr lang="fr-FR" dirty="0"/>
-              <a:t>Liste de points du nuage</a:t>
+              <a:t>Liste des points du nuage</a:t>
             </a:r>
           </a:p>
         </p:txBody>
@@ -19244,8 +20035,8 @@
         </p:nvCxnSpPr>
         <p:spPr>
           <a:xfrm rot="5400000">
-            <a:off x="2231856" y="2868402"/>
-            <a:ext cx="580962" cy="1417630"/>
+            <a:off x="2278180" y="2914726"/>
+            <a:ext cx="580962" cy="1324982"/>
           </a:xfrm>
           <a:prstGeom prst="bentConnector3">
             <a:avLst/>
@@ -19538,6 +20329,7 @@
             </a:extLst>
           </p:cNvPr>
           <p:cNvCxnSpPr>
+            <a:cxnSpLocks/>
             <a:stCxn id="8" idx="2"/>
             <a:endCxn id="65" idx="0"/>
           </p:cNvCxnSpPr>
@@ -19545,8 +20337,8 @@
         </p:nvCxnSpPr>
         <p:spPr>
           <a:xfrm rot="16200000" flipH="1">
-            <a:off x="1520654" y="4529898"/>
-            <a:ext cx="976118" cy="390382"/>
+            <a:off x="1566978" y="4576222"/>
+            <a:ext cx="976118" cy="297734"/>
           </a:xfrm>
           <a:prstGeom prst="bentConnector3">
             <a:avLst/>
@@ -20110,7 +20902,7 @@
           <a:lstStyle/>
           <a:p>
             <a:r>
-              <a:rPr lang="fr-FR"/>
+              <a:rPr lang="fr-FR" sz="3200" dirty="0"/>
               <a:t>Ronald Lewis Graham</a:t>
             </a:r>
           </a:p>
@@ -20196,7 +20988,7 @@
           <p:nvPr/>
         </p:nvPicPr>
         <p:blipFill rotWithShape="1">
-          <a:blip r:embed="rId2">
+          <a:blip r:embed="rId3">
             <a:extLst>
               <a:ext uri="{28A0092B-C50C-407E-A947-70E740481C1C}">
                 <a14:useLocalDpi xmlns:a14="http://schemas.microsoft.com/office/drawing/2010/main" val="0"/>
@@ -20244,8 +21036,8 @@
         </p:nvSpPr>
         <p:spPr>
           <a:xfrm>
-            <a:off x="6340830" y="2180496"/>
-            <a:ext cx="5269976" cy="4045683"/>
+            <a:off x="6340829" y="2180496"/>
+            <a:ext cx="5404637" cy="4045683"/>
           </a:xfrm>
         </p:spPr>
         <p:txBody>
@@ -20256,57 +21048,29 @@
           <a:p>
             <a:pPr marL="305435" indent="-305435"/>
             <a:r>
-              <a:rPr lang="fr-FR"/>
+              <a:rPr lang="fr-FR" sz="2400" dirty="0"/>
               <a:t>Mathématicien</a:t>
             </a:r>
           </a:p>
           <a:p>
             <a:pPr marL="305435" indent="-305435"/>
             <a:r>
-              <a:rPr lang="fr-FR"/>
+              <a:rPr lang="fr-FR" sz="2400" dirty="0"/>
               <a:t>Né le 31 octobre 1935 en Californie</a:t>
             </a:r>
           </a:p>
           <a:p>
             <a:pPr marL="305435" indent="-305435"/>
             <a:r>
-              <a:rPr lang="fr-FR"/>
+              <a:rPr lang="fr-FR" sz="2400" dirty="0"/>
               <a:t>« Un des principaux architectes du développement rapide des mathématiques discrètes ces dernières années à l'échelle mondiale »</a:t>
             </a:r>
           </a:p>
           <a:p>
             <a:pPr marL="305435" indent="-305435"/>
             <a:r>
-              <a:rPr lang="fr-FR"/>
-              <a:t>A travaillé sur : </a:t>
-            </a:r>
-            <a:br>
-              <a:rPr lang="fr-FR"/>
-            </a:br>
-            <a:r>
-              <a:rPr lang="fr-FR"/>
-              <a:t>- Théorie de l'ordonnancement</a:t>
-            </a:r>
-            <a:br>
-              <a:rPr lang="fr-FR"/>
-            </a:br>
-            <a:r>
-              <a:rPr lang="fr-FR"/>
-              <a:t>- La géométrie algorithmique</a:t>
-            </a:r>
-            <a:br>
-              <a:rPr lang="fr-FR"/>
-            </a:br>
-            <a:r>
-              <a:rPr lang="fr-FR"/>
-              <a:t>- La théorie de Ramsey et les suites quasi-aléatoires</a:t>
-            </a:r>
-            <a:br>
-              <a:rPr lang="fr-FR"/>
-            </a:br>
-            <a:r>
-              <a:rPr lang="fr-FR"/>
-              <a:t>- Inventeur de la méthode de Graham pour résoudre le problème de l'enveloppe convexe</a:t>
+              <a:rPr lang="fr-FR" sz="2400" dirty="0"/>
+              <a:t>Inventeur de la méthode de Graham pour résoudre le problème de l'enveloppe convexe</a:t>
             </a:r>
           </a:p>
         </p:txBody>
@@ -20356,7 +21120,7 @@
                 <a:solidFill>
                   <a:srgbClr val="FFFFFF"/>
                 </a:solidFill>
-                <a:hlinkClick r:id="rId3">
+                <a:hlinkClick r:id="rId4">
                   <a:extLst>
                     <a:ext uri="{A12FA001-AC4F-418D-AE19-62706E023703}">
                       <ahyp:hlinkClr xmlns:ahyp="http://schemas.microsoft.com/office/drawing/2018/hyperlinkcolor" val="tx"/>
@@ -20419,10 +21183,10 @@
           <p:nvPr/>
         </p:nvPicPr>
         <p:blipFill>
-          <a:blip r:embed="rId4">
+          <a:blip r:embed="rId5">
             <a:extLst>
               <a:ext uri="{96DAC541-7B7A-43D3-8B79-37D633B846F1}">
-                <asvg:svgBlip xmlns:asvg="http://schemas.microsoft.com/office/drawing/2016/SVG/main" r:embed="rId5"/>
+                <asvg:svgBlip xmlns:asvg="http://schemas.microsoft.com/office/drawing/2016/SVG/main" r:embed="rId6"/>
               </a:ext>
             </a:extLst>
           </a:blip>
@@ -21312,18 +22076,18 @@
 </file>
 
 <file path=customXml/item1.xml><?xml version="1.0" encoding="utf-8"?>
-<p:properties xmlns:p="http://schemas.microsoft.com/office/2006/metadata/properties" xmlns:xsi="http://www.w3.org/2001/XMLSchema-instance" xmlns:pc="http://schemas.microsoft.com/office/infopath/2007/PartnerControls">
-  <documentManagement/>
-</p:properties>
-</file>
-
-<file path=customXml/item2.xml><?xml version="1.0" encoding="utf-8"?>
 <?mso-contentType ?>
 <FormTemplates xmlns="http://schemas.microsoft.com/sharepoint/v3/contenttype/forms">
   <Display>DocumentLibraryForm</Display>
   <Edit>DocumentLibraryForm</Edit>
   <New>DocumentLibraryForm</New>
 </FormTemplates>
+</file>
+
+<file path=customXml/item2.xml><?xml version="1.0" encoding="utf-8"?>
+<p:properties xmlns:p="http://schemas.microsoft.com/office/2006/metadata/properties" xmlns:xsi="http://www.w3.org/2001/XMLSchema-instance" xmlns:pc="http://schemas.microsoft.com/office/infopath/2007/PartnerControls">
+  <documentManagement/>
+</p:properties>
 </file>
 
 <file path=customXml/item3.xml><?xml version="1.0" encoding="utf-8"?>
@@ -21550,18 +22314,18 @@
 </file>
 
 <file path=customXml/itemProps1.xml><?xml version="1.0" encoding="utf-8"?>
-<ds:datastoreItem xmlns:ds="http://schemas.openxmlformats.org/officeDocument/2006/customXml" ds:itemID="{4916EBF2-85BF-48B7-811B-14F5FC5E3D43}">
+<ds:datastoreItem xmlns:ds="http://schemas.openxmlformats.org/officeDocument/2006/customXml" ds:itemID="{25FEBF7E-E609-4AAE-97E6-7B4585FCE32C}">
   <ds:schemaRefs>
-    <ds:schemaRef ds:uri="http://schemas.microsoft.com/office/2006/metadata/properties"/>
-    <ds:schemaRef ds:uri="http://schemas.microsoft.com/office/infopath/2007/PartnerControls"/>
+    <ds:schemaRef ds:uri="http://schemas.microsoft.com/sharepoint/v3/contenttype/forms"/>
   </ds:schemaRefs>
 </ds:datastoreItem>
 </file>
 
 <file path=customXml/itemProps2.xml><?xml version="1.0" encoding="utf-8"?>
-<ds:datastoreItem xmlns:ds="http://schemas.openxmlformats.org/officeDocument/2006/customXml" ds:itemID="{25FEBF7E-E609-4AAE-97E6-7B4585FCE32C}">
+<ds:datastoreItem xmlns:ds="http://schemas.openxmlformats.org/officeDocument/2006/customXml" ds:itemID="{4916EBF2-85BF-48B7-811B-14F5FC5E3D43}">
   <ds:schemaRefs>
-    <ds:schemaRef ds:uri="http://schemas.microsoft.com/sharepoint/v3/contenttype/forms"/>
+    <ds:schemaRef ds:uri="http://schemas.microsoft.com/office/2006/metadata/properties"/>
+    <ds:schemaRef ds:uri="http://schemas.microsoft.com/office/infopath/2007/PartnerControls"/>
   </ds:schemaRefs>
 </ds:datastoreItem>
 </file>

--- a/Présentation 1.pptx
+++ b/Présentation 1.pptx
@@ -1,14 +1,14 @@
 
 <file path=ppt/presentation.xml><?xml version="1.0" encoding="utf-8"?>
-<p:presentation xmlns:a="http://schemas.openxmlformats.org/drawingml/2006/main" xmlns:r="http://schemas.openxmlformats.org/officeDocument/2006/relationships" xmlns:p="http://schemas.openxmlformats.org/presentationml/2006/main" showSpecialPlsOnTitleSld="0" autoCompressPictures="0">
+<p:presentation xmlns:a="http://schemas.openxmlformats.org/drawingml/2006/main" xmlns:r="http://schemas.openxmlformats.org/officeDocument/2006/relationships" xmlns:p="http://schemas.openxmlformats.org/presentationml/2006/main" autoCompressPictures="0">
   <p:sldMasterIdLst>
     <p:sldMasterId id="2147483648" r:id="rId4"/>
   </p:sldMasterIdLst>
   <p:notesMasterIdLst>
-    <p:notesMasterId r:id="rId29"/>
+    <p:notesMasterId r:id="rId31"/>
   </p:notesMasterIdLst>
   <p:handoutMasterIdLst>
-    <p:handoutMasterId r:id="rId30"/>
+    <p:handoutMasterId r:id="rId32"/>
   </p:handoutMasterIdLst>
   <p:sldIdLst>
     <p:sldId id="256" r:id="rId5"/>
@@ -32,9 +32,11 @@
     <p:sldId id="277" r:id="rId23"/>
     <p:sldId id="276" r:id="rId24"/>
     <p:sldId id="279" r:id="rId25"/>
-    <p:sldId id="283" r:id="rId26"/>
-    <p:sldId id="267" r:id="rId27"/>
-    <p:sldId id="268" r:id="rId28"/>
+    <p:sldId id="284" r:id="rId26"/>
+    <p:sldId id="283" r:id="rId27"/>
+    <p:sldId id="285" r:id="rId28"/>
+    <p:sldId id="267" r:id="rId29"/>
+    <p:sldId id="268" r:id="rId30"/>
   </p:sldIdLst>
   <p:sldSz cx="12192000" cy="6858000"/>
   <p:notesSz cx="6858000" cy="9144000"/>
@@ -134,6 +136,64 @@
     </a:lvl9pPr>
   </p:defaultTextStyle>
   <p:extLst>
+    <p:ext uri="{521415D9-36F7-43E2-AB2F-B90AF26B5E84}">
+      <p14:sectionLst xmlns:p14="http://schemas.microsoft.com/office/powerpoint/2010/main">
+        <p14:section name="Début" id="{29EF2703-CCBA-4A9B-A892-1257DC684676}">
+          <p14:sldIdLst>
+            <p14:sldId id="256"/>
+            <p14:sldId id="257"/>
+            <p14:sldId id="263"/>
+            <p14:sldId id="258"/>
+          </p14:sldIdLst>
+        </p14:section>
+        <p14:section name="Lecture et Ecriture" id="{73C506E4-E9D0-452D-A926-841C702A6926}">
+          <p14:sldIdLst>
+            <p14:sldId id="280"/>
+            <p14:sldId id="281"/>
+            <p14:sldId id="282"/>
+          </p14:sldIdLst>
+        </p14:section>
+        <p14:section name="Graham" id="{4208B8FE-049E-4394-A215-EFB8A9C52EB2}">
+          <p14:sldIdLst>
+            <p14:sldId id="269"/>
+            <p14:sldId id="259"/>
+            <p14:sldId id="260"/>
+            <p14:sldId id="261"/>
+            <p14:sldId id="262"/>
+            <p14:sldId id="270"/>
+          </p14:sldIdLst>
+        </p14:section>
+        <p14:section name="Jarvis" id="{284753E6-C32B-426C-9CB4-B446AED9BE26}">
+          <p14:sldIdLst>
+            <p14:sldId id="265"/>
+            <p14:sldId id="274"/>
+            <p14:sldId id="272"/>
+            <p14:sldId id="273"/>
+          </p14:sldIdLst>
+        </p14:section>
+        <p14:section name="Quickhull" id="{E55AFF8A-30E5-4BF8-9410-F0E0196CD781}">
+          <p14:sldIdLst>
+            <p14:sldId id="266"/>
+            <p14:sldId id="277"/>
+            <p14:sldId id="276"/>
+            <p14:sldId id="279"/>
+          </p14:sldIdLst>
+        </p14:section>
+        <p14:section name="Tests et Performances" id="{74B964A7-2799-4875-945C-EA43FB8B7822}">
+          <p14:sldIdLst>
+            <p14:sldId id="284"/>
+            <p14:sldId id="283"/>
+            <p14:sldId id="285"/>
+            <p14:sldId id="267"/>
+          </p14:sldIdLst>
+        </p14:section>
+        <p14:section name="Conclusion" id="{2F0D319F-4191-4385-98CF-CDA394B1A60A}">
+          <p14:sldIdLst>
+            <p14:sldId id="268"/>
+          </p14:sldIdLst>
+        </p14:section>
+      </p14:sectionLst>
+    </p:ext>
     <p:ext uri="{EFAFB233-063F-42B5-8137-9DF3F51BA10A}">
       <p15:sldGuideLst xmlns:p15="http://schemas.microsoft.com/office/powerpoint/2012/main"/>
     </p:ext>
@@ -147,7 +207,7 @@
 <file path=ppt/revisionInfo.xml><?xml version="1.0" encoding="utf-8"?>
 <p1510:revInfo xmlns:a="http://schemas.openxmlformats.org/drawingml/2006/main" xmlns:r="http://schemas.openxmlformats.org/officeDocument/2006/relationships" xmlns:p1510="http://schemas.microsoft.com/office/powerpoint/2015/10/main">
   <p1510:revLst>
-    <p1510:client id="{24C4D8FE-2D5F-474A-A547-9EDDF165BA0E}" v="1144" dt="2020-05-29T13:47:46.425"/>
+    <p1510:client id="{24C4D8FE-2D5F-474A-A547-9EDDF165BA0E}" v="1220" dt="2020-05-31T14:57:09.908"/>
   </p1510:revLst>
 </p1510:revInfo>
 </file>
@@ -157,12 +217,12 @@
   <pc:docChgLst>
     <pc:chgData name="GAUTIER Edouard" userId="ebb82edb-7407-4d15-83b7-25e3e52afcdf" providerId="ADAL" clId="{24C4D8FE-2D5F-474A-A547-9EDDF165BA0E}"/>
     <pc:docChg chg="undo redo custSel mod addSld delSld modSld sldOrd addSection delSection modSection">
-      <pc:chgData name="GAUTIER Edouard" userId="ebb82edb-7407-4d15-83b7-25e3e52afcdf" providerId="ADAL" clId="{24C4D8FE-2D5F-474A-A547-9EDDF165BA0E}" dt="2020-05-29T14:04:21.074" v="2580" actId="403"/>
+      <pc:chgData name="GAUTIER Edouard" userId="ebb82edb-7407-4d15-83b7-25e3e52afcdf" providerId="ADAL" clId="{24C4D8FE-2D5F-474A-A547-9EDDF165BA0E}" dt="2020-05-31T14:57:09.908" v="3313" actId="14826"/>
       <pc:docMkLst>
         <pc:docMk/>
       </pc:docMkLst>
       <pc:sldChg chg="addSp modSp mod">
-        <pc:chgData name="GAUTIER Edouard" userId="ebb82edb-7407-4d15-83b7-25e3e52afcdf" providerId="ADAL" clId="{24C4D8FE-2D5F-474A-A547-9EDDF165BA0E}" dt="2020-05-29T13:12:12.456" v="2218" actId="403"/>
+        <pc:chgData name="GAUTIER Edouard" userId="ebb82edb-7407-4d15-83b7-25e3e52afcdf" providerId="ADAL" clId="{24C4D8FE-2D5F-474A-A547-9EDDF165BA0E}" dt="2020-05-31T14:09:31.553" v="2957" actId="207"/>
         <pc:sldMkLst>
           <pc:docMk/>
           <pc:sldMk cId="1369094749" sldId="256"/>
@@ -184,7 +244,7 @@
           </ac:spMkLst>
         </pc:spChg>
         <pc:picChg chg="add mod">
-          <ac:chgData name="GAUTIER Edouard" userId="ebb82edb-7407-4d15-83b7-25e3e52afcdf" providerId="ADAL" clId="{24C4D8FE-2D5F-474A-A547-9EDDF165BA0E}" dt="2020-05-29T12:58:46.302" v="2019" actId="207"/>
+          <ac:chgData name="GAUTIER Edouard" userId="ebb82edb-7407-4d15-83b7-25e3e52afcdf" providerId="ADAL" clId="{24C4D8FE-2D5F-474A-A547-9EDDF165BA0E}" dt="2020-05-31T14:09:31.553" v="2957" actId="207"/>
           <ac:picMkLst>
             <pc:docMk/>
             <pc:sldMk cId="1369094749" sldId="256"/>
@@ -240,7 +300,7 @@
         </pc:picChg>
       </pc:sldChg>
       <pc:sldChg chg="addSp delSp modSp mod setBg setClrOvrMap">
-        <pc:chgData name="GAUTIER Edouard" userId="ebb82edb-7407-4d15-83b7-25e3e52afcdf" providerId="ADAL" clId="{24C4D8FE-2D5F-474A-A547-9EDDF165BA0E}" dt="2020-05-29T13:13:41.745" v="2224" actId="404"/>
+        <pc:chgData name="GAUTIER Edouard" userId="ebb82edb-7407-4d15-83b7-25e3e52afcdf" providerId="ADAL" clId="{24C4D8FE-2D5F-474A-A547-9EDDF165BA0E}" dt="2020-05-31T14:09:22.546" v="2956" actId="207"/>
         <pc:sldMkLst>
           <pc:docMk/>
           <pc:sldMk cId="2457266096" sldId="258"/>
@@ -470,7 +530,7 @@
           </ac:graphicFrameMkLst>
         </pc:graphicFrameChg>
         <pc:graphicFrameChg chg="add mod">
-          <ac:chgData name="GAUTIER Edouard" userId="ebb82edb-7407-4d15-83b7-25e3e52afcdf" providerId="ADAL" clId="{24C4D8FE-2D5F-474A-A547-9EDDF165BA0E}" dt="2020-05-28T15:08:07.683" v="1339" actId="20577"/>
+          <ac:chgData name="GAUTIER Edouard" userId="ebb82edb-7407-4d15-83b7-25e3e52afcdf" providerId="ADAL" clId="{24C4D8FE-2D5F-474A-A547-9EDDF165BA0E}" dt="2020-05-31T14:09:22.546" v="2956" actId="207"/>
           <ac:graphicFrameMkLst>
             <pc:docMk/>
             <pc:sldMk cId="2457266096" sldId="258"/>
@@ -503,7 +563,7 @@
         </pc:picChg>
       </pc:sldChg>
       <pc:sldChg chg="addSp delSp modSp mod setBg modNotesTx">
-        <pc:chgData name="GAUTIER Edouard" userId="ebb82edb-7407-4d15-83b7-25e3e52afcdf" providerId="ADAL" clId="{24C4D8FE-2D5F-474A-A547-9EDDF165BA0E}" dt="2020-05-29T13:25:13.177" v="2319" actId="20577"/>
+        <pc:chgData name="GAUTIER Edouard" userId="ebb82edb-7407-4d15-83b7-25e3e52afcdf" providerId="ADAL" clId="{24C4D8FE-2D5F-474A-A547-9EDDF165BA0E}" dt="2020-05-31T14:09:08.397" v="2953" actId="207"/>
         <pc:sldMkLst>
           <pc:docMk/>
           <pc:sldMk cId="4275845374" sldId="259"/>
@@ -621,7 +681,7 @@
           </ac:grpSpMkLst>
         </pc:grpChg>
         <pc:picChg chg="add mod">
-          <ac:chgData name="GAUTIER Edouard" userId="ebb82edb-7407-4d15-83b7-25e3e52afcdf" providerId="ADAL" clId="{24C4D8FE-2D5F-474A-A547-9EDDF165BA0E}" dt="2020-05-29T13:22:45.344" v="2302" actId="207"/>
+          <ac:chgData name="GAUTIER Edouard" userId="ebb82edb-7407-4d15-83b7-25e3e52afcdf" providerId="ADAL" clId="{24C4D8FE-2D5F-474A-A547-9EDDF165BA0E}" dt="2020-05-31T14:09:08.397" v="2953" actId="207"/>
           <ac:picMkLst>
             <pc:docMk/>
             <pc:sldMk cId="4275845374" sldId="259"/>
@@ -638,7 +698,7 @@
         </pc:picChg>
       </pc:sldChg>
       <pc:sldChg chg="addSp delSp modSp mod setBg">
-        <pc:chgData name="GAUTIER Edouard" userId="ebb82edb-7407-4d15-83b7-25e3e52afcdf" providerId="ADAL" clId="{24C4D8FE-2D5F-474A-A547-9EDDF165BA0E}" dt="2020-05-29T13:23:28.141" v="2308" actId="403"/>
+        <pc:chgData name="GAUTIER Edouard" userId="ebb82edb-7407-4d15-83b7-25e3e52afcdf" providerId="ADAL" clId="{24C4D8FE-2D5F-474A-A547-9EDDF165BA0E}" dt="2020-05-31T14:09:05.708" v="2952" actId="207"/>
         <pc:sldMkLst>
           <pc:docMk/>
           <pc:sldMk cId="1705105624" sldId="260"/>
@@ -740,7 +800,7 @@
           </ac:picMkLst>
         </pc:picChg>
         <pc:picChg chg="add mod">
-          <ac:chgData name="GAUTIER Edouard" userId="ebb82edb-7407-4d15-83b7-25e3e52afcdf" providerId="ADAL" clId="{24C4D8FE-2D5F-474A-A547-9EDDF165BA0E}" dt="2020-05-29T13:23:15.400" v="2306" actId="207"/>
+          <ac:chgData name="GAUTIER Edouard" userId="ebb82edb-7407-4d15-83b7-25e3e52afcdf" providerId="ADAL" clId="{24C4D8FE-2D5F-474A-A547-9EDDF165BA0E}" dt="2020-05-31T14:09:05.708" v="2952" actId="207"/>
           <ac:picMkLst>
             <pc:docMk/>
             <pc:sldMk cId="1705105624" sldId="260"/>
@@ -749,7 +809,7 @@
         </pc:picChg>
       </pc:sldChg>
       <pc:sldChg chg="addSp delSp modSp new mod">
-        <pc:chgData name="GAUTIER Edouard" userId="ebb82edb-7407-4d15-83b7-25e3e52afcdf" providerId="ADAL" clId="{24C4D8FE-2D5F-474A-A547-9EDDF165BA0E}" dt="2020-05-29T13:42:55.580" v="2368" actId="20577"/>
+        <pc:chgData name="GAUTIER Edouard" userId="ebb82edb-7407-4d15-83b7-25e3e52afcdf" providerId="ADAL" clId="{24C4D8FE-2D5F-474A-A547-9EDDF165BA0E}" dt="2020-05-31T14:09:02.897" v="2951" actId="207"/>
         <pc:sldMkLst>
           <pc:docMk/>
           <pc:sldMk cId="563083232" sldId="261"/>
@@ -899,7 +959,7 @@
           </ac:picMkLst>
         </pc:picChg>
         <pc:picChg chg="add mod">
-          <ac:chgData name="GAUTIER Edouard" userId="ebb82edb-7407-4d15-83b7-25e3e52afcdf" providerId="ADAL" clId="{24C4D8FE-2D5F-474A-A547-9EDDF165BA0E}" dt="2020-05-29T13:25:39.728" v="2323" actId="207"/>
+          <ac:chgData name="GAUTIER Edouard" userId="ebb82edb-7407-4d15-83b7-25e3e52afcdf" providerId="ADAL" clId="{24C4D8FE-2D5F-474A-A547-9EDDF165BA0E}" dt="2020-05-31T14:09:02.897" v="2951" actId="207"/>
           <ac:picMkLst>
             <pc:docMk/>
             <pc:sldMk cId="563083232" sldId="261"/>
@@ -971,7 +1031,7 @@
         </pc:spChg>
       </pc:sldChg>
       <pc:sldChg chg="addSp delSp modSp new mod">
-        <pc:chgData name="GAUTIER Edouard" userId="ebb82edb-7407-4d15-83b7-25e3e52afcdf" providerId="ADAL" clId="{24C4D8FE-2D5F-474A-A547-9EDDF165BA0E}" dt="2020-05-29T13:32:10.687" v="2339" actId="14826"/>
+        <pc:chgData name="GAUTIER Edouard" userId="ebb82edb-7407-4d15-83b7-25e3e52afcdf" providerId="ADAL" clId="{24C4D8FE-2D5F-474A-A547-9EDDF165BA0E}" dt="2020-05-31T14:09:00.333" v="2950" actId="207"/>
         <pc:sldMkLst>
           <pc:docMk/>
           <pc:sldMk cId="1858337997" sldId="262"/>
@@ -1089,7 +1149,7 @@
           </ac:grpSpMkLst>
         </pc:grpChg>
         <pc:picChg chg="add mod">
-          <ac:chgData name="GAUTIER Edouard" userId="ebb82edb-7407-4d15-83b7-25e3e52afcdf" providerId="ADAL" clId="{24C4D8FE-2D5F-474A-A547-9EDDF165BA0E}" dt="2020-05-29T13:27:35.965" v="2328" actId="207"/>
+          <ac:chgData name="GAUTIER Edouard" userId="ebb82edb-7407-4d15-83b7-25e3e52afcdf" providerId="ADAL" clId="{24C4D8FE-2D5F-474A-A547-9EDDF165BA0E}" dt="2020-05-31T14:09:00.333" v="2950" actId="207"/>
           <ac:picMkLst>
             <pc:docMk/>
             <pc:sldMk cId="1858337997" sldId="262"/>
@@ -1097,7 +1157,7 @@
           </ac:picMkLst>
         </pc:picChg>
         <pc:picChg chg="mod">
-          <ac:chgData name="GAUTIER Edouard" userId="ebb82edb-7407-4d15-83b7-25e3e52afcdf" providerId="ADAL" clId="{24C4D8FE-2D5F-474A-A547-9EDDF165BA0E}" dt="2020-05-29T13:32:10.687" v="2339" actId="14826"/>
+          <ac:chgData name="GAUTIER Edouard" userId="ebb82edb-7407-4d15-83b7-25e3e52afcdf" providerId="ADAL" clId="{24C4D8FE-2D5F-474A-A547-9EDDF165BA0E}" dt="2020-05-31T13:18:42.849" v="2879" actId="14826"/>
           <ac:picMkLst>
             <pc:docMk/>
             <pc:sldMk cId="1858337997" sldId="262"/>
@@ -1477,8 +1537,8 @@
           </ac:picMkLst>
         </pc:picChg>
       </pc:sldChg>
-      <pc:sldChg chg="delSp modSp add del mod ord">
-        <pc:chgData name="GAUTIER Edouard" userId="ebb82edb-7407-4d15-83b7-25e3e52afcdf" providerId="ADAL" clId="{24C4D8FE-2D5F-474A-A547-9EDDF165BA0E}" dt="2020-05-29T14:04:21.074" v="2580" actId="403"/>
+      <pc:sldChg chg="addSp delSp modSp add del mod ord">
+        <pc:chgData name="GAUTIER Edouard" userId="ebb82edb-7407-4d15-83b7-25e3e52afcdf" providerId="ADAL" clId="{24C4D8FE-2D5F-474A-A547-9EDDF165BA0E}" dt="2020-05-31T14:50:58.445" v="3305" actId="478"/>
         <pc:sldMkLst>
           <pc:docMk/>
           <pc:sldMk cId="79438583" sldId="267"/>
@@ -1492,7 +1552,7 @@
           </ac:spMkLst>
         </pc:spChg>
         <pc:spChg chg="mod">
-          <ac:chgData name="GAUTIER Edouard" userId="ebb82edb-7407-4d15-83b7-25e3e52afcdf" providerId="ADAL" clId="{24C4D8FE-2D5F-474A-A547-9EDDF165BA0E}" dt="2020-05-29T14:04:21.074" v="2580" actId="403"/>
+          <ac:chgData name="GAUTIER Edouard" userId="ebb82edb-7407-4d15-83b7-25e3e52afcdf" providerId="ADAL" clId="{24C4D8FE-2D5F-474A-A547-9EDDF165BA0E}" dt="2020-05-31T14:42:04.629" v="3295" actId="20577"/>
           <ac:spMkLst>
             <pc:docMk/>
             <pc:sldMk cId="79438583" sldId="267"/>
@@ -1508,6 +1568,14 @@
           </ac:spMkLst>
         </pc:spChg>
         <pc:spChg chg="del">
+          <ac:chgData name="GAUTIER Edouard" userId="ebb82edb-7407-4d15-83b7-25e3e52afcdf" providerId="ADAL" clId="{24C4D8FE-2D5F-474A-A547-9EDDF165BA0E}" dt="2020-05-31T14:50:58.445" v="3305" actId="478"/>
+          <ac:spMkLst>
+            <pc:docMk/>
+            <pc:sldMk cId="79438583" sldId="267"/>
+            <ac:spMk id="4" creationId="{56514CDE-FA9C-400B-955D-2B8E0F13EE10}"/>
+          </ac:spMkLst>
+        </pc:spChg>
+        <pc:spChg chg="del">
           <ac:chgData name="GAUTIER Edouard" userId="ebb82edb-7407-4d15-83b7-25e3e52afcdf" providerId="ADAL" clId="{24C4D8FE-2D5F-474A-A547-9EDDF165BA0E}" dt="2020-05-27T14:48:09.314" v="1053"/>
           <ac:spMkLst>
             <pc:docMk/>
@@ -1539,6 +1607,30 @@
             <ac:spMk id="6" creationId="{5A254BBD-BF9B-473F-8AF8-329843A0DFBF}"/>
           </ac:spMkLst>
         </pc:spChg>
+        <pc:picChg chg="add mod">
+          <ac:chgData name="GAUTIER Edouard" userId="ebb82edb-7407-4d15-83b7-25e3e52afcdf" providerId="ADAL" clId="{24C4D8FE-2D5F-474A-A547-9EDDF165BA0E}" dt="2020-05-31T14:42:23.978" v="3298" actId="14100"/>
+          <ac:picMkLst>
+            <pc:docMk/>
+            <pc:sldMk cId="79438583" sldId="267"/>
+            <ac:picMk id="5" creationId="{C7AB5195-6361-4E70-B0DA-8A2BA82095D3}"/>
+          </ac:picMkLst>
+        </pc:picChg>
+        <pc:picChg chg="add mod">
+          <ac:chgData name="GAUTIER Edouard" userId="ebb82edb-7407-4d15-83b7-25e3e52afcdf" providerId="ADAL" clId="{24C4D8FE-2D5F-474A-A547-9EDDF165BA0E}" dt="2020-05-31T14:32:18.311" v="3236" actId="14826"/>
+          <ac:picMkLst>
+            <pc:docMk/>
+            <pc:sldMk cId="79438583" sldId="267"/>
+            <ac:picMk id="7" creationId="{01D8D013-693B-4EB1-9102-BCD913D002F5}"/>
+          </ac:picMkLst>
+        </pc:picChg>
+        <pc:picChg chg="add mod">
+          <ac:chgData name="GAUTIER Edouard" userId="ebb82edb-7407-4d15-83b7-25e3e52afcdf" providerId="ADAL" clId="{24C4D8FE-2D5F-474A-A547-9EDDF165BA0E}" dt="2020-05-31T14:49:58.232" v="3301" actId="14100"/>
+          <ac:picMkLst>
+            <pc:docMk/>
+            <pc:sldMk cId="79438583" sldId="267"/>
+            <ac:picMk id="2050" creationId="{58A6C0A1-AE63-417F-AC31-FA702A3F5F6D}"/>
+          </ac:picMkLst>
+        </pc:picChg>
       </pc:sldChg>
       <pc:sldChg chg="new del">
         <pc:chgData name="GAUTIER Edouard" userId="ebb82edb-7407-4d15-83b7-25e3e52afcdf" providerId="ADAL" clId="{24C4D8FE-2D5F-474A-A547-9EDDF165BA0E}" dt="2020-05-27T14:48:08.247" v="1035" actId="680"/>
@@ -1548,7 +1640,7 @@
         </pc:sldMkLst>
       </pc:sldChg>
       <pc:sldChg chg="delSp modSp add del mod ord">
-        <pc:chgData name="GAUTIER Edouard" userId="ebb82edb-7407-4d15-83b7-25e3e52afcdf" providerId="ADAL" clId="{24C4D8FE-2D5F-474A-A547-9EDDF165BA0E}" dt="2020-05-29T13:44:03.362" v="2370" actId="403"/>
+        <pc:chgData name="GAUTIER Edouard" userId="ebb82edb-7407-4d15-83b7-25e3e52afcdf" providerId="ADAL" clId="{24C4D8FE-2D5F-474A-A547-9EDDF165BA0E}" dt="2020-05-31T14:51:00.626" v="3306" actId="478"/>
         <pc:sldMkLst>
           <pc:docMk/>
           <pc:sldMk cId="3958710600" sldId="268"/>
@@ -1559,6 +1651,14 @@
             <pc:docMk/>
             <pc:sldMk cId="3958710600" sldId="268"/>
             <ac:spMk id="2" creationId="{A8124734-C51B-48C4-A282-7DF8F36A005A}"/>
+          </ac:spMkLst>
+        </pc:spChg>
+        <pc:spChg chg="del">
+          <ac:chgData name="GAUTIER Edouard" userId="ebb82edb-7407-4d15-83b7-25e3e52afcdf" providerId="ADAL" clId="{24C4D8FE-2D5F-474A-A547-9EDDF165BA0E}" dt="2020-05-31T14:51:00.626" v="3306" actId="478"/>
+          <ac:spMkLst>
+            <pc:docMk/>
+            <pc:sldMk cId="3958710600" sldId="268"/>
+            <ac:spMk id="4" creationId="{6D885292-E0F3-4566-B471-275196587B25}"/>
           </ac:spMkLst>
         </pc:spChg>
         <pc:spChg chg="del">
@@ -1626,7 +1726,7 @@
         </pc:picChg>
       </pc:sldChg>
       <pc:sldChg chg="addSp delSp modSp mod">
-        <pc:chgData name="GAUTIER Edouard" userId="ebb82edb-7407-4d15-83b7-25e3e52afcdf" providerId="ADAL" clId="{24C4D8FE-2D5F-474A-A547-9EDDF165BA0E}" dt="2020-05-29T13:28:44.604" v="2332" actId="14826"/>
+        <pc:chgData name="GAUTIER Edouard" userId="ebb82edb-7407-4d15-83b7-25e3e52afcdf" providerId="ADAL" clId="{24C4D8FE-2D5F-474A-A547-9EDDF165BA0E}" dt="2020-05-31T14:08:57.089" v="2949" actId="207"/>
         <pc:sldMkLst>
           <pc:docMk/>
           <pc:sldMk cId="313590426" sldId="270"/>
@@ -1664,7 +1764,7 @@
           </ac:spMkLst>
         </pc:spChg>
         <pc:picChg chg="mod">
-          <ac:chgData name="GAUTIER Edouard" userId="ebb82edb-7407-4d15-83b7-25e3e52afcdf" providerId="ADAL" clId="{24C4D8FE-2D5F-474A-A547-9EDDF165BA0E}" dt="2020-05-28T14:37:00.014" v="1247" actId="14826"/>
+          <ac:chgData name="GAUTIER Edouard" userId="ebb82edb-7407-4d15-83b7-25e3e52afcdf" providerId="ADAL" clId="{24C4D8FE-2D5F-474A-A547-9EDDF165BA0E}" dt="2020-05-31T13:18:52.588" v="2880" actId="14826"/>
           <ac:picMkLst>
             <pc:docMk/>
             <pc:sldMk cId="313590426" sldId="270"/>
@@ -1672,7 +1772,7 @@
           </ac:picMkLst>
         </pc:picChg>
         <pc:picChg chg="add mod">
-          <ac:chgData name="GAUTIER Edouard" userId="ebb82edb-7407-4d15-83b7-25e3e52afcdf" providerId="ADAL" clId="{24C4D8FE-2D5F-474A-A547-9EDDF165BA0E}" dt="2020-05-29T13:28:44.604" v="2332" actId="14826"/>
+          <ac:chgData name="GAUTIER Edouard" userId="ebb82edb-7407-4d15-83b7-25e3e52afcdf" providerId="ADAL" clId="{24C4D8FE-2D5F-474A-A547-9EDDF165BA0E}" dt="2020-05-31T14:08:57.089" v="2949" actId="207"/>
           <ac:picMkLst>
             <pc:docMk/>
             <pc:sldMk cId="313590426" sldId="270"/>
@@ -1681,7 +1781,7 @@
         </pc:picChg>
       </pc:sldChg>
       <pc:sldChg chg="addSp delSp modSp mod">
-        <pc:chgData name="GAUTIER Edouard" userId="ebb82edb-7407-4d15-83b7-25e3e52afcdf" providerId="ADAL" clId="{24C4D8FE-2D5F-474A-A547-9EDDF165BA0E}" dt="2020-05-29T13:42:47.636" v="2366" actId="20577"/>
+        <pc:chgData name="GAUTIER Edouard" userId="ebb82edb-7407-4d15-83b7-25e3e52afcdf" providerId="ADAL" clId="{24C4D8FE-2D5F-474A-A547-9EDDF165BA0E}" dt="2020-05-31T14:08:48.139" v="2947" actId="207"/>
         <pc:sldMkLst>
           <pc:docMk/>
           <pc:sldMk cId="709428904" sldId="272"/>
@@ -1735,7 +1835,7 @@
           </ac:picMkLst>
         </pc:picChg>
         <pc:picChg chg="add mod">
-          <ac:chgData name="GAUTIER Edouard" userId="ebb82edb-7407-4d15-83b7-25e3e52afcdf" providerId="ADAL" clId="{24C4D8FE-2D5F-474A-A547-9EDDF165BA0E}" dt="2020-05-29T13:30:07.029" v="2338" actId="207"/>
+          <ac:chgData name="GAUTIER Edouard" userId="ebb82edb-7407-4d15-83b7-25e3e52afcdf" providerId="ADAL" clId="{24C4D8FE-2D5F-474A-A547-9EDDF165BA0E}" dt="2020-05-31T14:08:48.139" v="2947" actId="207"/>
           <ac:picMkLst>
             <pc:docMk/>
             <pc:sldMk cId="709428904" sldId="272"/>
@@ -1744,7 +1844,7 @@
         </pc:picChg>
       </pc:sldChg>
       <pc:sldChg chg="addSp delSp modSp mod">
-        <pc:chgData name="GAUTIER Edouard" userId="ebb82edb-7407-4d15-83b7-25e3e52afcdf" providerId="ADAL" clId="{24C4D8FE-2D5F-474A-A547-9EDDF165BA0E}" dt="2020-05-29T13:41:11.203" v="2359" actId="403"/>
+        <pc:chgData name="GAUTIER Edouard" userId="ebb82edb-7407-4d15-83b7-25e3e52afcdf" providerId="ADAL" clId="{24C4D8FE-2D5F-474A-A547-9EDDF165BA0E}" dt="2020-05-31T14:08:43.773" v="2946" actId="207"/>
         <pc:sldMkLst>
           <pc:docMk/>
           <pc:sldMk cId="776776765" sldId="273"/>
@@ -1790,7 +1890,7 @@
           </ac:picMkLst>
         </pc:picChg>
         <pc:picChg chg="add mod">
-          <ac:chgData name="GAUTIER Edouard" userId="ebb82edb-7407-4d15-83b7-25e3e52afcdf" providerId="ADAL" clId="{24C4D8FE-2D5F-474A-A547-9EDDF165BA0E}" dt="2020-05-29T13:40:15.400" v="2355" actId="207"/>
+          <ac:chgData name="GAUTIER Edouard" userId="ebb82edb-7407-4d15-83b7-25e3e52afcdf" providerId="ADAL" clId="{24C4D8FE-2D5F-474A-A547-9EDDF165BA0E}" dt="2020-05-31T14:08:43.773" v="2946" actId="207"/>
           <ac:picMkLst>
             <pc:docMk/>
             <pc:sldMk cId="776776765" sldId="273"/>
@@ -1799,7 +1899,7 @@
         </pc:picChg>
       </pc:sldChg>
       <pc:sldChg chg="addSp delSp modSp mod">
-        <pc:chgData name="GAUTIER Edouard" userId="ebb82edb-7407-4d15-83b7-25e3e52afcdf" providerId="ADAL" clId="{24C4D8FE-2D5F-474A-A547-9EDDF165BA0E}" dt="2020-05-29T13:29:21.741" v="2336" actId="207"/>
+        <pc:chgData name="GAUTIER Edouard" userId="ebb82edb-7407-4d15-83b7-25e3e52afcdf" providerId="ADAL" clId="{24C4D8FE-2D5F-474A-A547-9EDDF165BA0E}" dt="2020-05-31T14:56:53.497" v="3312" actId="14826"/>
         <pc:sldMkLst>
           <pc:docMk/>
           <pc:sldMk cId="1343881736" sldId="274"/>
@@ -1845,7 +1945,7 @@
           </ac:spMkLst>
         </pc:spChg>
         <pc:picChg chg="add mod">
-          <ac:chgData name="GAUTIER Edouard" userId="ebb82edb-7407-4d15-83b7-25e3e52afcdf" providerId="ADAL" clId="{24C4D8FE-2D5F-474A-A547-9EDDF165BA0E}" dt="2020-05-29T13:29:21.741" v="2336" actId="207"/>
+          <ac:chgData name="GAUTIER Edouard" userId="ebb82edb-7407-4d15-83b7-25e3e52afcdf" providerId="ADAL" clId="{24C4D8FE-2D5F-474A-A547-9EDDF165BA0E}" dt="2020-05-31T14:56:53.497" v="3312" actId="14826"/>
           <ac:picMkLst>
             <pc:docMk/>
             <pc:sldMk cId="1343881736" sldId="274"/>
@@ -1854,7 +1954,7 @@
         </pc:picChg>
       </pc:sldChg>
       <pc:sldChg chg="addSp delSp modSp mod">
-        <pc:chgData name="GAUTIER Edouard" userId="ebb82edb-7407-4d15-83b7-25e3e52afcdf" providerId="ADAL" clId="{24C4D8FE-2D5F-474A-A547-9EDDF165BA0E}" dt="2020-05-29T13:42:26.023" v="2364" actId="20577"/>
+        <pc:chgData name="GAUTIER Edouard" userId="ebb82edb-7407-4d15-83b7-25e3e52afcdf" providerId="ADAL" clId="{24C4D8FE-2D5F-474A-A547-9EDDF165BA0E}" dt="2020-05-31T14:08:28.161" v="2944" actId="207"/>
         <pc:sldMkLst>
           <pc:docMk/>
           <pc:sldMk cId="2740397971" sldId="276"/>
@@ -1900,7 +2000,7 @@
           </ac:spMkLst>
         </pc:spChg>
         <pc:picChg chg="add mod">
-          <ac:chgData name="GAUTIER Edouard" userId="ebb82edb-7407-4d15-83b7-25e3e52afcdf" providerId="ADAL" clId="{24C4D8FE-2D5F-474A-A547-9EDDF165BA0E}" dt="2020-05-29T13:39:47.649" v="2350" actId="207"/>
+          <ac:chgData name="GAUTIER Edouard" userId="ebb82edb-7407-4d15-83b7-25e3e52afcdf" providerId="ADAL" clId="{24C4D8FE-2D5F-474A-A547-9EDDF165BA0E}" dt="2020-05-31T14:08:28.161" v="2944" actId="207"/>
           <ac:picMkLst>
             <pc:docMk/>
             <pc:sldMk cId="2740397971" sldId="276"/>
@@ -1917,7 +2017,7 @@
         </pc:picChg>
       </pc:sldChg>
       <pc:sldChg chg="addSp delSp modSp mod">
-        <pc:chgData name="GAUTIER Edouard" userId="ebb82edb-7407-4d15-83b7-25e3e52afcdf" providerId="ADAL" clId="{24C4D8FE-2D5F-474A-A547-9EDDF165BA0E}" dt="2020-05-29T13:40:46.152" v="2358" actId="403"/>
+        <pc:chgData name="GAUTIER Edouard" userId="ebb82edb-7407-4d15-83b7-25e3e52afcdf" providerId="ADAL" clId="{24C4D8FE-2D5F-474A-A547-9EDDF165BA0E}" dt="2020-05-31T14:57:09.908" v="3313" actId="14826"/>
         <pc:sldMkLst>
           <pc:docMk/>
           <pc:sldMk cId="1050353512" sldId="277"/>
@@ -1963,7 +2063,7 @@
           </ac:spMkLst>
         </pc:spChg>
         <pc:picChg chg="add mod">
-          <ac:chgData name="GAUTIER Edouard" userId="ebb82edb-7407-4d15-83b7-25e3e52afcdf" providerId="ADAL" clId="{24C4D8FE-2D5F-474A-A547-9EDDF165BA0E}" dt="2020-05-29T13:40:42.185" v="2356" actId="207"/>
+          <ac:chgData name="GAUTIER Edouard" userId="ebb82edb-7407-4d15-83b7-25e3e52afcdf" providerId="ADAL" clId="{24C4D8FE-2D5F-474A-A547-9EDDF165BA0E}" dt="2020-05-31T14:57:09.908" v="3313" actId="14826"/>
           <ac:picMkLst>
             <pc:docMk/>
             <pc:sldMk cId="1050353512" sldId="277"/>
@@ -1972,7 +2072,7 @@
         </pc:picChg>
       </pc:sldChg>
       <pc:sldChg chg="addSp delSp modSp mod">
-        <pc:chgData name="GAUTIER Edouard" userId="ebb82edb-7407-4d15-83b7-25e3e52afcdf" providerId="ADAL" clId="{24C4D8FE-2D5F-474A-A547-9EDDF165BA0E}" dt="2020-05-29T13:39:54.837" v="2352" actId="403"/>
+        <pc:chgData name="GAUTIER Edouard" userId="ebb82edb-7407-4d15-83b7-25e3e52afcdf" providerId="ADAL" clId="{24C4D8FE-2D5F-474A-A547-9EDDF165BA0E}" dt="2020-05-31T14:08:24.294" v="2943" actId="207"/>
         <pc:sldMkLst>
           <pc:docMk/>
           <pc:sldMk cId="584539415" sldId="279"/>
@@ -2034,7 +2134,7 @@
           </ac:picMkLst>
         </pc:picChg>
         <pc:picChg chg="add mod">
-          <ac:chgData name="GAUTIER Edouard" userId="ebb82edb-7407-4d15-83b7-25e3e52afcdf" providerId="ADAL" clId="{24C4D8FE-2D5F-474A-A547-9EDDF165BA0E}" dt="2020-05-29T13:39:43.558" v="2349" actId="14826"/>
+          <ac:chgData name="GAUTIER Edouard" userId="ebb82edb-7407-4d15-83b7-25e3e52afcdf" providerId="ADAL" clId="{24C4D8FE-2D5F-474A-A547-9EDDF165BA0E}" dt="2020-05-31T14:08:24.294" v="2943" actId="207"/>
           <ac:picMkLst>
             <pc:docMk/>
             <pc:sldMk cId="584539415" sldId="279"/>
@@ -2233,7 +2333,7 @@
         </pc:picChg>
       </pc:sldChg>
       <pc:sldChg chg="addSp delSp modSp new mod">
-        <pc:chgData name="GAUTIER Edouard" userId="ebb82edb-7407-4d15-83b7-25e3e52afcdf" providerId="ADAL" clId="{24C4D8FE-2D5F-474A-A547-9EDDF165BA0E}" dt="2020-05-29T13:21:56.303" v="2295" actId="14100"/>
+        <pc:chgData name="GAUTIER Edouard" userId="ebb82edb-7407-4d15-83b7-25e3e52afcdf" providerId="ADAL" clId="{24C4D8FE-2D5F-474A-A547-9EDDF165BA0E}" dt="2020-05-31T14:09:16.385" v="2955" actId="207"/>
         <pc:sldMkLst>
           <pc:docMk/>
           <pc:sldMk cId="1194584853" sldId="281"/>
@@ -2351,7 +2451,7 @@
           </ac:picMkLst>
         </pc:picChg>
         <pc:picChg chg="add mod">
-          <ac:chgData name="GAUTIER Edouard" userId="ebb82edb-7407-4d15-83b7-25e3e52afcdf" providerId="ADAL" clId="{24C4D8FE-2D5F-474A-A547-9EDDF165BA0E}" dt="2020-05-29T13:14:38.159" v="2225" actId="207"/>
+          <ac:chgData name="GAUTIER Edouard" userId="ebb82edb-7407-4d15-83b7-25e3e52afcdf" providerId="ADAL" clId="{24C4D8FE-2D5F-474A-A547-9EDDF165BA0E}" dt="2020-05-31T14:09:16.385" v="2955" actId="207"/>
           <ac:picMkLst>
             <pc:docMk/>
             <pc:sldMk cId="1194584853" sldId="281"/>
@@ -2424,7 +2524,7 @@
         </pc:cxnChg>
       </pc:sldChg>
       <pc:sldChg chg="addSp delSp modSp new mod">
-        <pc:chgData name="GAUTIER Edouard" userId="ebb82edb-7407-4d15-83b7-25e3e52afcdf" providerId="ADAL" clId="{24C4D8FE-2D5F-474A-A547-9EDDF165BA0E}" dt="2020-05-29T13:22:22.184" v="2301" actId="14100"/>
+        <pc:chgData name="GAUTIER Edouard" userId="ebb82edb-7407-4d15-83b7-25e3e52afcdf" providerId="ADAL" clId="{24C4D8FE-2D5F-474A-A547-9EDDF165BA0E}" dt="2020-05-31T14:50:40.102" v="3302" actId="478"/>
         <pc:sldMkLst>
           <pc:docMk/>
           <pc:sldMk cId="3441293947" sldId="282"/>
@@ -2445,6 +2545,14 @@
             <ac:spMk id="3" creationId="{3D66246B-96CA-4435-AE51-7099B4F7D52E}"/>
           </ac:spMkLst>
         </pc:spChg>
+        <pc:spChg chg="del">
+          <ac:chgData name="GAUTIER Edouard" userId="ebb82edb-7407-4d15-83b7-25e3e52afcdf" providerId="ADAL" clId="{24C4D8FE-2D5F-474A-A547-9EDDF165BA0E}" dt="2020-05-31T14:50:40.102" v="3302" actId="478"/>
+          <ac:spMkLst>
+            <pc:docMk/>
+            <pc:sldMk cId="3441293947" sldId="282"/>
+            <ac:spMk id="4" creationId="{54FD3D11-B81F-4DB5-9A67-E7F28904CABC}"/>
+          </ac:spMkLst>
+        </pc:spChg>
         <pc:spChg chg="add mod">
           <ac:chgData name="GAUTIER Edouard" userId="ebb82edb-7407-4d15-83b7-25e3e52afcdf" providerId="ADAL" clId="{24C4D8FE-2D5F-474A-A547-9EDDF165BA0E}" dt="2020-05-28T15:50:58.853" v="1848" actId="1076"/>
           <ac:spMkLst>
@@ -2534,7 +2642,7 @@
           </ac:spMkLst>
         </pc:spChg>
         <pc:picChg chg="add mod">
-          <ac:chgData name="GAUTIER Edouard" userId="ebb82edb-7407-4d15-83b7-25e3e52afcdf" providerId="ADAL" clId="{24C4D8FE-2D5F-474A-A547-9EDDF165BA0E}" dt="2020-05-29T13:22:12.800" v="2299" actId="207"/>
+          <ac:chgData name="GAUTIER Edouard" userId="ebb82edb-7407-4d15-83b7-25e3e52afcdf" providerId="ADAL" clId="{24C4D8FE-2D5F-474A-A547-9EDDF165BA0E}" dt="2020-05-31T14:09:13.469" v="2954" actId="207"/>
           <ac:picMkLst>
             <pc:docMk/>
             <pc:sldMk cId="3441293947" sldId="282"/>
@@ -2670,8 +2778,8 @@
           </ac:cxnSpMkLst>
         </pc:cxnChg>
       </pc:sldChg>
-      <pc:sldChg chg="modSp new mod">
-        <pc:chgData name="GAUTIER Edouard" userId="ebb82edb-7407-4d15-83b7-25e3e52afcdf" providerId="ADAL" clId="{24C4D8FE-2D5F-474A-A547-9EDDF165BA0E}" dt="2020-05-29T14:03:22.792" v="2575" actId="20577"/>
+      <pc:sldChg chg="addSp delSp modSp new mod">
+        <pc:chgData name="GAUTIER Edouard" userId="ebb82edb-7407-4d15-83b7-25e3e52afcdf" providerId="ADAL" clId="{24C4D8FE-2D5F-474A-A547-9EDDF165BA0E}" dt="2020-05-31T14:50:54.385" v="3303" actId="478"/>
         <pc:sldMkLst>
           <pc:docMk/>
           <pc:sldMk cId="2630815628" sldId="283"/>
@@ -2684,14 +2792,404 @@
             <ac:spMk id="2" creationId="{2D70C537-B7BF-46FA-B53C-96AF0FBBDCEE}"/>
           </ac:spMkLst>
         </pc:spChg>
-        <pc:spChg chg="mod">
-          <ac:chgData name="GAUTIER Edouard" userId="ebb82edb-7407-4d15-83b7-25e3e52afcdf" providerId="ADAL" clId="{24C4D8FE-2D5F-474A-A547-9EDDF165BA0E}" dt="2020-05-29T14:03:22.792" v="2575" actId="20577"/>
+        <pc:spChg chg="del mod">
+          <ac:chgData name="GAUTIER Edouard" userId="ebb82edb-7407-4d15-83b7-25e3e52afcdf" providerId="ADAL" clId="{24C4D8FE-2D5F-474A-A547-9EDDF165BA0E}" dt="2020-05-31T13:03:25.111" v="2748" actId="478"/>
           <ac:spMkLst>
             <pc:docMk/>
             <pc:sldMk cId="2630815628" sldId="283"/>
             <ac:spMk id="3" creationId="{84A3C687-8C8D-4052-AAB3-91C7C37D9D35}"/>
           </ac:spMkLst>
         </pc:spChg>
+        <pc:spChg chg="del">
+          <ac:chgData name="GAUTIER Edouard" userId="ebb82edb-7407-4d15-83b7-25e3e52afcdf" providerId="ADAL" clId="{24C4D8FE-2D5F-474A-A547-9EDDF165BA0E}" dt="2020-05-31T14:50:54.385" v="3303" actId="478"/>
+          <ac:spMkLst>
+            <pc:docMk/>
+            <pc:sldMk cId="2630815628" sldId="283"/>
+            <ac:spMk id="4" creationId="{9C035442-78C4-4487-864C-6C3F36D436E2}"/>
+          </ac:spMkLst>
+        </pc:spChg>
+        <pc:spChg chg="add del mod">
+          <ac:chgData name="GAUTIER Edouard" userId="ebb82edb-7407-4d15-83b7-25e3e52afcdf" providerId="ADAL" clId="{24C4D8FE-2D5F-474A-A547-9EDDF165BA0E}" dt="2020-05-31T13:04:30.476" v="2756"/>
+          <ac:spMkLst>
+            <pc:docMk/>
+            <pc:sldMk cId="2630815628" sldId="283"/>
+            <ac:spMk id="9" creationId="{DDFABCF6-8FFE-4A8B-9812-68CFC2461AA9}"/>
+          </ac:spMkLst>
+        </pc:spChg>
+        <pc:spChg chg="add mod">
+          <ac:chgData name="GAUTIER Edouard" userId="ebb82edb-7407-4d15-83b7-25e3e52afcdf" providerId="ADAL" clId="{24C4D8FE-2D5F-474A-A547-9EDDF165BA0E}" dt="2020-05-31T13:07:29.284" v="2805" actId="1076"/>
+          <ac:spMkLst>
+            <pc:docMk/>
+            <pc:sldMk cId="2630815628" sldId="283"/>
+            <ac:spMk id="10" creationId="{B6F9D9FE-932A-4654-9312-820021E7415C}"/>
+          </ac:spMkLst>
+        </pc:spChg>
+        <pc:spChg chg="add mod">
+          <ac:chgData name="GAUTIER Edouard" userId="ebb82edb-7407-4d15-83b7-25e3e52afcdf" providerId="ADAL" clId="{24C4D8FE-2D5F-474A-A547-9EDDF165BA0E}" dt="2020-05-31T13:07:20.168" v="2801" actId="14100"/>
+          <ac:spMkLst>
+            <pc:docMk/>
+            <pc:sldMk cId="2630815628" sldId="283"/>
+            <ac:spMk id="11" creationId="{EAAC03F3-80E4-47A6-B44A-3362C8E65D86}"/>
+          </ac:spMkLst>
+        </pc:spChg>
+        <pc:spChg chg="add mod">
+          <ac:chgData name="GAUTIER Edouard" userId="ebb82edb-7407-4d15-83b7-25e3e52afcdf" providerId="ADAL" clId="{24C4D8FE-2D5F-474A-A547-9EDDF165BA0E}" dt="2020-05-31T13:15:41.800" v="2877" actId="1076"/>
+          <ac:spMkLst>
+            <pc:docMk/>
+            <pc:sldMk cId="2630815628" sldId="283"/>
+            <ac:spMk id="12" creationId="{AD43A616-0201-4491-9125-23211ABB4720}"/>
+          </ac:spMkLst>
+        </pc:spChg>
+        <pc:spChg chg="add del mod">
+          <ac:chgData name="GAUTIER Edouard" userId="ebb82edb-7407-4d15-83b7-25e3e52afcdf" providerId="ADAL" clId="{24C4D8FE-2D5F-474A-A547-9EDDF165BA0E}" dt="2020-05-31T13:03:28.232" v="2749" actId="478"/>
+          <ac:spMkLst>
+            <pc:docMk/>
+            <pc:sldMk cId="2630815628" sldId="283"/>
+            <ac:spMk id="14" creationId="{FE1B27B2-48C6-4297-813A-39CE091C9908}"/>
+          </ac:spMkLst>
+        </pc:spChg>
+        <pc:spChg chg="add mod">
+          <ac:chgData name="GAUTIER Edouard" userId="ebb82edb-7407-4d15-83b7-25e3e52afcdf" providerId="ADAL" clId="{24C4D8FE-2D5F-474A-A547-9EDDF165BA0E}" dt="2020-05-31T13:07:26.787" v="2804" actId="14100"/>
+          <ac:spMkLst>
+            <pc:docMk/>
+            <pc:sldMk cId="2630815628" sldId="283"/>
+            <ac:spMk id="15" creationId="{3B3AEC89-6121-4982-BD94-AA0726BB8E49}"/>
+          </ac:spMkLst>
+        </pc:spChg>
+        <pc:spChg chg="add mod">
+          <ac:chgData name="GAUTIER Edouard" userId="ebb82edb-7407-4d15-83b7-25e3e52afcdf" providerId="ADAL" clId="{24C4D8FE-2D5F-474A-A547-9EDDF165BA0E}" dt="2020-05-31T13:07:48.380" v="2807" actId="1076"/>
+          <ac:spMkLst>
+            <pc:docMk/>
+            <pc:sldMk cId="2630815628" sldId="283"/>
+            <ac:spMk id="17" creationId="{C8BAEE98-FE45-403D-919A-871C21367DAD}"/>
+          </ac:spMkLst>
+        </pc:spChg>
+        <pc:spChg chg="add mod">
+          <ac:chgData name="GAUTIER Edouard" userId="ebb82edb-7407-4d15-83b7-25e3e52afcdf" providerId="ADAL" clId="{24C4D8FE-2D5F-474A-A547-9EDDF165BA0E}" dt="2020-05-31T13:15:51.429" v="2878" actId="1076"/>
+          <ac:spMkLst>
+            <pc:docMk/>
+            <pc:sldMk cId="2630815628" sldId="283"/>
+            <ac:spMk id="35" creationId="{9BDBA74E-9721-457B-A7E2-0EF704F98AA4}"/>
+          </ac:spMkLst>
+        </pc:spChg>
+        <pc:spChg chg="add mod">
+          <ac:chgData name="GAUTIER Edouard" userId="ebb82edb-7407-4d15-83b7-25e3e52afcdf" providerId="ADAL" clId="{24C4D8FE-2D5F-474A-A547-9EDDF165BA0E}" dt="2020-05-31T13:49:34.077" v="2921" actId="404"/>
+          <ac:spMkLst>
+            <pc:docMk/>
+            <pc:sldMk cId="2630815628" sldId="283"/>
+            <ac:spMk id="42" creationId="{846DE002-5F78-4135-8FB4-FD3A20BDDA2D}"/>
+          </ac:spMkLst>
+        </pc:spChg>
+        <pc:spChg chg="add del mod">
+          <ac:chgData name="GAUTIER Edouard" userId="ebb82edb-7407-4d15-83b7-25e3e52afcdf" providerId="ADAL" clId="{24C4D8FE-2D5F-474A-A547-9EDDF165BA0E}" dt="2020-05-31T14:19:25.800" v="3166"/>
+          <ac:spMkLst>
+            <pc:docMk/>
+            <pc:sldMk cId="2630815628" sldId="283"/>
+            <ac:spMk id="44" creationId="{A403BE4B-149E-49EC-B1A6-F2EA4BCDD757}"/>
+          </ac:spMkLst>
+        </pc:spChg>
+        <pc:picChg chg="add del mod">
+          <ac:chgData name="GAUTIER Edouard" userId="ebb82edb-7407-4d15-83b7-25e3e52afcdf" providerId="ADAL" clId="{24C4D8FE-2D5F-474A-A547-9EDDF165BA0E}" dt="2020-05-31T12:54:07.389" v="2582" actId="478"/>
+          <ac:picMkLst>
+            <pc:docMk/>
+            <pc:sldMk cId="2630815628" sldId="283"/>
+            <ac:picMk id="7" creationId="{30CF924E-5EF2-41D3-A21A-2E35BDB4F3C5}"/>
+          </ac:picMkLst>
+        </pc:picChg>
+        <pc:picChg chg="add mod">
+          <ac:chgData name="GAUTIER Edouard" userId="ebb82edb-7407-4d15-83b7-25e3e52afcdf" providerId="ADAL" clId="{24C4D8FE-2D5F-474A-A547-9EDDF165BA0E}" dt="2020-05-31T13:58:57.852" v="2941" actId="207"/>
+          <ac:picMkLst>
+            <pc:docMk/>
+            <pc:sldMk cId="2630815628" sldId="283"/>
+            <ac:picMk id="8" creationId="{7A8AC1D2-762E-4265-924A-91818BA76A6C}"/>
+          </ac:picMkLst>
+        </pc:picChg>
+        <pc:picChg chg="add mod">
+          <ac:chgData name="GAUTIER Edouard" userId="ebb82edb-7407-4d15-83b7-25e3e52afcdf" providerId="ADAL" clId="{24C4D8FE-2D5F-474A-A547-9EDDF165BA0E}" dt="2020-05-31T13:49:00.294" v="2916" actId="1076"/>
+          <ac:picMkLst>
+            <pc:docMk/>
+            <pc:sldMk cId="2630815628" sldId="283"/>
+            <ac:picMk id="1026" creationId="{969410E6-86F5-4ACE-AEBB-7C36600B802D}"/>
+          </ac:picMkLst>
+        </pc:picChg>
+        <pc:cxnChg chg="add mod">
+          <ac:chgData name="GAUTIER Edouard" userId="ebb82edb-7407-4d15-83b7-25e3e52afcdf" providerId="ADAL" clId="{24C4D8FE-2D5F-474A-A547-9EDDF165BA0E}" dt="2020-05-31T13:07:29.284" v="2805" actId="1076"/>
+          <ac:cxnSpMkLst>
+            <pc:docMk/>
+            <pc:sldMk cId="2630815628" sldId="283"/>
+            <ac:cxnSpMk id="6" creationId="{14A3A42E-3946-4A47-9109-CD578A903BB1}"/>
+          </ac:cxnSpMkLst>
+        </pc:cxnChg>
+        <pc:cxnChg chg="add mod">
+          <ac:chgData name="GAUTIER Edouard" userId="ebb82edb-7407-4d15-83b7-25e3e52afcdf" providerId="ADAL" clId="{24C4D8FE-2D5F-474A-A547-9EDDF165BA0E}" dt="2020-05-31T13:07:29.284" v="2805" actId="1076"/>
+          <ac:cxnSpMkLst>
+            <pc:docMk/>
+            <pc:sldMk cId="2630815628" sldId="283"/>
+            <ac:cxnSpMk id="13" creationId="{B0873A80-E270-4182-8D0D-A47F90BA69EF}"/>
+          </ac:cxnSpMkLst>
+        </pc:cxnChg>
+        <pc:cxnChg chg="add del mod">
+          <ac:chgData name="GAUTIER Edouard" userId="ebb82edb-7407-4d15-83b7-25e3e52afcdf" providerId="ADAL" clId="{24C4D8FE-2D5F-474A-A547-9EDDF165BA0E}" dt="2020-05-31T13:15:19.035" v="2874" actId="478"/>
+          <ac:cxnSpMkLst>
+            <pc:docMk/>
+            <pc:sldMk cId="2630815628" sldId="283"/>
+            <ac:cxnSpMk id="16" creationId="{D3A3AC18-B31D-414B-90CD-D284840A53DC}"/>
+          </ac:cxnSpMkLst>
+        </pc:cxnChg>
+        <pc:cxnChg chg="add mod">
+          <ac:chgData name="GAUTIER Edouard" userId="ebb82edb-7407-4d15-83b7-25e3e52afcdf" providerId="ADAL" clId="{24C4D8FE-2D5F-474A-A547-9EDDF165BA0E}" dt="2020-05-31T13:07:48.380" v="2807" actId="1076"/>
+          <ac:cxnSpMkLst>
+            <pc:docMk/>
+            <pc:sldMk cId="2630815628" sldId="283"/>
+            <ac:cxnSpMk id="19" creationId="{97F5EA50-14D0-4C13-A2FE-E11DAC2E1EA0}"/>
+          </ac:cxnSpMkLst>
+        </pc:cxnChg>
+        <pc:cxnChg chg="add mod">
+          <ac:chgData name="GAUTIER Edouard" userId="ebb82edb-7407-4d15-83b7-25e3e52afcdf" providerId="ADAL" clId="{24C4D8FE-2D5F-474A-A547-9EDDF165BA0E}" dt="2020-05-31T13:15:41.800" v="2877" actId="1076"/>
+          <ac:cxnSpMkLst>
+            <pc:docMk/>
+            <pc:sldMk cId="2630815628" sldId="283"/>
+            <ac:cxnSpMk id="37" creationId="{1636BD1E-87B3-4043-BD7C-31DA4DF09B90}"/>
+          </ac:cxnSpMkLst>
+        </pc:cxnChg>
+        <pc:cxnChg chg="add mod">
+          <ac:chgData name="GAUTIER Edouard" userId="ebb82edb-7407-4d15-83b7-25e3e52afcdf" providerId="ADAL" clId="{24C4D8FE-2D5F-474A-A547-9EDDF165BA0E}" dt="2020-05-31T13:15:51.429" v="2878" actId="1076"/>
+          <ac:cxnSpMkLst>
+            <pc:docMk/>
+            <pc:sldMk cId="2630815628" sldId="283"/>
+            <ac:cxnSpMk id="39" creationId="{A2705BF9-DF49-4E21-A40D-A7CAC24EE885}"/>
+          </ac:cxnSpMkLst>
+        </pc:cxnChg>
+      </pc:sldChg>
+      <pc:sldChg chg="addSp delSp modSp new mod setBg">
+        <pc:chgData name="GAUTIER Edouard" userId="ebb82edb-7407-4d15-83b7-25e3e52afcdf" providerId="ADAL" clId="{24C4D8FE-2D5F-474A-A547-9EDDF165BA0E}" dt="2020-05-31T14:55:10.366" v="3307" actId="313"/>
+        <pc:sldMkLst>
+          <pc:docMk/>
+          <pc:sldMk cId="1915558803" sldId="284"/>
+        </pc:sldMkLst>
+        <pc:spChg chg="del">
+          <ac:chgData name="GAUTIER Edouard" userId="ebb82edb-7407-4d15-83b7-25e3e52afcdf" providerId="ADAL" clId="{24C4D8FE-2D5F-474A-A547-9EDDF165BA0E}" dt="2020-05-31T12:56:50.527" v="2586"/>
+          <ac:spMkLst>
+            <pc:docMk/>
+            <pc:sldMk cId="1915558803" sldId="284"/>
+            <ac:spMk id="2" creationId="{E26B79DD-771B-4F6C-99B4-B014753D3E86}"/>
+          </ac:spMkLst>
+        </pc:spChg>
+        <pc:spChg chg="del">
+          <ac:chgData name="GAUTIER Edouard" userId="ebb82edb-7407-4d15-83b7-25e3e52afcdf" providerId="ADAL" clId="{24C4D8FE-2D5F-474A-A547-9EDDF165BA0E}" dt="2020-05-31T12:56:50.527" v="2586"/>
+          <ac:spMkLst>
+            <pc:docMk/>
+            <pc:sldMk cId="1915558803" sldId="284"/>
+            <ac:spMk id="3" creationId="{00723A20-0817-4EE4-AB59-6DD1E61DF017}"/>
+          </ac:spMkLst>
+        </pc:spChg>
+        <pc:spChg chg="add mod">
+          <ac:chgData name="GAUTIER Edouard" userId="ebb82edb-7407-4d15-83b7-25e3e52afcdf" providerId="ADAL" clId="{24C4D8FE-2D5F-474A-A547-9EDDF165BA0E}" dt="2020-05-31T14:55:10.366" v="3307" actId="313"/>
+          <ac:spMkLst>
+            <pc:docMk/>
+            <pc:sldMk cId="1915558803" sldId="284"/>
+            <ac:spMk id="4" creationId="{1362792A-BD8F-487A-BD5E-4D6A47806AB0}"/>
+          </ac:spMkLst>
+        </pc:spChg>
+        <pc:spChg chg="add del mod">
+          <ac:chgData name="GAUTIER Edouard" userId="ebb82edb-7407-4d15-83b7-25e3e52afcdf" providerId="ADAL" clId="{24C4D8FE-2D5F-474A-A547-9EDDF165BA0E}" dt="2020-05-31T12:56:56.024" v="2587" actId="478"/>
+          <ac:spMkLst>
+            <pc:docMk/>
+            <pc:sldMk cId="1915558803" sldId="284"/>
+            <ac:spMk id="5" creationId="{EFF7A46B-6D33-4559-81F0-D910333A3570}"/>
+          </ac:spMkLst>
+        </pc:spChg>
+        <pc:spChg chg="add">
+          <ac:chgData name="GAUTIER Edouard" userId="ebb82edb-7407-4d15-83b7-25e3e52afcdf" providerId="ADAL" clId="{24C4D8FE-2D5F-474A-A547-9EDDF165BA0E}" dt="2020-05-31T12:57:52.951" v="2605" actId="26606"/>
+          <ac:spMkLst>
+            <pc:docMk/>
+            <pc:sldMk cId="1915558803" sldId="284"/>
+            <ac:spMk id="9" creationId="{F7660A3D-94D7-4E5D-AE77-F2DEE49DF4EE}"/>
+          </ac:spMkLst>
+        </pc:spChg>
+        <pc:spChg chg="add">
+          <ac:chgData name="GAUTIER Edouard" userId="ebb82edb-7407-4d15-83b7-25e3e52afcdf" providerId="ADAL" clId="{24C4D8FE-2D5F-474A-A547-9EDDF165BA0E}" dt="2020-05-31T12:57:52.951" v="2605" actId="26606"/>
+          <ac:spMkLst>
+            <pc:docMk/>
+            <pc:sldMk cId="1915558803" sldId="284"/>
+            <ac:spMk id="11" creationId="{A44EB985-DC5C-4DAC-9D62-8DC7D0F25A8F}"/>
+          </ac:spMkLst>
+        </pc:spChg>
+        <pc:spChg chg="add">
+          <ac:chgData name="GAUTIER Edouard" userId="ebb82edb-7407-4d15-83b7-25e3e52afcdf" providerId="ADAL" clId="{24C4D8FE-2D5F-474A-A547-9EDDF165BA0E}" dt="2020-05-31T12:57:52.951" v="2605" actId="26606"/>
+          <ac:spMkLst>
+            <pc:docMk/>
+            <pc:sldMk cId="1915558803" sldId="284"/>
+            <ac:spMk id="13" creationId="{3FCB64ED-B050-4F57-8188-F233260082B0}"/>
+          </ac:spMkLst>
+        </pc:spChg>
+        <pc:spChg chg="add">
+          <ac:chgData name="GAUTIER Edouard" userId="ebb82edb-7407-4d15-83b7-25e3e52afcdf" providerId="ADAL" clId="{24C4D8FE-2D5F-474A-A547-9EDDF165BA0E}" dt="2020-05-31T12:57:52.951" v="2605" actId="26606"/>
+          <ac:spMkLst>
+            <pc:docMk/>
+            <pc:sldMk cId="1915558803" sldId="284"/>
+            <ac:spMk id="15" creationId="{2BF5D0F4-EA4E-47A5-87BE-9ABB1AF66DCF}"/>
+          </ac:spMkLst>
+        </pc:spChg>
+        <pc:spChg chg="add">
+          <ac:chgData name="GAUTIER Edouard" userId="ebb82edb-7407-4d15-83b7-25e3e52afcdf" providerId="ADAL" clId="{24C4D8FE-2D5F-474A-A547-9EDDF165BA0E}" dt="2020-05-31T12:57:52.951" v="2605" actId="26606"/>
+          <ac:spMkLst>
+            <pc:docMk/>
+            <pc:sldMk cId="1915558803" sldId="284"/>
+            <ac:spMk id="17" creationId="{DA182162-B517-4B41-B039-339F87FAE1D0}"/>
+          </ac:spMkLst>
+        </pc:spChg>
+        <pc:spChg chg="add">
+          <ac:chgData name="GAUTIER Edouard" userId="ebb82edb-7407-4d15-83b7-25e3e52afcdf" providerId="ADAL" clId="{24C4D8FE-2D5F-474A-A547-9EDDF165BA0E}" dt="2020-05-31T12:57:52.951" v="2605" actId="26606"/>
+          <ac:spMkLst>
+            <pc:docMk/>
+            <pc:sldMk cId="1915558803" sldId="284"/>
+            <ac:spMk id="19" creationId="{49B5AD54-1E68-4239-A6AF-FE0F49BB8367}"/>
+          </ac:spMkLst>
+        </pc:spChg>
+        <pc:picChg chg="add mod">
+          <ac:chgData name="GAUTIER Edouard" userId="ebb82edb-7407-4d15-83b7-25e3e52afcdf" providerId="ADAL" clId="{24C4D8FE-2D5F-474A-A547-9EDDF165BA0E}" dt="2020-05-31T12:58:54.048" v="2607" actId="14826"/>
+          <ac:picMkLst>
+            <pc:docMk/>
+            <pc:sldMk cId="1915558803" sldId="284"/>
+            <ac:picMk id="14" creationId="{920EDDAA-2D98-4282-A938-9736BF552DEB}"/>
+          </ac:picMkLst>
+        </pc:picChg>
+      </pc:sldChg>
+      <pc:sldChg chg="addSp delSp modSp new mod">
+        <pc:chgData name="GAUTIER Edouard" userId="ebb82edb-7407-4d15-83b7-25e3e52afcdf" providerId="ADAL" clId="{24C4D8FE-2D5F-474A-A547-9EDDF165BA0E}" dt="2020-05-31T14:50:56.360" v="3304" actId="478"/>
+        <pc:sldMkLst>
+          <pc:docMk/>
+          <pc:sldMk cId="3705281761" sldId="285"/>
+        </pc:sldMkLst>
+        <pc:spChg chg="mod">
+          <ac:chgData name="GAUTIER Edouard" userId="ebb82edb-7407-4d15-83b7-25e3e52afcdf" providerId="ADAL" clId="{24C4D8FE-2D5F-474A-A547-9EDDF165BA0E}" dt="2020-05-31T13:56:48.595" v="2939" actId="313"/>
+          <ac:spMkLst>
+            <pc:docMk/>
+            <pc:sldMk cId="3705281761" sldId="285"/>
+            <ac:spMk id="2" creationId="{672E9BBE-9EC6-4F15-94E8-4BE7C85BCD85}"/>
+          </ac:spMkLst>
+        </pc:spChg>
+        <pc:spChg chg="mod">
+          <ac:chgData name="GAUTIER Edouard" userId="ebb82edb-7407-4d15-83b7-25e3e52afcdf" providerId="ADAL" clId="{24C4D8FE-2D5F-474A-A547-9EDDF165BA0E}" dt="2020-05-31T14:22:32.096" v="3221" actId="20577"/>
+          <ac:spMkLst>
+            <pc:docMk/>
+            <pc:sldMk cId="3705281761" sldId="285"/>
+            <ac:spMk id="3" creationId="{2267FDDC-9E98-4F38-B743-27BE900B0471}"/>
+          </ac:spMkLst>
+        </pc:spChg>
+        <pc:spChg chg="del">
+          <ac:chgData name="GAUTIER Edouard" userId="ebb82edb-7407-4d15-83b7-25e3e52afcdf" providerId="ADAL" clId="{24C4D8FE-2D5F-474A-A547-9EDDF165BA0E}" dt="2020-05-31T14:50:56.360" v="3304" actId="478"/>
+          <ac:spMkLst>
+            <pc:docMk/>
+            <pc:sldMk cId="3705281761" sldId="285"/>
+            <ac:spMk id="4" creationId="{412C57E8-C68B-483A-A0E0-EC295AA65D27}"/>
+          </ac:spMkLst>
+        </pc:spChg>
+        <pc:spChg chg="add del mod">
+          <ac:chgData name="GAUTIER Edouard" userId="ebb82edb-7407-4d15-83b7-25e3e52afcdf" providerId="ADAL" clId="{24C4D8FE-2D5F-474A-A547-9EDDF165BA0E}" dt="2020-05-31T14:19:47.113" v="3175" actId="478"/>
+          <ac:spMkLst>
+            <pc:docMk/>
+            <pc:sldMk cId="3705281761" sldId="285"/>
+            <ac:spMk id="13" creationId="{4A1545B2-0615-4D3F-9C79-259883909668}"/>
+          </ac:spMkLst>
+        </pc:spChg>
+        <pc:spChg chg="add mod">
+          <ac:chgData name="GAUTIER Edouard" userId="ebb82edb-7407-4d15-83b7-25e3e52afcdf" providerId="ADAL" clId="{24C4D8FE-2D5F-474A-A547-9EDDF165BA0E}" dt="2020-05-31T14:20:51.145" v="3187" actId="1076"/>
+          <ac:spMkLst>
+            <pc:docMk/>
+            <pc:sldMk cId="3705281761" sldId="285"/>
+            <ac:spMk id="14" creationId="{B04FE913-7F23-42E2-8559-D4239A947FE5}"/>
+          </ac:spMkLst>
+        </pc:spChg>
+        <pc:spChg chg="add mod">
+          <ac:chgData name="GAUTIER Edouard" userId="ebb82edb-7407-4d15-83b7-25e3e52afcdf" providerId="ADAL" clId="{24C4D8FE-2D5F-474A-A547-9EDDF165BA0E}" dt="2020-05-31T14:20:30.812" v="3182" actId="14100"/>
+          <ac:spMkLst>
+            <pc:docMk/>
+            <pc:sldMk cId="3705281761" sldId="285"/>
+            <ac:spMk id="15" creationId="{5238EC88-00EE-44C1-A07E-B49E98B77B50}"/>
+          </ac:spMkLst>
+        </pc:spChg>
+        <pc:graphicFrameChg chg="add del mod">
+          <ac:chgData name="GAUTIER Edouard" userId="ebb82edb-7407-4d15-83b7-25e3e52afcdf" providerId="ADAL" clId="{24C4D8FE-2D5F-474A-A547-9EDDF165BA0E}" dt="2020-05-31T14:17:23.127" v="3119" actId="692"/>
+          <ac:graphicFrameMkLst>
+            <pc:docMk/>
+            <pc:sldMk cId="3705281761" sldId="285"/>
+            <ac:graphicFrameMk id="7" creationId="{44853F9B-6731-4B5B-9D53-EDFBCDEBDCAA}"/>
+          </ac:graphicFrameMkLst>
+        </pc:graphicFrameChg>
+        <pc:graphicFrameChg chg="add del mod">
+          <ac:chgData name="GAUTIER Edouard" userId="ebb82edb-7407-4d15-83b7-25e3e52afcdf" providerId="ADAL" clId="{24C4D8FE-2D5F-474A-A547-9EDDF165BA0E}" dt="2020-05-31T14:21:21.455" v="3190" actId="1076"/>
+          <ac:graphicFrameMkLst>
+            <pc:docMk/>
+            <pc:sldMk cId="3705281761" sldId="285"/>
+            <ac:graphicFrameMk id="8" creationId="{599A73B9-8807-4C80-9D8F-817EB098999A}"/>
+          </ac:graphicFrameMkLst>
+        </pc:graphicFrameChg>
+        <pc:graphicFrameChg chg="add mod">
+          <ac:chgData name="GAUTIER Edouard" userId="ebb82edb-7407-4d15-83b7-25e3e52afcdf" providerId="ADAL" clId="{24C4D8FE-2D5F-474A-A547-9EDDF165BA0E}" dt="2020-05-31T14:15:13.719" v="3109"/>
+          <ac:graphicFrameMkLst>
+            <pc:docMk/>
+            <pc:sldMk cId="3705281761" sldId="285"/>
+            <ac:graphicFrameMk id="9" creationId="{44853F9B-6731-4B5B-9D53-EDFBCDEBDCAA}"/>
+          </ac:graphicFrameMkLst>
+        </pc:graphicFrameChg>
+        <pc:graphicFrameChg chg="add mod">
+          <ac:chgData name="GAUTIER Edouard" userId="ebb82edb-7407-4d15-83b7-25e3e52afcdf" providerId="ADAL" clId="{24C4D8FE-2D5F-474A-A547-9EDDF165BA0E}" dt="2020-05-31T14:15:13.719" v="3109"/>
+          <ac:graphicFrameMkLst>
+            <pc:docMk/>
+            <pc:sldMk cId="3705281761" sldId="285"/>
+            <ac:graphicFrameMk id="10" creationId="{599A73B9-8807-4C80-9D8F-817EB098999A}"/>
+          </ac:graphicFrameMkLst>
+        </pc:graphicFrameChg>
+        <pc:graphicFrameChg chg="add mod">
+          <ac:chgData name="GAUTIER Edouard" userId="ebb82edb-7407-4d15-83b7-25e3e52afcdf" providerId="ADAL" clId="{24C4D8FE-2D5F-474A-A547-9EDDF165BA0E}" dt="2020-05-31T14:15:20.349" v="3113"/>
+          <ac:graphicFrameMkLst>
+            <pc:docMk/>
+            <pc:sldMk cId="3705281761" sldId="285"/>
+            <ac:graphicFrameMk id="11" creationId="{44853F9B-6731-4B5B-9D53-EDFBCDEBDCAA}"/>
+          </ac:graphicFrameMkLst>
+        </pc:graphicFrameChg>
+        <pc:graphicFrameChg chg="add mod">
+          <ac:chgData name="GAUTIER Edouard" userId="ebb82edb-7407-4d15-83b7-25e3e52afcdf" providerId="ADAL" clId="{24C4D8FE-2D5F-474A-A547-9EDDF165BA0E}" dt="2020-05-31T14:15:20.349" v="3113"/>
+          <ac:graphicFrameMkLst>
+            <pc:docMk/>
+            <pc:sldMk cId="3705281761" sldId="285"/>
+            <ac:graphicFrameMk id="12" creationId="{599A73B9-8807-4C80-9D8F-817EB098999A}"/>
+          </ac:graphicFrameMkLst>
+        </pc:graphicFrameChg>
+        <pc:picChg chg="add mod">
+          <ac:chgData name="GAUTIER Edouard" userId="ebb82edb-7407-4d15-83b7-25e3e52afcdf" providerId="ADAL" clId="{24C4D8FE-2D5F-474A-A547-9EDDF165BA0E}" dt="2020-05-31T14:08:10.989" v="2942" actId="14826"/>
+          <ac:picMkLst>
+            <pc:docMk/>
+            <pc:sldMk cId="3705281761" sldId="285"/>
+            <ac:picMk id="6" creationId="{935371F7-F081-47AE-B06B-77CD3B68DB27}"/>
+          </ac:picMkLst>
+        </pc:picChg>
+        <pc:cxnChg chg="add mod">
+          <ac:chgData name="GAUTIER Edouard" userId="ebb82edb-7407-4d15-83b7-25e3e52afcdf" providerId="ADAL" clId="{24C4D8FE-2D5F-474A-A547-9EDDF165BA0E}" dt="2020-05-31T14:20:51.145" v="3187" actId="1076"/>
+          <ac:cxnSpMkLst>
+            <pc:docMk/>
+            <pc:sldMk cId="3705281761" sldId="285"/>
+            <ac:cxnSpMk id="17" creationId="{6D48429A-F1E6-44E7-B86D-9FC952FB975D}"/>
+          </ac:cxnSpMkLst>
+        </pc:cxnChg>
+        <pc:cxnChg chg="add del mod">
+          <ac:chgData name="GAUTIER Edouard" userId="ebb82edb-7407-4d15-83b7-25e3e52afcdf" providerId="ADAL" clId="{24C4D8FE-2D5F-474A-A547-9EDDF165BA0E}" dt="2020-05-31T14:20:16.947" v="3179" actId="478"/>
+          <ac:cxnSpMkLst>
+            <pc:docMk/>
+            <pc:sldMk cId="3705281761" sldId="285"/>
+            <ac:cxnSpMk id="19" creationId="{668A75C7-9443-4558-99E6-8D332C10351D}"/>
+          </ac:cxnSpMkLst>
+        </pc:cxnChg>
+        <pc:cxnChg chg="add mod">
+          <ac:chgData name="GAUTIER Edouard" userId="ebb82edb-7407-4d15-83b7-25e3e52afcdf" providerId="ADAL" clId="{24C4D8FE-2D5F-474A-A547-9EDDF165BA0E}" dt="2020-05-31T14:21:34.860" v="3191" actId="14100"/>
+          <ac:cxnSpMkLst>
+            <pc:docMk/>
+            <pc:sldMk cId="3705281761" sldId="285"/>
+            <ac:cxnSpMk id="21" creationId="{449E542C-C933-490E-BC7D-0F42A0460064}"/>
+          </ac:cxnSpMkLst>
+        </pc:cxnChg>
       </pc:sldChg>
     </pc:docChg>
   </pc:docChgLst>
@@ -2927,6 +3425,2587 @@
     </pc:docChg>
   </pc:docChgLst>
 </pc:chgInfo>
+</file>
+
+<file path=ppt/charts/chart1.xml><?xml version="1.0" encoding="utf-8"?>
+<c:chartSpace xmlns:c="http://schemas.openxmlformats.org/drawingml/2006/chart" xmlns:a="http://schemas.openxmlformats.org/drawingml/2006/main" xmlns:r="http://schemas.openxmlformats.org/officeDocument/2006/relationships" xmlns:c16r2="http://schemas.microsoft.com/office/drawing/2015/06/chart">
+  <c:date1904 val="0"/>
+  <c:lang val="fr-FR"/>
+  <c:roundedCorners val="0"/>
+  <mc:AlternateContent xmlns:mc="http://schemas.openxmlformats.org/markup-compatibility/2006">
+    <mc:Choice xmlns:c14="http://schemas.microsoft.com/office/drawing/2007/8/2/chart" Requires="c14">
+      <c14:style val="102"/>
+    </mc:Choice>
+    <mc:Fallback>
+      <c:style val="2"/>
+    </mc:Fallback>
+  </mc:AlternateContent>
+  <c:chart>
+    <c:title>
+      <c:tx>
+        <c:rich>
+          <a:bodyPr rot="0" spcFirstLastPara="1" vertOverflow="ellipsis" vert="horz" wrap="square" anchor="ctr" anchorCtr="1"/>
+          <a:lstStyle/>
+          <a:p>
+            <a:pPr>
+              <a:defRPr sz="1400" b="0" i="0" u="none" strike="noStrike" kern="1200" spc="0" baseline="0">
+                <a:solidFill>
+                  <a:schemeClr val="tx1">
+                    <a:lumMod val="65000"/>
+                    <a:lumOff val="35000"/>
+                  </a:schemeClr>
+                </a:solidFill>
+                <a:latin typeface="+mn-lt"/>
+                <a:ea typeface="+mn-ea"/>
+                <a:cs typeface="+mn-cs"/>
+              </a:defRPr>
+            </a:pPr>
+            <a:r>
+              <a:rPr lang="en-US"/>
+              <a:t>Temps</a:t>
+            </a:r>
+          </a:p>
+        </c:rich>
+      </c:tx>
+      <c:overlay val="0"/>
+      <c:spPr>
+        <a:noFill/>
+        <a:ln>
+          <a:noFill/>
+        </a:ln>
+        <a:effectLst/>
+      </c:spPr>
+      <c:txPr>
+        <a:bodyPr rot="0" spcFirstLastPara="1" vertOverflow="ellipsis" vert="horz" wrap="square" anchor="ctr" anchorCtr="1"/>
+        <a:lstStyle/>
+        <a:p>
+          <a:pPr>
+            <a:defRPr sz="1400" b="0" i="0" u="none" strike="noStrike" kern="1200" spc="0" baseline="0">
+              <a:solidFill>
+                <a:schemeClr val="tx1">
+                  <a:lumMod val="65000"/>
+                  <a:lumOff val="35000"/>
+                </a:schemeClr>
+              </a:solidFill>
+              <a:latin typeface="+mn-lt"/>
+              <a:ea typeface="+mn-ea"/>
+              <a:cs typeface="+mn-cs"/>
+            </a:defRPr>
+          </a:pPr>
+          <a:endParaRPr lang="fr-FR"/>
+        </a:p>
+      </c:txPr>
+    </c:title>
+    <c:autoTitleDeleted val="0"/>
+    <c:plotArea>
+      <c:layout/>
+      <c:scatterChart>
+        <c:scatterStyle val="smoothMarker"/>
+        <c:varyColors val="0"/>
+        <c:ser>
+          <c:idx val="0"/>
+          <c:order val="0"/>
+          <c:tx>
+            <c:strRef>
+              <c:f>Sheet!$B$1</c:f>
+              <c:strCache>
+                <c:ptCount val="1"/>
+                <c:pt idx="0">
+                  <c:v>Graham</c:v>
+                </c:pt>
+              </c:strCache>
+            </c:strRef>
+          </c:tx>
+          <c:spPr>
+            <a:ln w="19050" cap="rnd">
+              <a:solidFill>
+                <a:srgbClr val="FF0000"/>
+              </a:solidFill>
+              <a:round/>
+            </a:ln>
+            <a:effectLst/>
+          </c:spPr>
+          <c:marker>
+            <c:symbol val="none"/>
+          </c:marker>
+          <c:xVal>
+            <c:numRef>
+              <c:f>Sheet!$A$4:$A$9</c:f>
+              <c:numCache>
+                <c:formatCode>#,##0</c:formatCode>
+                <c:ptCount val="6"/>
+                <c:pt idx="0">
+                  <c:v>10</c:v>
+                </c:pt>
+                <c:pt idx="1">
+                  <c:v>50</c:v>
+                </c:pt>
+                <c:pt idx="2">
+                  <c:v>100</c:v>
+                </c:pt>
+                <c:pt idx="3">
+                  <c:v>500</c:v>
+                </c:pt>
+                <c:pt idx="4">
+                  <c:v>1000</c:v>
+                </c:pt>
+                <c:pt idx="5">
+                  <c:v>5000</c:v>
+                </c:pt>
+              </c:numCache>
+            </c:numRef>
+          </c:xVal>
+          <c:yVal>
+            <c:numRef>
+              <c:f>Sheet!$B$4:$B$9</c:f>
+              <c:numCache>
+                <c:formatCode>#,##0.000000</c:formatCode>
+                <c:ptCount val="6"/>
+                <c:pt idx="0">
+                  <c:v>1.5238520000000047E-4</c:v>
+                </c:pt>
+                <c:pt idx="1">
+                  <c:v>1.0230998999999758E-3</c:v>
+                </c:pt>
+                <c:pt idx="2">
+                  <c:v>2.4203276000000322E-3</c:v>
+                </c:pt>
+                <c:pt idx="3">
+                  <c:v>1.4805802000000048E-2</c:v>
+                </c:pt>
+                <c:pt idx="4">
+                  <c:v>3.1233917699999891E-2</c:v>
+                </c:pt>
+                <c:pt idx="5">
+                  <c:v>0.17190573689999922</c:v>
+                </c:pt>
+              </c:numCache>
+            </c:numRef>
+          </c:yVal>
+          <c:smooth val="1"/>
+          <c:extLst>
+            <c:ext xmlns:c16="http://schemas.microsoft.com/office/drawing/2014/chart" uri="{C3380CC4-5D6E-409C-BE32-E72D297353CC}">
+              <c16:uniqueId val="{00000000-EC51-47FB-BD71-2D31A7A945F0}"/>
+            </c:ext>
+          </c:extLst>
+        </c:ser>
+        <c:ser>
+          <c:idx val="1"/>
+          <c:order val="1"/>
+          <c:tx>
+            <c:strRef>
+              <c:f>Sheet!$F$1</c:f>
+              <c:strCache>
+                <c:ptCount val="1"/>
+                <c:pt idx="0">
+                  <c:v>Jarvis</c:v>
+                </c:pt>
+              </c:strCache>
+            </c:strRef>
+          </c:tx>
+          <c:spPr>
+            <a:ln w="19050" cap="rnd">
+              <a:solidFill>
+                <a:srgbClr val="00B0F0"/>
+              </a:solidFill>
+              <a:round/>
+            </a:ln>
+            <a:effectLst/>
+          </c:spPr>
+          <c:marker>
+            <c:symbol val="none"/>
+          </c:marker>
+          <c:xVal>
+            <c:numRef>
+              <c:f>Sheet!$A$4:$A$9</c:f>
+              <c:numCache>
+                <c:formatCode>#,##0</c:formatCode>
+                <c:ptCount val="6"/>
+                <c:pt idx="0">
+                  <c:v>10</c:v>
+                </c:pt>
+                <c:pt idx="1">
+                  <c:v>50</c:v>
+                </c:pt>
+                <c:pt idx="2">
+                  <c:v>100</c:v>
+                </c:pt>
+                <c:pt idx="3">
+                  <c:v>500</c:v>
+                </c:pt>
+                <c:pt idx="4">
+                  <c:v>1000</c:v>
+                </c:pt>
+                <c:pt idx="5">
+                  <c:v>5000</c:v>
+                </c:pt>
+              </c:numCache>
+            </c:numRef>
+          </c:xVal>
+          <c:yVal>
+            <c:numRef>
+              <c:f>Sheet!$F$4:$F$9</c:f>
+              <c:numCache>
+                <c:formatCode>#,##0.000000</c:formatCode>
+                <c:ptCount val="6"/>
+                <c:pt idx="0">
+                  <c:v>7.8327000000000946E-5</c:v>
+                </c:pt>
+                <c:pt idx="1">
+                  <c:v>5.6173079999999537E-4</c:v>
+                </c:pt>
+                <c:pt idx="2">
+                  <c:v>1.206122499999972E-3</c:v>
+                </c:pt>
+                <c:pt idx="3">
+                  <c:v>8.3735905000000277E-3</c:v>
+                </c:pt>
+                <c:pt idx="4">
+                  <c:v>1.7260896999999879E-2</c:v>
+                </c:pt>
+                <c:pt idx="5">
+                  <c:v>0.10414679019999942</c:v>
+                </c:pt>
+              </c:numCache>
+            </c:numRef>
+          </c:yVal>
+          <c:smooth val="1"/>
+          <c:extLst>
+            <c:ext xmlns:c16="http://schemas.microsoft.com/office/drawing/2014/chart" uri="{C3380CC4-5D6E-409C-BE32-E72D297353CC}">
+              <c16:uniqueId val="{00000001-EC51-47FB-BD71-2D31A7A945F0}"/>
+            </c:ext>
+          </c:extLst>
+        </c:ser>
+        <c:ser>
+          <c:idx val="2"/>
+          <c:order val="2"/>
+          <c:tx>
+            <c:strRef>
+              <c:f>Sheet!$J$1</c:f>
+              <c:strCache>
+                <c:ptCount val="1"/>
+                <c:pt idx="0">
+                  <c:v>QuickHull</c:v>
+                </c:pt>
+              </c:strCache>
+            </c:strRef>
+          </c:tx>
+          <c:spPr>
+            <a:ln w="19050" cap="rnd">
+              <a:solidFill>
+                <a:srgbClr val="00B050"/>
+              </a:solidFill>
+              <a:round/>
+            </a:ln>
+            <a:effectLst/>
+          </c:spPr>
+          <c:marker>
+            <c:symbol val="none"/>
+          </c:marker>
+          <c:xVal>
+            <c:numRef>
+              <c:f>Sheet!$A$4:$A$9</c:f>
+              <c:numCache>
+                <c:formatCode>#,##0</c:formatCode>
+                <c:ptCount val="6"/>
+                <c:pt idx="0">
+                  <c:v>10</c:v>
+                </c:pt>
+                <c:pt idx="1">
+                  <c:v>50</c:v>
+                </c:pt>
+                <c:pt idx="2">
+                  <c:v>100</c:v>
+                </c:pt>
+                <c:pt idx="3">
+                  <c:v>500</c:v>
+                </c:pt>
+                <c:pt idx="4">
+                  <c:v>1000</c:v>
+                </c:pt>
+                <c:pt idx="5">
+                  <c:v>5000</c:v>
+                </c:pt>
+              </c:numCache>
+            </c:numRef>
+          </c:xVal>
+          <c:yVal>
+            <c:numRef>
+              <c:f>Sheet!$J$4:$J$9</c:f>
+              <c:numCache>
+                <c:formatCode>#,##0.000000</c:formatCode>
+                <c:ptCount val="6"/>
+                <c:pt idx="0">
+                  <c:v>1.0492400000000137E-4</c:v>
+                </c:pt>
+                <c:pt idx="1">
+                  <c:v>5.5969829999999617E-4</c:v>
+                </c:pt>
+                <c:pt idx="2">
+                  <c:v>1.0487843999999694E-3</c:v>
+                </c:pt>
+                <c:pt idx="3">
+                  <c:v>4.8681201999999516E-3</c:v>
+                </c:pt>
+                <c:pt idx="4">
+                  <c:v>7.7214873000000525E-3</c:v>
+                </c:pt>
+                <c:pt idx="5">
+                  <c:v>4.2923815999998893E-2</c:v>
+                </c:pt>
+              </c:numCache>
+            </c:numRef>
+          </c:yVal>
+          <c:smooth val="1"/>
+          <c:extLst>
+            <c:ext xmlns:c16="http://schemas.microsoft.com/office/drawing/2014/chart" uri="{C3380CC4-5D6E-409C-BE32-E72D297353CC}">
+              <c16:uniqueId val="{00000002-EC51-47FB-BD71-2D31A7A945F0}"/>
+            </c:ext>
+          </c:extLst>
+        </c:ser>
+        <c:ser>
+          <c:idx val="3"/>
+          <c:order val="3"/>
+          <c:tx>
+            <c:strRef>
+              <c:f>Sheet!$N$1</c:f>
+              <c:strCache>
+                <c:ptCount val="1"/>
+                <c:pt idx="0">
+                  <c:v>Bilan</c:v>
+                </c:pt>
+              </c:strCache>
+            </c:strRef>
+          </c:tx>
+          <c:spPr>
+            <a:ln w="19050" cap="rnd">
+              <a:solidFill>
+                <a:schemeClr val="bg1">
+                  <a:lumMod val="50000"/>
+                </a:schemeClr>
+              </a:solidFill>
+              <a:round/>
+            </a:ln>
+            <a:effectLst/>
+          </c:spPr>
+          <c:marker>
+            <c:symbol val="none"/>
+          </c:marker>
+          <c:xVal>
+            <c:numRef>
+              <c:f>Sheet!$A$4:$A$9</c:f>
+              <c:numCache>
+                <c:formatCode>#,##0</c:formatCode>
+                <c:ptCount val="6"/>
+                <c:pt idx="0">
+                  <c:v>10</c:v>
+                </c:pt>
+                <c:pt idx="1">
+                  <c:v>50</c:v>
+                </c:pt>
+                <c:pt idx="2">
+                  <c:v>100</c:v>
+                </c:pt>
+                <c:pt idx="3">
+                  <c:v>500</c:v>
+                </c:pt>
+                <c:pt idx="4">
+                  <c:v>1000</c:v>
+                </c:pt>
+                <c:pt idx="5">
+                  <c:v>5000</c:v>
+                </c:pt>
+              </c:numCache>
+            </c:numRef>
+          </c:xVal>
+          <c:yVal>
+            <c:numRef>
+              <c:f>Sheet!$N$4:$N$9</c:f>
+              <c:numCache>
+                <c:formatCode>#,##0.000000</c:formatCode>
+                <c:ptCount val="6"/>
+                <c:pt idx="0">
+                  <c:v>1.1187873333333281E-4</c:v>
+                </c:pt>
+                <c:pt idx="1">
+                  <c:v>7.1484300000005719E-4</c:v>
+                </c:pt>
+                <c:pt idx="2">
+                  <c:v>1.5584115000001311E-3</c:v>
+                </c:pt>
+                <c:pt idx="3">
+                  <c:v>9.3491708999999916E-3</c:v>
+                </c:pt>
+                <c:pt idx="4">
+                  <c:v>1.8738767333332008E-2</c:v>
+                </c:pt>
+                <c:pt idx="5">
+                  <c:v>0.10632544770000261</c:v>
+                </c:pt>
+              </c:numCache>
+            </c:numRef>
+          </c:yVal>
+          <c:smooth val="1"/>
+          <c:extLst>
+            <c:ext xmlns:c16="http://schemas.microsoft.com/office/drawing/2014/chart" uri="{C3380CC4-5D6E-409C-BE32-E72D297353CC}">
+              <c16:uniqueId val="{00000003-EC51-47FB-BD71-2D31A7A945F0}"/>
+            </c:ext>
+          </c:extLst>
+        </c:ser>
+        <c:dLbls>
+          <c:showLegendKey val="0"/>
+          <c:showVal val="0"/>
+          <c:showCatName val="0"/>
+          <c:showSerName val="0"/>
+          <c:showPercent val="0"/>
+          <c:showBubbleSize val="0"/>
+        </c:dLbls>
+        <c:axId val="672235200"/>
+        <c:axId val="788351536"/>
+      </c:scatterChart>
+      <c:valAx>
+        <c:axId val="672235200"/>
+        <c:scaling>
+          <c:orientation val="minMax"/>
+          <c:max val="5000"/>
+        </c:scaling>
+        <c:delete val="0"/>
+        <c:axPos val="b"/>
+        <c:title>
+          <c:tx>
+            <c:rich>
+              <a:bodyPr rot="0" spcFirstLastPara="1" vertOverflow="ellipsis" vert="horz" wrap="square" anchor="ctr" anchorCtr="1"/>
+              <a:lstStyle/>
+              <a:p>
+                <a:pPr>
+                  <a:defRPr sz="1000" b="0" i="0" u="none" strike="noStrike" kern="1200" baseline="0">
+                    <a:solidFill>
+                      <a:schemeClr val="tx1">
+                        <a:lumMod val="65000"/>
+                        <a:lumOff val="35000"/>
+                      </a:schemeClr>
+                    </a:solidFill>
+                    <a:latin typeface="+mn-lt"/>
+                    <a:ea typeface="+mn-ea"/>
+                    <a:cs typeface="+mn-cs"/>
+                  </a:defRPr>
+                </a:pPr>
+                <a:r>
+                  <a:rPr lang="fr-FR"/>
+                  <a:t>Taille du nuage</a:t>
+                </a:r>
+              </a:p>
+            </c:rich>
+          </c:tx>
+          <c:overlay val="0"/>
+          <c:spPr>
+            <a:noFill/>
+            <a:ln>
+              <a:noFill/>
+            </a:ln>
+            <a:effectLst/>
+          </c:spPr>
+          <c:txPr>
+            <a:bodyPr rot="0" spcFirstLastPara="1" vertOverflow="ellipsis" vert="horz" wrap="square" anchor="ctr" anchorCtr="1"/>
+            <a:lstStyle/>
+            <a:p>
+              <a:pPr>
+                <a:defRPr sz="1000" b="0" i="0" u="none" strike="noStrike" kern="1200" baseline="0">
+                  <a:solidFill>
+                    <a:schemeClr val="tx1">
+                      <a:lumMod val="65000"/>
+                      <a:lumOff val="35000"/>
+                    </a:schemeClr>
+                  </a:solidFill>
+                  <a:latin typeface="+mn-lt"/>
+                  <a:ea typeface="+mn-ea"/>
+                  <a:cs typeface="+mn-cs"/>
+                </a:defRPr>
+              </a:pPr>
+              <a:endParaRPr lang="fr-FR"/>
+            </a:p>
+          </c:txPr>
+        </c:title>
+        <c:numFmt formatCode="#,##0" sourceLinked="1"/>
+        <c:majorTickMark val="none"/>
+        <c:minorTickMark val="none"/>
+        <c:tickLblPos val="nextTo"/>
+        <c:spPr>
+          <a:noFill/>
+          <a:ln w="9525" cap="flat" cmpd="sng" algn="ctr">
+            <a:solidFill>
+              <a:schemeClr val="tx1">
+                <a:lumMod val="25000"/>
+                <a:lumOff val="75000"/>
+              </a:schemeClr>
+            </a:solidFill>
+            <a:round/>
+            <a:tailEnd type="stealth" w="lg" len="lg"/>
+          </a:ln>
+          <a:effectLst/>
+        </c:spPr>
+        <c:txPr>
+          <a:bodyPr rot="-60000000" spcFirstLastPara="1" vertOverflow="ellipsis" vert="horz" wrap="square" anchor="ctr" anchorCtr="1"/>
+          <a:lstStyle/>
+          <a:p>
+            <a:pPr>
+              <a:defRPr sz="900" b="0" i="0" u="none" strike="noStrike" kern="1200" baseline="0">
+                <a:solidFill>
+                  <a:schemeClr val="tx1">
+                    <a:lumMod val="65000"/>
+                    <a:lumOff val="35000"/>
+                  </a:schemeClr>
+                </a:solidFill>
+                <a:latin typeface="+mn-lt"/>
+                <a:ea typeface="+mn-ea"/>
+                <a:cs typeface="+mn-cs"/>
+              </a:defRPr>
+            </a:pPr>
+            <a:endParaRPr lang="fr-FR"/>
+          </a:p>
+        </c:txPr>
+        <c:crossAx val="788351536"/>
+        <c:crosses val="autoZero"/>
+        <c:crossBetween val="midCat"/>
+      </c:valAx>
+      <c:valAx>
+        <c:axId val="788351536"/>
+        <c:scaling>
+          <c:orientation val="minMax"/>
+        </c:scaling>
+        <c:delete val="0"/>
+        <c:axPos val="l"/>
+        <c:title>
+          <c:tx>
+            <c:rich>
+              <a:bodyPr rot="-5400000" spcFirstLastPara="1" vertOverflow="ellipsis" vert="horz" wrap="square" anchor="ctr" anchorCtr="1"/>
+              <a:lstStyle/>
+              <a:p>
+                <a:pPr>
+                  <a:defRPr sz="1000" b="0" i="0" u="none" strike="noStrike" kern="1200" baseline="0">
+                    <a:solidFill>
+                      <a:schemeClr val="tx1">
+                        <a:lumMod val="65000"/>
+                        <a:lumOff val="35000"/>
+                      </a:schemeClr>
+                    </a:solidFill>
+                    <a:latin typeface="+mn-lt"/>
+                    <a:ea typeface="+mn-ea"/>
+                    <a:cs typeface="+mn-cs"/>
+                  </a:defRPr>
+                </a:pPr>
+                <a:r>
+                  <a:rPr lang="en-US"/>
+                  <a:t>Temps (s)</a:t>
+                </a:r>
+              </a:p>
+            </c:rich>
+          </c:tx>
+          <c:overlay val="0"/>
+          <c:spPr>
+            <a:noFill/>
+            <a:ln>
+              <a:noFill/>
+            </a:ln>
+            <a:effectLst/>
+          </c:spPr>
+          <c:txPr>
+            <a:bodyPr rot="-5400000" spcFirstLastPara="1" vertOverflow="ellipsis" vert="horz" wrap="square" anchor="ctr" anchorCtr="1"/>
+            <a:lstStyle/>
+            <a:p>
+              <a:pPr>
+                <a:defRPr sz="1000" b="0" i="0" u="none" strike="noStrike" kern="1200" baseline="0">
+                  <a:solidFill>
+                    <a:schemeClr val="tx1">
+                      <a:lumMod val="65000"/>
+                      <a:lumOff val="35000"/>
+                    </a:schemeClr>
+                  </a:solidFill>
+                  <a:latin typeface="+mn-lt"/>
+                  <a:ea typeface="+mn-ea"/>
+                  <a:cs typeface="+mn-cs"/>
+                </a:defRPr>
+              </a:pPr>
+              <a:endParaRPr lang="fr-FR"/>
+            </a:p>
+          </c:txPr>
+        </c:title>
+        <c:numFmt formatCode="#,##0.00" sourceLinked="0"/>
+        <c:majorTickMark val="none"/>
+        <c:minorTickMark val="none"/>
+        <c:tickLblPos val="nextTo"/>
+        <c:spPr>
+          <a:noFill/>
+          <a:ln w="9525" cap="flat" cmpd="sng" algn="ctr">
+            <a:solidFill>
+              <a:schemeClr val="tx1">
+                <a:lumMod val="25000"/>
+                <a:lumOff val="75000"/>
+              </a:schemeClr>
+            </a:solidFill>
+            <a:round/>
+            <a:tailEnd type="stealth" w="lg" len="lg"/>
+          </a:ln>
+          <a:effectLst/>
+        </c:spPr>
+        <c:txPr>
+          <a:bodyPr rot="-60000000" spcFirstLastPara="1" vertOverflow="ellipsis" vert="horz" wrap="square" anchor="ctr" anchorCtr="1"/>
+          <a:lstStyle/>
+          <a:p>
+            <a:pPr>
+              <a:defRPr sz="900" b="0" i="0" u="none" strike="noStrike" kern="1200" baseline="0">
+                <a:solidFill>
+                  <a:schemeClr val="tx1">
+                    <a:lumMod val="65000"/>
+                    <a:lumOff val="35000"/>
+                  </a:schemeClr>
+                </a:solidFill>
+                <a:latin typeface="+mn-lt"/>
+                <a:ea typeface="+mn-ea"/>
+                <a:cs typeface="+mn-cs"/>
+              </a:defRPr>
+            </a:pPr>
+            <a:endParaRPr lang="fr-FR"/>
+          </a:p>
+        </c:txPr>
+        <c:crossAx val="672235200"/>
+        <c:crosses val="autoZero"/>
+        <c:crossBetween val="midCat"/>
+      </c:valAx>
+      <c:spPr>
+        <a:noFill/>
+        <a:ln>
+          <a:noFill/>
+        </a:ln>
+        <a:effectLst/>
+      </c:spPr>
+    </c:plotArea>
+    <c:legend>
+      <c:legendPos val="r"/>
+      <c:overlay val="0"/>
+      <c:spPr>
+        <a:noFill/>
+        <a:ln>
+          <a:noFill/>
+        </a:ln>
+        <a:effectLst/>
+      </c:spPr>
+      <c:txPr>
+        <a:bodyPr rot="0" spcFirstLastPara="1" vertOverflow="ellipsis" vert="horz" wrap="square" anchor="ctr" anchorCtr="1"/>
+        <a:lstStyle/>
+        <a:p>
+          <a:pPr>
+            <a:defRPr sz="900" b="0" i="0" u="none" strike="noStrike" kern="1200" baseline="0">
+              <a:solidFill>
+                <a:schemeClr val="tx1">
+                  <a:lumMod val="65000"/>
+                  <a:lumOff val="35000"/>
+                </a:schemeClr>
+              </a:solidFill>
+              <a:latin typeface="+mn-lt"/>
+              <a:ea typeface="+mn-ea"/>
+              <a:cs typeface="+mn-cs"/>
+            </a:defRPr>
+          </a:pPr>
+          <a:endParaRPr lang="fr-FR"/>
+        </a:p>
+      </c:txPr>
+    </c:legend>
+    <c:plotVisOnly val="1"/>
+    <c:dispBlanksAs val="gap"/>
+    <c:extLst>
+      <c:ext xmlns:c16r3="http://schemas.microsoft.com/office/drawing/2017/03/chart" uri="{56B9EC1D-385E-4148-901F-78D8002777C0}">
+        <c16r3:dataDisplayOptions16>
+          <c16r3:dispNaAsBlank val="1"/>
+        </c16r3:dataDisplayOptions16>
+      </c:ext>
+    </c:extLst>
+    <c:showDLblsOverMax val="0"/>
+  </c:chart>
+  <c:spPr>
+    <a:noFill/>
+    <a:ln>
+      <a:solidFill>
+        <a:schemeClr val="accent1"/>
+      </a:solidFill>
+    </a:ln>
+    <a:effectLst/>
+  </c:spPr>
+  <c:txPr>
+    <a:bodyPr/>
+    <a:lstStyle/>
+    <a:p>
+      <a:pPr>
+        <a:defRPr/>
+      </a:pPr>
+      <a:endParaRPr lang="fr-FR"/>
+    </a:p>
+  </c:txPr>
+  <c:externalData r:id="rId3">
+    <c:autoUpdate val="0"/>
+  </c:externalData>
+</c:chartSpace>
+</file>
+
+<file path=ppt/charts/chart2.xml><?xml version="1.0" encoding="utf-8"?>
+<c:chartSpace xmlns:c="http://schemas.openxmlformats.org/drawingml/2006/chart" xmlns:a="http://schemas.openxmlformats.org/drawingml/2006/main" xmlns:r="http://schemas.openxmlformats.org/officeDocument/2006/relationships" xmlns:c16r2="http://schemas.microsoft.com/office/drawing/2015/06/chart">
+  <c:date1904 val="0"/>
+  <c:lang val="fr-FR"/>
+  <c:roundedCorners val="0"/>
+  <mc:AlternateContent xmlns:mc="http://schemas.openxmlformats.org/markup-compatibility/2006">
+    <mc:Choice xmlns:c14="http://schemas.microsoft.com/office/drawing/2007/8/2/chart" Requires="c14">
+      <c14:style val="102"/>
+    </mc:Choice>
+    <mc:Fallback>
+      <c:style val="2"/>
+    </mc:Fallback>
+  </mc:AlternateContent>
+  <c:chart>
+    <c:title>
+      <c:tx>
+        <c:rich>
+          <a:bodyPr rot="0" spcFirstLastPara="1" vertOverflow="ellipsis" vert="horz" wrap="square" anchor="ctr" anchorCtr="1"/>
+          <a:lstStyle/>
+          <a:p>
+            <a:pPr>
+              <a:defRPr sz="1400" b="0" i="0" u="none" strike="noStrike" kern="1200" spc="0" baseline="0">
+                <a:solidFill>
+                  <a:schemeClr val="tx1">
+                    <a:lumMod val="65000"/>
+                    <a:lumOff val="35000"/>
+                  </a:schemeClr>
+                </a:solidFill>
+                <a:latin typeface="+mn-lt"/>
+                <a:ea typeface="+mn-ea"/>
+                <a:cs typeface="+mn-cs"/>
+              </a:defRPr>
+            </a:pPr>
+            <a:r>
+              <a:rPr lang="en-US"/>
+              <a:t>Itérations</a:t>
+            </a:r>
+          </a:p>
+        </c:rich>
+      </c:tx>
+      <c:overlay val="0"/>
+      <c:spPr>
+        <a:noFill/>
+        <a:ln>
+          <a:noFill/>
+        </a:ln>
+        <a:effectLst/>
+      </c:spPr>
+      <c:txPr>
+        <a:bodyPr rot="0" spcFirstLastPara="1" vertOverflow="ellipsis" vert="horz" wrap="square" anchor="ctr" anchorCtr="1"/>
+        <a:lstStyle/>
+        <a:p>
+          <a:pPr>
+            <a:defRPr sz="1400" b="0" i="0" u="none" strike="noStrike" kern="1200" spc="0" baseline="0">
+              <a:solidFill>
+                <a:schemeClr val="tx1">
+                  <a:lumMod val="65000"/>
+                  <a:lumOff val="35000"/>
+                </a:schemeClr>
+              </a:solidFill>
+              <a:latin typeface="+mn-lt"/>
+              <a:ea typeface="+mn-ea"/>
+              <a:cs typeface="+mn-cs"/>
+            </a:defRPr>
+          </a:pPr>
+          <a:endParaRPr lang="fr-FR"/>
+        </a:p>
+      </c:txPr>
+    </c:title>
+    <c:autoTitleDeleted val="0"/>
+    <c:plotArea>
+      <c:layout/>
+      <c:scatterChart>
+        <c:scatterStyle val="smoothMarker"/>
+        <c:varyColors val="0"/>
+        <c:ser>
+          <c:idx val="0"/>
+          <c:order val="0"/>
+          <c:tx>
+            <c:strRef>
+              <c:f>Sheet!$B$1</c:f>
+              <c:strCache>
+                <c:ptCount val="1"/>
+                <c:pt idx="0">
+                  <c:v>Graham</c:v>
+                </c:pt>
+              </c:strCache>
+            </c:strRef>
+          </c:tx>
+          <c:spPr>
+            <a:ln w="19050" cap="rnd">
+              <a:solidFill>
+                <a:srgbClr val="FF0000"/>
+              </a:solidFill>
+              <a:round/>
+            </a:ln>
+            <a:effectLst/>
+          </c:spPr>
+          <c:marker>
+            <c:symbol val="none"/>
+          </c:marker>
+          <c:xVal>
+            <c:numRef>
+              <c:f>Sheet!$A$4:$A$9</c:f>
+              <c:numCache>
+                <c:formatCode>#,##0</c:formatCode>
+                <c:ptCount val="6"/>
+                <c:pt idx="0">
+                  <c:v>10</c:v>
+                </c:pt>
+                <c:pt idx="1">
+                  <c:v>50</c:v>
+                </c:pt>
+                <c:pt idx="2">
+                  <c:v>100</c:v>
+                </c:pt>
+                <c:pt idx="3">
+                  <c:v>500</c:v>
+                </c:pt>
+                <c:pt idx="4">
+                  <c:v>1000</c:v>
+                </c:pt>
+                <c:pt idx="5">
+                  <c:v>5000</c:v>
+                </c:pt>
+              </c:numCache>
+            </c:numRef>
+          </c:xVal>
+          <c:yVal>
+            <c:numRef>
+              <c:f>Sheet!$D$4:$D$9</c:f>
+              <c:numCache>
+                <c:formatCode>#,##0</c:formatCode>
+                <c:ptCount val="6"/>
+                <c:pt idx="0">
+                  <c:v>130.07759999999999</c:v>
+                </c:pt>
+                <c:pt idx="1">
+                  <c:v>1039.1207999999999</c:v>
+                </c:pt>
+                <c:pt idx="2">
+                  <c:v>2395.7775999999999</c:v>
+                </c:pt>
+                <c:pt idx="3">
+                  <c:v>15525.382600000001</c:v>
+                </c:pt>
+                <c:pt idx="4">
+                  <c:v>34079.769500000002</c:v>
+                </c:pt>
+                <c:pt idx="5">
+                  <c:v>205627.26199999999</c:v>
+                </c:pt>
+              </c:numCache>
+            </c:numRef>
+          </c:yVal>
+          <c:smooth val="1"/>
+          <c:extLst>
+            <c:ext xmlns:c16="http://schemas.microsoft.com/office/drawing/2014/chart" uri="{C3380CC4-5D6E-409C-BE32-E72D297353CC}">
+              <c16:uniqueId val="{00000000-4233-408D-859C-00273B7973F5}"/>
+            </c:ext>
+          </c:extLst>
+        </c:ser>
+        <c:ser>
+          <c:idx val="1"/>
+          <c:order val="1"/>
+          <c:tx>
+            <c:strRef>
+              <c:f>Sheet!$F$1</c:f>
+              <c:strCache>
+                <c:ptCount val="1"/>
+                <c:pt idx="0">
+                  <c:v>Jarvis</c:v>
+                </c:pt>
+              </c:strCache>
+              <c:extLst xmlns:c15="http://schemas.microsoft.com/office/drawing/2012/chart"/>
+            </c:strRef>
+          </c:tx>
+          <c:spPr>
+            <a:ln w="19050" cap="rnd">
+              <a:solidFill>
+                <a:srgbClr val="00B0F0"/>
+              </a:solidFill>
+              <a:round/>
+            </a:ln>
+            <a:effectLst/>
+          </c:spPr>
+          <c:marker>
+            <c:symbol val="none"/>
+          </c:marker>
+          <c:xVal>
+            <c:numRef>
+              <c:f>Sheet!$A$4:$A$9</c:f>
+              <c:numCache>
+                <c:formatCode>#,##0</c:formatCode>
+                <c:ptCount val="6"/>
+                <c:pt idx="0">
+                  <c:v>10</c:v>
+                </c:pt>
+                <c:pt idx="1">
+                  <c:v>50</c:v>
+                </c:pt>
+                <c:pt idx="2">
+                  <c:v>100</c:v>
+                </c:pt>
+                <c:pt idx="3">
+                  <c:v>500</c:v>
+                </c:pt>
+                <c:pt idx="4">
+                  <c:v>1000</c:v>
+                </c:pt>
+                <c:pt idx="5">
+                  <c:v>5000</c:v>
+                </c:pt>
+              </c:numCache>
+              <c:extLst xmlns:c15="http://schemas.microsoft.com/office/drawing/2012/chart"/>
+            </c:numRef>
+          </c:xVal>
+          <c:yVal>
+            <c:numRef>
+              <c:f>Sheet!$H$4:$H$9</c:f>
+              <c:numCache>
+                <c:formatCode>#,##0</c:formatCode>
+                <c:ptCount val="6"/>
+                <c:pt idx="0">
+                  <c:v>75.878600000000006</c:v>
+                </c:pt>
+                <c:pt idx="1">
+                  <c:v>564.80740000000003</c:v>
+                </c:pt>
+                <c:pt idx="2">
+                  <c:v>1302.5208</c:v>
+                </c:pt>
+                <c:pt idx="3">
+                  <c:v>8619.3868999999995</c:v>
+                </c:pt>
+                <c:pt idx="4">
+                  <c:v>19062.847900000001</c:v>
+                </c:pt>
+                <c:pt idx="5">
+                  <c:v>117095.1058</c:v>
+                </c:pt>
+              </c:numCache>
+              <c:extLst xmlns:c15="http://schemas.microsoft.com/office/drawing/2012/chart"/>
+            </c:numRef>
+          </c:yVal>
+          <c:smooth val="1"/>
+          <c:extLst xmlns:c15="http://schemas.microsoft.com/office/drawing/2012/chart">
+            <c:ext xmlns:c16="http://schemas.microsoft.com/office/drawing/2014/chart" uri="{C3380CC4-5D6E-409C-BE32-E72D297353CC}">
+              <c16:uniqueId val="{00000001-4233-408D-859C-00273B7973F5}"/>
+            </c:ext>
+          </c:extLst>
+        </c:ser>
+        <c:ser>
+          <c:idx val="2"/>
+          <c:order val="2"/>
+          <c:tx>
+            <c:strRef>
+              <c:f>Sheet!$J$1</c:f>
+              <c:strCache>
+                <c:ptCount val="1"/>
+                <c:pt idx="0">
+                  <c:v>QuickHull</c:v>
+                </c:pt>
+              </c:strCache>
+              <c:extLst xmlns:c15="http://schemas.microsoft.com/office/drawing/2012/chart"/>
+            </c:strRef>
+          </c:tx>
+          <c:spPr>
+            <a:ln w="19050" cap="rnd">
+              <a:solidFill>
+                <a:srgbClr val="00B050"/>
+              </a:solidFill>
+              <a:round/>
+            </a:ln>
+            <a:effectLst/>
+          </c:spPr>
+          <c:marker>
+            <c:symbol val="none"/>
+          </c:marker>
+          <c:xVal>
+            <c:numRef>
+              <c:f>Sheet!$A$4:$A$9</c:f>
+              <c:numCache>
+                <c:formatCode>#,##0</c:formatCode>
+                <c:ptCount val="6"/>
+                <c:pt idx="0">
+                  <c:v>10</c:v>
+                </c:pt>
+                <c:pt idx="1">
+                  <c:v>50</c:v>
+                </c:pt>
+                <c:pt idx="2">
+                  <c:v>100</c:v>
+                </c:pt>
+                <c:pt idx="3">
+                  <c:v>500</c:v>
+                </c:pt>
+                <c:pt idx="4">
+                  <c:v>1000</c:v>
+                </c:pt>
+                <c:pt idx="5">
+                  <c:v>5000</c:v>
+                </c:pt>
+              </c:numCache>
+              <c:extLst xmlns:c15="http://schemas.microsoft.com/office/drawing/2012/chart"/>
+            </c:numRef>
+          </c:xVal>
+          <c:yVal>
+            <c:numRef>
+              <c:f>Sheet!$L$4:$L$9</c:f>
+              <c:numCache>
+                <c:formatCode>#,##0</c:formatCode>
+                <c:ptCount val="6"/>
+                <c:pt idx="0">
+                  <c:v>90.608599999999996</c:v>
+                </c:pt>
+                <c:pt idx="1">
+                  <c:v>566.59630000000004</c:v>
+                </c:pt>
+                <c:pt idx="2">
+                  <c:v>1150.9825000000001</c:v>
+                </c:pt>
+                <c:pt idx="3">
+                  <c:v>5701.4421000000002</c:v>
+                </c:pt>
+                <c:pt idx="4">
+                  <c:v>11328.194100000001</c:v>
+                </c:pt>
+                <c:pt idx="5">
+                  <c:v>55874.840300000003</c:v>
+                </c:pt>
+              </c:numCache>
+              <c:extLst xmlns:c15="http://schemas.microsoft.com/office/drawing/2012/chart"/>
+            </c:numRef>
+          </c:yVal>
+          <c:smooth val="1"/>
+          <c:extLst xmlns:c15="http://schemas.microsoft.com/office/drawing/2012/chart">
+            <c:ext xmlns:c16="http://schemas.microsoft.com/office/drawing/2014/chart" uri="{C3380CC4-5D6E-409C-BE32-E72D297353CC}">
+              <c16:uniqueId val="{00000002-4233-408D-859C-00273B7973F5}"/>
+            </c:ext>
+          </c:extLst>
+        </c:ser>
+        <c:ser>
+          <c:idx val="3"/>
+          <c:order val="3"/>
+          <c:tx>
+            <c:strRef>
+              <c:f>Sheet!$N$1</c:f>
+              <c:strCache>
+                <c:ptCount val="1"/>
+                <c:pt idx="0">
+                  <c:v>Bilan</c:v>
+                </c:pt>
+              </c:strCache>
+              <c:extLst xmlns:c15="http://schemas.microsoft.com/office/drawing/2012/chart"/>
+            </c:strRef>
+          </c:tx>
+          <c:spPr>
+            <a:ln w="19050" cap="rnd">
+              <a:solidFill>
+                <a:schemeClr val="bg1">
+                  <a:lumMod val="50000"/>
+                </a:schemeClr>
+              </a:solidFill>
+              <a:round/>
+            </a:ln>
+            <a:effectLst/>
+          </c:spPr>
+          <c:marker>
+            <c:symbol val="none"/>
+          </c:marker>
+          <c:xVal>
+            <c:numRef>
+              <c:f>Sheet!$A$4:$A$9</c:f>
+              <c:numCache>
+                <c:formatCode>#,##0</c:formatCode>
+                <c:ptCount val="6"/>
+                <c:pt idx="0">
+                  <c:v>10</c:v>
+                </c:pt>
+                <c:pt idx="1">
+                  <c:v>50</c:v>
+                </c:pt>
+                <c:pt idx="2">
+                  <c:v>100</c:v>
+                </c:pt>
+                <c:pt idx="3">
+                  <c:v>500</c:v>
+                </c:pt>
+                <c:pt idx="4">
+                  <c:v>1000</c:v>
+                </c:pt>
+                <c:pt idx="5">
+                  <c:v>5000</c:v>
+                </c:pt>
+              </c:numCache>
+              <c:extLst xmlns:c15="http://schemas.microsoft.com/office/drawing/2012/chart"/>
+            </c:numRef>
+          </c:xVal>
+          <c:yVal>
+            <c:numRef>
+              <c:f>Sheet!$P$4:$P$9</c:f>
+              <c:numCache>
+                <c:formatCode>#,##0</c:formatCode>
+                <c:ptCount val="6"/>
+                <c:pt idx="0">
+                  <c:v>98.854933333333335</c:v>
+                </c:pt>
+                <c:pt idx="1">
+                  <c:v>723.50816666666663</c:v>
+                </c:pt>
+                <c:pt idx="2">
+                  <c:v>1616.4269666666667</c:v>
+                </c:pt>
+                <c:pt idx="3">
+                  <c:v>9948.7371999999996</c:v>
+                </c:pt>
+                <c:pt idx="4">
+                  <c:v>21490.270499999999</c:v>
+                </c:pt>
+                <c:pt idx="5">
+                  <c:v>126199.06936666666</c:v>
+                </c:pt>
+              </c:numCache>
+              <c:extLst xmlns:c15="http://schemas.microsoft.com/office/drawing/2012/chart"/>
+            </c:numRef>
+          </c:yVal>
+          <c:smooth val="1"/>
+          <c:extLst xmlns:c15="http://schemas.microsoft.com/office/drawing/2012/chart">
+            <c:ext xmlns:c16="http://schemas.microsoft.com/office/drawing/2014/chart" uri="{C3380CC4-5D6E-409C-BE32-E72D297353CC}">
+              <c16:uniqueId val="{00000003-4233-408D-859C-00273B7973F5}"/>
+            </c:ext>
+          </c:extLst>
+        </c:ser>
+        <c:dLbls>
+          <c:showLegendKey val="0"/>
+          <c:showVal val="0"/>
+          <c:showCatName val="0"/>
+          <c:showSerName val="0"/>
+          <c:showPercent val="0"/>
+          <c:showBubbleSize val="0"/>
+        </c:dLbls>
+        <c:axId val="516308800"/>
+        <c:axId val="697581232"/>
+        <c:extLst/>
+      </c:scatterChart>
+      <c:valAx>
+        <c:axId val="516308800"/>
+        <c:scaling>
+          <c:orientation val="minMax"/>
+          <c:max val="5000"/>
+        </c:scaling>
+        <c:delete val="0"/>
+        <c:axPos val="b"/>
+        <c:title>
+          <c:tx>
+            <c:rich>
+              <a:bodyPr rot="0" spcFirstLastPara="1" vertOverflow="ellipsis" vert="horz" wrap="square" anchor="ctr" anchorCtr="1"/>
+              <a:lstStyle/>
+              <a:p>
+                <a:pPr>
+                  <a:defRPr sz="1000" b="0" i="0" u="none" strike="noStrike" kern="1200" baseline="0">
+                    <a:solidFill>
+                      <a:schemeClr val="tx1">
+                        <a:lumMod val="65000"/>
+                        <a:lumOff val="35000"/>
+                      </a:schemeClr>
+                    </a:solidFill>
+                    <a:latin typeface="+mn-lt"/>
+                    <a:ea typeface="+mn-ea"/>
+                    <a:cs typeface="+mn-cs"/>
+                  </a:defRPr>
+                </a:pPr>
+                <a:r>
+                  <a:rPr lang="fr-FR"/>
+                  <a:t>Taille</a:t>
+                </a:r>
+                <a:r>
+                  <a:rPr lang="fr-FR" baseline="0"/>
+                  <a:t> du nuage</a:t>
+                </a:r>
+                <a:endParaRPr lang="fr-FR"/>
+              </a:p>
+            </c:rich>
+          </c:tx>
+          <c:overlay val="0"/>
+          <c:spPr>
+            <a:noFill/>
+            <a:ln>
+              <a:noFill/>
+            </a:ln>
+            <a:effectLst/>
+          </c:spPr>
+          <c:txPr>
+            <a:bodyPr rot="0" spcFirstLastPara="1" vertOverflow="ellipsis" vert="horz" wrap="square" anchor="ctr" anchorCtr="1"/>
+            <a:lstStyle/>
+            <a:p>
+              <a:pPr>
+                <a:defRPr sz="1000" b="0" i="0" u="none" strike="noStrike" kern="1200" baseline="0">
+                  <a:solidFill>
+                    <a:schemeClr val="tx1">
+                      <a:lumMod val="65000"/>
+                      <a:lumOff val="35000"/>
+                    </a:schemeClr>
+                  </a:solidFill>
+                  <a:latin typeface="+mn-lt"/>
+                  <a:ea typeface="+mn-ea"/>
+                  <a:cs typeface="+mn-cs"/>
+                </a:defRPr>
+              </a:pPr>
+              <a:endParaRPr lang="fr-FR"/>
+            </a:p>
+          </c:txPr>
+        </c:title>
+        <c:numFmt formatCode="#,##0" sourceLinked="1"/>
+        <c:majorTickMark val="none"/>
+        <c:minorTickMark val="none"/>
+        <c:tickLblPos val="nextTo"/>
+        <c:spPr>
+          <a:noFill/>
+          <a:ln w="9525" cap="flat" cmpd="sng" algn="ctr">
+            <a:solidFill>
+              <a:schemeClr val="tx1">
+                <a:lumMod val="25000"/>
+                <a:lumOff val="75000"/>
+              </a:schemeClr>
+            </a:solidFill>
+            <a:round/>
+            <a:tailEnd type="stealth" w="lg" len="lg"/>
+          </a:ln>
+          <a:effectLst/>
+        </c:spPr>
+        <c:txPr>
+          <a:bodyPr rot="-60000000" spcFirstLastPara="1" vertOverflow="ellipsis" vert="horz" wrap="square" anchor="ctr" anchorCtr="1"/>
+          <a:lstStyle/>
+          <a:p>
+            <a:pPr>
+              <a:defRPr sz="900" b="0" i="0" u="none" strike="noStrike" kern="1200" baseline="0">
+                <a:solidFill>
+                  <a:schemeClr val="tx1">
+                    <a:lumMod val="65000"/>
+                    <a:lumOff val="35000"/>
+                  </a:schemeClr>
+                </a:solidFill>
+                <a:latin typeface="+mn-lt"/>
+                <a:ea typeface="+mn-ea"/>
+                <a:cs typeface="+mn-cs"/>
+              </a:defRPr>
+            </a:pPr>
+            <a:endParaRPr lang="fr-FR"/>
+          </a:p>
+        </c:txPr>
+        <c:crossAx val="697581232"/>
+        <c:crosses val="autoZero"/>
+        <c:crossBetween val="midCat"/>
+      </c:valAx>
+      <c:valAx>
+        <c:axId val="697581232"/>
+        <c:scaling>
+          <c:orientation val="minMax"/>
+        </c:scaling>
+        <c:delete val="0"/>
+        <c:axPos val="l"/>
+        <c:majorGridlines>
+          <c:spPr>
+            <a:ln w="9525" cap="flat" cmpd="sng" algn="ctr">
+              <a:solidFill>
+                <a:schemeClr val="tx1">
+                  <a:lumMod val="15000"/>
+                  <a:lumOff val="85000"/>
+                </a:schemeClr>
+              </a:solidFill>
+              <a:round/>
+            </a:ln>
+            <a:effectLst/>
+          </c:spPr>
+        </c:majorGridlines>
+        <c:title>
+          <c:tx>
+            <c:rich>
+              <a:bodyPr rot="-5400000" spcFirstLastPara="1" vertOverflow="ellipsis" vert="horz" wrap="square" anchor="ctr" anchorCtr="1"/>
+              <a:lstStyle/>
+              <a:p>
+                <a:pPr>
+                  <a:defRPr sz="1000" b="0" i="0" u="none" strike="noStrike" kern="1200" baseline="0">
+                    <a:solidFill>
+                      <a:schemeClr val="tx1">
+                        <a:lumMod val="65000"/>
+                        <a:lumOff val="35000"/>
+                      </a:schemeClr>
+                    </a:solidFill>
+                    <a:latin typeface="+mn-lt"/>
+                    <a:ea typeface="+mn-ea"/>
+                    <a:cs typeface="+mn-cs"/>
+                  </a:defRPr>
+                </a:pPr>
+                <a:r>
+                  <a:rPr lang="en-US"/>
+                  <a:t>Nombre d'itérations</a:t>
+                </a:r>
+              </a:p>
+            </c:rich>
+          </c:tx>
+          <c:overlay val="0"/>
+          <c:spPr>
+            <a:noFill/>
+            <a:ln>
+              <a:noFill/>
+            </a:ln>
+            <a:effectLst/>
+          </c:spPr>
+          <c:txPr>
+            <a:bodyPr rot="-5400000" spcFirstLastPara="1" vertOverflow="ellipsis" vert="horz" wrap="square" anchor="ctr" anchorCtr="1"/>
+            <a:lstStyle/>
+            <a:p>
+              <a:pPr>
+                <a:defRPr sz="1000" b="0" i="0" u="none" strike="noStrike" kern="1200" baseline="0">
+                  <a:solidFill>
+                    <a:schemeClr val="tx1">
+                      <a:lumMod val="65000"/>
+                      <a:lumOff val="35000"/>
+                    </a:schemeClr>
+                  </a:solidFill>
+                  <a:latin typeface="+mn-lt"/>
+                  <a:ea typeface="+mn-ea"/>
+                  <a:cs typeface="+mn-cs"/>
+                </a:defRPr>
+              </a:pPr>
+              <a:endParaRPr lang="fr-FR"/>
+            </a:p>
+          </c:txPr>
+        </c:title>
+        <c:numFmt formatCode="#,##0" sourceLinked="0"/>
+        <c:majorTickMark val="none"/>
+        <c:minorTickMark val="none"/>
+        <c:tickLblPos val="nextTo"/>
+        <c:spPr>
+          <a:noFill/>
+          <a:ln w="9525" cap="flat" cmpd="sng" algn="ctr">
+            <a:solidFill>
+              <a:schemeClr val="tx1">
+                <a:lumMod val="25000"/>
+                <a:lumOff val="75000"/>
+              </a:schemeClr>
+            </a:solidFill>
+            <a:round/>
+            <a:tailEnd type="stealth" w="lg" len="lg"/>
+          </a:ln>
+          <a:effectLst/>
+        </c:spPr>
+        <c:txPr>
+          <a:bodyPr rot="-60000000" spcFirstLastPara="1" vertOverflow="ellipsis" vert="horz" wrap="square" anchor="ctr" anchorCtr="1"/>
+          <a:lstStyle/>
+          <a:p>
+            <a:pPr>
+              <a:defRPr sz="900" b="0" i="0" u="none" strike="noStrike" kern="1200" baseline="0">
+                <a:solidFill>
+                  <a:schemeClr val="tx1">
+                    <a:lumMod val="65000"/>
+                    <a:lumOff val="35000"/>
+                  </a:schemeClr>
+                </a:solidFill>
+                <a:latin typeface="+mn-lt"/>
+                <a:ea typeface="+mn-ea"/>
+                <a:cs typeface="+mn-cs"/>
+              </a:defRPr>
+            </a:pPr>
+            <a:endParaRPr lang="fr-FR"/>
+          </a:p>
+        </c:txPr>
+        <c:crossAx val="516308800"/>
+        <c:crosses val="autoZero"/>
+        <c:crossBetween val="midCat"/>
+      </c:valAx>
+      <c:spPr>
+        <a:noFill/>
+        <a:ln>
+          <a:noFill/>
+        </a:ln>
+        <a:effectLst/>
+      </c:spPr>
+    </c:plotArea>
+    <c:legend>
+      <c:legendPos val="r"/>
+      <c:overlay val="0"/>
+      <c:spPr>
+        <a:noFill/>
+        <a:ln>
+          <a:noFill/>
+        </a:ln>
+        <a:effectLst/>
+      </c:spPr>
+      <c:txPr>
+        <a:bodyPr rot="0" spcFirstLastPara="1" vertOverflow="ellipsis" vert="horz" wrap="square" anchor="ctr" anchorCtr="1"/>
+        <a:lstStyle/>
+        <a:p>
+          <a:pPr>
+            <a:defRPr sz="900" b="0" i="0" u="none" strike="noStrike" kern="1200" baseline="0">
+              <a:solidFill>
+                <a:schemeClr val="tx1">
+                  <a:lumMod val="65000"/>
+                  <a:lumOff val="35000"/>
+                </a:schemeClr>
+              </a:solidFill>
+              <a:latin typeface="+mn-lt"/>
+              <a:ea typeface="+mn-ea"/>
+              <a:cs typeface="+mn-cs"/>
+            </a:defRPr>
+          </a:pPr>
+          <a:endParaRPr lang="fr-FR"/>
+        </a:p>
+      </c:txPr>
+    </c:legend>
+    <c:plotVisOnly val="1"/>
+    <c:dispBlanksAs val="gap"/>
+    <c:extLst>
+      <c:ext xmlns:c16r3="http://schemas.microsoft.com/office/drawing/2017/03/chart" uri="{56B9EC1D-385E-4148-901F-78D8002777C0}">
+        <c16r3:dataDisplayOptions16>
+          <c16r3:dispNaAsBlank val="1"/>
+        </c16r3:dataDisplayOptions16>
+      </c:ext>
+    </c:extLst>
+    <c:showDLblsOverMax val="0"/>
+  </c:chart>
+  <c:spPr>
+    <a:noFill/>
+    <a:ln>
+      <a:solidFill>
+        <a:schemeClr val="accent1"/>
+      </a:solidFill>
+    </a:ln>
+    <a:effectLst/>
+  </c:spPr>
+  <c:txPr>
+    <a:bodyPr/>
+    <a:lstStyle/>
+    <a:p>
+      <a:pPr>
+        <a:defRPr/>
+      </a:pPr>
+      <a:endParaRPr lang="fr-FR"/>
+    </a:p>
+  </c:txPr>
+  <c:externalData r:id="rId3">
+    <c:autoUpdate val="0"/>
+  </c:externalData>
+</c:chartSpace>
+</file>
+
+<file path=ppt/charts/colors1.xml><?xml version="1.0" encoding="utf-8"?>
+<cs:colorStyle xmlns:cs="http://schemas.microsoft.com/office/drawing/2012/chartStyle" xmlns:a="http://schemas.openxmlformats.org/drawingml/2006/main" meth="cycle" id="10">
+  <a:schemeClr val="accent1"/>
+  <a:schemeClr val="accent2"/>
+  <a:schemeClr val="accent3"/>
+  <a:schemeClr val="accent4"/>
+  <a:schemeClr val="accent5"/>
+  <a:schemeClr val="accent6"/>
+  <cs:variation/>
+  <cs:variation>
+    <a:lumMod val="60000"/>
+  </cs:variation>
+  <cs:variation>
+    <a:lumMod val="80000"/>
+    <a:lumOff val="20000"/>
+  </cs:variation>
+  <cs:variation>
+    <a:lumMod val="80000"/>
+  </cs:variation>
+  <cs:variation>
+    <a:lumMod val="60000"/>
+    <a:lumOff val="40000"/>
+  </cs:variation>
+  <cs:variation>
+    <a:lumMod val="50000"/>
+  </cs:variation>
+  <cs:variation>
+    <a:lumMod val="70000"/>
+    <a:lumOff val="30000"/>
+  </cs:variation>
+  <cs:variation>
+    <a:lumMod val="70000"/>
+  </cs:variation>
+  <cs:variation>
+    <a:lumMod val="50000"/>
+    <a:lumOff val="50000"/>
+  </cs:variation>
+</cs:colorStyle>
+</file>
+
+<file path=ppt/charts/colors2.xml><?xml version="1.0" encoding="utf-8"?>
+<cs:colorStyle xmlns:cs="http://schemas.microsoft.com/office/drawing/2012/chartStyle" xmlns:a="http://schemas.openxmlformats.org/drawingml/2006/main" meth="cycle" id="10">
+  <a:schemeClr val="accent1"/>
+  <a:schemeClr val="accent2"/>
+  <a:schemeClr val="accent3"/>
+  <a:schemeClr val="accent4"/>
+  <a:schemeClr val="accent5"/>
+  <a:schemeClr val="accent6"/>
+  <cs:variation/>
+  <cs:variation>
+    <a:lumMod val="60000"/>
+  </cs:variation>
+  <cs:variation>
+    <a:lumMod val="80000"/>
+    <a:lumOff val="20000"/>
+  </cs:variation>
+  <cs:variation>
+    <a:lumMod val="80000"/>
+  </cs:variation>
+  <cs:variation>
+    <a:lumMod val="60000"/>
+    <a:lumOff val="40000"/>
+  </cs:variation>
+  <cs:variation>
+    <a:lumMod val="50000"/>
+  </cs:variation>
+  <cs:variation>
+    <a:lumMod val="70000"/>
+    <a:lumOff val="30000"/>
+  </cs:variation>
+  <cs:variation>
+    <a:lumMod val="70000"/>
+  </cs:variation>
+  <cs:variation>
+    <a:lumMod val="50000"/>
+    <a:lumOff val="50000"/>
+  </cs:variation>
+</cs:colorStyle>
+</file>
+
+<file path=ppt/charts/style1.xml><?xml version="1.0" encoding="utf-8"?>
+<cs:chartStyle xmlns:cs="http://schemas.microsoft.com/office/drawing/2012/chartStyle" xmlns:a="http://schemas.openxmlformats.org/drawingml/2006/main" id="240">
+  <cs:axisTitle>
+    <cs:lnRef idx="0"/>
+    <cs:fillRef idx="0"/>
+    <cs:effectRef idx="0"/>
+    <cs:fontRef idx="minor">
+      <a:schemeClr val="tx1">
+        <a:lumMod val="65000"/>
+        <a:lumOff val="35000"/>
+      </a:schemeClr>
+    </cs:fontRef>
+    <cs:defRPr sz="1000" kern="1200"/>
+  </cs:axisTitle>
+  <cs:categoryAxis>
+    <cs:lnRef idx="0"/>
+    <cs:fillRef idx="0"/>
+    <cs:effectRef idx="0"/>
+    <cs:fontRef idx="minor">
+      <a:schemeClr val="tx1">
+        <a:lumMod val="65000"/>
+        <a:lumOff val="35000"/>
+      </a:schemeClr>
+    </cs:fontRef>
+    <cs:spPr>
+      <a:ln w="9525" cap="flat" cmpd="sng" algn="ctr">
+        <a:solidFill>
+          <a:schemeClr val="tx1">
+            <a:lumMod val="25000"/>
+            <a:lumOff val="75000"/>
+          </a:schemeClr>
+        </a:solidFill>
+        <a:round/>
+      </a:ln>
+    </cs:spPr>
+    <cs:defRPr sz="900" kern="1200"/>
+  </cs:categoryAxis>
+  <cs:chartArea mods="allowNoFillOverride allowNoLineOverride">
+    <cs:lnRef idx="0"/>
+    <cs:fillRef idx="0"/>
+    <cs:effectRef idx="0"/>
+    <cs:fontRef idx="minor">
+      <a:schemeClr val="tx1"/>
+    </cs:fontRef>
+    <cs:spPr>
+      <a:solidFill>
+        <a:schemeClr val="bg1"/>
+      </a:solidFill>
+      <a:ln w="9525" cap="flat" cmpd="sng" algn="ctr">
+        <a:solidFill>
+          <a:schemeClr val="tx1">
+            <a:lumMod val="15000"/>
+            <a:lumOff val="85000"/>
+          </a:schemeClr>
+        </a:solidFill>
+        <a:round/>
+      </a:ln>
+    </cs:spPr>
+    <cs:defRPr sz="1000" kern="1200"/>
+  </cs:chartArea>
+  <cs:dataLabel>
+    <cs:lnRef idx="0"/>
+    <cs:fillRef idx="0"/>
+    <cs:effectRef idx="0"/>
+    <cs:fontRef idx="minor">
+      <a:schemeClr val="tx1">
+        <a:lumMod val="75000"/>
+        <a:lumOff val="25000"/>
+      </a:schemeClr>
+    </cs:fontRef>
+    <cs:defRPr sz="900" kern="1200"/>
+  </cs:dataLabel>
+  <cs:dataLabelCallout>
+    <cs:lnRef idx="0"/>
+    <cs:fillRef idx="0"/>
+    <cs:effectRef idx="0"/>
+    <cs:fontRef idx="minor">
+      <a:schemeClr val="dk1">
+        <a:lumMod val="65000"/>
+        <a:lumOff val="35000"/>
+      </a:schemeClr>
+    </cs:fontRef>
+    <cs:spPr>
+      <a:solidFill>
+        <a:schemeClr val="lt1"/>
+      </a:solidFill>
+      <a:ln>
+        <a:solidFill>
+          <a:schemeClr val="dk1">
+            <a:lumMod val="25000"/>
+            <a:lumOff val="75000"/>
+          </a:schemeClr>
+        </a:solidFill>
+      </a:ln>
+    </cs:spPr>
+    <cs:defRPr sz="900" kern="1200"/>
+    <cs:bodyPr rot="0" spcFirstLastPara="1" vertOverflow="clip" horzOverflow="clip" vert="horz" wrap="square" lIns="36576" tIns="18288" rIns="36576" bIns="18288" anchor="ctr" anchorCtr="1">
+      <a:spAutoFit/>
+    </cs:bodyPr>
+  </cs:dataLabelCallout>
+  <cs:dataPoint>
+    <cs:lnRef idx="0"/>
+    <cs:fillRef idx="1">
+      <cs:styleClr val="auto"/>
+    </cs:fillRef>
+    <cs:effectRef idx="0"/>
+    <cs:fontRef idx="minor">
+      <a:schemeClr val="tx1"/>
+    </cs:fontRef>
+  </cs:dataPoint>
+  <cs:dataPoint3D>
+    <cs:lnRef idx="0"/>
+    <cs:fillRef idx="1">
+      <cs:styleClr val="auto"/>
+    </cs:fillRef>
+    <cs:effectRef idx="0"/>
+    <cs:fontRef idx="minor">
+      <a:schemeClr val="tx1"/>
+    </cs:fontRef>
+  </cs:dataPoint3D>
+  <cs:dataPointLine>
+    <cs:lnRef idx="0">
+      <cs:styleClr val="auto"/>
+    </cs:lnRef>
+    <cs:fillRef idx="1"/>
+    <cs:effectRef idx="0"/>
+    <cs:fontRef idx="minor">
+      <a:schemeClr val="tx1"/>
+    </cs:fontRef>
+    <cs:spPr>
+      <a:ln w="19050" cap="rnd">
+        <a:solidFill>
+          <a:schemeClr val="phClr"/>
+        </a:solidFill>
+        <a:round/>
+      </a:ln>
+    </cs:spPr>
+  </cs:dataPointLine>
+  <cs:dataPointMarker>
+    <cs:lnRef idx="0">
+      <cs:styleClr val="auto"/>
+    </cs:lnRef>
+    <cs:fillRef idx="1">
+      <cs:styleClr val="auto"/>
+    </cs:fillRef>
+    <cs:effectRef idx="0"/>
+    <cs:fontRef idx="minor">
+      <a:schemeClr val="tx1"/>
+    </cs:fontRef>
+    <cs:spPr>
+      <a:ln w="9525">
+        <a:solidFill>
+          <a:schemeClr val="phClr"/>
+        </a:solidFill>
+      </a:ln>
+    </cs:spPr>
+  </cs:dataPointMarker>
+  <cs:dataPointMarkerLayout symbol="circle" size="5"/>
+  <cs:dataPointWireframe>
+    <cs:lnRef idx="0">
+      <cs:styleClr val="auto"/>
+    </cs:lnRef>
+    <cs:fillRef idx="0"/>
+    <cs:effectRef idx="0"/>
+    <cs:fontRef idx="minor">
+      <a:schemeClr val="dk1"/>
+    </cs:fontRef>
+    <cs:spPr>
+      <a:ln w="9525" cap="rnd">
+        <a:solidFill>
+          <a:schemeClr val="phClr"/>
+        </a:solidFill>
+        <a:round/>
+      </a:ln>
+    </cs:spPr>
+  </cs:dataPointWireframe>
+  <cs:dataTable>
+    <cs:lnRef idx="0"/>
+    <cs:fillRef idx="0"/>
+    <cs:effectRef idx="0"/>
+    <cs:fontRef idx="minor">
+      <a:schemeClr val="tx1">
+        <a:lumMod val="65000"/>
+        <a:lumOff val="35000"/>
+      </a:schemeClr>
+    </cs:fontRef>
+    <cs:spPr>
+      <a:noFill/>
+      <a:ln w="9525" cap="flat" cmpd="sng" algn="ctr">
+        <a:solidFill>
+          <a:schemeClr val="tx1">
+            <a:lumMod val="15000"/>
+            <a:lumOff val="85000"/>
+          </a:schemeClr>
+        </a:solidFill>
+        <a:round/>
+      </a:ln>
+    </cs:spPr>
+    <cs:defRPr sz="900" kern="1200"/>
+  </cs:dataTable>
+  <cs:downBar>
+    <cs:lnRef idx="0"/>
+    <cs:fillRef idx="0"/>
+    <cs:effectRef idx="0"/>
+    <cs:fontRef idx="minor">
+      <a:schemeClr val="tx1"/>
+    </cs:fontRef>
+    <cs:spPr>
+      <a:solidFill>
+        <a:schemeClr val="dk1">
+          <a:lumMod val="75000"/>
+          <a:lumOff val="25000"/>
+        </a:schemeClr>
+      </a:solidFill>
+      <a:ln w="9525" cap="flat" cmpd="sng" algn="ctr">
+        <a:solidFill>
+          <a:schemeClr val="tx1">
+            <a:lumMod val="65000"/>
+            <a:lumOff val="35000"/>
+          </a:schemeClr>
+        </a:solidFill>
+        <a:round/>
+      </a:ln>
+    </cs:spPr>
+  </cs:downBar>
+  <cs:dropLine>
+    <cs:lnRef idx="0"/>
+    <cs:fillRef idx="0"/>
+    <cs:effectRef idx="0"/>
+    <cs:fontRef idx="minor">
+      <a:schemeClr val="tx1"/>
+    </cs:fontRef>
+    <cs:spPr>
+      <a:ln w="9525" cap="flat" cmpd="sng" algn="ctr">
+        <a:solidFill>
+          <a:schemeClr val="tx1">
+            <a:lumMod val="35000"/>
+            <a:lumOff val="65000"/>
+          </a:schemeClr>
+        </a:solidFill>
+        <a:round/>
+      </a:ln>
+    </cs:spPr>
+  </cs:dropLine>
+  <cs:errorBar>
+    <cs:lnRef idx="0"/>
+    <cs:fillRef idx="0"/>
+    <cs:effectRef idx="0"/>
+    <cs:fontRef idx="minor">
+      <a:schemeClr val="tx1"/>
+    </cs:fontRef>
+    <cs:spPr>
+      <a:ln w="9525" cap="flat" cmpd="sng" algn="ctr">
+        <a:solidFill>
+          <a:schemeClr val="tx1">
+            <a:lumMod val="65000"/>
+            <a:lumOff val="35000"/>
+          </a:schemeClr>
+        </a:solidFill>
+        <a:round/>
+      </a:ln>
+    </cs:spPr>
+  </cs:errorBar>
+  <cs:floor>
+    <cs:lnRef idx="0"/>
+    <cs:fillRef idx="0"/>
+    <cs:effectRef idx="0"/>
+    <cs:fontRef idx="minor">
+      <a:schemeClr val="tx1"/>
+    </cs:fontRef>
+    <cs:spPr>
+      <a:noFill/>
+      <a:ln>
+        <a:noFill/>
+      </a:ln>
+    </cs:spPr>
+  </cs:floor>
+  <cs:gridlineMajor>
+    <cs:lnRef idx="0"/>
+    <cs:fillRef idx="0"/>
+    <cs:effectRef idx="0"/>
+    <cs:fontRef idx="minor">
+      <a:schemeClr val="tx1"/>
+    </cs:fontRef>
+    <cs:spPr>
+      <a:ln w="9525" cap="flat" cmpd="sng" algn="ctr">
+        <a:solidFill>
+          <a:schemeClr val="tx1">
+            <a:lumMod val="15000"/>
+            <a:lumOff val="85000"/>
+          </a:schemeClr>
+        </a:solidFill>
+        <a:round/>
+      </a:ln>
+    </cs:spPr>
+  </cs:gridlineMajor>
+  <cs:gridlineMinor>
+    <cs:lnRef idx="0"/>
+    <cs:fillRef idx="0"/>
+    <cs:effectRef idx="0"/>
+    <cs:fontRef idx="minor">
+      <a:schemeClr val="tx1"/>
+    </cs:fontRef>
+    <cs:spPr>
+      <a:ln w="9525" cap="flat" cmpd="sng" algn="ctr">
+        <a:solidFill>
+          <a:schemeClr val="tx1">
+            <a:lumMod val="5000"/>
+            <a:lumOff val="95000"/>
+          </a:schemeClr>
+        </a:solidFill>
+        <a:round/>
+      </a:ln>
+    </cs:spPr>
+  </cs:gridlineMinor>
+  <cs:hiLoLine>
+    <cs:lnRef idx="0"/>
+    <cs:fillRef idx="0"/>
+    <cs:effectRef idx="0"/>
+    <cs:fontRef idx="minor">
+      <a:schemeClr val="tx1"/>
+    </cs:fontRef>
+    <cs:spPr>
+      <a:ln w="9525" cap="flat" cmpd="sng" algn="ctr">
+        <a:solidFill>
+          <a:schemeClr val="tx1">
+            <a:lumMod val="50000"/>
+            <a:lumOff val="50000"/>
+          </a:schemeClr>
+        </a:solidFill>
+        <a:round/>
+      </a:ln>
+    </cs:spPr>
+  </cs:hiLoLine>
+  <cs:leaderLine>
+    <cs:lnRef idx="0"/>
+    <cs:fillRef idx="0"/>
+    <cs:effectRef idx="0"/>
+    <cs:fontRef idx="minor">
+      <a:schemeClr val="tx1"/>
+    </cs:fontRef>
+    <cs:spPr>
+      <a:ln w="9525" cap="flat" cmpd="sng" algn="ctr">
+        <a:solidFill>
+          <a:schemeClr val="tx1">
+            <a:lumMod val="35000"/>
+            <a:lumOff val="65000"/>
+          </a:schemeClr>
+        </a:solidFill>
+        <a:round/>
+      </a:ln>
+    </cs:spPr>
+  </cs:leaderLine>
+  <cs:legend>
+    <cs:lnRef idx="0"/>
+    <cs:fillRef idx="0"/>
+    <cs:effectRef idx="0"/>
+    <cs:fontRef idx="minor">
+      <a:schemeClr val="tx1">
+        <a:lumMod val="65000"/>
+        <a:lumOff val="35000"/>
+      </a:schemeClr>
+    </cs:fontRef>
+    <cs:defRPr sz="900" kern="1200"/>
+  </cs:legend>
+  <cs:plotArea mods="allowNoFillOverride allowNoLineOverride">
+    <cs:lnRef idx="0"/>
+    <cs:fillRef idx="0"/>
+    <cs:effectRef idx="0"/>
+    <cs:fontRef idx="minor">
+      <a:schemeClr val="tx1"/>
+    </cs:fontRef>
+  </cs:plotArea>
+  <cs:plotArea3D mods="allowNoFillOverride allowNoLineOverride">
+    <cs:lnRef idx="0"/>
+    <cs:fillRef idx="0"/>
+    <cs:effectRef idx="0"/>
+    <cs:fontRef idx="minor">
+      <a:schemeClr val="tx1"/>
+    </cs:fontRef>
+  </cs:plotArea3D>
+  <cs:seriesAxis>
+    <cs:lnRef idx="0"/>
+    <cs:fillRef idx="0"/>
+    <cs:effectRef idx="0"/>
+    <cs:fontRef idx="minor">
+      <a:schemeClr val="tx1">
+        <a:lumMod val="65000"/>
+        <a:lumOff val="35000"/>
+      </a:schemeClr>
+    </cs:fontRef>
+    <cs:defRPr sz="900" kern="1200"/>
+  </cs:seriesAxis>
+  <cs:seriesLine>
+    <cs:lnRef idx="0"/>
+    <cs:fillRef idx="0"/>
+    <cs:effectRef idx="0"/>
+    <cs:fontRef idx="minor">
+      <a:schemeClr val="tx1"/>
+    </cs:fontRef>
+    <cs:spPr>
+      <a:ln w="9525" cap="flat" cmpd="sng" algn="ctr">
+        <a:solidFill>
+          <a:schemeClr val="tx1">
+            <a:lumMod val="35000"/>
+            <a:lumOff val="65000"/>
+          </a:schemeClr>
+        </a:solidFill>
+        <a:round/>
+      </a:ln>
+    </cs:spPr>
+  </cs:seriesLine>
+  <cs:title>
+    <cs:lnRef idx="0"/>
+    <cs:fillRef idx="0"/>
+    <cs:effectRef idx="0"/>
+    <cs:fontRef idx="minor">
+      <a:schemeClr val="tx1">
+        <a:lumMod val="65000"/>
+        <a:lumOff val="35000"/>
+      </a:schemeClr>
+    </cs:fontRef>
+    <cs:defRPr sz="1400" b="0" kern="1200" spc="0" baseline="0"/>
+  </cs:title>
+  <cs:trendline>
+    <cs:lnRef idx="0">
+      <cs:styleClr val="auto"/>
+    </cs:lnRef>
+    <cs:fillRef idx="0"/>
+    <cs:effectRef idx="0"/>
+    <cs:fontRef idx="minor">
+      <a:schemeClr val="tx1"/>
+    </cs:fontRef>
+    <cs:spPr>
+      <a:ln w="19050" cap="rnd">
+        <a:solidFill>
+          <a:schemeClr val="phClr"/>
+        </a:solidFill>
+        <a:prstDash val="sysDot"/>
+      </a:ln>
+    </cs:spPr>
+  </cs:trendline>
+  <cs:trendlineLabel>
+    <cs:lnRef idx="0"/>
+    <cs:fillRef idx="0"/>
+    <cs:effectRef idx="0"/>
+    <cs:fontRef idx="minor">
+      <a:schemeClr val="tx1">
+        <a:lumMod val="65000"/>
+        <a:lumOff val="35000"/>
+      </a:schemeClr>
+    </cs:fontRef>
+    <cs:defRPr sz="900" kern="1200"/>
+  </cs:trendlineLabel>
+  <cs:upBar>
+    <cs:lnRef idx="0"/>
+    <cs:fillRef idx="0"/>
+    <cs:effectRef idx="0"/>
+    <cs:fontRef idx="minor">
+      <a:schemeClr val="tx1"/>
+    </cs:fontRef>
+    <cs:spPr>
+      <a:solidFill>
+        <a:schemeClr val="lt1"/>
+      </a:solidFill>
+      <a:ln w="9525" cap="flat" cmpd="sng" algn="ctr">
+        <a:solidFill>
+          <a:schemeClr val="tx1">
+            <a:lumMod val="65000"/>
+            <a:lumOff val="35000"/>
+          </a:schemeClr>
+        </a:solidFill>
+        <a:round/>
+      </a:ln>
+    </cs:spPr>
+  </cs:upBar>
+  <cs:valueAxis>
+    <cs:lnRef idx="0"/>
+    <cs:fillRef idx="0"/>
+    <cs:effectRef idx="0"/>
+    <cs:fontRef idx="minor">
+      <a:schemeClr val="tx1">
+        <a:lumMod val="65000"/>
+        <a:lumOff val="35000"/>
+      </a:schemeClr>
+    </cs:fontRef>
+    <cs:spPr>
+      <a:ln w="9525" cap="flat" cmpd="sng" algn="ctr">
+        <a:solidFill>
+          <a:schemeClr val="tx1">
+            <a:lumMod val="25000"/>
+            <a:lumOff val="75000"/>
+          </a:schemeClr>
+        </a:solidFill>
+        <a:round/>
+      </a:ln>
+    </cs:spPr>
+    <cs:defRPr sz="900" kern="1200"/>
+  </cs:valueAxis>
+  <cs:wall>
+    <cs:lnRef idx="0"/>
+    <cs:fillRef idx="0"/>
+    <cs:effectRef idx="0"/>
+    <cs:fontRef idx="minor">
+      <a:schemeClr val="tx1"/>
+    </cs:fontRef>
+    <cs:spPr>
+      <a:noFill/>
+      <a:ln>
+        <a:noFill/>
+      </a:ln>
+    </cs:spPr>
+  </cs:wall>
+</cs:chartStyle>
+</file>
+
+<file path=ppt/charts/style2.xml><?xml version="1.0" encoding="utf-8"?>
+<cs:chartStyle xmlns:cs="http://schemas.microsoft.com/office/drawing/2012/chartStyle" xmlns:a="http://schemas.openxmlformats.org/drawingml/2006/main" id="240">
+  <cs:axisTitle>
+    <cs:lnRef idx="0"/>
+    <cs:fillRef idx="0"/>
+    <cs:effectRef idx="0"/>
+    <cs:fontRef idx="minor">
+      <a:schemeClr val="tx1">
+        <a:lumMod val="65000"/>
+        <a:lumOff val="35000"/>
+      </a:schemeClr>
+    </cs:fontRef>
+    <cs:defRPr sz="1000" kern="1200"/>
+  </cs:axisTitle>
+  <cs:categoryAxis>
+    <cs:lnRef idx="0"/>
+    <cs:fillRef idx="0"/>
+    <cs:effectRef idx="0"/>
+    <cs:fontRef idx="minor">
+      <a:schemeClr val="tx1">
+        <a:lumMod val="65000"/>
+        <a:lumOff val="35000"/>
+      </a:schemeClr>
+    </cs:fontRef>
+    <cs:spPr>
+      <a:ln w="9525" cap="flat" cmpd="sng" algn="ctr">
+        <a:solidFill>
+          <a:schemeClr val="tx1">
+            <a:lumMod val="25000"/>
+            <a:lumOff val="75000"/>
+          </a:schemeClr>
+        </a:solidFill>
+        <a:round/>
+      </a:ln>
+    </cs:spPr>
+    <cs:defRPr sz="900" kern="1200"/>
+  </cs:categoryAxis>
+  <cs:chartArea mods="allowNoFillOverride allowNoLineOverride">
+    <cs:lnRef idx="0"/>
+    <cs:fillRef idx="0"/>
+    <cs:effectRef idx="0"/>
+    <cs:fontRef idx="minor">
+      <a:schemeClr val="tx1"/>
+    </cs:fontRef>
+    <cs:spPr>
+      <a:solidFill>
+        <a:schemeClr val="bg1"/>
+      </a:solidFill>
+      <a:ln w="9525" cap="flat" cmpd="sng" algn="ctr">
+        <a:solidFill>
+          <a:schemeClr val="tx1">
+            <a:lumMod val="15000"/>
+            <a:lumOff val="85000"/>
+          </a:schemeClr>
+        </a:solidFill>
+        <a:round/>
+      </a:ln>
+    </cs:spPr>
+    <cs:defRPr sz="1000" kern="1200"/>
+  </cs:chartArea>
+  <cs:dataLabel>
+    <cs:lnRef idx="0"/>
+    <cs:fillRef idx="0"/>
+    <cs:effectRef idx="0"/>
+    <cs:fontRef idx="minor">
+      <a:schemeClr val="tx1">
+        <a:lumMod val="75000"/>
+        <a:lumOff val="25000"/>
+      </a:schemeClr>
+    </cs:fontRef>
+    <cs:defRPr sz="900" kern="1200"/>
+  </cs:dataLabel>
+  <cs:dataLabelCallout>
+    <cs:lnRef idx="0"/>
+    <cs:fillRef idx="0"/>
+    <cs:effectRef idx="0"/>
+    <cs:fontRef idx="minor">
+      <a:schemeClr val="dk1">
+        <a:lumMod val="65000"/>
+        <a:lumOff val="35000"/>
+      </a:schemeClr>
+    </cs:fontRef>
+    <cs:spPr>
+      <a:solidFill>
+        <a:schemeClr val="lt1"/>
+      </a:solidFill>
+      <a:ln>
+        <a:solidFill>
+          <a:schemeClr val="dk1">
+            <a:lumMod val="25000"/>
+            <a:lumOff val="75000"/>
+          </a:schemeClr>
+        </a:solidFill>
+      </a:ln>
+    </cs:spPr>
+    <cs:defRPr sz="900" kern="1200"/>
+    <cs:bodyPr rot="0" spcFirstLastPara="1" vertOverflow="clip" horzOverflow="clip" vert="horz" wrap="square" lIns="36576" tIns="18288" rIns="36576" bIns="18288" anchor="ctr" anchorCtr="1">
+      <a:spAutoFit/>
+    </cs:bodyPr>
+  </cs:dataLabelCallout>
+  <cs:dataPoint>
+    <cs:lnRef idx="0"/>
+    <cs:fillRef idx="1">
+      <cs:styleClr val="auto"/>
+    </cs:fillRef>
+    <cs:effectRef idx="0"/>
+    <cs:fontRef idx="minor">
+      <a:schemeClr val="tx1"/>
+    </cs:fontRef>
+  </cs:dataPoint>
+  <cs:dataPoint3D>
+    <cs:lnRef idx="0"/>
+    <cs:fillRef idx="1">
+      <cs:styleClr val="auto"/>
+    </cs:fillRef>
+    <cs:effectRef idx="0"/>
+    <cs:fontRef idx="minor">
+      <a:schemeClr val="tx1"/>
+    </cs:fontRef>
+  </cs:dataPoint3D>
+  <cs:dataPointLine>
+    <cs:lnRef idx="0">
+      <cs:styleClr val="auto"/>
+    </cs:lnRef>
+    <cs:fillRef idx="1"/>
+    <cs:effectRef idx="0"/>
+    <cs:fontRef idx="minor">
+      <a:schemeClr val="tx1"/>
+    </cs:fontRef>
+    <cs:spPr>
+      <a:ln w="19050" cap="rnd">
+        <a:solidFill>
+          <a:schemeClr val="phClr"/>
+        </a:solidFill>
+        <a:round/>
+      </a:ln>
+    </cs:spPr>
+  </cs:dataPointLine>
+  <cs:dataPointMarker>
+    <cs:lnRef idx="0">
+      <cs:styleClr val="auto"/>
+    </cs:lnRef>
+    <cs:fillRef idx="1">
+      <cs:styleClr val="auto"/>
+    </cs:fillRef>
+    <cs:effectRef idx="0"/>
+    <cs:fontRef idx="minor">
+      <a:schemeClr val="tx1"/>
+    </cs:fontRef>
+    <cs:spPr>
+      <a:ln w="9525">
+        <a:solidFill>
+          <a:schemeClr val="phClr"/>
+        </a:solidFill>
+      </a:ln>
+    </cs:spPr>
+  </cs:dataPointMarker>
+  <cs:dataPointMarkerLayout symbol="circle" size="5"/>
+  <cs:dataPointWireframe>
+    <cs:lnRef idx="0">
+      <cs:styleClr val="auto"/>
+    </cs:lnRef>
+    <cs:fillRef idx="0"/>
+    <cs:effectRef idx="0"/>
+    <cs:fontRef idx="minor">
+      <a:schemeClr val="dk1"/>
+    </cs:fontRef>
+    <cs:spPr>
+      <a:ln w="9525" cap="rnd">
+        <a:solidFill>
+          <a:schemeClr val="phClr"/>
+        </a:solidFill>
+        <a:round/>
+      </a:ln>
+    </cs:spPr>
+  </cs:dataPointWireframe>
+  <cs:dataTable>
+    <cs:lnRef idx="0"/>
+    <cs:fillRef idx="0"/>
+    <cs:effectRef idx="0"/>
+    <cs:fontRef idx="minor">
+      <a:schemeClr val="tx1">
+        <a:lumMod val="65000"/>
+        <a:lumOff val="35000"/>
+      </a:schemeClr>
+    </cs:fontRef>
+    <cs:spPr>
+      <a:noFill/>
+      <a:ln w="9525" cap="flat" cmpd="sng" algn="ctr">
+        <a:solidFill>
+          <a:schemeClr val="tx1">
+            <a:lumMod val="15000"/>
+            <a:lumOff val="85000"/>
+          </a:schemeClr>
+        </a:solidFill>
+        <a:round/>
+      </a:ln>
+    </cs:spPr>
+    <cs:defRPr sz="900" kern="1200"/>
+  </cs:dataTable>
+  <cs:downBar>
+    <cs:lnRef idx="0"/>
+    <cs:fillRef idx="0"/>
+    <cs:effectRef idx="0"/>
+    <cs:fontRef idx="minor">
+      <a:schemeClr val="tx1"/>
+    </cs:fontRef>
+    <cs:spPr>
+      <a:solidFill>
+        <a:schemeClr val="dk1">
+          <a:lumMod val="75000"/>
+          <a:lumOff val="25000"/>
+        </a:schemeClr>
+      </a:solidFill>
+      <a:ln w="9525" cap="flat" cmpd="sng" algn="ctr">
+        <a:solidFill>
+          <a:schemeClr val="tx1">
+            <a:lumMod val="65000"/>
+            <a:lumOff val="35000"/>
+          </a:schemeClr>
+        </a:solidFill>
+        <a:round/>
+      </a:ln>
+    </cs:spPr>
+  </cs:downBar>
+  <cs:dropLine>
+    <cs:lnRef idx="0"/>
+    <cs:fillRef idx="0"/>
+    <cs:effectRef idx="0"/>
+    <cs:fontRef idx="minor">
+      <a:schemeClr val="tx1"/>
+    </cs:fontRef>
+    <cs:spPr>
+      <a:ln w="9525" cap="flat" cmpd="sng" algn="ctr">
+        <a:solidFill>
+          <a:schemeClr val="tx1">
+            <a:lumMod val="35000"/>
+            <a:lumOff val="65000"/>
+          </a:schemeClr>
+        </a:solidFill>
+        <a:round/>
+      </a:ln>
+    </cs:spPr>
+  </cs:dropLine>
+  <cs:errorBar>
+    <cs:lnRef idx="0"/>
+    <cs:fillRef idx="0"/>
+    <cs:effectRef idx="0"/>
+    <cs:fontRef idx="minor">
+      <a:schemeClr val="tx1"/>
+    </cs:fontRef>
+    <cs:spPr>
+      <a:ln w="9525" cap="flat" cmpd="sng" algn="ctr">
+        <a:solidFill>
+          <a:schemeClr val="tx1">
+            <a:lumMod val="65000"/>
+            <a:lumOff val="35000"/>
+          </a:schemeClr>
+        </a:solidFill>
+        <a:round/>
+      </a:ln>
+    </cs:spPr>
+  </cs:errorBar>
+  <cs:floor>
+    <cs:lnRef idx="0"/>
+    <cs:fillRef idx="0"/>
+    <cs:effectRef idx="0"/>
+    <cs:fontRef idx="minor">
+      <a:schemeClr val="tx1"/>
+    </cs:fontRef>
+    <cs:spPr>
+      <a:noFill/>
+      <a:ln>
+        <a:noFill/>
+      </a:ln>
+    </cs:spPr>
+  </cs:floor>
+  <cs:gridlineMajor>
+    <cs:lnRef idx="0"/>
+    <cs:fillRef idx="0"/>
+    <cs:effectRef idx="0"/>
+    <cs:fontRef idx="minor">
+      <a:schemeClr val="tx1"/>
+    </cs:fontRef>
+    <cs:spPr>
+      <a:ln w="9525" cap="flat" cmpd="sng" algn="ctr">
+        <a:solidFill>
+          <a:schemeClr val="tx1">
+            <a:lumMod val="15000"/>
+            <a:lumOff val="85000"/>
+          </a:schemeClr>
+        </a:solidFill>
+        <a:round/>
+      </a:ln>
+    </cs:spPr>
+  </cs:gridlineMajor>
+  <cs:gridlineMinor>
+    <cs:lnRef idx="0"/>
+    <cs:fillRef idx="0"/>
+    <cs:effectRef idx="0"/>
+    <cs:fontRef idx="minor">
+      <a:schemeClr val="tx1"/>
+    </cs:fontRef>
+    <cs:spPr>
+      <a:ln w="9525" cap="flat" cmpd="sng" algn="ctr">
+        <a:solidFill>
+          <a:schemeClr val="tx1">
+            <a:lumMod val="5000"/>
+            <a:lumOff val="95000"/>
+          </a:schemeClr>
+        </a:solidFill>
+        <a:round/>
+      </a:ln>
+    </cs:spPr>
+  </cs:gridlineMinor>
+  <cs:hiLoLine>
+    <cs:lnRef idx="0"/>
+    <cs:fillRef idx="0"/>
+    <cs:effectRef idx="0"/>
+    <cs:fontRef idx="minor">
+      <a:schemeClr val="tx1"/>
+    </cs:fontRef>
+    <cs:spPr>
+      <a:ln w="9525" cap="flat" cmpd="sng" algn="ctr">
+        <a:solidFill>
+          <a:schemeClr val="tx1">
+            <a:lumMod val="50000"/>
+            <a:lumOff val="50000"/>
+          </a:schemeClr>
+        </a:solidFill>
+        <a:round/>
+      </a:ln>
+    </cs:spPr>
+  </cs:hiLoLine>
+  <cs:leaderLine>
+    <cs:lnRef idx="0"/>
+    <cs:fillRef idx="0"/>
+    <cs:effectRef idx="0"/>
+    <cs:fontRef idx="minor">
+      <a:schemeClr val="tx1"/>
+    </cs:fontRef>
+    <cs:spPr>
+      <a:ln w="9525" cap="flat" cmpd="sng" algn="ctr">
+        <a:solidFill>
+          <a:schemeClr val="tx1">
+            <a:lumMod val="35000"/>
+            <a:lumOff val="65000"/>
+          </a:schemeClr>
+        </a:solidFill>
+        <a:round/>
+      </a:ln>
+    </cs:spPr>
+  </cs:leaderLine>
+  <cs:legend>
+    <cs:lnRef idx="0"/>
+    <cs:fillRef idx="0"/>
+    <cs:effectRef idx="0"/>
+    <cs:fontRef idx="minor">
+      <a:schemeClr val="tx1">
+        <a:lumMod val="65000"/>
+        <a:lumOff val="35000"/>
+      </a:schemeClr>
+    </cs:fontRef>
+    <cs:defRPr sz="900" kern="1200"/>
+  </cs:legend>
+  <cs:plotArea mods="allowNoFillOverride allowNoLineOverride">
+    <cs:lnRef idx="0"/>
+    <cs:fillRef idx="0"/>
+    <cs:effectRef idx="0"/>
+    <cs:fontRef idx="minor">
+      <a:schemeClr val="tx1"/>
+    </cs:fontRef>
+  </cs:plotArea>
+  <cs:plotArea3D mods="allowNoFillOverride allowNoLineOverride">
+    <cs:lnRef idx="0"/>
+    <cs:fillRef idx="0"/>
+    <cs:effectRef idx="0"/>
+    <cs:fontRef idx="minor">
+      <a:schemeClr val="tx1"/>
+    </cs:fontRef>
+  </cs:plotArea3D>
+  <cs:seriesAxis>
+    <cs:lnRef idx="0"/>
+    <cs:fillRef idx="0"/>
+    <cs:effectRef idx="0"/>
+    <cs:fontRef idx="minor">
+      <a:schemeClr val="tx1">
+        <a:lumMod val="65000"/>
+        <a:lumOff val="35000"/>
+      </a:schemeClr>
+    </cs:fontRef>
+    <cs:defRPr sz="900" kern="1200"/>
+  </cs:seriesAxis>
+  <cs:seriesLine>
+    <cs:lnRef idx="0"/>
+    <cs:fillRef idx="0"/>
+    <cs:effectRef idx="0"/>
+    <cs:fontRef idx="minor">
+      <a:schemeClr val="tx1"/>
+    </cs:fontRef>
+    <cs:spPr>
+      <a:ln w="9525" cap="flat" cmpd="sng" algn="ctr">
+        <a:solidFill>
+          <a:schemeClr val="tx1">
+            <a:lumMod val="35000"/>
+            <a:lumOff val="65000"/>
+          </a:schemeClr>
+        </a:solidFill>
+        <a:round/>
+      </a:ln>
+    </cs:spPr>
+  </cs:seriesLine>
+  <cs:title>
+    <cs:lnRef idx="0"/>
+    <cs:fillRef idx="0"/>
+    <cs:effectRef idx="0"/>
+    <cs:fontRef idx="minor">
+      <a:schemeClr val="tx1">
+        <a:lumMod val="65000"/>
+        <a:lumOff val="35000"/>
+      </a:schemeClr>
+    </cs:fontRef>
+    <cs:defRPr sz="1400" b="0" kern="1200" spc="0" baseline="0"/>
+  </cs:title>
+  <cs:trendline>
+    <cs:lnRef idx="0">
+      <cs:styleClr val="auto"/>
+    </cs:lnRef>
+    <cs:fillRef idx="0"/>
+    <cs:effectRef idx="0"/>
+    <cs:fontRef idx="minor">
+      <a:schemeClr val="tx1"/>
+    </cs:fontRef>
+    <cs:spPr>
+      <a:ln w="19050" cap="rnd">
+        <a:solidFill>
+          <a:schemeClr val="phClr"/>
+        </a:solidFill>
+        <a:prstDash val="sysDot"/>
+      </a:ln>
+    </cs:spPr>
+  </cs:trendline>
+  <cs:trendlineLabel>
+    <cs:lnRef idx="0"/>
+    <cs:fillRef idx="0"/>
+    <cs:effectRef idx="0"/>
+    <cs:fontRef idx="minor">
+      <a:schemeClr val="tx1">
+        <a:lumMod val="65000"/>
+        <a:lumOff val="35000"/>
+      </a:schemeClr>
+    </cs:fontRef>
+    <cs:defRPr sz="900" kern="1200"/>
+  </cs:trendlineLabel>
+  <cs:upBar>
+    <cs:lnRef idx="0"/>
+    <cs:fillRef idx="0"/>
+    <cs:effectRef idx="0"/>
+    <cs:fontRef idx="minor">
+      <a:schemeClr val="tx1"/>
+    </cs:fontRef>
+    <cs:spPr>
+      <a:solidFill>
+        <a:schemeClr val="lt1"/>
+      </a:solidFill>
+      <a:ln w="9525" cap="flat" cmpd="sng" algn="ctr">
+        <a:solidFill>
+          <a:schemeClr val="tx1">
+            <a:lumMod val="65000"/>
+            <a:lumOff val="35000"/>
+          </a:schemeClr>
+        </a:solidFill>
+        <a:round/>
+      </a:ln>
+    </cs:spPr>
+  </cs:upBar>
+  <cs:valueAxis>
+    <cs:lnRef idx="0"/>
+    <cs:fillRef idx="0"/>
+    <cs:effectRef idx="0"/>
+    <cs:fontRef idx="minor">
+      <a:schemeClr val="tx1">
+        <a:lumMod val="65000"/>
+        <a:lumOff val="35000"/>
+      </a:schemeClr>
+    </cs:fontRef>
+    <cs:spPr>
+      <a:ln w="9525" cap="flat" cmpd="sng" algn="ctr">
+        <a:solidFill>
+          <a:schemeClr val="tx1">
+            <a:lumMod val="25000"/>
+            <a:lumOff val="75000"/>
+          </a:schemeClr>
+        </a:solidFill>
+        <a:round/>
+      </a:ln>
+    </cs:spPr>
+    <cs:defRPr sz="900" kern="1200"/>
+  </cs:valueAxis>
+  <cs:wall>
+    <cs:lnRef idx="0"/>
+    <cs:fillRef idx="0"/>
+    <cs:effectRef idx="0"/>
+    <cs:fontRef idx="minor">
+      <a:schemeClr val="tx1"/>
+    </cs:fontRef>
+    <cs:spPr>
+      <a:noFill/>
+      <a:ln>
+        <a:noFill/>
+      </a:ln>
+    </cs:spPr>
+  </cs:wall>
+</cs:chartStyle>
 </file>
 
 <file path=ppt/diagrams/colors1.xml><?xml version="1.0" encoding="utf-8"?>
@@ -6017,9 +9096,9 @@
             </a:lvl1pPr>
           </a:lstStyle>
           <a:p>
-            <a:fld id="{4AA541ED-C7AA-47AE-AC9F-075210CA23C4}" type="datetime1">
+            <a:fld id="{523C892A-4D9A-48E7-BF0E-27F190E2C573}" type="datetime1">
               <a:rPr lang="fr-FR" smtClean="0"/>
-              <a:t>29/05/2020</a:t>
+              <a:t>31/05/2020</a:t>
             </a:fld>
             <a:endParaRPr lang="fr-FR"/>
           </a:p>
@@ -6195,9 +9274,9 @@
             </a:lvl1pPr>
           </a:lstStyle>
           <a:p>
-            <a:fld id="{82DF1070-EB11-4739-82EF-FABD2E9EA50B}" type="datetime1">
+            <a:fld id="{447CB2A0-A738-4C14-B8EC-F9FB73BF0EDD}" type="datetime1">
               <a:rPr lang="fr-FR" smtClean="0"/>
-              <a:t>29/05/2020</a:t>
+              <a:t>31/05/2020</a:t>
             </a:fld>
             <a:endParaRPr lang="fr-FR"/>
           </a:p>
@@ -6531,9 +9610,9 @@
           <a:bodyPr/>
           <a:lstStyle/>
           <a:p>
-            <a:fld id="{82DF1070-EB11-4739-82EF-FABD2E9EA50B}" type="datetime1">
+            <a:fld id="{4CA4EC99-AA72-4CD0-977F-866342F4A066}" type="datetime1">
               <a:rPr lang="fr-FR" smtClean="0"/>
-              <a:t>29/05/2020</a:t>
+              <a:t>31/05/2020</a:t>
             </a:fld>
             <a:endParaRPr lang="fr-FR"/>
           </a:p>
@@ -6649,9 +9728,9 @@
           <a:bodyPr/>
           <a:lstStyle/>
           <a:p>
-            <a:fld id="{82DF1070-EB11-4739-82EF-FABD2E9EA50B}" type="datetime1">
+            <a:fld id="{27A7FF27-EECE-4A9F-BE8C-E8A977D6DADF}" type="datetime1">
               <a:rPr lang="fr-FR" smtClean="0"/>
-              <a:t>29/05/2020</a:t>
+              <a:t>31/05/2020</a:t>
             </a:fld>
             <a:endParaRPr lang="fr-FR"/>
           </a:p>
@@ -6785,9 +9864,9 @@
           <a:bodyPr/>
           <a:lstStyle/>
           <a:p>
-            <a:fld id="{D8ADFAA2-538F-4D28-903F-D2423B8FF165}" type="datetime1">
+            <a:fld id="{BE042F90-F375-44EF-BC27-BCEDF898FE93}" type="datetime1">
               <a:rPr lang="fr-FR" smtClean="0"/>
-              <a:t>29/05/2020</a:t>
+              <a:t>31/05/2020</a:t>
             </a:fld>
             <a:endParaRPr lang="fr-FR"/>
           </a:p>
@@ -6915,9 +9994,9 @@
           <a:bodyPr/>
           <a:lstStyle/>
           <a:p>
-            <a:fld id="{BBEB4104-C201-4C69-A85B-57BE821AD32B}" type="datetime1">
+            <a:fld id="{5F8E5793-2FA5-40D2-9DC3-62BCAEB2A221}" type="datetime1">
               <a:rPr lang="fr-FR" smtClean="0"/>
-              <a:t>29/05/2020</a:t>
+              <a:t>31/05/2020</a:t>
             </a:fld>
             <a:endParaRPr lang="fr-FR"/>
           </a:p>
@@ -7048,9 +10127,9 @@
           <a:bodyPr/>
           <a:lstStyle/>
           <a:p>
-            <a:fld id="{6E14323A-0738-4D8C-A03D-2ECF029AD613}" type="datetime1">
+            <a:fld id="{A8484406-421C-49CC-B8DB-72744449C075}" type="datetime1">
               <a:rPr lang="fr-FR" smtClean="0"/>
-              <a:t>29/05/2020</a:t>
+              <a:t>31/05/2020</a:t>
             </a:fld>
             <a:endParaRPr lang="fr-FR"/>
           </a:p>
@@ -7171,9 +10250,9 @@
           <a:bodyPr/>
           <a:lstStyle/>
           <a:p>
-            <a:fld id="{057E73A0-ADA5-443C-ABAC-43FCD5CDB48E}" type="datetime1">
+            <a:fld id="{7C5C3D2A-1070-432D-B47F-FCE8F70B1433}" type="datetime1">
               <a:rPr lang="fr-FR" smtClean="0"/>
-              <a:t>29/05/2020</a:t>
+              <a:t>31/05/2020</a:t>
             </a:fld>
             <a:endParaRPr lang="fr-FR"/>
           </a:p>
@@ -7437,7 +10516,7 @@
           <a:p>
             <a:fld id="{DA5D3EB8-6C48-4D25-B05F-4BC451C6C547}" type="datetime1">
               <a:rPr lang="fr-FR" smtClean="0"/>
-              <a:t>29/05/2020</a:t>
+              <a:t>31/05/2020</a:t>
             </a:fld>
             <a:endParaRPr lang="en-US"/>
           </a:p>
@@ -7698,7 +10777,7 @@
           <a:p>
             <a:fld id="{FD107687-799E-4B57-838A-65DABA1A419F}" type="datetime1">
               <a:rPr lang="fr-FR" smtClean="0"/>
-              <a:t>29/05/2020</a:t>
+              <a:t>31/05/2020</a:t>
             </a:fld>
             <a:endParaRPr lang="en-US"/>
           </a:p>
@@ -7932,7 +11011,7 @@
           <a:p>
             <a:fld id="{34A88134-DAD4-4409-A49D-D4356E281651}" type="datetime1">
               <a:rPr lang="fr-FR" smtClean="0"/>
-              <a:t>29/05/2020</a:t>
+              <a:t>31/05/2020</a:t>
             </a:fld>
             <a:endParaRPr lang="en-US"/>
           </a:p>
@@ -8171,7 +11250,7 @@
           <a:p>
             <a:fld id="{06C0CA56-DC9C-4E7F-9783-63DF819EFF2E}" type="datetime1">
               <a:rPr lang="fr-FR" smtClean="0"/>
-              <a:t>29/05/2020</a:t>
+              <a:t>31/05/2020</a:t>
             </a:fld>
             <a:endParaRPr lang="en-US"/>
           </a:p>
@@ -8477,7 +11556,7 @@
           <a:p>
             <a:fld id="{BB5B10AA-F6A6-4EE8-98FB-3796D9F140DE}" type="datetime1">
               <a:rPr lang="fr-FR" smtClean="0"/>
-              <a:t>29/05/2020</a:t>
+              <a:t>31/05/2020</a:t>
             </a:fld>
             <a:endParaRPr lang="en-US"/>
           </a:p>
@@ -8778,7 +11857,7 @@
           <a:p>
             <a:fld id="{EEC7DB40-12CD-43B8-8317-E8A99E39A9D5}" type="datetime1">
               <a:rPr lang="fr-FR" smtClean="0"/>
-              <a:t>29/05/2020</a:t>
+              <a:t>31/05/2020</a:t>
             </a:fld>
             <a:endParaRPr lang="en-US"/>
           </a:p>
@@ -9199,7 +12278,7 @@
           <a:p>
             <a:fld id="{299DDD94-25E4-427F-8B8D-84236D3B1A56}" type="datetime1">
               <a:rPr lang="fr-FR" smtClean="0"/>
-              <a:t>29/05/2020</a:t>
+              <a:t>31/05/2020</a:t>
             </a:fld>
             <a:endParaRPr lang="en-US"/>
           </a:p>
@@ -9293,7 +12372,7 @@
           <a:p>
             <a:fld id="{E55CB8F1-A686-4E6C-A610-A10C2558198A}" type="datetime1">
               <a:rPr lang="fr-FR" smtClean="0"/>
-              <a:t>29/05/2020</a:t>
+              <a:t>31/05/2020</a:t>
             </a:fld>
             <a:endParaRPr lang="en-US"/>
           </a:p>
@@ -9454,7 +12533,7 @@
           <a:p>
             <a:fld id="{1BEFD228-43C2-4723-ABD7-DAA91E962E0E}" type="datetime1">
               <a:rPr lang="fr-FR" smtClean="0"/>
-              <a:t>29/05/2020</a:t>
+              <a:t>31/05/2020</a:t>
             </a:fld>
             <a:endParaRPr lang="en-US"/>
           </a:p>
@@ -9831,7 +12910,7 @@
           <a:p>
             <a:fld id="{866D44F8-2101-4F00-944F-A3201D9D3CC5}" type="datetime1">
               <a:rPr lang="fr-FR" smtClean="0"/>
-              <a:t>29/05/2020</a:t>
+              <a:t>31/05/2020</a:t>
             </a:fld>
             <a:endParaRPr lang="en-US"/>
           </a:p>
@@ -10119,7 +13198,7 @@
           <a:p>
             <a:fld id="{12B7D130-156C-4092-91A0-2E1447EB6872}" type="datetime1">
               <a:rPr lang="fr-FR" smtClean="0"/>
-              <a:t>29/05/2020</a:t>
+              <a:t>31/05/2020</a:t>
             </a:fld>
             <a:endParaRPr lang="en-US"/>
           </a:p>
@@ -10329,7 +13408,7 @@
           <a:p>
             <a:fld id="{81BA643A-4643-4E47-833D-B1F194874E22}" type="datetime1">
               <a:rPr lang="fr-FR" smtClean="0"/>
-              <a:t>29/05/2020</a:t>
+              <a:t>31/05/2020</a:t>
             </a:fld>
             <a:endParaRPr lang="en-US"/>
           </a:p>
@@ -11026,6 +14105,34 @@
           </a:prstGeom>
         </p:spPr>
       </p:pic>
+      <p:sp>
+        <p:nvSpPr>
+          <p:cNvPr id="4" name="Espace réservé du pied de page 3">
+            <a:extLst>
+              <a:ext uri="{FF2B5EF4-FFF2-40B4-BE49-F238E27FC236}">
+                <a16:creationId xmlns:a16="http://schemas.microsoft.com/office/drawing/2014/main" id="{D9210346-922B-49D9-AE6E-8978B63E46A9}"/>
+              </a:ext>
+            </a:extLst>
+          </p:cNvPr>
+          <p:cNvSpPr>
+            <a:spLocks noGrp="1"/>
+          </p:cNvSpPr>
+          <p:nvPr>
+            <p:ph type="ftr" sz="quarter" idx="11"/>
+          </p:nvPr>
+        </p:nvSpPr>
+        <p:spPr/>
+        <p:txBody>
+          <a:bodyPr/>
+          <a:lstStyle/>
+          <a:p>
+            <a:r>
+              <a:rPr lang="en-US"/>
+              <a:t>Anaïs Gallerand ; Edouard Gautier ; Antoine Orvain</a:t>
+            </a:r>
+          </a:p>
+        </p:txBody>
+      </p:sp>
     </p:spTree>
     <p:extLst>
       <p:ext uri="{BB962C8B-B14F-4D97-AF65-F5344CB8AC3E}">
@@ -12411,8 +15518,8 @@
         </p:blipFill>
         <p:spPr>
           <a:xfrm>
-            <a:off x="589652" y="4181235"/>
-            <a:ext cx="2600877" cy="2289902"/>
+            <a:off x="589652" y="4207529"/>
+            <a:ext cx="2600877" cy="2237313"/>
           </a:xfrm>
           <a:prstGeom prst="rect">
             <a:avLst/>
@@ -12617,8 +15724,8 @@
         </p:blipFill>
         <p:spPr>
           <a:xfrm>
-            <a:off x="7150437" y="2208008"/>
-            <a:ext cx="4177751" cy="3678238"/>
+            <a:off x="7150437" y="2250245"/>
+            <a:ext cx="4177751" cy="3593764"/>
           </a:xfrm>
           <a:ln w="12700">
             <a:solidFill>
@@ -13803,7 +16910,7 @@
       </p:sp>
       <p:pic>
         <p:nvPicPr>
-          <p:cNvPr id="8" name="Graphique 7" descr="Loupe">
+          <p:cNvPr id="8" name="Graphique 7" descr="Faire défiler">
             <a:extLst>
               <a:ext uri="{FF2B5EF4-FFF2-40B4-BE49-F238E27FC236}">
                 <a16:creationId xmlns:a16="http://schemas.microsoft.com/office/drawing/2014/main" id="{ACBC5335-1EE7-44C9-A8C0-6C6E9DD4DC36}"/>
@@ -15643,7 +18750,7 @@
       </p:sp>
       <p:pic>
         <p:nvPicPr>
-          <p:cNvPr id="8" name="Graphique 7" descr="Loupe">
+          <p:cNvPr id="8" name="Graphique 7" descr="Faire défiler">
             <a:extLst>
               <a:ext uri="{FF2B5EF4-FFF2-40B4-BE49-F238E27FC236}">
                 <a16:creationId xmlns:a16="http://schemas.microsoft.com/office/drawing/2014/main" id="{FA0B76D5-29DD-4AA1-809F-D4A54A33D28B}"/>
@@ -17332,6 +20439,14 @@
 <file path=ppt/slides/slide22.xml><?xml version="1.0" encoding="utf-8"?>
 <p:sld xmlns:a="http://schemas.openxmlformats.org/drawingml/2006/main" xmlns:r="http://schemas.openxmlformats.org/officeDocument/2006/relationships" xmlns:p="http://schemas.openxmlformats.org/presentationml/2006/main">
   <p:cSld>
+    <p:bg>
+      <p:bgPr>
+        <a:solidFill>
+          <a:schemeClr val="bg1"/>
+        </a:solidFill>
+        <a:effectLst/>
+      </p:bgPr>
+    </p:bg>
     <p:spTree>
       <p:nvGrpSpPr>
         <p:cNvPr id="1" name=""/>
@@ -17348,10 +20463,286 @@
       </p:grpSpPr>
       <p:sp>
         <p:nvSpPr>
-          <p:cNvPr id="2" name="Titre 1">
+          <p:cNvPr id="9" name="Rectangle 8">
             <a:extLst>
               <a:ext uri="{FF2B5EF4-FFF2-40B4-BE49-F238E27FC236}">
-                <a16:creationId xmlns:a16="http://schemas.microsoft.com/office/drawing/2014/main" id="{2D70C537-B7BF-46FA-B53C-96AF0FBBDCEE}"/>
+                <a16:creationId xmlns:a16="http://schemas.microsoft.com/office/drawing/2014/main" id="{F7660A3D-94D7-4E5D-AE77-F2DEE49DF4EE}"/>
+              </a:ext>
+              <a:ext uri="{C183D7F6-B498-43B3-948B-1728B52AA6E4}">
+                <adec:decorative xmlns:adec="http://schemas.microsoft.com/office/drawing/2017/decorative" val="1"/>
+              </a:ext>
+            </a:extLst>
+          </p:cNvPr>
+          <p:cNvSpPr>
+            <a:spLocks noGrp="1" noRot="1" noChangeAspect="1" noMove="1" noResize="1" noEditPoints="1" noAdjustHandles="1" noChangeArrowheads="1" noChangeShapeType="1" noTextEdit="1"/>
+          </p:cNvSpPr>
+          <p:nvPr>
+            <p:extLst>
+              <p:ext uri="{386F3935-93C4-4BCD-93E2-E3B085C9AB24}">
+                <p16:designElem xmlns:p16="http://schemas.microsoft.com/office/powerpoint/2015/main" val="1"/>
+              </p:ext>
+            </p:extLst>
+          </p:nvPr>
+        </p:nvSpPr>
+        <p:spPr>
+          <a:xfrm>
+            <a:off x="446534" y="457200"/>
+            <a:ext cx="3703320" cy="94997"/>
+          </a:xfrm>
+          <a:prstGeom prst="rect">
+            <a:avLst/>
+          </a:prstGeom>
+          <a:solidFill>
+            <a:schemeClr val="accent1"/>
+          </a:solidFill>
+          <a:ln>
+            <a:noFill/>
+          </a:ln>
+          <a:effectLst/>
+        </p:spPr>
+        <p:style>
+          <a:lnRef idx="1">
+            <a:schemeClr val="accent1"/>
+          </a:lnRef>
+          <a:fillRef idx="3">
+            <a:schemeClr val="accent1"/>
+          </a:fillRef>
+          <a:effectRef idx="2">
+            <a:schemeClr val="accent1"/>
+          </a:effectRef>
+          <a:fontRef idx="minor">
+            <a:schemeClr val="lt1"/>
+          </a:fontRef>
+        </p:style>
+      </p:sp>
+      <p:sp>
+        <p:nvSpPr>
+          <p:cNvPr id="11" name="Rectangle 10">
+            <a:extLst>
+              <a:ext uri="{FF2B5EF4-FFF2-40B4-BE49-F238E27FC236}">
+                <a16:creationId xmlns:a16="http://schemas.microsoft.com/office/drawing/2014/main" id="{A44EB985-DC5C-4DAC-9D62-8DC7D0F25A8F}"/>
+              </a:ext>
+              <a:ext uri="{C183D7F6-B498-43B3-948B-1728B52AA6E4}">
+                <adec:decorative xmlns:adec="http://schemas.microsoft.com/office/drawing/2017/decorative" val="1"/>
+              </a:ext>
+            </a:extLst>
+          </p:cNvPr>
+          <p:cNvSpPr>
+            <a:spLocks noGrp="1" noRot="1" noChangeAspect="1" noMove="1" noResize="1" noEditPoints="1" noAdjustHandles="1" noChangeArrowheads="1" noChangeShapeType="1" noTextEdit="1"/>
+          </p:cNvSpPr>
+          <p:nvPr>
+            <p:extLst>
+              <p:ext uri="{386F3935-93C4-4BCD-93E2-E3B085C9AB24}">
+                <p16:designElem xmlns:p16="http://schemas.microsoft.com/office/powerpoint/2015/main" val="1"/>
+              </p:ext>
+            </p:extLst>
+          </p:nvPr>
+        </p:nvSpPr>
+        <p:spPr>
+          <a:xfrm>
+            <a:off x="8042147" y="453643"/>
+            <a:ext cx="3703320" cy="98554"/>
+          </a:xfrm>
+          <a:prstGeom prst="rect">
+            <a:avLst/>
+          </a:prstGeom>
+          <a:solidFill>
+            <a:schemeClr val="accent4"/>
+          </a:solidFill>
+          <a:ln>
+            <a:noFill/>
+          </a:ln>
+          <a:effectLst/>
+        </p:spPr>
+        <p:style>
+          <a:lnRef idx="1">
+            <a:schemeClr val="accent1"/>
+          </a:lnRef>
+          <a:fillRef idx="3">
+            <a:schemeClr val="accent1"/>
+          </a:fillRef>
+          <a:effectRef idx="2">
+            <a:schemeClr val="accent1"/>
+          </a:effectRef>
+          <a:fontRef idx="minor">
+            <a:schemeClr val="lt1"/>
+          </a:fontRef>
+        </p:style>
+      </p:sp>
+      <p:sp>
+        <p:nvSpPr>
+          <p:cNvPr id="13" name="Rectangle 12">
+            <a:extLst>
+              <a:ext uri="{FF2B5EF4-FFF2-40B4-BE49-F238E27FC236}">
+                <a16:creationId xmlns:a16="http://schemas.microsoft.com/office/drawing/2014/main" id="{3FCB64ED-B050-4F57-8188-F233260082B0}"/>
+              </a:ext>
+              <a:ext uri="{C183D7F6-B498-43B3-948B-1728B52AA6E4}">
+                <adec:decorative xmlns:adec="http://schemas.microsoft.com/office/drawing/2017/decorative" val="1"/>
+              </a:ext>
+            </a:extLst>
+          </p:cNvPr>
+          <p:cNvSpPr>
+            <a:spLocks noGrp="1" noRot="1" noChangeAspect="1" noMove="1" noResize="1" noEditPoints="1" noAdjustHandles="1" noChangeArrowheads="1" noChangeShapeType="1" noTextEdit="1"/>
+          </p:cNvSpPr>
+          <p:nvPr>
+            <p:extLst>
+              <p:ext uri="{386F3935-93C4-4BCD-93E2-E3B085C9AB24}">
+                <p16:designElem xmlns:p16="http://schemas.microsoft.com/office/powerpoint/2015/main" val="1"/>
+              </p:ext>
+            </p:extLst>
+          </p:nvPr>
+        </p:nvSpPr>
+        <p:spPr>
+          <a:xfrm>
+            <a:off x="4241830" y="457200"/>
+            <a:ext cx="3703320" cy="91440"/>
+          </a:xfrm>
+          <a:prstGeom prst="rect">
+            <a:avLst/>
+          </a:prstGeom>
+          <a:solidFill>
+            <a:schemeClr val="accent2"/>
+          </a:solidFill>
+          <a:ln>
+            <a:noFill/>
+          </a:ln>
+          <a:effectLst/>
+        </p:spPr>
+        <p:style>
+          <a:lnRef idx="1">
+            <a:schemeClr val="accent1"/>
+          </a:lnRef>
+          <a:fillRef idx="3">
+            <a:schemeClr val="accent1"/>
+          </a:fillRef>
+          <a:effectRef idx="2">
+            <a:schemeClr val="accent1"/>
+          </a:effectRef>
+          <a:fontRef idx="minor">
+            <a:schemeClr val="lt1"/>
+          </a:fontRef>
+        </p:style>
+      </p:sp>
+      <p:sp>
+        <p:nvSpPr>
+          <p:cNvPr id="15" name="Rectangle 14">
+            <a:extLst>
+              <a:ext uri="{FF2B5EF4-FFF2-40B4-BE49-F238E27FC236}">
+                <a16:creationId xmlns:a16="http://schemas.microsoft.com/office/drawing/2014/main" id="{2BF5D0F4-EA4E-47A5-87BE-9ABB1AF66DCF}"/>
+              </a:ext>
+              <a:ext uri="{C183D7F6-B498-43B3-948B-1728B52AA6E4}">
+                <adec:decorative xmlns:adec="http://schemas.microsoft.com/office/drawing/2017/decorative" val="1"/>
+              </a:ext>
+            </a:extLst>
+          </p:cNvPr>
+          <p:cNvSpPr>
+            <a:spLocks noGrp="1" noRot="1" noChangeAspect="1" noMove="1" noResize="1" noEditPoints="1" noAdjustHandles="1" noChangeArrowheads="1" noChangeShapeType="1" noTextEdit="1"/>
+          </p:cNvSpPr>
+          <p:nvPr>
+            <p:extLst>
+              <p:ext uri="{386F3935-93C4-4BCD-93E2-E3B085C9AB24}">
+                <p16:designElem xmlns:p16="http://schemas.microsoft.com/office/powerpoint/2015/main" val="1"/>
+              </p:ext>
+            </p:extLst>
+          </p:nvPr>
+        </p:nvSpPr>
+        <p:spPr>
+          <a:xfrm>
+            <a:off x="446534" y="3085765"/>
+            <a:ext cx="11262866" cy="3304800"/>
+          </a:xfrm>
+          <a:prstGeom prst="rect">
+            <a:avLst/>
+          </a:prstGeom>
+          <a:solidFill>
+            <a:schemeClr val="accent1"/>
+          </a:solidFill>
+          <a:ln>
+            <a:noFill/>
+          </a:ln>
+          <a:effectLst/>
+        </p:spPr>
+        <p:style>
+          <a:lnRef idx="1">
+            <a:schemeClr val="accent1"/>
+          </a:lnRef>
+          <a:fillRef idx="3">
+            <a:schemeClr val="accent1"/>
+          </a:fillRef>
+          <a:effectRef idx="2">
+            <a:schemeClr val="accent1"/>
+          </a:effectRef>
+          <a:fontRef idx="minor">
+            <a:schemeClr val="lt1"/>
+          </a:fontRef>
+        </p:style>
+      </p:sp>
+      <p:sp useBgFill="1">
+        <p:nvSpPr>
+          <p:cNvPr id="17" name="Rectangle 16">
+            <a:extLst>
+              <a:ext uri="{FF2B5EF4-FFF2-40B4-BE49-F238E27FC236}">
+                <a16:creationId xmlns:a16="http://schemas.microsoft.com/office/drawing/2014/main" id="{DA182162-B517-4B41-B039-339F87FAE1D0}"/>
+              </a:ext>
+              <a:ext uri="{C183D7F6-B498-43B3-948B-1728B52AA6E4}">
+                <adec:decorative xmlns:adec="http://schemas.microsoft.com/office/drawing/2017/decorative" val="1"/>
+              </a:ext>
+            </a:extLst>
+          </p:cNvPr>
+          <p:cNvSpPr>
+            <a:spLocks noGrp="1" noRot="1" noChangeAspect="1" noMove="1" noResize="1" noEditPoints="1" noAdjustHandles="1" noChangeArrowheads="1" noChangeShapeType="1" noTextEdit="1"/>
+          </p:cNvSpPr>
+          <p:nvPr>
+            <p:extLst>
+              <p:ext uri="{386F3935-93C4-4BCD-93E2-E3B085C9AB24}">
+                <p16:designElem xmlns:p16="http://schemas.microsoft.com/office/powerpoint/2015/main" val="1"/>
+              </p:ext>
+            </p:extLst>
+          </p:nvPr>
+        </p:nvSpPr>
+        <p:spPr>
+          <a:xfrm>
+            <a:off x="0" y="0"/>
+            <a:ext cx="12192000" cy="6858000"/>
+          </a:xfrm>
+          <a:prstGeom prst="rect">
+            <a:avLst/>
+          </a:prstGeom>
+          <a:ln>
+            <a:noFill/>
+          </a:ln>
+        </p:spPr>
+        <p:style>
+          <a:lnRef idx="2">
+            <a:schemeClr val="accent1">
+              <a:shade val="50000"/>
+            </a:schemeClr>
+          </a:lnRef>
+          <a:fillRef idx="1">
+            <a:schemeClr val="accent1"/>
+          </a:fillRef>
+          <a:effectRef idx="0">
+            <a:schemeClr val="accent1"/>
+          </a:effectRef>
+          <a:fontRef idx="minor">
+            <a:schemeClr val="lt1"/>
+          </a:fontRef>
+        </p:style>
+        <p:txBody>
+          <a:bodyPr rtlCol="0" anchor="ctr"/>
+          <a:lstStyle/>
+          <a:p>
+            <a:pPr algn="ctr"/>
+            <a:endParaRPr lang="en-US"/>
+          </a:p>
+        </p:txBody>
+      </p:sp>
+      <p:sp>
+        <p:nvSpPr>
+          <p:cNvPr id="4" name="Titre 3">
+            <a:extLst>
+              <a:ext uri="{FF2B5EF4-FFF2-40B4-BE49-F238E27FC236}">
+                <a16:creationId xmlns:a16="http://schemas.microsoft.com/office/drawing/2014/main" id="{1362792A-BD8F-487A-BD5E-4D6A47806AB0}"/>
               </a:ext>
             </a:extLst>
           </p:cNvPr>
@@ -17362,66 +20753,89 @@
             <p:ph type="title"/>
           </p:nvPr>
         </p:nvSpPr>
-        <p:spPr/>
+        <p:spPr>
+          <a:xfrm>
+            <a:off x="4801143" y="1005839"/>
+            <a:ext cx="6939304" cy="4805025"/>
+          </a:xfrm>
+        </p:spPr>
         <p:txBody>
-          <a:bodyPr>
+          <a:bodyPr vert="horz" lIns="91440" tIns="45720" rIns="91440" bIns="45720" rtlCol="0" anchor="ctr">
             <a:normAutofit/>
           </a:bodyPr>
           <a:lstStyle/>
           <a:p>
             <a:r>
-              <a:rPr lang="fr-FR" sz="3200" dirty="0"/>
-              <a:t>Tests unitaires</a:t>
+              <a:rPr lang="en-US" sz="6000" dirty="0">
+                <a:solidFill>
+                  <a:schemeClr val="tx2"/>
+                </a:solidFill>
+              </a:rPr>
+              <a:t>Tests et validations</a:t>
             </a:r>
           </a:p>
         </p:txBody>
       </p:sp>
       <p:sp>
         <p:nvSpPr>
-          <p:cNvPr id="3" name="Espace réservé du contenu 2">
+          <p:cNvPr id="19" name="Rectangle 18">
             <a:extLst>
               <a:ext uri="{FF2B5EF4-FFF2-40B4-BE49-F238E27FC236}">
-                <a16:creationId xmlns:a16="http://schemas.microsoft.com/office/drawing/2014/main" id="{84A3C687-8C8D-4052-AAB3-91C7C37D9D35}"/>
+                <a16:creationId xmlns:a16="http://schemas.microsoft.com/office/drawing/2014/main" id="{49B5AD54-1E68-4239-A6AF-FE0F49BB8367}"/>
+              </a:ext>
+              <a:ext uri="{C183D7F6-B498-43B3-948B-1728B52AA6E4}">
+                <adec:decorative xmlns:adec="http://schemas.microsoft.com/office/drawing/2017/decorative" val="1"/>
               </a:ext>
             </a:extLst>
           </p:cNvPr>
           <p:cNvSpPr>
-            <a:spLocks noGrp="1"/>
+            <a:spLocks noGrp="1" noRot="1" noChangeAspect="1" noMove="1" noResize="1" noEditPoints="1" noAdjustHandles="1" noChangeArrowheads="1" noChangeShapeType="1" noTextEdit="1"/>
           </p:cNvSpPr>
           <p:nvPr>
-            <p:ph idx="1"/>
+            <p:extLst>
+              <p:ext uri="{386F3935-93C4-4BCD-93E2-E3B085C9AB24}">
+                <p16:designElem xmlns:p16="http://schemas.microsoft.com/office/powerpoint/2015/main" val="1"/>
+              </p:ext>
+            </p:extLst>
           </p:nvPr>
         </p:nvSpPr>
-        <p:spPr/>
-        <p:txBody>
-          <a:bodyPr/>
-          <a:lstStyle/>
-          <a:p>
-            <a:r>
-              <a:rPr lang="fr-FR" dirty="0"/>
-              <a:t>Montrer performances</a:t>
-            </a:r>
-          </a:p>
-          <a:p>
-            <a:r>
-              <a:rPr lang="fr-FR" dirty="0"/>
-              <a:t>Complexité algorithmique</a:t>
-            </a:r>
-          </a:p>
-          <a:p>
-            <a:r>
-              <a:rPr lang="fr-FR" dirty="0"/>
-              <a:t>Couverture des tests</a:t>
-            </a:r>
-          </a:p>
-        </p:txBody>
-      </p:sp>
-      <p:sp>
-        <p:nvSpPr>
-          <p:cNvPr id="4" name="Espace réservé du pied de page 3">
+        <p:spPr>
+          <a:xfrm>
+            <a:off x="446534" y="457200"/>
+            <a:ext cx="3703320" cy="5933365"/>
+          </a:xfrm>
+          <a:prstGeom prst="rect">
+            <a:avLst/>
+          </a:prstGeom>
+          <a:solidFill>
+            <a:schemeClr val="accent1"/>
+          </a:solidFill>
+          <a:ln>
+            <a:noFill/>
+          </a:ln>
+          <a:effectLst/>
+        </p:spPr>
+        <p:style>
+          <a:lnRef idx="1">
+            <a:schemeClr val="accent1"/>
+          </a:lnRef>
+          <a:fillRef idx="3">
+            <a:schemeClr val="accent1"/>
+          </a:fillRef>
+          <a:effectRef idx="2">
+            <a:schemeClr val="accent1"/>
+          </a:effectRef>
+          <a:fontRef idx="minor">
+            <a:schemeClr val="lt1"/>
+          </a:fontRef>
+        </p:style>
+      </p:sp>
+      <p:sp>
+        <p:nvSpPr>
+          <p:cNvPr id="6" name="Espace réservé du pied de page 5">
             <a:extLst>
               <a:ext uri="{FF2B5EF4-FFF2-40B4-BE49-F238E27FC236}">
-                <a16:creationId xmlns:a16="http://schemas.microsoft.com/office/drawing/2014/main" id="{9C035442-78C4-4487-864C-6C3F36D436E2}"/>
+                <a16:creationId xmlns:a16="http://schemas.microsoft.com/office/drawing/2014/main" id="{15EF6D44-569F-4830-8F77-416DB3F9FE86}"/>
               </a:ext>
             </a:extLst>
           </p:cNvPr>
@@ -17446,10 +20860,10 @@
       </p:sp>
       <p:sp>
         <p:nvSpPr>
-          <p:cNvPr id="5" name="Espace réservé du numéro de diapositive 4">
+          <p:cNvPr id="7" name="Espace réservé du numéro de diapositive 6">
             <a:extLst>
               <a:ext uri="{FF2B5EF4-FFF2-40B4-BE49-F238E27FC236}">
-                <a16:creationId xmlns:a16="http://schemas.microsoft.com/office/drawing/2014/main" id="{41244C4E-3F87-420A-B111-9D980FE43D82}"/>
+                <a16:creationId xmlns:a16="http://schemas.microsoft.com/office/drawing/2014/main" id="{6F304737-CD50-4691-B9EB-39AFB60DDAFB}"/>
               </a:ext>
             </a:extLst>
           </p:cNvPr>
@@ -17474,10 +20888,45 @@
           </a:p>
         </p:txBody>
       </p:sp>
+      <p:pic>
+        <p:nvPicPr>
+          <p:cNvPr id="14" name="Graphique 13" descr="Presse-papiers mixte">
+            <a:extLst>
+              <a:ext uri="{FF2B5EF4-FFF2-40B4-BE49-F238E27FC236}">
+                <a16:creationId xmlns:a16="http://schemas.microsoft.com/office/drawing/2014/main" id="{920EDDAA-2D98-4282-A938-9736BF552DEB}"/>
+              </a:ext>
+            </a:extLst>
+          </p:cNvPr>
+          <p:cNvPicPr>
+            <a:picLocks noChangeAspect="1"/>
+          </p:cNvPicPr>
+          <p:nvPr/>
+        </p:nvPicPr>
+        <p:blipFill>
+          <a:blip r:embed="rId2">
+            <a:extLst>
+              <a:ext uri="{96DAC541-7B7A-43D3-8B79-37D633B846F1}">
+                <asvg:svgBlip xmlns:asvg="http://schemas.microsoft.com/office/drawing/2016/SVG/main" r:embed="rId3"/>
+              </a:ext>
+            </a:extLst>
+          </a:blip>
+          <a:srcRect/>
+          <a:stretch/>
+        </p:blipFill>
+        <p:spPr>
+          <a:xfrm>
+            <a:off x="482600" y="548639"/>
+            <a:ext cx="914400" cy="914400"/>
+          </a:xfrm>
+          <a:prstGeom prst="rect">
+            <a:avLst/>
+          </a:prstGeom>
+        </p:spPr>
+      </p:pic>
     </p:spTree>
     <p:extLst>
       <p:ext uri="{BB962C8B-B14F-4D97-AF65-F5344CB8AC3E}">
-        <p14:creationId xmlns:p14="http://schemas.microsoft.com/office/powerpoint/2010/main" val="2630815628"/>
+        <p14:creationId xmlns:p14="http://schemas.microsoft.com/office/powerpoint/2010/main" val="1915558803"/>
       </p:ext>
     </p:extLst>
   </p:cSld>
@@ -17509,7 +20958,7 @@
           <p:cNvPr id="2" name="Titre 1">
             <a:extLst>
               <a:ext uri="{FF2B5EF4-FFF2-40B4-BE49-F238E27FC236}">
-                <a16:creationId xmlns:a16="http://schemas.microsoft.com/office/drawing/2014/main" id="{C0E826B4-C563-43E2-AE03-9DE23046AE13}"/>
+                <a16:creationId xmlns:a16="http://schemas.microsoft.com/office/drawing/2014/main" id="{2D70C537-B7BF-46FA-B53C-96AF0FBBDCEE}"/>
               </a:ext>
             </a:extLst>
           </p:cNvPr>
@@ -17529,60 +20978,17 @@
           <a:p>
             <a:r>
               <a:rPr lang="fr-FR" sz="3200" dirty="0"/>
-              <a:t>LIMITES DU PROGRAMME</a:t>
+              <a:t>Tests unitaires</a:t>
             </a:r>
           </a:p>
         </p:txBody>
       </p:sp>
       <p:sp>
         <p:nvSpPr>
-          <p:cNvPr id="3" name="Espace réservé du contenu 2">
+          <p:cNvPr id="5" name="Espace réservé du numéro de diapositive 4">
             <a:extLst>
               <a:ext uri="{FF2B5EF4-FFF2-40B4-BE49-F238E27FC236}">
-                <a16:creationId xmlns:a16="http://schemas.microsoft.com/office/drawing/2014/main" id="{5F24D5BD-B63B-4A58-8699-4E81FEF660D4}"/>
-              </a:ext>
-            </a:extLst>
-          </p:cNvPr>
-          <p:cNvSpPr>
-            <a:spLocks noGrp="1"/>
-          </p:cNvSpPr>
-          <p:nvPr>
-            <p:ph idx="1"/>
-          </p:nvPr>
-        </p:nvSpPr>
-        <p:spPr/>
-        <p:txBody>
-          <a:bodyPr>
-            <a:normAutofit/>
-          </a:bodyPr>
-          <a:lstStyle/>
-          <a:p>
-            <a:r>
-              <a:rPr lang="fr-FR" sz="2400" dirty="0" err="1"/>
-              <a:t>2D</a:t>
-            </a:r>
-            <a:endParaRPr lang="fr-FR" sz="2400" dirty="0"/>
-          </a:p>
-          <a:p>
-            <a:r>
-              <a:rPr lang="fr-FR" sz="2400" dirty="0"/>
-              <a:t>Erreurs avec Jarvis</a:t>
-            </a:r>
-          </a:p>
-          <a:p>
-            <a:r>
-              <a:rPr lang="fr-FR" sz="2400" dirty="0"/>
-              <a:t>Complexité algorithmique </a:t>
-            </a:r>
-          </a:p>
-        </p:txBody>
-      </p:sp>
-      <p:sp>
-        <p:nvSpPr>
-          <p:cNvPr id="6" name="Espace réservé du numéro de diapositive 5">
-            <a:extLst>
-              <a:ext uri="{FF2B5EF4-FFF2-40B4-BE49-F238E27FC236}">
-                <a16:creationId xmlns:a16="http://schemas.microsoft.com/office/drawing/2014/main" id="{E07121FA-74A6-496E-8066-D97984B16D3E}"/>
+                <a16:creationId xmlns:a16="http://schemas.microsoft.com/office/drawing/2014/main" id="{41244C4E-3F87-420A-B111-9D980FE43D82}"/>
               </a:ext>
             </a:extLst>
           </p:cNvPr>
@@ -17607,38 +21013,631 @@
           </a:p>
         </p:txBody>
       </p:sp>
-      <p:sp>
-        <p:nvSpPr>
-          <p:cNvPr id="4" name="Espace réservé du pied de page 3">
+      <p:pic>
+        <p:nvPicPr>
+          <p:cNvPr id="8" name="Graphique 7" descr="Liste de contrôle">
             <a:extLst>
               <a:ext uri="{FF2B5EF4-FFF2-40B4-BE49-F238E27FC236}">
-                <a16:creationId xmlns:a16="http://schemas.microsoft.com/office/drawing/2014/main" id="{56514CDE-FA9C-400B-955D-2B8E0F13EE10}"/>
+                <a16:creationId xmlns:a16="http://schemas.microsoft.com/office/drawing/2014/main" id="{7A8AC1D2-762E-4265-924A-91818BA76A6C}"/>
               </a:ext>
             </a:extLst>
           </p:cNvPr>
-          <p:cNvSpPr>
-            <a:spLocks noGrp="1"/>
-          </p:cNvSpPr>
-          <p:nvPr>
-            <p:ph type="ftr" sz="quarter" idx="11"/>
-          </p:nvPr>
-        </p:nvSpPr>
-        <p:spPr/>
+          <p:cNvPicPr>
+            <a:picLocks noChangeAspect="1"/>
+          </p:cNvPicPr>
+          <p:nvPr/>
+        </p:nvPicPr>
+        <p:blipFill>
+          <a:blip r:embed="rId2">
+            <a:extLst>
+              <a:ext uri="{96DAC541-7B7A-43D3-8B79-37D633B846F1}">
+                <asvg:svgBlip xmlns:asvg="http://schemas.microsoft.com/office/drawing/2016/SVG/main" r:embed="rId3"/>
+              </a:ext>
+            </a:extLst>
+          </a:blip>
+          <a:srcRect/>
+          <a:stretch/>
+        </p:blipFill>
+        <p:spPr>
+          <a:xfrm>
+            <a:off x="10492925" y="801556"/>
+            <a:ext cx="914400" cy="914400"/>
+          </a:xfrm>
+          <a:prstGeom prst="rect">
+            <a:avLst/>
+          </a:prstGeom>
+        </p:spPr>
+      </p:pic>
+      <p:sp>
+        <p:nvSpPr>
+          <p:cNvPr id="10" name="ZoneTexte 9">
+            <a:extLst>
+              <a:ext uri="{FF2B5EF4-FFF2-40B4-BE49-F238E27FC236}">
+                <a16:creationId xmlns:a16="http://schemas.microsoft.com/office/drawing/2014/main" id="{B6F9D9FE-932A-4654-9312-820021E7415C}"/>
+              </a:ext>
+            </a:extLst>
+          </p:cNvPr>
+          <p:cNvSpPr txBox="1"/>
+          <p:nvPr/>
+        </p:nvSpPr>
+        <p:spPr>
+          <a:xfrm>
+            <a:off x="1133557" y="2784968"/>
+            <a:ext cx="2828925" cy="369332"/>
+          </a:xfrm>
+          <a:prstGeom prst="rect">
+            <a:avLst/>
+          </a:prstGeom>
+          <a:noFill/>
+        </p:spPr>
         <p:txBody>
-          <a:bodyPr/>
+          <a:bodyPr wrap="square" rtlCol="0">
+            <a:spAutoFit/>
+          </a:bodyPr>
           <a:lstStyle/>
           <a:p>
             <a:r>
-              <a:rPr lang="en-US"/>
-              <a:t>Anaïs Gallerand ; Edouard Gautier ; Antoine Orvain</a:t>
+              <a:rPr lang="fr-FR" dirty="0"/>
+              <a:t>Test sur 4 nuages de points</a:t>
             </a:r>
           </a:p>
         </p:txBody>
       </p:sp>
+      <p:sp>
+        <p:nvSpPr>
+          <p:cNvPr id="11" name="ZoneTexte 10">
+            <a:extLst>
+              <a:ext uri="{FF2B5EF4-FFF2-40B4-BE49-F238E27FC236}">
+                <a16:creationId xmlns:a16="http://schemas.microsoft.com/office/drawing/2014/main" id="{EAAC03F3-80E4-47A6-B44A-3362C8E65D86}"/>
+              </a:ext>
+            </a:extLst>
+          </p:cNvPr>
+          <p:cNvSpPr txBox="1"/>
+          <p:nvPr/>
+        </p:nvSpPr>
+        <p:spPr>
+          <a:xfrm>
+            <a:off x="581191" y="3782229"/>
+            <a:ext cx="3933659" cy="369332"/>
+          </a:xfrm>
+          <a:prstGeom prst="rect">
+            <a:avLst/>
+          </a:prstGeom>
+          <a:noFill/>
+        </p:spPr>
+        <p:txBody>
+          <a:bodyPr wrap="square" rtlCol="0">
+            <a:spAutoFit/>
+          </a:bodyPr>
+          <a:lstStyle/>
+          <a:p>
+            <a:r>
+              <a:rPr lang="fr-FR" dirty="0"/>
+              <a:t>Vérifier le comportement des méthodes</a:t>
+            </a:r>
+          </a:p>
+        </p:txBody>
+      </p:sp>
+      <p:sp>
+        <p:nvSpPr>
+          <p:cNvPr id="12" name="ZoneTexte 11">
+            <a:extLst>
+              <a:ext uri="{FF2B5EF4-FFF2-40B4-BE49-F238E27FC236}">
+                <a16:creationId xmlns:a16="http://schemas.microsoft.com/office/drawing/2014/main" id="{AD43A616-0201-4491-9125-23211ABB4720}"/>
+              </a:ext>
+            </a:extLst>
+          </p:cNvPr>
+          <p:cNvSpPr txBox="1"/>
+          <p:nvPr/>
+        </p:nvSpPr>
+        <p:spPr>
+          <a:xfrm>
+            <a:off x="581191" y="4682354"/>
+            <a:ext cx="2586037" cy="369332"/>
+          </a:xfrm>
+          <a:prstGeom prst="rect">
+            <a:avLst/>
+          </a:prstGeom>
+          <a:noFill/>
+        </p:spPr>
+        <p:txBody>
+          <a:bodyPr wrap="square" rtlCol="0">
+            <a:spAutoFit/>
+          </a:bodyPr>
+          <a:lstStyle/>
+          <a:p>
+            <a:r>
+              <a:rPr lang="fr-FR" dirty="0"/>
+              <a:t>Validations des test</a:t>
+            </a:r>
+          </a:p>
+        </p:txBody>
+      </p:sp>
+      <p:sp>
+        <p:nvSpPr>
+          <p:cNvPr id="15" name="ZoneTexte 14">
+            <a:extLst>
+              <a:ext uri="{FF2B5EF4-FFF2-40B4-BE49-F238E27FC236}">
+                <a16:creationId xmlns:a16="http://schemas.microsoft.com/office/drawing/2014/main" id="{3B3AEC89-6121-4982-BD94-AA0726BB8E49}"/>
+              </a:ext>
+            </a:extLst>
+          </p:cNvPr>
+          <p:cNvSpPr txBox="1"/>
+          <p:nvPr/>
+        </p:nvSpPr>
+        <p:spPr>
+          <a:xfrm>
+            <a:off x="581191" y="1884843"/>
+            <a:ext cx="3933659" cy="369332"/>
+          </a:xfrm>
+          <a:prstGeom prst="rect">
+            <a:avLst/>
+          </a:prstGeom>
+          <a:noFill/>
+        </p:spPr>
+        <p:txBody>
+          <a:bodyPr wrap="square" rtlCol="0">
+            <a:spAutoFit/>
+          </a:bodyPr>
+          <a:lstStyle/>
+          <a:p>
+            <a:r>
+              <a:rPr lang="fr-FR" dirty="0"/>
+              <a:t>Mise en place de tests unitaires</a:t>
+            </a:r>
+          </a:p>
+        </p:txBody>
+      </p:sp>
+      <p:cxnSp>
+        <p:nvCxnSpPr>
+          <p:cNvPr id="6" name="Connecteur droit avec flèche 5">
+            <a:extLst>
+              <a:ext uri="{FF2B5EF4-FFF2-40B4-BE49-F238E27FC236}">
+                <a16:creationId xmlns:a16="http://schemas.microsoft.com/office/drawing/2014/main" id="{14A3A42E-3946-4A47-9109-CD578A903BB1}"/>
+              </a:ext>
+            </a:extLst>
+          </p:cNvPr>
+          <p:cNvCxnSpPr>
+            <a:cxnSpLocks/>
+            <a:stCxn id="15" idx="2"/>
+            <a:endCxn id="10" idx="0"/>
+          </p:cNvCxnSpPr>
+          <p:nvPr/>
+        </p:nvCxnSpPr>
+        <p:spPr>
+          <a:xfrm flipH="1">
+            <a:off x="2548020" y="2254175"/>
+            <a:ext cx="1" cy="530793"/>
+          </a:xfrm>
+          <a:prstGeom prst="straightConnector1">
+            <a:avLst/>
+          </a:prstGeom>
+          <a:ln>
+            <a:tailEnd type="triangle"/>
+          </a:ln>
+        </p:spPr>
+        <p:style>
+          <a:lnRef idx="1">
+            <a:schemeClr val="accent1"/>
+          </a:lnRef>
+          <a:fillRef idx="0">
+            <a:schemeClr val="accent1"/>
+          </a:fillRef>
+          <a:effectRef idx="0">
+            <a:schemeClr val="accent1"/>
+          </a:effectRef>
+          <a:fontRef idx="minor">
+            <a:schemeClr val="tx1"/>
+          </a:fontRef>
+        </p:style>
+      </p:cxnSp>
+      <p:cxnSp>
+        <p:nvCxnSpPr>
+          <p:cNvPr id="13" name="Connecteur droit avec flèche 12">
+            <a:extLst>
+              <a:ext uri="{FF2B5EF4-FFF2-40B4-BE49-F238E27FC236}">
+                <a16:creationId xmlns:a16="http://schemas.microsoft.com/office/drawing/2014/main" id="{B0873A80-E270-4182-8D0D-A47F90BA69EF}"/>
+              </a:ext>
+            </a:extLst>
+          </p:cNvPr>
+          <p:cNvCxnSpPr>
+            <a:cxnSpLocks/>
+            <a:stCxn id="10" idx="2"/>
+            <a:endCxn id="11" idx="0"/>
+          </p:cNvCxnSpPr>
+          <p:nvPr/>
+        </p:nvCxnSpPr>
+        <p:spPr>
+          <a:xfrm>
+            <a:off x="2548020" y="3154300"/>
+            <a:ext cx="1" cy="627929"/>
+          </a:xfrm>
+          <a:prstGeom prst="straightConnector1">
+            <a:avLst/>
+          </a:prstGeom>
+          <a:ln>
+            <a:tailEnd type="triangle"/>
+          </a:ln>
+        </p:spPr>
+        <p:style>
+          <a:lnRef idx="1">
+            <a:schemeClr val="accent1"/>
+          </a:lnRef>
+          <a:fillRef idx="0">
+            <a:schemeClr val="accent1"/>
+          </a:fillRef>
+          <a:effectRef idx="0">
+            <a:schemeClr val="accent1"/>
+          </a:effectRef>
+          <a:fontRef idx="minor">
+            <a:schemeClr val="tx1"/>
+          </a:fontRef>
+        </p:style>
+      </p:cxnSp>
+      <p:sp>
+        <p:nvSpPr>
+          <p:cNvPr id="17" name="ZoneTexte 16">
+            <a:extLst>
+              <a:ext uri="{FF2B5EF4-FFF2-40B4-BE49-F238E27FC236}">
+                <a16:creationId xmlns:a16="http://schemas.microsoft.com/office/drawing/2014/main" id="{C8BAEE98-FE45-403D-919A-871C21367DAD}"/>
+              </a:ext>
+            </a:extLst>
+          </p:cNvPr>
+          <p:cNvSpPr txBox="1"/>
+          <p:nvPr/>
+        </p:nvSpPr>
+        <p:spPr>
+          <a:xfrm>
+            <a:off x="5355277" y="1884843"/>
+            <a:ext cx="2143125" cy="369332"/>
+          </a:xfrm>
+          <a:prstGeom prst="rect">
+            <a:avLst/>
+          </a:prstGeom>
+          <a:noFill/>
+        </p:spPr>
+        <p:txBody>
+          <a:bodyPr wrap="square" rtlCol="0">
+            <a:spAutoFit/>
+          </a:bodyPr>
+          <a:lstStyle/>
+          <a:p>
+            <a:r>
+              <a:rPr lang="fr-FR" dirty="0"/>
+              <a:t>Bibliothèque </a:t>
+            </a:r>
+            <a:r>
+              <a:rPr lang="fr-FR" sz="1600" dirty="0" err="1">
+                <a:latin typeface="Courier New" panose="02070309020205020404" pitchFamily="49" charset="0"/>
+                <a:cs typeface="Courier New" panose="02070309020205020404" pitchFamily="49" charset="0"/>
+              </a:rPr>
+              <a:t>pytest</a:t>
+            </a:r>
+            <a:endParaRPr lang="fr-FR" sz="1600" dirty="0">
+              <a:latin typeface="Courier New" panose="02070309020205020404" pitchFamily="49" charset="0"/>
+              <a:cs typeface="Courier New" panose="02070309020205020404" pitchFamily="49" charset="0"/>
+            </a:endParaRPr>
+          </a:p>
+        </p:txBody>
+      </p:sp>
+      <p:cxnSp>
+        <p:nvCxnSpPr>
+          <p:cNvPr id="19" name="Connecteur droit avec flèche 18">
+            <a:extLst>
+              <a:ext uri="{FF2B5EF4-FFF2-40B4-BE49-F238E27FC236}">
+                <a16:creationId xmlns:a16="http://schemas.microsoft.com/office/drawing/2014/main" id="{97F5EA50-14D0-4C13-A2FE-E11DAC2E1EA0}"/>
+              </a:ext>
+            </a:extLst>
+          </p:cNvPr>
+          <p:cNvCxnSpPr>
+            <a:cxnSpLocks/>
+            <a:stCxn id="17" idx="1"/>
+            <a:endCxn id="15" idx="3"/>
+          </p:cNvCxnSpPr>
+          <p:nvPr/>
+        </p:nvCxnSpPr>
+        <p:spPr>
+          <a:xfrm flipH="1">
+            <a:off x="4514850" y="2069509"/>
+            <a:ext cx="840427" cy="0"/>
+          </a:xfrm>
+          <a:prstGeom prst="straightConnector1">
+            <a:avLst/>
+          </a:prstGeom>
+          <a:ln>
+            <a:tailEnd type="triangle"/>
+          </a:ln>
+        </p:spPr>
+        <p:style>
+          <a:lnRef idx="1">
+            <a:schemeClr val="accent1"/>
+          </a:lnRef>
+          <a:fillRef idx="0">
+            <a:schemeClr val="accent1"/>
+          </a:fillRef>
+          <a:effectRef idx="0">
+            <a:schemeClr val="accent1"/>
+          </a:effectRef>
+          <a:fontRef idx="minor">
+            <a:schemeClr val="tx1"/>
+          </a:fontRef>
+        </p:style>
+      </p:cxnSp>
+      <p:sp>
+        <p:nvSpPr>
+          <p:cNvPr id="35" name="ZoneTexte 34">
+            <a:extLst>
+              <a:ext uri="{FF2B5EF4-FFF2-40B4-BE49-F238E27FC236}">
+                <a16:creationId xmlns:a16="http://schemas.microsoft.com/office/drawing/2014/main" id="{9BDBA74E-9721-457B-A7E2-0EF704F98AA4}"/>
+              </a:ext>
+            </a:extLst>
+          </p:cNvPr>
+          <p:cNvSpPr txBox="1"/>
+          <p:nvPr/>
+        </p:nvSpPr>
+        <p:spPr>
+          <a:xfrm>
+            <a:off x="2918231" y="4682354"/>
+            <a:ext cx="2243132" cy="1107996"/>
+          </a:xfrm>
+          <a:prstGeom prst="rect">
+            <a:avLst/>
+          </a:prstGeom>
+          <a:noFill/>
+        </p:spPr>
+        <p:txBody>
+          <a:bodyPr wrap="square" rtlCol="0">
+            <a:spAutoFit/>
+          </a:bodyPr>
+          <a:lstStyle/>
+          <a:p>
+            <a:r>
+              <a:rPr lang="fr-FR" dirty="0"/>
+              <a:t>Couverture des tests:</a:t>
+            </a:r>
+            <a:br>
+              <a:rPr lang="fr-FR" dirty="0"/>
+            </a:br>
+            <a:r>
+              <a:rPr lang="fr-FR" sz="1600" dirty="0">
+                <a:latin typeface="Courier New" panose="02070309020205020404" pitchFamily="49" charset="0"/>
+                <a:cs typeface="Courier New" panose="02070309020205020404" pitchFamily="49" charset="0"/>
+              </a:rPr>
+              <a:t>Graham 		87%</a:t>
+            </a:r>
+          </a:p>
+          <a:p>
+            <a:r>
+              <a:rPr lang="fr-FR" sz="1600" dirty="0">
+                <a:latin typeface="Courier New" panose="02070309020205020404" pitchFamily="49" charset="0"/>
+                <a:cs typeface="Courier New" panose="02070309020205020404" pitchFamily="49" charset="0"/>
+              </a:rPr>
+              <a:t>Jarvis 		84%</a:t>
+            </a:r>
+          </a:p>
+          <a:p>
+            <a:r>
+              <a:rPr lang="fr-FR" sz="1600" dirty="0">
+                <a:latin typeface="Courier New" panose="02070309020205020404" pitchFamily="49" charset="0"/>
+                <a:cs typeface="Courier New" panose="02070309020205020404" pitchFamily="49" charset="0"/>
+              </a:rPr>
+              <a:t>Quickhull 	88%</a:t>
+            </a:r>
+          </a:p>
+        </p:txBody>
+      </p:sp>
+      <p:cxnSp>
+        <p:nvCxnSpPr>
+          <p:cNvPr id="37" name="Connecteur : en angle 36">
+            <a:extLst>
+              <a:ext uri="{FF2B5EF4-FFF2-40B4-BE49-F238E27FC236}">
+                <a16:creationId xmlns:a16="http://schemas.microsoft.com/office/drawing/2014/main" id="{1636BD1E-87B3-4043-BD7C-31DA4DF09B90}"/>
+              </a:ext>
+            </a:extLst>
+          </p:cNvPr>
+          <p:cNvCxnSpPr>
+            <a:stCxn id="11" idx="2"/>
+            <a:endCxn id="12" idx="0"/>
+          </p:cNvCxnSpPr>
+          <p:nvPr/>
+        </p:nvCxnSpPr>
+        <p:spPr>
+          <a:xfrm rot="5400000">
+            <a:off x="1945720" y="4080052"/>
+            <a:ext cx="530793" cy="673811"/>
+          </a:xfrm>
+          <a:prstGeom prst="bentConnector3">
+            <a:avLst/>
+          </a:prstGeom>
+          <a:ln>
+            <a:tailEnd type="triangle"/>
+          </a:ln>
+        </p:spPr>
+        <p:style>
+          <a:lnRef idx="1">
+            <a:schemeClr val="accent1"/>
+          </a:lnRef>
+          <a:fillRef idx="0">
+            <a:schemeClr val="accent1"/>
+          </a:fillRef>
+          <a:effectRef idx="0">
+            <a:schemeClr val="accent1"/>
+          </a:effectRef>
+          <a:fontRef idx="minor">
+            <a:schemeClr val="tx1"/>
+          </a:fontRef>
+        </p:style>
+      </p:cxnSp>
+      <p:cxnSp>
+        <p:nvCxnSpPr>
+          <p:cNvPr id="39" name="Connecteur : en angle 38">
+            <a:extLst>
+              <a:ext uri="{FF2B5EF4-FFF2-40B4-BE49-F238E27FC236}">
+                <a16:creationId xmlns:a16="http://schemas.microsoft.com/office/drawing/2014/main" id="{A2705BF9-DF49-4E21-A40D-A7CAC24EE885}"/>
+              </a:ext>
+            </a:extLst>
+          </p:cNvPr>
+          <p:cNvCxnSpPr>
+            <a:stCxn id="11" idx="2"/>
+            <a:endCxn id="35" idx="0"/>
+          </p:cNvCxnSpPr>
+          <p:nvPr/>
+        </p:nvCxnSpPr>
+        <p:spPr>
+          <a:xfrm rot="16200000" flipH="1">
+            <a:off x="3028513" y="3671069"/>
+            <a:ext cx="530793" cy="1491776"/>
+          </a:xfrm>
+          <a:prstGeom prst="bentConnector3">
+            <a:avLst/>
+          </a:prstGeom>
+          <a:ln>
+            <a:tailEnd type="triangle"/>
+          </a:ln>
+        </p:spPr>
+        <p:style>
+          <a:lnRef idx="1">
+            <a:schemeClr val="accent1"/>
+          </a:lnRef>
+          <a:fillRef idx="0">
+            <a:schemeClr val="accent1"/>
+          </a:fillRef>
+          <a:effectRef idx="0">
+            <a:schemeClr val="accent1"/>
+          </a:effectRef>
+          <a:fontRef idx="minor">
+            <a:schemeClr val="tx1"/>
+          </a:fontRef>
+        </p:style>
+      </p:cxnSp>
+      <p:sp>
+        <p:nvSpPr>
+          <p:cNvPr id="42" name="ZoneTexte 41">
+            <a:extLst>
+              <a:ext uri="{FF2B5EF4-FFF2-40B4-BE49-F238E27FC236}">
+                <a16:creationId xmlns:a16="http://schemas.microsoft.com/office/drawing/2014/main" id="{846DE002-5F78-4135-8FB4-FD3A20BDDA2D}"/>
+              </a:ext>
+            </a:extLst>
+          </p:cNvPr>
+          <p:cNvSpPr txBox="1"/>
+          <p:nvPr/>
+        </p:nvSpPr>
+        <p:spPr>
+          <a:xfrm>
+            <a:off x="5917695" y="4590021"/>
+            <a:ext cx="5193576" cy="1200329"/>
+          </a:xfrm>
+          <a:prstGeom prst="rect">
+            <a:avLst/>
+          </a:prstGeom>
+          <a:noFill/>
+        </p:spPr>
+        <p:txBody>
+          <a:bodyPr wrap="square" rtlCol="0">
+            <a:spAutoFit/>
+          </a:bodyPr>
+          <a:lstStyle/>
+          <a:p>
+            <a:r>
+              <a:rPr lang="en-US" sz="1200" dirty="0">
+                <a:latin typeface="Courier New" panose="02070309020205020404" pitchFamily="49" charset="0"/>
+                <a:cs typeface="Courier New" panose="02070309020205020404" pitchFamily="49" charset="0"/>
+              </a:rPr>
+              <a:t>plugins: </a:t>
+            </a:r>
+            <a:r>
+              <a:rPr lang="en-US" sz="1200" dirty="0" err="1">
+                <a:latin typeface="Courier New" panose="02070309020205020404" pitchFamily="49" charset="0"/>
+                <a:cs typeface="Courier New" panose="02070309020205020404" pitchFamily="49" charset="0"/>
+              </a:rPr>
+              <a:t>cov</a:t>
+            </a:r>
+            <a:r>
+              <a:rPr lang="en-US" sz="1200" dirty="0">
+                <a:latin typeface="Courier New" panose="02070309020205020404" pitchFamily="49" charset="0"/>
+                <a:cs typeface="Courier New" panose="02070309020205020404" pitchFamily="49" charset="0"/>
+              </a:rPr>
+              <a:t>-2.9.0</a:t>
+            </a:r>
+          </a:p>
+          <a:p>
+            <a:r>
+              <a:rPr lang="en-US" sz="1200" dirty="0">
+                <a:latin typeface="Courier New" panose="02070309020205020404" pitchFamily="49" charset="0"/>
+                <a:cs typeface="Courier New" panose="02070309020205020404" pitchFamily="49" charset="0"/>
+              </a:rPr>
+              <a:t>collected 48 items</a:t>
+            </a:r>
+          </a:p>
+          <a:p>
+            <a:br>
+              <a:rPr lang="en-US" sz="1200" dirty="0">
+                <a:latin typeface="Courier New" panose="02070309020205020404" pitchFamily="49" charset="0"/>
+                <a:cs typeface="Courier New" panose="02070309020205020404" pitchFamily="49" charset="0"/>
+              </a:rPr>
+            </a:br>
+            <a:r>
+              <a:rPr lang="en-US" sz="1200" dirty="0">
+                <a:latin typeface="Courier New" panose="02070309020205020404" pitchFamily="49" charset="0"/>
+                <a:cs typeface="Courier New" panose="02070309020205020404" pitchFamily="49" charset="0"/>
+              </a:rPr>
+              <a:t>Programmes\test\Test_Graham.py ................ Programmes\test\Test_Jarvis.py ............ Programmes\test\Test_Quickhull.py ....................</a:t>
+            </a:r>
+            <a:endParaRPr lang="fr-FR" sz="1400" dirty="0"/>
+          </a:p>
+        </p:txBody>
+      </p:sp>
+      <p:pic>
+        <p:nvPicPr>
+          <p:cNvPr id="1026" name="Picture 2" descr="pytest: helps you write better programs — pytest documentation">
+            <a:extLst>
+              <a:ext uri="{FF2B5EF4-FFF2-40B4-BE49-F238E27FC236}">
+                <a16:creationId xmlns:a16="http://schemas.microsoft.com/office/drawing/2014/main" id="{969410E6-86F5-4ACE-AEBB-7C36600B802D}"/>
+              </a:ext>
+            </a:extLst>
+          </p:cNvPr>
+          <p:cNvPicPr>
+            <a:picLocks noChangeAspect="1" noChangeArrowheads="1"/>
+          </p:cNvPicPr>
+          <p:nvPr/>
+        </p:nvPicPr>
+        <p:blipFill>
+          <a:blip r:embed="rId4">
+            <a:extLst>
+              <a:ext uri="{28A0092B-C50C-407E-A947-70E740481C1C}">
+                <a14:useLocalDpi xmlns:a14="http://schemas.microsoft.com/office/drawing/2010/main" val="0"/>
+              </a:ext>
+            </a:extLst>
+          </a:blip>
+          <a:srcRect/>
+          <a:stretch>
+            <a:fillRect/>
+          </a:stretch>
+        </p:blipFill>
+        <p:spPr bwMode="auto">
+          <a:xfrm>
+            <a:off x="7800108" y="2747962"/>
+            <a:ext cx="1428750" cy="1362075"/>
+          </a:xfrm>
+          <a:prstGeom prst="rect">
+            <a:avLst/>
+          </a:prstGeom>
+          <a:noFill/>
+          <a:extLst>
+            <a:ext uri="{909E8E84-426E-40DD-AFC4-6F175D3DCCD1}">
+              <a14:hiddenFill xmlns:a14="http://schemas.microsoft.com/office/drawing/2010/main">
+                <a:solidFill>
+                  <a:srgbClr val="FFFFFF"/>
+                </a:solidFill>
+              </a14:hiddenFill>
+            </a:ext>
+          </a:extLst>
+        </p:spPr>
+      </p:pic>
     </p:spTree>
     <p:extLst>
       <p:ext uri="{BB962C8B-B14F-4D97-AF65-F5344CB8AC3E}">
-        <p14:creationId xmlns:p14="http://schemas.microsoft.com/office/powerpoint/2010/main" val="79438583"/>
+        <p14:creationId xmlns:p14="http://schemas.microsoft.com/office/powerpoint/2010/main" val="2630815628"/>
       </p:ext>
     </p:extLst>
   </p:cSld>
@@ -17670,7 +21669,7 @@
           <p:cNvPr id="2" name="Titre 1">
             <a:extLst>
               <a:ext uri="{FF2B5EF4-FFF2-40B4-BE49-F238E27FC236}">
-                <a16:creationId xmlns:a16="http://schemas.microsoft.com/office/drawing/2014/main" id="{A8124734-C51B-48C4-A282-7DF8F36A005A}"/>
+                <a16:creationId xmlns:a16="http://schemas.microsoft.com/office/drawing/2014/main" id="{672E9BBE-9EC6-4F15-94E8-4BE7C85BCD85}"/>
               </a:ext>
             </a:extLst>
           </p:cNvPr>
@@ -17690,7 +21689,7 @@
           <a:p>
             <a:r>
               <a:rPr lang="fr-FR" sz="3200" dirty="0"/>
-              <a:t>CONCLUSION</a:t>
+              <a:t>Performances</a:t>
             </a:r>
           </a:p>
         </p:txBody>
@@ -17700,7 +21699,7 @@
           <p:cNvPr id="3" name="Espace réservé du contenu 2">
             <a:extLst>
               <a:ext uri="{FF2B5EF4-FFF2-40B4-BE49-F238E27FC236}">
-                <a16:creationId xmlns:a16="http://schemas.microsoft.com/office/drawing/2014/main" id="{76BED381-5DB9-4197-8BAD-4019E6D49582}"/>
+                <a16:creationId xmlns:a16="http://schemas.microsoft.com/office/drawing/2014/main" id="{2267FDDC-9E98-4F38-B743-27BE900B0471}"/>
               </a:ext>
             </a:extLst>
           </p:cNvPr>
@@ -17711,21 +21710,47 @@
             <p:ph idx="1"/>
           </p:nvPr>
         </p:nvSpPr>
-        <p:spPr/>
+        <p:spPr>
+          <a:xfrm>
+            <a:off x="581192" y="3859392"/>
+            <a:ext cx="4476583" cy="1999407"/>
+          </a:xfrm>
+        </p:spPr>
         <p:txBody>
           <a:bodyPr/>
           <a:lstStyle/>
           <a:p>
-            <a:endParaRPr lang="fr-FR"/>
+            <a:r>
+              <a:rPr lang="fr-FR" dirty="0"/>
+              <a:t>Tests sur différents tailles de nuages</a:t>
+            </a:r>
+          </a:p>
+          <a:p>
+            <a:r>
+              <a:rPr lang="fr-FR" dirty="0"/>
+              <a:t>On le répète 10 000 fois</a:t>
+            </a:r>
+          </a:p>
+          <a:p>
+            <a:r>
+              <a:rPr lang="fr-FR" dirty="0"/>
+              <a:t>Moyenne en temps et itérations précisent</a:t>
+            </a:r>
+          </a:p>
+          <a:p>
+            <a:r>
+              <a:rPr lang="fr-FR" dirty="0"/>
+              <a:t>Mesure de la complexité algorithmique </a:t>
+            </a:r>
           </a:p>
         </p:txBody>
       </p:sp>
       <p:sp>
         <p:nvSpPr>
-          <p:cNvPr id="6" name="Espace réservé du numéro de diapositive 5">
+          <p:cNvPr id="5" name="Espace réservé du numéro de diapositive 4">
             <a:extLst>
               <a:ext uri="{FF2B5EF4-FFF2-40B4-BE49-F238E27FC236}">
-                <a16:creationId xmlns:a16="http://schemas.microsoft.com/office/drawing/2014/main" id="{88B3C869-69F9-4691-8DAA-D0771A00C1C4}"/>
+                <a16:creationId xmlns:a16="http://schemas.microsoft.com/office/drawing/2014/main" id="{F2453D05-AA68-4FD6-9ABC-97DFEA0DE68A}"/>
               </a:ext>
             </a:extLst>
           </p:cNvPr>
@@ -17750,12 +21775,310 @@
           </a:p>
         </p:txBody>
       </p:sp>
-      <p:sp>
-        <p:nvSpPr>
-          <p:cNvPr id="4" name="Espace réservé du pied de page 3">
+      <p:pic>
+        <p:nvPicPr>
+          <p:cNvPr id="6" name="Graphique 5" descr="Tendance à la hausse">
             <a:extLst>
               <a:ext uri="{FF2B5EF4-FFF2-40B4-BE49-F238E27FC236}">
-                <a16:creationId xmlns:a16="http://schemas.microsoft.com/office/drawing/2014/main" id="{6D885292-E0F3-4566-B471-275196587B25}"/>
+                <a16:creationId xmlns:a16="http://schemas.microsoft.com/office/drawing/2014/main" id="{935371F7-F081-47AE-B06B-77CD3B68DB27}"/>
+              </a:ext>
+            </a:extLst>
+          </p:cNvPr>
+          <p:cNvPicPr>
+            <a:picLocks noChangeAspect="1"/>
+          </p:cNvPicPr>
+          <p:nvPr/>
+        </p:nvPicPr>
+        <p:blipFill>
+          <a:blip r:embed="rId2">
+            <a:extLst>
+              <a:ext uri="{96DAC541-7B7A-43D3-8B79-37D633B846F1}">
+                <asvg:svgBlip xmlns:asvg="http://schemas.microsoft.com/office/drawing/2016/SVG/main" r:embed="rId3"/>
+              </a:ext>
+            </a:extLst>
+          </a:blip>
+          <a:srcRect/>
+          <a:stretch/>
+        </p:blipFill>
+        <p:spPr>
+          <a:xfrm>
+            <a:off x="10492925" y="801556"/>
+            <a:ext cx="914400" cy="914400"/>
+          </a:xfrm>
+          <a:prstGeom prst="rect">
+            <a:avLst/>
+          </a:prstGeom>
+        </p:spPr>
+      </p:pic>
+      <p:graphicFrame>
+        <p:nvGraphicFramePr>
+          <p:cNvPr id="7" name="Graphique 6">
+            <a:extLst>
+              <a:ext uri="{FF2B5EF4-FFF2-40B4-BE49-F238E27FC236}">
+                <a16:creationId xmlns:a16="http://schemas.microsoft.com/office/drawing/2014/main" id="{44853F9B-6731-4B5B-9D53-EDFBCDEBDCAA}"/>
+              </a:ext>
+            </a:extLst>
+          </p:cNvPr>
+          <p:cNvGraphicFramePr>
+            <a:graphicFrameLocks/>
+          </p:cNvGraphicFramePr>
+          <p:nvPr>
+            <p:extLst>
+              <p:ext uri="{D42A27DB-BD31-4B8C-83A1-F6EECF244321}">
+                <p14:modId xmlns:p14="http://schemas.microsoft.com/office/powerpoint/2010/main" val="1837301076"/>
+              </p:ext>
+            </p:extLst>
+          </p:nvPr>
+        </p:nvGraphicFramePr>
+        <p:xfrm>
+          <a:off x="5057776" y="1815356"/>
+          <a:ext cx="6553032" cy="1999407"/>
+        </p:xfrm>
+        <a:graphic>
+          <a:graphicData uri="http://schemas.openxmlformats.org/drawingml/2006/chart">
+            <c:chart xmlns:c="http://schemas.openxmlformats.org/drawingml/2006/chart" xmlns:r="http://schemas.openxmlformats.org/officeDocument/2006/relationships" r:id="rId4"/>
+          </a:graphicData>
+        </a:graphic>
+      </p:graphicFrame>
+      <p:graphicFrame>
+        <p:nvGraphicFramePr>
+          <p:cNvPr id="8" name="Graphique 7">
+            <a:extLst>
+              <a:ext uri="{FF2B5EF4-FFF2-40B4-BE49-F238E27FC236}">
+                <a16:creationId xmlns:a16="http://schemas.microsoft.com/office/drawing/2014/main" id="{599A73B9-8807-4C80-9D8F-817EB098999A}"/>
+              </a:ext>
+            </a:extLst>
+          </p:cNvPr>
+          <p:cNvGraphicFramePr>
+            <a:graphicFrameLocks/>
+          </p:cNvGraphicFramePr>
+          <p:nvPr>
+            <p:extLst>
+              <p:ext uri="{D42A27DB-BD31-4B8C-83A1-F6EECF244321}">
+                <p14:modId xmlns:p14="http://schemas.microsoft.com/office/powerpoint/2010/main" val="2450222614"/>
+              </p:ext>
+            </p:extLst>
+          </p:nvPr>
+        </p:nvGraphicFramePr>
+        <p:xfrm>
+          <a:off x="5057776" y="3865253"/>
+          <a:ext cx="6553032" cy="1998000"/>
+        </p:xfrm>
+        <a:graphic>
+          <a:graphicData uri="http://schemas.openxmlformats.org/drawingml/2006/chart">
+            <c:chart xmlns:c="http://schemas.openxmlformats.org/drawingml/2006/chart" xmlns:r="http://schemas.openxmlformats.org/officeDocument/2006/relationships" r:id="rId5"/>
+          </a:graphicData>
+        </a:graphic>
+      </p:graphicFrame>
+      <p:sp>
+        <p:nvSpPr>
+          <p:cNvPr id="14" name="ZoneTexte 13">
+            <a:extLst>
+              <a:ext uri="{FF2B5EF4-FFF2-40B4-BE49-F238E27FC236}">
+                <a16:creationId xmlns:a16="http://schemas.microsoft.com/office/drawing/2014/main" id="{B04FE913-7F23-42E2-8559-D4239A947FE5}"/>
+              </a:ext>
+            </a:extLst>
+          </p:cNvPr>
+          <p:cNvSpPr txBox="1"/>
+          <p:nvPr/>
+        </p:nvSpPr>
+        <p:spPr>
+          <a:xfrm>
+            <a:off x="507456" y="2630393"/>
+            <a:ext cx="2490621" cy="369332"/>
+          </a:xfrm>
+          <a:prstGeom prst="rect">
+            <a:avLst/>
+          </a:prstGeom>
+          <a:noFill/>
+        </p:spPr>
+        <p:txBody>
+          <a:bodyPr wrap="square" rtlCol="0">
+            <a:spAutoFit/>
+          </a:bodyPr>
+          <a:lstStyle/>
+          <a:p>
+            <a:r>
+              <a:rPr lang="fr-FR" dirty="0"/>
+              <a:t>Bibliothèque </a:t>
+            </a:r>
+            <a:r>
+              <a:rPr lang="fr-FR" sz="1600" dirty="0" err="1">
+                <a:latin typeface="Courier New" panose="02070309020205020404" pitchFamily="49" charset="0"/>
+                <a:cs typeface="Courier New" panose="02070309020205020404" pitchFamily="49" charset="0"/>
+              </a:rPr>
+              <a:t>openpyxl</a:t>
+            </a:r>
+            <a:endParaRPr lang="fr-FR" sz="1600" dirty="0">
+              <a:latin typeface="Courier New" panose="02070309020205020404" pitchFamily="49" charset="0"/>
+              <a:cs typeface="Courier New" panose="02070309020205020404" pitchFamily="49" charset="0"/>
+            </a:endParaRPr>
+          </a:p>
+        </p:txBody>
+      </p:sp>
+      <p:sp>
+        <p:nvSpPr>
+          <p:cNvPr id="15" name="ZoneTexte 14">
+            <a:extLst>
+              <a:ext uri="{FF2B5EF4-FFF2-40B4-BE49-F238E27FC236}">
+                <a16:creationId xmlns:a16="http://schemas.microsoft.com/office/drawing/2014/main" id="{5238EC88-00EE-44C1-A07E-B49E98B77B50}"/>
+              </a:ext>
+            </a:extLst>
+          </p:cNvPr>
+          <p:cNvSpPr txBox="1"/>
+          <p:nvPr/>
+        </p:nvSpPr>
+        <p:spPr>
+          <a:xfrm>
+            <a:off x="581192" y="1884843"/>
+            <a:ext cx="2343150" cy="369332"/>
+          </a:xfrm>
+          <a:prstGeom prst="rect">
+            <a:avLst/>
+          </a:prstGeom>
+          <a:noFill/>
+        </p:spPr>
+        <p:txBody>
+          <a:bodyPr wrap="square" rtlCol="0">
+            <a:spAutoFit/>
+          </a:bodyPr>
+          <a:lstStyle/>
+          <a:p>
+            <a:r>
+              <a:rPr lang="fr-FR" dirty="0">
+                <a:latin typeface="Courier New" panose="02070309020205020404" pitchFamily="49" charset="0"/>
+                <a:cs typeface="Courier New" panose="02070309020205020404" pitchFamily="49" charset="0"/>
+              </a:rPr>
+              <a:t>performances.py </a:t>
+            </a:r>
+          </a:p>
+        </p:txBody>
+      </p:sp>
+      <p:cxnSp>
+        <p:nvCxnSpPr>
+          <p:cNvPr id="17" name="Connecteur droit avec flèche 16">
+            <a:extLst>
+              <a:ext uri="{FF2B5EF4-FFF2-40B4-BE49-F238E27FC236}">
+                <a16:creationId xmlns:a16="http://schemas.microsoft.com/office/drawing/2014/main" id="{6D48429A-F1E6-44E7-B86D-9FC952FB975D}"/>
+              </a:ext>
+            </a:extLst>
+          </p:cNvPr>
+          <p:cNvCxnSpPr>
+            <a:cxnSpLocks/>
+            <a:stCxn id="14" idx="0"/>
+            <a:endCxn id="15" idx="2"/>
+          </p:cNvCxnSpPr>
+          <p:nvPr/>
+        </p:nvCxnSpPr>
+        <p:spPr>
+          <a:xfrm flipV="1">
+            <a:off x="1752767" y="2254175"/>
+            <a:ext cx="0" cy="376218"/>
+          </a:xfrm>
+          <a:prstGeom prst="straightConnector1">
+            <a:avLst/>
+          </a:prstGeom>
+          <a:ln>
+            <a:tailEnd type="triangle"/>
+          </a:ln>
+        </p:spPr>
+        <p:style>
+          <a:lnRef idx="1">
+            <a:schemeClr val="accent1"/>
+          </a:lnRef>
+          <a:fillRef idx="0">
+            <a:schemeClr val="accent1"/>
+          </a:fillRef>
+          <a:effectRef idx="0">
+            <a:schemeClr val="accent1"/>
+          </a:effectRef>
+          <a:fontRef idx="minor">
+            <a:schemeClr val="tx1"/>
+          </a:fontRef>
+        </p:style>
+      </p:cxnSp>
+      <p:cxnSp>
+        <p:nvCxnSpPr>
+          <p:cNvPr id="21" name="Connecteur : en angle 20">
+            <a:extLst>
+              <a:ext uri="{FF2B5EF4-FFF2-40B4-BE49-F238E27FC236}">
+                <a16:creationId xmlns:a16="http://schemas.microsoft.com/office/drawing/2014/main" id="{449E542C-C933-490E-BC7D-0F42A0460064}"/>
+              </a:ext>
+            </a:extLst>
+          </p:cNvPr>
+          <p:cNvCxnSpPr>
+            <a:cxnSpLocks/>
+            <a:stCxn id="15" idx="3"/>
+            <a:endCxn id="3" idx="0"/>
+          </p:cNvCxnSpPr>
+          <p:nvPr/>
+        </p:nvCxnSpPr>
+        <p:spPr>
+          <a:xfrm flipH="1">
+            <a:off x="2819484" y="2069509"/>
+            <a:ext cx="104858" cy="1789883"/>
+          </a:xfrm>
+          <a:prstGeom prst="bentConnector4">
+            <a:avLst>
+              <a:gd name="adj1" fmla="val -218009"/>
+              <a:gd name="adj2" fmla="val 68729"/>
+            </a:avLst>
+          </a:prstGeom>
+          <a:ln>
+            <a:tailEnd type="triangle"/>
+          </a:ln>
+        </p:spPr>
+        <p:style>
+          <a:lnRef idx="1">
+            <a:schemeClr val="accent1"/>
+          </a:lnRef>
+          <a:fillRef idx="0">
+            <a:schemeClr val="accent1"/>
+          </a:fillRef>
+          <a:effectRef idx="0">
+            <a:schemeClr val="accent1"/>
+          </a:effectRef>
+          <a:fontRef idx="minor">
+            <a:schemeClr val="tx1"/>
+          </a:fontRef>
+        </p:style>
+      </p:cxnSp>
+    </p:spTree>
+    <p:extLst>
+      <p:ext uri="{BB962C8B-B14F-4D97-AF65-F5344CB8AC3E}">
+        <p14:creationId xmlns:p14="http://schemas.microsoft.com/office/powerpoint/2010/main" val="3705281761"/>
+      </p:ext>
+    </p:extLst>
+  </p:cSld>
+  <p:clrMapOvr>
+    <a:masterClrMapping/>
+  </p:clrMapOvr>
+</p:sld>
+</file>
+
+<file path=ppt/slides/slide25.xml><?xml version="1.0" encoding="utf-8"?>
+<p:sld xmlns:a="http://schemas.openxmlformats.org/drawingml/2006/main" xmlns:r="http://schemas.openxmlformats.org/officeDocument/2006/relationships" xmlns:p="http://schemas.openxmlformats.org/presentationml/2006/main">
+  <p:cSld>
+    <p:spTree>
+      <p:nvGrpSpPr>
+        <p:cNvPr id="1" name=""/>
+        <p:cNvGrpSpPr/>
+        <p:nvPr/>
+      </p:nvGrpSpPr>
+      <p:grpSpPr>
+        <a:xfrm>
+          <a:off x="0" y="0"/>
+          <a:ext cx="0" cy="0"/>
+          <a:chOff x="0" y="0"/>
+          <a:chExt cx="0" cy="0"/>
+        </a:xfrm>
+      </p:grpSpPr>
+      <p:sp>
+        <p:nvSpPr>
+          <p:cNvPr id="2" name="Titre 1">
+            <a:extLst>
+              <a:ext uri="{FF2B5EF4-FFF2-40B4-BE49-F238E27FC236}">
+                <a16:creationId xmlns:a16="http://schemas.microsoft.com/office/drawing/2014/main" id="{C0E826B4-C563-43E2-AE03-9DE23046AE13}"/>
               </a:ext>
             </a:extLst>
           </p:cNvPr>
@@ -17763,7 +22086,78 @@
             <a:spLocks noGrp="1"/>
           </p:cNvSpPr>
           <p:nvPr>
-            <p:ph type="ftr" sz="quarter" idx="11"/>
+            <p:ph type="title"/>
+          </p:nvPr>
+        </p:nvSpPr>
+        <p:spPr/>
+        <p:txBody>
+          <a:bodyPr>
+            <a:normAutofit/>
+          </a:bodyPr>
+          <a:lstStyle/>
+          <a:p>
+            <a:r>
+              <a:rPr lang="fr-FR" sz="3200" dirty="0"/>
+              <a:t>LIMITES DU PROGRAMME</a:t>
+            </a:r>
+          </a:p>
+        </p:txBody>
+      </p:sp>
+      <p:sp>
+        <p:nvSpPr>
+          <p:cNvPr id="3" name="Espace réservé du contenu 2">
+            <a:extLst>
+              <a:ext uri="{FF2B5EF4-FFF2-40B4-BE49-F238E27FC236}">
+                <a16:creationId xmlns:a16="http://schemas.microsoft.com/office/drawing/2014/main" id="{5F24D5BD-B63B-4A58-8699-4E81FEF660D4}"/>
+              </a:ext>
+            </a:extLst>
+          </p:cNvPr>
+          <p:cNvSpPr>
+            <a:spLocks noGrp="1"/>
+          </p:cNvSpPr>
+          <p:nvPr>
+            <p:ph idx="1"/>
+          </p:nvPr>
+        </p:nvSpPr>
+        <p:spPr>
+          <a:xfrm>
+            <a:off x="581193" y="2180496"/>
+            <a:ext cx="3947946" cy="3678303"/>
+          </a:xfrm>
+        </p:spPr>
+        <p:txBody>
+          <a:bodyPr>
+            <a:normAutofit/>
+          </a:bodyPr>
+          <a:lstStyle/>
+          <a:p>
+            <a:r>
+              <a:rPr lang="fr-FR" sz="2400" dirty="0"/>
+              <a:t>Non adapté au système 3D</a:t>
+            </a:r>
+          </a:p>
+          <a:p>
+            <a:r>
+              <a:rPr lang="fr-FR" sz="2400" dirty="0"/>
+              <a:t>Erreur avec Jarvis</a:t>
+            </a:r>
+          </a:p>
+        </p:txBody>
+      </p:sp>
+      <p:sp>
+        <p:nvSpPr>
+          <p:cNvPr id="6" name="Espace réservé du numéro de diapositive 5">
+            <a:extLst>
+              <a:ext uri="{FF2B5EF4-FFF2-40B4-BE49-F238E27FC236}">
+                <a16:creationId xmlns:a16="http://schemas.microsoft.com/office/drawing/2014/main" id="{E07121FA-74A6-496E-8066-D97984B16D3E}"/>
+              </a:ext>
+            </a:extLst>
+          </p:cNvPr>
+          <p:cNvSpPr>
+            <a:spLocks noGrp="1"/>
+          </p:cNvSpPr>
+          <p:nvPr>
+            <p:ph type="sldNum" sz="quarter" idx="12"/>
           </p:nvPr>
         </p:nvSpPr>
         <p:spPr/>
@@ -17771,10 +22165,249 @@
           <a:bodyPr/>
           <a:lstStyle/>
           <a:p>
-            <a:r>
-              <a:rPr lang="en-US"/>
-              <a:t>Anaïs Gallerand ; Edouard Gautier ; Antoine Orvain</a:t>
-            </a:r>
+            <a:fld id="{D57F1E4F-1CFF-5643-939E-217C01CDF565}" type="slidenum">
+              <a:rPr lang="en-US" smtClean="0"/>
+              <a:pPr/>
+              <a:t>25</a:t>
+            </a:fld>
+            <a:endParaRPr lang="en-US"/>
+          </a:p>
+        </p:txBody>
+      </p:sp>
+      <p:pic>
+        <p:nvPicPr>
+          <p:cNvPr id="7" name="Graphique 6" descr="Presse-papiers partiellement barré">
+            <a:extLst>
+              <a:ext uri="{FF2B5EF4-FFF2-40B4-BE49-F238E27FC236}">
+                <a16:creationId xmlns:a16="http://schemas.microsoft.com/office/drawing/2014/main" id="{01D8D013-693B-4EB1-9102-BCD913D002F5}"/>
+              </a:ext>
+            </a:extLst>
+          </p:cNvPr>
+          <p:cNvPicPr>
+            <a:picLocks noChangeAspect="1"/>
+          </p:cNvPicPr>
+          <p:nvPr/>
+        </p:nvPicPr>
+        <p:blipFill>
+          <a:blip r:embed="rId2">
+            <a:extLst>
+              <a:ext uri="{96DAC541-7B7A-43D3-8B79-37D633B846F1}">
+                <asvg:svgBlip xmlns:asvg="http://schemas.microsoft.com/office/drawing/2016/SVG/main" r:embed="rId3"/>
+              </a:ext>
+            </a:extLst>
+          </a:blip>
+          <a:srcRect/>
+          <a:stretch/>
+        </p:blipFill>
+        <p:spPr>
+          <a:xfrm>
+            <a:off x="10492925" y="801556"/>
+            <a:ext cx="914400" cy="914400"/>
+          </a:xfrm>
+          <a:prstGeom prst="rect">
+            <a:avLst/>
+          </a:prstGeom>
+        </p:spPr>
+      </p:pic>
+      <p:pic>
+        <p:nvPicPr>
+          <p:cNvPr id="5" name="Image 4">
+            <a:extLst>
+              <a:ext uri="{FF2B5EF4-FFF2-40B4-BE49-F238E27FC236}">
+                <a16:creationId xmlns:a16="http://schemas.microsoft.com/office/drawing/2014/main" id="{C7AB5195-6361-4E70-B0DA-8A2BA82095D3}"/>
+              </a:ext>
+            </a:extLst>
+          </p:cNvPr>
+          <p:cNvPicPr>
+            <a:picLocks noChangeAspect="1"/>
+          </p:cNvPicPr>
+          <p:nvPr/>
+        </p:nvPicPr>
+        <p:blipFill>
+          <a:blip r:embed="rId4"/>
+          <a:stretch>
+            <a:fillRect/>
+          </a:stretch>
+        </p:blipFill>
+        <p:spPr>
+          <a:xfrm>
+            <a:off x="8586788" y="2952101"/>
+            <a:ext cx="3024019" cy="3042236"/>
+          </a:xfrm>
+          <a:prstGeom prst="rect">
+            <a:avLst/>
+          </a:prstGeom>
+          <a:ln>
+            <a:solidFill>
+              <a:schemeClr val="accent1"/>
+            </a:solidFill>
+          </a:ln>
+        </p:spPr>
+      </p:pic>
+      <p:pic>
+        <p:nvPicPr>
+          <p:cNvPr id="2050" name="Picture 2" descr="Quelques ressources pour Python - Coquillages &amp; Poincaré">
+            <a:extLst>
+              <a:ext uri="{FF2B5EF4-FFF2-40B4-BE49-F238E27FC236}">
+                <a16:creationId xmlns:a16="http://schemas.microsoft.com/office/drawing/2014/main" id="{58A6C0A1-AE63-417F-AC31-FA702A3F5F6D}"/>
+              </a:ext>
+            </a:extLst>
+          </p:cNvPr>
+          <p:cNvPicPr>
+            <a:picLocks noChangeAspect="1" noChangeArrowheads="1"/>
+          </p:cNvPicPr>
+          <p:nvPr/>
+        </p:nvPicPr>
+        <p:blipFill>
+          <a:blip r:embed="rId5">
+            <a:extLst>
+              <a:ext uri="{28A0092B-C50C-407E-A947-70E740481C1C}">
+                <a14:useLocalDpi xmlns:a14="http://schemas.microsoft.com/office/drawing/2010/main" val="0"/>
+              </a:ext>
+            </a:extLst>
+          </a:blip>
+          <a:srcRect/>
+          <a:stretch>
+            <a:fillRect/>
+          </a:stretch>
+        </p:blipFill>
+        <p:spPr bwMode="auto">
+          <a:xfrm>
+            <a:off x="4840129" y="2000346"/>
+            <a:ext cx="3415341" cy="3042236"/>
+          </a:xfrm>
+          <a:prstGeom prst="rect">
+            <a:avLst/>
+          </a:prstGeom>
+          <a:noFill/>
+          <a:ln>
+            <a:solidFill>
+              <a:schemeClr val="accent1"/>
+            </a:solidFill>
+          </a:ln>
+          <a:extLst>
+            <a:ext uri="{909E8E84-426E-40DD-AFC4-6F175D3DCCD1}">
+              <a14:hiddenFill xmlns:a14="http://schemas.microsoft.com/office/drawing/2010/main">
+                <a:solidFill>
+                  <a:srgbClr val="FFFFFF"/>
+                </a:solidFill>
+              </a14:hiddenFill>
+            </a:ext>
+          </a:extLst>
+        </p:spPr>
+      </p:pic>
+    </p:spTree>
+    <p:extLst>
+      <p:ext uri="{BB962C8B-B14F-4D97-AF65-F5344CB8AC3E}">
+        <p14:creationId xmlns:p14="http://schemas.microsoft.com/office/powerpoint/2010/main" val="79438583"/>
+      </p:ext>
+    </p:extLst>
+  </p:cSld>
+  <p:clrMapOvr>
+    <a:masterClrMapping/>
+  </p:clrMapOvr>
+</p:sld>
+</file>
+
+<file path=ppt/slides/slide26.xml><?xml version="1.0" encoding="utf-8"?>
+<p:sld xmlns:a="http://schemas.openxmlformats.org/drawingml/2006/main" xmlns:r="http://schemas.openxmlformats.org/officeDocument/2006/relationships" xmlns:p="http://schemas.openxmlformats.org/presentationml/2006/main">
+  <p:cSld>
+    <p:spTree>
+      <p:nvGrpSpPr>
+        <p:cNvPr id="1" name=""/>
+        <p:cNvGrpSpPr/>
+        <p:nvPr/>
+      </p:nvGrpSpPr>
+      <p:grpSpPr>
+        <a:xfrm>
+          <a:off x="0" y="0"/>
+          <a:ext cx="0" cy="0"/>
+          <a:chOff x="0" y="0"/>
+          <a:chExt cx="0" cy="0"/>
+        </a:xfrm>
+      </p:grpSpPr>
+      <p:sp>
+        <p:nvSpPr>
+          <p:cNvPr id="2" name="Titre 1">
+            <a:extLst>
+              <a:ext uri="{FF2B5EF4-FFF2-40B4-BE49-F238E27FC236}">
+                <a16:creationId xmlns:a16="http://schemas.microsoft.com/office/drawing/2014/main" id="{A8124734-C51B-48C4-A282-7DF8F36A005A}"/>
+              </a:ext>
+            </a:extLst>
+          </p:cNvPr>
+          <p:cNvSpPr>
+            <a:spLocks noGrp="1"/>
+          </p:cNvSpPr>
+          <p:nvPr>
+            <p:ph type="title"/>
+          </p:nvPr>
+        </p:nvSpPr>
+        <p:spPr/>
+        <p:txBody>
+          <a:bodyPr>
+            <a:normAutofit/>
+          </a:bodyPr>
+          <a:lstStyle/>
+          <a:p>
+            <a:r>
+              <a:rPr lang="fr-FR" sz="3200" dirty="0"/>
+              <a:t>CONCLUSION</a:t>
+            </a:r>
+          </a:p>
+        </p:txBody>
+      </p:sp>
+      <p:sp>
+        <p:nvSpPr>
+          <p:cNvPr id="3" name="Espace réservé du contenu 2">
+            <a:extLst>
+              <a:ext uri="{FF2B5EF4-FFF2-40B4-BE49-F238E27FC236}">
+                <a16:creationId xmlns:a16="http://schemas.microsoft.com/office/drawing/2014/main" id="{76BED381-5DB9-4197-8BAD-4019E6D49582}"/>
+              </a:ext>
+            </a:extLst>
+          </p:cNvPr>
+          <p:cNvSpPr>
+            <a:spLocks noGrp="1"/>
+          </p:cNvSpPr>
+          <p:nvPr>
+            <p:ph idx="1"/>
+          </p:nvPr>
+        </p:nvSpPr>
+        <p:spPr/>
+        <p:txBody>
+          <a:bodyPr/>
+          <a:lstStyle/>
+          <a:p>
+            <a:endParaRPr lang="fr-FR"/>
+          </a:p>
+        </p:txBody>
+      </p:sp>
+      <p:sp>
+        <p:nvSpPr>
+          <p:cNvPr id="6" name="Espace réservé du numéro de diapositive 5">
+            <a:extLst>
+              <a:ext uri="{FF2B5EF4-FFF2-40B4-BE49-F238E27FC236}">
+                <a16:creationId xmlns:a16="http://schemas.microsoft.com/office/drawing/2014/main" id="{88B3C869-69F9-4691-8DAA-D0771A00C1C4}"/>
+              </a:ext>
+            </a:extLst>
+          </p:cNvPr>
+          <p:cNvSpPr>
+            <a:spLocks noGrp="1"/>
+          </p:cNvSpPr>
+          <p:nvPr>
+            <p:ph type="sldNum" sz="quarter" idx="12"/>
+          </p:nvPr>
+        </p:nvSpPr>
+        <p:spPr/>
+        <p:txBody>
+          <a:bodyPr/>
+          <a:lstStyle/>
+          <a:p>
+            <a:fld id="{D57F1E4F-1CFF-5643-939E-217C01CDF565}" type="slidenum">
+              <a:rPr lang="en-US" smtClean="0"/>
+              <a:pPr/>
+              <a:t>26</a:t>
+            </a:fld>
+            <a:endParaRPr lang="en-US"/>
           </a:p>
         </p:txBody>
       </p:sp>
@@ -18201,7 +22834,7 @@
             <p:ph idx="1"/>
             <p:extLst>
               <p:ext uri="{D42A27DB-BD31-4B8C-83A1-F6EECF244321}">
-                <p14:modId xmlns:p14="http://schemas.microsoft.com/office/powerpoint/2010/main" val="3917322062"/>
+                <p14:modId xmlns:p14="http://schemas.microsoft.com/office/powerpoint/2010/main" val="769252630"/>
               </p:ext>
             </p:extLst>
           </p:nvPr>
@@ -19646,34 +24279,6 @@
               <a:t>Lecture</a:t>
             </a:r>
             <a:endParaRPr lang="fr-FR" dirty="0"/>
-          </a:p>
-        </p:txBody>
-      </p:sp>
-      <p:sp>
-        <p:nvSpPr>
-          <p:cNvPr id="4" name="Espace réservé du pied de page 3">
-            <a:extLst>
-              <a:ext uri="{FF2B5EF4-FFF2-40B4-BE49-F238E27FC236}">
-                <a16:creationId xmlns:a16="http://schemas.microsoft.com/office/drawing/2014/main" id="{54FD3D11-B81F-4DB5-9A67-E7F28904CABC}"/>
-              </a:ext>
-            </a:extLst>
-          </p:cNvPr>
-          <p:cNvSpPr>
-            <a:spLocks noGrp="1"/>
-          </p:cNvSpPr>
-          <p:nvPr>
-            <p:ph type="ftr" sz="quarter" idx="11"/>
-          </p:nvPr>
-        </p:nvSpPr>
-        <p:spPr/>
-        <p:txBody>
-          <a:bodyPr/>
-          <a:lstStyle/>
-          <a:p>
-            <a:r>
-              <a:rPr lang="en-US" dirty="0"/>
-              <a:t>Anaïs Gallerand ; Edouard Gautier ; Antoine Orvain</a:t>
-            </a:r>
           </a:p>
         </p:txBody>
       </p:sp>
@@ -22076,18 +26681,18 @@
 </file>
 
 <file path=customXml/item1.xml><?xml version="1.0" encoding="utf-8"?>
+<p:properties xmlns:p="http://schemas.microsoft.com/office/2006/metadata/properties" xmlns:xsi="http://www.w3.org/2001/XMLSchema-instance" xmlns:pc="http://schemas.microsoft.com/office/infopath/2007/PartnerControls">
+  <documentManagement/>
+</p:properties>
+</file>
+
+<file path=customXml/item2.xml><?xml version="1.0" encoding="utf-8"?>
 <?mso-contentType ?>
 <FormTemplates xmlns="http://schemas.microsoft.com/sharepoint/v3/contenttype/forms">
   <Display>DocumentLibraryForm</Display>
   <Edit>DocumentLibraryForm</Edit>
   <New>DocumentLibraryForm</New>
 </FormTemplates>
-</file>
-
-<file path=customXml/item2.xml><?xml version="1.0" encoding="utf-8"?>
-<p:properties xmlns:p="http://schemas.microsoft.com/office/2006/metadata/properties" xmlns:xsi="http://www.w3.org/2001/XMLSchema-instance" xmlns:pc="http://schemas.microsoft.com/office/infopath/2007/PartnerControls">
-  <documentManagement/>
-</p:properties>
 </file>
 
 <file path=customXml/item3.xml><?xml version="1.0" encoding="utf-8"?>
@@ -22314,18 +26919,18 @@
 </file>
 
 <file path=customXml/itemProps1.xml><?xml version="1.0" encoding="utf-8"?>
-<ds:datastoreItem xmlns:ds="http://schemas.openxmlformats.org/officeDocument/2006/customXml" ds:itemID="{25FEBF7E-E609-4AAE-97E6-7B4585FCE32C}">
+<ds:datastoreItem xmlns:ds="http://schemas.openxmlformats.org/officeDocument/2006/customXml" ds:itemID="{4916EBF2-85BF-48B7-811B-14F5FC5E3D43}">
   <ds:schemaRefs>
-    <ds:schemaRef ds:uri="http://schemas.microsoft.com/sharepoint/v3/contenttype/forms"/>
+    <ds:schemaRef ds:uri="http://schemas.microsoft.com/office/2006/metadata/properties"/>
+    <ds:schemaRef ds:uri="http://schemas.microsoft.com/office/infopath/2007/PartnerControls"/>
   </ds:schemaRefs>
 </ds:datastoreItem>
 </file>
 
 <file path=customXml/itemProps2.xml><?xml version="1.0" encoding="utf-8"?>
-<ds:datastoreItem xmlns:ds="http://schemas.openxmlformats.org/officeDocument/2006/customXml" ds:itemID="{4916EBF2-85BF-48B7-811B-14F5FC5E3D43}">
+<ds:datastoreItem xmlns:ds="http://schemas.openxmlformats.org/officeDocument/2006/customXml" ds:itemID="{25FEBF7E-E609-4AAE-97E6-7B4585FCE32C}">
   <ds:schemaRefs>
-    <ds:schemaRef ds:uri="http://schemas.microsoft.com/office/2006/metadata/properties"/>
-    <ds:schemaRef ds:uri="http://schemas.microsoft.com/office/infopath/2007/PartnerControls"/>
+    <ds:schemaRef ds:uri="http://schemas.microsoft.com/sharepoint/v3/contenttype/forms"/>
   </ds:schemaRefs>
 </ds:datastoreItem>
 </file>

--- a/Présentation 1.pptx
+++ b/Présentation 1.pptx
@@ -5,10 +5,10 @@
     <p:sldMasterId id="2147483648" r:id="rId4"/>
   </p:sldMasterIdLst>
   <p:notesMasterIdLst>
-    <p:notesMasterId r:id="rId31"/>
+    <p:notesMasterId r:id="rId32"/>
   </p:notesMasterIdLst>
   <p:handoutMasterIdLst>
-    <p:handoutMasterId r:id="rId32"/>
+    <p:handoutMasterId r:id="rId33"/>
   </p:handoutMasterIdLst>
   <p:sldIdLst>
     <p:sldId id="256" r:id="rId5"/>
@@ -36,7 +36,8 @@
     <p:sldId id="283" r:id="rId27"/>
     <p:sldId id="285" r:id="rId28"/>
     <p:sldId id="267" r:id="rId29"/>
-    <p:sldId id="268" r:id="rId30"/>
+    <p:sldId id="286" r:id="rId30"/>
+    <p:sldId id="287" r:id="rId31"/>
   </p:sldIdLst>
   <p:sldSz cx="12192000" cy="6858000"/>
   <p:notesSz cx="6858000" cy="9144000"/>
@@ -189,7 +190,8 @@
         </p14:section>
         <p14:section name="Conclusion" id="{2F0D319F-4191-4385-98CF-CDA394B1A60A}">
           <p14:sldIdLst>
-            <p14:sldId id="268"/>
+            <p14:sldId id="286"/>
+            <p14:sldId id="287"/>
           </p14:sldIdLst>
         </p14:section>
       </p14:sectionLst>
@@ -207,7 +209,8 @@
 <file path=ppt/revisionInfo.xml><?xml version="1.0" encoding="utf-8"?>
 <p1510:revInfo xmlns:a="http://schemas.openxmlformats.org/drawingml/2006/main" xmlns:r="http://schemas.openxmlformats.org/officeDocument/2006/relationships" xmlns:p1510="http://schemas.microsoft.com/office/powerpoint/2015/10/main">
   <p1510:revLst>
-    <p1510:client id="{24C4D8FE-2D5F-474A-A547-9EDDF165BA0E}" v="1220" dt="2020-05-31T14:57:09.908"/>
+    <p1510:client id="{24C4D8FE-2D5F-474A-A547-9EDDF165BA0E}" v="1649" dt="2020-06-01T15:02:11.402"/>
+    <p1510:client id="{30AB5BCD-B0DD-6427-EEDC-C863E51DC6AA}" v="9" dt="2020-06-01T14:38:13.205"/>
   </p1510:revLst>
 </p1510:revInfo>
 </file>
@@ -217,7 +220,7 @@
   <pc:docChgLst>
     <pc:chgData name="GAUTIER Edouard" userId="ebb82edb-7407-4d15-83b7-25e3e52afcdf" providerId="ADAL" clId="{24C4D8FE-2D5F-474A-A547-9EDDF165BA0E}"/>
     <pc:docChg chg="undo redo custSel mod addSld delSld modSld sldOrd addSection delSection modSection">
-      <pc:chgData name="GAUTIER Edouard" userId="ebb82edb-7407-4d15-83b7-25e3e52afcdf" providerId="ADAL" clId="{24C4D8FE-2D5F-474A-A547-9EDDF165BA0E}" dt="2020-05-31T14:57:09.908" v="3313" actId="14826"/>
+      <pc:chgData name="GAUTIER Edouard" userId="ebb82edb-7407-4d15-83b7-25e3e52afcdf" providerId="ADAL" clId="{24C4D8FE-2D5F-474A-A547-9EDDF165BA0E}" dt="2020-06-01T15:02:11.402" v="3735" actId="20577"/>
       <pc:docMkLst>
         <pc:docMk/>
       </pc:docMkLst>
@@ -252,8 +255,8 @@
           </ac:picMkLst>
         </pc:picChg>
       </pc:sldChg>
-      <pc:sldChg chg="addSp delSp modSp mod">
-        <pc:chgData name="GAUTIER Edouard" userId="ebb82edb-7407-4d15-83b7-25e3e52afcdf" providerId="ADAL" clId="{24C4D8FE-2D5F-474A-A547-9EDDF165BA0E}" dt="2020-05-29T13:44:46.463" v="2402" actId="20577"/>
+      <pc:sldChg chg="addSp delSp modSp mod modNotesTx">
+        <pc:chgData name="GAUTIER Edouard" userId="ebb82edb-7407-4d15-83b7-25e3e52afcdf" providerId="ADAL" clId="{24C4D8FE-2D5F-474A-A547-9EDDF165BA0E}" dt="2020-06-01T14:58:23.271" v="3677" actId="20577"/>
         <pc:sldMkLst>
           <pc:docMk/>
           <pc:sldMk cId="468036146" sldId="257"/>
@@ -1640,7 +1643,7 @@
         </pc:sldMkLst>
       </pc:sldChg>
       <pc:sldChg chg="delSp modSp add del mod ord">
-        <pc:chgData name="GAUTIER Edouard" userId="ebb82edb-7407-4d15-83b7-25e3e52afcdf" providerId="ADAL" clId="{24C4D8FE-2D5F-474A-A547-9EDDF165BA0E}" dt="2020-05-31T14:51:00.626" v="3306" actId="478"/>
+        <pc:chgData name="GAUTIER Edouard" userId="ebb82edb-7407-4d15-83b7-25e3e52afcdf" providerId="ADAL" clId="{24C4D8FE-2D5F-474A-A547-9EDDF165BA0E}" dt="2020-06-01T15:01:21.416" v="3680" actId="47"/>
         <pc:sldMkLst>
           <pc:docMk/>
           <pc:sldMk cId="3958710600" sldId="268"/>
@@ -1651,6 +1654,14 @@
             <pc:docMk/>
             <pc:sldMk cId="3958710600" sldId="268"/>
             <ac:spMk id="2" creationId="{A8124734-C51B-48C4-A282-7DF8F36A005A}"/>
+          </ac:spMkLst>
+        </pc:spChg>
+        <pc:spChg chg="mod">
+          <ac:chgData name="GAUTIER Edouard" userId="ebb82edb-7407-4d15-83b7-25e3e52afcdf" providerId="ADAL" clId="{24C4D8FE-2D5F-474A-A547-9EDDF165BA0E}" dt="2020-06-01T14:36:42.740" v="3377" actId="20577"/>
+          <ac:spMkLst>
+            <pc:docMk/>
+            <pc:sldMk cId="3958710600" sldId="268"/>
+            <ac:spMk id="3" creationId="{76BED381-5DB9-4197-8BAD-4019E6D49582}"/>
           </ac:spMkLst>
         </pc:spChg>
         <pc:spChg chg="del">
@@ -2779,7 +2790,7 @@
         </pc:cxnChg>
       </pc:sldChg>
       <pc:sldChg chg="addSp delSp modSp new mod">
-        <pc:chgData name="GAUTIER Edouard" userId="ebb82edb-7407-4d15-83b7-25e3e52afcdf" providerId="ADAL" clId="{24C4D8FE-2D5F-474A-A547-9EDDF165BA0E}" dt="2020-05-31T14:50:54.385" v="3303" actId="478"/>
+        <pc:chgData name="GAUTIER Edouard" userId="ebb82edb-7407-4d15-83b7-25e3e52afcdf" providerId="ADAL" clId="{24C4D8FE-2D5F-474A-A547-9EDDF165BA0E}" dt="2020-06-01T14:35:55.092" v="3339" actId="20577"/>
         <pc:sldMkLst>
           <pc:docMk/>
           <pc:sldMk cId="2630815628" sldId="283"/>
@@ -2817,7 +2828,7 @@
           </ac:spMkLst>
         </pc:spChg>
         <pc:spChg chg="add mod">
-          <ac:chgData name="GAUTIER Edouard" userId="ebb82edb-7407-4d15-83b7-25e3e52afcdf" providerId="ADAL" clId="{24C4D8FE-2D5F-474A-A547-9EDDF165BA0E}" dt="2020-05-31T13:07:29.284" v="2805" actId="1076"/>
+          <ac:chgData name="GAUTIER Edouard" userId="ebb82edb-7407-4d15-83b7-25e3e52afcdf" providerId="ADAL" clId="{24C4D8FE-2D5F-474A-A547-9EDDF165BA0E}" dt="2020-06-01T14:35:55.092" v="3339" actId="20577"/>
           <ac:spMkLst>
             <pc:docMk/>
             <pc:sldMk cId="2630815628" sldId="283"/>
@@ -2825,7 +2836,7 @@
           </ac:spMkLst>
         </pc:spChg>
         <pc:spChg chg="add mod">
-          <ac:chgData name="GAUTIER Edouard" userId="ebb82edb-7407-4d15-83b7-25e3e52afcdf" providerId="ADAL" clId="{24C4D8FE-2D5F-474A-A547-9EDDF165BA0E}" dt="2020-05-31T13:07:20.168" v="2801" actId="14100"/>
+          <ac:chgData name="GAUTIER Edouard" userId="ebb82edb-7407-4d15-83b7-25e3e52afcdf" providerId="ADAL" clId="{24C4D8FE-2D5F-474A-A547-9EDDF165BA0E}" dt="2020-06-01T14:20:16.138" v="3333" actId="1076"/>
           <ac:spMkLst>
             <pc:docMk/>
             <pc:sldMk cId="2630815628" sldId="283"/>
@@ -2833,7 +2844,7 @@
           </ac:spMkLst>
         </pc:spChg>
         <pc:spChg chg="add mod">
-          <ac:chgData name="GAUTIER Edouard" userId="ebb82edb-7407-4d15-83b7-25e3e52afcdf" providerId="ADAL" clId="{24C4D8FE-2D5F-474A-A547-9EDDF165BA0E}" dt="2020-05-31T13:15:41.800" v="2877" actId="1076"/>
+          <ac:chgData name="GAUTIER Edouard" userId="ebb82edb-7407-4d15-83b7-25e3e52afcdf" providerId="ADAL" clId="{24C4D8FE-2D5F-474A-A547-9EDDF165BA0E}" dt="2020-06-01T14:16:22.783" v="3314" actId="20577"/>
           <ac:spMkLst>
             <pc:docMk/>
             <pc:sldMk cId="2630815628" sldId="283"/>
@@ -2921,7 +2932,7 @@
           </ac:cxnSpMkLst>
         </pc:cxnChg>
         <pc:cxnChg chg="add mod">
-          <ac:chgData name="GAUTIER Edouard" userId="ebb82edb-7407-4d15-83b7-25e3e52afcdf" providerId="ADAL" clId="{24C4D8FE-2D5F-474A-A547-9EDDF165BA0E}" dt="2020-05-31T13:07:29.284" v="2805" actId="1076"/>
+          <ac:chgData name="GAUTIER Edouard" userId="ebb82edb-7407-4d15-83b7-25e3e52afcdf" providerId="ADAL" clId="{24C4D8FE-2D5F-474A-A547-9EDDF165BA0E}" dt="2020-06-01T14:20:16.138" v="3333" actId="1076"/>
           <ac:cxnSpMkLst>
             <pc:docMk/>
             <pc:sldMk cId="2630815628" sldId="283"/>
@@ -2945,7 +2956,7 @@
           </ac:cxnSpMkLst>
         </pc:cxnChg>
         <pc:cxnChg chg="add mod">
-          <ac:chgData name="GAUTIER Edouard" userId="ebb82edb-7407-4d15-83b7-25e3e52afcdf" providerId="ADAL" clId="{24C4D8FE-2D5F-474A-A547-9EDDF165BA0E}" dt="2020-05-31T13:15:41.800" v="2877" actId="1076"/>
+          <ac:chgData name="GAUTIER Edouard" userId="ebb82edb-7407-4d15-83b7-25e3e52afcdf" providerId="ADAL" clId="{24C4D8FE-2D5F-474A-A547-9EDDF165BA0E}" dt="2020-06-01T14:20:16.138" v="3333" actId="1076"/>
           <ac:cxnSpMkLst>
             <pc:docMk/>
             <pc:sldMk cId="2630815628" sldId="283"/>
@@ -2953,7 +2964,7 @@
           </ac:cxnSpMkLst>
         </pc:cxnChg>
         <pc:cxnChg chg="add mod">
-          <ac:chgData name="GAUTIER Edouard" userId="ebb82edb-7407-4d15-83b7-25e3e52afcdf" providerId="ADAL" clId="{24C4D8FE-2D5F-474A-A547-9EDDF165BA0E}" dt="2020-05-31T13:15:51.429" v="2878" actId="1076"/>
+          <ac:chgData name="GAUTIER Edouard" userId="ebb82edb-7407-4d15-83b7-25e3e52afcdf" providerId="ADAL" clId="{24C4D8FE-2D5F-474A-A547-9EDDF165BA0E}" dt="2020-06-01T14:20:16.138" v="3333" actId="1076"/>
           <ac:cxnSpMkLst>
             <pc:docMk/>
             <pc:sldMk cId="2630815628" sldId="283"/>
@@ -3057,7 +3068,7 @@
         </pc:picChg>
       </pc:sldChg>
       <pc:sldChg chg="addSp delSp modSp new mod">
-        <pc:chgData name="GAUTIER Edouard" userId="ebb82edb-7407-4d15-83b7-25e3e52afcdf" providerId="ADAL" clId="{24C4D8FE-2D5F-474A-A547-9EDDF165BA0E}" dt="2020-05-31T14:50:56.360" v="3304" actId="478"/>
+        <pc:chgData name="GAUTIER Edouard" userId="ebb82edb-7407-4d15-83b7-25e3e52afcdf" providerId="ADAL" clId="{24C4D8FE-2D5F-474A-A547-9EDDF165BA0E}" dt="2020-06-01T14:33:24.185" v="3338" actId="20577"/>
         <pc:sldMkLst>
           <pc:docMk/>
           <pc:sldMk cId="3705281761" sldId="285"/>
@@ -3071,7 +3082,7 @@
           </ac:spMkLst>
         </pc:spChg>
         <pc:spChg chg="mod">
-          <ac:chgData name="GAUTIER Edouard" userId="ebb82edb-7407-4d15-83b7-25e3e52afcdf" providerId="ADAL" clId="{24C4D8FE-2D5F-474A-A547-9EDDF165BA0E}" dt="2020-05-31T14:22:32.096" v="3221" actId="20577"/>
+          <ac:chgData name="GAUTIER Edouard" userId="ebb82edb-7407-4d15-83b7-25e3e52afcdf" providerId="ADAL" clId="{24C4D8FE-2D5F-474A-A547-9EDDF165BA0E}" dt="2020-06-01T14:33:24.185" v="3338" actId="20577"/>
           <ac:spMkLst>
             <pc:docMk/>
             <pc:sldMk cId="3705281761" sldId="285"/>
@@ -3190,6 +3201,244 @@
             <ac:cxnSpMk id="21" creationId="{449E542C-C933-490E-BC7D-0F42A0460064}"/>
           </ac:cxnSpMkLst>
         </pc:cxnChg>
+      </pc:sldChg>
+      <pc:sldChg chg="addSp modSp add mod setBg modNotesTx">
+        <pc:chgData name="GAUTIER Edouard" userId="ebb82edb-7407-4d15-83b7-25e3e52afcdf" providerId="ADAL" clId="{24C4D8FE-2D5F-474A-A547-9EDDF165BA0E}" dt="2020-06-01T15:02:11.402" v="3735" actId="20577"/>
+        <pc:sldMkLst>
+          <pc:docMk/>
+          <pc:sldMk cId="1430738695" sldId="286"/>
+        </pc:sldMkLst>
+        <pc:spChg chg="mod">
+          <ac:chgData name="GAUTIER Edouard" userId="ebb82edb-7407-4d15-83b7-25e3e52afcdf" providerId="ADAL" clId="{24C4D8FE-2D5F-474A-A547-9EDDF165BA0E}" dt="2020-06-01T14:37:30.012" v="3390" actId="20577"/>
+          <ac:spMkLst>
+            <pc:docMk/>
+            <pc:sldMk cId="1430738695" sldId="286"/>
+            <ac:spMk id="2" creationId="{1D56DFF1-0CE4-4C26-8547-ECF39C91D9E9}"/>
+          </ac:spMkLst>
+        </pc:spChg>
+        <pc:graphicFrameChg chg="mod">
+          <ac:chgData name="GAUTIER Edouard" userId="ebb82edb-7407-4d15-83b7-25e3e52afcdf" providerId="ADAL" clId="{24C4D8FE-2D5F-474A-A547-9EDDF165BA0E}" dt="2020-06-01T14:40:56.033" v="3409"/>
+          <ac:graphicFrameMkLst>
+            <pc:docMk/>
+            <pc:sldMk cId="1430738695" sldId="286"/>
+            <ac:graphicFrameMk id="36" creationId="{1856A382-16CD-4798-8940-A04F16428429}"/>
+          </ac:graphicFrameMkLst>
+        </pc:graphicFrameChg>
+        <pc:picChg chg="add mod">
+          <ac:chgData name="GAUTIER Edouard" userId="ebb82edb-7407-4d15-83b7-25e3e52afcdf" providerId="ADAL" clId="{24C4D8FE-2D5F-474A-A547-9EDDF165BA0E}" dt="2020-06-01T14:43:47.094" v="3461" actId="1076"/>
+          <ac:picMkLst>
+            <pc:docMk/>
+            <pc:sldMk cId="1430738695" sldId="286"/>
+            <ac:picMk id="4" creationId="{AE0A2E16-C229-44FB-9666-2D722BAA9122}"/>
+          </ac:picMkLst>
+        </pc:picChg>
+        <pc:picChg chg="add mod ord">
+          <ac:chgData name="GAUTIER Edouard" userId="ebb82edb-7407-4d15-83b7-25e3e52afcdf" providerId="ADAL" clId="{24C4D8FE-2D5F-474A-A547-9EDDF165BA0E}" dt="2020-06-01T14:44:15.398" v="3466" actId="171"/>
+          <ac:picMkLst>
+            <pc:docMk/>
+            <pc:sldMk cId="1430738695" sldId="286"/>
+            <ac:picMk id="7" creationId="{B56B8866-FCD7-44DD-816B-475325BBBCC8}"/>
+          </ac:picMkLst>
+        </pc:picChg>
+        <pc:picChg chg="add mod">
+          <ac:chgData name="GAUTIER Edouard" userId="ebb82edb-7407-4d15-83b7-25e3e52afcdf" providerId="ADAL" clId="{24C4D8FE-2D5F-474A-A547-9EDDF165BA0E}" dt="2020-06-01T14:44:02.565" v="3463" actId="1076"/>
+          <ac:picMkLst>
+            <pc:docMk/>
+            <pc:sldMk cId="1430738695" sldId="286"/>
+            <ac:picMk id="8" creationId="{FB79BBA9-5432-4E2B-973A-77F915B54BC3}"/>
+          </ac:picMkLst>
+        </pc:picChg>
+      </pc:sldChg>
+      <pc:sldChg chg="addSp delSp modSp new mod setBg">
+        <pc:chgData name="GAUTIER Edouard" userId="ebb82edb-7407-4d15-83b7-25e3e52afcdf" providerId="ADAL" clId="{24C4D8FE-2D5F-474A-A547-9EDDF165BA0E}" dt="2020-06-01T15:01:14.905" v="3679" actId="20577"/>
+        <pc:sldMkLst>
+          <pc:docMk/>
+          <pc:sldMk cId="3937465755" sldId="287"/>
+        </pc:sldMkLst>
+        <pc:spChg chg="del">
+          <ac:chgData name="GAUTIER Edouard" userId="ebb82edb-7407-4d15-83b7-25e3e52afcdf" providerId="ADAL" clId="{24C4D8FE-2D5F-474A-A547-9EDDF165BA0E}" dt="2020-06-01T14:44:42.697" v="3468"/>
+          <ac:spMkLst>
+            <pc:docMk/>
+            <pc:sldMk cId="3937465755" sldId="287"/>
+            <ac:spMk id="2" creationId="{8FA75555-9B05-4D45-841B-7337F030050F}"/>
+          </ac:spMkLst>
+        </pc:spChg>
+        <pc:spChg chg="del">
+          <ac:chgData name="GAUTIER Edouard" userId="ebb82edb-7407-4d15-83b7-25e3e52afcdf" providerId="ADAL" clId="{24C4D8FE-2D5F-474A-A547-9EDDF165BA0E}" dt="2020-06-01T14:44:42.697" v="3468"/>
+          <ac:spMkLst>
+            <pc:docMk/>
+            <pc:sldMk cId="3937465755" sldId="287"/>
+            <ac:spMk id="3" creationId="{F34ED32B-F26C-4235-80DF-CD93804B758A}"/>
+          </ac:spMkLst>
+        </pc:spChg>
+        <pc:spChg chg="mod ord">
+          <ac:chgData name="GAUTIER Edouard" userId="ebb82edb-7407-4d15-83b7-25e3e52afcdf" providerId="ADAL" clId="{24C4D8FE-2D5F-474A-A547-9EDDF165BA0E}" dt="2020-06-01T14:45:13.276" v="3507" actId="26606"/>
+          <ac:spMkLst>
+            <pc:docMk/>
+            <pc:sldMk cId="3937465755" sldId="287"/>
+            <ac:spMk id="4" creationId="{10A08930-1EB9-4D60-90A9-BFDCE6143D0A}"/>
+          </ac:spMkLst>
+        </pc:spChg>
+        <pc:spChg chg="mod">
+          <ac:chgData name="GAUTIER Edouard" userId="ebb82edb-7407-4d15-83b7-25e3e52afcdf" providerId="ADAL" clId="{24C4D8FE-2D5F-474A-A547-9EDDF165BA0E}" dt="2020-06-01T14:45:13.276" v="3507" actId="26606"/>
+          <ac:spMkLst>
+            <pc:docMk/>
+            <pc:sldMk cId="3937465755" sldId="287"/>
+            <ac:spMk id="5" creationId="{4BAA832E-0881-4416-AAAE-5FE33B266B73}"/>
+          </ac:spMkLst>
+        </pc:spChg>
+        <pc:spChg chg="add del mod">
+          <ac:chgData name="GAUTIER Edouard" userId="ebb82edb-7407-4d15-83b7-25e3e52afcdf" providerId="ADAL" clId="{24C4D8FE-2D5F-474A-A547-9EDDF165BA0E}" dt="2020-06-01T14:44:49.425" v="3469"/>
+          <ac:spMkLst>
+            <pc:docMk/>
+            <pc:sldMk cId="3937465755" sldId="287"/>
+            <ac:spMk id="6" creationId="{E7999E9D-49E3-44B0-96AD-0C3FA792BCDA}"/>
+          </ac:spMkLst>
+        </pc:spChg>
+        <pc:spChg chg="add del mod">
+          <ac:chgData name="GAUTIER Edouard" userId="ebb82edb-7407-4d15-83b7-25e3e52afcdf" providerId="ADAL" clId="{24C4D8FE-2D5F-474A-A547-9EDDF165BA0E}" dt="2020-06-01T14:44:49.425" v="3469"/>
+          <ac:spMkLst>
+            <pc:docMk/>
+            <pc:sldMk cId="3937465755" sldId="287"/>
+            <ac:spMk id="7" creationId="{2C2C3FF6-CF70-4B42-928D-1A09D8E3E7E2}"/>
+          </ac:spMkLst>
+        </pc:spChg>
+        <pc:spChg chg="add mod">
+          <ac:chgData name="GAUTIER Edouard" userId="ebb82edb-7407-4d15-83b7-25e3e52afcdf" providerId="ADAL" clId="{24C4D8FE-2D5F-474A-A547-9EDDF165BA0E}" dt="2020-06-01T15:01:14.905" v="3679" actId="20577"/>
+          <ac:spMkLst>
+            <pc:docMk/>
+            <pc:sldMk cId="3937465755" sldId="287"/>
+            <ac:spMk id="8" creationId="{5AB9EB2E-672A-4154-8F85-B2B9FB3CDFFE}"/>
+          </ac:spMkLst>
+        </pc:spChg>
+        <pc:spChg chg="add del mod">
+          <ac:chgData name="GAUTIER Edouard" userId="ebb82edb-7407-4d15-83b7-25e3e52afcdf" providerId="ADAL" clId="{24C4D8FE-2D5F-474A-A547-9EDDF165BA0E}" dt="2020-06-01T14:45:01.895" v="3504" actId="478"/>
+          <ac:spMkLst>
+            <pc:docMk/>
+            <pc:sldMk cId="3937465755" sldId="287"/>
+            <ac:spMk id="9" creationId="{0AA60316-2CD3-49FA-A117-F564A92DC846}"/>
+          </ac:spMkLst>
+        </pc:spChg>
+        <pc:spChg chg="add">
+          <ac:chgData name="GAUTIER Edouard" userId="ebb82edb-7407-4d15-83b7-25e3e52afcdf" providerId="ADAL" clId="{24C4D8FE-2D5F-474A-A547-9EDDF165BA0E}" dt="2020-06-01T14:45:13.276" v="3507" actId="26606"/>
+          <ac:spMkLst>
+            <pc:docMk/>
+            <pc:sldMk cId="3937465755" sldId="287"/>
+            <ac:spMk id="13" creationId="{F7660A3D-94D7-4E5D-AE77-F2DEE49DF4EE}"/>
+          </ac:spMkLst>
+        </pc:spChg>
+        <pc:spChg chg="add del">
+          <ac:chgData name="GAUTIER Edouard" userId="ebb82edb-7407-4d15-83b7-25e3e52afcdf" providerId="ADAL" clId="{24C4D8FE-2D5F-474A-A547-9EDDF165BA0E}" dt="2020-06-01T14:45:13.258" v="3506" actId="26606"/>
+          <ac:spMkLst>
+            <pc:docMk/>
+            <pc:sldMk cId="3937465755" sldId="287"/>
+            <ac:spMk id="14" creationId="{A078A52F-85EA-4C0B-962B-D9D9DD4DD78C}"/>
+          </ac:spMkLst>
+        </pc:spChg>
+        <pc:spChg chg="add">
+          <ac:chgData name="GAUTIER Edouard" userId="ebb82edb-7407-4d15-83b7-25e3e52afcdf" providerId="ADAL" clId="{24C4D8FE-2D5F-474A-A547-9EDDF165BA0E}" dt="2020-06-01T14:45:13.276" v="3507" actId="26606"/>
+          <ac:spMkLst>
+            <pc:docMk/>
+            <pc:sldMk cId="3937465755" sldId="287"/>
+            <ac:spMk id="15" creationId="{A44EB985-DC5C-4DAC-9D62-8DC7D0F25A8F}"/>
+          </ac:spMkLst>
+        </pc:spChg>
+        <pc:spChg chg="add del">
+          <ac:chgData name="GAUTIER Edouard" userId="ebb82edb-7407-4d15-83b7-25e3e52afcdf" providerId="ADAL" clId="{24C4D8FE-2D5F-474A-A547-9EDDF165BA0E}" dt="2020-06-01T14:45:13.258" v="3506" actId="26606"/>
+          <ac:spMkLst>
+            <pc:docMk/>
+            <pc:sldMk cId="3937465755" sldId="287"/>
+            <ac:spMk id="16" creationId="{919797D5-5700-4683-B30A-5B4D56CB8270}"/>
+          </ac:spMkLst>
+        </pc:spChg>
+        <pc:spChg chg="add">
+          <ac:chgData name="GAUTIER Edouard" userId="ebb82edb-7407-4d15-83b7-25e3e52afcdf" providerId="ADAL" clId="{24C4D8FE-2D5F-474A-A547-9EDDF165BA0E}" dt="2020-06-01T14:45:13.276" v="3507" actId="26606"/>
+          <ac:spMkLst>
+            <pc:docMk/>
+            <pc:sldMk cId="3937465755" sldId="287"/>
+            <ac:spMk id="17" creationId="{3FCB64ED-B050-4F57-8188-F233260082B0}"/>
+          </ac:spMkLst>
+        </pc:spChg>
+        <pc:spChg chg="add del">
+          <ac:chgData name="GAUTIER Edouard" userId="ebb82edb-7407-4d15-83b7-25e3e52afcdf" providerId="ADAL" clId="{24C4D8FE-2D5F-474A-A547-9EDDF165BA0E}" dt="2020-06-01T14:45:13.258" v="3506" actId="26606"/>
+          <ac:spMkLst>
+            <pc:docMk/>
+            <pc:sldMk cId="3937465755" sldId="287"/>
+            <ac:spMk id="18" creationId="{4856A7B9-9801-42EC-A4C9-7E22A56EF53D}"/>
+          </ac:spMkLst>
+        </pc:spChg>
+        <pc:spChg chg="add">
+          <ac:chgData name="GAUTIER Edouard" userId="ebb82edb-7407-4d15-83b7-25e3e52afcdf" providerId="ADAL" clId="{24C4D8FE-2D5F-474A-A547-9EDDF165BA0E}" dt="2020-06-01T14:45:13.276" v="3507" actId="26606"/>
+          <ac:spMkLst>
+            <pc:docMk/>
+            <pc:sldMk cId="3937465755" sldId="287"/>
+            <ac:spMk id="19" creationId="{2BF5D0F4-EA4E-47A5-87BE-9ABB1AF66DCF}"/>
+          </ac:spMkLst>
+        </pc:spChg>
+        <pc:spChg chg="add del">
+          <ac:chgData name="GAUTIER Edouard" userId="ebb82edb-7407-4d15-83b7-25e3e52afcdf" providerId="ADAL" clId="{24C4D8FE-2D5F-474A-A547-9EDDF165BA0E}" dt="2020-06-01T14:45:13.258" v="3506" actId="26606"/>
+          <ac:spMkLst>
+            <pc:docMk/>
+            <pc:sldMk cId="3937465755" sldId="287"/>
+            <ac:spMk id="20" creationId="{8AD54DB8-C150-4290-85D6-F5B0262BFEEF}"/>
+          </ac:spMkLst>
+        </pc:spChg>
+        <pc:spChg chg="add">
+          <ac:chgData name="GAUTIER Edouard" userId="ebb82edb-7407-4d15-83b7-25e3e52afcdf" providerId="ADAL" clId="{24C4D8FE-2D5F-474A-A547-9EDDF165BA0E}" dt="2020-06-01T14:45:13.276" v="3507" actId="26606"/>
+          <ac:spMkLst>
+            <pc:docMk/>
+            <pc:sldMk cId="3937465755" sldId="287"/>
+            <ac:spMk id="21" creationId="{34BFB7C5-23B6-4047-BF5E-F9EEBB437CD0}"/>
+          </ac:spMkLst>
+        </pc:spChg>
+        <pc:spChg chg="add del">
+          <ac:chgData name="GAUTIER Edouard" userId="ebb82edb-7407-4d15-83b7-25e3e52afcdf" providerId="ADAL" clId="{24C4D8FE-2D5F-474A-A547-9EDDF165BA0E}" dt="2020-06-01T14:45:13.258" v="3506" actId="26606"/>
+          <ac:spMkLst>
+            <pc:docMk/>
+            <pc:sldMk cId="3937465755" sldId="287"/>
+            <ac:spMk id="22" creationId="{28D511D2-9CF1-40DE-BB88-A5A48A0E8AC6}"/>
+          </ac:spMkLst>
+        </pc:spChg>
+        <pc:spChg chg="add">
+          <ac:chgData name="GAUTIER Edouard" userId="ebb82edb-7407-4d15-83b7-25e3e52afcdf" providerId="ADAL" clId="{24C4D8FE-2D5F-474A-A547-9EDDF165BA0E}" dt="2020-06-01T14:45:13.276" v="3507" actId="26606"/>
+          <ac:spMkLst>
+            <pc:docMk/>
+            <pc:sldMk cId="3937465755" sldId="287"/>
+            <ac:spMk id="23" creationId="{FBC3CD9F-A361-4496-A6E0-24338B2A6901}"/>
+          </ac:spMkLst>
+        </pc:spChg>
+        <pc:spChg chg="add">
+          <ac:chgData name="GAUTIER Edouard" userId="ebb82edb-7407-4d15-83b7-25e3e52afcdf" providerId="ADAL" clId="{24C4D8FE-2D5F-474A-A547-9EDDF165BA0E}" dt="2020-06-01T14:45:13.276" v="3507" actId="26606"/>
+          <ac:spMkLst>
+            <pc:docMk/>
+            <pc:sldMk cId="3937465755" sldId="287"/>
+            <ac:spMk id="25" creationId="{D37DA931-62D6-4B32-9103-84C0960AEA6D}"/>
+          </ac:spMkLst>
+        </pc:spChg>
+        <pc:spChg chg="add">
+          <ac:chgData name="GAUTIER Edouard" userId="ebb82edb-7407-4d15-83b7-25e3e52afcdf" providerId="ADAL" clId="{24C4D8FE-2D5F-474A-A547-9EDDF165BA0E}" dt="2020-06-01T14:45:13.276" v="3507" actId="26606"/>
+          <ac:spMkLst>
+            <pc:docMk/>
+            <pc:sldMk cId="3937465755" sldId="287"/>
+            <ac:spMk id="27" creationId="{4695E140-9B6E-43E9-B17E-CDFE3FCA8AFB}"/>
+          </ac:spMkLst>
+        </pc:spChg>
+        <pc:grpChg chg="add del">
+          <ac:chgData name="GAUTIER Edouard" userId="ebb82edb-7407-4d15-83b7-25e3e52afcdf" providerId="ADAL" clId="{24C4D8FE-2D5F-474A-A547-9EDDF165BA0E}" dt="2020-06-01T14:45:13.258" v="3506" actId="26606"/>
+          <ac:grpSpMkLst>
+            <pc:docMk/>
+            <pc:sldMk cId="3937465755" sldId="287"/>
+            <ac:grpSpMk id="24" creationId="{40ADCA80-A0B1-4379-94EC-0A1A73BE1E7C}"/>
+          </ac:grpSpMkLst>
+        </pc:grpChg>
+        <pc:picChg chg="add del">
+          <ac:chgData name="GAUTIER Edouard" userId="ebb82edb-7407-4d15-83b7-25e3e52afcdf" providerId="ADAL" clId="{24C4D8FE-2D5F-474A-A547-9EDDF165BA0E}" dt="2020-06-01T14:45:13.258" v="3506" actId="26606"/>
+          <ac:picMkLst>
+            <pc:docMk/>
+            <pc:sldMk cId="3937465755" sldId="287"/>
+            <ac:picMk id="10" creationId="{A5D4EFA6-5185-4B9B-A1F8-EAF98D962C4F}"/>
+          </ac:picMkLst>
+        </pc:picChg>
       </pc:sldChg>
     </pc:docChg>
   </pc:docChgLst>
@@ -3269,6 +3518,45 @@
             <ac:picMk id="4" creationId="{598ED493-50D4-44E6-BC50-396D16BD61BC}"/>
           </ac:picMkLst>
         </pc:picChg>
+      </pc:sldChg>
+    </pc:docChg>
+  </pc:docChgLst>
+  <pc:docChgLst>
+    <pc:chgData name="ORVAIN Antoine" userId="S::antoine.orvain@reseau.eseo.fr::8ba3a5fe-783e-4476-b910-2e846db5ef4e" providerId="AD" clId="Web-{30AB5BCD-B0DD-6427-EEDC-C863E51DC6AA}"/>
+    <pc:docChg chg="modSld">
+      <pc:chgData name="ORVAIN Antoine" userId="S::antoine.orvain@reseau.eseo.fr::8ba3a5fe-783e-4476-b910-2e846db5ef4e" providerId="AD" clId="Web-{30AB5BCD-B0DD-6427-EEDC-C863E51DC6AA}" dt="2020-06-01T15:03:03.802" v="60"/>
+      <pc:docMkLst>
+        <pc:docMk/>
+      </pc:docMkLst>
+      <pc:sldChg chg="modSp modNotes">
+        <pc:chgData name="ORVAIN Antoine" userId="S::antoine.orvain@reseau.eseo.fr::8ba3a5fe-783e-4476-b910-2e846db5ef4e" providerId="AD" clId="Web-{30AB5BCD-B0DD-6427-EEDC-C863E51DC6AA}" dt="2020-06-01T15:03:03.802" v="60"/>
+        <pc:sldMkLst>
+          <pc:docMk/>
+          <pc:sldMk cId="2457266096" sldId="258"/>
+        </pc:sldMkLst>
+        <pc:graphicFrameChg chg="modGraphic">
+          <ac:chgData name="ORVAIN Antoine" userId="S::antoine.orvain@reseau.eseo.fr::8ba3a5fe-783e-4476-b910-2e846db5ef4e" providerId="AD" clId="Web-{30AB5BCD-B0DD-6427-EEDC-C863E51DC6AA}" dt="2020-06-01T14:38:13.205" v="8" actId="20577"/>
+          <ac:graphicFrameMkLst>
+            <pc:docMk/>
+            <pc:sldMk cId="2457266096" sldId="258"/>
+            <ac:graphicFrameMk id="36" creationId="{1856A382-16CD-4798-8940-A04F16428429}"/>
+          </ac:graphicFrameMkLst>
+        </pc:graphicFrameChg>
+      </pc:sldChg>
+      <pc:sldChg chg="modSp">
+        <pc:chgData name="ORVAIN Antoine" userId="S::antoine.orvain@reseau.eseo.fr::8ba3a5fe-783e-4476-b910-2e846db5ef4e" providerId="AD" clId="Web-{30AB5BCD-B0DD-6427-EEDC-C863E51DC6AA}" dt="2020-06-01T14:31:26.970" v="6" actId="20577"/>
+        <pc:sldMkLst>
+          <pc:docMk/>
+          <pc:sldMk cId="3705281761" sldId="285"/>
+        </pc:sldMkLst>
+        <pc:spChg chg="mod">
+          <ac:chgData name="ORVAIN Antoine" userId="S::antoine.orvain@reseau.eseo.fr::8ba3a5fe-783e-4476-b910-2e846db5ef4e" providerId="AD" clId="Web-{30AB5BCD-B0DD-6427-EEDC-C863E51DC6AA}" dt="2020-06-01T14:31:26.970" v="6" actId="20577"/>
+          <ac:spMkLst>
+            <pc:docMk/>
+            <pc:sldMk cId="3705281761" sldId="285"/>
+            <ac:spMk id="3" creationId="{2267FDDC-9E98-4F38-B743-27BE900B0471}"/>
+          </ac:spMkLst>
+        </pc:spChg>
       </pc:sldChg>
     </pc:docChg>
   </pc:docChgLst>
@@ -6792,6 +7080,790 @@
 </dgm:colorsDef>
 </file>
 
+<file path=ppt/diagrams/colors2.xml><?xml version="1.0" encoding="utf-8"?>
+<dgm:colorsDef xmlns:dgm="http://schemas.openxmlformats.org/drawingml/2006/diagram" xmlns:a="http://schemas.openxmlformats.org/drawingml/2006/main" uniqueId="urn:microsoft.com/office/officeart/2018/5/colors/Iconchunking_neutralbg_colorful5">
+  <dgm:title val=""/>
+  <dgm:desc val=""/>
+  <dgm:catLst>
+    <dgm:cat type="colorful" pri="10500"/>
+  </dgm:catLst>
+  <dgm:styleLbl name="node0">
+    <dgm:fillClrLst meth="repeat">
+      <a:schemeClr val="accent4"/>
+    </dgm:fillClrLst>
+    <dgm:linClrLst meth="repeat">
+      <a:schemeClr val="lt1"/>
+    </dgm:linClrLst>
+    <dgm:effectClrLst/>
+    <dgm:txLinClrLst/>
+    <dgm:txFillClrLst/>
+    <dgm:txEffectClrLst/>
+  </dgm:styleLbl>
+  <dgm:styleLbl name="node1">
+    <dgm:fillClrLst>
+      <a:schemeClr val="accent5"/>
+      <a:schemeClr val="accent6"/>
+    </dgm:fillClrLst>
+    <dgm:linClrLst meth="repeat">
+      <a:schemeClr val="lt1">
+        <a:alpha val="0"/>
+      </a:schemeClr>
+    </dgm:linClrLst>
+    <dgm:effectClrLst/>
+    <dgm:txLinClrLst/>
+    <dgm:txFillClrLst/>
+    <dgm:txEffectClrLst/>
+  </dgm:styleLbl>
+  <dgm:styleLbl name="alignNode1">
+    <dgm:fillClrLst>
+      <a:schemeClr val="accent5"/>
+      <a:schemeClr val="accent6"/>
+    </dgm:fillClrLst>
+    <dgm:linClrLst>
+      <a:schemeClr val="accent5"/>
+      <a:schemeClr val="accent6"/>
+    </dgm:linClrLst>
+    <dgm:effectClrLst/>
+    <dgm:txLinClrLst/>
+    <dgm:txFillClrLst/>
+    <dgm:txEffectClrLst/>
+  </dgm:styleLbl>
+  <dgm:styleLbl name="lnNode1">
+    <dgm:fillClrLst>
+      <a:schemeClr val="accent5"/>
+      <a:schemeClr val="accent6"/>
+    </dgm:fillClrLst>
+    <dgm:linClrLst meth="repeat">
+      <a:schemeClr val="lt1"/>
+    </dgm:linClrLst>
+    <dgm:effectClrLst/>
+    <dgm:txLinClrLst/>
+    <dgm:txFillClrLst/>
+    <dgm:txEffectClrLst/>
+  </dgm:styleLbl>
+  <dgm:styleLbl name="vennNode1">
+    <dgm:fillClrLst>
+      <a:schemeClr val="accent5">
+        <a:alpha val="50000"/>
+      </a:schemeClr>
+      <a:schemeClr val="accent6">
+        <a:alpha val="50000"/>
+      </a:schemeClr>
+    </dgm:fillClrLst>
+    <dgm:linClrLst meth="repeat">
+      <a:schemeClr val="lt1"/>
+    </dgm:linClrLst>
+    <dgm:effectClrLst/>
+    <dgm:txLinClrLst/>
+    <dgm:txFillClrLst/>
+    <dgm:txEffectClrLst/>
+  </dgm:styleLbl>
+  <dgm:styleLbl name="node2">
+    <dgm:fillClrLst>
+      <a:schemeClr val="accent6"/>
+    </dgm:fillClrLst>
+    <dgm:linClrLst meth="repeat">
+      <a:schemeClr val="lt1"/>
+    </dgm:linClrLst>
+    <dgm:effectClrLst/>
+    <dgm:txLinClrLst/>
+    <dgm:txFillClrLst/>
+    <dgm:txEffectClrLst/>
+  </dgm:styleLbl>
+  <dgm:styleLbl name="node3">
+    <dgm:fillClrLst>
+      <a:schemeClr val="accent1"/>
+    </dgm:fillClrLst>
+    <dgm:linClrLst meth="repeat">
+      <a:schemeClr val="lt1"/>
+    </dgm:linClrLst>
+    <dgm:effectClrLst/>
+    <dgm:txLinClrLst/>
+    <dgm:txFillClrLst/>
+    <dgm:txEffectClrLst/>
+  </dgm:styleLbl>
+  <dgm:styleLbl name="node4">
+    <dgm:fillClrLst>
+      <a:schemeClr val="accent2"/>
+    </dgm:fillClrLst>
+    <dgm:linClrLst meth="repeat">
+      <a:schemeClr val="lt1"/>
+    </dgm:linClrLst>
+    <dgm:effectClrLst/>
+    <dgm:txLinClrLst/>
+    <dgm:txFillClrLst/>
+    <dgm:txEffectClrLst/>
+  </dgm:styleLbl>
+  <dgm:styleLbl name="fgImgPlace1">
+    <dgm:fillClrLst>
+      <a:schemeClr val="accent5">
+        <a:tint val="50000"/>
+      </a:schemeClr>
+      <a:schemeClr val="accent6">
+        <a:tint val="50000"/>
+      </a:schemeClr>
+    </dgm:fillClrLst>
+    <dgm:linClrLst meth="repeat">
+      <a:schemeClr val="lt1"/>
+    </dgm:linClrLst>
+    <dgm:effectClrLst/>
+    <dgm:txLinClrLst/>
+    <dgm:txFillClrLst meth="repeat">
+      <a:schemeClr val="lt1"/>
+    </dgm:txFillClrLst>
+    <dgm:txEffectClrLst/>
+  </dgm:styleLbl>
+  <dgm:styleLbl name="alignImgPlace1">
+    <dgm:fillClrLst>
+      <a:schemeClr val="accent5">
+        <a:tint val="50000"/>
+      </a:schemeClr>
+      <a:schemeClr val="accent6">
+        <a:tint val="20000"/>
+      </a:schemeClr>
+    </dgm:fillClrLst>
+    <dgm:linClrLst meth="repeat">
+      <a:schemeClr val="lt1"/>
+    </dgm:linClrLst>
+    <dgm:effectClrLst/>
+    <dgm:txLinClrLst/>
+    <dgm:txFillClrLst meth="repeat">
+      <a:schemeClr val="lt1"/>
+    </dgm:txFillClrLst>
+    <dgm:txEffectClrLst/>
+  </dgm:styleLbl>
+  <dgm:styleLbl name="bgImgPlace1">
+    <dgm:fillClrLst>
+      <a:schemeClr val="accent5">
+        <a:tint val="50000"/>
+      </a:schemeClr>
+      <a:schemeClr val="accent6">
+        <a:tint val="20000"/>
+      </a:schemeClr>
+    </dgm:fillClrLst>
+    <dgm:linClrLst meth="repeat">
+      <a:schemeClr val="lt1"/>
+    </dgm:linClrLst>
+    <dgm:effectClrLst/>
+    <dgm:txLinClrLst/>
+    <dgm:txFillClrLst meth="repeat">
+      <a:schemeClr val="lt1"/>
+    </dgm:txFillClrLst>
+    <dgm:txEffectClrLst/>
+  </dgm:styleLbl>
+  <dgm:styleLbl name="sibTrans2D1">
+    <dgm:fillClrLst>
+      <a:schemeClr val="accent5"/>
+      <a:schemeClr val="accent6"/>
+    </dgm:fillClrLst>
+    <dgm:linClrLst meth="repeat">
+      <a:schemeClr val="lt1"/>
+    </dgm:linClrLst>
+    <dgm:effectClrLst/>
+    <dgm:txLinClrLst/>
+    <dgm:txFillClrLst/>
+    <dgm:txEffectClrLst/>
+  </dgm:styleLbl>
+  <dgm:styleLbl name="fgSibTrans2D1">
+    <dgm:fillClrLst>
+      <a:schemeClr val="accent5"/>
+      <a:schemeClr val="accent6"/>
+    </dgm:fillClrLst>
+    <dgm:linClrLst meth="repeat">
+      <a:schemeClr val="lt1"/>
+    </dgm:linClrLst>
+    <dgm:effectClrLst/>
+    <dgm:txLinClrLst/>
+    <dgm:txFillClrLst meth="repeat">
+      <a:schemeClr val="lt1"/>
+    </dgm:txFillClrLst>
+    <dgm:txEffectClrLst/>
+  </dgm:styleLbl>
+  <dgm:styleLbl name="bgSibTrans2D1">
+    <dgm:fillClrLst>
+      <a:schemeClr val="accent5"/>
+      <a:schemeClr val="accent6"/>
+    </dgm:fillClrLst>
+    <dgm:linClrLst meth="repeat">
+      <a:schemeClr val="lt1"/>
+    </dgm:linClrLst>
+    <dgm:effectClrLst/>
+    <dgm:txLinClrLst/>
+    <dgm:txFillClrLst meth="repeat">
+      <a:schemeClr val="lt1"/>
+    </dgm:txFillClrLst>
+    <dgm:txEffectClrLst/>
+  </dgm:styleLbl>
+  <dgm:styleLbl name="sibTrans1D1">
+    <dgm:fillClrLst/>
+    <dgm:linClrLst>
+      <a:schemeClr val="accent5"/>
+      <a:schemeClr val="accent6"/>
+    </dgm:linClrLst>
+    <dgm:effectClrLst/>
+    <dgm:txLinClrLst/>
+    <dgm:txFillClrLst meth="repeat">
+      <a:schemeClr val="tx1"/>
+    </dgm:txFillClrLst>
+    <dgm:txEffectClrLst/>
+  </dgm:styleLbl>
+  <dgm:styleLbl name="callout">
+    <dgm:fillClrLst meth="repeat">
+      <a:schemeClr val="accent5"/>
+    </dgm:fillClrLst>
+    <dgm:linClrLst meth="repeat">
+      <a:schemeClr val="accent5">
+        <a:tint val="50000"/>
+      </a:schemeClr>
+    </dgm:linClrLst>
+    <dgm:effectClrLst/>
+    <dgm:txLinClrLst/>
+    <dgm:txFillClrLst meth="repeat">
+      <a:schemeClr val="tx1"/>
+    </dgm:txFillClrLst>
+    <dgm:txEffectClrLst/>
+  </dgm:styleLbl>
+  <dgm:styleLbl name="asst0">
+    <dgm:fillClrLst meth="repeat">
+      <a:schemeClr val="accent5"/>
+    </dgm:fillClrLst>
+    <dgm:linClrLst meth="repeat">
+      <a:schemeClr val="lt1">
+        <a:shade val="80000"/>
+      </a:schemeClr>
+    </dgm:linClrLst>
+    <dgm:effectClrLst/>
+    <dgm:txLinClrLst/>
+    <dgm:txFillClrLst/>
+    <dgm:txEffectClrLst/>
+  </dgm:styleLbl>
+  <dgm:styleLbl name="asst1">
+    <dgm:fillClrLst meth="repeat">
+      <a:schemeClr val="accent6"/>
+    </dgm:fillClrLst>
+    <dgm:linClrLst meth="repeat">
+      <a:schemeClr val="lt1">
+        <a:shade val="80000"/>
+      </a:schemeClr>
+    </dgm:linClrLst>
+    <dgm:effectClrLst/>
+    <dgm:txLinClrLst/>
+    <dgm:txFillClrLst/>
+    <dgm:txEffectClrLst/>
+  </dgm:styleLbl>
+  <dgm:styleLbl name="asst2">
+    <dgm:fillClrLst>
+      <a:schemeClr val="accent1"/>
+    </dgm:fillClrLst>
+    <dgm:linClrLst meth="repeat">
+      <a:schemeClr val="lt1"/>
+    </dgm:linClrLst>
+    <dgm:effectClrLst/>
+    <dgm:txLinClrLst/>
+    <dgm:txFillClrLst/>
+    <dgm:txEffectClrLst/>
+  </dgm:styleLbl>
+  <dgm:styleLbl name="asst3">
+    <dgm:fillClrLst>
+      <a:schemeClr val="accent2"/>
+    </dgm:fillClrLst>
+    <dgm:linClrLst meth="repeat">
+      <a:schemeClr val="lt1"/>
+    </dgm:linClrLst>
+    <dgm:effectClrLst/>
+    <dgm:txLinClrLst/>
+    <dgm:txFillClrLst/>
+    <dgm:txEffectClrLst/>
+  </dgm:styleLbl>
+  <dgm:styleLbl name="asst4">
+    <dgm:fillClrLst>
+      <a:schemeClr val="accent3"/>
+    </dgm:fillClrLst>
+    <dgm:linClrLst meth="repeat">
+      <a:schemeClr val="lt1"/>
+    </dgm:linClrLst>
+    <dgm:effectClrLst/>
+    <dgm:txLinClrLst/>
+    <dgm:txFillClrLst/>
+    <dgm:txEffectClrLst/>
+  </dgm:styleLbl>
+  <dgm:styleLbl name="parChTrans2D1">
+    <dgm:fillClrLst meth="repeat">
+      <a:schemeClr val="accent5"/>
+    </dgm:fillClrLst>
+    <dgm:linClrLst meth="repeat">
+      <a:schemeClr val="lt1"/>
+    </dgm:linClrLst>
+    <dgm:effectClrLst/>
+    <dgm:txLinClrLst/>
+    <dgm:txFillClrLst meth="repeat">
+      <a:schemeClr val="lt1"/>
+    </dgm:txFillClrLst>
+    <dgm:txEffectClrLst/>
+  </dgm:styleLbl>
+  <dgm:styleLbl name="parChTrans2D2">
+    <dgm:fillClrLst meth="repeat">
+      <a:schemeClr val="accent6"/>
+    </dgm:fillClrLst>
+    <dgm:linClrLst meth="repeat">
+      <a:schemeClr val="lt1"/>
+    </dgm:linClrLst>
+    <dgm:effectClrLst/>
+    <dgm:txLinClrLst/>
+    <dgm:txFillClrLst/>
+    <dgm:txEffectClrLst/>
+  </dgm:styleLbl>
+  <dgm:styleLbl name="parChTrans2D3">
+    <dgm:fillClrLst meth="repeat">
+      <a:schemeClr val="accent6"/>
+    </dgm:fillClrLst>
+    <dgm:linClrLst meth="repeat">
+      <a:schemeClr val="lt1"/>
+    </dgm:linClrLst>
+    <dgm:effectClrLst/>
+    <dgm:txLinClrLst/>
+    <dgm:txFillClrLst/>
+    <dgm:txEffectClrLst/>
+  </dgm:styleLbl>
+  <dgm:styleLbl name="parChTrans2D4">
+    <dgm:fillClrLst meth="repeat">
+      <a:schemeClr val="accent1"/>
+    </dgm:fillClrLst>
+    <dgm:linClrLst meth="repeat">
+      <a:schemeClr val="lt1"/>
+    </dgm:linClrLst>
+    <dgm:effectClrLst/>
+    <dgm:txLinClrLst/>
+    <dgm:txFillClrLst meth="repeat">
+      <a:schemeClr val="lt1"/>
+    </dgm:txFillClrLst>
+    <dgm:txEffectClrLst/>
+  </dgm:styleLbl>
+  <dgm:styleLbl name="parChTrans1D1">
+    <dgm:fillClrLst meth="repeat">
+      <a:schemeClr val="accent5"/>
+    </dgm:fillClrLst>
+    <dgm:linClrLst meth="repeat">
+      <a:schemeClr val="accent5"/>
+    </dgm:linClrLst>
+    <dgm:effectClrLst/>
+    <dgm:txLinClrLst/>
+    <dgm:txFillClrLst meth="repeat">
+      <a:schemeClr val="tx1"/>
+    </dgm:txFillClrLst>
+    <dgm:txEffectClrLst/>
+  </dgm:styleLbl>
+  <dgm:styleLbl name="parChTrans1D2">
+    <dgm:fillClrLst meth="repeat">
+      <a:schemeClr val="accent6">
+        <a:tint val="90000"/>
+      </a:schemeClr>
+    </dgm:fillClrLst>
+    <dgm:linClrLst meth="repeat">
+      <a:schemeClr val="accent6"/>
+    </dgm:linClrLst>
+    <dgm:effectClrLst/>
+    <dgm:txLinClrLst/>
+    <dgm:txFillClrLst meth="repeat">
+      <a:schemeClr val="tx1"/>
+    </dgm:txFillClrLst>
+    <dgm:txEffectClrLst/>
+  </dgm:styleLbl>
+  <dgm:styleLbl name="parChTrans1D3">
+    <dgm:fillClrLst meth="repeat">
+      <a:schemeClr val="accent6">
+        <a:tint val="70000"/>
+      </a:schemeClr>
+    </dgm:fillClrLst>
+    <dgm:linClrLst meth="repeat">
+      <a:schemeClr val="accent1"/>
+    </dgm:linClrLst>
+    <dgm:effectClrLst/>
+    <dgm:txLinClrLst/>
+    <dgm:txFillClrLst meth="repeat">
+      <a:schemeClr val="tx1"/>
+    </dgm:txFillClrLst>
+    <dgm:txEffectClrLst/>
+  </dgm:styleLbl>
+  <dgm:styleLbl name="parChTrans1D4">
+    <dgm:fillClrLst meth="repeat">
+      <a:schemeClr val="accent6">
+        <a:tint val="50000"/>
+      </a:schemeClr>
+    </dgm:fillClrLst>
+    <dgm:linClrLst meth="repeat">
+      <a:schemeClr val="accent2"/>
+    </dgm:linClrLst>
+    <dgm:effectClrLst/>
+    <dgm:txLinClrLst/>
+    <dgm:txFillClrLst meth="repeat">
+      <a:schemeClr val="tx1"/>
+    </dgm:txFillClrLst>
+    <dgm:txEffectClrLst/>
+  </dgm:styleLbl>
+  <dgm:styleLbl name="fgAcc1">
+    <dgm:fillClrLst meth="repeat">
+      <a:schemeClr val="lt1">
+        <a:alpha val="90000"/>
+      </a:schemeClr>
+    </dgm:fillClrLst>
+    <dgm:linClrLst>
+      <a:schemeClr val="accent5"/>
+      <a:schemeClr val="accent6"/>
+    </dgm:linClrLst>
+    <dgm:effectClrLst/>
+    <dgm:txLinClrLst/>
+    <dgm:txFillClrLst meth="repeat">
+      <a:schemeClr val="dk1"/>
+    </dgm:txFillClrLst>
+    <dgm:txEffectClrLst/>
+  </dgm:styleLbl>
+  <dgm:styleLbl name="conFgAcc1">
+    <dgm:fillClrLst meth="repeat">
+      <a:schemeClr val="lt1">
+        <a:alpha val="90000"/>
+      </a:schemeClr>
+    </dgm:fillClrLst>
+    <dgm:linClrLst>
+      <a:schemeClr val="accent5"/>
+      <a:schemeClr val="accent6"/>
+    </dgm:linClrLst>
+    <dgm:effectClrLst/>
+    <dgm:txLinClrLst/>
+    <dgm:txFillClrLst meth="repeat">
+      <a:schemeClr val="dk1"/>
+    </dgm:txFillClrLst>
+    <dgm:txEffectClrLst/>
+  </dgm:styleLbl>
+  <dgm:styleLbl name="alignAcc1">
+    <dgm:fillClrLst meth="repeat">
+      <a:schemeClr val="lt1">
+        <a:alpha val="90000"/>
+      </a:schemeClr>
+    </dgm:fillClrLst>
+    <dgm:linClrLst>
+      <a:schemeClr val="accent5"/>
+      <a:schemeClr val="accent6"/>
+    </dgm:linClrLst>
+    <dgm:effectClrLst/>
+    <dgm:txLinClrLst/>
+    <dgm:txFillClrLst meth="repeat">
+      <a:schemeClr val="dk1"/>
+    </dgm:txFillClrLst>
+    <dgm:txEffectClrLst/>
+  </dgm:styleLbl>
+  <dgm:styleLbl name="trAlignAcc1">
+    <dgm:fillClrLst meth="repeat">
+      <a:schemeClr val="lt1">
+        <a:alpha val="40000"/>
+      </a:schemeClr>
+    </dgm:fillClrLst>
+    <dgm:linClrLst meth="repeat">
+      <a:schemeClr val="accent5"/>
+    </dgm:linClrLst>
+    <dgm:effectClrLst/>
+    <dgm:txLinClrLst/>
+    <dgm:txFillClrLst meth="repeat">
+      <a:schemeClr val="dk1"/>
+    </dgm:txFillClrLst>
+    <dgm:txEffectClrLst/>
+  </dgm:styleLbl>
+  <dgm:styleLbl name="bgAcc1">
+    <dgm:fillClrLst meth="repeat">
+      <a:schemeClr val="lt1">
+        <a:alpha val="90000"/>
+      </a:schemeClr>
+    </dgm:fillClrLst>
+    <dgm:linClrLst>
+      <a:schemeClr val="accent5"/>
+      <a:schemeClr val="accent6"/>
+    </dgm:linClrLst>
+    <dgm:effectClrLst/>
+    <dgm:txLinClrLst/>
+    <dgm:txFillClrLst meth="repeat">
+      <a:schemeClr val="dk1"/>
+    </dgm:txFillClrLst>
+    <dgm:txEffectClrLst/>
+  </dgm:styleLbl>
+  <dgm:styleLbl name="solidFgAcc1">
+    <dgm:fillClrLst meth="repeat">
+      <a:schemeClr val="lt1"/>
+    </dgm:fillClrLst>
+    <dgm:linClrLst>
+      <a:schemeClr val="accent5"/>
+      <a:schemeClr val="accent6"/>
+    </dgm:linClrLst>
+    <dgm:effectClrLst/>
+    <dgm:txLinClrLst/>
+    <dgm:txFillClrLst meth="repeat">
+      <a:schemeClr val="dk1"/>
+    </dgm:txFillClrLst>
+    <dgm:txEffectClrLst/>
+  </dgm:styleLbl>
+  <dgm:styleLbl name="solidAlignAcc1">
+    <dgm:fillClrLst meth="repeat">
+      <a:schemeClr val="lt1"/>
+    </dgm:fillClrLst>
+    <dgm:linClrLst>
+      <a:schemeClr val="accent5"/>
+      <a:schemeClr val="accent6"/>
+    </dgm:linClrLst>
+    <dgm:effectClrLst/>
+    <dgm:txLinClrLst/>
+    <dgm:txFillClrLst meth="repeat">
+      <a:schemeClr val="dk1"/>
+    </dgm:txFillClrLst>
+    <dgm:txEffectClrLst/>
+  </dgm:styleLbl>
+  <dgm:styleLbl name="solidBgAcc1">
+    <dgm:fillClrLst meth="repeat">
+      <a:schemeClr val="lt1"/>
+    </dgm:fillClrLst>
+    <dgm:linClrLst>
+      <a:schemeClr val="accent5"/>
+      <a:schemeClr val="accent6"/>
+    </dgm:linClrLst>
+    <dgm:effectClrLst/>
+    <dgm:txLinClrLst/>
+    <dgm:txFillClrLst meth="repeat">
+      <a:schemeClr val="dk1"/>
+    </dgm:txFillClrLst>
+    <dgm:txEffectClrLst/>
+  </dgm:styleLbl>
+  <dgm:styleLbl name="fgAccFollowNode1">
+    <dgm:fillClrLst>
+      <a:schemeClr val="accent5">
+        <a:tint val="40000"/>
+        <a:alpha val="90000"/>
+      </a:schemeClr>
+      <a:schemeClr val="accent6">
+        <a:tint val="40000"/>
+        <a:alpha val="90000"/>
+      </a:schemeClr>
+    </dgm:fillClrLst>
+    <dgm:linClrLst>
+      <a:schemeClr val="accent5">
+        <a:tint val="40000"/>
+        <a:alpha val="90000"/>
+      </a:schemeClr>
+      <a:schemeClr val="accent5">
+        <a:tint val="40000"/>
+        <a:alpha val="90000"/>
+      </a:schemeClr>
+    </dgm:linClrLst>
+    <dgm:effectClrLst/>
+    <dgm:txLinClrLst/>
+    <dgm:txFillClrLst meth="repeat">
+      <a:schemeClr val="dk1"/>
+    </dgm:txFillClrLst>
+    <dgm:txEffectClrLst/>
+  </dgm:styleLbl>
+  <dgm:styleLbl name="alignAccFollowNode1">
+    <dgm:fillClrLst>
+      <a:schemeClr val="accent5">
+        <a:tint val="40000"/>
+        <a:alpha val="90000"/>
+      </a:schemeClr>
+      <a:schemeClr val="accent6">
+        <a:tint val="40000"/>
+        <a:alpha val="90000"/>
+      </a:schemeClr>
+    </dgm:fillClrLst>
+    <dgm:linClrLst>
+      <a:schemeClr val="accent5">
+        <a:tint val="40000"/>
+        <a:alpha val="90000"/>
+      </a:schemeClr>
+      <a:schemeClr val="accent6">
+        <a:tint val="40000"/>
+        <a:alpha val="90000"/>
+      </a:schemeClr>
+    </dgm:linClrLst>
+    <dgm:effectClrLst/>
+    <dgm:txLinClrLst/>
+    <dgm:txFillClrLst meth="repeat">
+      <a:schemeClr val="dk1"/>
+    </dgm:txFillClrLst>
+    <dgm:txEffectClrLst/>
+  </dgm:styleLbl>
+  <dgm:styleLbl name="bgAccFollowNode1">
+    <dgm:fillClrLst>
+      <a:schemeClr val="accent5">
+        <a:tint val="40000"/>
+        <a:alpha val="90000"/>
+      </a:schemeClr>
+      <a:schemeClr val="accent6">
+        <a:tint val="40000"/>
+        <a:alpha val="90000"/>
+      </a:schemeClr>
+    </dgm:fillClrLst>
+    <dgm:linClrLst>
+      <a:schemeClr val="accent5">
+        <a:tint val="40000"/>
+        <a:alpha val="90000"/>
+      </a:schemeClr>
+      <a:schemeClr val="accent6">
+        <a:tint val="40000"/>
+        <a:alpha val="90000"/>
+      </a:schemeClr>
+    </dgm:linClrLst>
+    <dgm:effectClrLst/>
+    <dgm:txLinClrLst/>
+    <dgm:txFillClrLst meth="repeat">
+      <a:schemeClr val="dk1"/>
+    </dgm:txFillClrLst>
+    <dgm:txEffectClrLst/>
+  </dgm:styleLbl>
+  <dgm:styleLbl name="fgAcc0">
+    <dgm:fillClrLst meth="repeat">
+      <a:schemeClr val="lt1">
+        <a:alpha val="90000"/>
+      </a:schemeClr>
+    </dgm:fillClrLst>
+    <dgm:linClrLst>
+      <a:schemeClr val="accent4"/>
+    </dgm:linClrLst>
+    <dgm:effectClrLst/>
+    <dgm:txLinClrLst/>
+    <dgm:txFillClrLst meth="repeat">
+      <a:schemeClr val="dk1"/>
+    </dgm:txFillClrLst>
+    <dgm:txEffectClrLst/>
+  </dgm:styleLbl>
+  <dgm:styleLbl name="fgAcc2">
+    <dgm:fillClrLst meth="repeat">
+      <a:schemeClr val="lt1">
+        <a:alpha val="90000"/>
+      </a:schemeClr>
+    </dgm:fillClrLst>
+    <dgm:linClrLst>
+      <a:schemeClr val="accent6"/>
+    </dgm:linClrLst>
+    <dgm:effectClrLst/>
+    <dgm:txLinClrLst/>
+    <dgm:txFillClrLst meth="repeat">
+      <a:schemeClr val="dk1"/>
+    </dgm:txFillClrLst>
+    <dgm:txEffectClrLst/>
+  </dgm:styleLbl>
+  <dgm:styleLbl name="fgAcc3">
+    <dgm:fillClrLst meth="repeat">
+      <a:schemeClr val="lt1">
+        <a:alpha val="90000"/>
+      </a:schemeClr>
+    </dgm:fillClrLst>
+    <dgm:linClrLst>
+      <a:schemeClr val="accent1"/>
+    </dgm:linClrLst>
+    <dgm:effectClrLst/>
+    <dgm:txLinClrLst/>
+    <dgm:txFillClrLst meth="repeat">
+      <a:schemeClr val="dk1"/>
+    </dgm:txFillClrLst>
+    <dgm:txEffectClrLst/>
+  </dgm:styleLbl>
+  <dgm:styleLbl name="fgAcc4">
+    <dgm:fillClrLst meth="repeat">
+      <a:schemeClr val="lt1">
+        <a:alpha val="90000"/>
+      </a:schemeClr>
+    </dgm:fillClrLst>
+    <dgm:linClrLst>
+      <a:schemeClr val="accent2"/>
+    </dgm:linClrLst>
+    <dgm:effectClrLst/>
+    <dgm:txLinClrLst/>
+    <dgm:txFillClrLst meth="repeat">
+      <a:schemeClr val="dk1"/>
+    </dgm:txFillClrLst>
+    <dgm:txEffectClrLst/>
+  </dgm:styleLbl>
+  <dgm:styleLbl name="bgShp">
+    <dgm:fillClrLst meth="repeat">
+      <a:schemeClr val="bg1">
+        <a:lumMod val="95000"/>
+      </a:schemeClr>
+    </dgm:fillClrLst>
+    <dgm:linClrLst meth="repeat">
+      <a:schemeClr val="dk1"/>
+    </dgm:linClrLst>
+    <dgm:effectClrLst/>
+    <dgm:txLinClrLst/>
+    <dgm:txFillClrLst meth="repeat">
+      <a:schemeClr val="dk1"/>
+    </dgm:txFillClrLst>
+    <dgm:txEffectClrLst/>
+  </dgm:styleLbl>
+  <dgm:styleLbl name="dkBgShp">
+    <dgm:fillClrLst meth="repeat">
+      <a:schemeClr val="accent5">
+        <a:shade val="90000"/>
+      </a:schemeClr>
+    </dgm:fillClrLst>
+    <dgm:linClrLst meth="repeat">
+      <a:schemeClr val="dk1"/>
+    </dgm:linClrLst>
+    <dgm:effectClrLst/>
+    <dgm:txLinClrLst/>
+    <dgm:txFillClrLst meth="repeat">
+      <a:schemeClr val="lt1"/>
+    </dgm:txFillClrLst>
+    <dgm:txEffectClrLst/>
+  </dgm:styleLbl>
+  <dgm:styleLbl name="trBgShp">
+    <dgm:fillClrLst meth="repeat">
+      <a:schemeClr val="accent5">
+        <a:tint val="50000"/>
+        <a:alpha val="40000"/>
+      </a:schemeClr>
+    </dgm:fillClrLst>
+    <dgm:linClrLst meth="repeat">
+      <a:schemeClr val="accent5"/>
+    </dgm:linClrLst>
+    <dgm:effectClrLst/>
+    <dgm:txLinClrLst/>
+    <dgm:txFillClrLst meth="repeat">
+      <a:schemeClr val="lt1"/>
+    </dgm:txFillClrLst>
+    <dgm:txEffectClrLst/>
+  </dgm:styleLbl>
+  <dgm:styleLbl name="fgShp">
+    <dgm:fillClrLst meth="repeat">
+      <a:schemeClr val="accent5">
+        <a:tint val="40000"/>
+      </a:schemeClr>
+    </dgm:fillClrLst>
+    <dgm:linClrLst meth="repeat">
+      <a:schemeClr val="lt1"/>
+    </dgm:linClrLst>
+    <dgm:effectClrLst/>
+    <dgm:txLinClrLst/>
+    <dgm:txFillClrLst meth="repeat">
+      <a:schemeClr val="dk1"/>
+    </dgm:txFillClrLst>
+    <dgm:txEffectClrLst/>
+  </dgm:styleLbl>
+  <dgm:styleLbl name="revTx">
+    <dgm:fillClrLst meth="repeat">
+      <a:schemeClr val="lt1">
+        <a:alpha val="0"/>
+      </a:schemeClr>
+    </dgm:fillClrLst>
+    <dgm:linClrLst meth="repeat">
+      <a:schemeClr val="dk1">
+        <a:alpha val="0"/>
+      </a:schemeClr>
+    </dgm:linClrLst>
+    <dgm:effectClrLst/>
+    <dgm:txLinClrLst/>
+    <dgm:txFillClrLst meth="repeat">
+      <a:schemeClr val="tx1"/>
+    </dgm:txFillClrLst>
+    <dgm:txEffectClrLst/>
+  </dgm:styleLbl>
+</dgm:colorsDef>
+</file>
+
 <file path=ppt/diagrams/data1.xml><?xml version="1.0" encoding="utf-8"?>
 <dgm:dataModel xmlns:dgm="http://schemas.openxmlformats.org/drawingml/2006/diagram" xmlns:a="http://schemas.openxmlformats.org/drawingml/2006/main">
   <dgm:ptLst>
@@ -6814,13 +7886,26 @@
         <a:lstStyle/>
         <a:p>
           <a:pPr>
+            <a:lnSpc>
+              <a:spcPct val="100000"/>
+            </a:lnSpc>
             <a:defRPr b="1"/>
           </a:pPr>
           <a:r>
-            <a:rPr lang="fr-FR" dirty="0"/>
-            <a:t>Créer un nuages de points aléatoirement</a:t>
+            <a:rPr lang="fr-FR"/>
+            <a:t>Créer un </a:t>
           </a:r>
-          <a:endParaRPr lang="en-US" dirty="0"/>
+          <a:r>
+            <a:rPr lang="fr-FR">
+              <a:latin typeface="Gill Sans MT" panose="020B0502020104020203"/>
+            </a:rPr>
+            <a:t>nuage</a:t>
+          </a:r>
+          <a:r>
+            <a:rPr lang="fr-FR"/>
+            <a:t> de points aléatoirement</a:t>
+          </a:r>
+          <a:endParaRPr lang="en-US"/>
         </a:p>
       </dgm:t>
     </dgm:pt>
@@ -6854,6 +7939,9 @@
         <a:lstStyle/>
         <a:p>
           <a:pPr>
+            <a:lnSpc>
+              <a:spcPct val="100000"/>
+            </a:lnSpc>
             <a:defRPr b="1"/>
           </a:pPr>
           <a:r>
@@ -6894,6 +7982,9 @@
         <a:lstStyle/>
         <a:p>
           <a:pPr>
+            <a:lnSpc>
+              <a:spcPct val="100000"/>
+            </a:lnSpc>
             <a:defRPr b="1"/>
           </a:pPr>
           <a:r>
@@ -6933,6 +8024,11 @@
         <a:bodyPr/>
         <a:lstStyle/>
         <a:p>
+          <a:pPr>
+            <a:lnSpc>
+              <a:spcPct val="100000"/>
+            </a:lnSpc>
+          </a:pPr>
           <a:r>
             <a:rPr lang="fr-FR" sz="1800" dirty="0"/>
             <a:t>Graham</a:t>
@@ -6970,6 +8066,11 @@
         <a:bodyPr/>
         <a:lstStyle/>
         <a:p>
+          <a:pPr>
+            <a:lnSpc>
+              <a:spcPct val="100000"/>
+            </a:lnSpc>
+          </a:pPr>
           <a:r>
             <a:rPr lang="fr-FR" sz="1800" dirty="0"/>
             <a:t>Jarvis</a:t>
@@ -7007,6 +8108,11 @@
         <a:bodyPr/>
         <a:lstStyle/>
         <a:p>
+          <a:pPr>
+            <a:lnSpc>
+              <a:spcPct val="100000"/>
+            </a:lnSpc>
+          </a:pPr>
           <a:r>
             <a:rPr lang="fr-FR" sz="1800" dirty="0"/>
             <a:t>Quickhull </a:t>
@@ -7257,7 +8363,370 @@
   <dgm:whole/>
   <dgm:extLst>
     <a:ext uri="http://schemas.microsoft.com/office/drawing/2008/diagram">
-      <dsp:dataModelExt xmlns:dsp="http://schemas.microsoft.com/office/drawing/2008/diagram" relId="rId6" minVer="http://schemas.openxmlformats.org/drawingml/2006/diagram"/>
+      <dsp:dataModelExt xmlns:dsp="http://schemas.microsoft.com/office/drawing/2008/diagram" relId="rId7" minVer="http://schemas.openxmlformats.org/drawingml/2006/diagram"/>
+    </a:ext>
+  </dgm:extLst>
+</dgm:dataModel>
+</file>
+
+<file path=ppt/diagrams/data2.xml><?xml version="1.0" encoding="utf-8"?>
+<dgm:dataModel xmlns:dgm="http://schemas.openxmlformats.org/drawingml/2006/diagram" xmlns:a="http://schemas.openxmlformats.org/drawingml/2006/main">
+  <dgm:ptLst>
+    <dgm:pt modelId="{2887B484-3FF9-4949-8EFB-CDFA97A7AEB0}" type="doc">
+      <dgm:prSet loTypeId="urn:microsoft.com/office/officeart/2018/5/layout/CenteredIconLabelDescriptionList" loCatId="icon" qsTypeId="urn:microsoft.com/office/officeart/2005/8/quickstyle/simple1" qsCatId="simple" csTypeId="urn:microsoft.com/office/officeart/2018/5/colors/Iconchunking_neutralbg_colorful5" csCatId="colorful" phldr="1"/>
+      <dgm:spPr/>
+      <dgm:t>
+        <a:bodyPr/>
+        <a:lstStyle/>
+        <a:p>
+          <a:endParaRPr lang="en-US"/>
+        </a:p>
+      </dgm:t>
+    </dgm:pt>
+    <dgm:pt modelId="{6D5CF957-83EF-415D-9983-8B84896A5A90}">
+      <dgm:prSet/>
+      <dgm:spPr/>
+      <dgm:t>
+        <a:bodyPr/>
+        <a:lstStyle/>
+        <a:p>
+          <a:pPr>
+            <a:lnSpc>
+              <a:spcPct val="100000"/>
+            </a:lnSpc>
+            <a:defRPr b="1"/>
+          </a:pPr>
+          <a:r>
+            <a:rPr lang="fr-FR" dirty="0"/>
+            <a:t>Créer un nuage de points aléatoirement</a:t>
+          </a:r>
+          <a:endParaRPr lang="en-US" dirty="0"/>
+        </a:p>
+      </dgm:t>
+    </dgm:pt>
+    <dgm:pt modelId="{F54D1D52-03C0-47C7-8CA2-9C961F858D67}" type="parTrans" cxnId="{C1A435CE-1566-4F9D-AFB1-78F629BB902C}">
+      <dgm:prSet/>
+      <dgm:spPr/>
+      <dgm:t>
+        <a:bodyPr/>
+        <a:lstStyle/>
+        <a:p>
+          <a:endParaRPr lang="en-US"/>
+        </a:p>
+      </dgm:t>
+    </dgm:pt>
+    <dgm:pt modelId="{B80CDBAC-BA10-4329-B47E-95D4BA6458DA}" type="sibTrans" cxnId="{C1A435CE-1566-4F9D-AFB1-78F629BB902C}">
+      <dgm:prSet/>
+      <dgm:spPr/>
+      <dgm:t>
+        <a:bodyPr/>
+        <a:lstStyle/>
+        <a:p>
+          <a:endParaRPr lang="en-US"/>
+        </a:p>
+      </dgm:t>
+    </dgm:pt>
+    <dgm:pt modelId="{CA057972-F590-4434-90C6-3E56D33EEFAF}">
+      <dgm:prSet/>
+      <dgm:spPr/>
+      <dgm:t>
+        <a:bodyPr/>
+        <a:lstStyle/>
+        <a:p>
+          <a:pPr>
+            <a:lnSpc>
+              <a:spcPct val="100000"/>
+            </a:lnSpc>
+            <a:defRPr b="1"/>
+          </a:pPr>
+          <a:r>
+            <a:rPr lang="fr-FR" dirty="0"/>
+            <a:t>Trouver l’enveloppe convexe</a:t>
+          </a:r>
+          <a:endParaRPr lang="en-US" dirty="0"/>
+        </a:p>
+      </dgm:t>
+    </dgm:pt>
+    <dgm:pt modelId="{F63D1C80-8C66-4D17-9104-237E8DE2CA99}" type="parTrans" cxnId="{C458312D-C99F-4DAB-AFE4-5C3569BA2BE1}">
+      <dgm:prSet/>
+      <dgm:spPr/>
+      <dgm:t>
+        <a:bodyPr/>
+        <a:lstStyle/>
+        <a:p>
+          <a:endParaRPr lang="en-US"/>
+        </a:p>
+      </dgm:t>
+    </dgm:pt>
+    <dgm:pt modelId="{7432A990-E1D5-4DBE-A902-6947D4FC03E5}" type="sibTrans" cxnId="{C458312D-C99F-4DAB-AFE4-5C3569BA2BE1}">
+      <dgm:prSet/>
+      <dgm:spPr/>
+      <dgm:t>
+        <a:bodyPr/>
+        <a:lstStyle/>
+        <a:p>
+          <a:endParaRPr lang="en-US"/>
+        </a:p>
+      </dgm:t>
+    </dgm:pt>
+    <dgm:pt modelId="{66C12DB3-0533-4E89-A35E-9BD6C76C9144}">
+      <dgm:prSet/>
+      <dgm:spPr/>
+      <dgm:t>
+        <a:bodyPr/>
+        <a:lstStyle/>
+        <a:p>
+          <a:pPr>
+            <a:lnSpc>
+              <a:spcPct val="100000"/>
+            </a:lnSpc>
+            <a:defRPr b="1"/>
+          </a:pPr>
+          <a:r>
+            <a:rPr lang="fr-FR" dirty="0"/>
+            <a:t>Trois méthodes de calcul</a:t>
+          </a:r>
+          <a:endParaRPr lang="en-US" dirty="0"/>
+        </a:p>
+      </dgm:t>
+    </dgm:pt>
+    <dgm:pt modelId="{85F895FE-5E0F-4AE4-ABEE-92F1F967E903}" type="parTrans" cxnId="{3D81B1F1-768E-47DA-AF2A-0A0623F9AE4B}">
+      <dgm:prSet/>
+      <dgm:spPr/>
+      <dgm:t>
+        <a:bodyPr/>
+        <a:lstStyle/>
+        <a:p>
+          <a:endParaRPr lang="en-US"/>
+        </a:p>
+      </dgm:t>
+    </dgm:pt>
+    <dgm:pt modelId="{933207DD-45D7-4BEF-9711-3CA6D1033E95}" type="sibTrans" cxnId="{3D81B1F1-768E-47DA-AF2A-0A0623F9AE4B}">
+      <dgm:prSet/>
+      <dgm:spPr/>
+      <dgm:t>
+        <a:bodyPr/>
+        <a:lstStyle/>
+        <a:p>
+          <a:endParaRPr lang="en-US"/>
+        </a:p>
+      </dgm:t>
+    </dgm:pt>
+    <dgm:pt modelId="{1C354F50-D4A0-4726-9884-FFE73D62909A}" type="pres">
+      <dgm:prSet presAssocID="{2887B484-3FF9-4949-8EFB-CDFA97A7AEB0}" presName="root" presStyleCnt="0">
+        <dgm:presLayoutVars>
+          <dgm:dir/>
+          <dgm:resizeHandles val="exact"/>
+        </dgm:presLayoutVars>
+      </dgm:prSet>
+      <dgm:spPr/>
+    </dgm:pt>
+    <dgm:pt modelId="{785B7223-686C-45B8-84F9-18549C0932D0}" type="pres">
+      <dgm:prSet presAssocID="{6D5CF957-83EF-415D-9983-8B84896A5A90}" presName="compNode" presStyleCnt="0"/>
+      <dgm:spPr/>
+    </dgm:pt>
+    <dgm:pt modelId="{56355C77-0649-4FBA-96E8-290F3991074D}" type="pres">
+      <dgm:prSet presAssocID="{6D5CF957-83EF-415D-9983-8B84896A5A90}" presName="iconRect" presStyleLbl="node1" presStyleIdx="0" presStyleCnt="3"/>
+      <dgm:spPr>
+        <a:blipFill>
+          <a:blip xmlns:r="http://schemas.openxmlformats.org/officeDocument/2006/relationships" r:embed="rId1">
+            <a:extLst>
+              <a:ext uri="{28A0092B-C50C-407E-A947-70E740481C1C}">
+                <a14:useLocalDpi xmlns:a14="http://schemas.microsoft.com/office/drawing/2010/main" val="0"/>
+              </a:ext>
+              <a:ext uri="{96DAC541-7B7A-43D3-8B79-37D633B846F1}">
+                <asvg:svgBlip xmlns:asvg="http://schemas.microsoft.com/office/drawing/2016/SVG/main" r:embed="rId2"/>
+              </a:ext>
+            </a:extLst>
+          </a:blip>
+          <a:stretch>
+            <a:fillRect/>
+          </a:stretch>
+        </a:blipFill>
+        <a:ln>
+          <a:noFill/>
+        </a:ln>
+      </dgm:spPr>
+      <dgm:extLst>
+        <a:ext uri="{E40237B7-FDA0-4F09-8148-C483321AD2D9}">
+          <dgm14:cNvPr xmlns:dgm14="http://schemas.microsoft.com/office/drawing/2010/diagram" id="0" name="" descr="Cloud"/>
+        </a:ext>
+      </dgm:extLst>
+    </dgm:pt>
+    <dgm:pt modelId="{E0CC633C-BFA2-448C-A8B6-F82F0FA4F040}" type="pres">
+      <dgm:prSet presAssocID="{6D5CF957-83EF-415D-9983-8B84896A5A90}" presName="iconSpace" presStyleCnt="0"/>
+      <dgm:spPr/>
+    </dgm:pt>
+    <dgm:pt modelId="{2D1BF861-8E10-4AE6-B76D-517122A1701E}" type="pres">
+      <dgm:prSet presAssocID="{6D5CF957-83EF-415D-9983-8B84896A5A90}" presName="parTx" presStyleLbl="revTx" presStyleIdx="0" presStyleCnt="6">
+        <dgm:presLayoutVars>
+          <dgm:chMax val="0"/>
+          <dgm:chPref val="0"/>
+        </dgm:presLayoutVars>
+      </dgm:prSet>
+      <dgm:spPr/>
+    </dgm:pt>
+    <dgm:pt modelId="{AF5C4149-FDDA-4187-BC10-DB3C91588E28}" type="pres">
+      <dgm:prSet presAssocID="{6D5CF957-83EF-415D-9983-8B84896A5A90}" presName="txSpace" presStyleCnt="0"/>
+      <dgm:spPr/>
+    </dgm:pt>
+    <dgm:pt modelId="{B6397883-92EC-450C-A3BD-66A74CB08713}" type="pres">
+      <dgm:prSet presAssocID="{6D5CF957-83EF-415D-9983-8B84896A5A90}" presName="desTx" presStyleLbl="revTx" presStyleIdx="1" presStyleCnt="6">
+        <dgm:presLayoutVars/>
+      </dgm:prSet>
+      <dgm:spPr/>
+    </dgm:pt>
+    <dgm:pt modelId="{50A775E5-0AF2-4BE6-B503-0E55FF117D6C}" type="pres">
+      <dgm:prSet presAssocID="{B80CDBAC-BA10-4329-B47E-95D4BA6458DA}" presName="sibTrans" presStyleCnt="0"/>
+      <dgm:spPr/>
+    </dgm:pt>
+    <dgm:pt modelId="{1FE460D5-B88E-4F4B-BDCF-5402A0534238}" type="pres">
+      <dgm:prSet presAssocID="{CA057972-F590-4434-90C6-3E56D33EEFAF}" presName="compNode" presStyleCnt="0"/>
+      <dgm:spPr/>
+    </dgm:pt>
+    <dgm:pt modelId="{D9D14A38-847B-4276-8BB6-611FC361D59F}" type="pres">
+      <dgm:prSet presAssocID="{CA057972-F590-4434-90C6-3E56D33EEFAF}" presName="iconRect" presStyleLbl="node1" presStyleIdx="1" presStyleCnt="3"/>
+      <dgm:spPr>
+        <a:blipFill>
+          <a:blip xmlns:r="http://schemas.openxmlformats.org/officeDocument/2006/relationships" r:embed="rId3">
+            <a:extLst>
+              <a:ext uri="{28A0092B-C50C-407E-A947-70E740481C1C}">
+                <a14:useLocalDpi xmlns:a14="http://schemas.microsoft.com/office/drawing/2010/main" val="0"/>
+              </a:ext>
+              <a:ext uri="{96DAC541-7B7A-43D3-8B79-37D633B846F1}">
+                <asvg:svgBlip xmlns:asvg="http://schemas.microsoft.com/office/drawing/2016/SVG/main" r:embed="rId4"/>
+              </a:ext>
+            </a:extLst>
+          </a:blip>
+          <a:stretch>
+            <a:fillRect/>
+          </a:stretch>
+        </a:blipFill>
+        <a:ln>
+          <a:noFill/>
+        </a:ln>
+      </dgm:spPr>
+      <dgm:extLst>
+        <a:ext uri="{E40237B7-FDA0-4F09-8148-C483321AD2D9}">
+          <dgm14:cNvPr xmlns:dgm14="http://schemas.microsoft.com/office/drawing/2010/diagram" id="0" name="" descr="Magnifying glass"/>
+        </a:ext>
+      </dgm:extLst>
+    </dgm:pt>
+    <dgm:pt modelId="{F8A0CE97-C323-4769-9403-A1F642EC4262}" type="pres">
+      <dgm:prSet presAssocID="{CA057972-F590-4434-90C6-3E56D33EEFAF}" presName="iconSpace" presStyleCnt="0"/>
+      <dgm:spPr/>
+    </dgm:pt>
+    <dgm:pt modelId="{FBB2C3FD-1CAE-4AD4-BAAE-C7BEC84D6F1D}" type="pres">
+      <dgm:prSet presAssocID="{CA057972-F590-4434-90C6-3E56D33EEFAF}" presName="parTx" presStyleLbl="revTx" presStyleIdx="2" presStyleCnt="6">
+        <dgm:presLayoutVars>
+          <dgm:chMax val="0"/>
+          <dgm:chPref val="0"/>
+        </dgm:presLayoutVars>
+      </dgm:prSet>
+      <dgm:spPr/>
+    </dgm:pt>
+    <dgm:pt modelId="{94D65709-1B62-43B5-B2C5-E1A6EEA253AA}" type="pres">
+      <dgm:prSet presAssocID="{CA057972-F590-4434-90C6-3E56D33EEFAF}" presName="txSpace" presStyleCnt="0"/>
+      <dgm:spPr/>
+    </dgm:pt>
+    <dgm:pt modelId="{B99D381F-8B50-4CFE-9EE9-B82E63CD2120}" type="pres">
+      <dgm:prSet presAssocID="{CA057972-F590-4434-90C6-3E56D33EEFAF}" presName="desTx" presStyleLbl="revTx" presStyleIdx="3" presStyleCnt="6">
+        <dgm:presLayoutVars/>
+      </dgm:prSet>
+      <dgm:spPr/>
+    </dgm:pt>
+    <dgm:pt modelId="{6F2CEB1B-F401-4384-A02E-0DF081255C5A}" type="pres">
+      <dgm:prSet presAssocID="{7432A990-E1D5-4DBE-A902-6947D4FC03E5}" presName="sibTrans" presStyleCnt="0"/>
+      <dgm:spPr/>
+    </dgm:pt>
+    <dgm:pt modelId="{B2882747-3155-4AA8-9866-3BE8A7F47F88}" type="pres">
+      <dgm:prSet presAssocID="{66C12DB3-0533-4E89-A35E-9BD6C76C9144}" presName="compNode" presStyleCnt="0"/>
+      <dgm:spPr/>
+    </dgm:pt>
+    <dgm:pt modelId="{212028BF-30F0-4D12-B464-2C16ED625FE2}" type="pres">
+      <dgm:prSet presAssocID="{66C12DB3-0533-4E89-A35E-9BD6C76C9144}" presName="iconRect" presStyleLbl="node1" presStyleIdx="2" presStyleCnt="3"/>
+      <dgm:spPr>
+        <a:blipFill>
+          <a:blip xmlns:r="http://schemas.openxmlformats.org/officeDocument/2006/relationships" r:embed="rId5">
+            <a:extLst>
+              <a:ext uri="{96DAC541-7B7A-43D3-8B79-37D633B846F1}">
+                <asvg:svgBlip xmlns:asvg="http://schemas.microsoft.com/office/drawing/2016/SVG/main" r:embed="rId6"/>
+              </a:ext>
+            </a:extLst>
+          </a:blip>
+          <a:srcRect/>
+          <a:stretch>
+            <a:fillRect/>
+          </a:stretch>
+        </a:blipFill>
+        <a:ln>
+          <a:noFill/>
+        </a:ln>
+      </dgm:spPr>
+      <dgm:extLst>
+        <a:ext uri="{E40237B7-FDA0-4F09-8148-C483321AD2D9}">
+          <dgm14:cNvPr xmlns:dgm14="http://schemas.microsoft.com/office/drawing/2010/diagram" id="0" name="" descr="Calculatrice"/>
+        </a:ext>
+      </dgm:extLst>
+    </dgm:pt>
+    <dgm:pt modelId="{D0B7FC57-D84C-48FB-974D-DA5363EE6705}" type="pres">
+      <dgm:prSet presAssocID="{66C12DB3-0533-4E89-A35E-9BD6C76C9144}" presName="iconSpace" presStyleCnt="0"/>
+      <dgm:spPr/>
+    </dgm:pt>
+    <dgm:pt modelId="{B77A3719-ABB1-4060-B31E-FF16BA2ED8DA}" type="pres">
+      <dgm:prSet presAssocID="{66C12DB3-0533-4E89-A35E-9BD6C76C9144}" presName="parTx" presStyleLbl="revTx" presStyleIdx="4" presStyleCnt="6">
+        <dgm:presLayoutVars>
+          <dgm:chMax val="0"/>
+          <dgm:chPref val="0"/>
+        </dgm:presLayoutVars>
+      </dgm:prSet>
+      <dgm:spPr/>
+    </dgm:pt>
+    <dgm:pt modelId="{EE7ED2E2-C0D1-44F3-953F-353C2EFB2DDB}" type="pres">
+      <dgm:prSet presAssocID="{66C12DB3-0533-4E89-A35E-9BD6C76C9144}" presName="txSpace" presStyleCnt="0"/>
+      <dgm:spPr/>
+    </dgm:pt>
+    <dgm:pt modelId="{37E2BB99-50E0-4BD5-B284-489FCF1DE021}" type="pres">
+      <dgm:prSet presAssocID="{66C12DB3-0533-4E89-A35E-9BD6C76C9144}" presName="desTx" presStyleLbl="revTx" presStyleIdx="5" presStyleCnt="6">
+        <dgm:presLayoutVars/>
+      </dgm:prSet>
+      <dgm:spPr/>
+    </dgm:pt>
+  </dgm:ptLst>
+  <dgm:cxnLst>
+    <dgm:cxn modelId="{3BBF000B-6341-431E-B6A8-04867D0360A1}" type="presOf" srcId="{2887B484-3FF9-4949-8EFB-CDFA97A7AEB0}" destId="{1C354F50-D4A0-4726-9884-FFE73D62909A}" srcOrd="0" destOrd="0" presId="urn:microsoft.com/office/officeart/2018/5/layout/CenteredIconLabelDescriptionList"/>
+    <dgm:cxn modelId="{C458312D-C99F-4DAB-AFE4-5C3569BA2BE1}" srcId="{2887B484-3FF9-4949-8EFB-CDFA97A7AEB0}" destId="{CA057972-F590-4434-90C6-3E56D33EEFAF}" srcOrd="1" destOrd="0" parTransId="{F63D1C80-8C66-4D17-9104-237E8DE2CA99}" sibTransId="{7432A990-E1D5-4DBE-A902-6947D4FC03E5}"/>
+    <dgm:cxn modelId="{918A9741-F09B-41B2-9469-F465CF7A7678}" type="presOf" srcId="{CA057972-F590-4434-90C6-3E56D33EEFAF}" destId="{FBB2C3FD-1CAE-4AD4-BAAE-C7BEC84D6F1D}" srcOrd="0" destOrd="0" presId="urn:microsoft.com/office/officeart/2018/5/layout/CenteredIconLabelDescriptionList"/>
+    <dgm:cxn modelId="{0B26E396-4E78-4D44-B33E-E7B9ADA6B327}" type="presOf" srcId="{66C12DB3-0533-4E89-A35E-9BD6C76C9144}" destId="{B77A3719-ABB1-4060-B31E-FF16BA2ED8DA}" srcOrd="0" destOrd="0" presId="urn:microsoft.com/office/officeart/2018/5/layout/CenteredIconLabelDescriptionList"/>
+    <dgm:cxn modelId="{E9A4A8C7-45E8-4208-B4A8-0A8DD63604E6}" type="presOf" srcId="{6D5CF957-83EF-415D-9983-8B84896A5A90}" destId="{2D1BF861-8E10-4AE6-B76D-517122A1701E}" srcOrd="0" destOrd="0" presId="urn:microsoft.com/office/officeart/2018/5/layout/CenteredIconLabelDescriptionList"/>
+    <dgm:cxn modelId="{C1A435CE-1566-4F9D-AFB1-78F629BB902C}" srcId="{2887B484-3FF9-4949-8EFB-CDFA97A7AEB0}" destId="{6D5CF957-83EF-415D-9983-8B84896A5A90}" srcOrd="0" destOrd="0" parTransId="{F54D1D52-03C0-47C7-8CA2-9C961F858D67}" sibTransId="{B80CDBAC-BA10-4329-B47E-95D4BA6458DA}"/>
+    <dgm:cxn modelId="{3D81B1F1-768E-47DA-AF2A-0A0623F9AE4B}" srcId="{2887B484-3FF9-4949-8EFB-CDFA97A7AEB0}" destId="{66C12DB3-0533-4E89-A35E-9BD6C76C9144}" srcOrd="2" destOrd="0" parTransId="{85F895FE-5E0F-4AE4-ABEE-92F1F967E903}" sibTransId="{933207DD-45D7-4BEF-9711-3CA6D1033E95}"/>
+    <dgm:cxn modelId="{87BE68EC-A282-4360-8A5B-A3AF9463CCA4}" type="presParOf" srcId="{1C354F50-D4A0-4726-9884-FFE73D62909A}" destId="{785B7223-686C-45B8-84F9-18549C0932D0}" srcOrd="0" destOrd="0" presId="urn:microsoft.com/office/officeart/2018/5/layout/CenteredIconLabelDescriptionList"/>
+    <dgm:cxn modelId="{7AD2D9C1-6398-4AD7-869E-94275808DDDC}" type="presParOf" srcId="{785B7223-686C-45B8-84F9-18549C0932D0}" destId="{56355C77-0649-4FBA-96E8-290F3991074D}" srcOrd="0" destOrd="0" presId="urn:microsoft.com/office/officeart/2018/5/layout/CenteredIconLabelDescriptionList"/>
+    <dgm:cxn modelId="{85FBECF3-9A47-44EB-B6AB-23645455696B}" type="presParOf" srcId="{785B7223-686C-45B8-84F9-18549C0932D0}" destId="{E0CC633C-BFA2-448C-A8B6-F82F0FA4F040}" srcOrd="1" destOrd="0" presId="urn:microsoft.com/office/officeart/2018/5/layout/CenteredIconLabelDescriptionList"/>
+    <dgm:cxn modelId="{1224D1C6-3125-4A08-A343-B29349B07C3D}" type="presParOf" srcId="{785B7223-686C-45B8-84F9-18549C0932D0}" destId="{2D1BF861-8E10-4AE6-B76D-517122A1701E}" srcOrd="2" destOrd="0" presId="urn:microsoft.com/office/officeart/2018/5/layout/CenteredIconLabelDescriptionList"/>
+    <dgm:cxn modelId="{601A72E3-7906-4155-B256-EF6A12FBC0EB}" type="presParOf" srcId="{785B7223-686C-45B8-84F9-18549C0932D0}" destId="{AF5C4149-FDDA-4187-BC10-DB3C91588E28}" srcOrd="3" destOrd="0" presId="urn:microsoft.com/office/officeart/2018/5/layout/CenteredIconLabelDescriptionList"/>
+    <dgm:cxn modelId="{AD3D9073-74DB-4552-9C87-3F230111DF0E}" type="presParOf" srcId="{785B7223-686C-45B8-84F9-18549C0932D0}" destId="{B6397883-92EC-450C-A3BD-66A74CB08713}" srcOrd="4" destOrd="0" presId="urn:microsoft.com/office/officeart/2018/5/layout/CenteredIconLabelDescriptionList"/>
+    <dgm:cxn modelId="{9C1B5BBA-8E0C-4C72-8CED-6FDEAF943443}" type="presParOf" srcId="{1C354F50-D4A0-4726-9884-FFE73D62909A}" destId="{50A775E5-0AF2-4BE6-B503-0E55FF117D6C}" srcOrd="1" destOrd="0" presId="urn:microsoft.com/office/officeart/2018/5/layout/CenteredIconLabelDescriptionList"/>
+    <dgm:cxn modelId="{127FC69C-9A63-40E4-B60D-9C4085575574}" type="presParOf" srcId="{1C354F50-D4A0-4726-9884-FFE73D62909A}" destId="{1FE460D5-B88E-4F4B-BDCF-5402A0534238}" srcOrd="2" destOrd="0" presId="urn:microsoft.com/office/officeart/2018/5/layout/CenteredIconLabelDescriptionList"/>
+    <dgm:cxn modelId="{DBD6000D-71E6-4B80-8024-4A272937ED05}" type="presParOf" srcId="{1FE460D5-B88E-4F4B-BDCF-5402A0534238}" destId="{D9D14A38-847B-4276-8BB6-611FC361D59F}" srcOrd="0" destOrd="0" presId="urn:microsoft.com/office/officeart/2018/5/layout/CenteredIconLabelDescriptionList"/>
+    <dgm:cxn modelId="{E77C463A-2DA5-45F6-9721-6560DABF6F9D}" type="presParOf" srcId="{1FE460D5-B88E-4F4B-BDCF-5402A0534238}" destId="{F8A0CE97-C323-4769-9403-A1F642EC4262}" srcOrd="1" destOrd="0" presId="urn:microsoft.com/office/officeart/2018/5/layout/CenteredIconLabelDescriptionList"/>
+    <dgm:cxn modelId="{A17F03AF-DFBA-41CB-93F2-4F05AA714031}" type="presParOf" srcId="{1FE460D5-B88E-4F4B-BDCF-5402A0534238}" destId="{FBB2C3FD-1CAE-4AD4-BAAE-C7BEC84D6F1D}" srcOrd="2" destOrd="0" presId="urn:microsoft.com/office/officeart/2018/5/layout/CenteredIconLabelDescriptionList"/>
+    <dgm:cxn modelId="{56E72534-2DBC-4FC4-931F-B0180FB7AE26}" type="presParOf" srcId="{1FE460D5-B88E-4F4B-BDCF-5402A0534238}" destId="{94D65709-1B62-43B5-B2C5-E1A6EEA253AA}" srcOrd="3" destOrd="0" presId="urn:microsoft.com/office/officeart/2018/5/layout/CenteredIconLabelDescriptionList"/>
+    <dgm:cxn modelId="{2A543853-48EB-4330-835A-0CE39542A95A}" type="presParOf" srcId="{1FE460D5-B88E-4F4B-BDCF-5402A0534238}" destId="{B99D381F-8B50-4CFE-9EE9-B82E63CD2120}" srcOrd="4" destOrd="0" presId="urn:microsoft.com/office/officeart/2018/5/layout/CenteredIconLabelDescriptionList"/>
+    <dgm:cxn modelId="{4DB17128-A447-48A6-9C77-969FC83949C2}" type="presParOf" srcId="{1C354F50-D4A0-4726-9884-FFE73D62909A}" destId="{6F2CEB1B-F401-4384-A02E-0DF081255C5A}" srcOrd="3" destOrd="0" presId="urn:microsoft.com/office/officeart/2018/5/layout/CenteredIconLabelDescriptionList"/>
+    <dgm:cxn modelId="{F4FBDCE1-6A81-47A8-A94C-5883F3CCC762}" type="presParOf" srcId="{1C354F50-D4A0-4726-9884-FFE73D62909A}" destId="{B2882747-3155-4AA8-9866-3BE8A7F47F88}" srcOrd="4" destOrd="0" presId="urn:microsoft.com/office/officeart/2018/5/layout/CenteredIconLabelDescriptionList"/>
+    <dgm:cxn modelId="{1DAFBEE9-EF52-40EA-8E5E-CFFCFA401CBD}" type="presParOf" srcId="{B2882747-3155-4AA8-9866-3BE8A7F47F88}" destId="{212028BF-30F0-4D12-B464-2C16ED625FE2}" srcOrd="0" destOrd="0" presId="urn:microsoft.com/office/officeart/2018/5/layout/CenteredIconLabelDescriptionList"/>
+    <dgm:cxn modelId="{97A8C8A3-A8E3-4535-BC6A-AA1177395499}" type="presParOf" srcId="{B2882747-3155-4AA8-9866-3BE8A7F47F88}" destId="{D0B7FC57-D84C-48FB-974D-DA5363EE6705}" srcOrd="1" destOrd="0" presId="urn:microsoft.com/office/officeart/2018/5/layout/CenteredIconLabelDescriptionList"/>
+    <dgm:cxn modelId="{D06328A9-19EB-4058-9DC0-97FBE4F47858}" type="presParOf" srcId="{B2882747-3155-4AA8-9866-3BE8A7F47F88}" destId="{B77A3719-ABB1-4060-B31E-FF16BA2ED8DA}" srcOrd="2" destOrd="0" presId="urn:microsoft.com/office/officeart/2018/5/layout/CenteredIconLabelDescriptionList"/>
+    <dgm:cxn modelId="{1051EB1B-94C8-4AAD-AB58-E54A78B54B69}" type="presParOf" srcId="{B2882747-3155-4AA8-9866-3BE8A7F47F88}" destId="{EE7ED2E2-C0D1-44F3-953F-353C2EFB2DDB}" srcOrd="3" destOrd="0" presId="urn:microsoft.com/office/officeart/2018/5/layout/CenteredIconLabelDescriptionList"/>
+    <dgm:cxn modelId="{AF5AA7C8-FA12-4124-B37F-E4D5F14086BC}" type="presParOf" srcId="{B2882747-3155-4AA8-9866-3BE8A7F47F88}" destId="{37E2BB99-50E0-4BD5-B284-489FCF1DE021}" srcOrd="4" destOrd="0" presId="urn:microsoft.com/office/officeart/2018/5/layout/CenteredIconLabelDescriptionList"/>
+  </dgm:cxnLst>
+  <dgm:bg/>
+  <dgm:whole/>
+  <dgm:extLst>
+    <a:ext uri="http://schemas.microsoft.com/office/drawing/2008/diagram">
+      <dsp:dataModelExt xmlns:dsp="http://schemas.microsoft.com/office/drawing/2008/diagram" relId="rId9" minVer="http://schemas.openxmlformats.org/drawingml/2006/diagram"/>
     </a:ext>
   </dgm:extLst>
 </dgm:dataModel>
@@ -7278,7 +8747,7 @@
       </dsp:nvSpPr>
       <dsp:spPr>
         <a:xfrm>
-          <a:off x="1072631" y="479666"/>
+          <a:off x="1072631" y="428755"/>
           <a:ext cx="1151718" cy="1151718"/>
         </a:xfrm>
         <a:prstGeom prst="rect">
@@ -7327,7 +8796,7 @@
       </dsp:nvSpPr>
       <dsp:spPr>
         <a:xfrm>
-          <a:off x="3178" y="1748297"/>
+          <a:off x="3178" y="1701765"/>
           <a:ext cx="3290624" cy="493593"/>
         </a:xfrm>
         <a:prstGeom prst="rect">
@@ -7357,9 +8826,9 @@
         </a:bodyPr>
         <a:lstStyle/>
         <a:p>
-          <a:pPr marL="0" lvl="0" indent="0" algn="ctr" defTabSz="800100">
+          <a:pPr marL="0" lvl="0" indent="0" algn="ctr" defTabSz="711200">
             <a:lnSpc>
-              <a:spcPct val="90000"/>
+              <a:spcPct val="100000"/>
             </a:lnSpc>
             <a:spcBef>
               <a:spcPct val="0"/>
@@ -7371,14 +8840,24 @@
             <a:defRPr b="1"/>
           </a:pPr>
           <a:r>
-            <a:rPr lang="fr-FR" sz="1800" kern="1200" dirty="0"/>
-            <a:t>Créer un nuages de points aléatoirement</a:t>
+            <a:rPr lang="fr-FR" sz="1600" kern="1200"/>
+            <a:t>Créer un </a:t>
           </a:r>
-          <a:endParaRPr lang="en-US" sz="1800" kern="1200" dirty="0"/>
+          <a:r>
+            <a:rPr lang="fr-FR" sz="1600" kern="1200">
+              <a:latin typeface="Gill Sans MT" panose="020B0502020104020203"/>
+            </a:rPr>
+            <a:t>nuage</a:t>
+          </a:r>
+          <a:r>
+            <a:rPr lang="fr-FR" sz="1600" kern="1200"/>
+            <a:t> de points aléatoirement</a:t>
+          </a:r>
+          <a:endParaRPr lang="en-US" sz="1600" kern="1200"/>
         </a:p>
       </dsp:txBody>
       <dsp:txXfrm>
-        <a:off x="3178" y="1748297"/>
+        <a:off x="3178" y="1701765"/>
         <a:ext cx="3290624" cy="493593"/>
       </dsp:txXfrm>
     </dsp:sp>
@@ -7389,8 +8868,8 @@
       </dsp:nvSpPr>
       <dsp:spPr>
         <a:xfrm>
-          <a:off x="3178" y="2296269"/>
-          <a:ext cx="3290624" cy="902302"/>
+          <a:off x="3178" y="2251773"/>
+          <a:ext cx="3290624" cy="997708"/>
         </a:xfrm>
         <a:prstGeom prst="rect">
           <a:avLst/>
@@ -7421,7 +8900,7 @@
       </dsp:nvSpPr>
       <dsp:spPr>
         <a:xfrm>
-          <a:off x="4939115" y="479666"/>
+          <a:off x="4939115" y="428755"/>
           <a:ext cx="1151718" cy="1151718"/>
         </a:xfrm>
         <a:prstGeom prst="rect">
@@ -7470,7 +8949,7 @@
       </dsp:nvSpPr>
       <dsp:spPr>
         <a:xfrm>
-          <a:off x="3869662" y="1748297"/>
+          <a:off x="3869662" y="1701765"/>
           <a:ext cx="3290624" cy="493593"/>
         </a:xfrm>
         <a:prstGeom prst="rect">
@@ -7500,9 +8979,9 @@
         </a:bodyPr>
         <a:lstStyle/>
         <a:p>
-          <a:pPr marL="0" lvl="0" indent="0" algn="ctr" defTabSz="800100">
+          <a:pPr marL="0" lvl="0" indent="0" algn="ctr" defTabSz="711200">
             <a:lnSpc>
-              <a:spcPct val="90000"/>
+              <a:spcPct val="100000"/>
             </a:lnSpc>
             <a:spcBef>
               <a:spcPct val="0"/>
@@ -7514,14 +8993,14 @@
             <a:defRPr b="1"/>
           </a:pPr>
           <a:r>
-            <a:rPr lang="fr-FR" sz="1800" kern="1200" dirty="0"/>
+            <a:rPr lang="fr-FR" sz="1600" kern="1200" dirty="0"/>
             <a:t>Trouver l’enveloppe convexe</a:t>
           </a:r>
-          <a:endParaRPr lang="en-US" sz="1800" kern="1200" dirty="0"/>
+          <a:endParaRPr lang="en-US" sz="1600" kern="1200" dirty="0"/>
         </a:p>
       </dsp:txBody>
       <dsp:txXfrm>
-        <a:off x="3869662" y="1748297"/>
+        <a:off x="3869662" y="1701765"/>
         <a:ext cx="3290624" cy="493593"/>
       </dsp:txXfrm>
     </dsp:sp>
@@ -7532,8 +9011,8 @@
       </dsp:nvSpPr>
       <dsp:spPr>
         <a:xfrm>
-          <a:off x="3869662" y="2296269"/>
-          <a:ext cx="3290624" cy="902302"/>
+          <a:off x="3869662" y="2251773"/>
+          <a:ext cx="3290624" cy="997708"/>
         </a:xfrm>
         <a:prstGeom prst="rect">
           <a:avLst/>
@@ -7564,7 +9043,7 @@
       </dsp:nvSpPr>
       <dsp:spPr>
         <a:xfrm>
-          <a:off x="8805600" y="479666"/>
+          <a:off x="8805600" y="428755"/>
           <a:ext cx="1151718" cy="1151718"/>
         </a:xfrm>
         <a:prstGeom prst="rect">
@@ -7611,8 +9090,70 @@
       </dsp:nvSpPr>
       <dsp:spPr>
         <a:xfrm>
-          <a:off x="7736146" y="1748297"/>
+          <a:off x="7736146" y="1701765"/>
           <a:ext cx="3290624" cy="493593"/>
+        </a:xfrm>
+        <a:prstGeom prst="rect">
+          <a:avLst/>
+        </a:prstGeom>
+        <a:noFill/>
+        <a:ln>
+          <a:noFill/>
+        </a:ln>
+        <a:effectLst/>
+      </dsp:spPr>
+      <dsp:style>
+        <a:lnRef idx="0">
+          <a:scrgbClr r="0" g="0" b="0"/>
+        </a:lnRef>
+        <a:fillRef idx="0">
+          <a:scrgbClr r="0" g="0" b="0"/>
+        </a:fillRef>
+        <a:effectRef idx="0">
+          <a:scrgbClr r="0" g="0" b="0"/>
+        </a:effectRef>
+        <a:fontRef idx="minor"/>
+      </dsp:style>
+      <dsp:txBody>
+        <a:bodyPr spcFirstLastPara="0" vert="horz" wrap="square" lIns="0" tIns="0" rIns="0" bIns="0" numCol="1" spcCol="1270" anchor="t" anchorCtr="0">
+          <a:noAutofit/>
+        </a:bodyPr>
+        <a:lstStyle/>
+        <a:p>
+          <a:pPr marL="0" lvl="0" indent="0" algn="ctr" defTabSz="711200">
+            <a:lnSpc>
+              <a:spcPct val="100000"/>
+            </a:lnSpc>
+            <a:spcBef>
+              <a:spcPct val="0"/>
+            </a:spcBef>
+            <a:spcAft>
+              <a:spcPct val="35000"/>
+            </a:spcAft>
+            <a:buNone/>
+            <a:defRPr b="1"/>
+          </a:pPr>
+          <a:r>
+            <a:rPr lang="fr-FR" sz="1600" kern="1200"/>
+            <a:t>Trois méthodes de calcul:</a:t>
+          </a:r>
+          <a:endParaRPr lang="en-US" sz="1600" kern="1200"/>
+        </a:p>
+      </dsp:txBody>
+      <dsp:txXfrm>
+        <a:off x="7736146" y="1701765"/>
+        <a:ext cx="3290624" cy="493593"/>
+      </dsp:txXfrm>
+    </dsp:sp>
+    <dsp:sp modelId="{37E2BB99-50E0-4BD5-B284-489FCF1DE021}">
+      <dsp:nvSpPr>
+        <dsp:cNvPr id="0" name=""/>
+        <dsp:cNvSpPr/>
+      </dsp:nvSpPr>
+      <dsp:spPr>
+        <a:xfrm>
+          <a:off x="7736146" y="2251773"/>
+          <a:ext cx="3290624" cy="997708"/>
         </a:xfrm>
         <a:prstGeom prst="rect">
           <a:avLst/>
@@ -7643,7 +9184,7 @@
         <a:p>
           <a:pPr marL="0" lvl="0" indent="0" algn="ctr" defTabSz="800100">
             <a:lnSpc>
-              <a:spcPct val="90000"/>
+              <a:spcPct val="100000"/>
             </a:lnSpc>
             <a:spcBef>
               <a:spcPct val="0"/>
@@ -7652,29 +9193,127 @@
               <a:spcPct val="35000"/>
             </a:spcAft>
             <a:buNone/>
-            <a:defRPr b="1"/>
           </a:pPr>
           <a:r>
-            <a:rPr lang="fr-FR" sz="1800" kern="1200"/>
-            <a:t>Trois méthodes de calcul:</a:t>
+            <a:rPr lang="fr-FR" sz="1800" kern="1200" dirty="0"/>
+            <a:t>Graham</a:t>
           </a:r>
-          <a:endParaRPr lang="en-US" sz="1800" kern="1200"/>
+          <a:endParaRPr lang="en-US" sz="1800" kern="1200" dirty="0"/>
+        </a:p>
+        <a:p>
+          <a:pPr marL="0" lvl="0" indent="0" algn="ctr" defTabSz="800100">
+            <a:lnSpc>
+              <a:spcPct val="100000"/>
+            </a:lnSpc>
+            <a:spcBef>
+              <a:spcPct val="0"/>
+            </a:spcBef>
+            <a:spcAft>
+              <a:spcPct val="35000"/>
+            </a:spcAft>
+            <a:buNone/>
+          </a:pPr>
+          <a:r>
+            <a:rPr lang="fr-FR" sz="1800" kern="1200" dirty="0"/>
+            <a:t>Jarvis</a:t>
+          </a:r>
+          <a:endParaRPr lang="en-US" sz="1800" kern="1200" dirty="0"/>
+        </a:p>
+        <a:p>
+          <a:pPr marL="0" lvl="0" indent="0" algn="ctr" defTabSz="800100">
+            <a:lnSpc>
+              <a:spcPct val="100000"/>
+            </a:lnSpc>
+            <a:spcBef>
+              <a:spcPct val="0"/>
+            </a:spcBef>
+            <a:spcAft>
+              <a:spcPct val="35000"/>
+            </a:spcAft>
+            <a:buNone/>
+          </a:pPr>
+          <a:r>
+            <a:rPr lang="fr-FR" sz="1800" kern="1200" dirty="0"/>
+            <a:t>Quickhull </a:t>
+          </a:r>
+          <a:endParaRPr lang="en-US" sz="1800" kern="1200" dirty="0"/>
         </a:p>
       </dsp:txBody>
       <dsp:txXfrm>
-        <a:off x="7736146" y="1748297"/>
-        <a:ext cx="3290624" cy="493593"/>
+        <a:off x="7736146" y="2251773"/>
+        <a:ext cx="3290624" cy="997708"/>
       </dsp:txXfrm>
     </dsp:sp>
-    <dsp:sp modelId="{37E2BB99-50E0-4BD5-B284-489FCF1DE021}">
+  </dsp:spTree>
+</dsp:drawing>
+</file>
+
+<file path=ppt/diagrams/drawing2.xml><?xml version="1.0" encoding="utf-8"?>
+<dsp:drawing xmlns:dgm="http://schemas.openxmlformats.org/drawingml/2006/diagram" xmlns:dsp="http://schemas.microsoft.com/office/drawing/2008/diagram" xmlns:a="http://schemas.openxmlformats.org/drawingml/2006/main">
+  <dsp:spTree>
+    <dsp:nvGrpSpPr>
+      <dsp:cNvPr id="0" name=""/>
+      <dsp:cNvGrpSpPr/>
+    </dsp:nvGrpSpPr>
+    <dsp:grpSpPr/>
+    <dsp:sp modelId="{56355C77-0649-4FBA-96E8-290F3991074D}">
       <dsp:nvSpPr>
         <dsp:cNvPr id="0" name=""/>
         <dsp:cNvSpPr/>
       </dsp:nvSpPr>
       <dsp:spPr>
         <a:xfrm>
-          <a:off x="7736146" y="2296269"/>
-          <a:ext cx="3290624" cy="902302"/>
+          <a:off x="1072631" y="910489"/>
+          <a:ext cx="1151718" cy="1151718"/>
+        </a:xfrm>
+        <a:prstGeom prst="rect">
+          <a:avLst/>
+        </a:prstGeom>
+        <a:blipFill>
+          <a:blip xmlns:r="http://schemas.openxmlformats.org/officeDocument/2006/relationships" r:embed="rId1">
+            <a:extLst>
+              <a:ext uri="{28A0092B-C50C-407E-A947-70E740481C1C}">
+                <a14:useLocalDpi xmlns:a14="http://schemas.microsoft.com/office/drawing/2010/main" val="0"/>
+              </a:ext>
+              <a:ext uri="{96DAC541-7B7A-43D3-8B79-37D633B846F1}">
+                <asvg:svgBlip xmlns:asvg="http://schemas.microsoft.com/office/drawing/2016/SVG/main" r:embed="rId2"/>
+              </a:ext>
+            </a:extLst>
+          </a:blip>
+          <a:stretch>
+            <a:fillRect/>
+          </a:stretch>
+        </a:blipFill>
+        <a:ln w="22225" cap="rnd" cmpd="sng" algn="ctr">
+          <a:noFill/>
+          <a:prstDash val="solid"/>
+        </a:ln>
+        <a:effectLst/>
+      </dsp:spPr>
+      <dsp:style>
+        <a:lnRef idx="2">
+          <a:scrgbClr r="0" g="0" b="0"/>
+        </a:lnRef>
+        <a:fillRef idx="1">
+          <a:scrgbClr r="0" g="0" b="0"/>
+        </a:fillRef>
+        <a:effectRef idx="0">
+          <a:scrgbClr r="0" g="0" b="0"/>
+        </a:effectRef>
+        <a:fontRef idx="minor">
+          <a:schemeClr val="lt1"/>
+        </a:fontRef>
+      </dsp:style>
+    </dsp:sp>
+    <dsp:sp modelId="{2D1BF861-8E10-4AE6-B76D-517122A1701E}">
+      <dsp:nvSpPr>
+        <dsp:cNvPr id="0" name=""/>
+        <dsp:cNvSpPr/>
+      </dsp:nvSpPr>
+      <dsp:spPr>
+        <a:xfrm>
+          <a:off x="3178" y="2142070"/>
+          <a:ext cx="3290624" cy="493593"/>
         </a:xfrm>
         <a:prstGeom prst="rect">
           <a:avLst/>
@@ -7703,9 +9342,9 @@
         </a:bodyPr>
         <a:lstStyle/>
         <a:p>
-          <a:pPr marL="0" lvl="0" indent="0" algn="ctr" defTabSz="800100">
+          <a:pPr marL="0" lvl="0" indent="0" algn="ctr" defTabSz="711200">
             <a:lnSpc>
-              <a:spcPct val="90000"/>
+              <a:spcPct val="100000"/>
             </a:lnSpc>
             <a:spcBef>
               <a:spcPct val="0"/>
@@ -7714,17 +9353,141 @@
               <a:spcPct val="35000"/>
             </a:spcAft>
             <a:buNone/>
+            <a:defRPr b="1"/>
           </a:pPr>
           <a:r>
-            <a:rPr lang="fr-FR" sz="1800" kern="1200" dirty="0"/>
-            <a:t>Graham</a:t>
+            <a:rPr lang="fr-FR" sz="1600" kern="1200" dirty="0"/>
+            <a:t>Créer un nuage de points aléatoirement</a:t>
           </a:r>
-          <a:endParaRPr lang="en-US" sz="1800" kern="1200" dirty="0"/>
+          <a:endParaRPr lang="en-US" sz="1600" kern="1200" dirty="0"/>
         </a:p>
+      </dsp:txBody>
+      <dsp:txXfrm>
+        <a:off x="3178" y="2142070"/>
+        <a:ext cx="3290624" cy="493593"/>
+      </dsp:txXfrm>
+    </dsp:sp>
+    <dsp:sp modelId="{B6397883-92EC-450C-A3BD-66A74CB08713}">
+      <dsp:nvSpPr>
+        <dsp:cNvPr id="0" name=""/>
+        <dsp:cNvSpPr/>
+      </dsp:nvSpPr>
+      <dsp:spPr>
+        <a:xfrm>
+          <a:off x="3178" y="2672809"/>
+          <a:ext cx="3290624" cy="94938"/>
+        </a:xfrm>
+        <a:prstGeom prst="rect">
+          <a:avLst/>
+        </a:prstGeom>
+        <a:noFill/>
+        <a:ln>
+          <a:noFill/>
+        </a:ln>
+        <a:effectLst/>
+      </dsp:spPr>
+      <dsp:style>
+        <a:lnRef idx="0">
+          <a:scrgbClr r="0" g="0" b="0"/>
+        </a:lnRef>
+        <a:fillRef idx="0">
+          <a:scrgbClr r="0" g="0" b="0"/>
+        </a:fillRef>
+        <a:effectRef idx="0">
+          <a:scrgbClr r="0" g="0" b="0"/>
+        </a:effectRef>
+        <a:fontRef idx="minor"/>
+      </dsp:style>
+    </dsp:sp>
+    <dsp:sp modelId="{D9D14A38-847B-4276-8BB6-611FC361D59F}">
+      <dsp:nvSpPr>
+        <dsp:cNvPr id="0" name=""/>
+        <dsp:cNvSpPr/>
+      </dsp:nvSpPr>
+      <dsp:spPr>
+        <a:xfrm>
+          <a:off x="4939115" y="910489"/>
+          <a:ext cx="1151718" cy="1151718"/>
+        </a:xfrm>
+        <a:prstGeom prst="rect">
+          <a:avLst/>
+        </a:prstGeom>
+        <a:blipFill>
+          <a:blip xmlns:r="http://schemas.openxmlformats.org/officeDocument/2006/relationships" r:embed="rId3">
+            <a:extLst>
+              <a:ext uri="{28A0092B-C50C-407E-A947-70E740481C1C}">
+                <a14:useLocalDpi xmlns:a14="http://schemas.microsoft.com/office/drawing/2010/main" val="0"/>
+              </a:ext>
+              <a:ext uri="{96DAC541-7B7A-43D3-8B79-37D633B846F1}">
+                <asvg:svgBlip xmlns:asvg="http://schemas.microsoft.com/office/drawing/2016/SVG/main" r:embed="rId4"/>
+              </a:ext>
+            </a:extLst>
+          </a:blip>
+          <a:stretch>
+            <a:fillRect/>
+          </a:stretch>
+        </a:blipFill>
+        <a:ln w="22225" cap="rnd" cmpd="sng" algn="ctr">
+          <a:noFill/>
+          <a:prstDash val="solid"/>
+        </a:ln>
+        <a:effectLst/>
+      </dsp:spPr>
+      <dsp:style>
+        <a:lnRef idx="2">
+          <a:scrgbClr r="0" g="0" b="0"/>
+        </a:lnRef>
+        <a:fillRef idx="1">
+          <a:scrgbClr r="0" g="0" b="0"/>
+        </a:fillRef>
+        <a:effectRef idx="0">
+          <a:scrgbClr r="0" g="0" b="0"/>
+        </a:effectRef>
+        <a:fontRef idx="minor">
+          <a:schemeClr val="lt1"/>
+        </a:fontRef>
+      </dsp:style>
+    </dsp:sp>
+    <dsp:sp modelId="{FBB2C3FD-1CAE-4AD4-BAAE-C7BEC84D6F1D}">
+      <dsp:nvSpPr>
+        <dsp:cNvPr id="0" name=""/>
+        <dsp:cNvSpPr/>
+      </dsp:nvSpPr>
+      <dsp:spPr>
+        <a:xfrm>
+          <a:off x="3869662" y="2142070"/>
+          <a:ext cx="3290624" cy="493593"/>
+        </a:xfrm>
+        <a:prstGeom prst="rect">
+          <a:avLst/>
+        </a:prstGeom>
+        <a:noFill/>
+        <a:ln>
+          <a:noFill/>
+        </a:ln>
+        <a:effectLst/>
+      </dsp:spPr>
+      <dsp:style>
+        <a:lnRef idx="0">
+          <a:scrgbClr r="0" g="0" b="0"/>
+        </a:lnRef>
+        <a:fillRef idx="0">
+          <a:scrgbClr r="0" g="0" b="0"/>
+        </a:fillRef>
+        <a:effectRef idx="0">
+          <a:scrgbClr r="0" g="0" b="0"/>
+        </a:effectRef>
+        <a:fontRef idx="minor"/>
+      </dsp:style>
+      <dsp:txBody>
+        <a:bodyPr spcFirstLastPara="0" vert="horz" wrap="square" lIns="0" tIns="0" rIns="0" bIns="0" numCol="1" spcCol="1270" anchor="t" anchorCtr="0">
+          <a:noAutofit/>
+        </a:bodyPr>
+        <a:lstStyle/>
         <a:p>
-          <a:pPr marL="0" lvl="0" indent="0" algn="ctr" defTabSz="800100">
+          <a:pPr marL="0" lvl="0" indent="0" algn="ctr" defTabSz="711200">
             <a:lnSpc>
-              <a:spcPct val="90000"/>
+              <a:spcPct val="100000"/>
             </a:lnSpc>
             <a:spcBef>
               <a:spcPct val="0"/>
@@ -7733,17 +9496,139 @@
               <a:spcPct val="35000"/>
             </a:spcAft>
             <a:buNone/>
+            <a:defRPr b="1"/>
           </a:pPr>
           <a:r>
-            <a:rPr lang="fr-FR" sz="1800" kern="1200" dirty="0"/>
-            <a:t>Jarvis</a:t>
+            <a:rPr lang="fr-FR" sz="1600" kern="1200" dirty="0"/>
+            <a:t>Trouver l’enveloppe convexe</a:t>
           </a:r>
-          <a:endParaRPr lang="en-US" sz="1800" kern="1200" dirty="0"/>
+          <a:endParaRPr lang="en-US" sz="1600" kern="1200" dirty="0"/>
         </a:p>
+      </dsp:txBody>
+      <dsp:txXfrm>
+        <a:off x="3869662" y="2142070"/>
+        <a:ext cx="3290624" cy="493593"/>
+      </dsp:txXfrm>
+    </dsp:sp>
+    <dsp:sp modelId="{B99D381F-8B50-4CFE-9EE9-B82E63CD2120}">
+      <dsp:nvSpPr>
+        <dsp:cNvPr id="0" name=""/>
+        <dsp:cNvSpPr/>
+      </dsp:nvSpPr>
+      <dsp:spPr>
+        <a:xfrm>
+          <a:off x="3869662" y="2672809"/>
+          <a:ext cx="3290624" cy="94938"/>
+        </a:xfrm>
+        <a:prstGeom prst="rect">
+          <a:avLst/>
+        </a:prstGeom>
+        <a:noFill/>
+        <a:ln>
+          <a:noFill/>
+        </a:ln>
+        <a:effectLst/>
+      </dsp:spPr>
+      <dsp:style>
+        <a:lnRef idx="0">
+          <a:scrgbClr r="0" g="0" b="0"/>
+        </a:lnRef>
+        <a:fillRef idx="0">
+          <a:scrgbClr r="0" g="0" b="0"/>
+        </a:fillRef>
+        <a:effectRef idx="0">
+          <a:scrgbClr r="0" g="0" b="0"/>
+        </a:effectRef>
+        <a:fontRef idx="minor"/>
+      </dsp:style>
+    </dsp:sp>
+    <dsp:sp modelId="{212028BF-30F0-4D12-B464-2C16ED625FE2}">
+      <dsp:nvSpPr>
+        <dsp:cNvPr id="0" name=""/>
+        <dsp:cNvSpPr/>
+      </dsp:nvSpPr>
+      <dsp:spPr>
+        <a:xfrm>
+          <a:off x="8805600" y="910489"/>
+          <a:ext cx="1151718" cy="1151718"/>
+        </a:xfrm>
+        <a:prstGeom prst="rect">
+          <a:avLst/>
+        </a:prstGeom>
+        <a:blipFill>
+          <a:blip xmlns:r="http://schemas.openxmlformats.org/officeDocument/2006/relationships" r:embed="rId5">
+            <a:extLst>
+              <a:ext uri="{96DAC541-7B7A-43D3-8B79-37D633B846F1}">
+                <asvg:svgBlip xmlns:asvg="http://schemas.microsoft.com/office/drawing/2016/SVG/main" r:embed="rId6"/>
+              </a:ext>
+            </a:extLst>
+          </a:blip>
+          <a:srcRect/>
+          <a:stretch>
+            <a:fillRect/>
+          </a:stretch>
+        </a:blipFill>
+        <a:ln w="22225" cap="rnd" cmpd="sng" algn="ctr">
+          <a:noFill/>
+          <a:prstDash val="solid"/>
+        </a:ln>
+        <a:effectLst/>
+      </dsp:spPr>
+      <dsp:style>
+        <a:lnRef idx="2">
+          <a:scrgbClr r="0" g="0" b="0"/>
+        </a:lnRef>
+        <a:fillRef idx="1">
+          <a:scrgbClr r="0" g="0" b="0"/>
+        </a:fillRef>
+        <a:effectRef idx="0">
+          <a:scrgbClr r="0" g="0" b="0"/>
+        </a:effectRef>
+        <a:fontRef idx="minor">
+          <a:schemeClr val="lt1"/>
+        </a:fontRef>
+      </dsp:style>
+    </dsp:sp>
+    <dsp:sp modelId="{B77A3719-ABB1-4060-B31E-FF16BA2ED8DA}">
+      <dsp:nvSpPr>
+        <dsp:cNvPr id="0" name=""/>
+        <dsp:cNvSpPr/>
+      </dsp:nvSpPr>
+      <dsp:spPr>
+        <a:xfrm>
+          <a:off x="7736146" y="2142070"/>
+          <a:ext cx="3290624" cy="493593"/>
+        </a:xfrm>
+        <a:prstGeom prst="rect">
+          <a:avLst/>
+        </a:prstGeom>
+        <a:noFill/>
+        <a:ln>
+          <a:noFill/>
+        </a:ln>
+        <a:effectLst/>
+      </dsp:spPr>
+      <dsp:style>
+        <a:lnRef idx="0">
+          <a:scrgbClr r="0" g="0" b="0"/>
+        </a:lnRef>
+        <a:fillRef idx="0">
+          <a:scrgbClr r="0" g="0" b="0"/>
+        </a:fillRef>
+        <a:effectRef idx="0">
+          <a:scrgbClr r="0" g="0" b="0"/>
+        </a:effectRef>
+        <a:fontRef idx="minor"/>
+      </dsp:style>
+      <dsp:txBody>
+        <a:bodyPr spcFirstLastPara="0" vert="horz" wrap="square" lIns="0" tIns="0" rIns="0" bIns="0" numCol="1" spcCol="1270" anchor="t" anchorCtr="0">
+          <a:noAutofit/>
+        </a:bodyPr>
+        <a:lstStyle/>
         <a:p>
-          <a:pPr marL="0" lvl="0" indent="0" algn="ctr" defTabSz="800100">
+          <a:pPr marL="0" lvl="0" indent="0" algn="ctr" defTabSz="711200">
             <a:lnSpc>
-              <a:spcPct val="90000"/>
+              <a:spcPct val="100000"/>
             </a:lnSpc>
             <a:spcBef>
               <a:spcPct val="0"/>
@@ -7752,24 +9637,258 @@
               <a:spcPct val="35000"/>
             </a:spcAft>
             <a:buNone/>
+            <a:defRPr b="1"/>
           </a:pPr>
           <a:r>
-            <a:rPr lang="fr-FR" sz="1800" kern="1200" dirty="0"/>
-            <a:t>Quickhull </a:t>
+            <a:rPr lang="fr-FR" sz="1600" kern="1200" dirty="0"/>
+            <a:t>Trois méthodes de calcul</a:t>
           </a:r>
-          <a:endParaRPr lang="en-US" sz="1800" kern="1200" dirty="0"/>
+          <a:endParaRPr lang="en-US" sz="1600" kern="1200" dirty="0"/>
         </a:p>
       </dsp:txBody>
       <dsp:txXfrm>
-        <a:off x="7736146" y="2296269"/>
-        <a:ext cx="3290624" cy="902302"/>
+        <a:off x="7736146" y="2142070"/>
+        <a:ext cx="3290624" cy="493593"/>
       </dsp:txXfrm>
+    </dsp:sp>
+    <dsp:sp modelId="{37E2BB99-50E0-4BD5-B284-489FCF1DE021}">
+      <dsp:nvSpPr>
+        <dsp:cNvPr id="0" name=""/>
+        <dsp:cNvSpPr/>
+      </dsp:nvSpPr>
+      <dsp:spPr>
+        <a:xfrm>
+          <a:off x="7736146" y="2672809"/>
+          <a:ext cx="3290624" cy="94938"/>
+        </a:xfrm>
+        <a:prstGeom prst="rect">
+          <a:avLst/>
+        </a:prstGeom>
+        <a:noFill/>
+        <a:ln>
+          <a:noFill/>
+        </a:ln>
+        <a:effectLst/>
+      </dsp:spPr>
+      <dsp:style>
+        <a:lnRef idx="0">
+          <a:scrgbClr r="0" g="0" b="0"/>
+        </a:lnRef>
+        <a:fillRef idx="0">
+          <a:scrgbClr r="0" g="0" b="0"/>
+        </a:fillRef>
+        <a:effectRef idx="0">
+          <a:scrgbClr r="0" g="0" b="0"/>
+        </a:effectRef>
+        <a:fontRef idx="minor"/>
+      </dsp:style>
     </dsp:sp>
   </dsp:spTree>
 </dsp:drawing>
 </file>
 
 <file path=ppt/diagrams/layout1.xml><?xml version="1.0" encoding="utf-8"?>
+<dgm:layoutDef xmlns:dgm="http://schemas.openxmlformats.org/drawingml/2006/diagram" xmlns:a="http://schemas.openxmlformats.org/drawingml/2006/main" uniqueId="urn:microsoft.com/office/officeart/2018/5/layout/CenteredIconLabelDescriptionList">
+  <dgm:title val="Centered Icon Label Description List"/>
+  <dgm:desc val="Use to show non-sequential or grouped chunks of information. The placeholder holds an icon or small picture, and corresponding text boxes show Level 1 and Level 2 text respectively. Works well for minimal Level 1 text accompanied by lengthier Level two text."/>
+  <dgm:catLst>
+    <dgm:cat type="icon" pri="500"/>
+  </dgm:catLst>
+  <dgm:sampData useDef="1">
+    <dgm:dataModel>
+      <dgm:ptLst/>
+      <dgm:bg/>
+      <dgm:whole/>
+    </dgm:dataModel>
+  </dgm:sampData>
+  <dgm:styleData useDef="1">
+    <dgm:dataModel>
+      <dgm:ptLst/>
+      <dgm:bg/>
+      <dgm:whole/>
+    </dgm:dataModel>
+  </dgm:styleData>
+  <dgm:clrData useDef="1">
+    <dgm:dataModel>
+      <dgm:ptLst/>
+      <dgm:bg/>
+      <dgm:whole/>
+    </dgm:dataModel>
+  </dgm:clrData>
+  <dgm:layoutNode name="root">
+    <dgm:varLst>
+      <dgm:dir/>
+      <dgm:resizeHandles val="exact"/>
+    </dgm:varLst>
+    <dgm:choose name="Name0">
+      <dgm:if name="Name1" axis="self" func="var" arg="dir" op="equ" val="norm">
+        <dgm:alg type="lin"/>
+      </dgm:if>
+      <dgm:else name="Name2">
+        <dgm:alg type="lin">
+          <dgm:param type="linDir" val="fromR"/>
+        </dgm:alg>
+      </dgm:else>
+    </dgm:choose>
+    <dgm:shape xmlns:r="http://schemas.openxmlformats.org/officeDocument/2006/relationships" r:blip="">
+      <dgm:adjLst/>
+    </dgm:shape>
+    <dgm:presOf/>
+    <dgm:constrLst>
+      <dgm:constr type="h" for="ch" forName="compNode" refType="h" fact="0.45"/>
+      <dgm:constr type="w" for="ch" forName="compNode" val="120"/>
+      <dgm:constr type="w" for="ch" forName="sibTrans" refType="w" refFor="ch" refForName="compNode" fact="0.175"/>
+      <dgm:constr type="primFontSz" for="des" forName="parTx" val="36"/>
+      <dgm:constr type="primFontSz" for="des" forName="desTx" refType="primFontSz" refFor="des" refForName="parTx" op="lte" fact="0.75"/>
+      <dgm:constr type="h" for="des" forName="compNode" op="equ"/>
+      <dgm:constr type="h" for="des" forName="iconRect" op="equ"/>
+      <dgm:constr type="w" for="des" forName="iconRect" op="equ"/>
+      <dgm:constr type="h" for="des" forName="iconSpace" op="equ"/>
+      <dgm:constr type="h" for="des" forName="parTx" op="equ"/>
+      <dgm:constr type="h" for="des" forName="txSpace" op="equ"/>
+      <dgm:constr type="h" for="des" forName="desTx" op="equ"/>
+    </dgm:constrLst>
+    <dgm:ruleLst>
+      <dgm:rule type="w" for="ch" forName="compNode" val="0" fact="NaN" max="NaN"/>
+    </dgm:ruleLst>
+    <dgm:forEach name="Name3" axis="ch" ptType="node">
+      <dgm:layoutNode name="compNode">
+        <dgm:alg type="composite"/>
+        <dgm:shape xmlns:r="http://schemas.openxmlformats.org/officeDocument/2006/relationships" r:blip="">
+          <dgm:adjLst/>
+        </dgm:shape>
+        <dgm:presOf axis="self"/>
+        <dgm:constrLst>
+          <dgm:constr type="w" for="ch" forName="iconRect" refType="w" fact="0.35"/>
+          <dgm:constr type="h" for="ch" forName="iconRect" refType="w" refFor="ch" refForName="iconRect"/>
+          <dgm:constr type="ctrX" for="ch" forName="iconRect" refType="w" fact="0.5"/>
+          <dgm:constr type="t" for="ch" forName="iconRect"/>
+          <dgm:constr type="w" for="ch" forName="iconSpace" refType="w"/>
+          <dgm:constr type="h" for="ch" forName="iconSpace" refType="h" fact="0.043"/>
+          <dgm:constr type="l" for="ch" forName="iconSpace"/>
+          <dgm:constr type="t" for="ch" forName="iconSpace" refType="b" refFor="ch" refForName="iconRect"/>
+          <dgm:constr type="w" for="ch" forName="parTx" refType="w"/>
+          <dgm:constr type="h" for="ch" forName="parTx" refType="w" fact="0.15"/>
+          <dgm:constr type="l" for="ch" forName="parTx"/>
+          <dgm:constr type="t" for="ch" forName="parTx" refType="b" refFor="ch" refForName="iconSpace"/>
+          <dgm:constr type="h" for="ch" forName="txSpace" refType="h" fact="0.02"/>
+          <dgm:constr type="w" for="ch" forName="txSpace" refType="w"/>
+          <dgm:constr type="l" for="ch" forName="txSpace"/>
+          <dgm:constr type="t" for="ch" forName="txSpace" refType="b" refFor="ch" refForName="parTx"/>
+          <dgm:constr type="w" for="ch" forName="desTx" refType="w"/>
+          <dgm:constr type="l" for="ch" forName="desTx"/>
+          <dgm:constr type="t" for="ch" forName="desTx" refType="b" refFor="ch" refForName="txSpace"/>
+        </dgm:constrLst>
+        <dgm:ruleLst>
+          <dgm:rule type="h" val="INF" fact="NaN" max="NaN"/>
+        </dgm:ruleLst>
+        <dgm:layoutNode name="iconRect" styleLbl="node1">
+          <dgm:alg type="sp"/>
+          <dgm:shape xmlns:r="http://schemas.openxmlformats.org/officeDocument/2006/relationships" type="rect" r:blip="" blipPhldr="1">
+            <dgm:adjLst/>
+          </dgm:shape>
+          <dgm:presOf/>
+          <dgm:constrLst/>
+          <dgm:ruleLst/>
+        </dgm:layoutNode>
+        <dgm:layoutNode name="iconSpace">
+          <dgm:alg type="sp"/>
+          <dgm:shape xmlns:r="http://schemas.openxmlformats.org/officeDocument/2006/relationships" r:blip="">
+            <dgm:adjLst/>
+          </dgm:shape>
+          <dgm:presOf/>
+          <dgm:constrLst/>
+          <dgm:ruleLst/>
+        </dgm:layoutNode>
+        <dgm:layoutNode name="parTx" styleLbl="revTx">
+          <dgm:varLst>
+            <dgm:chMax val="0"/>
+            <dgm:chPref val="0"/>
+          </dgm:varLst>
+          <dgm:alg type="tx">
+            <dgm:param type="txAnchorVert" val="t"/>
+          </dgm:alg>
+          <dgm:shape xmlns:r="http://schemas.openxmlformats.org/officeDocument/2006/relationships" type="rect" r:blip="">
+            <dgm:adjLst/>
+          </dgm:shape>
+          <dgm:presOf axis="self" ptType="node"/>
+          <dgm:constrLst>
+            <dgm:constr type="lMarg"/>
+            <dgm:constr type="rMarg"/>
+            <dgm:constr type="tMarg"/>
+            <dgm:constr type="bMarg"/>
+          </dgm:constrLst>
+          <dgm:ruleLst>
+            <dgm:rule type="primFontSz" val="14" fact="NaN" max="NaN"/>
+            <dgm:rule type="h" val="INF" fact="NaN" max="NaN"/>
+          </dgm:ruleLst>
+        </dgm:layoutNode>
+        <dgm:layoutNode name="txSpace">
+          <dgm:alg type="sp"/>
+          <dgm:shape xmlns:r="http://schemas.openxmlformats.org/officeDocument/2006/relationships" r:blip="">
+            <dgm:adjLst/>
+          </dgm:shape>
+          <dgm:presOf/>
+          <dgm:constrLst/>
+          <dgm:ruleLst/>
+        </dgm:layoutNode>
+        <dgm:layoutNode name="desTx" styleLbl="revTx">
+          <dgm:varLst/>
+          <dgm:alg type="tx">
+            <dgm:param type="stBulletLvl" val="0"/>
+            <dgm:param type="txAnchorVert" val="t"/>
+          </dgm:alg>
+          <dgm:shape xmlns:r="http://schemas.openxmlformats.org/officeDocument/2006/relationships" type="rect" r:blip="">
+            <dgm:adjLst/>
+          </dgm:shape>
+          <dgm:presOf axis="des" ptType="node"/>
+          <dgm:constrLst>
+            <dgm:constr type="secFontSz" refType="primFontSz"/>
+            <dgm:constr type="lMarg"/>
+            <dgm:constr type="rMarg"/>
+            <dgm:constr type="tMarg"/>
+            <dgm:constr type="bMarg"/>
+          </dgm:constrLst>
+          <dgm:ruleLst>
+            <dgm:rule type="primFontSz" val="NaN" fact="NaN" max="17"/>
+            <dgm:rule type="h" val="INF" fact="NaN" max="NaN"/>
+          </dgm:ruleLst>
+        </dgm:layoutNode>
+      </dgm:layoutNode>
+      <dgm:forEach name="Name4" axis="followSib" ptType="sibTrans" cnt="1">
+        <dgm:layoutNode name="sibTrans">
+          <dgm:alg type="sp"/>
+          <dgm:shape xmlns:r="http://schemas.openxmlformats.org/officeDocument/2006/relationships" r:blip="">
+            <dgm:adjLst/>
+          </dgm:shape>
+          <dgm:presOf axis="self"/>
+          <dgm:constrLst/>
+          <dgm:ruleLst/>
+        </dgm:layoutNode>
+      </dgm:forEach>
+    </dgm:forEach>
+  </dgm:layoutNode>
+  <dgm:extLst>
+    <a:ext uri="{68A01E43-0DF5-4B5B-8FA6-DAF915123BFB}">
+      <dgm1612:lstStyle xmlns:dgm1612="http://schemas.microsoft.com/office/drawing/2016/12/diagram">
+        <a:lvl1pPr>
+          <a:lnSpc>
+            <a:spcPct val="100000"/>
+          </a:lnSpc>
+          <a:defRPr b="1"/>
+        </a:lvl1pPr>
+        <a:lvl2pPr>
+          <a:lnSpc>
+            <a:spcPct val="100000"/>
+          </a:lnSpc>
+        </a:lvl2pPr>
+      </dgm1612:lstStyle>
+    </a:ext>
+  </dgm:extLst>
+</dgm:layoutDef>
+</file>
+
+<file path=ppt/diagrams/layout2.xml><?xml version="1.0" encoding="utf-8"?>
 <dgm:layoutDef xmlns:dgm="http://schemas.openxmlformats.org/drawingml/2006/diagram" xmlns:a="http://schemas.openxmlformats.org/drawingml/2006/main" uniqueId="urn:microsoft.com/office/officeart/2018/5/layout/CenteredIconLabelDescriptionList">
   <dgm:title val="Centered Icon Label Description List"/>
   <dgm:desc val="Use to show non-sequential or grouped chunks of information. The placeholder holds an icon or small picture, and corresponding text boxes show Level 1 and Level 2 text respectively. Works well for minimal Level 1 text accompanied by lengthier Level two text."/>
@@ -9004,6 +11123,1040 @@
 </dgm:styleDef>
 </file>
 
+<file path=ppt/diagrams/quickStyle2.xml><?xml version="1.0" encoding="utf-8"?>
+<dgm:styleDef xmlns:dgm="http://schemas.openxmlformats.org/drawingml/2006/diagram" xmlns:a="http://schemas.openxmlformats.org/drawingml/2006/main" uniqueId="urn:microsoft.com/office/officeart/2005/8/quickstyle/simple1">
+  <dgm:title val=""/>
+  <dgm:desc val=""/>
+  <dgm:catLst>
+    <dgm:cat type="simple" pri="10100"/>
+  </dgm:catLst>
+  <dgm:scene3d>
+    <a:camera prst="orthographicFront"/>
+    <a:lightRig rig="threePt" dir="t"/>
+  </dgm:scene3d>
+  <dgm:styleLbl name="node0">
+    <dgm:scene3d>
+      <a:camera prst="orthographicFront"/>
+      <a:lightRig rig="threePt" dir="t"/>
+    </dgm:scene3d>
+    <dgm:sp3d/>
+    <dgm:txPr/>
+    <dgm:style>
+      <a:lnRef idx="2">
+        <a:scrgbClr r="0" g="0" b="0"/>
+      </a:lnRef>
+      <a:fillRef idx="1">
+        <a:scrgbClr r="0" g="0" b="0"/>
+      </a:fillRef>
+      <a:effectRef idx="0">
+        <a:scrgbClr r="0" g="0" b="0"/>
+      </a:effectRef>
+      <a:fontRef idx="minor">
+        <a:schemeClr val="lt1"/>
+      </a:fontRef>
+    </dgm:style>
+  </dgm:styleLbl>
+  <dgm:styleLbl name="lnNode1">
+    <dgm:scene3d>
+      <a:camera prst="orthographicFront"/>
+      <a:lightRig rig="threePt" dir="t"/>
+    </dgm:scene3d>
+    <dgm:sp3d/>
+    <dgm:txPr/>
+    <dgm:style>
+      <a:lnRef idx="2">
+        <a:scrgbClr r="0" g="0" b="0"/>
+      </a:lnRef>
+      <a:fillRef idx="1">
+        <a:scrgbClr r="0" g="0" b="0"/>
+      </a:fillRef>
+      <a:effectRef idx="0">
+        <a:scrgbClr r="0" g="0" b="0"/>
+      </a:effectRef>
+      <a:fontRef idx="minor">
+        <a:schemeClr val="lt1"/>
+      </a:fontRef>
+    </dgm:style>
+  </dgm:styleLbl>
+  <dgm:styleLbl name="vennNode1">
+    <dgm:scene3d>
+      <a:camera prst="orthographicFront"/>
+      <a:lightRig rig="threePt" dir="t"/>
+    </dgm:scene3d>
+    <dgm:sp3d/>
+    <dgm:txPr/>
+    <dgm:style>
+      <a:lnRef idx="2">
+        <a:scrgbClr r="0" g="0" b="0"/>
+      </a:lnRef>
+      <a:fillRef idx="1">
+        <a:scrgbClr r="0" g="0" b="0"/>
+      </a:fillRef>
+      <a:effectRef idx="0">
+        <a:scrgbClr r="0" g="0" b="0"/>
+      </a:effectRef>
+      <a:fontRef idx="minor">
+        <a:schemeClr val="tx1"/>
+      </a:fontRef>
+    </dgm:style>
+  </dgm:styleLbl>
+  <dgm:styleLbl name="alignNode1">
+    <dgm:scene3d>
+      <a:camera prst="orthographicFront"/>
+      <a:lightRig rig="threePt" dir="t"/>
+    </dgm:scene3d>
+    <dgm:sp3d/>
+    <dgm:txPr/>
+    <dgm:style>
+      <a:lnRef idx="2">
+        <a:scrgbClr r="0" g="0" b="0"/>
+      </a:lnRef>
+      <a:fillRef idx="1">
+        <a:scrgbClr r="0" g="0" b="0"/>
+      </a:fillRef>
+      <a:effectRef idx="0">
+        <a:scrgbClr r="0" g="0" b="0"/>
+      </a:effectRef>
+      <a:fontRef idx="minor">
+        <a:schemeClr val="lt1"/>
+      </a:fontRef>
+    </dgm:style>
+  </dgm:styleLbl>
+  <dgm:styleLbl name="node1">
+    <dgm:scene3d>
+      <a:camera prst="orthographicFront"/>
+      <a:lightRig rig="threePt" dir="t"/>
+    </dgm:scene3d>
+    <dgm:sp3d/>
+    <dgm:txPr/>
+    <dgm:style>
+      <a:lnRef idx="2">
+        <a:scrgbClr r="0" g="0" b="0"/>
+      </a:lnRef>
+      <a:fillRef idx="1">
+        <a:scrgbClr r="0" g="0" b="0"/>
+      </a:fillRef>
+      <a:effectRef idx="0">
+        <a:scrgbClr r="0" g="0" b="0"/>
+      </a:effectRef>
+      <a:fontRef idx="minor">
+        <a:schemeClr val="lt1"/>
+      </a:fontRef>
+    </dgm:style>
+  </dgm:styleLbl>
+  <dgm:styleLbl name="node2">
+    <dgm:scene3d>
+      <a:camera prst="orthographicFront"/>
+      <a:lightRig rig="threePt" dir="t"/>
+    </dgm:scene3d>
+    <dgm:sp3d/>
+    <dgm:txPr/>
+    <dgm:style>
+      <a:lnRef idx="2">
+        <a:scrgbClr r="0" g="0" b="0"/>
+      </a:lnRef>
+      <a:fillRef idx="1">
+        <a:scrgbClr r="0" g="0" b="0"/>
+      </a:fillRef>
+      <a:effectRef idx="0">
+        <a:scrgbClr r="0" g="0" b="0"/>
+      </a:effectRef>
+      <a:fontRef idx="minor">
+        <a:schemeClr val="lt1"/>
+      </a:fontRef>
+    </dgm:style>
+  </dgm:styleLbl>
+  <dgm:styleLbl name="node3">
+    <dgm:scene3d>
+      <a:camera prst="orthographicFront"/>
+      <a:lightRig rig="threePt" dir="t"/>
+    </dgm:scene3d>
+    <dgm:sp3d/>
+    <dgm:txPr/>
+    <dgm:style>
+      <a:lnRef idx="2">
+        <a:scrgbClr r="0" g="0" b="0"/>
+      </a:lnRef>
+      <a:fillRef idx="1">
+        <a:scrgbClr r="0" g="0" b="0"/>
+      </a:fillRef>
+      <a:effectRef idx="0">
+        <a:scrgbClr r="0" g="0" b="0"/>
+      </a:effectRef>
+      <a:fontRef idx="minor">
+        <a:schemeClr val="lt1"/>
+      </a:fontRef>
+    </dgm:style>
+  </dgm:styleLbl>
+  <dgm:styleLbl name="node4">
+    <dgm:scene3d>
+      <a:camera prst="orthographicFront"/>
+      <a:lightRig rig="threePt" dir="t"/>
+    </dgm:scene3d>
+    <dgm:sp3d/>
+    <dgm:txPr/>
+    <dgm:style>
+      <a:lnRef idx="2">
+        <a:scrgbClr r="0" g="0" b="0"/>
+      </a:lnRef>
+      <a:fillRef idx="1">
+        <a:scrgbClr r="0" g="0" b="0"/>
+      </a:fillRef>
+      <a:effectRef idx="0">
+        <a:scrgbClr r="0" g="0" b="0"/>
+      </a:effectRef>
+      <a:fontRef idx="minor">
+        <a:schemeClr val="lt1"/>
+      </a:fontRef>
+    </dgm:style>
+  </dgm:styleLbl>
+  <dgm:styleLbl name="fgImgPlace1">
+    <dgm:scene3d>
+      <a:camera prst="orthographicFront"/>
+      <a:lightRig rig="threePt" dir="t"/>
+    </dgm:scene3d>
+    <dgm:sp3d/>
+    <dgm:txPr/>
+    <dgm:style>
+      <a:lnRef idx="2">
+        <a:scrgbClr r="0" g="0" b="0"/>
+      </a:lnRef>
+      <a:fillRef idx="1">
+        <a:scrgbClr r="0" g="0" b="0"/>
+      </a:fillRef>
+      <a:effectRef idx="0">
+        <a:scrgbClr r="0" g="0" b="0"/>
+      </a:effectRef>
+      <a:fontRef idx="minor"/>
+    </dgm:style>
+  </dgm:styleLbl>
+  <dgm:styleLbl name="alignImgPlace1">
+    <dgm:scene3d>
+      <a:camera prst="orthographicFront"/>
+      <a:lightRig rig="threePt" dir="t"/>
+    </dgm:scene3d>
+    <dgm:sp3d/>
+    <dgm:txPr/>
+    <dgm:style>
+      <a:lnRef idx="2">
+        <a:scrgbClr r="0" g="0" b="0"/>
+      </a:lnRef>
+      <a:fillRef idx="1">
+        <a:scrgbClr r="0" g="0" b="0"/>
+      </a:fillRef>
+      <a:effectRef idx="0">
+        <a:scrgbClr r="0" g="0" b="0"/>
+      </a:effectRef>
+      <a:fontRef idx="minor"/>
+    </dgm:style>
+  </dgm:styleLbl>
+  <dgm:styleLbl name="bgImgPlace1">
+    <dgm:scene3d>
+      <a:camera prst="orthographicFront"/>
+      <a:lightRig rig="threePt" dir="t"/>
+    </dgm:scene3d>
+    <dgm:sp3d/>
+    <dgm:txPr/>
+    <dgm:style>
+      <a:lnRef idx="2">
+        <a:scrgbClr r="0" g="0" b="0"/>
+      </a:lnRef>
+      <a:fillRef idx="1">
+        <a:scrgbClr r="0" g="0" b="0"/>
+      </a:fillRef>
+      <a:effectRef idx="0">
+        <a:scrgbClr r="0" g="0" b="0"/>
+      </a:effectRef>
+      <a:fontRef idx="minor"/>
+    </dgm:style>
+  </dgm:styleLbl>
+  <dgm:styleLbl name="sibTrans2D1">
+    <dgm:scene3d>
+      <a:camera prst="orthographicFront"/>
+      <a:lightRig rig="threePt" dir="t"/>
+    </dgm:scene3d>
+    <dgm:sp3d/>
+    <dgm:txPr/>
+    <dgm:style>
+      <a:lnRef idx="0">
+        <a:scrgbClr r="0" g="0" b="0"/>
+      </a:lnRef>
+      <a:fillRef idx="1">
+        <a:scrgbClr r="0" g="0" b="0"/>
+      </a:fillRef>
+      <a:effectRef idx="0">
+        <a:scrgbClr r="0" g="0" b="0"/>
+      </a:effectRef>
+      <a:fontRef idx="minor">
+        <a:schemeClr val="lt1"/>
+      </a:fontRef>
+    </dgm:style>
+  </dgm:styleLbl>
+  <dgm:styleLbl name="fgSibTrans2D1">
+    <dgm:scene3d>
+      <a:camera prst="orthographicFront"/>
+      <a:lightRig rig="threePt" dir="t"/>
+    </dgm:scene3d>
+    <dgm:sp3d/>
+    <dgm:txPr/>
+    <dgm:style>
+      <a:lnRef idx="0">
+        <a:scrgbClr r="0" g="0" b="0"/>
+      </a:lnRef>
+      <a:fillRef idx="1">
+        <a:scrgbClr r="0" g="0" b="0"/>
+      </a:fillRef>
+      <a:effectRef idx="0">
+        <a:scrgbClr r="0" g="0" b="0"/>
+      </a:effectRef>
+      <a:fontRef idx="minor">
+        <a:schemeClr val="lt1"/>
+      </a:fontRef>
+    </dgm:style>
+  </dgm:styleLbl>
+  <dgm:styleLbl name="bgSibTrans2D1">
+    <dgm:scene3d>
+      <a:camera prst="orthographicFront"/>
+      <a:lightRig rig="threePt" dir="t"/>
+    </dgm:scene3d>
+    <dgm:sp3d/>
+    <dgm:txPr/>
+    <dgm:style>
+      <a:lnRef idx="0">
+        <a:scrgbClr r="0" g="0" b="0"/>
+      </a:lnRef>
+      <a:fillRef idx="1">
+        <a:scrgbClr r="0" g="0" b="0"/>
+      </a:fillRef>
+      <a:effectRef idx="0">
+        <a:scrgbClr r="0" g="0" b="0"/>
+      </a:effectRef>
+      <a:fontRef idx="minor">
+        <a:schemeClr val="lt1"/>
+      </a:fontRef>
+    </dgm:style>
+  </dgm:styleLbl>
+  <dgm:styleLbl name="sibTrans1D1">
+    <dgm:scene3d>
+      <a:camera prst="orthographicFront"/>
+      <a:lightRig rig="threePt" dir="t"/>
+    </dgm:scene3d>
+    <dgm:sp3d/>
+    <dgm:txPr/>
+    <dgm:style>
+      <a:lnRef idx="1">
+        <a:scrgbClr r="0" g="0" b="0"/>
+      </a:lnRef>
+      <a:fillRef idx="0">
+        <a:scrgbClr r="0" g="0" b="0"/>
+      </a:fillRef>
+      <a:effectRef idx="0">
+        <a:scrgbClr r="0" g="0" b="0"/>
+      </a:effectRef>
+      <a:fontRef idx="minor"/>
+    </dgm:style>
+  </dgm:styleLbl>
+  <dgm:styleLbl name="callout">
+    <dgm:scene3d>
+      <a:camera prst="orthographicFront"/>
+      <a:lightRig rig="threePt" dir="t"/>
+    </dgm:scene3d>
+    <dgm:sp3d/>
+    <dgm:txPr/>
+    <dgm:style>
+      <a:lnRef idx="2">
+        <a:scrgbClr r="0" g="0" b="0"/>
+      </a:lnRef>
+      <a:fillRef idx="1">
+        <a:scrgbClr r="0" g="0" b="0"/>
+      </a:fillRef>
+      <a:effectRef idx="0">
+        <a:scrgbClr r="0" g="0" b="0"/>
+      </a:effectRef>
+      <a:fontRef idx="minor"/>
+    </dgm:style>
+  </dgm:styleLbl>
+  <dgm:styleLbl name="asst0">
+    <dgm:scene3d>
+      <a:camera prst="orthographicFront"/>
+      <a:lightRig rig="threePt" dir="t"/>
+    </dgm:scene3d>
+    <dgm:sp3d/>
+    <dgm:txPr/>
+    <dgm:style>
+      <a:lnRef idx="2">
+        <a:scrgbClr r="0" g="0" b="0"/>
+      </a:lnRef>
+      <a:fillRef idx="1">
+        <a:scrgbClr r="0" g="0" b="0"/>
+      </a:fillRef>
+      <a:effectRef idx="0">
+        <a:scrgbClr r="0" g="0" b="0"/>
+      </a:effectRef>
+      <a:fontRef idx="minor">
+        <a:schemeClr val="lt1"/>
+      </a:fontRef>
+    </dgm:style>
+  </dgm:styleLbl>
+  <dgm:styleLbl name="asst1">
+    <dgm:scene3d>
+      <a:camera prst="orthographicFront"/>
+      <a:lightRig rig="threePt" dir="t"/>
+    </dgm:scene3d>
+    <dgm:sp3d/>
+    <dgm:txPr/>
+    <dgm:style>
+      <a:lnRef idx="2">
+        <a:scrgbClr r="0" g="0" b="0"/>
+      </a:lnRef>
+      <a:fillRef idx="1">
+        <a:scrgbClr r="0" g="0" b="0"/>
+      </a:fillRef>
+      <a:effectRef idx="0">
+        <a:scrgbClr r="0" g="0" b="0"/>
+      </a:effectRef>
+      <a:fontRef idx="minor">
+        <a:schemeClr val="lt1"/>
+      </a:fontRef>
+    </dgm:style>
+  </dgm:styleLbl>
+  <dgm:styleLbl name="asst2">
+    <dgm:scene3d>
+      <a:camera prst="orthographicFront"/>
+      <a:lightRig rig="threePt" dir="t"/>
+    </dgm:scene3d>
+    <dgm:sp3d/>
+    <dgm:txPr/>
+    <dgm:style>
+      <a:lnRef idx="2">
+        <a:scrgbClr r="0" g="0" b="0"/>
+      </a:lnRef>
+      <a:fillRef idx="1">
+        <a:scrgbClr r="0" g="0" b="0"/>
+      </a:fillRef>
+      <a:effectRef idx="0">
+        <a:scrgbClr r="0" g="0" b="0"/>
+      </a:effectRef>
+      <a:fontRef idx="minor">
+        <a:schemeClr val="lt1"/>
+      </a:fontRef>
+    </dgm:style>
+  </dgm:styleLbl>
+  <dgm:styleLbl name="asst3">
+    <dgm:scene3d>
+      <a:camera prst="orthographicFront"/>
+      <a:lightRig rig="threePt" dir="t"/>
+    </dgm:scene3d>
+    <dgm:sp3d/>
+    <dgm:txPr/>
+    <dgm:style>
+      <a:lnRef idx="2">
+        <a:scrgbClr r="0" g="0" b="0"/>
+      </a:lnRef>
+      <a:fillRef idx="1">
+        <a:scrgbClr r="0" g="0" b="0"/>
+      </a:fillRef>
+      <a:effectRef idx="0">
+        <a:scrgbClr r="0" g="0" b="0"/>
+      </a:effectRef>
+      <a:fontRef idx="minor">
+        <a:schemeClr val="lt1"/>
+      </a:fontRef>
+    </dgm:style>
+  </dgm:styleLbl>
+  <dgm:styleLbl name="asst4">
+    <dgm:scene3d>
+      <a:camera prst="orthographicFront"/>
+      <a:lightRig rig="threePt" dir="t"/>
+    </dgm:scene3d>
+    <dgm:sp3d/>
+    <dgm:txPr/>
+    <dgm:style>
+      <a:lnRef idx="2">
+        <a:scrgbClr r="0" g="0" b="0"/>
+      </a:lnRef>
+      <a:fillRef idx="1">
+        <a:scrgbClr r="0" g="0" b="0"/>
+      </a:fillRef>
+      <a:effectRef idx="0">
+        <a:scrgbClr r="0" g="0" b="0"/>
+      </a:effectRef>
+      <a:fontRef idx="minor">
+        <a:schemeClr val="lt1"/>
+      </a:fontRef>
+    </dgm:style>
+  </dgm:styleLbl>
+  <dgm:styleLbl name="parChTrans2D1">
+    <dgm:scene3d>
+      <a:camera prst="orthographicFront"/>
+      <a:lightRig rig="threePt" dir="t"/>
+    </dgm:scene3d>
+    <dgm:sp3d/>
+    <dgm:txPr/>
+    <dgm:style>
+      <a:lnRef idx="2">
+        <a:scrgbClr r="0" g="0" b="0"/>
+      </a:lnRef>
+      <a:fillRef idx="1">
+        <a:scrgbClr r="0" g="0" b="0"/>
+      </a:fillRef>
+      <a:effectRef idx="0">
+        <a:scrgbClr r="0" g="0" b="0"/>
+      </a:effectRef>
+      <a:fontRef idx="minor">
+        <a:schemeClr val="lt1"/>
+      </a:fontRef>
+    </dgm:style>
+  </dgm:styleLbl>
+  <dgm:styleLbl name="parChTrans2D2">
+    <dgm:scene3d>
+      <a:camera prst="orthographicFront"/>
+      <a:lightRig rig="threePt" dir="t"/>
+    </dgm:scene3d>
+    <dgm:sp3d/>
+    <dgm:txPr/>
+    <dgm:style>
+      <a:lnRef idx="2">
+        <a:scrgbClr r="0" g="0" b="0"/>
+      </a:lnRef>
+      <a:fillRef idx="1">
+        <a:scrgbClr r="0" g="0" b="0"/>
+      </a:fillRef>
+      <a:effectRef idx="0">
+        <a:scrgbClr r="0" g="0" b="0"/>
+      </a:effectRef>
+      <a:fontRef idx="minor">
+        <a:schemeClr val="lt1"/>
+      </a:fontRef>
+    </dgm:style>
+  </dgm:styleLbl>
+  <dgm:styleLbl name="parChTrans2D3">
+    <dgm:scene3d>
+      <a:camera prst="orthographicFront"/>
+      <a:lightRig rig="threePt" dir="t"/>
+    </dgm:scene3d>
+    <dgm:sp3d/>
+    <dgm:txPr/>
+    <dgm:style>
+      <a:lnRef idx="2">
+        <a:scrgbClr r="0" g="0" b="0"/>
+      </a:lnRef>
+      <a:fillRef idx="1">
+        <a:scrgbClr r="0" g="0" b="0"/>
+      </a:fillRef>
+      <a:effectRef idx="0">
+        <a:scrgbClr r="0" g="0" b="0"/>
+      </a:effectRef>
+      <a:fontRef idx="minor">
+        <a:schemeClr val="lt1"/>
+      </a:fontRef>
+    </dgm:style>
+  </dgm:styleLbl>
+  <dgm:styleLbl name="parChTrans2D4">
+    <dgm:scene3d>
+      <a:camera prst="orthographicFront"/>
+      <a:lightRig rig="threePt" dir="t"/>
+    </dgm:scene3d>
+    <dgm:sp3d/>
+    <dgm:txPr/>
+    <dgm:style>
+      <a:lnRef idx="2">
+        <a:scrgbClr r="0" g="0" b="0"/>
+      </a:lnRef>
+      <a:fillRef idx="1">
+        <a:scrgbClr r="0" g="0" b="0"/>
+      </a:fillRef>
+      <a:effectRef idx="0">
+        <a:scrgbClr r="0" g="0" b="0"/>
+      </a:effectRef>
+      <a:fontRef idx="minor">
+        <a:schemeClr val="lt1"/>
+      </a:fontRef>
+    </dgm:style>
+  </dgm:styleLbl>
+  <dgm:styleLbl name="parChTrans1D1">
+    <dgm:scene3d>
+      <a:camera prst="orthographicFront"/>
+      <a:lightRig rig="threePt" dir="t"/>
+    </dgm:scene3d>
+    <dgm:sp3d/>
+    <dgm:txPr/>
+    <dgm:style>
+      <a:lnRef idx="2">
+        <a:scrgbClr r="0" g="0" b="0"/>
+      </a:lnRef>
+      <a:fillRef idx="0">
+        <a:scrgbClr r="0" g="0" b="0"/>
+      </a:fillRef>
+      <a:effectRef idx="0">
+        <a:scrgbClr r="0" g="0" b="0"/>
+      </a:effectRef>
+      <a:fontRef idx="minor"/>
+    </dgm:style>
+  </dgm:styleLbl>
+  <dgm:styleLbl name="parChTrans1D2">
+    <dgm:scene3d>
+      <a:camera prst="orthographicFront"/>
+      <a:lightRig rig="threePt" dir="t"/>
+    </dgm:scene3d>
+    <dgm:sp3d/>
+    <dgm:txPr/>
+    <dgm:style>
+      <a:lnRef idx="2">
+        <a:scrgbClr r="0" g="0" b="0"/>
+      </a:lnRef>
+      <a:fillRef idx="0">
+        <a:scrgbClr r="0" g="0" b="0"/>
+      </a:fillRef>
+      <a:effectRef idx="0">
+        <a:scrgbClr r="0" g="0" b="0"/>
+      </a:effectRef>
+      <a:fontRef idx="minor"/>
+    </dgm:style>
+  </dgm:styleLbl>
+  <dgm:styleLbl name="parChTrans1D3">
+    <dgm:scene3d>
+      <a:camera prst="orthographicFront"/>
+      <a:lightRig rig="threePt" dir="t"/>
+    </dgm:scene3d>
+    <dgm:sp3d/>
+    <dgm:txPr/>
+    <dgm:style>
+      <a:lnRef idx="2">
+        <a:scrgbClr r="0" g="0" b="0"/>
+      </a:lnRef>
+      <a:fillRef idx="0">
+        <a:scrgbClr r="0" g="0" b="0"/>
+      </a:fillRef>
+      <a:effectRef idx="0">
+        <a:scrgbClr r="0" g="0" b="0"/>
+      </a:effectRef>
+      <a:fontRef idx="minor"/>
+    </dgm:style>
+  </dgm:styleLbl>
+  <dgm:styleLbl name="parChTrans1D4">
+    <dgm:scene3d>
+      <a:camera prst="orthographicFront"/>
+      <a:lightRig rig="threePt" dir="t"/>
+    </dgm:scene3d>
+    <dgm:sp3d/>
+    <dgm:txPr/>
+    <dgm:style>
+      <a:lnRef idx="2">
+        <a:scrgbClr r="0" g="0" b="0"/>
+      </a:lnRef>
+      <a:fillRef idx="0">
+        <a:scrgbClr r="0" g="0" b="0"/>
+      </a:fillRef>
+      <a:effectRef idx="0">
+        <a:scrgbClr r="0" g="0" b="0"/>
+      </a:effectRef>
+      <a:fontRef idx="minor"/>
+    </dgm:style>
+  </dgm:styleLbl>
+  <dgm:styleLbl name="fgAcc1">
+    <dgm:scene3d>
+      <a:camera prst="orthographicFront"/>
+      <a:lightRig rig="threePt" dir="t"/>
+    </dgm:scene3d>
+    <dgm:sp3d/>
+    <dgm:txPr/>
+    <dgm:style>
+      <a:lnRef idx="2">
+        <a:scrgbClr r="0" g="0" b="0"/>
+      </a:lnRef>
+      <a:fillRef idx="1">
+        <a:scrgbClr r="0" g="0" b="0"/>
+      </a:fillRef>
+      <a:effectRef idx="0">
+        <a:scrgbClr r="0" g="0" b="0"/>
+      </a:effectRef>
+      <a:fontRef idx="minor"/>
+    </dgm:style>
+  </dgm:styleLbl>
+  <dgm:styleLbl name="conFgAcc1">
+    <dgm:scene3d>
+      <a:camera prst="orthographicFront"/>
+      <a:lightRig rig="threePt" dir="t"/>
+    </dgm:scene3d>
+    <dgm:sp3d/>
+    <dgm:txPr/>
+    <dgm:style>
+      <a:lnRef idx="2">
+        <a:scrgbClr r="0" g="0" b="0"/>
+      </a:lnRef>
+      <a:fillRef idx="1">
+        <a:scrgbClr r="0" g="0" b="0"/>
+      </a:fillRef>
+      <a:effectRef idx="0">
+        <a:scrgbClr r="0" g="0" b="0"/>
+      </a:effectRef>
+      <a:fontRef idx="minor"/>
+    </dgm:style>
+  </dgm:styleLbl>
+  <dgm:styleLbl name="alignAcc1">
+    <dgm:scene3d>
+      <a:camera prst="orthographicFront"/>
+      <a:lightRig rig="threePt" dir="t"/>
+    </dgm:scene3d>
+    <dgm:sp3d/>
+    <dgm:txPr/>
+    <dgm:style>
+      <a:lnRef idx="2">
+        <a:scrgbClr r="0" g="0" b="0"/>
+      </a:lnRef>
+      <a:fillRef idx="1">
+        <a:scrgbClr r="0" g="0" b="0"/>
+      </a:fillRef>
+      <a:effectRef idx="0">
+        <a:scrgbClr r="0" g="0" b="0"/>
+      </a:effectRef>
+      <a:fontRef idx="minor"/>
+    </dgm:style>
+  </dgm:styleLbl>
+  <dgm:styleLbl name="trAlignAcc1">
+    <dgm:scene3d>
+      <a:camera prst="orthographicFront"/>
+      <a:lightRig rig="threePt" dir="t"/>
+    </dgm:scene3d>
+    <dgm:sp3d/>
+    <dgm:txPr/>
+    <dgm:style>
+      <a:lnRef idx="1">
+        <a:scrgbClr r="0" g="0" b="0"/>
+      </a:lnRef>
+      <a:fillRef idx="1">
+        <a:scrgbClr r="0" g="0" b="0"/>
+      </a:fillRef>
+      <a:effectRef idx="0">
+        <a:scrgbClr r="0" g="0" b="0"/>
+      </a:effectRef>
+      <a:fontRef idx="minor"/>
+    </dgm:style>
+  </dgm:styleLbl>
+  <dgm:styleLbl name="bgAcc1">
+    <dgm:scene3d>
+      <a:camera prst="orthographicFront"/>
+      <a:lightRig rig="threePt" dir="t"/>
+    </dgm:scene3d>
+    <dgm:sp3d/>
+    <dgm:txPr/>
+    <dgm:style>
+      <a:lnRef idx="2">
+        <a:scrgbClr r="0" g="0" b="0"/>
+      </a:lnRef>
+      <a:fillRef idx="1">
+        <a:scrgbClr r="0" g="0" b="0"/>
+      </a:fillRef>
+      <a:effectRef idx="0">
+        <a:scrgbClr r="0" g="0" b="0"/>
+      </a:effectRef>
+      <a:fontRef idx="minor"/>
+    </dgm:style>
+  </dgm:styleLbl>
+  <dgm:styleLbl name="solidFgAcc1">
+    <dgm:scene3d>
+      <a:camera prst="orthographicFront"/>
+      <a:lightRig rig="threePt" dir="t"/>
+    </dgm:scene3d>
+    <dgm:sp3d/>
+    <dgm:txPr/>
+    <dgm:style>
+      <a:lnRef idx="2">
+        <a:scrgbClr r="0" g="0" b="0"/>
+      </a:lnRef>
+      <a:fillRef idx="1">
+        <a:scrgbClr r="0" g="0" b="0"/>
+      </a:fillRef>
+      <a:effectRef idx="0">
+        <a:scrgbClr r="0" g="0" b="0"/>
+      </a:effectRef>
+      <a:fontRef idx="minor"/>
+    </dgm:style>
+  </dgm:styleLbl>
+  <dgm:styleLbl name="solidAlignAcc1">
+    <dgm:scene3d>
+      <a:camera prst="orthographicFront"/>
+      <a:lightRig rig="threePt" dir="t"/>
+    </dgm:scene3d>
+    <dgm:sp3d/>
+    <dgm:txPr/>
+    <dgm:style>
+      <a:lnRef idx="2">
+        <a:scrgbClr r="0" g="0" b="0"/>
+      </a:lnRef>
+      <a:fillRef idx="1">
+        <a:scrgbClr r="0" g="0" b="0"/>
+      </a:fillRef>
+      <a:effectRef idx="0">
+        <a:scrgbClr r="0" g="0" b="0"/>
+      </a:effectRef>
+      <a:fontRef idx="minor"/>
+    </dgm:style>
+  </dgm:styleLbl>
+  <dgm:styleLbl name="solidBgAcc1">
+    <dgm:scene3d>
+      <a:camera prst="orthographicFront"/>
+      <a:lightRig rig="threePt" dir="t"/>
+    </dgm:scene3d>
+    <dgm:sp3d/>
+    <dgm:txPr/>
+    <dgm:style>
+      <a:lnRef idx="2">
+        <a:scrgbClr r="0" g="0" b="0"/>
+      </a:lnRef>
+      <a:fillRef idx="1">
+        <a:scrgbClr r="0" g="0" b="0"/>
+      </a:fillRef>
+      <a:effectRef idx="0">
+        <a:scrgbClr r="0" g="0" b="0"/>
+      </a:effectRef>
+      <a:fontRef idx="minor"/>
+    </dgm:style>
+  </dgm:styleLbl>
+  <dgm:styleLbl name="fgAccFollowNode1">
+    <dgm:scene3d>
+      <a:camera prst="orthographicFront"/>
+      <a:lightRig rig="threePt" dir="t"/>
+    </dgm:scene3d>
+    <dgm:sp3d/>
+    <dgm:txPr/>
+    <dgm:style>
+      <a:lnRef idx="2">
+        <a:scrgbClr r="0" g="0" b="0"/>
+      </a:lnRef>
+      <a:fillRef idx="1">
+        <a:scrgbClr r="0" g="0" b="0"/>
+      </a:fillRef>
+      <a:effectRef idx="0">
+        <a:scrgbClr r="0" g="0" b="0"/>
+      </a:effectRef>
+      <a:fontRef idx="minor"/>
+    </dgm:style>
+  </dgm:styleLbl>
+  <dgm:styleLbl name="alignAccFollowNode1">
+    <dgm:scene3d>
+      <a:camera prst="orthographicFront"/>
+      <a:lightRig rig="threePt" dir="t"/>
+    </dgm:scene3d>
+    <dgm:sp3d/>
+    <dgm:txPr/>
+    <dgm:style>
+      <a:lnRef idx="2">
+        <a:scrgbClr r="0" g="0" b="0"/>
+      </a:lnRef>
+      <a:fillRef idx="1">
+        <a:scrgbClr r="0" g="0" b="0"/>
+      </a:fillRef>
+      <a:effectRef idx="0">
+        <a:scrgbClr r="0" g="0" b="0"/>
+      </a:effectRef>
+      <a:fontRef idx="minor"/>
+    </dgm:style>
+  </dgm:styleLbl>
+  <dgm:styleLbl name="bgAccFollowNode1">
+    <dgm:scene3d>
+      <a:camera prst="orthographicFront"/>
+      <a:lightRig rig="threePt" dir="t"/>
+    </dgm:scene3d>
+    <dgm:sp3d/>
+    <dgm:txPr/>
+    <dgm:style>
+      <a:lnRef idx="2">
+        <a:scrgbClr r="0" g="0" b="0"/>
+      </a:lnRef>
+      <a:fillRef idx="1">
+        <a:scrgbClr r="0" g="0" b="0"/>
+      </a:fillRef>
+      <a:effectRef idx="0">
+        <a:scrgbClr r="0" g="0" b="0"/>
+      </a:effectRef>
+      <a:fontRef idx="minor"/>
+    </dgm:style>
+  </dgm:styleLbl>
+  <dgm:styleLbl name="fgAcc0">
+    <dgm:scene3d>
+      <a:camera prst="orthographicFront"/>
+      <a:lightRig rig="threePt" dir="t"/>
+    </dgm:scene3d>
+    <dgm:sp3d/>
+    <dgm:txPr/>
+    <dgm:style>
+      <a:lnRef idx="2">
+        <a:scrgbClr r="0" g="0" b="0"/>
+      </a:lnRef>
+      <a:fillRef idx="1">
+        <a:scrgbClr r="0" g="0" b="0"/>
+      </a:fillRef>
+      <a:effectRef idx="0">
+        <a:scrgbClr r="0" g="0" b="0"/>
+      </a:effectRef>
+      <a:fontRef idx="minor"/>
+    </dgm:style>
+  </dgm:styleLbl>
+  <dgm:styleLbl name="fgAcc2">
+    <dgm:scene3d>
+      <a:camera prst="orthographicFront"/>
+      <a:lightRig rig="threePt" dir="t"/>
+    </dgm:scene3d>
+    <dgm:sp3d/>
+    <dgm:txPr/>
+    <dgm:style>
+      <a:lnRef idx="2">
+        <a:scrgbClr r="0" g="0" b="0"/>
+      </a:lnRef>
+      <a:fillRef idx="1">
+        <a:scrgbClr r="0" g="0" b="0"/>
+      </a:fillRef>
+      <a:effectRef idx="0">
+        <a:scrgbClr r="0" g="0" b="0"/>
+      </a:effectRef>
+      <a:fontRef idx="minor"/>
+    </dgm:style>
+  </dgm:styleLbl>
+  <dgm:styleLbl name="fgAcc3">
+    <dgm:scene3d>
+      <a:camera prst="orthographicFront"/>
+      <a:lightRig rig="threePt" dir="t"/>
+    </dgm:scene3d>
+    <dgm:sp3d/>
+    <dgm:txPr/>
+    <dgm:style>
+      <a:lnRef idx="2">
+        <a:scrgbClr r="0" g="0" b="0"/>
+      </a:lnRef>
+      <a:fillRef idx="1">
+        <a:scrgbClr r="0" g="0" b="0"/>
+      </a:fillRef>
+      <a:effectRef idx="0">
+        <a:scrgbClr r="0" g="0" b="0"/>
+      </a:effectRef>
+      <a:fontRef idx="minor"/>
+    </dgm:style>
+  </dgm:styleLbl>
+  <dgm:styleLbl name="fgAcc4">
+    <dgm:scene3d>
+      <a:camera prst="orthographicFront"/>
+      <a:lightRig rig="threePt" dir="t"/>
+    </dgm:scene3d>
+    <dgm:sp3d/>
+    <dgm:txPr/>
+    <dgm:style>
+      <a:lnRef idx="2">
+        <a:scrgbClr r="0" g="0" b="0"/>
+      </a:lnRef>
+      <a:fillRef idx="1">
+        <a:scrgbClr r="0" g="0" b="0"/>
+      </a:fillRef>
+      <a:effectRef idx="0">
+        <a:scrgbClr r="0" g="0" b="0"/>
+      </a:effectRef>
+      <a:fontRef idx="minor"/>
+    </dgm:style>
+  </dgm:styleLbl>
+  <dgm:styleLbl name="bgShp">
+    <dgm:scene3d>
+      <a:camera prst="orthographicFront"/>
+      <a:lightRig rig="threePt" dir="t"/>
+    </dgm:scene3d>
+    <dgm:sp3d/>
+    <dgm:txPr/>
+    <dgm:style>
+      <a:lnRef idx="0">
+        <a:scrgbClr r="0" g="0" b="0"/>
+      </a:lnRef>
+      <a:fillRef idx="1">
+        <a:scrgbClr r="0" g="0" b="0"/>
+      </a:fillRef>
+      <a:effectRef idx="0">
+        <a:scrgbClr r="0" g="0" b="0"/>
+      </a:effectRef>
+      <a:fontRef idx="minor"/>
+    </dgm:style>
+  </dgm:styleLbl>
+  <dgm:styleLbl name="dkBgShp">
+    <dgm:scene3d>
+      <a:camera prst="orthographicFront"/>
+      <a:lightRig rig="threePt" dir="t"/>
+    </dgm:scene3d>
+    <dgm:sp3d/>
+    <dgm:txPr/>
+    <dgm:style>
+      <a:lnRef idx="0">
+        <a:scrgbClr r="0" g="0" b="0"/>
+      </a:lnRef>
+      <a:fillRef idx="1">
+        <a:scrgbClr r="0" g="0" b="0"/>
+      </a:fillRef>
+      <a:effectRef idx="0">
+        <a:scrgbClr r="0" g="0" b="0"/>
+      </a:effectRef>
+      <a:fontRef idx="minor"/>
+    </dgm:style>
+  </dgm:styleLbl>
+  <dgm:styleLbl name="trBgShp">
+    <dgm:scene3d>
+      <a:camera prst="orthographicFront"/>
+      <a:lightRig rig="threePt" dir="t"/>
+    </dgm:scene3d>
+    <dgm:sp3d/>
+    <dgm:txPr/>
+    <dgm:style>
+      <a:lnRef idx="0">
+        <a:scrgbClr r="0" g="0" b="0"/>
+      </a:lnRef>
+      <a:fillRef idx="1">
+        <a:scrgbClr r="0" g="0" b="0"/>
+      </a:fillRef>
+      <a:effectRef idx="0">
+        <a:scrgbClr r="0" g="0" b="0"/>
+      </a:effectRef>
+      <a:fontRef idx="minor"/>
+    </dgm:style>
+  </dgm:styleLbl>
+  <dgm:styleLbl name="fgShp">
+    <dgm:scene3d>
+      <a:camera prst="orthographicFront"/>
+      <a:lightRig rig="threePt" dir="t"/>
+    </dgm:scene3d>
+    <dgm:sp3d/>
+    <dgm:txPr/>
+    <dgm:style>
+      <a:lnRef idx="2">
+        <a:scrgbClr r="0" g="0" b="0"/>
+      </a:lnRef>
+      <a:fillRef idx="1">
+        <a:scrgbClr r="0" g="0" b="0"/>
+      </a:fillRef>
+      <a:effectRef idx="0">
+        <a:scrgbClr r="0" g="0" b="0"/>
+      </a:effectRef>
+      <a:fontRef idx="minor"/>
+    </dgm:style>
+  </dgm:styleLbl>
+  <dgm:styleLbl name="revTx">
+    <dgm:scene3d>
+      <a:camera prst="orthographicFront"/>
+      <a:lightRig rig="threePt" dir="t"/>
+    </dgm:scene3d>
+    <dgm:sp3d/>
+    <dgm:txPr/>
+    <dgm:style>
+      <a:lnRef idx="0">
+        <a:scrgbClr r="0" g="0" b="0"/>
+      </a:lnRef>
+      <a:fillRef idx="0">
+        <a:scrgbClr r="0" g="0" b="0"/>
+      </a:fillRef>
+      <a:effectRef idx="0">
+        <a:scrgbClr r="0" g="0" b="0"/>
+      </a:effectRef>
+      <a:fontRef idx="minor"/>
+    </dgm:style>
+  </dgm:styleLbl>
+</dgm:styleDef>
+</file>
+
 <file path=ppt/handoutMasters/handoutMaster1.xml><?xml version="1.0" encoding="utf-8"?>
 <p:handoutMaster xmlns:a="http://schemas.openxmlformats.org/drawingml/2006/main" xmlns:r="http://schemas.openxmlformats.org/officeDocument/2006/relationships" xmlns:p="http://schemas.openxmlformats.org/presentationml/2006/main">
   <p:cSld>
@@ -9098,7 +12251,7 @@
           <a:p>
             <a:fld id="{523C892A-4D9A-48E7-BF0E-27F190E2C573}" type="datetime1">
               <a:rPr lang="fr-FR" smtClean="0"/>
-              <a:t>31/05/2020</a:t>
+              <a:t>01/06/2020</a:t>
             </a:fld>
             <a:endParaRPr lang="fr-FR"/>
           </a:p>
@@ -9276,7 +12429,7 @@
           <a:p>
             <a:fld id="{447CB2A0-A738-4C14-B8EC-F9FB73BF0EDD}" type="datetime1">
               <a:rPr lang="fr-FR" smtClean="0"/>
-              <a:t>31/05/2020</a:t>
+              <a:t>01/06/2020</a:t>
             </a:fld>
             <a:endParaRPr lang="fr-FR"/>
           </a:p>
@@ -9590,7 +12743,20 @@
           <a:p>
             <a:r>
               <a:rPr lang="fr-FR" dirty="0"/>
-              <a:t>Définir: ensemble convexe</a:t>
+              <a:t>Anaïs : Introduction, Lecture nuages, Quickhull</a:t>
+            </a:r>
+            <a:br>
+              <a:rPr lang="fr-FR" dirty="0"/>
+            </a:br>
+            <a:r>
+              <a:rPr lang="fr-FR" dirty="0"/>
+              <a:t>Antoine : Objectifs, Jarvis, Conclusion</a:t>
+            </a:r>
+          </a:p>
+          <a:p>
+            <a:r>
+              <a:rPr lang="fr-FR" dirty="0"/>
+              <a:t>Edouard : Graham, Tests unitaires, Limites</a:t>
             </a:r>
           </a:p>
         </p:txBody>
@@ -9610,9 +12776,9 @@
           <a:bodyPr/>
           <a:lstStyle/>
           <a:p>
-            <a:fld id="{4CA4EC99-AA72-4CD0-977F-866342F4A066}" type="datetime1">
+            <a:fld id="{447CB2A0-A738-4C14-B8EC-F9FB73BF0EDD}" type="datetime1">
               <a:rPr lang="fr-FR" smtClean="0"/>
-              <a:t>31/05/2020</a:t>
+              <a:t>01/06/2020</a:t>
             </a:fld>
             <a:endParaRPr lang="fr-FR"/>
           </a:p>
@@ -9635,7 +12801,7 @@
           <a:p>
             <a:fld id="{8CE07506-0F94-4913-A884-ED2E254FC74D}" type="slidenum">
               <a:rPr lang="fr-FR" smtClean="0"/>
-              <a:t>3</a:t>
+              <a:t>2</a:t>
             </a:fld>
             <a:endParaRPr lang="fr-FR"/>
           </a:p>
@@ -9644,7 +12810,7 @@
     </p:spTree>
     <p:extLst>
       <p:ext uri="{BB962C8B-B14F-4D97-AF65-F5344CB8AC3E}">
-        <p14:creationId xmlns:p14="http://schemas.microsoft.com/office/powerpoint/2010/main" val="2817258641"/>
+        <p14:creationId xmlns:p14="http://schemas.microsoft.com/office/powerpoint/2010/main" val="1606071721"/>
       </p:ext>
     </p:extLst>
   </p:cSld>
@@ -9700,15 +12866,7 @@
           <a:p>
             <a:r>
               <a:rPr lang="fr-FR" dirty="0"/>
-              <a:t>American </a:t>
-            </a:r>
-            <a:r>
-              <a:rPr lang="fr-FR" dirty="0" err="1"/>
-              <a:t>Mathematical</a:t>
-            </a:r>
-            <a:r>
-              <a:rPr lang="fr-FR" dirty="0"/>
-              <a:t> Society</a:t>
+              <a:t>Définir: ensemble convexe</a:t>
             </a:r>
           </a:p>
         </p:txBody>
@@ -9728,9 +12886,9 @@
           <a:bodyPr/>
           <a:lstStyle/>
           <a:p>
-            <a:fld id="{27A7FF27-EECE-4A9F-BE8C-E8A977D6DADF}" type="datetime1">
+            <a:fld id="{4CA4EC99-AA72-4CD0-977F-866342F4A066}" type="datetime1">
               <a:rPr lang="fr-FR" smtClean="0"/>
-              <a:t>31/05/2020</a:t>
+              <a:t>01/06/2020</a:t>
             </a:fld>
             <a:endParaRPr lang="fr-FR"/>
           </a:p>
@@ -9753,7 +12911,7 @@
           <a:p>
             <a:fld id="{8CE07506-0F94-4913-A884-ED2E254FC74D}" type="slidenum">
               <a:rPr lang="fr-FR" smtClean="0"/>
-              <a:t>9</a:t>
+              <a:t>3</a:t>
             </a:fld>
             <a:endParaRPr lang="fr-FR"/>
           </a:p>
@@ -9762,7 +12920,7 @@
     </p:spTree>
     <p:extLst>
       <p:ext uri="{BB962C8B-B14F-4D97-AF65-F5344CB8AC3E}">
-        <p14:creationId xmlns:p14="http://schemas.microsoft.com/office/powerpoint/2010/main" val="2898481273"/>
+        <p14:creationId xmlns:p14="http://schemas.microsoft.com/office/powerpoint/2010/main" val="2817258641"/>
       </p:ext>
     </p:extLst>
   </p:cSld>
@@ -9816,13 +12974,54 @@
           <a:bodyPr/>
           <a:lstStyle/>
           <a:p>
-            <a:endParaRPr lang="fr-FR" dirty="0"/>
+            <a:r>
+              <a:rPr lang="en-US">
+                <a:cs typeface="Calibri"/>
+              </a:rPr>
+              <a:t>Autre languages : Java * 2, C *40</a:t>
+            </a:r>
+          </a:p>
+          <a:p>
+            <a:r>
+              <a:rPr lang="en-US">
+                <a:cs typeface="Calibri"/>
+              </a:rPr>
+              <a:t>Possible d'évolution en 3D</a:t>
+            </a:r>
+          </a:p>
+          <a:p>
+            <a:endParaRPr lang="en-US">
+              <a:cs typeface="Calibri"/>
+            </a:endParaRPr>
           </a:p>
         </p:txBody>
       </p:sp>
       <p:sp>
         <p:nvSpPr>
-          <p:cNvPr id="4" name="Espace réservé du numéro de diapositive 3"/>
+          <p:cNvPr id="4" name="Espace réservé de la date 3"/>
+          <p:cNvSpPr>
+            <a:spLocks noGrp="1"/>
+          </p:cNvSpPr>
+          <p:nvPr>
+            <p:ph type="dt" idx="1"/>
+          </p:nvPr>
+        </p:nvSpPr>
+        <p:spPr/>
+        <p:txBody>
+          <a:bodyPr/>
+          <a:lstStyle/>
+          <a:p>
+            <a:fld id="{447CB2A0-A738-4C14-B8EC-F9FB73BF0EDD}" type="datetime1">
+              <a:rPr lang="fr-FR" smtClean="0"/>
+              <a:t>01/06/2020</a:t>
+            </a:fld>
+            <a:endParaRPr lang="fr-FR"/>
+          </a:p>
+        </p:txBody>
+      </p:sp>
+      <p:sp>
+        <p:nvSpPr>
+          <p:cNvPr id="5" name="Espace réservé du numéro de diapositive 4"/>
           <p:cNvSpPr>
             <a:spLocks noGrp="1"/>
           </p:cNvSpPr>
@@ -9837,36 +13036,7 @@
           <a:p>
             <a:fld id="{8CE07506-0F94-4913-A884-ED2E254FC74D}" type="slidenum">
               <a:rPr lang="fr-FR" smtClean="0"/>
-              <a:t>10</a:t>
-            </a:fld>
-            <a:endParaRPr lang="fr-FR"/>
-          </a:p>
-        </p:txBody>
-      </p:sp>
-      <p:sp>
-        <p:nvSpPr>
-          <p:cNvPr id="5" name="Espace réservé de la date 4">
-            <a:extLst>
-              <a:ext uri="{FF2B5EF4-FFF2-40B4-BE49-F238E27FC236}">
-                <a16:creationId xmlns:a16="http://schemas.microsoft.com/office/drawing/2014/main" id="{3FDF1471-78DD-490F-BFC1-1385B28B5903}"/>
-              </a:ext>
-            </a:extLst>
-          </p:cNvPr>
-          <p:cNvSpPr>
-            <a:spLocks noGrp="1"/>
-          </p:cNvSpPr>
-          <p:nvPr>
-            <p:ph type="dt" idx="1"/>
-          </p:nvPr>
-        </p:nvSpPr>
-        <p:spPr/>
-        <p:txBody>
-          <a:bodyPr/>
-          <a:lstStyle/>
-          <a:p>
-            <a:fld id="{BE042F90-F375-44EF-BC27-BCEDF898FE93}" type="datetime1">
-              <a:rPr lang="fr-FR" smtClean="0"/>
-              <a:t>31/05/2020</a:t>
+              <a:t>4</a:t>
             </a:fld>
             <a:endParaRPr lang="fr-FR"/>
           </a:p>
@@ -9875,7 +13045,7 @@
     </p:spTree>
     <p:extLst>
       <p:ext uri="{BB962C8B-B14F-4D97-AF65-F5344CB8AC3E}">
-        <p14:creationId xmlns:p14="http://schemas.microsoft.com/office/powerpoint/2010/main" val="1397351272"/>
+        <p14:creationId xmlns:p14="http://schemas.microsoft.com/office/powerpoint/2010/main" val="2956919951"/>
       </p:ext>
     </p:extLst>
   </p:cSld>
@@ -9929,30 +13099,47 @@
           <a:bodyPr/>
           <a:lstStyle/>
           <a:p>
-            <a:pPr marL="0" marR="0" lvl="0" indent="0" algn="l" defTabSz="914400" rtl="0" eaLnBrk="1" fontAlgn="auto" latinLnBrk="0" hangingPunct="1">
-              <a:lnSpc>
-                <a:spcPct val="100000"/>
-              </a:lnSpc>
-              <a:spcBef>
-                <a:spcPts val="0"/>
-              </a:spcBef>
-              <a:spcAft>
-                <a:spcPts val="0"/>
-              </a:spcAft>
-              <a:buClrTx/>
-              <a:buSzTx/>
-              <a:buFontTx/>
-              <a:buNone/>
-              <a:tabLst/>
-              <a:defRPr/>
-            </a:pPr>
-            <a:endParaRPr lang="fr-FR" dirty="0"/>
+            <a:r>
+              <a:rPr lang="fr-FR" dirty="0"/>
+              <a:t>American </a:t>
+            </a:r>
+            <a:r>
+              <a:rPr lang="fr-FR" dirty="0" err="1"/>
+              <a:t>Mathematical</a:t>
+            </a:r>
+            <a:r>
+              <a:rPr lang="fr-FR" dirty="0"/>
+              <a:t> Society</a:t>
+            </a:r>
           </a:p>
         </p:txBody>
       </p:sp>
       <p:sp>
         <p:nvSpPr>
-          <p:cNvPr id="4" name="Espace réservé du numéro de diapositive 3"/>
+          <p:cNvPr id="4" name="Espace réservé de la date 3"/>
+          <p:cNvSpPr>
+            <a:spLocks noGrp="1"/>
+          </p:cNvSpPr>
+          <p:nvPr>
+            <p:ph type="dt" idx="1"/>
+          </p:nvPr>
+        </p:nvSpPr>
+        <p:spPr/>
+        <p:txBody>
+          <a:bodyPr/>
+          <a:lstStyle/>
+          <a:p>
+            <a:fld id="{27A7FF27-EECE-4A9F-BE8C-E8A977D6DADF}" type="datetime1">
+              <a:rPr lang="fr-FR" smtClean="0"/>
+              <a:t>01/06/2020</a:t>
+            </a:fld>
+            <a:endParaRPr lang="fr-FR"/>
+          </a:p>
+        </p:txBody>
+      </p:sp>
+      <p:sp>
+        <p:nvSpPr>
+          <p:cNvPr id="5" name="Espace réservé du numéro de diapositive 4"/>
           <p:cNvSpPr>
             <a:spLocks noGrp="1"/>
           </p:cNvSpPr>
@@ -9967,36 +13154,7 @@
           <a:p>
             <a:fld id="{8CE07506-0F94-4913-A884-ED2E254FC74D}" type="slidenum">
               <a:rPr lang="fr-FR" smtClean="0"/>
-              <a:t>12</a:t>
-            </a:fld>
-            <a:endParaRPr lang="fr-FR"/>
-          </a:p>
-        </p:txBody>
-      </p:sp>
-      <p:sp>
-        <p:nvSpPr>
-          <p:cNvPr id="5" name="Espace réservé de la date 4">
-            <a:extLst>
-              <a:ext uri="{FF2B5EF4-FFF2-40B4-BE49-F238E27FC236}">
-                <a16:creationId xmlns:a16="http://schemas.microsoft.com/office/drawing/2014/main" id="{C4D8BA02-66BF-40C4-9DEF-57D7367DAA1A}"/>
-              </a:ext>
-            </a:extLst>
-          </p:cNvPr>
-          <p:cNvSpPr>
-            <a:spLocks noGrp="1"/>
-          </p:cNvSpPr>
-          <p:nvPr>
-            <p:ph type="dt" idx="1"/>
-          </p:nvPr>
-        </p:nvSpPr>
-        <p:spPr/>
-        <p:txBody>
-          <a:bodyPr/>
-          <a:lstStyle/>
-          <a:p>
-            <a:fld id="{5F8E5793-2FA5-40D2-9DC3-62BCAEB2A221}" type="datetime1">
-              <a:rPr lang="fr-FR" smtClean="0"/>
-              <a:t>31/05/2020</a:t>
+              <a:t>9</a:t>
             </a:fld>
             <a:endParaRPr lang="fr-FR"/>
           </a:p>
@@ -10005,7 +13163,7 @@
     </p:spTree>
     <p:extLst>
       <p:ext uri="{BB962C8B-B14F-4D97-AF65-F5344CB8AC3E}">
-        <p14:creationId xmlns:p14="http://schemas.microsoft.com/office/powerpoint/2010/main" val="4147850616"/>
+        <p14:creationId xmlns:p14="http://schemas.microsoft.com/office/powerpoint/2010/main" val="2898481273"/>
       </p:ext>
     </p:extLst>
   </p:cSld>
@@ -10059,27 +13217,7 @@
           <a:bodyPr/>
           <a:lstStyle/>
           <a:p>
-            <a:pPr marL="0" marR="0" lvl="0" indent="0" algn="l" defTabSz="914400" rtl="0" eaLnBrk="1" fontAlgn="auto" latinLnBrk="0" hangingPunct="1">
-              <a:lnSpc>
-                <a:spcPct val="100000"/>
-              </a:lnSpc>
-              <a:spcBef>
-                <a:spcPts val="0"/>
-              </a:spcBef>
-              <a:spcAft>
-                <a:spcPts val="0"/>
-              </a:spcAft>
-              <a:buClrTx/>
-              <a:buSzTx/>
-              <a:buFontTx/>
-              <a:buNone/>
-              <a:tabLst/>
-              <a:defRPr/>
-            </a:pPr>
-            <a:r>
-              <a:rPr lang="fr-FR" dirty="0"/>
-              <a:t>Axe des y orienté vers le bas</a:t>
-            </a:r>
+            <a:endParaRPr lang="fr-FR" dirty="0"/>
           </a:p>
         </p:txBody>
       </p:sp>
@@ -10100,7 +13238,7 @@
           <a:p>
             <a:fld id="{8CE07506-0F94-4913-A884-ED2E254FC74D}" type="slidenum">
               <a:rPr lang="fr-FR" smtClean="0"/>
-              <a:t>13</a:t>
+              <a:t>10</a:t>
             </a:fld>
             <a:endParaRPr lang="fr-FR"/>
           </a:p>
@@ -10111,7 +13249,7 @@
           <p:cNvPr id="5" name="Espace réservé de la date 4">
             <a:extLst>
               <a:ext uri="{FF2B5EF4-FFF2-40B4-BE49-F238E27FC236}">
-                <a16:creationId xmlns:a16="http://schemas.microsoft.com/office/drawing/2014/main" id="{A9A6ED02-52A4-47B2-9AD9-A6924F5E52D9}"/>
+                <a16:creationId xmlns:a16="http://schemas.microsoft.com/office/drawing/2014/main" id="{3FDF1471-78DD-490F-BFC1-1385B28B5903}"/>
               </a:ext>
             </a:extLst>
           </p:cNvPr>
@@ -10127,9 +13265,9 @@
           <a:bodyPr/>
           <a:lstStyle/>
           <a:p>
-            <a:fld id="{A8484406-421C-49CC-B8DB-72744449C075}" type="datetime1">
+            <a:fld id="{BE042F90-F375-44EF-BC27-BCEDF898FE93}" type="datetime1">
               <a:rPr lang="fr-FR" smtClean="0"/>
-              <a:t>31/05/2020</a:t>
+              <a:t>01/06/2020</a:t>
             </a:fld>
             <a:endParaRPr lang="fr-FR"/>
           </a:p>
@@ -10138,7 +13276,7 @@
     </p:spTree>
     <p:extLst>
       <p:ext uri="{BB962C8B-B14F-4D97-AF65-F5344CB8AC3E}">
-        <p14:creationId xmlns:p14="http://schemas.microsoft.com/office/powerpoint/2010/main" val="3063132595"/>
+        <p14:creationId xmlns:p14="http://schemas.microsoft.com/office/powerpoint/2010/main" val="1397351272"/>
       </p:ext>
     </p:extLst>
   </p:cSld>
@@ -10192,16 +13330,23 @@
           <a:bodyPr/>
           <a:lstStyle/>
           <a:p>
-            <a:r>
-              <a:rPr lang="fr-FR" dirty="0"/>
-              <a:t>Inversion de A et B</a:t>
-            </a:r>
-            <a:r>
-              <a:rPr lang="fr-FR" dirty="0">
-                <a:sym typeface="Wingdings" panose="05000000000000000000" pitchFamily="2" charset="2"/>
-              </a:rPr>
-              <a:t> inversion droite et gauche</a:t>
-            </a:r>
+            <a:pPr marL="0" marR="0" lvl="0" indent="0" algn="l" defTabSz="914400" rtl="0" eaLnBrk="1" fontAlgn="auto" latinLnBrk="0" hangingPunct="1">
+              <a:lnSpc>
+                <a:spcPct val="100000"/>
+              </a:lnSpc>
+              <a:spcBef>
+                <a:spcPts val="0"/>
+              </a:spcBef>
+              <a:spcAft>
+                <a:spcPts val="0"/>
+              </a:spcAft>
+              <a:buClrTx/>
+              <a:buSzTx/>
+              <a:buFontTx/>
+              <a:buNone/>
+              <a:tabLst/>
+              <a:defRPr/>
+            </a:pPr>
             <a:endParaRPr lang="fr-FR" dirty="0"/>
           </a:p>
         </p:txBody>
@@ -10223,7 +13368,7 @@
           <a:p>
             <a:fld id="{8CE07506-0F94-4913-A884-ED2E254FC74D}" type="slidenum">
               <a:rPr lang="fr-FR" smtClean="0"/>
-              <a:t>21</a:t>
+              <a:t>12</a:t>
             </a:fld>
             <a:endParaRPr lang="fr-FR"/>
           </a:p>
@@ -10234,7 +13379,7 @@
           <p:cNvPr id="5" name="Espace réservé de la date 4">
             <a:extLst>
               <a:ext uri="{FF2B5EF4-FFF2-40B4-BE49-F238E27FC236}">
-                <a16:creationId xmlns:a16="http://schemas.microsoft.com/office/drawing/2014/main" id="{6C88329B-E092-4673-962B-3AB3BD86A93B}"/>
+                <a16:creationId xmlns:a16="http://schemas.microsoft.com/office/drawing/2014/main" id="{C4D8BA02-66BF-40C4-9DEF-57D7367DAA1A}"/>
               </a:ext>
             </a:extLst>
           </p:cNvPr>
@@ -10250,9 +13395,265 @@
           <a:bodyPr/>
           <a:lstStyle/>
           <a:p>
+            <a:fld id="{5F8E5793-2FA5-40D2-9DC3-62BCAEB2A221}" type="datetime1">
+              <a:rPr lang="fr-FR" smtClean="0"/>
+              <a:t>01/06/2020</a:t>
+            </a:fld>
+            <a:endParaRPr lang="fr-FR"/>
+          </a:p>
+        </p:txBody>
+      </p:sp>
+    </p:spTree>
+    <p:extLst>
+      <p:ext uri="{BB962C8B-B14F-4D97-AF65-F5344CB8AC3E}">
+        <p14:creationId xmlns:p14="http://schemas.microsoft.com/office/powerpoint/2010/main" val="4147850616"/>
+      </p:ext>
+    </p:extLst>
+  </p:cSld>
+  <p:clrMapOvr>
+    <a:masterClrMapping/>
+  </p:clrMapOvr>
+</p:notes>
+</file>
+
+<file path=ppt/notesSlides/notesSlide7.xml><?xml version="1.0" encoding="utf-8"?>
+<p:notes xmlns:a="http://schemas.openxmlformats.org/drawingml/2006/main" xmlns:r="http://schemas.openxmlformats.org/officeDocument/2006/relationships" xmlns:p="http://schemas.openxmlformats.org/presentationml/2006/main">
+  <p:cSld>
+    <p:spTree>
+      <p:nvGrpSpPr>
+        <p:cNvPr id="1" name=""/>
+        <p:cNvGrpSpPr/>
+        <p:nvPr/>
+      </p:nvGrpSpPr>
+      <p:grpSpPr>
+        <a:xfrm>
+          <a:off x="0" y="0"/>
+          <a:ext cx="0" cy="0"/>
+          <a:chOff x="0" y="0"/>
+          <a:chExt cx="0" cy="0"/>
+        </a:xfrm>
+      </p:grpSpPr>
+      <p:sp>
+        <p:nvSpPr>
+          <p:cNvPr id="2" name="Espace réservé de l'image des diapositives 1"/>
+          <p:cNvSpPr>
+            <a:spLocks noGrp="1" noRot="1" noChangeAspect="1"/>
+          </p:cNvSpPr>
+          <p:nvPr>
+            <p:ph type="sldImg"/>
+          </p:nvPr>
+        </p:nvSpPr>
+        <p:spPr/>
+      </p:sp>
+      <p:sp>
+        <p:nvSpPr>
+          <p:cNvPr id="3" name="Espace réservé des notes 2"/>
+          <p:cNvSpPr>
+            <a:spLocks noGrp="1"/>
+          </p:cNvSpPr>
+          <p:nvPr>
+            <p:ph type="body" idx="1"/>
+          </p:nvPr>
+        </p:nvSpPr>
+        <p:spPr/>
+        <p:txBody>
+          <a:bodyPr/>
+          <a:lstStyle/>
+          <a:p>
+            <a:pPr marL="0" marR="0" lvl="0" indent="0" algn="l" defTabSz="914400" rtl="0" eaLnBrk="1" fontAlgn="auto" latinLnBrk="0" hangingPunct="1">
+              <a:lnSpc>
+                <a:spcPct val="100000"/>
+              </a:lnSpc>
+              <a:spcBef>
+                <a:spcPts val="0"/>
+              </a:spcBef>
+              <a:spcAft>
+                <a:spcPts val="0"/>
+              </a:spcAft>
+              <a:buClrTx/>
+              <a:buSzTx/>
+              <a:buFontTx/>
+              <a:buNone/>
+              <a:tabLst/>
+              <a:defRPr/>
+            </a:pPr>
+            <a:r>
+              <a:rPr lang="fr-FR" dirty="0"/>
+              <a:t>Axe des y orienté vers le bas</a:t>
+            </a:r>
+          </a:p>
+        </p:txBody>
+      </p:sp>
+      <p:sp>
+        <p:nvSpPr>
+          <p:cNvPr id="4" name="Espace réservé du numéro de diapositive 3"/>
+          <p:cNvSpPr>
+            <a:spLocks noGrp="1"/>
+          </p:cNvSpPr>
+          <p:nvPr>
+            <p:ph type="sldNum" sz="quarter" idx="5"/>
+          </p:nvPr>
+        </p:nvSpPr>
+        <p:spPr/>
+        <p:txBody>
+          <a:bodyPr/>
+          <a:lstStyle/>
+          <a:p>
+            <a:fld id="{8CE07506-0F94-4913-A884-ED2E254FC74D}" type="slidenum">
+              <a:rPr lang="fr-FR" smtClean="0"/>
+              <a:t>13</a:t>
+            </a:fld>
+            <a:endParaRPr lang="fr-FR"/>
+          </a:p>
+        </p:txBody>
+      </p:sp>
+      <p:sp>
+        <p:nvSpPr>
+          <p:cNvPr id="5" name="Espace réservé de la date 4">
+            <a:extLst>
+              <a:ext uri="{FF2B5EF4-FFF2-40B4-BE49-F238E27FC236}">
+                <a16:creationId xmlns:a16="http://schemas.microsoft.com/office/drawing/2014/main" id="{A9A6ED02-52A4-47B2-9AD9-A6924F5E52D9}"/>
+              </a:ext>
+            </a:extLst>
+          </p:cNvPr>
+          <p:cNvSpPr>
+            <a:spLocks noGrp="1"/>
+          </p:cNvSpPr>
+          <p:nvPr>
+            <p:ph type="dt" idx="1"/>
+          </p:nvPr>
+        </p:nvSpPr>
+        <p:spPr/>
+        <p:txBody>
+          <a:bodyPr/>
+          <a:lstStyle/>
+          <a:p>
+            <a:fld id="{A8484406-421C-49CC-B8DB-72744449C075}" type="datetime1">
+              <a:rPr lang="fr-FR" smtClean="0"/>
+              <a:t>01/06/2020</a:t>
+            </a:fld>
+            <a:endParaRPr lang="fr-FR"/>
+          </a:p>
+        </p:txBody>
+      </p:sp>
+    </p:spTree>
+    <p:extLst>
+      <p:ext uri="{BB962C8B-B14F-4D97-AF65-F5344CB8AC3E}">
+        <p14:creationId xmlns:p14="http://schemas.microsoft.com/office/powerpoint/2010/main" val="3063132595"/>
+      </p:ext>
+    </p:extLst>
+  </p:cSld>
+  <p:clrMapOvr>
+    <a:masterClrMapping/>
+  </p:clrMapOvr>
+</p:notes>
+</file>
+
+<file path=ppt/notesSlides/notesSlide8.xml><?xml version="1.0" encoding="utf-8"?>
+<p:notes xmlns:a="http://schemas.openxmlformats.org/drawingml/2006/main" xmlns:r="http://schemas.openxmlformats.org/officeDocument/2006/relationships" xmlns:p="http://schemas.openxmlformats.org/presentationml/2006/main">
+  <p:cSld>
+    <p:spTree>
+      <p:nvGrpSpPr>
+        <p:cNvPr id="1" name=""/>
+        <p:cNvGrpSpPr/>
+        <p:nvPr/>
+      </p:nvGrpSpPr>
+      <p:grpSpPr>
+        <a:xfrm>
+          <a:off x="0" y="0"/>
+          <a:ext cx="0" cy="0"/>
+          <a:chOff x="0" y="0"/>
+          <a:chExt cx="0" cy="0"/>
+        </a:xfrm>
+      </p:grpSpPr>
+      <p:sp>
+        <p:nvSpPr>
+          <p:cNvPr id="2" name="Espace réservé de l'image des diapositives 1"/>
+          <p:cNvSpPr>
+            <a:spLocks noGrp="1" noRot="1" noChangeAspect="1"/>
+          </p:cNvSpPr>
+          <p:nvPr>
+            <p:ph type="sldImg"/>
+          </p:nvPr>
+        </p:nvSpPr>
+        <p:spPr/>
+      </p:sp>
+      <p:sp>
+        <p:nvSpPr>
+          <p:cNvPr id="3" name="Espace réservé des notes 2"/>
+          <p:cNvSpPr>
+            <a:spLocks noGrp="1"/>
+          </p:cNvSpPr>
+          <p:nvPr>
+            <p:ph type="body" idx="1"/>
+          </p:nvPr>
+        </p:nvSpPr>
+        <p:spPr/>
+        <p:txBody>
+          <a:bodyPr/>
+          <a:lstStyle/>
+          <a:p>
+            <a:r>
+              <a:rPr lang="fr-FR" dirty="0"/>
+              <a:t>Inversion de A et B</a:t>
+            </a:r>
+            <a:r>
+              <a:rPr lang="fr-FR" dirty="0">
+                <a:sym typeface="Wingdings" panose="05000000000000000000" pitchFamily="2" charset="2"/>
+              </a:rPr>
+              <a:t> inversion droite et gauche</a:t>
+            </a:r>
+            <a:endParaRPr lang="fr-FR" dirty="0"/>
+          </a:p>
+        </p:txBody>
+      </p:sp>
+      <p:sp>
+        <p:nvSpPr>
+          <p:cNvPr id="4" name="Espace réservé du numéro de diapositive 3"/>
+          <p:cNvSpPr>
+            <a:spLocks noGrp="1"/>
+          </p:cNvSpPr>
+          <p:nvPr>
+            <p:ph type="sldNum" sz="quarter" idx="5"/>
+          </p:nvPr>
+        </p:nvSpPr>
+        <p:spPr/>
+        <p:txBody>
+          <a:bodyPr/>
+          <a:lstStyle/>
+          <a:p>
+            <a:fld id="{8CE07506-0F94-4913-A884-ED2E254FC74D}" type="slidenum">
+              <a:rPr lang="fr-FR" smtClean="0"/>
+              <a:t>21</a:t>
+            </a:fld>
+            <a:endParaRPr lang="fr-FR"/>
+          </a:p>
+        </p:txBody>
+      </p:sp>
+      <p:sp>
+        <p:nvSpPr>
+          <p:cNvPr id="5" name="Espace réservé de la date 4">
+            <a:extLst>
+              <a:ext uri="{FF2B5EF4-FFF2-40B4-BE49-F238E27FC236}">
+                <a16:creationId xmlns:a16="http://schemas.microsoft.com/office/drawing/2014/main" id="{6C88329B-E092-4673-962B-3AB3BD86A93B}"/>
+              </a:ext>
+            </a:extLst>
+          </p:cNvPr>
+          <p:cNvSpPr>
+            <a:spLocks noGrp="1"/>
+          </p:cNvSpPr>
+          <p:nvPr>
+            <p:ph type="dt" idx="1"/>
+          </p:nvPr>
+        </p:nvSpPr>
+        <p:spPr/>
+        <p:txBody>
+          <a:bodyPr/>
+          <a:lstStyle/>
+          <a:p>
             <a:fld id="{7C5C3D2A-1070-432D-B47F-FCE8F70B1433}" type="datetime1">
               <a:rPr lang="fr-FR" smtClean="0"/>
-              <a:t>31/05/2020</a:t>
+              <a:t>01/06/2020</a:t>
             </a:fld>
             <a:endParaRPr lang="fr-FR"/>
           </a:p>
@@ -10262,6 +13663,131 @@
     <p:extLst>
       <p:ext uri="{BB962C8B-B14F-4D97-AF65-F5344CB8AC3E}">
         <p14:creationId xmlns:p14="http://schemas.microsoft.com/office/powerpoint/2010/main" val="1308853783"/>
+      </p:ext>
+    </p:extLst>
+  </p:cSld>
+  <p:clrMapOvr>
+    <a:masterClrMapping/>
+  </p:clrMapOvr>
+</p:notes>
+</file>
+
+<file path=ppt/notesSlides/notesSlide9.xml><?xml version="1.0" encoding="utf-8"?>
+<p:notes xmlns:a="http://schemas.openxmlformats.org/drawingml/2006/main" xmlns:r="http://schemas.openxmlformats.org/officeDocument/2006/relationships" xmlns:p="http://schemas.openxmlformats.org/presentationml/2006/main">
+  <p:cSld>
+    <p:spTree>
+      <p:nvGrpSpPr>
+        <p:cNvPr id="1" name=""/>
+        <p:cNvGrpSpPr/>
+        <p:nvPr/>
+      </p:nvGrpSpPr>
+      <p:grpSpPr>
+        <a:xfrm>
+          <a:off x="0" y="0"/>
+          <a:ext cx="0" cy="0"/>
+          <a:chOff x="0" y="0"/>
+          <a:chExt cx="0" cy="0"/>
+        </a:xfrm>
+      </p:grpSpPr>
+      <p:sp>
+        <p:nvSpPr>
+          <p:cNvPr id="2" name="Espace réservé de l'image des diapositives 1"/>
+          <p:cNvSpPr>
+            <a:spLocks noGrp="1" noRot="1" noChangeAspect="1"/>
+          </p:cNvSpPr>
+          <p:nvPr>
+            <p:ph type="sldImg"/>
+          </p:nvPr>
+        </p:nvSpPr>
+        <p:spPr/>
+      </p:sp>
+      <p:sp>
+        <p:nvSpPr>
+          <p:cNvPr id="3" name="Espace réservé des notes 2"/>
+          <p:cNvSpPr>
+            <a:spLocks noGrp="1"/>
+          </p:cNvSpPr>
+          <p:nvPr>
+            <p:ph type="body" idx="1"/>
+          </p:nvPr>
+        </p:nvSpPr>
+        <p:spPr/>
+        <p:txBody>
+          <a:bodyPr/>
+          <a:lstStyle/>
+          <a:p>
+            <a:r>
+              <a:rPr lang="fr-FR" dirty="0"/>
+              <a:t>Autres langages </a:t>
+            </a:r>
+            <a:r>
+              <a:rPr lang="fr-FR" dirty="0">
+                <a:sym typeface="Wingdings" panose="05000000000000000000" pitchFamily="2" charset="2"/>
+              </a:rPr>
+              <a:t> meilleures performances (java *2, C* 40)</a:t>
+            </a:r>
+          </a:p>
+          <a:p>
+            <a:r>
+              <a:rPr lang="fr-FR" dirty="0">
+                <a:sym typeface="Wingdings" panose="05000000000000000000" pitchFamily="2" charset="2"/>
+              </a:rPr>
+              <a:t>Possible d’évolution en 3D</a:t>
+            </a:r>
+            <a:endParaRPr lang="fr-FR" dirty="0"/>
+          </a:p>
+        </p:txBody>
+      </p:sp>
+      <p:sp>
+        <p:nvSpPr>
+          <p:cNvPr id="4" name="Espace réservé de la date 3"/>
+          <p:cNvSpPr>
+            <a:spLocks noGrp="1"/>
+          </p:cNvSpPr>
+          <p:nvPr>
+            <p:ph type="dt" idx="1"/>
+          </p:nvPr>
+        </p:nvSpPr>
+        <p:spPr/>
+        <p:txBody>
+          <a:bodyPr/>
+          <a:lstStyle/>
+          <a:p>
+            <a:fld id="{447CB2A0-A738-4C14-B8EC-F9FB73BF0EDD}" type="datetime1">
+              <a:rPr lang="fr-FR" smtClean="0"/>
+              <a:t>01/06/2020</a:t>
+            </a:fld>
+            <a:endParaRPr lang="fr-FR"/>
+          </a:p>
+        </p:txBody>
+      </p:sp>
+      <p:sp>
+        <p:nvSpPr>
+          <p:cNvPr id="5" name="Espace réservé du numéro de diapositive 4"/>
+          <p:cNvSpPr>
+            <a:spLocks noGrp="1"/>
+          </p:cNvSpPr>
+          <p:nvPr>
+            <p:ph type="sldNum" sz="quarter" idx="5"/>
+          </p:nvPr>
+        </p:nvSpPr>
+        <p:spPr/>
+        <p:txBody>
+          <a:bodyPr/>
+          <a:lstStyle/>
+          <a:p>
+            <a:fld id="{8CE07506-0F94-4913-A884-ED2E254FC74D}" type="slidenum">
+              <a:rPr lang="fr-FR" smtClean="0"/>
+              <a:t>26</a:t>
+            </a:fld>
+            <a:endParaRPr lang="fr-FR"/>
+          </a:p>
+        </p:txBody>
+      </p:sp>
+    </p:spTree>
+    <p:extLst>
+      <p:ext uri="{BB962C8B-B14F-4D97-AF65-F5344CB8AC3E}">
+        <p14:creationId xmlns:p14="http://schemas.microsoft.com/office/powerpoint/2010/main" val="697844438"/>
       </p:ext>
     </p:extLst>
   </p:cSld>
@@ -10516,7 +14042,7 @@
           <a:p>
             <a:fld id="{DA5D3EB8-6C48-4D25-B05F-4BC451C6C547}" type="datetime1">
               <a:rPr lang="fr-FR" smtClean="0"/>
-              <a:t>31/05/2020</a:t>
+              <a:t>01/06/2020</a:t>
             </a:fld>
             <a:endParaRPr lang="en-US"/>
           </a:p>
@@ -10777,7 +14303,7 @@
           <a:p>
             <a:fld id="{FD107687-799E-4B57-838A-65DABA1A419F}" type="datetime1">
               <a:rPr lang="fr-FR" smtClean="0"/>
-              <a:t>31/05/2020</a:t>
+              <a:t>01/06/2020</a:t>
             </a:fld>
             <a:endParaRPr lang="en-US"/>
           </a:p>
@@ -11011,7 +14537,7 @@
           <a:p>
             <a:fld id="{34A88134-DAD4-4409-A49D-D4356E281651}" type="datetime1">
               <a:rPr lang="fr-FR" smtClean="0"/>
-              <a:t>31/05/2020</a:t>
+              <a:t>01/06/2020</a:t>
             </a:fld>
             <a:endParaRPr lang="en-US"/>
           </a:p>
@@ -11250,7 +14776,7 @@
           <a:p>
             <a:fld id="{06C0CA56-DC9C-4E7F-9783-63DF819EFF2E}" type="datetime1">
               <a:rPr lang="fr-FR" smtClean="0"/>
-              <a:t>31/05/2020</a:t>
+              <a:t>01/06/2020</a:t>
             </a:fld>
             <a:endParaRPr lang="en-US"/>
           </a:p>
@@ -11556,7 +15082,7 @@
           <a:p>
             <a:fld id="{BB5B10AA-F6A6-4EE8-98FB-3796D9F140DE}" type="datetime1">
               <a:rPr lang="fr-FR" smtClean="0"/>
-              <a:t>31/05/2020</a:t>
+              <a:t>01/06/2020</a:t>
             </a:fld>
             <a:endParaRPr lang="en-US"/>
           </a:p>
@@ -11857,7 +15383,7 @@
           <a:p>
             <a:fld id="{EEC7DB40-12CD-43B8-8317-E8A99E39A9D5}" type="datetime1">
               <a:rPr lang="fr-FR" smtClean="0"/>
-              <a:t>31/05/2020</a:t>
+              <a:t>01/06/2020</a:t>
             </a:fld>
             <a:endParaRPr lang="en-US"/>
           </a:p>
@@ -12278,7 +15804,7 @@
           <a:p>
             <a:fld id="{299DDD94-25E4-427F-8B8D-84236D3B1A56}" type="datetime1">
               <a:rPr lang="fr-FR" smtClean="0"/>
-              <a:t>31/05/2020</a:t>
+              <a:t>01/06/2020</a:t>
             </a:fld>
             <a:endParaRPr lang="en-US"/>
           </a:p>
@@ -12372,7 +15898,7 @@
           <a:p>
             <a:fld id="{E55CB8F1-A686-4E6C-A610-A10C2558198A}" type="datetime1">
               <a:rPr lang="fr-FR" smtClean="0"/>
-              <a:t>31/05/2020</a:t>
+              <a:t>01/06/2020</a:t>
             </a:fld>
             <a:endParaRPr lang="en-US"/>
           </a:p>
@@ -12533,7 +16059,7 @@
           <a:p>
             <a:fld id="{1BEFD228-43C2-4723-ABD7-DAA91E962E0E}" type="datetime1">
               <a:rPr lang="fr-FR" smtClean="0"/>
-              <a:t>31/05/2020</a:t>
+              <a:t>01/06/2020</a:t>
             </a:fld>
             <a:endParaRPr lang="en-US"/>
           </a:p>
@@ -12910,7 +16436,7 @@
           <a:p>
             <a:fld id="{866D44F8-2101-4F00-944F-A3201D9D3CC5}" type="datetime1">
               <a:rPr lang="fr-FR" smtClean="0"/>
-              <a:t>31/05/2020</a:t>
+              <a:t>01/06/2020</a:t>
             </a:fld>
             <a:endParaRPr lang="en-US"/>
           </a:p>
@@ -13198,7 +16724,7 @@
           <a:p>
             <a:fld id="{12B7D130-156C-4092-91A0-2E1447EB6872}" type="datetime1">
               <a:rPr lang="fr-FR" smtClean="0"/>
-              <a:t>31/05/2020</a:t>
+              <a:t>01/06/2020</a:t>
             </a:fld>
             <a:endParaRPr lang="en-US"/>
           </a:p>
@@ -13408,7 +16934,7 @@
           <a:p>
             <a:fld id="{81BA643A-4643-4E47-833D-B1F194874E22}" type="datetime1">
               <a:rPr lang="fr-FR" smtClean="0"/>
-              <a:t>31/05/2020</a:t>
+              <a:t>01/06/2020</a:t>
             </a:fld>
             <a:endParaRPr lang="en-US"/>
           </a:p>
@@ -21078,7 +24604,7 @@
           <a:p>
             <a:r>
               <a:rPr lang="fr-FR" dirty="0"/>
-              <a:t>Test sur 4 nuages de points</a:t>
+              <a:t>Tests sur 4 nuages de points</a:t>
             </a:r>
           </a:p>
         </p:txBody>
@@ -21097,8 +24623,8 @@
         </p:nvSpPr>
         <p:spPr>
           <a:xfrm>
-            <a:off x="581191" y="3782229"/>
-            <a:ext cx="3933659" cy="369332"/>
+            <a:off x="341599" y="3782229"/>
+            <a:ext cx="4412840" cy="369332"/>
           </a:xfrm>
           <a:prstGeom prst="rect">
             <a:avLst/>
@@ -21113,7 +24639,7 @@
           <a:p>
             <a:r>
               <a:rPr lang="fr-FR" dirty="0"/>
-              <a:t>Vérifier le comportement des méthodes</a:t>
+              <a:t>Vérification du comportement des méthodes</a:t>
             </a:r>
           </a:p>
         </p:txBody>
@@ -21148,7 +24674,7 @@
           <a:p>
             <a:r>
               <a:rPr lang="fr-FR" dirty="0"/>
-              <a:t>Validations des test</a:t>
+              <a:t>Validations des tests</a:t>
             </a:r>
           </a:p>
         </p:txBody>
@@ -21248,8 +24774,8 @@
           <p:nvPr/>
         </p:nvCxnSpPr>
         <p:spPr>
-          <a:xfrm>
-            <a:off x="2548020" y="3154300"/>
+          <a:xfrm flipH="1">
+            <a:off x="2548019" y="3154300"/>
             <a:ext cx="1" cy="627929"/>
           </a:xfrm>
           <a:prstGeom prst="straightConnector1">
@@ -21436,6 +24962,7 @@
             </a:extLst>
           </p:cNvPr>
           <p:cNvCxnSpPr>
+            <a:cxnSpLocks/>
             <a:stCxn id="11" idx="2"/>
             <a:endCxn id="12" idx="0"/>
           </p:cNvCxnSpPr>
@@ -21443,8 +24970,8 @@
         </p:nvCxnSpPr>
         <p:spPr>
           <a:xfrm rot="5400000">
-            <a:off x="1945720" y="4080052"/>
-            <a:ext cx="530793" cy="673811"/>
+            <a:off x="1945719" y="4080053"/>
+            <a:ext cx="530793" cy="673809"/>
           </a:xfrm>
           <a:prstGeom prst="bentConnector3">
             <a:avLst/>
@@ -21478,6 +25005,7 @@
             </a:extLst>
           </p:cNvPr>
           <p:cNvCxnSpPr>
+            <a:cxnSpLocks/>
             <a:stCxn id="11" idx="2"/>
             <a:endCxn id="35" idx="0"/>
           </p:cNvCxnSpPr>
@@ -21485,8 +25013,8 @@
         </p:nvCxnSpPr>
         <p:spPr>
           <a:xfrm rot="16200000" flipH="1">
-            <a:off x="3028513" y="3671069"/>
-            <a:ext cx="530793" cy="1491776"/>
+            <a:off x="3028512" y="3671068"/>
+            <a:ext cx="530793" cy="1491778"/>
           </a:xfrm>
           <a:prstGeom prst="bentConnector3">
             <a:avLst/>
@@ -21720,24 +25248,28 @@
           <a:bodyPr/>
           <a:lstStyle/>
           <a:p>
+            <a:pPr marL="305435" indent="-305435"/>
             <a:r>
               <a:rPr lang="fr-FR" dirty="0"/>
-              <a:t>Tests sur différents tailles de nuages</a:t>
-            </a:r>
-          </a:p>
-          <a:p>
+              <a:t>Tests sur différentes tailles de nuages</a:t>
+            </a:r>
+          </a:p>
+          <a:p>
+            <a:pPr marL="305435" indent="-305435"/>
             <a:r>
               <a:rPr lang="fr-FR" dirty="0"/>
               <a:t>On le répète 10 000 fois</a:t>
             </a:r>
           </a:p>
           <a:p>
+            <a:pPr marL="305435" indent="-305435"/>
             <a:r>
               <a:rPr lang="fr-FR" dirty="0"/>
-              <a:t>Moyenne en temps et itérations précisent</a:t>
-            </a:r>
-          </a:p>
-          <a:p>
+              <a:t>Moyenne en temps et itérations précises</a:t>
+            </a:r>
+          </a:p>
+          <a:p>
+            <a:pPr marL="305435" indent="-305435"/>
             <a:r>
               <a:rPr lang="fr-FR" dirty="0"/>
               <a:t>Mesure de la complexité algorithmique </a:t>
@@ -22331,7 +25863,7 @@
           <p:cNvPr id="2" name="Titre 1">
             <a:extLst>
               <a:ext uri="{FF2B5EF4-FFF2-40B4-BE49-F238E27FC236}">
-                <a16:creationId xmlns:a16="http://schemas.microsoft.com/office/drawing/2014/main" id="{A8124734-C51B-48C4-A282-7DF8F36A005A}"/>
+                <a16:creationId xmlns:a16="http://schemas.microsoft.com/office/drawing/2014/main" id="{1D56DFF1-0CE4-4C26-8547-ECF39C91D9E9}"/>
               </a:ext>
             </a:extLst>
           </p:cNvPr>
@@ -22342,7 +25874,12 @@
             <p:ph type="title"/>
           </p:nvPr>
         </p:nvSpPr>
-        <p:spPr/>
+        <p:spPr>
+          <a:xfrm>
+            <a:off x="581192" y="702156"/>
+            <a:ext cx="11029616" cy="1013800"/>
+          </a:xfrm>
+        </p:spPr>
         <p:txBody>
           <a:bodyPr>
             <a:normAutofit/>
@@ -22350,34 +25887,13 @@
           <a:lstStyle/>
           <a:p>
             <a:r>
-              <a:rPr lang="fr-FR" sz="3200" dirty="0"/>
-              <a:t>CONCLUSION</a:t>
-            </a:r>
-          </a:p>
-        </p:txBody>
-      </p:sp>
-      <p:sp>
-        <p:nvSpPr>
-          <p:cNvPr id="3" name="Espace réservé du contenu 2">
-            <a:extLst>
-              <a:ext uri="{FF2B5EF4-FFF2-40B4-BE49-F238E27FC236}">
-                <a16:creationId xmlns:a16="http://schemas.microsoft.com/office/drawing/2014/main" id="{76BED381-5DB9-4197-8BAD-4019E6D49582}"/>
-              </a:ext>
-            </a:extLst>
-          </p:cNvPr>
-          <p:cNvSpPr>
-            <a:spLocks noGrp="1"/>
-          </p:cNvSpPr>
-          <p:nvPr>
-            <p:ph idx="1"/>
-          </p:nvPr>
-        </p:nvSpPr>
-        <p:spPr/>
-        <p:txBody>
-          <a:bodyPr/>
-          <a:lstStyle/>
-          <a:p>
-            <a:endParaRPr lang="fr-FR"/>
+              <a:rPr lang="fr-FR" sz="3200" dirty="0">
+                <a:solidFill>
+                  <a:srgbClr val="FFFEFF"/>
+                </a:solidFill>
+              </a:rPr>
+              <a:t>Conclusion</a:t>
+            </a:r>
           </a:p>
         </p:txBody>
       </p:sp>
@@ -22386,7 +25902,7 @@
           <p:cNvPr id="6" name="Espace réservé du numéro de diapositive 5">
             <a:extLst>
               <a:ext uri="{FF2B5EF4-FFF2-40B4-BE49-F238E27FC236}">
-                <a16:creationId xmlns:a16="http://schemas.microsoft.com/office/drawing/2014/main" id="{88B3C869-69F9-4691-8DAA-D0771A00C1C4}"/>
+                <a16:creationId xmlns:a16="http://schemas.microsoft.com/office/drawing/2014/main" id="{0BC54D8E-7E3B-4759-912D-230A4F7A536F}"/>
               </a:ext>
             </a:extLst>
           </p:cNvPr>
@@ -22397,24 +25913,827 @@
             <p:ph type="sldNum" sz="quarter" idx="12"/>
           </p:nvPr>
         </p:nvSpPr>
-        <p:spPr/>
+        <p:spPr>
+          <a:xfrm>
+            <a:off x="10558300" y="5956137"/>
+            <a:ext cx="1052508" cy="365125"/>
+          </a:xfrm>
+        </p:spPr>
         <p:txBody>
-          <a:bodyPr/>
+          <a:bodyPr>
+            <a:normAutofit/>
+          </a:bodyPr>
           <a:lstStyle/>
           <a:p>
+            <a:pPr>
+              <a:spcAft>
+                <a:spcPts val="600"/>
+              </a:spcAft>
+            </a:pPr>
             <a:fld id="{D57F1E4F-1CFF-5643-939E-217C01CDF565}" type="slidenum">
               <a:rPr lang="en-US" smtClean="0"/>
-              <a:pPr/>
+              <a:pPr>
+                <a:spcAft>
+                  <a:spcPts val="600"/>
+                </a:spcAft>
+              </a:pPr>
               <a:t>26</a:t>
             </a:fld>
             <a:endParaRPr lang="en-US"/>
+          </a:p>
+        </p:txBody>
+      </p:sp>
+      <p:pic>
+        <p:nvPicPr>
+          <p:cNvPr id="7" name="Graphique 6" descr="Badge Tick1">
+            <a:extLst>
+              <a:ext uri="{FF2B5EF4-FFF2-40B4-BE49-F238E27FC236}">
+                <a16:creationId xmlns:a16="http://schemas.microsoft.com/office/drawing/2014/main" id="{B56B8866-FCD7-44DD-816B-475325BBBCC8}"/>
+              </a:ext>
+            </a:extLst>
+          </p:cNvPr>
+          <p:cNvPicPr>
+            <a:picLocks noChangeAspect="1"/>
+          </p:cNvPicPr>
+          <p:nvPr/>
+        </p:nvPicPr>
+        <p:blipFill>
+          <a:blip r:embed="rId3">
+            <a:extLst>
+              <a:ext uri="{96DAC541-7B7A-43D3-8B79-37D633B846F1}">
+                <asvg:svgBlip xmlns:asvg="http://schemas.microsoft.com/office/drawing/2016/SVG/main" r:embed="rId4"/>
+              </a:ext>
+            </a:extLst>
+          </a:blip>
+          <a:stretch>
+            <a:fillRect/>
+          </a:stretch>
+        </p:blipFill>
+        <p:spPr>
+          <a:xfrm>
+            <a:off x="5407855" y="3529733"/>
+            <a:ext cx="383344" cy="383344"/>
+          </a:xfrm>
+          <a:prstGeom prst="rect">
+            <a:avLst/>
+          </a:prstGeom>
+        </p:spPr>
+      </p:pic>
+      <p:graphicFrame>
+        <p:nvGraphicFramePr>
+          <p:cNvPr id="36" name="Espace réservé du contenu 2">
+            <a:extLst>
+              <a:ext uri="{FF2B5EF4-FFF2-40B4-BE49-F238E27FC236}">
+                <a16:creationId xmlns:a16="http://schemas.microsoft.com/office/drawing/2014/main" id="{1856A382-16CD-4798-8940-A04F16428429}"/>
+              </a:ext>
+            </a:extLst>
+          </p:cNvPr>
+          <p:cNvGraphicFramePr>
+            <a:graphicFrameLocks noGrp="1"/>
+          </p:cNvGraphicFramePr>
+          <p:nvPr>
+            <p:ph idx="1"/>
+            <p:extLst>
+              <p:ext uri="{D42A27DB-BD31-4B8C-83A1-F6EECF244321}">
+                <p14:modId xmlns:p14="http://schemas.microsoft.com/office/powerpoint/2010/main" val="1970976056"/>
+              </p:ext>
+            </p:extLst>
+          </p:nvPr>
+        </p:nvGraphicFramePr>
+        <p:xfrm>
+          <a:off x="581025" y="2181225"/>
+          <a:ext cx="11029950" cy="3678238"/>
+        </p:xfrm>
+        <a:graphic>
+          <a:graphicData uri="http://schemas.openxmlformats.org/drawingml/2006/diagram">
+            <dgm:relIds xmlns:dgm="http://schemas.openxmlformats.org/drawingml/2006/diagram" xmlns:r="http://schemas.openxmlformats.org/officeDocument/2006/relationships" r:dm="rId5" r:lo="rId6" r:qs="rId7" r:cs="rId8"/>
+          </a:graphicData>
+        </a:graphic>
+      </p:graphicFrame>
+      <p:pic>
+        <p:nvPicPr>
+          <p:cNvPr id="4" name="Graphique 3" descr="Badge Tick1">
+            <a:extLst>
+              <a:ext uri="{FF2B5EF4-FFF2-40B4-BE49-F238E27FC236}">
+                <a16:creationId xmlns:a16="http://schemas.microsoft.com/office/drawing/2014/main" id="{AE0A2E16-C229-44FB-9666-2D722BAA9122}"/>
+              </a:ext>
+            </a:extLst>
+          </p:cNvPr>
+          <p:cNvPicPr>
+            <a:picLocks noChangeAspect="1"/>
+          </p:cNvPicPr>
+          <p:nvPr/>
+        </p:nvPicPr>
+        <p:blipFill>
+          <a:blip r:embed="rId10">
+            <a:extLst>
+              <a:ext uri="{96DAC541-7B7A-43D3-8B79-37D633B846F1}">
+                <asvg:svgBlip xmlns:asvg="http://schemas.microsoft.com/office/drawing/2016/SVG/main" r:embed="rId11"/>
+              </a:ext>
+            </a:extLst>
+          </a:blip>
+          <a:stretch>
+            <a:fillRect/>
+          </a:stretch>
+        </p:blipFill>
+        <p:spPr>
+          <a:xfrm>
+            <a:off x="2023402" y="3529733"/>
+            <a:ext cx="383344" cy="383344"/>
+          </a:xfrm>
+          <a:prstGeom prst="rect">
+            <a:avLst/>
+          </a:prstGeom>
+        </p:spPr>
+      </p:pic>
+      <p:pic>
+        <p:nvPicPr>
+          <p:cNvPr id="8" name="Graphique 7" descr="Badge Tick1">
+            <a:extLst>
+              <a:ext uri="{FF2B5EF4-FFF2-40B4-BE49-F238E27FC236}">
+                <a16:creationId xmlns:a16="http://schemas.microsoft.com/office/drawing/2014/main" id="{FB79BBA9-5432-4E2B-973A-77F915B54BC3}"/>
+              </a:ext>
+            </a:extLst>
+          </p:cNvPr>
+          <p:cNvPicPr>
+            <a:picLocks noChangeAspect="1"/>
+          </p:cNvPicPr>
+          <p:nvPr/>
+        </p:nvPicPr>
+        <p:blipFill>
+          <a:blip r:embed="rId12">
+            <a:extLst>
+              <a:ext uri="{96DAC541-7B7A-43D3-8B79-37D633B846F1}">
+                <asvg:svgBlip xmlns:asvg="http://schemas.microsoft.com/office/drawing/2016/SVG/main" r:embed="rId13"/>
+              </a:ext>
+            </a:extLst>
+          </a:blip>
+          <a:stretch>
+            <a:fillRect/>
+          </a:stretch>
+        </p:blipFill>
+        <p:spPr>
+          <a:xfrm>
+            <a:off x="10084102" y="3045656"/>
+            <a:ext cx="383344" cy="383344"/>
+          </a:xfrm>
+          <a:prstGeom prst="rect">
+            <a:avLst/>
+          </a:prstGeom>
+        </p:spPr>
+      </p:pic>
+    </p:spTree>
+    <p:extLst>
+      <p:ext uri="{BB962C8B-B14F-4D97-AF65-F5344CB8AC3E}">
+        <p14:creationId xmlns:p14="http://schemas.microsoft.com/office/powerpoint/2010/main" val="1430738695"/>
+      </p:ext>
+    </p:extLst>
+  </p:cSld>
+  <p:clrMapOvr>
+    <a:masterClrMapping/>
+  </p:clrMapOvr>
+</p:sld>
+</file>
+
+<file path=ppt/slides/slide27.xml><?xml version="1.0" encoding="utf-8"?>
+<p:sld xmlns:a="http://schemas.openxmlformats.org/drawingml/2006/main" xmlns:r="http://schemas.openxmlformats.org/officeDocument/2006/relationships" xmlns:p="http://schemas.openxmlformats.org/presentationml/2006/main">
+  <p:cSld>
+    <p:bg>
+      <p:bgPr>
+        <a:solidFill>
+          <a:schemeClr val="bg1"/>
+        </a:solidFill>
+        <a:effectLst/>
+      </p:bgPr>
+    </p:bg>
+    <p:spTree>
+      <p:nvGrpSpPr>
+        <p:cNvPr id="1" name=""/>
+        <p:cNvGrpSpPr/>
+        <p:nvPr/>
+      </p:nvGrpSpPr>
+      <p:grpSpPr>
+        <a:xfrm>
+          <a:off x="0" y="0"/>
+          <a:ext cx="0" cy="0"/>
+          <a:chOff x="0" y="0"/>
+          <a:chExt cx="0" cy="0"/>
+        </a:xfrm>
+      </p:grpSpPr>
+      <p:sp>
+        <p:nvSpPr>
+          <p:cNvPr id="13" name="Rectangle 12">
+            <a:extLst>
+              <a:ext uri="{FF2B5EF4-FFF2-40B4-BE49-F238E27FC236}">
+                <a16:creationId xmlns:a16="http://schemas.microsoft.com/office/drawing/2014/main" id="{F7660A3D-94D7-4E5D-AE77-F2DEE49DF4EE}"/>
+              </a:ext>
+              <a:ext uri="{C183D7F6-B498-43B3-948B-1728B52AA6E4}">
+                <adec:decorative xmlns:adec="http://schemas.microsoft.com/office/drawing/2017/decorative" val="1"/>
+              </a:ext>
+            </a:extLst>
+          </p:cNvPr>
+          <p:cNvSpPr>
+            <a:spLocks noGrp="1" noRot="1" noChangeAspect="1" noMove="1" noResize="1" noEditPoints="1" noAdjustHandles="1" noChangeArrowheads="1" noChangeShapeType="1" noTextEdit="1"/>
+          </p:cNvSpPr>
+          <p:nvPr>
+            <p:extLst>
+              <p:ext uri="{386F3935-93C4-4BCD-93E2-E3B085C9AB24}">
+                <p16:designElem xmlns:p16="http://schemas.microsoft.com/office/powerpoint/2015/main" val="1"/>
+              </p:ext>
+            </p:extLst>
+          </p:nvPr>
+        </p:nvSpPr>
+        <p:spPr>
+          <a:xfrm>
+            <a:off x="446534" y="457200"/>
+            <a:ext cx="3703320" cy="94997"/>
+          </a:xfrm>
+          <a:prstGeom prst="rect">
+            <a:avLst/>
+          </a:prstGeom>
+          <a:solidFill>
+            <a:schemeClr val="accent1"/>
+          </a:solidFill>
+          <a:ln>
+            <a:noFill/>
+          </a:ln>
+          <a:effectLst/>
+        </p:spPr>
+        <p:style>
+          <a:lnRef idx="1">
+            <a:schemeClr val="accent1"/>
+          </a:lnRef>
+          <a:fillRef idx="3">
+            <a:schemeClr val="accent1"/>
+          </a:fillRef>
+          <a:effectRef idx="2">
+            <a:schemeClr val="accent1"/>
+          </a:effectRef>
+          <a:fontRef idx="minor">
+            <a:schemeClr val="lt1"/>
+          </a:fontRef>
+        </p:style>
+      </p:sp>
+      <p:sp>
+        <p:nvSpPr>
+          <p:cNvPr id="15" name="Rectangle 14">
+            <a:extLst>
+              <a:ext uri="{FF2B5EF4-FFF2-40B4-BE49-F238E27FC236}">
+                <a16:creationId xmlns:a16="http://schemas.microsoft.com/office/drawing/2014/main" id="{A44EB985-DC5C-4DAC-9D62-8DC7D0F25A8F}"/>
+              </a:ext>
+              <a:ext uri="{C183D7F6-B498-43B3-948B-1728B52AA6E4}">
+                <adec:decorative xmlns:adec="http://schemas.microsoft.com/office/drawing/2017/decorative" val="1"/>
+              </a:ext>
+            </a:extLst>
+          </p:cNvPr>
+          <p:cNvSpPr>
+            <a:spLocks noGrp="1" noRot="1" noChangeAspect="1" noMove="1" noResize="1" noEditPoints="1" noAdjustHandles="1" noChangeArrowheads="1" noChangeShapeType="1" noTextEdit="1"/>
+          </p:cNvSpPr>
+          <p:nvPr>
+            <p:extLst>
+              <p:ext uri="{386F3935-93C4-4BCD-93E2-E3B085C9AB24}">
+                <p16:designElem xmlns:p16="http://schemas.microsoft.com/office/powerpoint/2015/main" val="1"/>
+              </p:ext>
+            </p:extLst>
+          </p:nvPr>
+        </p:nvSpPr>
+        <p:spPr>
+          <a:xfrm>
+            <a:off x="8042147" y="453643"/>
+            <a:ext cx="3703320" cy="98554"/>
+          </a:xfrm>
+          <a:prstGeom prst="rect">
+            <a:avLst/>
+          </a:prstGeom>
+          <a:solidFill>
+            <a:schemeClr val="accent4"/>
+          </a:solidFill>
+          <a:ln>
+            <a:noFill/>
+          </a:ln>
+          <a:effectLst/>
+        </p:spPr>
+        <p:style>
+          <a:lnRef idx="1">
+            <a:schemeClr val="accent1"/>
+          </a:lnRef>
+          <a:fillRef idx="3">
+            <a:schemeClr val="accent1"/>
+          </a:fillRef>
+          <a:effectRef idx="2">
+            <a:schemeClr val="accent1"/>
+          </a:effectRef>
+          <a:fontRef idx="minor">
+            <a:schemeClr val="lt1"/>
+          </a:fontRef>
+        </p:style>
+      </p:sp>
+      <p:sp>
+        <p:nvSpPr>
+          <p:cNvPr id="17" name="Rectangle 16">
+            <a:extLst>
+              <a:ext uri="{FF2B5EF4-FFF2-40B4-BE49-F238E27FC236}">
+                <a16:creationId xmlns:a16="http://schemas.microsoft.com/office/drawing/2014/main" id="{3FCB64ED-B050-4F57-8188-F233260082B0}"/>
+              </a:ext>
+              <a:ext uri="{C183D7F6-B498-43B3-948B-1728B52AA6E4}">
+                <adec:decorative xmlns:adec="http://schemas.microsoft.com/office/drawing/2017/decorative" val="1"/>
+              </a:ext>
+            </a:extLst>
+          </p:cNvPr>
+          <p:cNvSpPr>
+            <a:spLocks noGrp="1" noRot="1" noChangeAspect="1" noMove="1" noResize="1" noEditPoints="1" noAdjustHandles="1" noChangeArrowheads="1" noChangeShapeType="1" noTextEdit="1"/>
+          </p:cNvSpPr>
+          <p:nvPr>
+            <p:extLst>
+              <p:ext uri="{386F3935-93C4-4BCD-93E2-E3B085C9AB24}">
+                <p16:designElem xmlns:p16="http://schemas.microsoft.com/office/powerpoint/2015/main" val="1"/>
+              </p:ext>
+            </p:extLst>
+          </p:nvPr>
+        </p:nvSpPr>
+        <p:spPr>
+          <a:xfrm>
+            <a:off x="4241830" y="457200"/>
+            <a:ext cx="3703320" cy="91440"/>
+          </a:xfrm>
+          <a:prstGeom prst="rect">
+            <a:avLst/>
+          </a:prstGeom>
+          <a:solidFill>
+            <a:schemeClr val="accent2"/>
+          </a:solidFill>
+          <a:ln>
+            <a:noFill/>
+          </a:ln>
+          <a:effectLst/>
+        </p:spPr>
+        <p:style>
+          <a:lnRef idx="1">
+            <a:schemeClr val="accent1"/>
+          </a:lnRef>
+          <a:fillRef idx="3">
+            <a:schemeClr val="accent1"/>
+          </a:fillRef>
+          <a:effectRef idx="2">
+            <a:schemeClr val="accent1"/>
+          </a:effectRef>
+          <a:fontRef idx="minor">
+            <a:schemeClr val="lt1"/>
+          </a:fontRef>
+        </p:style>
+      </p:sp>
+      <p:sp>
+        <p:nvSpPr>
+          <p:cNvPr id="19" name="Rectangle 18">
+            <a:extLst>
+              <a:ext uri="{FF2B5EF4-FFF2-40B4-BE49-F238E27FC236}">
+                <a16:creationId xmlns:a16="http://schemas.microsoft.com/office/drawing/2014/main" id="{2BF5D0F4-EA4E-47A5-87BE-9ABB1AF66DCF}"/>
+              </a:ext>
+              <a:ext uri="{C183D7F6-B498-43B3-948B-1728B52AA6E4}">
+                <adec:decorative xmlns:adec="http://schemas.microsoft.com/office/drawing/2017/decorative" val="1"/>
+              </a:ext>
+            </a:extLst>
+          </p:cNvPr>
+          <p:cNvSpPr>
+            <a:spLocks noGrp="1" noRot="1" noChangeAspect="1" noMove="1" noResize="1" noEditPoints="1" noAdjustHandles="1" noChangeArrowheads="1" noChangeShapeType="1" noTextEdit="1"/>
+          </p:cNvSpPr>
+          <p:nvPr>
+            <p:extLst>
+              <p:ext uri="{386F3935-93C4-4BCD-93E2-E3B085C9AB24}">
+                <p16:designElem xmlns:p16="http://schemas.microsoft.com/office/powerpoint/2015/main" val="1"/>
+              </p:ext>
+            </p:extLst>
+          </p:nvPr>
+        </p:nvSpPr>
+        <p:spPr>
+          <a:xfrm>
+            <a:off x="446534" y="3085765"/>
+            <a:ext cx="11262866" cy="3304800"/>
+          </a:xfrm>
+          <a:prstGeom prst="rect">
+            <a:avLst/>
+          </a:prstGeom>
+          <a:solidFill>
+            <a:schemeClr val="accent1"/>
+          </a:solidFill>
+          <a:ln>
+            <a:noFill/>
+          </a:ln>
+          <a:effectLst/>
+        </p:spPr>
+        <p:style>
+          <a:lnRef idx="1">
+            <a:schemeClr val="accent1"/>
+          </a:lnRef>
+          <a:fillRef idx="3">
+            <a:schemeClr val="accent1"/>
+          </a:fillRef>
+          <a:effectRef idx="2">
+            <a:schemeClr val="accent1"/>
+          </a:effectRef>
+          <a:fontRef idx="minor">
+            <a:schemeClr val="lt1"/>
+          </a:fontRef>
+        </p:style>
+      </p:sp>
+      <p:sp useBgFill="1">
+        <p:nvSpPr>
+          <p:cNvPr id="21" name="Rectangle 20">
+            <a:extLst>
+              <a:ext uri="{FF2B5EF4-FFF2-40B4-BE49-F238E27FC236}">
+                <a16:creationId xmlns:a16="http://schemas.microsoft.com/office/drawing/2014/main" id="{34BFB7C5-23B6-4047-BF5E-F9EEBB437CD0}"/>
+              </a:ext>
+              <a:ext uri="{C183D7F6-B498-43B3-948B-1728B52AA6E4}">
+                <adec:decorative xmlns:adec="http://schemas.microsoft.com/office/drawing/2017/decorative" val="1"/>
+              </a:ext>
+            </a:extLst>
+          </p:cNvPr>
+          <p:cNvSpPr>
+            <a:spLocks noGrp="1" noRot="1" noChangeAspect="1" noMove="1" noResize="1" noEditPoints="1" noAdjustHandles="1" noChangeArrowheads="1" noChangeShapeType="1" noTextEdit="1"/>
+          </p:cNvSpPr>
+          <p:nvPr>
+            <p:extLst>
+              <p:ext uri="{386F3935-93C4-4BCD-93E2-E3B085C9AB24}">
+                <p16:designElem xmlns:p16="http://schemas.microsoft.com/office/powerpoint/2015/main" val="1"/>
+              </p:ext>
+            </p:extLst>
+          </p:nvPr>
+        </p:nvSpPr>
+        <p:spPr>
+          <a:xfrm>
+            <a:off x="0" y="0"/>
+            <a:ext cx="12192000" cy="6858000"/>
+          </a:xfrm>
+          <a:prstGeom prst="rect">
+            <a:avLst/>
+          </a:prstGeom>
+          <a:ln>
+            <a:noFill/>
+          </a:ln>
+        </p:spPr>
+        <p:style>
+          <a:lnRef idx="2">
+            <a:schemeClr val="accent1">
+              <a:shade val="50000"/>
+            </a:schemeClr>
+          </a:lnRef>
+          <a:fillRef idx="1">
+            <a:schemeClr val="accent1"/>
+          </a:fillRef>
+          <a:effectRef idx="0">
+            <a:schemeClr val="accent1"/>
+          </a:effectRef>
+          <a:fontRef idx="minor">
+            <a:schemeClr val="lt1"/>
+          </a:fontRef>
+        </p:style>
+        <p:txBody>
+          <a:bodyPr rtlCol="0" anchor="ctr"/>
+          <a:lstStyle/>
+          <a:p>
+            <a:pPr algn="ctr"/>
+            <a:endParaRPr lang="en-US"/>
+          </a:p>
+        </p:txBody>
+      </p:sp>
+      <p:sp>
+        <p:nvSpPr>
+          <p:cNvPr id="23" name="Rectangle 22">
+            <a:extLst>
+              <a:ext uri="{FF2B5EF4-FFF2-40B4-BE49-F238E27FC236}">
+                <a16:creationId xmlns:a16="http://schemas.microsoft.com/office/drawing/2014/main" id="{FBC3CD9F-A361-4496-A6E0-24338B2A6901}"/>
+              </a:ext>
+              <a:ext uri="{C183D7F6-B498-43B3-948B-1728B52AA6E4}">
+                <adec:decorative xmlns:adec="http://schemas.microsoft.com/office/drawing/2017/decorative" val="1"/>
+              </a:ext>
+            </a:extLst>
+          </p:cNvPr>
+          <p:cNvSpPr>
+            <a:spLocks noGrp="1" noRot="1" noChangeAspect="1" noMove="1" noResize="1" noEditPoints="1" noAdjustHandles="1" noChangeArrowheads="1" noChangeShapeType="1" noTextEdit="1"/>
+          </p:cNvSpPr>
+          <p:nvPr>
+            <p:extLst>
+              <p:ext uri="{386F3935-93C4-4BCD-93E2-E3B085C9AB24}">
+                <p16:designElem xmlns:p16="http://schemas.microsoft.com/office/powerpoint/2015/main" val="1"/>
+              </p:ext>
+            </p:extLst>
+          </p:nvPr>
+        </p:nvSpPr>
+        <p:spPr>
+          <a:xfrm>
+            <a:off x="581191" y="457201"/>
+            <a:ext cx="1106164" cy="5859735"/>
+          </a:xfrm>
+          <a:prstGeom prst="rect">
+            <a:avLst/>
+          </a:prstGeom>
+          <a:solidFill>
+            <a:schemeClr val="accent2"/>
+          </a:solidFill>
+          <a:ln>
+            <a:noFill/>
+          </a:ln>
+          <a:effectLst/>
+        </p:spPr>
+        <p:style>
+          <a:lnRef idx="1">
+            <a:schemeClr val="accent1"/>
+          </a:lnRef>
+          <a:fillRef idx="3">
+            <a:schemeClr val="accent1"/>
+          </a:fillRef>
+          <a:effectRef idx="2">
+            <a:schemeClr val="accent1"/>
+          </a:effectRef>
+          <a:fontRef idx="minor">
+            <a:schemeClr val="lt1"/>
+          </a:fontRef>
+        </p:style>
+      </p:sp>
+      <p:sp>
+        <p:nvSpPr>
+          <p:cNvPr id="25" name="Rectangle 24">
+            <a:extLst>
+              <a:ext uri="{FF2B5EF4-FFF2-40B4-BE49-F238E27FC236}">
+                <a16:creationId xmlns:a16="http://schemas.microsoft.com/office/drawing/2014/main" id="{D37DA931-62D6-4B32-9103-84C0960AEA6D}"/>
+              </a:ext>
+              <a:ext uri="{C183D7F6-B498-43B3-948B-1728B52AA6E4}">
+                <adec:decorative xmlns:adec="http://schemas.microsoft.com/office/drawing/2017/decorative" val="1"/>
+              </a:ext>
+            </a:extLst>
+          </p:cNvPr>
+          <p:cNvSpPr>
+            <a:spLocks noGrp="1" noRot="1" noChangeAspect="1" noMove="1" noResize="1" noEditPoints="1" noAdjustHandles="1" noChangeArrowheads="1" noChangeShapeType="1" noTextEdit="1"/>
+          </p:cNvSpPr>
+          <p:nvPr>
+            <p:extLst>
+              <p:ext uri="{386F3935-93C4-4BCD-93E2-E3B085C9AB24}">
+                <p16:designElem xmlns:p16="http://schemas.microsoft.com/office/powerpoint/2015/main" val="1"/>
+              </p:ext>
+            </p:extLst>
+          </p:nvPr>
+        </p:nvSpPr>
+        <p:spPr>
+          <a:xfrm>
+            <a:off x="1784420" y="457200"/>
+            <a:ext cx="6248454" cy="5859736"/>
+          </a:xfrm>
+          <a:prstGeom prst="rect">
+            <a:avLst/>
+          </a:prstGeom>
+          <a:solidFill>
+            <a:schemeClr val="accent1"/>
+          </a:solidFill>
+          <a:ln>
+            <a:noFill/>
+          </a:ln>
+          <a:effectLst/>
+        </p:spPr>
+        <p:style>
+          <a:lnRef idx="1">
+            <a:schemeClr val="accent1"/>
+          </a:lnRef>
+          <a:fillRef idx="3">
+            <a:schemeClr val="accent1"/>
+          </a:fillRef>
+          <a:effectRef idx="2">
+            <a:schemeClr val="accent1"/>
+          </a:effectRef>
+          <a:fontRef idx="minor">
+            <a:schemeClr val="lt1"/>
+          </a:fontRef>
+        </p:style>
+      </p:sp>
+      <p:sp>
+        <p:nvSpPr>
+          <p:cNvPr id="8" name="Titre 7">
+            <a:extLst>
+              <a:ext uri="{FF2B5EF4-FFF2-40B4-BE49-F238E27FC236}">
+                <a16:creationId xmlns:a16="http://schemas.microsoft.com/office/drawing/2014/main" id="{5AB9EB2E-672A-4154-8F85-B2B9FB3CDFFE}"/>
+              </a:ext>
+            </a:extLst>
+          </p:cNvPr>
+          <p:cNvSpPr>
+            <a:spLocks noGrp="1"/>
+          </p:cNvSpPr>
+          <p:nvPr>
+            <p:ph type="title"/>
+          </p:nvPr>
+        </p:nvSpPr>
+        <p:spPr>
+          <a:xfrm>
+            <a:off x="2156346" y="849745"/>
+            <a:ext cx="5526993" cy="4745836"/>
+          </a:xfrm>
+        </p:spPr>
+        <p:txBody>
+          <a:bodyPr vert="horz" lIns="91440" tIns="45720" rIns="91440" bIns="45720" rtlCol="0" anchor="ctr">
+            <a:normAutofit/>
+          </a:bodyPr>
+          <a:lstStyle/>
+          <a:p>
+            <a:r>
+              <a:rPr lang="en-US" sz="6000" dirty="0">
+                <a:solidFill>
+                  <a:srgbClr val="FFFFFF"/>
+                </a:solidFill>
+              </a:rPr>
+              <a:t>Merci de  </a:t>
+            </a:r>
+            <a:r>
+              <a:rPr lang="en-US" sz="6000" dirty="0" err="1">
+                <a:solidFill>
+                  <a:srgbClr val="FFFFFF"/>
+                </a:solidFill>
+              </a:rPr>
+              <a:t>votre</a:t>
+            </a:r>
+            <a:r>
+              <a:rPr lang="en-US" sz="6000" dirty="0">
+                <a:solidFill>
+                  <a:srgbClr val="FFFFFF"/>
+                </a:solidFill>
+              </a:rPr>
+              <a:t> </a:t>
+            </a:r>
+            <a:r>
+              <a:rPr lang="en-US" sz="6000" dirty="0" err="1">
+                <a:solidFill>
+                  <a:srgbClr val="FFFFFF"/>
+                </a:solidFill>
+              </a:rPr>
+              <a:t>écoute</a:t>
+            </a:r>
+            <a:endParaRPr lang="en-US" sz="6000" dirty="0">
+              <a:solidFill>
+                <a:srgbClr val="FFFFFF"/>
+              </a:solidFill>
+            </a:endParaRPr>
+          </a:p>
+        </p:txBody>
+      </p:sp>
+      <p:sp>
+        <p:nvSpPr>
+          <p:cNvPr id="27" name="Rectangle 26">
+            <a:extLst>
+              <a:ext uri="{FF2B5EF4-FFF2-40B4-BE49-F238E27FC236}">
+                <a16:creationId xmlns:a16="http://schemas.microsoft.com/office/drawing/2014/main" id="{4695E140-9B6E-43E9-B17E-CDFE3FCA8AFB}"/>
+              </a:ext>
+              <a:ext uri="{C183D7F6-B498-43B3-948B-1728B52AA6E4}">
+                <adec:decorative xmlns:adec="http://schemas.microsoft.com/office/drawing/2017/decorative" val="1"/>
+              </a:ext>
+            </a:extLst>
+          </p:cNvPr>
+          <p:cNvSpPr>
+            <a:spLocks noGrp="1" noRot="1" noChangeAspect="1" noMove="1" noResize="1" noEditPoints="1" noAdjustHandles="1" noChangeArrowheads="1" noChangeShapeType="1" noTextEdit="1"/>
+          </p:cNvSpPr>
+          <p:nvPr>
+            <p:extLst>
+              <p:ext uri="{386F3935-93C4-4BCD-93E2-E3B085C9AB24}">
+                <p16:designElem xmlns:p16="http://schemas.microsoft.com/office/powerpoint/2015/main" val="1"/>
+              </p:ext>
+            </p:extLst>
+          </p:nvPr>
+        </p:nvSpPr>
+        <p:spPr>
+          <a:xfrm>
+            <a:off x="8129872" y="453642"/>
+            <a:ext cx="3615595" cy="5863293"/>
+          </a:xfrm>
+          <a:prstGeom prst="rect">
+            <a:avLst/>
+          </a:prstGeom>
+          <a:solidFill>
+            <a:schemeClr val="accent4">
+              <a:lumMod val="75000"/>
+            </a:schemeClr>
+          </a:solidFill>
+          <a:ln>
+            <a:noFill/>
+          </a:ln>
+          <a:effectLst/>
+        </p:spPr>
+        <p:style>
+          <a:lnRef idx="1">
+            <a:schemeClr val="accent1"/>
+          </a:lnRef>
+          <a:fillRef idx="3">
+            <a:schemeClr val="accent1"/>
+          </a:fillRef>
+          <a:effectRef idx="2">
+            <a:schemeClr val="accent1"/>
+          </a:effectRef>
+          <a:fontRef idx="minor">
+            <a:schemeClr val="lt1"/>
+          </a:fontRef>
+        </p:style>
+      </p:sp>
+      <p:sp>
+        <p:nvSpPr>
+          <p:cNvPr id="4" name="Espace réservé du pied de page 3">
+            <a:extLst>
+              <a:ext uri="{FF2B5EF4-FFF2-40B4-BE49-F238E27FC236}">
+                <a16:creationId xmlns:a16="http://schemas.microsoft.com/office/drawing/2014/main" id="{10A08930-1EB9-4D60-90A9-BFDCE6143D0A}"/>
+              </a:ext>
+            </a:extLst>
+          </p:cNvPr>
+          <p:cNvSpPr>
+            <a:spLocks noGrp="1"/>
+          </p:cNvSpPr>
+          <p:nvPr>
+            <p:ph type="ftr" sz="quarter" idx="11"/>
+          </p:nvPr>
+        </p:nvSpPr>
+        <p:spPr>
+          <a:xfrm>
+            <a:off x="2156346" y="5951811"/>
+            <a:ext cx="5788804" cy="365125"/>
+          </a:xfrm>
+        </p:spPr>
+        <p:txBody>
+          <a:bodyPr vert="horz" lIns="91440" tIns="45720" rIns="91440" bIns="45720" rtlCol="0" anchor="ctr">
+            <a:normAutofit/>
+          </a:bodyPr>
+          <a:lstStyle/>
+          <a:p>
+            <a:pPr>
+              <a:spcAft>
+                <a:spcPts val="600"/>
+              </a:spcAft>
+            </a:pPr>
+            <a:r>
+              <a:rPr lang="en-US">
+                <a:solidFill>
+                  <a:schemeClr val="accent3"/>
+                </a:solidFill>
+              </a:rPr>
+              <a:t>Anaïs Gallerand ; Edouard Gautier ; Antoine Orvain</a:t>
+            </a:r>
+          </a:p>
+        </p:txBody>
+      </p:sp>
+      <p:sp>
+        <p:nvSpPr>
+          <p:cNvPr id="5" name="Espace réservé du numéro de diapositive 4">
+            <a:extLst>
+              <a:ext uri="{FF2B5EF4-FFF2-40B4-BE49-F238E27FC236}">
+                <a16:creationId xmlns:a16="http://schemas.microsoft.com/office/drawing/2014/main" id="{4BAA832E-0881-4416-AAAE-5FE33B266B73}"/>
+              </a:ext>
+            </a:extLst>
+          </p:cNvPr>
+          <p:cNvSpPr>
+            <a:spLocks noGrp="1"/>
+          </p:cNvSpPr>
+          <p:nvPr>
+            <p:ph type="sldNum" sz="quarter" idx="12"/>
+          </p:nvPr>
+        </p:nvSpPr>
+        <p:spPr>
+          <a:xfrm>
+            <a:off x="10558300" y="5956137"/>
+            <a:ext cx="1016440" cy="365125"/>
+          </a:xfrm>
+        </p:spPr>
+        <p:txBody>
+          <a:bodyPr vert="horz" lIns="91440" tIns="45720" rIns="91440" bIns="45720" rtlCol="0" anchor="ctr">
+            <a:normAutofit/>
+          </a:bodyPr>
+          <a:lstStyle/>
+          <a:p>
+            <a:pPr>
+              <a:spcAft>
+                <a:spcPts val="600"/>
+              </a:spcAft>
+            </a:pPr>
+            <a:fld id="{D57F1E4F-1CFF-5643-939E-217C01CDF565}" type="slidenum">
+              <a:rPr lang="en-US">
+                <a:solidFill>
+                  <a:srgbClr val="FFFFFF">
+                    <a:alpha val="80000"/>
+                  </a:srgbClr>
+                </a:solidFill>
+              </a:rPr>
+              <a:pPr>
+                <a:spcAft>
+                  <a:spcPts val="600"/>
+                </a:spcAft>
+              </a:pPr>
+              <a:t>27</a:t>
+            </a:fld>
+            <a:endParaRPr lang="en-US">
+              <a:solidFill>
+                <a:srgbClr val="FFFFFF">
+                  <a:alpha val="80000"/>
+                </a:srgbClr>
+              </a:solidFill>
+            </a:endParaRPr>
           </a:p>
         </p:txBody>
       </p:sp>
     </p:spTree>
     <p:extLst>
       <p:ext uri="{BB962C8B-B14F-4D97-AF65-F5344CB8AC3E}">
-        <p14:creationId xmlns:p14="http://schemas.microsoft.com/office/powerpoint/2010/main" val="3958710600"/>
+        <p14:creationId xmlns:p14="http://schemas.microsoft.com/office/powerpoint/2010/main" val="3937465755"/>
       </p:ext>
     </p:extLst>
   </p:cSld>
@@ -22834,7 +27153,7 @@
             <p:ph idx="1"/>
             <p:extLst>
               <p:ext uri="{D42A27DB-BD31-4B8C-83A1-F6EECF244321}">
-                <p14:modId xmlns:p14="http://schemas.microsoft.com/office/powerpoint/2010/main" val="769252630"/>
+                <p14:modId xmlns:p14="http://schemas.microsoft.com/office/powerpoint/2010/main" val="1974430498"/>
               </p:ext>
             </p:extLst>
           </p:nvPr>
@@ -22845,7 +27164,7 @@
         </p:xfrm>
         <a:graphic>
           <a:graphicData uri="http://schemas.openxmlformats.org/drawingml/2006/diagram">
-            <dgm:relIds xmlns:dgm="http://schemas.openxmlformats.org/drawingml/2006/diagram" xmlns:r="http://schemas.openxmlformats.org/officeDocument/2006/relationships" r:dm="rId2" r:lo="rId3" r:qs="rId4" r:cs="rId5"/>
+            <dgm:relIds xmlns:dgm="http://schemas.openxmlformats.org/drawingml/2006/diagram" xmlns:r="http://schemas.openxmlformats.org/officeDocument/2006/relationships" r:dm="rId3" r:lo="rId4" r:qs="rId5" r:cs="rId6"/>
           </a:graphicData>
         </a:graphic>
       </p:graphicFrame>
@@ -26681,18 +31000,18 @@
 </file>
 
 <file path=customXml/item1.xml><?xml version="1.0" encoding="utf-8"?>
-<p:properties xmlns:p="http://schemas.microsoft.com/office/2006/metadata/properties" xmlns:xsi="http://www.w3.org/2001/XMLSchema-instance" xmlns:pc="http://schemas.microsoft.com/office/infopath/2007/PartnerControls">
-  <documentManagement/>
-</p:properties>
-</file>
-
-<file path=customXml/item2.xml><?xml version="1.0" encoding="utf-8"?>
 <?mso-contentType ?>
 <FormTemplates xmlns="http://schemas.microsoft.com/sharepoint/v3/contenttype/forms">
   <Display>DocumentLibraryForm</Display>
   <Edit>DocumentLibraryForm</Edit>
   <New>DocumentLibraryForm</New>
 </FormTemplates>
+</file>
+
+<file path=customXml/item2.xml><?xml version="1.0" encoding="utf-8"?>
+<p:properties xmlns:p="http://schemas.microsoft.com/office/2006/metadata/properties" xmlns:xsi="http://www.w3.org/2001/XMLSchema-instance" xmlns:pc="http://schemas.microsoft.com/office/infopath/2007/PartnerControls">
+  <documentManagement/>
+</p:properties>
 </file>
 
 <file path=customXml/item3.xml><?xml version="1.0" encoding="utf-8"?>
@@ -26919,18 +31238,26 @@
 </file>
 
 <file path=customXml/itemProps1.xml><?xml version="1.0" encoding="utf-8"?>
-<ds:datastoreItem xmlns:ds="http://schemas.openxmlformats.org/officeDocument/2006/customXml" ds:itemID="{4916EBF2-85BF-48B7-811B-14F5FC5E3D43}">
+<ds:datastoreItem xmlns:ds="http://schemas.openxmlformats.org/officeDocument/2006/customXml" ds:itemID="{25FEBF7E-E609-4AAE-97E6-7B4585FCE32C}">
   <ds:schemaRefs>
-    <ds:schemaRef ds:uri="http://schemas.microsoft.com/office/2006/metadata/properties"/>
-    <ds:schemaRef ds:uri="http://schemas.microsoft.com/office/infopath/2007/PartnerControls"/>
+    <ds:schemaRef ds:uri="http://schemas.microsoft.com/sharepoint/v3/contenttype/forms"/>
   </ds:schemaRefs>
 </ds:datastoreItem>
 </file>
 
 <file path=customXml/itemProps2.xml><?xml version="1.0" encoding="utf-8"?>
-<ds:datastoreItem xmlns:ds="http://schemas.openxmlformats.org/officeDocument/2006/customXml" ds:itemID="{25FEBF7E-E609-4AAE-97E6-7B4585FCE32C}">
+<ds:datastoreItem xmlns:ds="http://schemas.openxmlformats.org/officeDocument/2006/customXml" ds:itemID="{4916EBF2-85BF-48B7-811B-14F5FC5E3D43}">
   <ds:schemaRefs>
-    <ds:schemaRef ds:uri="http://schemas.microsoft.com/sharepoint/v3/contenttype/forms"/>
+    <ds:schemaRef ds:uri="http://purl.org/dc/terms/"/>
+    <ds:schemaRef ds:uri="http://schemas.microsoft.com/office/2006/documentManagement/types"/>
+    <ds:schemaRef ds:uri="728b956b-bcb0-4c80-af13-b2d0ad2fbfe6"/>
+    <ds:schemaRef ds:uri="http://schemas.microsoft.com/office/2006/metadata/properties"/>
+    <ds:schemaRef ds:uri="http://purl.org/dc/elements/1.1/"/>
+    <ds:schemaRef ds:uri="http://purl.org/dc/dcmitype/"/>
+    <ds:schemaRef ds:uri="http://schemas.microsoft.com/office/infopath/2007/PartnerControls"/>
+    <ds:schemaRef ds:uri="http://schemas.openxmlformats.org/package/2006/metadata/core-properties"/>
+    <ds:schemaRef ds:uri="9ef4d5d9-443a-456c-921d-c0052e2b4a74"/>
+    <ds:schemaRef ds:uri="http://www.w3.org/XML/1998/namespace"/>
   </ds:schemaRefs>
 </ds:datastoreItem>
 </file>

--- a/Présentation 1.pptx
+++ b/Présentation 1.pptx
@@ -3443,6 +3443,46 @@
     </pc:docChg>
   </pc:docChgLst>
   <pc:docChgLst>
+    <pc:chgData name="ORVAIN Antoine" userId="S::antoine.orvain@reseau.eseo.fr::8ba3a5fe-783e-4476-b910-2e846db5ef4e" providerId="AD" clId="Web-{71071A23-00DE-4DEE-F840-0B988AB79541}"/>
+    <pc:docChg chg="modSld">
+      <pc:chgData name="ORVAIN Antoine" userId="S::antoine.orvain@reseau.eseo.fr::8ba3a5fe-783e-4476-b910-2e846db5ef4e" providerId="AD" clId="Web-{71071A23-00DE-4DEE-F840-0B988AB79541}" dt="2020-05-28T08:43:49.920" v="3"/>
+      <pc:docMkLst>
+        <pc:docMk/>
+      </pc:docMkLst>
+      <pc:sldChg chg="addSp delSp modSp">
+        <pc:chgData name="ORVAIN Antoine" userId="S::antoine.orvain@reseau.eseo.fr::8ba3a5fe-783e-4476-b910-2e846db5ef4e" providerId="AD" clId="Web-{71071A23-00DE-4DEE-F840-0B988AB79541}" dt="2020-05-28T08:43:49.920" v="3"/>
+        <pc:sldMkLst>
+          <pc:docMk/>
+          <pc:sldMk cId="711941604" sldId="266"/>
+        </pc:sldMkLst>
+        <pc:spChg chg="del">
+          <ac:chgData name="ORVAIN Antoine" userId="S::antoine.orvain@reseau.eseo.fr::8ba3a5fe-783e-4476-b910-2e846db5ef4e" providerId="AD" clId="Web-{71071A23-00DE-4DEE-F840-0B988AB79541}" dt="2020-05-28T08:43:36.592" v="0"/>
+          <ac:spMkLst>
+            <pc:docMk/>
+            <pc:sldMk cId="711941604" sldId="266"/>
+            <ac:spMk id="3" creationId="{0CB09297-8E01-4AA7-AEC7-1737EB56F77F}"/>
+          </ac:spMkLst>
+        </pc:spChg>
+        <pc:spChg chg="add mod">
+          <ac:chgData name="ORVAIN Antoine" userId="S::antoine.orvain@reseau.eseo.fr::8ba3a5fe-783e-4476-b910-2e846db5ef4e" providerId="AD" clId="Web-{71071A23-00DE-4DEE-F840-0B988AB79541}" dt="2020-05-28T08:43:49.920" v="3"/>
+          <ac:spMkLst>
+            <pc:docMk/>
+            <pc:sldMk cId="711941604" sldId="266"/>
+            <ac:spMk id="6" creationId="{B2B4CE0F-884B-4C75-87E9-561953A63AED}"/>
+          </ac:spMkLst>
+        </pc:spChg>
+        <pc:picChg chg="add del mod ord">
+          <ac:chgData name="ORVAIN Antoine" userId="S::antoine.orvain@reseau.eseo.fr::8ba3a5fe-783e-4476-b910-2e846db5ef4e" providerId="AD" clId="Web-{71071A23-00DE-4DEE-F840-0B988AB79541}" dt="2020-05-28T08:43:49.920" v="3"/>
+          <ac:picMkLst>
+            <pc:docMk/>
+            <pc:sldMk cId="711941604" sldId="266"/>
+            <ac:picMk id="4" creationId="{598ED493-50D4-44E6-BC50-396D16BD61BC}"/>
+          </ac:picMkLst>
+        </pc:picChg>
+      </pc:sldChg>
+    </pc:docChg>
+  </pc:docChgLst>
+  <pc:docChgLst>
     <pc:chgData name="ORVAIN Antoine" userId="S::antoine.orvain@reseau.eseo.fr::8ba3a5fe-783e-4476-b910-2e846db5ef4e" providerId="AD" clId="Web-{56903A6A-F336-4219-6BC3-B42D7B08D4C1}"/>
     <pc:docChg chg="modSld">
       <pc:chgData name="ORVAIN Antoine" userId="S::antoine.orvain@reseau.eseo.fr::8ba3a5fe-783e-4476-b910-2e846db5ef4e" providerId="AD" clId="Web-{56903A6A-F336-4219-6BC3-B42D7B08D4C1}" dt="2020-05-27T13:59:16.887" v="277" actId="1076"/>
@@ -3476,85 +3516,6 @@
             <pc:docMk/>
             <pc:sldMk cId="1705105624" sldId="260"/>
             <ac:spMk id="3" creationId="{D3EAD95F-D89F-45E8-ADE2-3E454E61D480}"/>
-          </ac:spMkLst>
-        </pc:spChg>
-      </pc:sldChg>
-    </pc:docChg>
-  </pc:docChgLst>
-  <pc:docChgLst>
-    <pc:chgData name="ORVAIN Antoine" userId="S::antoine.orvain@reseau.eseo.fr::8ba3a5fe-783e-4476-b910-2e846db5ef4e" providerId="AD" clId="Web-{71071A23-00DE-4DEE-F840-0B988AB79541}"/>
-    <pc:docChg chg="modSld">
-      <pc:chgData name="ORVAIN Antoine" userId="S::antoine.orvain@reseau.eseo.fr::8ba3a5fe-783e-4476-b910-2e846db5ef4e" providerId="AD" clId="Web-{71071A23-00DE-4DEE-F840-0B988AB79541}" dt="2020-05-28T08:43:49.920" v="3"/>
-      <pc:docMkLst>
-        <pc:docMk/>
-      </pc:docMkLst>
-      <pc:sldChg chg="addSp delSp modSp">
-        <pc:chgData name="ORVAIN Antoine" userId="S::antoine.orvain@reseau.eseo.fr::8ba3a5fe-783e-4476-b910-2e846db5ef4e" providerId="AD" clId="Web-{71071A23-00DE-4DEE-F840-0B988AB79541}" dt="2020-05-28T08:43:49.920" v="3"/>
-        <pc:sldMkLst>
-          <pc:docMk/>
-          <pc:sldMk cId="711941604" sldId="266"/>
-        </pc:sldMkLst>
-        <pc:spChg chg="del">
-          <ac:chgData name="ORVAIN Antoine" userId="S::antoine.orvain@reseau.eseo.fr::8ba3a5fe-783e-4476-b910-2e846db5ef4e" providerId="AD" clId="Web-{71071A23-00DE-4DEE-F840-0B988AB79541}" dt="2020-05-28T08:43:36.592" v="0"/>
-          <ac:spMkLst>
-            <pc:docMk/>
-            <pc:sldMk cId="711941604" sldId="266"/>
-            <ac:spMk id="3" creationId="{0CB09297-8E01-4AA7-AEC7-1737EB56F77F}"/>
-          </ac:spMkLst>
-        </pc:spChg>
-        <pc:spChg chg="add mod">
-          <ac:chgData name="ORVAIN Antoine" userId="S::antoine.orvain@reseau.eseo.fr::8ba3a5fe-783e-4476-b910-2e846db5ef4e" providerId="AD" clId="Web-{71071A23-00DE-4DEE-F840-0B988AB79541}" dt="2020-05-28T08:43:49.920" v="3"/>
-          <ac:spMkLst>
-            <pc:docMk/>
-            <pc:sldMk cId="711941604" sldId="266"/>
-            <ac:spMk id="6" creationId="{B2B4CE0F-884B-4C75-87E9-561953A63AED}"/>
-          </ac:spMkLst>
-        </pc:spChg>
-        <pc:picChg chg="add del mod ord">
-          <ac:chgData name="ORVAIN Antoine" userId="S::antoine.orvain@reseau.eseo.fr::8ba3a5fe-783e-4476-b910-2e846db5ef4e" providerId="AD" clId="Web-{71071A23-00DE-4DEE-F840-0B988AB79541}" dt="2020-05-28T08:43:49.920" v="3"/>
-          <ac:picMkLst>
-            <pc:docMk/>
-            <pc:sldMk cId="711941604" sldId="266"/>
-            <ac:picMk id="4" creationId="{598ED493-50D4-44E6-BC50-396D16BD61BC}"/>
-          </ac:picMkLst>
-        </pc:picChg>
-      </pc:sldChg>
-    </pc:docChg>
-  </pc:docChgLst>
-  <pc:docChgLst>
-    <pc:chgData name="ORVAIN Antoine" userId="S::antoine.orvain@reseau.eseo.fr::8ba3a5fe-783e-4476-b910-2e846db5ef4e" providerId="AD" clId="Web-{30AB5BCD-B0DD-6427-EEDC-C863E51DC6AA}"/>
-    <pc:docChg chg="modSld">
-      <pc:chgData name="ORVAIN Antoine" userId="S::antoine.orvain@reseau.eseo.fr::8ba3a5fe-783e-4476-b910-2e846db5ef4e" providerId="AD" clId="Web-{30AB5BCD-B0DD-6427-EEDC-C863E51DC6AA}" dt="2020-06-01T15:03:03.802" v="60"/>
-      <pc:docMkLst>
-        <pc:docMk/>
-      </pc:docMkLst>
-      <pc:sldChg chg="modSp modNotes">
-        <pc:chgData name="ORVAIN Antoine" userId="S::antoine.orvain@reseau.eseo.fr::8ba3a5fe-783e-4476-b910-2e846db5ef4e" providerId="AD" clId="Web-{30AB5BCD-B0DD-6427-EEDC-C863E51DC6AA}" dt="2020-06-01T15:03:03.802" v="60"/>
-        <pc:sldMkLst>
-          <pc:docMk/>
-          <pc:sldMk cId="2457266096" sldId="258"/>
-        </pc:sldMkLst>
-        <pc:graphicFrameChg chg="modGraphic">
-          <ac:chgData name="ORVAIN Antoine" userId="S::antoine.orvain@reseau.eseo.fr::8ba3a5fe-783e-4476-b910-2e846db5ef4e" providerId="AD" clId="Web-{30AB5BCD-B0DD-6427-EEDC-C863E51DC6AA}" dt="2020-06-01T14:38:13.205" v="8" actId="20577"/>
-          <ac:graphicFrameMkLst>
-            <pc:docMk/>
-            <pc:sldMk cId="2457266096" sldId="258"/>
-            <ac:graphicFrameMk id="36" creationId="{1856A382-16CD-4798-8940-A04F16428429}"/>
-          </ac:graphicFrameMkLst>
-        </pc:graphicFrameChg>
-      </pc:sldChg>
-      <pc:sldChg chg="modSp">
-        <pc:chgData name="ORVAIN Antoine" userId="S::antoine.orvain@reseau.eseo.fr::8ba3a5fe-783e-4476-b910-2e846db5ef4e" providerId="AD" clId="Web-{30AB5BCD-B0DD-6427-EEDC-C863E51DC6AA}" dt="2020-06-01T14:31:26.970" v="6" actId="20577"/>
-        <pc:sldMkLst>
-          <pc:docMk/>
-          <pc:sldMk cId="3705281761" sldId="285"/>
-        </pc:sldMkLst>
-        <pc:spChg chg="mod">
-          <ac:chgData name="ORVAIN Antoine" userId="S::antoine.orvain@reseau.eseo.fr::8ba3a5fe-783e-4476-b910-2e846db5ef4e" providerId="AD" clId="Web-{30AB5BCD-B0DD-6427-EEDC-C863E51DC6AA}" dt="2020-06-01T14:31:26.970" v="6" actId="20577"/>
-          <ac:spMkLst>
-            <pc:docMk/>
-            <pc:sldMk cId="3705281761" sldId="285"/>
-            <ac:spMk id="3" creationId="{2267FDDC-9E98-4F38-B743-27BE900B0471}"/>
           </ac:spMkLst>
         </pc:spChg>
       </pc:sldChg>
@@ -3712,13 +3673,52 @@
       </pc:sldChg>
     </pc:docChg>
   </pc:docChgLst>
+  <pc:docChgLst>
+    <pc:chgData name="ORVAIN Antoine" userId="S::antoine.orvain@reseau.eseo.fr::8ba3a5fe-783e-4476-b910-2e846db5ef4e" providerId="AD" clId="Web-{30AB5BCD-B0DD-6427-EEDC-C863E51DC6AA}"/>
+    <pc:docChg chg="modSld">
+      <pc:chgData name="ORVAIN Antoine" userId="S::antoine.orvain@reseau.eseo.fr::8ba3a5fe-783e-4476-b910-2e846db5ef4e" providerId="AD" clId="Web-{30AB5BCD-B0DD-6427-EEDC-C863E51DC6AA}" dt="2020-06-01T15:03:03.802" v="60"/>
+      <pc:docMkLst>
+        <pc:docMk/>
+      </pc:docMkLst>
+      <pc:sldChg chg="modSp modNotes">
+        <pc:chgData name="ORVAIN Antoine" userId="S::antoine.orvain@reseau.eseo.fr::8ba3a5fe-783e-4476-b910-2e846db5ef4e" providerId="AD" clId="Web-{30AB5BCD-B0DD-6427-EEDC-C863E51DC6AA}" dt="2020-06-01T15:03:03.802" v="60"/>
+        <pc:sldMkLst>
+          <pc:docMk/>
+          <pc:sldMk cId="2457266096" sldId="258"/>
+        </pc:sldMkLst>
+        <pc:graphicFrameChg chg="modGraphic">
+          <ac:chgData name="ORVAIN Antoine" userId="S::antoine.orvain@reseau.eseo.fr::8ba3a5fe-783e-4476-b910-2e846db5ef4e" providerId="AD" clId="Web-{30AB5BCD-B0DD-6427-EEDC-C863E51DC6AA}" dt="2020-06-01T14:38:13.205" v="8" actId="20577"/>
+          <ac:graphicFrameMkLst>
+            <pc:docMk/>
+            <pc:sldMk cId="2457266096" sldId="258"/>
+            <ac:graphicFrameMk id="36" creationId="{1856A382-16CD-4798-8940-A04F16428429}"/>
+          </ac:graphicFrameMkLst>
+        </pc:graphicFrameChg>
+      </pc:sldChg>
+      <pc:sldChg chg="modSp">
+        <pc:chgData name="ORVAIN Antoine" userId="S::antoine.orvain@reseau.eseo.fr::8ba3a5fe-783e-4476-b910-2e846db5ef4e" providerId="AD" clId="Web-{30AB5BCD-B0DD-6427-EEDC-C863E51DC6AA}" dt="2020-06-01T14:31:26.970" v="6" actId="20577"/>
+        <pc:sldMkLst>
+          <pc:docMk/>
+          <pc:sldMk cId="3705281761" sldId="285"/>
+        </pc:sldMkLst>
+        <pc:spChg chg="mod">
+          <ac:chgData name="ORVAIN Antoine" userId="S::antoine.orvain@reseau.eseo.fr::8ba3a5fe-783e-4476-b910-2e846db5ef4e" providerId="AD" clId="Web-{30AB5BCD-B0DD-6427-EEDC-C863E51DC6AA}" dt="2020-06-01T14:31:26.970" v="6" actId="20577"/>
+          <ac:spMkLst>
+            <pc:docMk/>
+            <pc:sldMk cId="3705281761" sldId="285"/>
+            <ac:spMk id="3" creationId="{2267FDDC-9E98-4F38-B743-27BE900B0471}"/>
+          </ac:spMkLst>
+        </pc:spChg>
+      </pc:sldChg>
+    </pc:docChg>
+  </pc:docChgLst>
 </pc:chgInfo>
 </file>
 
 <file path=ppt/charts/chart1.xml><?xml version="1.0" encoding="utf-8"?>
 <c:chartSpace xmlns:c="http://schemas.openxmlformats.org/drawingml/2006/chart" xmlns:a="http://schemas.openxmlformats.org/drawingml/2006/main" xmlns:r="http://schemas.openxmlformats.org/officeDocument/2006/relationships" xmlns:c16r2="http://schemas.microsoft.com/office/drawing/2015/06/chart">
   <c:date1904 val="0"/>
-  <c:lang val="fr-FR"/>
+  <c:lang val="en-US"/>
   <c:roundedCorners val="0"/>
   <mc:AlternateContent xmlns:mc="http://schemas.openxmlformats.org/markup-compatibility/2006">
     <mc:Choice xmlns:c14="http://schemas.microsoft.com/office/drawing/2007/8/2/chart" Requires="c14">
@@ -3780,7 +3780,7 @@
               <a:cs typeface="+mn-cs"/>
             </a:defRPr>
           </a:pPr>
-          <a:endParaRPr lang="fr-FR"/>
+          <a:endParaRPr lang="en-US"/>
         </a:p>
       </c:txPr>
     </c:title>
@@ -4210,7 +4210,7 @@
                   <a:cs typeface="+mn-cs"/>
                 </a:defRPr>
               </a:pPr>
-              <a:endParaRPr lang="fr-FR"/>
+              <a:endParaRPr lang="en-US"/>
             </a:p>
           </c:txPr>
         </c:title>
@@ -4249,7 +4249,7 @@
                 <a:cs typeface="+mn-cs"/>
               </a:defRPr>
             </a:pPr>
-            <a:endParaRPr lang="fr-FR"/>
+            <a:endParaRPr lang="en-US"/>
           </a:p>
         </c:txPr>
         <c:crossAx val="788351536"/>
@@ -4314,7 +4314,7 @@
                   <a:cs typeface="+mn-cs"/>
                 </a:defRPr>
               </a:pPr>
-              <a:endParaRPr lang="fr-FR"/>
+              <a:endParaRPr lang="en-US"/>
             </a:p>
           </c:txPr>
         </c:title>
@@ -4353,7 +4353,7 @@
                 <a:cs typeface="+mn-cs"/>
               </a:defRPr>
             </a:pPr>
-            <a:endParaRPr lang="fr-FR"/>
+            <a:endParaRPr lang="en-US"/>
           </a:p>
         </c:txPr>
         <c:crossAx val="672235200"/>
@@ -4395,7 +4395,7 @@
               <a:cs typeface="+mn-cs"/>
             </a:defRPr>
           </a:pPr>
-          <a:endParaRPr lang="fr-FR"/>
+          <a:endParaRPr lang="en-US"/>
         </a:p>
       </c:txPr>
     </c:legend>
@@ -4426,7 +4426,7 @@
       <a:pPr>
         <a:defRPr/>
       </a:pPr>
-      <a:endParaRPr lang="fr-FR"/>
+      <a:endParaRPr lang="en-US"/>
     </a:p>
   </c:txPr>
   <c:externalData r:id="rId3">
@@ -4438,7 +4438,7 @@
 <file path=ppt/charts/chart2.xml><?xml version="1.0" encoding="utf-8"?>
 <c:chartSpace xmlns:c="http://schemas.openxmlformats.org/drawingml/2006/chart" xmlns:a="http://schemas.openxmlformats.org/drawingml/2006/main" xmlns:r="http://schemas.openxmlformats.org/officeDocument/2006/relationships" xmlns:c16r2="http://schemas.microsoft.com/office/drawing/2015/06/chart">
   <c:date1904 val="0"/>
-  <c:lang val="fr-FR"/>
+  <c:lang val="en-US"/>
   <c:roundedCorners val="0"/>
   <mc:AlternateContent xmlns:mc="http://schemas.openxmlformats.org/markup-compatibility/2006">
     <mc:Choice xmlns:c14="http://schemas.microsoft.com/office/drawing/2007/8/2/chart" Requires="c14">
@@ -4500,7 +4500,7 @@
               <a:cs typeface="+mn-cs"/>
             </a:defRPr>
           </a:pPr>
-          <a:endParaRPr lang="fr-FR"/>
+          <a:endParaRPr lang="en-US"/>
         </a:p>
       </c:txPr>
     </c:title>
@@ -4945,7 +4945,7 @@
                   <a:cs typeface="+mn-cs"/>
                 </a:defRPr>
               </a:pPr>
-              <a:endParaRPr lang="fr-FR"/>
+              <a:endParaRPr lang="en-US"/>
             </a:p>
           </c:txPr>
         </c:title>
@@ -4984,7 +4984,7 @@
                 <a:cs typeface="+mn-cs"/>
               </a:defRPr>
             </a:pPr>
-            <a:endParaRPr lang="fr-FR"/>
+            <a:endParaRPr lang="en-US"/>
           </a:p>
         </c:txPr>
         <c:crossAx val="697581232"/>
@@ -5063,7 +5063,7 @@
                   <a:cs typeface="+mn-cs"/>
                 </a:defRPr>
               </a:pPr>
-              <a:endParaRPr lang="fr-FR"/>
+              <a:endParaRPr lang="en-US"/>
             </a:p>
           </c:txPr>
         </c:title>
@@ -5102,7 +5102,7 @@
                 <a:cs typeface="+mn-cs"/>
               </a:defRPr>
             </a:pPr>
-            <a:endParaRPr lang="fr-FR"/>
+            <a:endParaRPr lang="en-US"/>
           </a:p>
         </c:txPr>
         <c:crossAx val="516308800"/>
@@ -5144,7 +5144,7 @@
               <a:cs typeface="+mn-cs"/>
             </a:defRPr>
           </a:pPr>
-          <a:endParaRPr lang="fr-FR"/>
+          <a:endParaRPr lang="en-US"/>
         </a:p>
       </c:txPr>
     </c:legend>
@@ -5175,7 +5175,7 @@
       <a:pPr>
         <a:defRPr/>
       </a:pPr>
-      <a:endParaRPr lang="fr-FR"/>
+      <a:endParaRPr lang="en-US"/>
     </a:p>
   </c:txPr>
   <c:externalData r:id="rId3">
@@ -7945,10 +7945,10 @@
             <a:defRPr b="1"/>
           </a:pPr>
           <a:r>
-            <a:rPr lang="fr-FR" dirty="0"/>
+            <a:rPr lang="fr-FR"/>
             <a:t>Trouver l’enveloppe convexe</a:t>
           </a:r>
-          <a:endParaRPr lang="en-US" dirty="0"/>
+          <a:endParaRPr lang="en-US"/>
         </a:p>
       </dgm:t>
     </dgm:pt>
@@ -8030,10 +8030,10 @@
             </a:lnSpc>
           </a:pPr>
           <a:r>
-            <a:rPr lang="fr-FR" sz="1800" dirty="0"/>
+            <a:rPr lang="fr-FR" sz="1800"/>
             <a:t>Graham</a:t>
           </a:r>
-          <a:endParaRPr lang="en-US" sz="1800" dirty="0"/>
+          <a:endParaRPr lang="en-US" sz="1800"/>
         </a:p>
       </dgm:t>
     </dgm:pt>
@@ -8072,10 +8072,10 @@
             </a:lnSpc>
           </a:pPr>
           <a:r>
-            <a:rPr lang="fr-FR" sz="1800" dirty="0"/>
+            <a:rPr lang="fr-FR" sz="1800"/>
             <a:t>Jarvis</a:t>
           </a:r>
-          <a:endParaRPr lang="en-US" sz="1800" dirty="0"/>
+          <a:endParaRPr lang="en-US" sz="1800"/>
         </a:p>
       </dgm:t>
     </dgm:pt>
@@ -8114,10 +8114,10 @@
             </a:lnSpc>
           </a:pPr>
           <a:r>
-            <a:rPr lang="fr-FR" sz="1800" dirty="0"/>
+            <a:rPr lang="fr-FR" sz="1800"/>
             <a:t>Quickhull </a:t>
           </a:r>
-          <a:endParaRPr lang="en-US" sz="1800" dirty="0"/>
+          <a:endParaRPr lang="en-US" sz="1800"/>
         </a:p>
       </dgm:t>
     </dgm:pt>
@@ -8397,10 +8397,10 @@
             <a:defRPr b="1"/>
           </a:pPr>
           <a:r>
-            <a:rPr lang="fr-FR" dirty="0"/>
+            <a:rPr lang="fr-FR"/>
             <a:t>Créer un nuage de points aléatoirement</a:t>
           </a:r>
-          <a:endParaRPr lang="en-US" dirty="0"/>
+          <a:endParaRPr lang="en-US"/>
         </a:p>
       </dgm:t>
     </dgm:pt>
@@ -8440,10 +8440,10 @@
             <a:defRPr b="1"/>
           </a:pPr>
           <a:r>
-            <a:rPr lang="fr-FR" dirty="0"/>
+            <a:rPr lang="fr-FR"/>
             <a:t>Trouver l’enveloppe convexe</a:t>
           </a:r>
-          <a:endParaRPr lang="en-US" dirty="0"/>
+          <a:endParaRPr lang="en-US"/>
         </a:p>
       </dgm:t>
     </dgm:pt>
@@ -8483,10 +8483,10 @@
             <a:defRPr b="1"/>
           </a:pPr>
           <a:r>
-            <a:rPr lang="fr-FR" dirty="0"/>
+            <a:rPr lang="fr-FR"/>
             <a:t>Trois méthodes de calcul</a:t>
           </a:r>
-          <a:endParaRPr lang="en-US" dirty="0"/>
+          <a:endParaRPr lang="en-US"/>
         </a:p>
       </dgm:t>
     </dgm:pt>
@@ -8993,10 +8993,10 @@
             <a:defRPr b="1"/>
           </a:pPr>
           <a:r>
-            <a:rPr lang="fr-FR" sz="1600" kern="1200" dirty="0"/>
+            <a:rPr lang="fr-FR" sz="1600" kern="1200"/>
             <a:t>Trouver l’enveloppe convexe</a:t>
           </a:r>
-          <a:endParaRPr lang="en-US" sz="1600" kern="1200" dirty="0"/>
+          <a:endParaRPr lang="en-US" sz="1600" kern="1200"/>
         </a:p>
       </dsp:txBody>
       <dsp:txXfrm>
@@ -9195,10 +9195,10 @@
             <a:buNone/>
           </a:pPr>
           <a:r>
-            <a:rPr lang="fr-FR" sz="1800" kern="1200" dirty="0"/>
+            <a:rPr lang="fr-FR" sz="1800" kern="1200"/>
             <a:t>Graham</a:t>
           </a:r>
-          <a:endParaRPr lang="en-US" sz="1800" kern="1200" dirty="0"/>
+          <a:endParaRPr lang="en-US" sz="1800" kern="1200"/>
         </a:p>
         <a:p>
           <a:pPr marL="0" lvl="0" indent="0" algn="ctr" defTabSz="800100">
@@ -9214,10 +9214,10 @@
             <a:buNone/>
           </a:pPr>
           <a:r>
-            <a:rPr lang="fr-FR" sz="1800" kern="1200" dirty="0"/>
+            <a:rPr lang="fr-FR" sz="1800" kern="1200"/>
             <a:t>Jarvis</a:t>
           </a:r>
-          <a:endParaRPr lang="en-US" sz="1800" kern="1200" dirty="0"/>
+          <a:endParaRPr lang="en-US" sz="1800" kern="1200"/>
         </a:p>
         <a:p>
           <a:pPr marL="0" lvl="0" indent="0" algn="ctr" defTabSz="800100">
@@ -9233,10 +9233,10 @@
             <a:buNone/>
           </a:pPr>
           <a:r>
-            <a:rPr lang="fr-FR" sz="1800" kern="1200" dirty="0"/>
+            <a:rPr lang="fr-FR" sz="1800" kern="1200"/>
             <a:t>Quickhull </a:t>
           </a:r>
-          <a:endParaRPr lang="en-US" sz="1800" kern="1200" dirty="0"/>
+          <a:endParaRPr lang="en-US" sz="1800" kern="1200"/>
         </a:p>
       </dsp:txBody>
       <dsp:txXfrm>
@@ -9356,10 +9356,10 @@
             <a:defRPr b="1"/>
           </a:pPr>
           <a:r>
-            <a:rPr lang="fr-FR" sz="1600" kern="1200" dirty="0"/>
+            <a:rPr lang="fr-FR" sz="1600" kern="1200"/>
             <a:t>Créer un nuage de points aléatoirement</a:t>
           </a:r>
-          <a:endParaRPr lang="en-US" sz="1600" kern="1200" dirty="0"/>
+          <a:endParaRPr lang="en-US" sz="1600" kern="1200"/>
         </a:p>
       </dsp:txBody>
       <dsp:txXfrm>
@@ -9499,10 +9499,10 @@
             <a:defRPr b="1"/>
           </a:pPr>
           <a:r>
-            <a:rPr lang="fr-FR" sz="1600" kern="1200" dirty="0"/>
+            <a:rPr lang="fr-FR" sz="1600" kern="1200"/>
             <a:t>Trouver l’enveloppe convexe</a:t>
           </a:r>
-          <a:endParaRPr lang="en-US" sz="1600" kern="1200" dirty="0"/>
+          <a:endParaRPr lang="en-US" sz="1600" kern="1200"/>
         </a:p>
       </dsp:txBody>
       <dsp:txXfrm>
@@ -9640,10 +9640,10 @@
             <a:defRPr b="1"/>
           </a:pPr>
           <a:r>
-            <a:rPr lang="fr-FR" sz="1600" kern="1200" dirty="0"/>
+            <a:rPr lang="fr-FR" sz="1600" kern="1200"/>
             <a:t>Trois méthodes de calcul</a:t>
           </a:r>
-          <a:endParaRPr lang="en-US" sz="1600" kern="1200" dirty="0"/>
+          <a:endParaRPr lang="en-US" sz="1600" kern="1200"/>
         </a:p>
       </dsp:txBody>
       <dsp:txXfrm>
@@ -12329,7 +12329,7 @@
           <a:p>
             <a:fld id="{ADCD9841-3B26-4AB9-AA15-2A49FE028ADE}" type="slidenum">
               <a:rPr lang="fr-FR" smtClean="0"/>
-              <a:t>‹N°›</a:t>
+              <a:t>‹#›</a:t>
             </a:fld>
             <a:endParaRPr lang="fr-FR"/>
           </a:p>
@@ -12587,7 +12587,7 @@
           <a:p>
             <a:fld id="{8CE07506-0F94-4913-A884-ED2E254FC74D}" type="slidenum">
               <a:rPr lang="fr-FR" smtClean="0"/>
-              <a:t>‹N°›</a:t>
+              <a:t>‹#›</a:t>
             </a:fld>
             <a:endParaRPr lang="fr-FR"/>
           </a:p>
@@ -12742,20 +12742,20 @@
           <a:lstStyle/>
           <a:p>
             <a:r>
-              <a:rPr lang="fr-FR" dirty="0"/>
+              <a:rPr lang="fr-FR"/>
               <a:t>Anaïs : Introduction, Lecture nuages, Quickhull</a:t>
             </a:r>
             <a:br>
-              <a:rPr lang="fr-FR" dirty="0"/>
+              <a:rPr lang="fr-FR"/>
             </a:br>
             <a:r>
-              <a:rPr lang="fr-FR" dirty="0"/>
+              <a:rPr lang="fr-FR"/>
               <a:t>Antoine : Objectifs, Jarvis, Conclusion</a:t>
             </a:r>
           </a:p>
           <a:p>
             <a:r>
-              <a:rPr lang="fr-FR" dirty="0"/>
+              <a:rPr lang="fr-FR"/>
               <a:t>Edouard : Graham, Tests unitaires, Limites</a:t>
             </a:r>
           </a:p>
@@ -12865,7 +12865,7 @@
           <a:lstStyle/>
           <a:p>
             <a:r>
-              <a:rPr lang="fr-FR" dirty="0"/>
+              <a:rPr lang="fr-FR"/>
               <a:t>Définir: ensemble convexe</a:t>
             </a:r>
           </a:p>
@@ -13100,15 +13100,15 @@
           <a:lstStyle/>
           <a:p>
             <a:r>
-              <a:rPr lang="fr-FR" dirty="0"/>
+              <a:rPr lang="fr-FR"/>
               <a:t>American </a:t>
             </a:r>
             <a:r>
-              <a:rPr lang="fr-FR" dirty="0" err="1"/>
+              <a:rPr lang="fr-FR" err="1"/>
               <a:t>Mathematical</a:t>
             </a:r>
             <a:r>
-              <a:rPr lang="fr-FR" dirty="0"/>
+              <a:rPr lang="fr-FR"/>
               <a:t> Society</a:t>
             </a:r>
           </a:p>
@@ -13217,7 +13217,7 @@
           <a:bodyPr/>
           <a:lstStyle/>
           <a:p>
-            <a:endParaRPr lang="fr-FR" dirty="0"/>
+            <a:endParaRPr lang="fr-FR"/>
           </a:p>
         </p:txBody>
       </p:sp>
@@ -13347,7 +13347,7 @@
               <a:tabLst/>
               <a:defRPr/>
             </a:pPr>
-            <a:endParaRPr lang="fr-FR" dirty="0"/>
+            <a:endParaRPr lang="fr-FR"/>
           </a:p>
         </p:txBody>
       </p:sp>
@@ -13478,7 +13478,7 @@
               <a:defRPr/>
             </a:pPr>
             <a:r>
-              <a:rPr lang="fr-FR" dirty="0"/>
+              <a:rPr lang="fr-FR"/>
               <a:t>Axe des y orienté vers le bas</a:t>
             </a:r>
           </a:p>
@@ -13594,16 +13594,16 @@
           <a:lstStyle/>
           <a:p>
             <a:r>
-              <a:rPr lang="fr-FR" dirty="0"/>
+              <a:rPr lang="fr-FR"/>
               <a:t>Inversion de A et B</a:t>
             </a:r>
             <a:r>
-              <a:rPr lang="fr-FR" dirty="0">
+              <a:rPr lang="fr-FR">
                 <a:sym typeface="Wingdings" panose="05000000000000000000" pitchFamily="2" charset="2"/>
               </a:rPr>
               <a:t> inversion droite et gauche</a:t>
             </a:r>
-            <a:endParaRPr lang="fr-FR" dirty="0"/>
+            <a:endParaRPr lang="fr-FR"/>
           </a:p>
         </p:txBody>
       </p:sp>
@@ -13717,11 +13717,11 @@
           <a:lstStyle/>
           <a:p>
             <a:r>
-              <a:rPr lang="fr-FR" dirty="0"/>
+              <a:rPr lang="fr-FR"/>
               <a:t>Autres langages </a:t>
             </a:r>
             <a:r>
-              <a:rPr lang="fr-FR" dirty="0">
+              <a:rPr lang="fr-FR">
                 <a:sym typeface="Wingdings" panose="05000000000000000000" pitchFamily="2" charset="2"/>
               </a:rPr>
               <a:t> meilleures performances (java *2, C* 40)</a:t>
@@ -13729,12 +13729,12 @@
           </a:p>
           <a:p>
             <a:r>
-              <a:rPr lang="fr-FR" dirty="0">
+              <a:rPr lang="fr-FR">
                 <a:sym typeface="Wingdings" panose="05000000000000000000" pitchFamily="2" charset="2"/>
               </a:rPr>
               <a:t>Possible d’évolution en 3D</a:t>
             </a:r>
-            <a:endParaRPr lang="fr-FR" dirty="0"/>
+            <a:endParaRPr lang="fr-FR"/>
           </a:p>
         </p:txBody>
       </p:sp>
@@ -14120,7 +14120,7 @@
             <a:fld id="{D57F1E4F-1CFF-5643-939E-217C01CDF565}" type="slidenum">
               <a:rPr lang="en-US" dirty="0"/>
               <a:pPr/>
-              <a:t>‹N°›</a:t>
+              <a:t>‹#›</a:t>
             </a:fld>
             <a:endParaRPr lang="en-US"/>
           </a:p>
@@ -14349,7 +14349,7 @@
             <a:fld id="{D57F1E4F-1CFF-5643-939E-217C01CDF565}" type="slidenum">
               <a:rPr lang="en-US" dirty="0"/>
               <a:pPr/>
-              <a:t>‹N°›</a:t>
+              <a:t>‹#›</a:t>
             </a:fld>
             <a:endParaRPr lang="en-US"/>
           </a:p>
@@ -14604,7 +14604,7 @@
             <a:fld id="{D57F1E4F-1CFF-5643-939E-217C01CDF565}" type="slidenum">
               <a:rPr lang="en-US" dirty="0"/>
               <a:pPr/>
-              <a:t>‹N°›</a:t>
+              <a:t>‹#›</a:t>
             </a:fld>
             <a:endParaRPr lang="en-US"/>
           </a:p>
@@ -14827,7 +14827,7 @@
             <a:fld id="{D57F1E4F-1CFF-5643-939E-217C01CDF565}" type="slidenum">
               <a:rPr lang="en-US" dirty="0"/>
               <a:pPr/>
-              <a:t>‹N°›</a:t>
+              <a:t>‹#›</a:t>
             </a:fld>
             <a:endParaRPr lang="en-US"/>
           </a:p>
@@ -15150,7 +15150,7 @@
             <a:fld id="{D57F1E4F-1CFF-5643-939E-217C01CDF565}" type="slidenum">
               <a:rPr lang="en-US" dirty="0"/>
               <a:pPr/>
-              <a:t>‹N°›</a:t>
+              <a:t>‹#›</a:t>
             </a:fld>
             <a:endParaRPr lang="en-US"/>
           </a:p>
@@ -15429,7 +15429,7 @@
             <a:fld id="{D57F1E4F-1CFF-5643-939E-217C01CDF565}" type="slidenum">
               <a:rPr lang="en-US" dirty="0"/>
               <a:pPr/>
-              <a:t>‹N°›</a:t>
+              <a:t>‹#›</a:t>
             </a:fld>
             <a:endParaRPr lang="en-US"/>
           </a:p>
@@ -15850,7 +15850,7 @@
             <a:fld id="{D57F1E4F-1CFF-5643-939E-217C01CDF565}" type="slidenum">
               <a:rPr lang="en-US" dirty="0"/>
               <a:pPr/>
-              <a:t>‹N°›</a:t>
+              <a:t>‹#›</a:t>
             </a:fld>
             <a:endParaRPr lang="en-US"/>
           </a:p>
@@ -15944,7 +15944,7 @@
             <a:fld id="{D57F1E4F-1CFF-5643-939E-217C01CDF565}" type="slidenum">
               <a:rPr lang="en-US" dirty="0"/>
               <a:pPr/>
-              <a:t>‹N°›</a:t>
+              <a:t>‹#›</a:t>
             </a:fld>
             <a:endParaRPr lang="en-US"/>
           </a:p>
@@ -16105,7 +16105,7 @@
             <a:fld id="{D57F1E4F-1CFF-5643-939E-217C01CDF565}" type="slidenum">
               <a:rPr lang="en-US" dirty="0"/>
               <a:pPr/>
-              <a:t>‹N°›</a:t>
+              <a:t>‹#›</a:t>
             </a:fld>
             <a:endParaRPr lang="en-US"/>
           </a:p>
@@ -16504,7 +16504,7 @@
             <a:fld id="{D57F1E4F-1CFF-5643-939E-217C01CDF565}" type="slidenum">
               <a:rPr lang="en-US" dirty="0"/>
               <a:pPr/>
-              <a:t>‹N°›</a:t>
+              <a:t>‹#›</a:t>
             </a:fld>
             <a:endParaRPr lang="en-US"/>
           </a:p>
@@ -16770,7 +16770,7 @@
             <a:fld id="{D57F1E4F-1CFF-5643-939E-217C01CDF565}" type="slidenum">
               <a:rPr lang="en-US" dirty="0"/>
               <a:pPr/>
-              <a:t>‹N°›</a:t>
+              <a:t>‹#›</a:t>
             </a:fld>
             <a:endParaRPr lang="en-US"/>
           </a:p>
@@ -17012,7 +17012,7 @@
             <a:fld id="{D57F1E4F-1CFF-5643-939E-217C01CDF565}" type="slidenum">
               <a:rPr lang="en-US" dirty="0"/>
               <a:pPr/>
-              <a:t>‹N°›</a:t>
+              <a:t>‹#›</a:t>
             </a:fld>
             <a:endParaRPr lang="en-US"/>
           </a:p>
@@ -17559,7 +17559,7 @@
           <a:lstStyle/>
           <a:p>
             <a:r>
-              <a:rPr lang="fr-FR" sz="5400" dirty="0"/>
+              <a:rPr lang="fr-FR" sz="5400"/>
               <a:t>Enveloppe Convexe</a:t>
             </a:r>
           </a:p>
@@ -17589,7 +17589,7 @@
           <a:lstStyle/>
           <a:p>
             <a:r>
-              <a:rPr lang="fr-FR" sz="2800" dirty="0"/>
+              <a:rPr lang="fr-FR" sz="2800"/>
               <a:t>Maths-Info</a:t>
             </a:r>
           </a:p>
@@ -17726,7 +17726,7 @@
           <a:lstStyle/>
           <a:p>
             <a:r>
-              <a:rPr lang="fr-FR" sz="3200" dirty="0"/>
+              <a:rPr lang="fr-FR" sz="3200"/>
               <a:t>Méthode de Graham</a:t>
             </a:r>
           </a:p>
@@ -17857,28 +17857,28 @@
           <a:p>
             <a:pPr marL="305435" indent="-305435"/>
             <a:r>
-              <a:rPr lang="fr-FR" sz="2400" dirty="0"/>
+              <a:rPr lang="fr-FR" sz="2400"/>
               <a:t>Algorithme pour le calcul de l'enveloppe convexe d'un ensemble de points dans le plan</a:t>
             </a:r>
           </a:p>
           <a:p>
             <a:pPr marL="305435" indent="-305435"/>
             <a:r>
-              <a:rPr lang="fr-FR" sz="2400" dirty="0"/>
+              <a:rPr lang="fr-FR" sz="2400"/>
               <a:t>Publication de l'algorithme original en 1973</a:t>
             </a:r>
           </a:p>
           <a:p>
             <a:pPr marL="305435" indent="-305435"/>
             <a:r>
-              <a:rPr lang="fr-FR" sz="2400" dirty="0"/>
+              <a:rPr lang="fr-FR" sz="2400"/>
               <a:t>Création d’une classe Graham</a:t>
             </a:r>
           </a:p>
           <a:p>
             <a:pPr marL="305435" indent="-305435"/>
             <a:r>
-              <a:rPr lang="fr-FR" sz="2400" dirty="0"/>
+              <a:rPr lang="fr-FR" sz="2400"/>
               <a:t>Notions mathématiques abordées : méthode de la tangente, produit vectoriel</a:t>
             </a:r>
           </a:p>
@@ -18003,7 +18003,7 @@
           <a:lstStyle/>
           <a:p>
             <a:r>
-              <a:rPr lang="fr-FR" sz="3200" dirty="0"/>
+              <a:rPr lang="fr-FR" sz="3200"/>
               <a:t>Recherche de l’origine relative</a:t>
             </a:r>
           </a:p>
@@ -18038,42 +18038,42 @@
           <a:lstStyle/>
           <a:p>
             <a:r>
-              <a:rPr lang="fr-FR" sz="1600" dirty="0" err="1">
+              <a:rPr lang="fr-FR" sz="1600" err="1">
                 <a:latin typeface="Courier New" panose="02070309020205020404" pitchFamily="49" charset="0"/>
                 <a:cs typeface="Courier New" panose="02070309020205020404" pitchFamily="49" charset="0"/>
               </a:rPr>
               <a:t>self.cloud</a:t>
             </a:r>
             <a:r>
-              <a:rPr lang="fr-FR" sz="1600" dirty="0">
+              <a:rPr lang="fr-FR" sz="1600">
                 <a:latin typeface="Courier New" panose="02070309020205020404" pitchFamily="49" charset="0"/>
                 <a:cs typeface="Courier New" panose="02070309020205020404" pitchFamily="49" charset="0"/>
               </a:rPr>
               <a:t> = [[</a:t>
             </a:r>
             <a:r>
-              <a:rPr lang="fr-FR" sz="1600" dirty="0" err="1">
+              <a:rPr lang="fr-FR" sz="1600" err="1">
                 <a:latin typeface="Courier New" panose="02070309020205020404" pitchFamily="49" charset="0"/>
                 <a:cs typeface="Courier New" panose="02070309020205020404" pitchFamily="49" charset="0"/>
               </a:rPr>
               <a:t>x1</a:t>
             </a:r>
             <a:r>
-              <a:rPr lang="fr-FR" sz="1600" dirty="0">
+              <a:rPr lang="fr-FR" sz="1600">
                 <a:latin typeface="Courier New" panose="02070309020205020404" pitchFamily="49" charset="0"/>
                 <a:cs typeface="Courier New" panose="02070309020205020404" pitchFamily="49" charset="0"/>
               </a:rPr>
               <a:t>, </a:t>
             </a:r>
             <a:r>
-              <a:rPr lang="fr-FR" sz="1600" dirty="0" err="1">
+              <a:rPr lang="fr-FR" sz="1600" err="1">
                 <a:latin typeface="Courier New" panose="02070309020205020404" pitchFamily="49" charset="0"/>
                 <a:cs typeface="Courier New" panose="02070309020205020404" pitchFamily="49" charset="0"/>
               </a:rPr>
               <a:t>y1</a:t>
             </a:r>
             <a:r>
-              <a:rPr lang="fr-FR" sz="1600" dirty="0">
+              <a:rPr lang="fr-FR" sz="1600">
                 <a:latin typeface="Courier New" panose="02070309020205020404" pitchFamily="49" charset="0"/>
                 <a:cs typeface="Courier New" panose="02070309020205020404" pitchFamily="49" charset="0"/>
               </a:rPr>
@@ -18312,7 +18312,7 @@
           <a:lstStyle/>
           <a:p>
             <a:r>
-              <a:rPr lang="fr-FR" dirty="0"/>
+              <a:rPr lang="fr-FR"/>
               <a:t>Représentation du nuage de points sous la forme d’une liste de points, eux-mêmes une liste de leurs coordonnées</a:t>
             </a:r>
           </a:p>
@@ -18347,7 +18347,7 @@
           <a:lstStyle/>
           <a:p>
             <a:r>
-              <a:rPr lang="fr-FR" dirty="0"/>
+              <a:rPr lang="fr-FR"/>
               <a:t>Recherche du point avec la plus petite ordonnée et abscisse</a:t>
             </a:r>
           </a:p>
@@ -18382,7 +18382,7 @@
           <a:lstStyle/>
           <a:p>
             <a:r>
-              <a:rPr lang="fr-FR" dirty="0"/>
+              <a:rPr lang="fr-FR"/>
               <a:t>Retourne une liste qui représente le point d’origine</a:t>
             </a:r>
           </a:p>
@@ -18542,7 +18542,7 @@
           <a:lstStyle/>
           <a:p>
             <a:r>
-              <a:rPr lang="fr-FR" sz="3200" dirty="0"/>
+              <a:rPr lang="fr-FR" sz="3200"/>
               <a:t>Tri de la liste</a:t>
             </a:r>
           </a:p>
@@ -18577,42 +18577,42 @@
           <a:lstStyle/>
           <a:p>
             <a:r>
-              <a:rPr lang="fr-FR" sz="1600" dirty="0" err="1">
+              <a:rPr lang="fr-FR" sz="1600" err="1">
                 <a:latin typeface="Courier New" panose="02070309020205020404" pitchFamily="49" charset="0"/>
                 <a:cs typeface="Courier New" panose="02070309020205020404" pitchFamily="49" charset="0"/>
               </a:rPr>
               <a:t>self.cloud</a:t>
             </a:r>
             <a:r>
-              <a:rPr lang="fr-FR" sz="1600" dirty="0">
+              <a:rPr lang="fr-FR" sz="1600">
                 <a:latin typeface="Courier New" panose="02070309020205020404" pitchFamily="49" charset="0"/>
                 <a:cs typeface="Courier New" panose="02070309020205020404" pitchFamily="49" charset="0"/>
               </a:rPr>
               <a:t> = [[</a:t>
             </a:r>
             <a:r>
-              <a:rPr lang="fr-FR" sz="1600" dirty="0" err="1">
+              <a:rPr lang="fr-FR" sz="1600" err="1">
                 <a:latin typeface="Courier New" panose="02070309020205020404" pitchFamily="49" charset="0"/>
                 <a:cs typeface="Courier New" panose="02070309020205020404" pitchFamily="49" charset="0"/>
               </a:rPr>
               <a:t>x1</a:t>
             </a:r>
             <a:r>
-              <a:rPr lang="fr-FR" sz="1600" dirty="0">
+              <a:rPr lang="fr-FR" sz="1600">
                 <a:latin typeface="Courier New" panose="02070309020205020404" pitchFamily="49" charset="0"/>
                 <a:cs typeface="Courier New" panose="02070309020205020404" pitchFamily="49" charset="0"/>
               </a:rPr>
               <a:t>, </a:t>
             </a:r>
             <a:r>
-              <a:rPr lang="fr-FR" sz="1600" dirty="0" err="1">
+              <a:rPr lang="fr-FR" sz="1600" err="1">
                 <a:latin typeface="Courier New" panose="02070309020205020404" pitchFamily="49" charset="0"/>
                 <a:cs typeface="Courier New" panose="02070309020205020404" pitchFamily="49" charset="0"/>
               </a:rPr>
               <a:t>y1</a:t>
             </a:r>
             <a:r>
-              <a:rPr lang="fr-FR" sz="1600" dirty="0">
+              <a:rPr lang="fr-FR" sz="1600">
                 <a:latin typeface="Courier New" panose="02070309020205020404" pitchFamily="49" charset="0"/>
                 <a:cs typeface="Courier New" panose="02070309020205020404" pitchFamily="49" charset="0"/>
               </a:rPr>
@@ -18650,35 +18650,35 @@
           <a:lstStyle/>
           <a:p>
             <a:r>
-              <a:rPr lang="en-US" sz="1600" dirty="0">
+              <a:rPr lang="en-US" sz="1600">
                 <a:latin typeface="Courier New" panose="02070309020205020404" pitchFamily="49" charset="0"/>
                 <a:cs typeface="Courier New" panose="02070309020205020404" pitchFamily="49" charset="0"/>
               </a:rPr>
               <a:t>def </a:t>
             </a:r>
             <a:r>
-              <a:rPr lang="en-US" sz="1600" dirty="0" err="1">
+              <a:rPr lang="en-US" sz="1600" err="1">
                 <a:latin typeface="Courier New" panose="02070309020205020404" pitchFamily="49" charset="0"/>
                 <a:cs typeface="Courier New" panose="02070309020205020404" pitchFamily="49" charset="0"/>
               </a:rPr>
               <a:t>sorting_fusion</a:t>
             </a:r>
             <a:r>
-              <a:rPr lang="en-US" sz="1600" dirty="0">
+              <a:rPr lang="en-US" sz="1600">
                 <a:latin typeface="Courier New" panose="02070309020205020404" pitchFamily="49" charset="0"/>
                 <a:cs typeface="Courier New" panose="02070309020205020404" pitchFamily="49" charset="0"/>
               </a:rPr>
               <a:t>(self, </a:t>
             </a:r>
             <a:r>
-              <a:rPr lang="en-US" sz="1600" dirty="0" err="1">
+              <a:rPr lang="en-US" sz="1600" err="1">
                 <a:latin typeface="Courier New" panose="02070309020205020404" pitchFamily="49" charset="0"/>
                 <a:cs typeface="Courier New" panose="02070309020205020404" pitchFamily="49" charset="0"/>
               </a:rPr>
               <a:t>list_fusion</a:t>
             </a:r>
             <a:r>
-              <a:rPr lang="en-US" sz="1600" dirty="0">
+              <a:rPr lang="en-US" sz="1600">
                 <a:latin typeface="Courier New" panose="02070309020205020404" pitchFamily="49" charset="0"/>
                 <a:cs typeface="Courier New" panose="02070309020205020404" pitchFamily="49" charset="0"/>
               </a:rPr>
@@ -18716,70 +18716,70 @@
           <a:lstStyle/>
           <a:p>
             <a:r>
-              <a:rPr lang="fr-FR" sz="1600" dirty="0" err="1">
+              <a:rPr lang="fr-FR" sz="1600" err="1">
                 <a:latin typeface="Courier New" panose="02070309020205020404" pitchFamily="49" charset="0"/>
                 <a:cs typeface="Courier New" panose="02070309020205020404" pitchFamily="49" charset="0"/>
               </a:rPr>
               <a:t>self.cloud</a:t>
             </a:r>
             <a:r>
-              <a:rPr lang="fr-FR" sz="1600" dirty="0">
+              <a:rPr lang="fr-FR" sz="1600">
                 <a:latin typeface="Courier New" panose="02070309020205020404" pitchFamily="49" charset="0"/>
                 <a:cs typeface="Courier New" panose="02070309020205020404" pitchFamily="49" charset="0"/>
               </a:rPr>
               <a:t> = [[</a:t>
             </a:r>
             <a:r>
-              <a:rPr lang="fr-FR" sz="1600" dirty="0" err="1">
+              <a:rPr lang="fr-FR" sz="1600" err="1">
                 <a:latin typeface="Courier New" panose="02070309020205020404" pitchFamily="49" charset="0"/>
                 <a:cs typeface="Courier New" panose="02070309020205020404" pitchFamily="49" charset="0"/>
               </a:rPr>
               <a:t>x2</a:t>
             </a:r>
             <a:r>
-              <a:rPr lang="fr-FR" sz="1600" dirty="0">
+              <a:rPr lang="fr-FR" sz="1600">
                 <a:latin typeface="Courier New" panose="02070309020205020404" pitchFamily="49" charset="0"/>
                 <a:cs typeface="Courier New" panose="02070309020205020404" pitchFamily="49" charset="0"/>
               </a:rPr>
               <a:t>, </a:t>
             </a:r>
             <a:r>
-              <a:rPr lang="fr-FR" sz="1600" dirty="0" err="1">
+              <a:rPr lang="fr-FR" sz="1600" err="1">
                 <a:latin typeface="Courier New" panose="02070309020205020404" pitchFamily="49" charset="0"/>
                 <a:cs typeface="Courier New" panose="02070309020205020404" pitchFamily="49" charset="0"/>
               </a:rPr>
               <a:t>y2</a:t>
             </a:r>
             <a:r>
-              <a:rPr lang="fr-FR" sz="1600" dirty="0">
+              <a:rPr lang="fr-FR" sz="1600">
                 <a:latin typeface="Courier New" panose="02070309020205020404" pitchFamily="49" charset="0"/>
                 <a:cs typeface="Courier New" panose="02070309020205020404" pitchFamily="49" charset="0"/>
               </a:rPr>
               <a:t>], [</a:t>
             </a:r>
             <a:r>
-              <a:rPr lang="fr-FR" sz="1600" dirty="0" err="1">
+              <a:rPr lang="fr-FR" sz="1600" err="1">
                 <a:latin typeface="Courier New" panose="02070309020205020404" pitchFamily="49" charset="0"/>
                 <a:cs typeface="Courier New" panose="02070309020205020404" pitchFamily="49" charset="0"/>
               </a:rPr>
               <a:t>x9</a:t>
             </a:r>
             <a:r>
-              <a:rPr lang="fr-FR" sz="1600" dirty="0">
+              <a:rPr lang="fr-FR" sz="1600">
                 <a:latin typeface="Courier New" panose="02070309020205020404" pitchFamily="49" charset="0"/>
                 <a:cs typeface="Courier New" panose="02070309020205020404" pitchFamily="49" charset="0"/>
               </a:rPr>
               <a:t>, </a:t>
             </a:r>
             <a:r>
-              <a:rPr lang="fr-FR" sz="1600" dirty="0" err="1">
+              <a:rPr lang="fr-FR" sz="1600" err="1">
                 <a:latin typeface="Courier New" panose="02070309020205020404" pitchFamily="49" charset="0"/>
                 <a:cs typeface="Courier New" panose="02070309020205020404" pitchFamily="49" charset="0"/>
               </a:rPr>
               <a:t>y9</a:t>
             </a:r>
             <a:r>
-              <a:rPr lang="fr-FR" sz="1600" dirty="0">
+              <a:rPr lang="fr-FR" sz="1600">
                 <a:latin typeface="Courier New" panose="02070309020205020404" pitchFamily="49" charset="0"/>
                 <a:cs typeface="Courier New" panose="02070309020205020404" pitchFamily="49" charset="0"/>
               </a:rPr>
@@ -18817,7 +18817,7 @@
           <a:lstStyle/>
           <a:p>
             <a:r>
-              <a:rPr lang="en-US" sz="1600" dirty="0">
+              <a:rPr lang="en-US" sz="1600">
                 <a:latin typeface="Courier New" panose="02070309020205020404" pitchFamily="49" charset="0"/>
                 <a:cs typeface="Courier New" panose="02070309020205020404" pitchFamily="49" charset="0"/>
               </a:rPr>
@@ -18855,7 +18855,7 @@
           <a:lstStyle/>
           <a:p>
             <a:r>
-              <a:rPr lang="fr-FR" dirty="0"/>
+              <a:rPr lang="fr-FR"/>
               <a:t>Méthode du tri fusion</a:t>
             </a:r>
           </a:p>
@@ -18890,14 +18890,14 @@
           <a:lstStyle/>
           <a:p>
             <a:r>
-              <a:rPr lang="fr-FR" dirty="0"/>
+              <a:rPr lang="fr-FR"/>
               <a:t>Tri selon le critère de l’angle trigonométrique</a:t>
             </a:r>
             <a:br>
-              <a:rPr lang="fr-FR" dirty="0"/>
+              <a:rPr lang="fr-FR"/>
             </a:br>
             <a:r>
-              <a:rPr lang="fr-FR" dirty="0"/>
+              <a:rPr lang="fr-FR"/>
               <a:t>Méthode de la tangente</a:t>
             </a:r>
           </a:p>
@@ -19017,7 +19017,7 @@
           <a:lstStyle/>
           <a:p>
             <a:r>
-              <a:rPr lang="fr-FR" dirty="0"/>
+              <a:rPr lang="fr-FR"/>
               <a:t>Liste de points triée dans l’ordre croissant des angles (points numérotés dans l’animation)</a:t>
             </a:r>
           </a:p>
@@ -19221,7 +19221,7 @@
           <a:lstStyle/>
           <a:p>
             <a:r>
-              <a:rPr lang="fr-FR" sz="3200" dirty="0"/>
+              <a:rPr lang="fr-FR" sz="3200"/>
               <a:t>Recherche de l’enveloppe convexe</a:t>
             </a:r>
           </a:p>
@@ -19289,7 +19289,7 @@
           <a:lstStyle/>
           <a:p>
             <a:r>
-              <a:rPr lang="fr-FR" dirty="0"/>
+              <a:rPr lang="fr-FR"/>
               <a:t>On regarde quel point se trouve le plus à gauche du segment</a:t>
             </a:r>
           </a:p>
@@ -19324,7 +19324,7 @@
           <a:lstStyle/>
           <a:p>
             <a:r>
-              <a:rPr lang="fr-FR" dirty="0"/>
+              <a:rPr lang="fr-FR"/>
               <a:t>Segment formé des deux derniers points de l’enveloppe</a:t>
             </a:r>
           </a:p>
@@ -19359,7 +19359,7 @@
           <a:lstStyle/>
           <a:p>
             <a:r>
-              <a:rPr lang="fr-FR" dirty="0"/>
+              <a:rPr lang="fr-FR"/>
               <a:t>Le point le plus à gauche fait partie de l’enveloppe</a:t>
             </a:r>
           </a:p>
@@ -19477,81 +19477,81 @@
           <a:lstStyle/>
           <a:p>
             <a:r>
-              <a:rPr lang="en-US" sz="1600" dirty="0">
+              <a:rPr lang="en-US" sz="1600">
                 <a:latin typeface="Courier New" panose="02070309020205020404" pitchFamily="49" charset="0"/>
                 <a:cs typeface="Courier New" panose="02070309020205020404" pitchFamily="49" charset="0"/>
               </a:rPr>
               <a:t>def </a:t>
             </a:r>
             <a:r>
-              <a:rPr lang="en-US" sz="1600" dirty="0" err="1">
+              <a:rPr lang="en-US" sz="1600" err="1">
                 <a:latin typeface="Courier New" panose="02070309020205020404" pitchFamily="49" charset="0"/>
                 <a:cs typeface="Courier New" panose="02070309020205020404" pitchFamily="49" charset="0"/>
               </a:rPr>
               <a:t>vectorial_product</a:t>
             </a:r>
             <a:r>
-              <a:rPr lang="en-US" sz="1600" dirty="0">
+              <a:rPr lang="en-US" sz="1600">
                 <a:latin typeface="Courier New" panose="02070309020205020404" pitchFamily="49" charset="0"/>
                 <a:cs typeface="Courier New" panose="02070309020205020404" pitchFamily="49" charset="0"/>
               </a:rPr>
               <a:t>(self,</a:t>
             </a:r>
             <a:br>
-              <a:rPr lang="en-US" sz="1600" dirty="0">
+              <a:rPr lang="en-US" sz="1600">
                 <a:latin typeface="Courier New" panose="02070309020205020404" pitchFamily="49" charset="0"/>
                 <a:cs typeface="Courier New" panose="02070309020205020404" pitchFamily="49" charset="0"/>
               </a:rPr>
             </a:br>
             <a:r>
-              <a:rPr lang="en-US" sz="1600" dirty="0" err="1">
+              <a:rPr lang="en-US" sz="1600" err="1">
                 <a:latin typeface="Courier New" panose="02070309020205020404" pitchFamily="49" charset="0"/>
                 <a:cs typeface="Courier New" panose="02070309020205020404" pitchFamily="49" charset="0"/>
               </a:rPr>
               <a:t>point_a</a:t>
             </a:r>
             <a:r>
-              <a:rPr lang="en-US" sz="1600" dirty="0">
+              <a:rPr lang="en-US" sz="1600">
                 <a:latin typeface="Courier New" panose="02070309020205020404" pitchFamily="49" charset="0"/>
                 <a:cs typeface="Courier New" panose="02070309020205020404" pitchFamily="49" charset="0"/>
               </a:rPr>
               <a:t>: list,</a:t>
             </a:r>
             <a:br>
-              <a:rPr lang="en-US" sz="1600" dirty="0">
+              <a:rPr lang="en-US" sz="1600">
                 <a:latin typeface="Courier New" panose="02070309020205020404" pitchFamily="49" charset="0"/>
                 <a:cs typeface="Courier New" panose="02070309020205020404" pitchFamily="49" charset="0"/>
               </a:rPr>
             </a:br>
             <a:r>
-              <a:rPr lang="en-US" sz="1600" dirty="0" err="1">
+              <a:rPr lang="en-US" sz="1600" err="1">
                 <a:latin typeface="Courier New" panose="02070309020205020404" pitchFamily="49" charset="0"/>
                 <a:cs typeface="Courier New" panose="02070309020205020404" pitchFamily="49" charset="0"/>
               </a:rPr>
               <a:t>point_b</a:t>
             </a:r>
             <a:r>
-              <a:rPr lang="en-US" sz="1600" dirty="0">
+              <a:rPr lang="en-US" sz="1600">
                 <a:latin typeface="Courier New" panose="02070309020205020404" pitchFamily="49" charset="0"/>
                 <a:cs typeface="Courier New" panose="02070309020205020404" pitchFamily="49" charset="0"/>
               </a:rPr>
               <a:t>: list,</a:t>
             </a:r>
             <a:br>
-              <a:rPr lang="en-US" sz="1600" dirty="0">
+              <a:rPr lang="en-US" sz="1600">
                 <a:latin typeface="Courier New" panose="02070309020205020404" pitchFamily="49" charset="0"/>
                 <a:cs typeface="Courier New" panose="02070309020205020404" pitchFamily="49" charset="0"/>
               </a:rPr>
             </a:br>
             <a:r>
-              <a:rPr lang="en-US" sz="1600" dirty="0" err="1">
+              <a:rPr lang="en-US" sz="1600" err="1">
                 <a:latin typeface="Courier New" panose="02070309020205020404" pitchFamily="49" charset="0"/>
                 <a:cs typeface="Courier New" panose="02070309020205020404" pitchFamily="49" charset="0"/>
               </a:rPr>
               <a:t>point_c</a:t>
             </a:r>
             <a:r>
-              <a:rPr lang="en-US" sz="1600" dirty="0">
+              <a:rPr lang="en-US" sz="1600">
                 <a:latin typeface="Courier New" panose="02070309020205020404" pitchFamily="49" charset="0"/>
                 <a:cs typeface="Courier New" panose="02070309020205020404" pitchFamily="49" charset="0"/>
               </a:rPr>
@@ -20058,7 +20058,7 @@
           <a:lstStyle/>
           <a:p>
             <a:r>
-              <a:rPr lang="en-US" sz="6000" dirty="0" err="1">
+              <a:rPr lang="en-US" sz="6000" err="1">
                 <a:solidFill>
                   <a:schemeClr val="tx2"/>
                 </a:solidFill>
@@ -20066,7 +20066,7 @@
               <a:t>Méthode</a:t>
             </a:r>
             <a:r>
-              <a:rPr lang="en-US" sz="6000" dirty="0">
+              <a:rPr lang="en-US" sz="6000">
                 <a:solidFill>
                   <a:schemeClr val="tx2"/>
                 </a:solidFill>
@@ -20255,7 +20255,7 @@
           <a:lstStyle/>
           <a:p>
             <a:r>
-              <a:rPr lang="fr-FR" sz="3200" dirty="0"/>
+              <a:rPr lang="fr-FR" sz="3200"/>
               <a:t>Méthode de Jarvis</a:t>
             </a:r>
           </a:p>
@@ -20385,20 +20385,20 @@
           <a:lstStyle/>
           <a:p>
             <a:r>
-              <a:rPr lang="fr-FR" sz="2400" dirty="0"/>
+              <a:rPr lang="fr-FR" sz="2400"/>
               <a:t>Algorithme pour calculer l'enveloppe convexe d'un ensemble fini de points</a:t>
             </a:r>
           </a:p>
           <a:p>
             <a:r>
-              <a:rPr lang="fr-FR" sz="2400" dirty="0"/>
+              <a:rPr lang="fr-FR" sz="2400"/>
               <a:t>Création d’une classe Jarvis</a:t>
             </a:r>
           </a:p>
           <a:p>
             <a:pPr marL="305435" indent="-305435"/>
             <a:r>
-              <a:rPr lang="fr-FR" sz="2400" dirty="0"/>
+              <a:rPr lang="fr-FR" sz="2400"/>
               <a:t>Notions mathématiques abordées : méthode de la tangente, produit vectoriel</a:t>
             </a:r>
           </a:p>
@@ -20523,7 +20523,7 @@
           <a:lstStyle/>
           <a:p>
             <a:r>
-              <a:rPr lang="fr-FR" sz="3200" dirty="0"/>
+              <a:rPr lang="fr-FR" sz="3200"/>
               <a:t>Recherche de l’origine relative</a:t>
             </a:r>
           </a:p>
@@ -20832,7 +20832,7 @@
           <a:lstStyle/>
           <a:p>
             <a:r>
-              <a:rPr lang="fr-FR" dirty="0"/>
+              <a:rPr lang="fr-FR"/>
               <a:t>Représentation du nuage de points sous la forme d’une liste de points, eux-mêmes une liste de leurs coordonnées</a:t>
             </a:r>
           </a:p>
@@ -20867,7 +20867,7 @@
           <a:lstStyle/>
           <a:p>
             <a:r>
-              <a:rPr lang="fr-FR" dirty="0"/>
+              <a:rPr lang="fr-FR"/>
               <a:t>Recherche du point avec la plus petite ordonnée et abscisse</a:t>
             </a:r>
           </a:p>
@@ -20902,7 +20902,7 @@
           <a:lstStyle/>
           <a:p>
             <a:r>
-              <a:rPr lang="fr-FR" dirty="0"/>
+              <a:rPr lang="fr-FR"/>
               <a:t>Retourne une liste qui représente le point d’origine</a:t>
             </a:r>
           </a:p>
@@ -21061,7 +21061,7 @@
           <a:lstStyle/>
           <a:p>
             <a:r>
-              <a:rPr lang="fr-FR" sz="3200" dirty="0"/>
+              <a:rPr lang="fr-FR" sz="3200"/>
               <a:t>Recherche de l’enveloppe convexe</a:t>
             </a:r>
           </a:p>
@@ -21096,7 +21096,7 @@
           <a:lstStyle/>
           <a:p>
             <a:r>
-              <a:rPr lang="fr-FR" dirty="0"/>
+              <a:rPr lang="fr-FR"/>
               <a:t>Recherche du point avec le plus grand angle</a:t>
             </a:r>
           </a:p>
@@ -21164,7 +21164,7 @@
           <a:lstStyle/>
           <a:p>
             <a:r>
-              <a:rPr lang="fr-FR" dirty="0"/>
+              <a:rPr lang="fr-FR"/>
               <a:t>Segment formé des deux derniers points de l’enveloppe</a:t>
             </a:r>
           </a:p>
@@ -21199,7 +21199,7 @@
           <a:lstStyle/>
           <a:p>
             <a:r>
-              <a:rPr lang="fr-FR" dirty="0"/>
+              <a:rPr lang="fr-FR"/>
               <a:t>Le point le plus à gauche fait partie de l’enveloppe</a:t>
             </a:r>
           </a:p>
@@ -21362,61 +21362,61 @@
           <a:lstStyle/>
           <a:p>
             <a:r>
-              <a:rPr lang="en-US" sz="1600" dirty="0">
+              <a:rPr lang="en-US" sz="1600">
                 <a:latin typeface="Courier New" panose="02070309020205020404" pitchFamily="49" charset="0"/>
                 <a:cs typeface="Courier New" panose="02070309020205020404" pitchFamily="49" charset="0"/>
               </a:rPr>
               <a:t>def </a:t>
             </a:r>
             <a:r>
-              <a:rPr lang="en-US" sz="1600" dirty="0" err="1">
+              <a:rPr lang="en-US" sz="1600" err="1">
                 <a:latin typeface="Courier New" panose="02070309020205020404" pitchFamily="49" charset="0"/>
                 <a:cs typeface="Courier New" panose="02070309020205020404" pitchFamily="49" charset="0"/>
               </a:rPr>
               <a:t>find_next_point</a:t>
             </a:r>
             <a:r>
-              <a:rPr lang="en-US" sz="1600" dirty="0">
+              <a:rPr lang="en-US" sz="1600">
                 <a:latin typeface="Courier New" panose="02070309020205020404" pitchFamily="49" charset="0"/>
                 <a:cs typeface="Courier New" panose="02070309020205020404" pitchFamily="49" charset="0"/>
               </a:rPr>
               <a:t>(self,</a:t>
             </a:r>
             <a:br>
-              <a:rPr lang="en-US" sz="1600" dirty="0">
+              <a:rPr lang="en-US" sz="1600">
                 <a:latin typeface="Courier New" panose="02070309020205020404" pitchFamily="49" charset="0"/>
                 <a:cs typeface="Courier New" panose="02070309020205020404" pitchFamily="49" charset="0"/>
               </a:rPr>
             </a:br>
             <a:r>
-              <a:rPr lang="en-US" sz="1600" dirty="0" err="1">
+              <a:rPr lang="en-US" sz="1600" err="1">
                 <a:latin typeface="Courier New" panose="02070309020205020404" pitchFamily="49" charset="0"/>
                 <a:cs typeface="Courier New" panose="02070309020205020404" pitchFamily="49" charset="0"/>
               </a:rPr>
               <a:t>previous_point_1</a:t>
             </a:r>
             <a:r>
-              <a:rPr lang="en-US" sz="1600" dirty="0">
+              <a:rPr lang="en-US" sz="1600">
                 <a:latin typeface="Courier New" panose="02070309020205020404" pitchFamily="49" charset="0"/>
                 <a:cs typeface="Courier New" panose="02070309020205020404" pitchFamily="49" charset="0"/>
               </a:rPr>
               <a:t>: list,</a:t>
             </a:r>
             <a:br>
-              <a:rPr lang="en-US" sz="1600" dirty="0">
+              <a:rPr lang="en-US" sz="1600">
                 <a:latin typeface="Courier New" panose="02070309020205020404" pitchFamily="49" charset="0"/>
                 <a:cs typeface="Courier New" panose="02070309020205020404" pitchFamily="49" charset="0"/>
               </a:rPr>
             </a:br>
             <a:r>
-              <a:rPr lang="en-US" sz="1600" dirty="0" err="1">
+              <a:rPr lang="en-US" sz="1600" err="1">
                 <a:latin typeface="Courier New" panose="02070309020205020404" pitchFamily="49" charset="0"/>
                 <a:cs typeface="Courier New" panose="02070309020205020404" pitchFamily="49" charset="0"/>
               </a:rPr>
               <a:t>previous_point_2</a:t>
             </a:r>
             <a:r>
-              <a:rPr lang="en-US" sz="1600" dirty="0">
+              <a:rPr lang="en-US" sz="1600">
                 <a:latin typeface="Courier New" panose="02070309020205020404" pitchFamily="49" charset="0"/>
                 <a:cs typeface="Courier New" panose="02070309020205020404" pitchFamily="49" charset="0"/>
               </a:rPr>
@@ -21879,7 +21879,7 @@
           <a:lstStyle/>
           <a:p>
             <a:r>
-              <a:rPr lang="en-US" sz="6000" dirty="0" err="1">
+              <a:rPr lang="en-US" sz="6000" err="1">
                 <a:solidFill>
                   <a:schemeClr val="tx2"/>
                 </a:solidFill>
@@ -21887,7 +21887,7 @@
               <a:t>Méthode</a:t>
             </a:r>
             <a:r>
-              <a:rPr lang="en-US" sz="6000" dirty="0">
+              <a:rPr lang="en-US" sz="6000">
                 <a:solidFill>
                   <a:schemeClr val="tx2"/>
                 </a:solidFill>
@@ -21895,14 +21895,14 @@
               <a:t> de </a:t>
             </a:r>
             <a:r>
-              <a:rPr lang="en-US" sz="6000" dirty="0" err="1">
+              <a:rPr lang="en-US" sz="6000" err="1">
                 <a:solidFill>
                   <a:schemeClr val="tx2"/>
                 </a:solidFill>
               </a:rPr>
               <a:t>QUICKHULL</a:t>
             </a:r>
-            <a:endParaRPr lang="en-US" sz="6000" dirty="0">
+            <a:endParaRPr lang="en-US" sz="6000">
               <a:solidFill>
                 <a:schemeClr val="tx2"/>
               </a:solidFill>
@@ -22089,7 +22089,7 @@
           <a:lstStyle/>
           <a:p>
             <a:r>
-              <a:rPr lang="fr-FR" sz="3200" dirty="0"/>
+              <a:rPr lang="fr-FR" sz="3200"/>
               <a:t>Méthode de Quickhull</a:t>
             </a:r>
           </a:p>
@@ -22219,26 +22219,26 @@
           <a:lstStyle/>
           <a:p>
             <a:r>
-              <a:rPr lang="fr-FR" sz="2400" dirty="0"/>
+              <a:rPr lang="fr-FR" sz="2400"/>
               <a:t>Algorithme pour calculer l'enveloppe convexe d'un ensemble fini de points</a:t>
             </a:r>
           </a:p>
           <a:p>
             <a:r>
-              <a:rPr lang="fr-FR" sz="2400" dirty="0"/>
+              <a:rPr lang="fr-FR" sz="2400"/>
               <a:t>Algorithme du type diviser pour régner</a:t>
             </a:r>
           </a:p>
           <a:p>
             <a:r>
-              <a:rPr lang="fr-FR" sz="2400" dirty="0"/>
+              <a:rPr lang="fr-FR" sz="2400"/>
               <a:t>Création d’une classe Quickhull</a:t>
             </a:r>
           </a:p>
           <a:p>
             <a:pPr marL="305435" indent="-305435"/>
             <a:r>
-              <a:rPr lang="fr-FR" sz="2400" dirty="0"/>
+              <a:rPr lang="fr-FR" sz="2400"/>
               <a:t>Notions mathématiques abordées : méthode de la tangente, produit vectoriel</a:t>
             </a:r>
           </a:p>
@@ -22412,7 +22412,7 @@
               <a:buFont typeface="Arial" panose="020B0604020202020204" pitchFamily="34" charset="0"/>
               <a:buChar char="•"/>
             </a:pPr>
-            <a:endParaRPr lang="en-US" dirty="0"/>
+            <a:endParaRPr lang="en-US"/>
           </a:p>
         </p:txBody>
       </p:sp>
@@ -22505,7 +22505,7 @@
           <a:lstStyle/>
           <a:p>
             <a:r>
-              <a:rPr lang="fr-FR" sz="5400" dirty="0">
+              <a:rPr lang="fr-FR" sz="5400">
                 <a:solidFill>
                   <a:srgbClr val="FFFFFF"/>
                 </a:solidFill>
@@ -22656,7 +22656,7 @@
           <a:p>
             <a:pPr marL="305435" indent="-305435"/>
             <a:r>
-              <a:rPr lang="fr-FR" sz="2800" dirty="0">
+              <a:rPr lang="fr-FR" sz="2800">
                 <a:solidFill>
                   <a:schemeClr val="accent2">
                     <a:lumMod val="50000"/>
@@ -22669,7 +22669,7 @@
           <a:p>
             <a:pPr marL="305435" indent="-305435"/>
             <a:r>
-              <a:rPr lang="fr-FR" sz="2800" dirty="0">
+              <a:rPr lang="fr-FR" sz="2800">
                 <a:solidFill>
                   <a:schemeClr val="accent2">
                     <a:lumMod val="50000"/>
@@ -22682,7 +22682,7 @@
           <a:p>
             <a:pPr marL="305435" indent="-305435"/>
             <a:r>
-              <a:rPr lang="fr-FR" sz="2800" dirty="0">
+              <a:rPr lang="fr-FR" sz="2800">
                 <a:solidFill>
                   <a:schemeClr val="accent2">
                     <a:lumMod val="50000"/>
@@ -22695,7 +22695,7 @@
           <a:p>
             <a:pPr marL="305435" indent="-305435"/>
             <a:r>
-              <a:rPr lang="fr-FR" sz="2800" dirty="0">
+              <a:rPr lang="fr-FR" sz="2800">
                 <a:solidFill>
                   <a:schemeClr val="accent2">
                     <a:lumMod val="50000"/>
@@ -22708,7 +22708,7 @@
           <a:p>
             <a:pPr marL="305435" indent="-305435"/>
             <a:r>
-              <a:rPr lang="fr-FR" sz="2800" dirty="0">
+              <a:rPr lang="fr-FR" sz="2800">
                 <a:solidFill>
                   <a:schemeClr val="accent2">
                     <a:lumMod val="50000"/>
@@ -22721,7 +22721,7 @@
           <a:p>
             <a:pPr marL="305435" indent="-305435"/>
             <a:r>
-              <a:rPr lang="fr-FR" sz="2800" dirty="0">
+              <a:rPr lang="fr-FR" sz="2800">
                 <a:solidFill>
                   <a:schemeClr val="accent2">
                     <a:lumMod val="50000"/>
@@ -22734,7 +22734,7 @@
           <a:p>
             <a:pPr marL="305435" indent="-305435"/>
             <a:r>
-              <a:rPr lang="fr-FR" sz="2800" dirty="0">
+              <a:rPr lang="fr-FR" sz="2800">
                 <a:solidFill>
                   <a:schemeClr val="accent2">
                     <a:lumMod val="50000"/>
@@ -22747,7 +22747,7 @@
           <a:p>
             <a:pPr marL="305435" indent="-305435"/>
             <a:r>
-              <a:rPr lang="fr-FR" sz="2800" dirty="0">
+              <a:rPr lang="fr-FR" sz="2800">
                 <a:solidFill>
                   <a:schemeClr val="accent2">
                     <a:lumMod val="50000"/>
@@ -22760,7 +22760,7 @@
           <a:p>
             <a:pPr marL="305435" indent="-305435"/>
             <a:r>
-              <a:rPr lang="fr-FR" sz="2800" dirty="0">
+              <a:rPr lang="fr-FR" sz="2800">
                 <a:solidFill>
                   <a:schemeClr val="accent2">
                     <a:lumMod val="50000"/>
@@ -22794,7 +22794,7 @@
           <a:lstStyle/>
           <a:p>
             <a:r>
-              <a:rPr lang="en-US" dirty="0"/>
+              <a:rPr lang="en-US"/>
               <a:t>Anaïs Gallerand ; Edouard Gautier ; Antoine Orvain</a:t>
             </a:r>
           </a:p>
@@ -22884,7 +22884,7 @@
           <a:lstStyle/>
           <a:p>
             <a:r>
-              <a:rPr lang="fr-FR" sz="3200" dirty="0"/>
+              <a:rPr lang="fr-FR" sz="3200"/>
               <a:t>Recherche des origines relatives</a:t>
             </a:r>
           </a:p>
@@ -22992,27 +22992,27 @@
           <a:lstStyle/>
           <a:p>
             <a:r>
-              <a:rPr lang="en-US" sz="1600" dirty="0">
+              <a:rPr lang="en-US" sz="1600">
                 <a:latin typeface="Courier New" panose="02070309020205020404" pitchFamily="49" charset="0"/>
                 <a:cs typeface="Courier New" panose="02070309020205020404" pitchFamily="49" charset="0"/>
               </a:rPr>
               <a:t>def </a:t>
             </a:r>
             <a:r>
-              <a:rPr lang="en-US" sz="1600" dirty="0" err="1">
+              <a:rPr lang="en-US" sz="1600" err="1">
                 <a:latin typeface="Courier New" panose="02070309020205020404" pitchFamily="49" charset="0"/>
                 <a:cs typeface="Courier New" panose="02070309020205020404" pitchFamily="49" charset="0"/>
               </a:rPr>
               <a:t>find_origin</a:t>
             </a:r>
             <a:r>
-              <a:rPr lang="en-US" sz="1600" dirty="0">
+              <a:rPr lang="en-US" sz="1600">
                 <a:latin typeface="Courier New" panose="02070309020205020404" pitchFamily="49" charset="0"/>
                 <a:cs typeface="Courier New" panose="02070309020205020404" pitchFamily="49" charset="0"/>
               </a:rPr>
               <a:t>(self)</a:t>
             </a:r>
-            <a:endParaRPr lang="fr-FR" sz="1600" dirty="0">
+            <a:endParaRPr lang="fr-FR" sz="1600">
               <a:latin typeface="Courier New" panose="02070309020205020404" pitchFamily="49" charset="0"/>
               <a:cs typeface="Courier New" panose="02070309020205020404" pitchFamily="49" charset="0"/>
             </a:endParaRPr>
@@ -23048,28 +23048,28 @@
           <a:lstStyle/>
           <a:p>
             <a:r>
-              <a:rPr lang="fr-FR" sz="1600" dirty="0" err="1">
+              <a:rPr lang="fr-FR" sz="1600" err="1">
                 <a:latin typeface="Courier New" panose="02070309020205020404" pitchFamily="49" charset="0"/>
                 <a:cs typeface="Courier New" panose="02070309020205020404" pitchFamily="49" charset="0"/>
               </a:rPr>
               <a:t>self.origin_min</a:t>
             </a:r>
             <a:r>
-              <a:rPr lang="fr-FR" sz="1600" dirty="0">
+              <a:rPr lang="fr-FR" sz="1600">
                 <a:latin typeface="Courier New" panose="02070309020205020404" pitchFamily="49" charset="0"/>
                 <a:cs typeface="Courier New" panose="02070309020205020404" pitchFamily="49" charset="0"/>
               </a:rPr>
               <a:t> = [</a:t>
             </a:r>
             <a:r>
-              <a:rPr lang="fr-FR" sz="1600" dirty="0" err="1">
+              <a:rPr lang="fr-FR" sz="1600" err="1">
                 <a:latin typeface="Courier New" panose="02070309020205020404" pitchFamily="49" charset="0"/>
                 <a:cs typeface="Courier New" panose="02070309020205020404" pitchFamily="49" charset="0"/>
               </a:rPr>
               <a:t>x,y</a:t>
             </a:r>
             <a:r>
-              <a:rPr lang="fr-FR" sz="1600" dirty="0">
+              <a:rPr lang="fr-FR" sz="1600">
                 <a:latin typeface="Courier New" panose="02070309020205020404" pitchFamily="49" charset="0"/>
                 <a:cs typeface="Courier New" panose="02070309020205020404" pitchFamily="49" charset="0"/>
               </a:rPr>
@@ -23078,28 +23078,28 @@
           </a:p>
           <a:p>
             <a:r>
-              <a:rPr lang="fr-FR" sz="1600" dirty="0" err="1">
+              <a:rPr lang="fr-FR" sz="1600" err="1">
                 <a:latin typeface="Courier New" panose="02070309020205020404" pitchFamily="49" charset="0"/>
                 <a:cs typeface="Courier New" panose="02070309020205020404" pitchFamily="49" charset="0"/>
               </a:rPr>
               <a:t>self.origin_max</a:t>
             </a:r>
             <a:r>
-              <a:rPr lang="fr-FR" sz="1600" dirty="0">
+              <a:rPr lang="fr-FR" sz="1600">
                 <a:latin typeface="Courier New" panose="02070309020205020404" pitchFamily="49" charset="0"/>
                 <a:cs typeface="Courier New" panose="02070309020205020404" pitchFamily="49" charset="0"/>
               </a:rPr>
               <a:t> = [</a:t>
             </a:r>
             <a:r>
-              <a:rPr lang="fr-FR" sz="1600" dirty="0" err="1">
+              <a:rPr lang="fr-FR" sz="1600" err="1">
                 <a:latin typeface="Courier New" panose="02070309020205020404" pitchFamily="49" charset="0"/>
                 <a:cs typeface="Courier New" panose="02070309020205020404" pitchFamily="49" charset="0"/>
               </a:rPr>
               <a:t>x,y</a:t>
             </a:r>
             <a:r>
-              <a:rPr lang="fr-FR" sz="1600" dirty="0">
+              <a:rPr lang="fr-FR" sz="1600">
                 <a:latin typeface="Courier New" panose="02070309020205020404" pitchFamily="49" charset="0"/>
                 <a:cs typeface="Courier New" panose="02070309020205020404" pitchFamily="49" charset="0"/>
               </a:rPr>
@@ -23223,7 +23223,7 @@
           <a:lstStyle/>
           <a:p>
             <a:r>
-              <a:rPr lang="fr-FR" dirty="0"/>
+              <a:rPr lang="fr-FR"/>
               <a:t>Représentation du nuage de points sous la forme d’une liste de points, eux-mêmes une liste de leurs coordonnées</a:t>
             </a:r>
           </a:p>
@@ -23258,7 +23258,7 @@
           <a:lstStyle/>
           <a:p>
             <a:r>
-              <a:rPr lang="fr-FR" dirty="0"/>
+              <a:rPr lang="fr-FR"/>
               <a:t>Recherche du point avec la plus petite ordonnée et abscisse et du point avec la plus grande ordonnée et abscisse</a:t>
             </a:r>
           </a:p>
@@ -23293,7 +23293,7 @@
           <a:lstStyle/>
           <a:p>
             <a:r>
-              <a:rPr lang="fr-FR" dirty="0"/>
+              <a:rPr lang="fr-FR"/>
               <a:t>Retourne deux listes qui représentent les points d’origine</a:t>
             </a:r>
           </a:p>
@@ -23452,7 +23452,7 @@
           <a:lstStyle/>
           <a:p>
             <a:r>
-              <a:rPr lang="fr-FR" sz="3200" dirty="0"/>
+              <a:rPr lang="fr-FR" sz="3200"/>
               <a:t>Recherche de l’enveloppe convexe</a:t>
             </a:r>
           </a:p>
@@ -23487,7 +23487,7 @@
           <a:lstStyle/>
           <a:p>
             <a:r>
-              <a:rPr lang="fr-FR" dirty="0"/>
+              <a:rPr lang="fr-FR"/>
               <a:t>On recherche le point le plus à droite du segment</a:t>
             </a:r>
           </a:p>
@@ -23555,7 +23555,7 @@
           <a:lstStyle/>
           <a:p>
             <a:r>
-              <a:rPr lang="fr-FR" dirty="0"/>
+              <a:rPr lang="fr-FR"/>
               <a:t>On trace un segment entre les points</a:t>
             </a:r>
           </a:p>
@@ -23590,7 +23590,7 @@
           <a:lstStyle/>
           <a:p>
             <a:r>
-              <a:rPr lang="fr-FR" dirty="0"/>
+              <a:rPr lang="fr-FR"/>
               <a:t>On divise le nuage en deux</a:t>
             </a:r>
           </a:p>
@@ -23755,81 +23755,81 @@
           <a:lstStyle/>
           <a:p>
             <a:r>
-              <a:rPr lang="en-US" sz="1600" dirty="0">
+              <a:rPr lang="en-US" sz="1600">
                 <a:latin typeface="Courier New" panose="02070309020205020404" pitchFamily="49" charset="0"/>
                 <a:cs typeface="Courier New" panose="02070309020205020404" pitchFamily="49" charset="0"/>
               </a:rPr>
               <a:t>def </a:t>
             </a:r>
             <a:r>
-              <a:rPr lang="en-US" sz="1600" dirty="0" err="1">
+              <a:rPr lang="en-US" sz="1600" err="1">
                 <a:latin typeface="Courier New" panose="02070309020205020404" pitchFamily="49" charset="0"/>
                 <a:cs typeface="Courier New" panose="02070309020205020404" pitchFamily="49" charset="0"/>
               </a:rPr>
               <a:t>find_hull</a:t>
             </a:r>
             <a:r>
-              <a:rPr lang="en-US" sz="1600" dirty="0">
+              <a:rPr lang="en-US" sz="1600">
                 <a:latin typeface="Courier New" panose="02070309020205020404" pitchFamily="49" charset="0"/>
                 <a:cs typeface="Courier New" panose="02070309020205020404" pitchFamily="49" charset="0"/>
               </a:rPr>
               <a:t>(self,</a:t>
             </a:r>
             <a:br>
-              <a:rPr lang="en-US" sz="1600" dirty="0">
+              <a:rPr lang="en-US" sz="1600">
                 <a:latin typeface="Courier New" panose="02070309020205020404" pitchFamily="49" charset="0"/>
                 <a:cs typeface="Courier New" panose="02070309020205020404" pitchFamily="49" charset="0"/>
               </a:rPr>
             </a:br>
             <a:r>
-              <a:rPr lang="en-US" sz="1600" dirty="0" err="1">
+              <a:rPr lang="en-US" sz="1600" err="1">
                 <a:latin typeface="Courier New" panose="02070309020205020404" pitchFamily="49" charset="0"/>
                 <a:cs typeface="Courier New" panose="02070309020205020404" pitchFamily="49" charset="0"/>
               </a:rPr>
               <a:t>list_point</a:t>
             </a:r>
             <a:r>
-              <a:rPr lang="en-US" sz="1600" dirty="0">
+              <a:rPr lang="en-US" sz="1600">
                 <a:latin typeface="Courier New" panose="02070309020205020404" pitchFamily="49" charset="0"/>
                 <a:cs typeface="Courier New" panose="02070309020205020404" pitchFamily="49" charset="0"/>
               </a:rPr>
               <a:t>: list,</a:t>
             </a:r>
             <a:br>
-              <a:rPr lang="en-US" sz="1600" dirty="0">
+              <a:rPr lang="en-US" sz="1600">
                 <a:latin typeface="Courier New" panose="02070309020205020404" pitchFamily="49" charset="0"/>
                 <a:cs typeface="Courier New" panose="02070309020205020404" pitchFamily="49" charset="0"/>
               </a:rPr>
             </a:br>
             <a:r>
-              <a:rPr lang="en-US" sz="1600" dirty="0" err="1">
+              <a:rPr lang="en-US" sz="1600" err="1">
                 <a:latin typeface="Courier New" panose="02070309020205020404" pitchFamily="49" charset="0"/>
                 <a:cs typeface="Courier New" panose="02070309020205020404" pitchFamily="49" charset="0"/>
               </a:rPr>
               <a:t>point_a</a:t>
             </a:r>
             <a:r>
-              <a:rPr lang="en-US" sz="1600" dirty="0">
+              <a:rPr lang="en-US" sz="1600">
                 <a:latin typeface="Courier New" panose="02070309020205020404" pitchFamily="49" charset="0"/>
                 <a:cs typeface="Courier New" panose="02070309020205020404" pitchFamily="49" charset="0"/>
               </a:rPr>
               <a:t>: list,</a:t>
             </a:r>
             <a:br>
-              <a:rPr lang="en-US" sz="1600" dirty="0">
+              <a:rPr lang="en-US" sz="1600">
                 <a:latin typeface="Courier New" panose="02070309020205020404" pitchFamily="49" charset="0"/>
                 <a:cs typeface="Courier New" panose="02070309020205020404" pitchFamily="49" charset="0"/>
               </a:rPr>
             </a:br>
             <a:r>
-              <a:rPr lang="en-US" sz="1600" dirty="0" err="1">
+              <a:rPr lang="en-US" sz="1600" err="1">
                 <a:latin typeface="Courier New" panose="02070309020205020404" pitchFamily="49" charset="0"/>
                 <a:cs typeface="Courier New" panose="02070309020205020404" pitchFamily="49" charset="0"/>
               </a:rPr>
               <a:t>point_b</a:t>
             </a:r>
             <a:r>
-              <a:rPr lang="en-US" sz="1600" dirty="0">
+              <a:rPr lang="en-US" sz="1600">
                 <a:latin typeface="Courier New" panose="02070309020205020404" pitchFamily="49" charset="0"/>
                 <a:cs typeface="Courier New" panose="02070309020205020404" pitchFamily="49" charset="0"/>
               </a:rPr>
@@ -24292,7 +24292,7 @@
           <a:lstStyle/>
           <a:p>
             <a:r>
-              <a:rPr lang="en-US" sz="6000" dirty="0">
+              <a:rPr lang="en-US" sz="6000">
                 <a:solidFill>
                   <a:schemeClr val="tx2"/>
                 </a:solidFill>
@@ -24503,7 +24503,7 @@
           <a:lstStyle/>
           <a:p>
             <a:r>
-              <a:rPr lang="fr-FR" sz="3200" dirty="0"/>
+              <a:rPr lang="fr-FR" sz="3200"/>
               <a:t>Tests unitaires</a:t>
             </a:r>
           </a:p>
@@ -24603,7 +24603,7 @@
           <a:lstStyle/>
           <a:p>
             <a:r>
-              <a:rPr lang="fr-FR" dirty="0"/>
+              <a:rPr lang="fr-FR"/>
               <a:t>Tests sur 4 nuages de points</a:t>
             </a:r>
           </a:p>
@@ -24638,7 +24638,7 @@
           <a:lstStyle/>
           <a:p>
             <a:r>
-              <a:rPr lang="fr-FR" dirty="0"/>
+              <a:rPr lang="fr-FR"/>
               <a:t>Vérification du comportement des méthodes</a:t>
             </a:r>
           </a:p>
@@ -24673,7 +24673,7 @@
           <a:lstStyle/>
           <a:p>
             <a:r>
-              <a:rPr lang="fr-FR" dirty="0"/>
+              <a:rPr lang="fr-FR"/>
               <a:t>Validations des tests</a:t>
             </a:r>
           </a:p>
@@ -24708,7 +24708,7 @@
           <a:lstStyle/>
           <a:p>
             <a:r>
-              <a:rPr lang="fr-FR" dirty="0"/>
+              <a:rPr lang="fr-FR"/>
               <a:t>Mise en place de tests unitaires</a:t>
             </a:r>
           </a:p>
@@ -24829,17 +24829,17 @@
           <a:lstStyle/>
           <a:p>
             <a:r>
-              <a:rPr lang="fr-FR" dirty="0"/>
+              <a:rPr lang="fr-FR"/>
               <a:t>Bibliothèque </a:t>
             </a:r>
             <a:r>
-              <a:rPr lang="fr-FR" sz="1600" dirty="0" err="1">
+              <a:rPr lang="fr-FR" sz="1600" err="1">
                 <a:latin typeface="Courier New" panose="02070309020205020404" pitchFamily="49" charset="0"/>
                 <a:cs typeface="Courier New" panose="02070309020205020404" pitchFamily="49" charset="0"/>
               </a:rPr>
               <a:t>pytest</a:t>
             </a:r>
-            <a:endParaRPr lang="fr-FR" sz="1600" dirty="0">
+            <a:endParaRPr lang="fr-FR" sz="1600">
               <a:latin typeface="Courier New" panose="02070309020205020404" pitchFamily="49" charset="0"/>
               <a:cs typeface="Courier New" panose="02070309020205020404" pitchFamily="49" charset="0"/>
             </a:endParaRPr>
@@ -24918,14 +24918,14 @@
           <a:lstStyle/>
           <a:p>
             <a:r>
-              <a:rPr lang="fr-FR" dirty="0"/>
+              <a:rPr lang="fr-FR"/>
               <a:t>Couverture des tests:</a:t>
             </a:r>
             <a:br>
-              <a:rPr lang="fr-FR" dirty="0"/>
+              <a:rPr lang="fr-FR"/>
             </a:br>
             <a:r>
-              <a:rPr lang="fr-FR" sz="1600" dirty="0">
+              <a:rPr lang="fr-FR" sz="1600">
                 <a:latin typeface="Courier New" panose="02070309020205020404" pitchFamily="49" charset="0"/>
                 <a:cs typeface="Courier New" panose="02070309020205020404" pitchFamily="49" charset="0"/>
               </a:rPr>
@@ -24934,7 +24934,7 @@
           </a:p>
           <a:p>
             <a:r>
-              <a:rPr lang="fr-FR" sz="1600" dirty="0">
+              <a:rPr lang="fr-FR" sz="1600">
                 <a:latin typeface="Courier New" panose="02070309020205020404" pitchFamily="49" charset="0"/>
                 <a:cs typeface="Courier New" panose="02070309020205020404" pitchFamily="49" charset="0"/>
               </a:rPr>
@@ -24943,7 +24943,7 @@
           </a:p>
           <a:p>
             <a:r>
-              <a:rPr lang="fr-FR" sz="1600" dirty="0">
+              <a:rPr lang="fr-FR" sz="1600">
                 <a:latin typeface="Courier New" panose="02070309020205020404" pitchFamily="49" charset="0"/>
                 <a:cs typeface="Courier New" panose="02070309020205020404" pitchFamily="49" charset="0"/>
               </a:rPr>
@@ -25067,21 +25067,21 @@
           <a:lstStyle/>
           <a:p>
             <a:r>
-              <a:rPr lang="en-US" sz="1200" dirty="0">
+              <a:rPr lang="en-US" sz="1200">
                 <a:latin typeface="Courier New" panose="02070309020205020404" pitchFamily="49" charset="0"/>
                 <a:cs typeface="Courier New" panose="02070309020205020404" pitchFamily="49" charset="0"/>
               </a:rPr>
               <a:t>plugins: </a:t>
             </a:r>
             <a:r>
-              <a:rPr lang="en-US" sz="1200" dirty="0" err="1">
+              <a:rPr lang="en-US" sz="1200" err="1">
                 <a:latin typeface="Courier New" panose="02070309020205020404" pitchFamily="49" charset="0"/>
                 <a:cs typeface="Courier New" panose="02070309020205020404" pitchFamily="49" charset="0"/>
               </a:rPr>
               <a:t>cov</a:t>
             </a:r>
             <a:r>
-              <a:rPr lang="en-US" sz="1200" dirty="0">
+              <a:rPr lang="en-US" sz="1200">
                 <a:latin typeface="Courier New" panose="02070309020205020404" pitchFamily="49" charset="0"/>
                 <a:cs typeface="Courier New" panose="02070309020205020404" pitchFamily="49" charset="0"/>
               </a:rPr>
@@ -25090,7 +25090,7 @@
           </a:p>
           <a:p>
             <a:r>
-              <a:rPr lang="en-US" sz="1200" dirty="0">
+              <a:rPr lang="en-US" sz="1200">
                 <a:latin typeface="Courier New" panose="02070309020205020404" pitchFamily="49" charset="0"/>
                 <a:cs typeface="Courier New" panose="02070309020205020404" pitchFamily="49" charset="0"/>
               </a:rPr>
@@ -25099,19 +25099,19 @@
           </a:p>
           <a:p>
             <a:br>
-              <a:rPr lang="en-US" sz="1200" dirty="0">
+              <a:rPr lang="en-US" sz="1200">
                 <a:latin typeface="Courier New" panose="02070309020205020404" pitchFamily="49" charset="0"/>
                 <a:cs typeface="Courier New" panose="02070309020205020404" pitchFamily="49" charset="0"/>
               </a:rPr>
             </a:br>
             <a:r>
-              <a:rPr lang="en-US" sz="1200" dirty="0">
+              <a:rPr lang="en-US" sz="1200">
                 <a:latin typeface="Courier New" panose="02070309020205020404" pitchFamily="49" charset="0"/>
                 <a:cs typeface="Courier New" panose="02070309020205020404" pitchFamily="49" charset="0"/>
               </a:rPr>
               <a:t>Programmes\test\Test_Graham.py ................ Programmes\test\Test_Jarvis.py ............ Programmes\test\Test_Quickhull.py ....................</a:t>
             </a:r>
-            <a:endParaRPr lang="fr-FR" sz="1400" dirty="0"/>
+            <a:endParaRPr lang="fr-FR" sz="1400"/>
           </a:p>
         </p:txBody>
       </p:sp>
@@ -25216,7 +25216,7 @@
           <a:lstStyle/>
           <a:p>
             <a:r>
-              <a:rPr lang="fr-FR" sz="3200" dirty="0"/>
+              <a:rPr lang="fr-FR" sz="3200"/>
               <a:t>Performances</a:t>
             </a:r>
           </a:p>
@@ -25250,28 +25250,28 @@
           <a:p>
             <a:pPr marL="305435" indent="-305435"/>
             <a:r>
-              <a:rPr lang="fr-FR" dirty="0"/>
+              <a:rPr lang="fr-FR"/>
               <a:t>Tests sur différentes tailles de nuages</a:t>
             </a:r>
           </a:p>
           <a:p>
             <a:pPr marL="305435" indent="-305435"/>
             <a:r>
-              <a:rPr lang="fr-FR" dirty="0"/>
+              <a:rPr lang="fr-FR"/>
               <a:t>On le répète 10 000 fois</a:t>
             </a:r>
           </a:p>
           <a:p>
             <a:pPr marL="305435" indent="-305435"/>
             <a:r>
-              <a:rPr lang="fr-FR" dirty="0"/>
+              <a:rPr lang="fr-FR"/>
               <a:t>Moyenne en temps et itérations précises</a:t>
             </a:r>
           </a:p>
           <a:p>
             <a:pPr marL="305435" indent="-305435"/>
             <a:r>
-              <a:rPr lang="fr-FR" dirty="0"/>
+              <a:rPr lang="fr-FR"/>
               <a:t>Mesure de la complexité algorithmique </a:t>
             </a:r>
           </a:p>
@@ -25431,17 +25431,17 @@
           <a:lstStyle/>
           <a:p>
             <a:r>
-              <a:rPr lang="fr-FR" dirty="0"/>
+              <a:rPr lang="fr-FR"/>
               <a:t>Bibliothèque </a:t>
             </a:r>
             <a:r>
-              <a:rPr lang="fr-FR" sz="1600" dirty="0" err="1">
+              <a:rPr lang="fr-FR" sz="1600" err="1">
                 <a:latin typeface="Courier New" panose="02070309020205020404" pitchFamily="49" charset="0"/>
                 <a:cs typeface="Courier New" panose="02070309020205020404" pitchFamily="49" charset="0"/>
               </a:rPr>
               <a:t>openpyxl</a:t>
             </a:r>
-            <a:endParaRPr lang="fr-FR" sz="1600" dirty="0">
+            <a:endParaRPr lang="fr-FR" sz="1600">
               <a:latin typeface="Courier New" panose="02070309020205020404" pitchFamily="49" charset="0"/>
               <a:cs typeface="Courier New" panose="02070309020205020404" pitchFamily="49" charset="0"/>
             </a:endParaRPr>
@@ -25477,7 +25477,7 @@
           <a:lstStyle/>
           <a:p>
             <a:r>
-              <a:rPr lang="fr-FR" dirty="0">
+              <a:rPr lang="fr-FR">
                 <a:latin typeface="Courier New" panose="02070309020205020404" pitchFamily="49" charset="0"/>
                 <a:cs typeface="Courier New" panose="02070309020205020404" pitchFamily="49" charset="0"/>
               </a:rPr>
@@ -25629,7 +25629,7 @@
           <a:lstStyle/>
           <a:p>
             <a:r>
-              <a:rPr lang="fr-FR" sz="3200" dirty="0"/>
+              <a:rPr lang="fr-FR" sz="3200"/>
               <a:t>LIMITES DU PROGRAMME</a:t>
             </a:r>
           </a:p>
@@ -25664,13 +25664,13 @@
           <a:lstStyle/>
           <a:p>
             <a:r>
-              <a:rPr lang="fr-FR" sz="2400" dirty="0"/>
+              <a:rPr lang="fr-FR" sz="2400"/>
               <a:t>Non adapté au système 3D</a:t>
             </a:r>
           </a:p>
           <a:p>
             <a:r>
-              <a:rPr lang="fr-FR" sz="2400" dirty="0"/>
+              <a:rPr lang="fr-FR" sz="2400"/>
               <a:t>Erreur avec Jarvis</a:t>
             </a:r>
           </a:p>
@@ -25887,7 +25887,7 @@
           <a:lstStyle/>
           <a:p>
             <a:r>
-              <a:rPr lang="fr-FR" sz="3200" dirty="0">
+              <a:rPr lang="fr-FR" sz="3200">
                 <a:solidFill>
                   <a:srgbClr val="FFFEFF"/>
                 </a:solidFill>
@@ -26533,38 +26533,22 @@
           <a:lstStyle/>
           <a:p>
             <a:r>
-              <a:rPr lang="en-US" sz="6000" dirty="0">
+              <a:rPr lang="en-US" sz="6000">
                 <a:solidFill>
                   <a:srgbClr val="FFFFFF"/>
                 </a:solidFill>
               </a:rPr>
-              <a:t>Merci de  </a:t>
-            </a:r>
-            <a:r>
-              <a:rPr lang="en-US" sz="6000" dirty="0" err="1">
-                <a:solidFill>
-                  <a:srgbClr val="FFFFFF"/>
-                </a:solidFill>
-              </a:rPr>
-              <a:t>votre</a:t>
-            </a:r>
-            <a:r>
-              <a:rPr lang="en-US" sz="6000" dirty="0">
-                <a:solidFill>
-                  <a:srgbClr val="FFFFFF"/>
-                </a:solidFill>
-              </a:rPr>
-              <a:t> </a:t>
-            </a:r>
-            <a:r>
-              <a:rPr lang="en-US" sz="6000" dirty="0" err="1">
+              <a:t>Merci de  votre </a:t>
+            </a:r>
+            <a:r>
+              <a:rPr lang="en-US" sz="6000" err="1">
                 <a:solidFill>
                   <a:srgbClr val="FFFFFF"/>
                 </a:solidFill>
               </a:rPr>
               <a:t>écoute</a:t>
             </a:r>
-            <a:endParaRPr lang="en-US" sz="6000" dirty="0">
+            <a:endParaRPr lang="en-US" sz="6000">
               <a:solidFill>
                 <a:srgbClr val="FFFFFF"/>
               </a:solidFill>
@@ -26797,7 +26781,7 @@
           <a:lstStyle/>
           <a:p>
             <a:r>
-              <a:rPr lang="fr-FR" sz="3200" dirty="0"/>
+              <a:rPr lang="fr-FR" sz="3200"/>
               <a:t>Introduction</a:t>
             </a:r>
           </a:p>
@@ -26938,7 +26922,7 @@
               <a:buNone/>
             </a:pPr>
             <a:r>
-              <a:rPr lang="fr-FR" sz="2400" b="1" dirty="0"/>
+              <a:rPr lang="fr-FR" sz="2400" b="1"/>
               <a:t>Qu’est-ce qu’une enveloppe convexe ?</a:t>
             </a:r>
           </a:p>
@@ -26946,25 +26930,25 @@
             <a:pPr marL="0" indent="0">
               <a:buNone/>
             </a:pPr>
-            <a:endParaRPr lang="fr-FR" sz="2400" b="1" dirty="0"/>
+            <a:endParaRPr lang="fr-FR" sz="2400" b="1"/>
           </a:p>
           <a:p>
             <a:pPr marL="305435" indent="-305435"/>
             <a:r>
-              <a:rPr lang="fr-FR" sz="2400" dirty="0"/>
+              <a:rPr lang="fr-FR" sz="2400"/>
               <a:t>Plus petit ensemble convexe contenant un groupe d’objets</a:t>
             </a:r>
           </a:p>
           <a:p>
             <a:pPr marL="305435" indent="-305435"/>
             <a:r>
-              <a:rPr lang="fr-FR" sz="2400" dirty="0"/>
+              <a:rPr lang="fr-FR" sz="2400"/>
               <a:t>Peut être comparée à la région limitée par un élastique qui englobe tous les points qu'on relâche jusqu'à ce qu'il se contracte au maximum</a:t>
             </a:r>
           </a:p>
           <a:p>
             <a:pPr marL="305435" indent="-305435"/>
-            <a:endParaRPr lang="fr-FR" sz="2400" dirty="0"/>
+            <a:endParaRPr lang="fr-FR" sz="2400"/>
           </a:p>
         </p:txBody>
       </p:sp>
@@ -27081,7 +27065,7 @@
           <a:lstStyle/>
           <a:p>
             <a:r>
-              <a:rPr lang="fr-FR" sz="3200" dirty="0">
+              <a:rPr lang="fr-FR" sz="3200">
                 <a:solidFill>
                   <a:srgbClr val="FFFEFF"/>
                 </a:solidFill>
@@ -27511,7 +27495,7 @@
           <a:lstStyle/>
           <a:p>
             <a:r>
-              <a:rPr lang="en-US" sz="6000" dirty="0">
+              <a:rPr lang="en-US" sz="6000">
                 <a:solidFill>
                   <a:schemeClr val="tx2"/>
                 </a:solidFill>
@@ -27519,7 +27503,7 @@
               <a:t>Lecture et </a:t>
             </a:r>
             <a:r>
-              <a:rPr lang="fr-FR" sz="6000" dirty="0">
+              <a:rPr lang="fr-FR" sz="6000">
                 <a:solidFill>
                   <a:schemeClr val="tx2"/>
                 </a:solidFill>
@@ -27527,7 +27511,7 @@
               <a:t>écriture</a:t>
             </a:r>
             <a:r>
-              <a:rPr lang="en-US" sz="6000" dirty="0">
+              <a:rPr lang="en-US" sz="6000">
                 <a:solidFill>
                   <a:schemeClr val="tx2"/>
                 </a:solidFill>
@@ -27535,14 +27519,14 @@
               <a:t> des </a:t>
             </a:r>
             <a:r>
-              <a:rPr lang="en-US" sz="6000" dirty="0" err="1">
+              <a:rPr lang="en-US" sz="6000" err="1">
                 <a:solidFill>
                   <a:schemeClr val="tx2"/>
                 </a:solidFill>
               </a:rPr>
               <a:t>nuages</a:t>
             </a:r>
-            <a:endParaRPr lang="en-US" sz="6000" dirty="0">
+            <a:endParaRPr lang="en-US" sz="6000">
               <a:solidFill>
                 <a:schemeClr val="tx2"/>
               </a:solidFill>
@@ -27641,7 +27625,7 @@
               </a:spcAft>
             </a:pPr>
             <a:r>
-              <a:rPr lang="en-US" dirty="0">
+              <a:rPr lang="en-US">
                 <a:solidFill>
                   <a:schemeClr val="accent1">
                     <a:lumMod val="60000"/>
@@ -27798,7 +27782,7 @@
           <a:lstStyle/>
           <a:p>
             <a:r>
-              <a:rPr lang="fr-FR" sz="3200" dirty="0"/>
+              <a:rPr lang="fr-FR" sz="3200"/>
               <a:t>écriture</a:t>
             </a:r>
           </a:p>
@@ -27863,7 +27847,7 @@
           <a:lstStyle/>
           <a:p>
             <a:r>
-              <a:rPr lang="fr-FR" dirty="0"/>
+              <a:rPr lang="fr-FR"/>
               <a:t>Points avec des coordonnées aléatoires</a:t>
             </a:r>
           </a:p>
@@ -27898,7 +27882,7 @@
           <a:lstStyle/>
           <a:p>
             <a:r>
-              <a:rPr lang="fr-FR" dirty="0"/>
+              <a:rPr lang="fr-FR"/>
               <a:t>Création d’une liste de points</a:t>
             </a:r>
           </a:p>
@@ -27933,7 +27917,7 @@
           <a:lstStyle/>
           <a:p>
             <a:r>
-              <a:rPr lang="fr-FR" dirty="0"/>
+              <a:rPr lang="fr-FR"/>
               <a:t>Écriture dans un fichier texte</a:t>
             </a:r>
           </a:p>
@@ -28054,17 +28038,17 @@
           <a:lstStyle/>
           <a:p>
             <a:r>
-              <a:rPr lang="fr-FR" dirty="0"/>
+              <a:rPr lang="fr-FR"/>
               <a:t>Bibliothèque </a:t>
             </a:r>
             <a:r>
-              <a:rPr lang="fr-FR" sz="1600" dirty="0" err="1">
+              <a:rPr lang="fr-FR" sz="1600" err="1">
                 <a:latin typeface="Courier New" panose="02070309020205020404" pitchFamily="49" charset="0"/>
                 <a:cs typeface="Courier New" panose="02070309020205020404" pitchFamily="49" charset="0"/>
               </a:rPr>
               <a:t>json</a:t>
             </a:r>
-            <a:endParaRPr lang="fr-FR" sz="1600" dirty="0">
+            <a:endParaRPr lang="fr-FR" sz="1600">
               <a:latin typeface="Courier New" panose="02070309020205020404" pitchFamily="49" charset="0"/>
               <a:cs typeface="Courier New" panose="02070309020205020404" pitchFamily="49" charset="0"/>
             </a:endParaRPr>
@@ -28143,7 +28127,7 @@
           <a:lstStyle/>
           <a:p>
             <a:r>
-              <a:rPr lang="fr-FR" sz="1600" dirty="0">
+              <a:rPr lang="fr-FR" sz="1600">
                 <a:latin typeface="Courier New" panose="02070309020205020404" pitchFamily="49" charset="0"/>
                 <a:cs typeface="Courier New" panose="02070309020205020404" pitchFamily="49" charset="0"/>
               </a:rPr>
@@ -28259,7 +28243,7 @@
           <a:lstStyle/>
           <a:p>
             <a:r>
-              <a:rPr lang="fr-FR" dirty="0"/>
+              <a:rPr lang="fr-FR"/>
               <a:t>Ajout des dimensions du Canvas</a:t>
             </a:r>
           </a:p>
@@ -28336,7 +28320,7 @@
           <a:lstStyle/>
           <a:p>
             <a:r>
-              <a:rPr lang="fr-FR" sz="1600" dirty="0">
+              <a:rPr lang="fr-FR" sz="1600">
                 <a:latin typeface="Courier New" panose="02070309020205020404" pitchFamily="49" charset="0"/>
                 <a:cs typeface="Courier New" panose="02070309020205020404" pitchFamily="49" charset="0"/>
               </a:rPr>
@@ -28417,17 +28401,17 @@
           <a:lstStyle/>
           <a:p>
             <a:r>
-              <a:rPr lang="fr-FR" dirty="0"/>
+              <a:rPr lang="fr-FR"/>
               <a:t>Bibliothèque </a:t>
             </a:r>
             <a:r>
-              <a:rPr lang="fr-FR" sz="1600" dirty="0" err="1">
+              <a:rPr lang="fr-FR" sz="1600" err="1">
                 <a:latin typeface="Courier New" panose="02070309020205020404" pitchFamily="49" charset="0"/>
                 <a:cs typeface="Courier New" panose="02070309020205020404" pitchFamily="49" charset="0"/>
               </a:rPr>
               <a:t>random</a:t>
             </a:r>
-            <a:endParaRPr lang="fr-FR" sz="1600" dirty="0">
+            <a:endParaRPr lang="fr-FR" sz="1600">
               <a:latin typeface="Courier New" panose="02070309020205020404" pitchFamily="49" charset="0"/>
               <a:cs typeface="Courier New" panose="02070309020205020404" pitchFamily="49" charset="0"/>
             </a:endParaRPr>
@@ -28536,7 +28520,7 @@
           <a:lstStyle/>
           <a:p>
             <a:r>
-              <a:rPr lang="fr-FR" sz="1400" dirty="0"/>
+              <a:rPr lang="fr-FR" sz="1400"/>
               <a:t>Représentation du nuage de points</a:t>
             </a:r>
           </a:p>
@@ -28594,10 +28578,10 @@
           <a:lstStyle/>
           <a:p>
             <a:r>
-              <a:rPr lang="fr-FR" sz="3200" dirty="0"/>
+              <a:rPr lang="fr-FR" sz="3200"/>
               <a:t>Lecture</a:t>
             </a:r>
-            <a:endParaRPr lang="fr-FR" dirty="0"/>
+            <a:endParaRPr lang="fr-FR"/>
           </a:p>
         </p:txBody>
       </p:sp>
@@ -28695,7 +28679,7 @@
           <a:lstStyle/>
           <a:p>
             <a:r>
-              <a:rPr lang="fr-FR" dirty="0"/>
+              <a:rPr lang="fr-FR"/>
               <a:t>Récupération des informations</a:t>
             </a:r>
           </a:p>
@@ -28730,7 +28714,7 @@
           <a:lstStyle/>
           <a:p>
             <a:r>
-              <a:rPr lang="fr-FR" dirty="0"/>
+              <a:rPr lang="fr-FR"/>
               <a:t>Liste des points du nuage</a:t>
             </a:r>
           </a:p>
@@ -28765,7 +28749,7 @@
           <a:lstStyle/>
           <a:p>
             <a:r>
-              <a:rPr lang="fr-FR" sz="1600" dirty="0">
+              <a:rPr lang="fr-FR" sz="1600">
                 <a:latin typeface="Courier New" panose="02070309020205020404" pitchFamily="49" charset="0"/>
                 <a:cs typeface="Courier New" panose="02070309020205020404" pitchFamily="49" charset="0"/>
               </a:rPr>
@@ -28846,17 +28830,17 @@
           <a:lstStyle/>
           <a:p>
             <a:r>
-              <a:rPr lang="fr-FR" dirty="0"/>
+              <a:rPr lang="fr-FR"/>
               <a:t>Bibliothèque </a:t>
             </a:r>
             <a:r>
-              <a:rPr lang="fr-FR" sz="1600" dirty="0" err="1">
+              <a:rPr lang="fr-FR" sz="1600" err="1">
                 <a:latin typeface="Courier New" panose="02070309020205020404" pitchFamily="49" charset="0"/>
                 <a:cs typeface="Courier New" panose="02070309020205020404" pitchFamily="49" charset="0"/>
               </a:rPr>
               <a:t>json</a:t>
             </a:r>
-            <a:endParaRPr lang="fr-FR" sz="1600" dirty="0">
+            <a:endParaRPr lang="fr-FR" sz="1600">
               <a:latin typeface="Courier New" panose="02070309020205020404" pitchFamily="49" charset="0"/>
               <a:cs typeface="Courier New" panose="02070309020205020404" pitchFamily="49" charset="0"/>
             </a:endParaRPr>
@@ -28935,7 +28919,7 @@
           <a:lstStyle/>
           <a:p>
             <a:r>
-              <a:rPr lang="fr-FR" dirty="0"/>
+              <a:rPr lang="fr-FR"/>
               <a:t>Dimension du Canvas</a:t>
             </a:r>
           </a:p>
@@ -29130,7 +29114,7 @@
           <a:lstStyle/>
           <a:p>
             <a:r>
-              <a:rPr lang="fr-FR" dirty="0"/>
+              <a:rPr lang="fr-FR"/>
               <a:t>Redimensionne le Canvas</a:t>
             </a:r>
           </a:p>
@@ -29206,35 +29190,35 @@
           <a:lstStyle/>
           <a:p>
             <a:r>
-              <a:rPr lang="fr-FR" dirty="0">
+              <a:rPr lang="fr-FR">
                 <a:latin typeface="Courier New" panose="02070309020205020404" pitchFamily="49" charset="0"/>
                 <a:cs typeface="Courier New" panose="02070309020205020404" pitchFamily="49" charset="0"/>
               </a:rPr>
               <a:t>cloud = [[</a:t>
             </a:r>
             <a:r>
-              <a:rPr lang="fr-FR" dirty="0" err="1">
+              <a:rPr lang="fr-FR" err="1">
                 <a:latin typeface="Courier New" panose="02070309020205020404" pitchFamily="49" charset="0"/>
                 <a:cs typeface="Courier New" panose="02070309020205020404" pitchFamily="49" charset="0"/>
               </a:rPr>
               <a:t>x1</a:t>
             </a:r>
             <a:r>
-              <a:rPr lang="fr-FR" dirty="0">
+              <a:rPr lang="fr-FR">
                 <a:latin typeface="Courier New" panose="02070309020205020404" pitchFamily="49" charset="0"/>
                 <a:cs typeface="Courier New" panose="02070309020205020404" pitchFamily="49" charset="0"/>
               </a:rPr>
               <a:t>, </a:t>
             </a:r>
             <a:r>
-              <a:rPr lang="fr-FR" dirty="0" err="1">
+              <a:rPr lang="fr-FR" err="1">
                 <a:latin typeface="Courier New" panose="02070309020205020404" pitchFamily="49" charset="0"/>
                 <a:cs typeface="Courier New" panose="02070309020205020404" pitchFamily="49" charset="0"/>
               </a:rPr>
               <a:t>y1</a:t>
             </a:r>
             <a:r>
-              <a:rPr lang="fr-FR" dirty="0">
+              <a:rPr lang="fr-FR">
                 <a:latin typeface="Courier New" panose="02070309020205020404" pitchFamily="49" charset="0"/>
                 <a:cs typeface="Courier New" panose="02070309020205020404" pitchFamily="49" charset="0"/>
               </a:rPr>
@@ -29629,7 +29613,7 @@
           <a:lstStyle/>
           <a:p>
             <a:r>
-              <a:rPr lang="en-US" sz="6000" dirty="0" err="1">
+              <a:rPr lang="en-US" sz="6000" err="1">
                 <a:solidFill>
                   <a:schemeClr val="tx2"/>
                 </a:solidFill>
@@ -29637,7 +29621,7 @@
               <a:t>Méthode</a:t>
             </a:r>
             <a:r>
-              <a:rPr lang="en-US" sz="6000" dirty="0">
+              <a:rPr lang="en-US" sz="6000">
                 <a:solidFill>
                   <a:schemeClr val="tx2"/>
                 </a:solidFill>
@@ -29723,7 +29707,7 @@
           <a:lstStyle/>
           <a:p>
             <a:r>
-              <a:rPr lang="en-US" dirty="0"/>
+              <a:rPr lang="en-US"/>
               <a:t>Anaïs Gallerand ; Edouard Gautier ; Antoine Orvain</a:t>
             </a:r>
           </a:p>
@@ -29826,7 +29810,7 @@
           <a:lstStyle/>
           <a:p>
             <a:r>
-              <a:rPr lang="fr-FR" sz="3200" dirty="0"/>
+              <a:rPr lang="fr-FR" sz="3200"/>
               <a:t>Ronald Lewis Graham</a:t>
             </a:r>
           </a:p>
@@ -29972,28 +29956,28 @@
           <a:p>
             <a:pPr marL="305435" indent="-305435"/>
             <a:r>
-              <a:rPr lang="fr-FR" sz="2400" dirty="0"/>
+              <a:rPr lang="fr-FR" sz="2400"/>
               <a:t>Mathématicien</a:t>
             </a:r>
           </a:p>
           <a:p>
             <a:pPr marL="305435" indent="-305435"/>
             <a:r>
-              <a:rPr lang="fr-FR" sz="2400" dirty="0"/>
+              <a:rPr lang="fr-FR" sz="2400"/>
               <a:t>Né le 31 octobre 1935 en Californie</a:t>
             </a:r>
           </a:p>
           <a:p>
             <a:pPr marL="305435" indent="-305435"/>
             <a:r>
-              <a:rPr lang="fr-FR" sz="2400" dirty="0"/>
+              <a:rPr lang="fr-FR" sz="2400"/>
               <a:t>« Un des principaux architectes du développement rapide des mathématiques discrètes ces dernières années à l'échelle mondiale »</a:t>
             </a:r>
           </a:p>
           <a:p>
             <a:pPr marL="305435" indent="-305435"/>
             <a:r>
-              <a:rPr lang="fr-FR" sz="2400" dirty="0"/>
+              <a:rPr lang="fr-FR" sz="2400"/>
               <a:t>Inventeur de la méthode de Graham pour résoudre le problème de l'enveloppe convexe</a:t>
             </a:r>
           </a:p>
@@ -31000,18 +30984,18 @@
 </file>
 
 <file path=customXml/item1.xml><?xml version="1.0" encoding="utf-8"?>
+<p:properties xmlns:p="http://schemas.microsoft.com/office/2006/metadata/properties" xmlns:xsi="http://www.w3.org/2001/XMLSchema-instance" xmlns:pc="http://schemas.microsoft.com/office/infopath/2007/PartnerControls">
+  <documentManagement/>
+</p:properties>
+</file>
+
+<file path=customXml/item2.xml><?xml version="1.0" encoding="utf-8"?>
 <?mso-contentType ?>
 <FormTemplates xmlns="http://schemas.microsoft.com/sharepoint/v3/contenttype/forms">
   <Display>DocumentLibraryForm</Display>
   <Edit>DocumentLibraryForm</Edit>
   <New>DocumentLibraryForm</New>
 </FormTemplates>
-</file>
-
-<file path=customXml/item2.xml><?xml version="1.0" encoding="utf-8"?>
-<p:properties xmlns:p="http://schemas.microsoft.com/office/2006/metadata/properties" xmlns:xsi="http://www.w3.org/2001/XMLSchema-instance" xmlns:pc="http://schemas.microsoft.com/office/infopath/2007/PartnerControls">
-  <documentManagement/>
-</p:properties>
 </file>
 
 <file path=customXml/item3.xml><?xml version="1.0" encoding="utf-8"?>
@@ -31238,6 +31222,15 @@
 </file>
 
 <file path=customXml/itemProps1.xml><?xml version="1.0" encoding="utf-8"?>
+<ds:datastoreItem xmlns:ds="http://schemas.openxmlformats.org/officeDocument/2006/customXml" ds:itemID="{4916EBF2-85BF-48B7-811B-14F5FC5E3D43}">
+  <ds:schemaRefs>
+    <ds:schemaRef ds:uri="http://schemas.microsoft.com/office/2006/metadata/properties"/>
+    <ds:schemaRef ds:uri="http://schemas.microsoft.com/office/infopath/2007/PartnerControls"/>
+  </ds:schemaRefs>
+</ds:datastoreItem>
+</file>
+
+<file path=customXml/itemProps2.xml><?xml version="1.0" encoding="utf-8"?>
 <ds:datastoreItem xmlns:ds="http://schemas.openxmlformats.org/officeDocument/2006/customXml" ds:itemID="{25FEBF7E-E609-4AAE-97E6-7B4585FCE32C}">
   <ds:schemaRefs>
     <ds:schemaRef ds:uri="http://schemas.microsoft.com/sharepoint/v3/contenttype/forms"/>
@@ -31245,38 +31238,21 @@
 </ds:datastoreItem>
 </file>
 
-<file path=customXml/itemProps2.xml><?xml version="1.0" encoding="utf-8"?>
-<ds:datastoreItem xmlns:ds="http://schemas.openxmlformats.org/officeDocument/2006/customXml" ds:itemID="{4916EBF2-85BF-48B7-811B-14F5FC5E3D43}">
-  <ds:schemaRefs>
-    <ds:schemaRef ds:uri="http://purl.org/dc/terms/"/>
-    <ds:schemaRef ds:uri="http://schemas.microsoft.com/office/2006/documentManagement/types"/>
-    <ds:schemaRef ds:uri="728b956b-bcb0-4c80-af13-b2d0ad2fbfe6"/>
-    <ds:schemaRef ds:uri="http://schemas.microsoft.com/office/2006/metadata/properties"/>
-    <ds:schemaRef ds:uri="http://purl.org/dc/elements/1.1/"/>
-    <ds:schemaRef ds:uri="http://purl.org/dc/dcmitype/"/>
-    <ds:schemaRef ds:uri="http://schemas.microsoft.com/office/infopath/2007/PartnerControls"/>
-    <ds:schemaRef ds:uri="http://schemas.openxmlformats.org/package/2006/metadata/core-properties"/>
-    <ds:schemaRef ds:uri="9ef4d5d9-443a-456c-921d-c0052e2b4a74"/>
-    <ds:schemaRef ds:uri="http://www.w3.org/XML/1998/namespace"/>
-  </ds:schemaRefs>
-</ds:datastoreItem>
-</file>
-
 <file path=customXml/itemProps3.xml><?xml version="1.0" encoding="utf-8"?>
 <ds:datastoreItem xmlns:ds="http://schemas.openxmlformats.org/officeDocument/2006/customXml" ds:itemID="{580CD12F-20E4-4A19-B95C-7AFA460AC2B8}">
   <ds:schemaRefs>
-    <ds:schemaRef ds:uri="http://schemas.microsoft.com/office/2006/metadata/contentType"/>
-    <ds:schemaRef ds:uri="http://schemas.microsoft.com/office/2006/metadata/properties/metaAttributes"/>
-    <ds:schemaRef ds:uri="http://www.w3.org/2001/XMLSchema"/>
-    <ds:schemaRef ds:uri="http://schemas.microsoft.com/office/2006/metadata/properties"/>
+    <ds:schemaRef ds:uri="728b956b-bcb0-4c80-af13-b2d0ad2fbfe6"/>
     <ds:schemaRef ds:uri="9ef4d5d9-443a-456c-921d-c0052e2b4a74"/>
-    <ds:schemaRef ds:uri="728b956b-bcb0-4c80-af13-b2d0ad2fbfe6"/>
-    <ds:schemaRef ds:uri="http://schemas.microsoft.com/office/2006/documentManagement/types"/>
-    <ds:schemaRef ds:uri="http://schemas.microsoft.com/office/infopath/2007/PartnerControls"/>
-    <ds:schemaRef ds:uri="http://schemas.openxmlformats.org/package/2006/metadata/core-properties"/>
     <ds:schemaRef ds:uri="http://purl.org/dc/elements/1.1/"/>
     <ds:schemaRef ds:uri="http://purl.org/dc/terms/"/>
     <ds:schemaRef ds:uri="http://schemas.microsoft.com/internal/obd"/>
+    <ds:schemaRef ds:uri="http://schemas.microsoft.com/office/2006/documentManagement/types"/>
+    <ds:schemaRef ds:uri="http://schemas.microsoft.com/office/2006/metadata/contentType"/>
+    <ds:schemaRef ds:uri="http://schemas.microsoft.com/office/2006/metadata/properties"/>
+    <ds:schemaRef ds:uri="http://schemas.microsoft.com/office/2006/metadata/properties/metaAttributes"/>
+    <ds:schemaRef ds:uri="http://schemas.microsoft.com/office/infopath/2007/PartnerControls"/>
+    <ds:schemaRef ds:uri="http://schemas.openxmlformats.org/package/2006/metadata/core-properties"/>
+    <ds:schemaRef ds:uri="http://www.w3.org/2001/XMLSchema"/>
   </ds:schemaRefs>
 </ds:datastoreItem>
 </file>
--- a/Présentation 1.pptx
+++ b/Présentation 1.pptx
@@ -209,7 +209,7 @@
 <file path=ppt/revisionInfo.xml><?xml version="1.0" encoding="utf-8"?>
 <p1510:revInfo xmlns:a="http://schemas.openxmlformats.org/drawingml/2006/main" xmlns:r="http://schemas.openxmlformats.org/officeDocument/2006/relationships" xmlns:p1510="http://schemas.microsoft.com/office/powerpoint/2015/10/main">
   <p1510:revLst>
-    <p1510:client id="{24C4D8FE-2D5F-474A-A547-9EDDF165BA0E}" v="1649" dt="2020-06-01T15:02:11.402"/>
+    <p1510:client id="{24C4D8FE-2D5F-474A-A547-9EDDF165BA0E}" v="1659" dt="2020-06-02T10:22:00.159"/>
     <p1510:client id="{30AB5BCD-B0DD-6427-EEDC-C863E51DC6AA}" v="9" dt="2020-06-01T14:38:13.205"/>
   </p1510:revLst>
 </p1510:revInfo>
@@ -220,7 +220,7 @@
   <pc:docChgLst>
     <pc:chgData name="GAUTIER Edouard" userId="ebb82edb-7407-4d15-83b7-25e3e52afcdf" providerId="ADAL" clId="{24C4D8FE-2D5F-474A-A547-9EDDF165BA0E}"/>
     <pc:docChg chg="undo redo custSel mod addSld delSld modSld sldOrd addSection delSection modSection">
-      <pc:chgData name="GAUTIER Edouard" userId="ebb82edb-7407-4d15-83b7-25e3e52afcdf" providerId="ADAL" clId="{24C4D8FE-2D5F-474A-A547-9EDDF165BA0E}" dt="2020-06-01T15:02:11.402" v="3735" actId="20577"/>
+      <pc:chgData name="GAUTIER Edouard" userId="ebb82edb-7407-4d15-83b7-25e3e52afcdf" providerId="ADAL" clId="{24C4D8FE-2D5F-474A-A547-9EDDF165BA0E}" dt="2020-06-02T10:22:00.159" v="3745" actId="20577"/>
       <pc:docMkLst>
         <pc:docMk/>
       </pc:docMkLst>
@@ -1737,7 +1737,7 @@
         </pc:picChg>
       </pc:sldChg>
       <pc:sldChg chg="addSp delSp modSp mod">
-        <pc:chgData name="GAUTIER Edouard" userId="ebb82edb-7407-4d15-83b7-25e3e52afcdf" providerId="ADAL" clId="{24C4D8FE-2D5F-474A-A547-9EDDF165BA0E}" dt="2020-05-31T14:08:57.089" v="2949" actId="207"/>
+        <pc:chgData name="GAUTIER Edouard" userId="ebb82edb-7407-4d15-83b7-25e3e52afcdf" providerId="ADAL" clId="{24C4D8FE-2D5F-474A-A547-9EDDF165BA0E}" dt="2020-06-02T10:21:41.062" v="3741" actId="20577"/>
         <pc:sldMkLst>
           <pc:docMk/>
           <pc:sldMk cId="313590426" sldId="270"/>
@@ -1774,6 +1774,14 @@
             <ac:spMk id="4" creationId="{CF67C6C0-0AC7-42A0-B756-C2DAE508E763}"/>
           </ac:spMkLst>
         </pc:spChg>
+        <pc:spChg chg="mod">
+          <ac:chgData name="GAUTIER Edouard" userId="ebb82edb-7407-4d15-83b7-25e3e52afcdf" providerId="ADAL" clId="{24C4D8FE-2D5F-474A-A547-9EDDF165BA0E}" dt="2020-06-02T10:21:41.062" v="3741" actId="20577"/>
+          <ac:spMkLst>
+            <pc:docMk/>
+            <pc:sldMk cId="313590426" sldId="270"/>
+            <ac:spMk id="8" creationId="{3E9CBF1E-CEDC-49DD-AA3C-0EDC6196449E}"/>
+          </ac:spMkLst>
+        </pc:spChg>
         <pc:picChg chg="mod">
           <ac:chgData name="GAUTIER Edouard" userId="ebb82edb-7407-4d15-83b7-25e3e52afcdf" providerId="ADAL" clId="{24C4D8FE-2D5F-474A-A547-9EDDF165BA0E}" dt="2020-05-31T13:18:52.588" v="2880" actId="14826"/>
           <ac:picMkLst>
@@ -1790,6 +1798,14 @@
             <ac:picMk id="14" creationId="{2C22556C-D714-4C6A-931C-825ECAE4D641}"/>
           </ac:picMkLst>
         </pc:picChg>
+        <pc:cxnChg chg="mod">
+          <ac:chgData name="GAUTIER Edouard" userId="ebb82edb-7407-4d15-83b7-25e3e52afcdf" providerId="ADAL" clId="{24C4D8FE-2D5F-474A-A547-9EDDF165BA0E}" dt="2020-06-02T10:21:40.784" v="3737" actId="20577"/>
+          <ac:cxnSpMkLst>
+            <pc:docMk/>
+            <pc:sldMk cId="313590426" sldId="270"/>
+            <ac:cxnSpMk id="45" creationId="{CBC79EBB-95A5-4854-9825-DFA261264D0D}"/>
+          </ac:cxnSpMkLst>
+        </pc:cxnChg>
       </pc:sldChg>
       <pc:sldChg chg="addSp delSp modSp mod">
         <pc:chgData name="GAUTIER Edouard" userId="ebb82edb-7407-4d15-83b7-25e3e52afcdf" providerId="ADAL" clId="{24C4D8FE-2D5F-474A-A547-9EDDF165BA0E}" dt="2020-05-31T14:08:48.139" v="2947" actId="207"/>
@@ -2028,7 +2044,7 @@
         </pc:picChg>
       </pc:sldChg>
       <pc:sldChg chg="addSp delSp modSp mod">
-        <pc:chgData name="GAUTIER Edouard" userId="ebb82edb-7407-4d15-83b7-25e3e52afcdf" providerId="ADAL" clId="{24C4D8FE-2D5F-474A-A547-9EDDF165BA0E}" dt="2020-05-31T14:57:09.908" v="3313" actId="14826"/>
+        <pc:chgData name="GAUTIER Edouard" userId="ebb82edb-7407-4d15-83b7-25e3e52afcdf" providerId="ADAL" clId="{24C4D8FE-2D5F-474A-A547-9EDDF165BA0E}" dt="2020-06-02T10:22:00.159" v="3745" actId="20577"/>
         <pc:sldMkLst>
           <pc:docMk/>
           <pc:sldMk cId="1050353512" sldId="277"/>
@@ -2066,7 +2082,7 @@
           </ac:spMkLst>
         </pc:spChg>
         <pc:spChg chg="mod">
-          <ac:chgData name="GAUTIER Edouard" userId="ebb82edb-7407-4d15-83b7-25e3e52afcdf" providerId="ADAL" clId="{24C4D8FE-2D5F-474A-A547-9EDDF165BA0E}" dt="2020-05-29T13:40:46.152" v="2358" actId="403"/>
+          <ac:chgData name="GAUTIER Edouard" userId="ebb82edb-7407-4d15-83b7-25e3e52afcdf" providerId="ADAL" clId="{24C4D8FE-2D5F-474A-A547-9EDDF165BA0E}" dt="2020-06-02T10:22:00.159" v="3745" actId="20577"/>
           <ac:spMkLst>
             <pc:docMk/>
             <pc:sldMk cId="1050353512" sldId="277"/>
@@ -12251,7 +12267,7 @@
           <a:p>
             <a:fld id="{523C892A-4D9A-48E7-BF0E-27F190E2C573}" type="datetime1">
               <a:rPr lang="fr-FR" smtClean="0"/>
-              <a:t>01/06/2020</a:t>
+              <a:t>02/06/2020</a:t>
             </a:fld>
             <a:endParaRPr lang="fr-FR"/>
           </a:p>
@@ -12429,7 +12445,7 @@
           <a:p>
             <a:fld id="{447CB2A0-A738-4C14-B8EC-F9FB73BF0EDD}" type="datetime1">
               <a:rPr lang="fr-FR" smtClean="0"/>
-              <a:t>01/06/2020</a:t>
+              <a:t>02/06/2020</a:t>
             </a:fld>
             <a:endParaRPr lang="fr-FR"/>
           </a:p>
@@ -12778,7 +12794,7 @@
           <a:p>
             <a:fld id="{447CB2A0-A738-4C14-B8EC-F9FB73BF0EDD}" type="datetime1">
               <a:rPr lang="fr-FR" smtClean="0"/>
-              <a:t>01/06/2020</a:t>
+              <a:t>02/06/2020</a:t>
             </a:fld>
             <a:endParaRPr lang="fr-FR"/>
           </a:p>
@@ -12888,7 +12904,7 @@
           <a:p>
             <a:fld id="{4CA4EC99-AA72-4CD0-977F-866342F4A066}" type="datetime1">
               <a:rPr lang="fr-FR" smtClean="0"/>
-              <a:t>01/06/2020</a:t>
+              <a:t>02/06/2020</a:t>
             </a:fld>
             <a:endParaRPr lang="fr-FR"/>
           </a:p>
@@ -13013,7 +13029,7 @@
           <a:p>
             <a:fld id="{447CB2A0-A738-4C14-B8EC-F9FB73BF0EDD}" type="datetime1">
               <a:rPr lang="fr-FR" smtClean="0"/>
-              <a:t>01/06/2020</a:t>
+              <a:t>02/06/2020</a:t>
             </a:fld>
             <a:endParaRPr lang="fr-FR"/>
           </a:p>
@@ -13131,7 +13147,7 @@
           <a:p>
             <a:fld id="{27A7FF27-EECE-4A9F-BE8C-E8A977D6DADF}" type="datetime1">
               <a:rPr lang="fr-FR" smtClean="0"/>
-              <a:t>01/06/2020</a:t>
+              <a:t>02/06/2020</a:t>
             </a:fld>
             <a:endParaRPr lang="fr-FR"/>
           </a:p>
@@ -13267,7 +13283,7 @@
           <a:p>
             <a:fld id="{BE042F90-F375-44EF-BC27-BCEDF898FE93}" type="datetime1">
               <a:rPr lang="fr-FR" smtClean="0"/>
-              <a:t>01/06/2020</a:t>
+              <a:t>02/06/2020</a:t>
             </a:fld>
             <a:endParaRPr lang="fr-FR"/>
           </a:p>
@@ -13397,7 +13413,7 @@
           <a:p>
             <a:fld id="{5F8E5793-2FA5-40D2-9DC3-62BCAEB2A221}" type="datetime1">
               <a:rPr lang="fr-FR" smtClean="0"/>
-              <a:t>01/06/2020</a:t>
+              <a:t>02/06/2020</a:t>
             </a:fld>
             <a:endParaRPr lang="fr-FR"/>
           </a:p>
@@ -13530,7 +13546,7 @@
           <a:p>
             <a:fld id="{A8484406-421C-49CC-B8DB-72744449C075}" type="datetime1">
               <a:rPr lang="fr-FR" smtClean="0"/>
-              <a:t>01/06/2020</a:t>
+              <a:t>02/06/2020</a:t>
             </a:fld>
             <a:endParaRPr lang="fr-FR"/>
           </a:p>
@@ -13653,7 +13669,7 @@
           <a:p>
             <a:fld id="{7C5C3D2A-1070-432D-B47F-FCE8F70B1433}" type="datetime1">
               <a:rPr lang="fr-FR" smtClean="0"/>
-              <a:t>01/06/2020</a:t>
+              <a:t>02/06/2020</a:t>
             </a:fld>
             <a:endParaRPr lang="fr-FR"/>
           </a:p>
@@ -13755,7 +13771,7 @@
           <a:p>
             <a:fld id="{447CB2A0-A738-4C14-B8EC-F9FB73BF0EDD}" type="datetime1">
               <a:rPr lang="fr-FR" smtClean="0"/>
-              <a:t>01/06/2020</a:t>
+              <a:t>02/06/2020</a:t>
             </a:fld>
             <a:endParaRPr lang="fr-FR"/>
           </a:p>
@@ -14042,7 +14058,7 @@
           <a:p>
             <a:fld id="{DA5D3EB8-6C48-4D25-B05F-4BC451C6C547}" type="datetime1">
               <a:rPr lang="fr-FR" smtClean="0"/>
-              <a:t>01/06/2020</a:t>
+              <a:t>02/06/2020</a:t>
             </a:fld>
             <a:endParaRPr lang="en-US"/>
           </a:p>
@@ -14303,7 +14319,7 @@
           <a:p>
             <a:fld id="{FD107687-799E-4B57-838A-65DABA1A419F}" type="datetime1">
               <a:rPr lang="fr-FR" smtClean="0"/>
-              <a:t>01/06/2020</a:t>
+              <a:t>02/06/2020</a:t>
             </a:fld>
             <a:endParaRPr lang="en-US"/>
           </a:p>
@@ -14537,7 +14553,7 @@
           <a:p>
             <a:fld id="{34A88134-DAD4-4409-A49D-D4356E281651}" type="datetime1">
               <a:rPr lang="fr-FR" smtClean="0"/>
-              <a:t>01/06/2020</a:t>
+              <a:t>02/06/2020</a:t>
             </a:fld>
             <a:endParaRPr lang="en-US"/>
           </a:p>
@@ -14776,7 +14792,7 @@
           <a:p>
             <a:fld id="{06C0CA56-DC9C-4E7F-9783-63DF819EFF2E}" type="datetime1">
               <a:rPr lang="fr-FR" smtClean="0"/>
-              <a:t>01/06/2020</a:t>
+              <a:t>02/06/2020</a:t>
             </a:fld>
             <a:endParaRPr lang="en-US"/>
           </a:p>
@@ -15082,7 +15098,7 @@
           <a:p>
             <a:fld id="{BB5B10AA-F6A6-4EE8-98FB-3796D9F140DE}" type="datetime1">
               <a:rPr lang="fr-FR" smtClean="0"/>
-              <a:t>01/06/2020</a:t>
+              <a:t>02/06/2020</a:t>
             </a:fld>
             <a:endParaRPr lang="en-US"/>
           </a:p>
@@ -15383,7 +15399,7 @@
           <a:p>
             <a:fld id="{EEC7DB40-12CD-43B8-8317-E8A99E39A9D5}" type="datetime1">
               <a:rPr lang="fr-FR" smtClean="0"/>
-              <a:t>01/06/2020</a:t>
+              <a:t>02/06/2020</a:t>
             </a:fld>
             <a:endParaRPr lang="en-US"/>
           </a:p>
@@ -15804,7 +15820,7 @@
           <a:p>
             <a:fld id="{299DDD94-25E4-427F-8B8D-84236D3B1A56}" type="datetime1">
               <a:rPr lang="fr-FR" smtClean="0"/>
-              <a:t>01/06/2020</a:t>
+              <a:t>02/06/2020</a:t>
             </a:fld>
             <a:endParaRPr lang="en-US"/>
           </a:p>
@@ -15898,7 +15914,7 @@
           <a:p>
             <a:fld id="{E55CB8F1-A686-4E6C-A610-A10C2558198A}" type="datetime1">
               <a:rPr lang="fr-FR" smtClean="0"/>
-              <a:t>01/06/2020</a:t>
+              <a:t>02/06/2020</a:t>
             </a:fld>
             <a:endParaRPr lang="en-US"/>
           </a:p>
@@ -16059,7 +16075,7 @@
           <a:p>
             <a:fld id="{1BEFD228-43C2-4723-ABD7-DAA91E962E0E}" type="datetime1">
               <a:rPr lang="fr-FR" smtClean="0"/>
-              <a:t>01/06/2020</a:t>
+              <a:t>02/06/2020</a:t>
             </a:fld>
             <a:endParaRPr lang="en-US"/>
           </a:p>
@@ -16436,7 +16452,7 @@
           <a:p>
             <a:fld id="{866D44F8-2101-4F00-944F-A3201D9D3CC5}" type="datetime1">
               <a:rPr lang="fr-FR" smtClean="0"/>
-              <a:t>01/06/2020</a:t>
+              <a:t>02/06/2020</a:t>
             </a:fld>
             <a:endParaRPr lang="en-US"/>
           </a:p>
@@ -16724,7 +16740,7 @@
           <a:p>
             <a:fld id="{12B7D130-156C-4092-91A0-2E1447EB6872}" type="datetime1">
               <a:rPr lang="fr-FR" smtClean="0"/>
-              <a:t>01/06/2020</a:t>
+              <a:t>02/06/2020</a:t>
             </a:fld>
             <a:endParaRPr lang="en-US"/>
           </a:p>
@@ -16934,7 +16950,7 @@
           <a:p>
             <a:fld id="{81BA643A-4643-4E47-833D-B1F194874E22}" type="datetime1">
               <a:rPr lang="fr-FR" smtClean="0"/>
-              <a:t>01/06/2020</a:t>
+              <a:t>02/06/2020</a:t>
             </a:fld>
             <a:endParaRPr lang="en-US"/>
           </a:p>
@@ -19360,7 +19376,7 @@
           <a:p>
             <a:r>
               <a:rPr lang="fr-FR"/>
-              <a:t>Le point le plus à gauche fait partie de l’enveloppe</a:t>
+              <a:t>Le point le plus à droite fait partie de l’enveloppe</a:t>
             </a:r>
           </a:p>
         </p:txBody>
@@ -22239,7 +22255,7 @@
             <a:pPr marL="305435" indent="-305435"/>
             <a:r>
               <a:rPr lang="fr-FR" sz="2400"/>
-              <a:t>Notions mathématiques abordées : méthode de la tangente, produit vectoriel</a:t>
+              <a:t>Notions mathématiques abordées : produit vectoriel</a:t>
             </a:r>
           </a:p>
         </p:txBody>

--- a/Présentation 1.pptx
+++ b/Présentation 1.pptx
@@ -206,17 +206,32 @@
 </p:presentation>
 </file>
 
-<file path=ppt/revisionInfo.xml><?xml version="1.0" encoding="utf-8"?>
-<p1510:revInfo xmlns:a="http://schemas.openxmlformats.org/drawingml/2006/main" xmlns:r="http://schemas.openxmlformats.org/officeDocument/2006/relationships" xmlns:p1510="http://schemas.microsoft.com/office/powerpoint/2015/10/main">
-  <p1510:revLst>
-    <p1510:client id="{24C4D8FE-2D5F-474A-A547-9EDDF165BA0E}" v="1659" dt="2020-06-02T10:22:00.159"/>
-    <p1510:client id="{30AB5BCD-B0DD-6427-EEDC-C863E51DC6AA}" v="9" dt="2020-06-01T14:38:13.205"/>
-  </p1510:revLst>
-</p1510:revInfo>
-</file>
-
 <file path=ppt/changesInfos/changesInfo1.xml><?xml version="1.0" encoding="utf-8"?>
 <pc:chgInfo xmlns:a="http://schemas.openxmlformats.org/drawingml/2006/main" xmlns:r="http://schemas.openxmlformats.org/officeDocument/2006/relationships" xmlns:ac="http://schemas.microsoft.com/office/drawing/2013/main/command" xmlns:pc="http://schemas.microsoft.com/office/powerpoint/2013/main/command">
+  <pc:docChgLst>
+    <pc:chgData name="GAUTIER Edouard" userId="ebb82edb-7407-4d15-83b7-25e3e52afcdf" providerId="ADAL" clId="{DC0BFB13-439D-460E-957C-4C0DDE7837BA}"/>
+    <pc:docChg chg="modSld">
+      <pc:chgData name="GAUTIER Edouard" userId="ebb82edb-7407-4d15-83b7-25e3e52afcdf" providerId="ADAL" clId="{DC0BFB13-439D-460E-957C-4C0DDE7837BA}" dt="2020-11-06T15:03:01.375" v="1" actId="20577"/>
+      <pc:docMkLst>
+        <pc:docMk/>
+      </pc:docMkLst>
+      <pc:sldChg chg="modSp mod">
+        <pc:chgData name="GAUTIER Edouard" userId="ebb82edb-7407-4d15-83b7-25e3e52afcdf" providerId="ADAL" clId="{DC0BFB13-439D-460E-957C-4C0DDE7837BA}" dt="2020-11-06T15:03:01.375" v="1" actId="20577"/>
+        <pc:sldMkLst>
+          <pc:docMk/>
+          <pc:sldMk cId="1369094749" sldId="256"/>
+        </pc:sldMkLst>
+        <pc:spChg chg="mod">
+          <ac:chgData name="GAUTIER Edouard" userId="ebb82edb-7407-4d15-83b7-25e3e52afcdf" providerId="ADAL" clId="{DC0BFB13-439D-460E-957C-4C0DDE7837BA}" dt="2020-11-06T15:03:01.375" v="1" actId="20577"/>
+          <ac:spMkLst>
+            <pc:docMk/>
+            <pc:sldMk cId="1369094749" sldId="256"/>
+            <ac:spMk id="2" creationId="{A3DB1B76-C9DB-4A07-9917-341339A4DC34}"/>
+          </ac:spMkLst>
+        </pc:spChg>
+      </pc:sldChg>
+    </pc:docChg>
+  </pc:docChgLst>
   <pc:docChgLst>
     <pc:chgData name="GAUTIER Edouard" userId="ebb82edb-7407-4d15-83b7-25e3e52afcdf" providerId="ADAL" clId="{24C4D8FE-2D5F-474A-A547-9EDDF165BA0E}"/>
     <pc:docChg chg="undo redo custSel mod addSld delSld modSld sldOrd addSection delSection modSection">
@@ -3459,6 +3474,45 @@
     </pc:docChg>
   </pc:docChgLst>
   <pc:docChgLst>
+    <pc:chgData name="ORVAIN Antoine" userId="S::antoine.orvain@reseau.eseo.fr::8ba3a5fe-783e-4476-b910-2e846db5ef4e" providerId="AD" clId="Web-{56903A6A-F336-4219-6BC3-B42D7B08D4C1}"/>
+    <pc:docChg chg="modSld">
+      <pc:chgData name="ORVAIN Antoine" userId="S::antoine.orvain@reseau.eseo.fr::8ba3a5fe-783e-4476-b910-2e846db5ef4e" providerId="AD" clId="Web-{56903A6A-F336-4219-6BC3-B42D7B08D4C1}" dt="2020-05-27T13:59:16.887" v="277" actId="1076"/>
+      <pc:docMkLst>
+        <pc:docMk/>
+      </pc:docMkLst>
+      <pc:sldChg chg="modSp">
+        <pc:chgData name="ORVAIN Antoine" userId="S::antoine.orvain@reseau.eseo.fr::8ba3a5fe-783e-4476-b910-2e846db5ef4e" providerId="AD" clId="Web-{56903A6A-F336-4219-6BC3-B42D7B08D4C1}" dt="2020-05-27T13:49:45.909" v="242" actId="20577"/>
+        <pc:sldMkLst>
+          <pc:docMk/>
+          <pc:sldMk cId="4275845374" sldId="259"/>
+        </pc:sldMkLst>
+        <pc:spChg chg="mod">
+          <ac:chgData name="ORVAIN Antoine" userId="S::antoine.orvain@reseau.eseo.fr::8ba3a5fe-783e-4476-b910-2e846db5ef4e" providerId="AD" clId="Web-{56903A6A-F336-4219-6BC3-B42D7B08D4C1}" dt="2020-05-27T13:49:45.909" v="242" actId="20577"/>
+          <ac:spMkLst>
+            <pc:docMk/>
+            <pc:sldMk cId="4275845374" sldId="259"/>
+            <ac:spMk id="3" creationId="{2C55FD10-7D75-4AAF-A6AA-756AF77CE327}"/>
+          </ac:spMkLst>
+        </pc:spChg>
+      </pc:sldChg>
+      <pc:sldChg chg="modSp">
+        <pc:chgData name="ORVAIN Antoine" userId="S::antoine.orvain@reseau.eseo.fr::8ba3a5fe-783e-4476-b910-2e846db5ef4e" providerId="AD" clId="Web-{56903A6A-F336-4219-6BC3-B42D7B08D4C1}" dt="2020-05-27T13:59:16.887" v="277" actId="1076"/>
+        <pc:sldMkLst>
+          <pc:docMk/>
+          <pc:sldMk cId="1705105624" sldId="260"/>
+        </pc:sldMkLst>
+        <pc:spChg chg="mod">
+          <ac:chgData name="ORVAIN Antoine" userId="S::antoine.orvain@reseau.eseo.fr::8ba3a5fe-783e-4476-b910-2e846db5ef4e" providerId="AD" clId="Web-{56903A6A-F336-4219-6BC3-B42D7B08D4C1}" dt="2020-05-27T13:59:16.887" v="277" actId="1076"/>
+          <ac:spMkLst>
+            <pc:docMk/>
+            <pc:sldMk cId="1705105624" sldId="260"/>
+            <ac:spMk id="3" creationId="{D3EAD95F-D89F-45E8-ADE2-3E454E61D480}"/>
+          </ac:spMkLst>
+        </pc:spChg>
+      </pc:sldChg>
+    </pc:docChg>
+  </pc:docChgLst>
+  <pc:docChgLst>
     <pc:chgData name="ORVAIN Antoine" userId="S::antoine.orvain@reseau.eseo.fr::8ba3a5fe-783e-4476-b910-2e846db5ef4e" providerId="AD" clId="Web-{71071A23-00DE-4DEE-F840-0B988AB79541}"/>
     <pc:docChg chg="modSld">
       <pc:chgData name="ORVAIN Antoine" userId="S::antoine.orvain@reseau.eseo.fr::8ba3a5fe-783e-4476-b910-2e846db5ef4e" providerId="AD" clId="Web-{71071A23-00DE-4DEE-F840-0B988AB79541}" dt="2020-05-28T08:43:49.920" v="3"/>
@@ -3499,39 +3553,39 @@
     </pc:docChg>
   </pc:docChgLst>
   <pc:docChgLst>
-    <pc:chgData name="ORVAIN Antoine" userId="S::antoine.orvain@reseau.eseo.fr::8ba3a5fe-783e-4476-b910-2e846db5ef4e" providerId="AD" clId="Web-{56903A6A-F336-4219-6BC3-B42D7B08D4C1}"/>
+    <pc:chgData name="ORVAIN Antoine" userId="S::antoine.orvain@reseau.eseo.fr::8ba3a5fe-783e-4476-b910-2e846db5ef4e" providerId="AD" clId="Web-{30AB5BCD-B0DD-6427-EEDC-C863E51DC6AA}"/>
     <pc:docChg chg="modSld">
-      <pc:chgData name="ORVAIN Antoine" userId="S::antoine.orvain@reseau.eseo.fr::8ba3a5fe-783e-4476-b910-2e846db5ef4e" providerId="AD" clId="Web-{56903A6A-F336-4219-6BC3-B42D7B08D4C1}" dt="2020-05-27T13:59:16.887" v="277" actId="1076"/>
+      <pc:chgData name="ORVAIN Antoine" userId="S::antoine.orvain@reseau.eseo.fr::8ba3a5fe-783e-4476-b910-2e846db5ef4e" providerId="AD" clId="Web-{30AB5BCD-B0DD-6427-EEDC-C863E51DC6AA}" dt="2020-06-01T15:03:03.802" v="60"/>
       <pc:docMkLst>
         <pc:docMk/>
       </pc:docMkLst>
-      <pc:sldChg chg="modSp">
-        <pc:chgData name="ORVAIN Antoine" userId="S::antoine.orvain@reseau.eseo.fr::8ba3a5fe-783e-4476-b910-2e846db5ef4e" providerId="AD" clId="Web-{56903A6A-F336-4219-6BC3-B42D7B08D4C1}" dt="2020-05-27T13:49:45.909" v="242" actId="20577"/>
+      <pc:sldChg chg="modSp modNotes">
+        <pc:chgData name="ORVAIN Antoine" userId="S::antoine.orvain@reseau.eseo.fr::8ba3a5fe-783e-4476-b910-2e846db5ef4e" providerId="AD" clId="Web-{30AB5BCD-B0DD-6427-EEDC-C863E51DC6AA}" dt="2020-06-01T15:03:03.802" v="60"/>
         <pc:sldMkLst>
           <pc:docMk/>
-          <pc:sldMk cId="4275845374" sldId="259"/>
+          <pc:sldMk cId="2457266096" sldId="258"/>
+        </pc:sldMkLst>
+        <pc:graphicFrameChg chg="modGraphic">
+          <ac:chgData name="ORVAIN Antoine" userId="S::antoine.orvain@reseau.eseo.fr::8ba3a5fe-783e-4476-b910-2e846db5ef4e" providerId="AD" clId="Web-{30AB5BCD-B0DD-6427-EEDC-C863E51DC6AA}" dt="2020-06-01T14:38:13.205" v="8" actId="20577"/>
+          <ac:graphicFrameMkLst>
+            <pc:docMk/>
+            <pc:sldMk cId="2457266096" sldId="258"/>
+            <ac:graphicFrameMk id="36" creationId="{1856A382-16CD-4798-8940-A04F16428429}"/>
+          </ac:graphicFrameMkLst>
+        </pc:graphicFrameChg>
+      </pc:sldChg>
+      <pc:sldChg chg="modSp">
+        <pc:chgData name="ORVAIN Antoine" userId="S::antoine.orvain@reseau.eseo.fr::8ba3a5fe-783e-4476-b910-2e846db5ef4e" providerId="AD" clId="Web-{30AB5BCD-B0DD-6427-EEDC-C863E51DC6AA}" dt="2020-06-01T14:31:26.970" v="6" actId="20577"/>
+        <pc:sldMkLst>
+          <pc:docMk/>
+          <pc:sldMk cId="3705281761" sldId="285"/>
         </pc:sldMkLst>
         <pc:spChg chg="mod">
-          <ac:chgData name="ORVAIN Antoine" userId="S::antoine.orvain@reseau.eseo.fr::8ba3a5fe-783e-4476-b910-2e846db5ef4e" providerId="AD" clId="Web-{56903A6A-F336-4219-6BC3-B42D7B08D4C1}" dt="2020-05-27T13:49:45.909" v="242" actId="20577"/>
+          <ac:chgData name="ORVAIN Antoine" userId="S::antoine.orvain@reseau.eseo.fr::8ba3a5fe-783e-4476-b910-2e846db5ef4e" providerId="AD" clId="Web-{30AB5BCD-B0DD-6427-EEDC-C863E51DC6AA}" dt="2020-06-01T14:31:26.970" v="6" actId="20577"/>
           <ac:spMkLst>
             <pc:docMk/>
-            <pc:sldMk cId="4275845374" sldId="259"/>
-            <ac:spMk id="3" creationId="{2C55FD10-7D75-4AAF-A6AA-756AF77CE327}"/>
-          </ac:spMkLst>
-        </pc:spChg>
-      </pc:sldChg>
-      <pc:sldChg chg="modSp">
-        <pc:chgData name="ORVAIN Antoine" userId="S::antoine.orvain@reseau.eseo.fr::8ba3a5fe-783e-4476-b910-2e846db5ef4e" providerId="AD" clId="Web-{56903A6A-F336-4219-6BC3-B42D7B08D4C1}" dt="2020-05-27T13:59:16.887" v="277" actId="1076"/>
-        <pc:sldMkLst>
-          <pc:docMk/>
-          <pc:sldMk cId="1705105624" sldId="260"/>
-        </pc:sldMkLst>
-        <pc:spChg chg="mod">
-          <ac:chgData name="ORVAIN Antoine" userId="S::antoine.orvain@reseau.eseo.fr::8ba3a5fe-783e-4476-b910-2e846db5ef4e" providerId="AD" clId="Web-{56903A6A-F336-4219-6BC3-B42D7B08D4C1}" dt="2020-05-27T13:59:16.887" v="277" actId="1076"/>
-          <ac:spMkLst>
-            <pc:docMk/>
-            <pc:sldMk cId="1705105624" sldId="260"/>
-            <ac:spMk id="3" creationId="{D3EAD95F-D89F-45E8-ADE2-3E454E61D480}"/>
+            <pc:sldMk cId="3705281761" sldId="285"/>
+            <ac:spMk id="3" creationId="{2267FDDC-9E98-4F38-B743-27BE900B0471}"/>
           </ac:spMkLst>
         </pc:spChg>
       </pc:sldChg>
@@ -3689,52 +3743,13 @@
       </pc:sldChg>
     </pc:docChg>
   </pc:docChgLst>
-  <pc:docChgLst>
-    <pc:chgData name="ORVAIN Antoine" userId="S::antoine.orvain@reseau.eseo.fr::8ba3a5fe-783e-4476-b910-2e846db5ef4e" providerId="AD" clId="Web-{30AB5BCD-B0DD-6427-EEDC-C863E51DC6AA}"/>
-    <pc:docChg chg="modSld">
-      <pc:chgData name="ORVAIN Antoine" userId="S::antoine.orvain@reseau.eseo.fr::8ba3a5fe-783e-4476-b910-2e846db5ef4e" providerId="AD" clId="Web-{30AB5BCD-B0DD-6427-EEDC-C863E51DC6AA}" dt="2020-06-01T15:03:03.802" v="60"/>
-      <pc:docMkLst>
-        <pc:docMk/>
-      </pc:docMkLst>
-      <pc:sldChg chg="modSp modNotes">
-        <pc:chgData name="ORVAIN Antoine" userId="S::antoine.orvain@reseau.eseo.fr::8ba3a5fe-783e-4476-b910-2e846db5ef4e" providerId="AD" clId="Web-{30AB5BCD-B0DD-6427-EEDC-C863E51DC6AA}" dt="2020-06-01T15:03:03.802" v="60"/>
-        <pc:sldMkLst>
-          <pc:docMk/>
-          <pc:sldMk cId="2457266096" sldId="258"/>
-        </pc:sldMkLst>
-        <pc:graphicFrameChg chg="modGraphic">
-          <ac:chgData name="ORVAIN Antoine" userId="S::antoine.orvain@reseau.eseo.fr::8ba3a5fe-783e-4476-b910-2e846db5ef4e" providerId="AD" clId="Web-{30AB5BCD-B0DD-6427-EEDC-C863E51DC6AA}" dt="2020-06-01T14:38:13.205" v="8" actId="20577"/>
-          <ac:graphicFrameMkLst>
-            <pc:docMk/>
-            <pc:sldMk cId="2457266096" sldId="258"/>
-            <ac:graphicFrameMk id="36" creationId="{1856A382-16CD-4798-8940-A04F16428429}"/>
-          </ac:graphicFrameMkLst>
-        </pc:graphicFrameChg>
-      </pc:sldChg>
-      <pc:sldChg chg="modSp">
-        <pc:chgData name="ORVAIN Antoine" userId="S::antoine.orvain@reseau.eseo.fr::8ba3a5fe-783e-4476-b910-2e846db5ef4e" providerId="AD" clId="Web-{30AB5BCD-B0DD-6427-EEDC-C863E51DC6AA}" dt="2020-06-01T14:31:26.970" v="6" actId="20577"/>
-        <pc:sldMkLst>
-          <pc:docMk/>
-          <pc:sldMk cId="3705281761" sldId="285"/>
-        </pc:sldMkLst>
-        <pc:spChg chg="mod">
-          <ac:chgData name="ORVAIN Antoine" userId="S::antoine.orvain@reseau.eseo.fr::8ba3a5fe-783e-4476-b910-2e846db5ef4e" providerId="AD" clId="Web-{30AB5BCD-B0DD-6427-EEDC-C863E51DC6AA}" dt="2020-06-01T14:31:26.970" v="6" actId="20577"/>
-          <ac:spMkLst>
-            <pc:docMk/>
-            <pc:sldMk cId="3705281761" sldId="285"/>
-            <ac:spMk id="3" creationId="{2267FDDC-9E98-4F38-B743-27BE900B0471}"/>
-          </ac:spMkLst>
-        </pc:spChg>
-      </pc:sldChg>
-    </pc:docChg>
-  </pc:docChgLst>
 </pc:chgInfo>
 </file>
 
 <file path=ppt/charts/chart1.xml><?xml version="1.0" encoding="utf-8"?>
 <c:chartSpace xmlns:c="http://schemas.openxmlformats.org/drawingml/2006/chart" xmlns:a="http://schemas.openxmlformats.org/drawingml/2006/main" xmlns:r="http://schemas.openxmlformats.org/officeDocument/2006/relationships" xmlns:c16r2="http://schemas.microsoft.com/office/drawing/2015/06/chart">
   <c:date1904 val="0"/>
-  <c:lang val="en-US"/>
+  <c:lang val="fr-FR"/>
   <c:roundedCorners val="0"/>
   <mc:AlternateContent xmlns:mc="http://schemas.openxmlformats.org/markup-compatibility/2006">
     <mc:Choice xmlns:c14="http://schemas.microsoft.com/office/drawing/2007/8/2/chart" Requires="c14">
@@ -3796,7 +3811,7 @@
               <a:cs typeface="+mn-cs"/>
             </a:defRPr>
           </a:pPr>
-          <a:endParaRPr lang="en-US"/>
+          <a:endParaRPr lang="fr-FR"/>
         </a:p>
       </c:txPr>
     </c:title>
@@ -4226,7 +4241,7 @@
                   <a:cs typeface="+mn-cs"/>
                 </a:defRPr>
               </a:pPr>
-              <a:endParaRPr lang="en-US"/>
+              <a:endParaRPr lang="fr-FR"/>
             </a:p>
           </c:txPr>
         </c:title>
@@ -4265,7 +4280,7 @@
                 <a:cs typeface="+mn-cs"/>
               </a:defRPr>
             </a:pPr>
-            <a:endParaRPr lang="en-US"/>
+            <a:endParaRPr lang="fr-FR"/>
           </a:p>
         </c:txPr>
         <c:crossAx val="788351536"/>
@@ -4330,7 +4345,7 @@
                   <a:cs typeface="+mn-cs"/>
                 </a:defRPr>
               </a:pPr>
-              <a:endParaRPr lang="en-US"/>
+              <a:endParaRPr lang="fr-FR"/>
             </a:p>
           </c:txPr>
         </c:title>
@@ -4369,7 +4384,7 @@
                 <a:cs typeface="+mn-cs"/>
               </a:defRPr>
             </a:pPr>
-            <a:endParaRPr lang="en-US"/>
+            <a:endParaRPr lang="fr-FR"/>
           </a:p>
         </c:txPr>
         <c:crossAx val="672235200"/>
@@ -4411,7 +4426,7 @@
               <a:cs typeface="+mn-cs"/>
             </a:defRPr>
           </a:pPr>
-          <a:endParaRPr lang="en-US"/>
+          <a:endParaRPr lang="fr-FR"/>
         </a:p>
       </c:txPr>
     </c:legend>
@@ -4442,7 +4457,7 @@
       <a:pPr>
         <a:defRPr/>
       </a:pPr>
-      <a:endParaRPr lang="en-US"/>
+      <a:endParaRPr lang="fr-FR"/>
     </a:p>
   </c:txPr>
   <c:externalData r:id="rId3">
@@ -4454,7 +4469,7 @@
 <file path=ppt/charts/chart2.xml><?xml version="1.0" encoding="utf-8"?>
 <c:chartSpace xmlns:c="http://schemas.openxmlformats.org/drawingml/2006/chart" xmlns:a="http://schemas.openxmlformats.org/drawingml/2006/main" xmlns:r="http://schemas.openxmlformats.org/officeDocument/2006/relationships" xmlns:c16r2="http://schemas.microsoft.com/office/drawing/2015/06/chart">
   <c:date1904 val="0"/>
-  <c:lang val="en-US"/>
+  <c:lang val="fr-FR"/>
   <c:roundedCorners val="0"/>
   <mc:AlternateContent xmlns:mc="http://schemas.openxmlformats.org/markup-compatibility/2006">
     <mc:Choice xmlns:c14="http://schemas.microsoft.com/office/drawing/2007/8/2/chart" Requires="c14">
@@ -4516,7 +4531,7 @@
               <a:cs typeface="+mn-cs"/>
             </a:defRPr>
           </a:pPr>
-          <a:endParaRPr lang="en-US"/>
+          <a:endParaRPr lang="fr-FR"/>
         </a:p>
       </c:txPr>
     </c:title>
@@ -4961,7 +4976,7 @@
                   <a:cs typeface="+mn-cs"/>
                 </a:defRPr>
               </a:pPr>
-              <a:endParaRPr lang="en-US"/>
+              <a:endParaRPr lang="fr-FR"/>
             </a:p>
           </c:txPr>
         </c:title>
@@ -5000,7 +5015,7 @@
                 <a:cs typeface="+mn-cs"/>
               </a:defRPr>
             </a:pPr>
-            <a:endParaRPr lang="en-US"/>
+            <a:endParaRPr lang="fr-FR"/>
           </a:p>
         </c:txPr>
         <c:crossAx val="697581232"/>
@@ -5079,7 +5094,7 @@
                   <a:cs typeface="+mn-cs"/>
                 </a:defRPr>
               </a:pPr>
-              <a:endParaRPr lang="en-US"/>
+              <a:endParaRPr lang="fr-FR"/>
             </a:p>
           </c:txPr>
         </c:title>
@@ -5118,7 +5133,7 @@
                 <a:cs typeface="+mn-cs"/>
               </a:defRPr>
             </a:pPr>
-            <a:endParaRPr lang="en-US"/>
+            <a:endParaRPr lang="fr-FR"/>
           </a:p>
         </c:txPr>
         <c:crossAx val="516308800"/>
@@ -5160,7 +5175,7 @@
               <a:cs typeface="+mn-cs"/>
             </a:defRPr>
           </a:pPr>
-          <a:endParaRPr lang="en-US"/>
+          <a:endParaRPr lang="fr-FR"/>
         </a:p>
       </c:txPr>
     </c:legend>
@@ -5191,7 +5206,7 @@
       <a:pPr>
         <a:defRPr/>
       </a:pPr>
-      <a:endParaRPr lang="en-US"/>
+      <a:endParaRPr lang="fr-FR"/>
     </a:p>
   </c:txPr>
   <c:externalData r:id="rId3">
@@ -12267,7 +12282,7 @@
           <a:p>
             <a:fld id="{523C892A-4D9A-48E7-BF0E-27F190E2C573}" type="datetime1">
               <a:rPr lang="fr-FR" smtClean="0"/>
-              <a:t>02/06/2020</a:t>
+              <a:t>06/11/2020</a:t>
             </a:fld>
             <a:endParaRPr lang="fr-FR"/>
           </a:p>
@@ -12345,7 +12360,7 @@
           <a:p>
             <a:fld id="{ADCD9841-3B26-4AB9-AA15-2A49FE028ADE}" type="slidenum">
               <a:rPr lang="fr-FR" smtClean="0"/>
-              <a:t>‹#›</a:t>
+              <a:t>‹N°›</a:t>
             </a:fld>
             <a:endParaRPr lang="fr-FR"/>
           </a:p>
@@ -12445,7 +12460,7 @@
           <a:p>
             <a:fld id="{447CB2A0-A738-4C14-B8EC-F9FB73BF0EDD}" type="datetime1">
               <a:rPr lang="fr-FR" smtClean="0"/>
-              <a:t>02/06/2020</a:t>
+              <a:t>06/11/2020</a:t>
             </a:fld>
             <a:endParaRPr lang="fr-FR"/>
           </a:p>
@@ -12603,7 +12618,7 @@
           <a:p>
             <a:fld id="{8CE07506-0F94-4913-A884-ED2E254FC74D}" type="slidenum">
               <a:rPr lang="fr-FR" smtClean="0"/>
-              <a:t>‹#›</a:t>
+              <a:t>‹N°›</a:t>
             </a:fld>
             <a:endParaRPr lang="fr-FR"/>
           </a:p>
@@ -12794,7 +12809,7 @@
           <a:p>
             <a:fld id="{447CB2A0-A738-4C14-B8EC-F9FB73BF0EDD}" type="datetime1">
               <a:rPr lang="fr-FR" smtClean="0"/>
-              <a:t>02/06/2020</a:t>
+              <a:t>06/11/2020</a:t>
             </a:fld>
             <a:endParaRPr lang="fr-FR"/>
           </a:p>
@@ -12904,7 +12919,7 @@
           <a:p>
             <a:fld id="{4CA4EC99-AA72-4CD0-977F-866342F4A066}" type="datetime1">
               <a:rPr lang="fr-FR" smtClean="0"/>
-              <a:t>02/06/2020</a:t>
+              <a:t>06/11/2020</a:t>
             </a:fld>
             <a:endParaRPr lang="fr-FR"/>
           </a:p>
@@ -13029,7 +13044,7 @@
           <a:p>
             <a:fld id="{447CB2A0-A738-4C14-B8EC-F9FB73BF0EDD}" type="datetime1">
               <a:rPr lang="fr-FR" smtClean="0"/>
-              <a:t>02/06/2020</a:t>
+              <a:t>06/11/2020</a:t>
             </a:fld>
             <a:endParaRPr lang="fr-FR"/>
           </a:p>
@@ -13147,7 +13162,7 @@
           <a:p>
             <a:fld id="{27A7FF27-EECE-4A9F-BE8C-E8A977D6DADF}" type="datetime1">
               <a:rPr lang="fr-FR" smtClean="0"/>
-              <a:t>02/06/2020</a:t>
+              <a:t>06/11/2020</a:t>
             </a:fld>
             <a:endParaRPr lang="fr-FR"/>
           </a:p>
@@ -13283,7 +13298,7 @@
           <a:p>
             <a:fld id="{BE042F90-F375-44EF-BC27-BCEDF898FE93}" type="datetime1">
               <a:rPr lang="fr-FR" smtClean="0"/>
-              <a:t>02/06/2020</a:t>
+              <a:t>06/11/2020</a:t>
             </a:fld>
             <a:endParaRPr lang="fr-FR"/>
           </a:p>
@@ -13413,7 +13428,7 @@
           <a:p>
             <a:fld id="{5F8E5793-2FA5-40D2-9DC3-62BCAEB2A221}" type="datetime1">
               <a:rPr lang="fr-FR" smtClean="0"/>
-              <a:t>02/06/2020</a:t>
+              <a:t>06/11/2020</a:t>
             </a:fld>
             <a:endParaRPr lang="fr-FR"/>
           </a:p>
@@ -13546,7 +13561,7 @@
           <a:p>
             <a:fld id="{A8484406-421C-49CC-B8DB-72744449C075}" type="datetime1">
               <a:rPr lang="fr-FR" smtClean="0"/>
-              <a:t>02/06/2020</a:t>
+              <a:t>06/11/2020</a:t>
             </a:fld>
             <a:endParaRPr lang="fr-FR"/>
           </a:p>
@@ -13669,7 +13684,7 @@
           <a:p>
             <a:fld id="{7C5C3D2A-1070-432D-B47F-FCE8F70B1433}" type="datetime1">
               <a:rPr lang="fr-FR" smtClean="0"/>
-              <a:t>02/06/2020</a:t>
+              <a:t>06/11/2020</a:t>
             </a:fld>
             <a:endParaRPr lang="fr-FR"/>
           </a:p>
@@ -13771,7 +13786,7 @@
           <a:p>
             <a:fld id="{447CB2A0-A738-4C14-B8EC-F9FB73BF0EDD}" type="datetime1">
               <a:rPr lang="fr-FR" smtClean="0"/>
-              <a:t>02/06/2020</a:t>
+              <a:t>06/11/2020</a:t>
             </a:fld>
             <a:endParaRPr lang="fr-FR"/>
           </a:p>
@@ -14058,7 +14073,7 @@
           <a:p>
             <a:fld id="{DA5D3EB8-6C48-4D25-B05F-4BC451C6C547}" type="datetime1">
               <a:rPr lang="fr-FR" smtClean="0"/>
-              <a:t>02/06/2020</a:t>
+              <a:t>06/11/2020</a:t>
             </a:fld>
             <a:endParaRPr lang="en-US"/>
           </a:p>
@@ -14136,7 +14151,7 @@
             <a:fld id="{D57F1E4F-1CFF-5643-939E-217C01CDF565}" type="slidenum">
               <a:rPr lang="en-US" dirty="0"/>
               <a:pPr/>
-              <a:t>‹#›</a:t>
+              <a:t>‹N°›</a:t>
             </a:fld>
             <a:endParaRPr lang="en-US"/>
           </a:p>
@@ -14319,7 +14334,7 @@
           <a:p>
             <a:fld id="{FD107687-799E-4B57-838A-65DABA1A419F}" type="datetime1">
               <a:rPr lang="fr-FR" smtClean="0"/>
-              <a:t>02/06/2020</a:t>
+              <a:t>06/11/2020</a:t>
             </a:fld>
             <a:endParaRPr lang="en-US"/>
           </a:p>
@@ -14365,7 +14380,7 @@
             <a:fld id="{D57F1E4F-1CFF-5643-939E-217C01CDF565}" type="slidenum">
               <a:rPr lang="en-US" dirty="0"/>
               <a:pPr/>
-              <a:t>‹#›</a:t>
+              <a:t>‹N°›</a:t>
             </a:fld>
             <a:endParaRPr lang="en-US"/>
           </a:p>
@@ -14553,7 +14568,7 @@
           <a:p>
             <a:fld id="{34A88134-DAD4-4409-A49D-D4356E281651}" type="datetime1">
               <a:rPr lang="fr-FR" smtClean="0"/>
-              <a:t>02/06/2020</a:t>
+              <a:t>06/11/2020</a:t>
             </a:fld>
             <a:endParaRPr lang="en-US"/>
           </a:p>
@@ -14620,7 +14635,7 @@
             <a:fld id="{D57F1E4F-1CFF-5643-939E-217C01CDF565}" type="slidenum">
               <a:rPr lang="en-US" dirty="0"/>
               <a:pPr/>
-              <a:t>‹#›</a:t>
+              <a:t>‹N°›</a:t>
             </a:fld>
             <a:endParaRPr lang="en-US"/>
           </a:p>
@@ -14792,7 +14807,7 @@
           <a:p>
             <a:fld id="{06C0CA56-DC9C-4E7F-9783-63DF819EFF2E}" type="datetime1">
               <a:rPr lang="fr-FR" smtClean="0"/>
-              <a:t>02/06/2020</a:t>
+              <a:t>06/11/2020</a:t>
             </a:fld>
             <a:endParaRPr lang="en-US"/>
           </a:p>
@@ -14843,7 +14858,7 @@
             <a:fld id="{D57F1E4F-1CFF-5643-939E-217C01CDF565}" type="slidenum">
               <a:rPr lang="en-US" dirty="0"/>
               <a:pPr/>
-              <a:t>‹#›</a:t>
+              <a:t>‹N°›</a:t>
             </a:fld>
             <a:endParaRPr lang="en-US"/>
           </a:p>
@@ -15098,7 +15113,7 @@
           <a:p>
             <a:fld id="{BB5B10AA-F6A6-4EE8-98FB-3796D9F140DE}" type="datetime1">
               <a:rPr lang="fr-FR" smtClean="0"/>
-              <a:t>02/06/2020</a:t>
+              <a:t>06/11/2020</a:t>
             </a:fld>
             <a:endParaRPr lang="en-US"/>
           </a:p>
@@ -15166,7 +15181,7 @@
             <a:fld id="{D57F1E4F-1CFF-5643-939E-217C01CDF565}" type="slidenum">
               <a:rPr lang="en-US" dirty="0"/>
               <a:pPr/>
-              <a:t>‹#›</a:t>
+              <a:t>‹N°›</a:t>
             </a:fld>
             <a:endParaRPr lang="en-US"/>
           </a:p>
@@ -15399,7 +15414,7 @@
           <a:p>
             <a:fld id="{EEC7DB40-12CD-43B8-8317-E8A99E39A9D5}" type="datetime1">
               <a:rPr lang="fr-FR" smtClean="0"/>
-              <a:t>02/06/2020</a:t>
+              <a:t>06/11/2020</a:t>
             </a:fld>
             <a:endParaRPr lang="en-US"/>
           </a:p>
@@ -15445,7 +15460,7 @@
             <a:fld id="{D57F1E4F-1CFF-5643-939E-217C01CDF565}" type="slidenum">
               <a:rPr lang="en-US" dirty="0"/>
               <a:pPr/>
-              <a:t>‹#›</a:t>
+              <a:t>‹N°›</a:t>
             </a:fld>
             <a:endParaRPr lang="en-US"/>
           </a:p>
@@ -15820,7 +15835,7 @@
           <a:p>
             <a:fld id="{299DDD94-25E4-427F-8B8D-84236D3B1A56}" type="datetime1">
               <a:rPr lang="fr-FR" smtClean="0"/>
-              <a:t>02/06/2020</a:t>
+              <a:t>06/11/2020</a:t>
             </a:fld>
             <a:endParaRPr lang="en-US"/>
           </a:p>
@@ -15866,7 +15881,7 @@
             <a:fld id="{D57F1E4F-1CFF-5643-939E-217C01CDF565}" type="slidenum">
               <a:rPr lang="en-US" dirty="0"/>
               <a:pPr/>
-              <a:t>‹#›</a:t>
+              <a:t>‹N°›</a:t>
             </a:fld>
             <a:endParaRPr lang="en-US"/>
           </a:p>
@@ -15914,7 +15929,7 @@
           <a:p>
             <a:fld id="{E55CB8F1-A686-4E6C-A610-A10C2558198A}" type="datetime1">
               <a:rPr lang="fr-FR" smtClean="0"/>
-              <a:t>02/06/2020</a:t>
+              <a:t>06/11/2020</a:t>
             </a:fld>
             <a:endParaRPr lang="en-US"/>
           </a:p>
@@ -15960,7 +15975,7 @@
             <a:fld id="{D57F1E4F-1CFF-5643-939E-217C01CDF565}" type="slidenum">
               <a:rPr lang="en-US" dirty="0"/>
               <a:pPr/>
-              <a:t>‹#›</a:t>
+              <a:t>‹N°›</a:t>
             </a:fld>
             <a:endParaRPr lang="en-US"/>
           </a:p>
@@ -16075,7 +16090,7 @@
           <a:p>
             <a:fld id="{1BEFD228-43C2-4723-ABD7-DAA91E962E0E}" type="datetime1">
               <a:rPr lang="fr-FR" smtClean="0"/>
-              <a:t>02/06/2020</a:t>
+              <a:t>06/11/2020</a:t>
             </a:fld>
             <a:endParaRPr lang="en-US"/>
           </a:p>
@@ -16121,7 +16136,7 @@
             <a:fld id="{D57F1E4F-1CFF-5643-939E-217C01CDF565}" type="slidenum">
               <a:rPr lang="en-US" dirty="0"/>
               <a:pPr/>
-              <a:t>‹#›</a:t>
+              <a:t>‹N°›</a:t>
             </a:fld>
             <a:endParaRPr lang="en-US"/>
           </a:p>
@@ -16452,7 +16467,7 @@
           <a:p>
             <a:fld id="{866D44F8-2101-4F00-944F-A3201D9D3CC5}" type="datetime1">
               <a:rPr lang="fr-FR" smtClean="0"/>
-              <a:t>02/06/2020</a:t>
+              <a:t>06/11/2020</a:t>
             </a:fld>
             <a:endParaRPr lang="en-US"/>
           </a:p>
@@ -16520,7 +16535,7 @@
             <a:fld id="{D57F1E4F-1CFF-5643-939E-217C01CDF565}" type="slidenum">
               <a:rPr lang="en-US" dirty="0"/>
               <a:pPr/>
-              <a:t>‹#›</a:t>
+              <a:t>‹N°›</a:t>
             </a:fld>
             <a:endParaRPr lang="en-US"/>
           </a:p>
@@ -16740,7 +16755,7 @@
           <a:p>
             <a:fld id="{12B7D130-156C-4092-91A0-2E1447EB6872}" type="datetime1">
               <a:rPr lang="fr-FR" smtClean="0"/>
-              <a:t>02/06/2020</a:t>
+              <a:t>06/11/2020</a:t>
             </a:fld>
             <a:endParaRPr lang="en-US"/>
           </a:p>
@@ -16786,7 +16801,7 @@
             <a:fld id="{D57F1E4F-1CFF-5643-939E-217C01CDF565}" type="slidenum">
               <a:rPr lang="en-US" dirty="0"/>
               <a:pPr/>
-              <a:t>‹#›</a:t>
+              <a:t>‹N°›</a:t>
             </a:fld>
             <a:endParaRPr lang="en-US"/>
           </a:p>
@@ -16950,7 +16965,7 @@
           <a:p>
             <a:fld id="{81BA643A-4643-4E47-833D-B1F194874E22}" type="datetime1">
               <a:rPr lang="fr-FR" smtClean="0"/>
-              <a:t>02/06/2020</a:t>
+              <a:t>06/11/2020</a:t>
             </a:fld>
             <a:endParaRPr lang="en-US"/>
           </a:p>
@@ -17028,7 +17043,7 @@
             <a:fld id="{D57F1E4F-1CFF-5643-939E-217C01CDF565}" type="slidenum">
               <a:rPr lang="en-US" dirty="0"/>
               <a:pPr/>
-              <a:t>‹#›</a:t>
+              <a:t>‹N°›</a:t>
             </a:fld>
             <a:endParaRPr lang="en-US"/>
           </a:p>
@@ -17576,7 +17591,11 @@
           <a:p>
             <a:r>
               <a:rPr lang="fr-FR" sz="5400"/>
-              <a:t>Enveloppe Convexe</a:t>
+              <a:t>EnveLoppe</a:t>
+            </a:r>
+            <a:r>
+              <a:rPr lang="fr-FR" sz="5400" dirty="0"/>
+              <a:t> Convexe</a:t>
             </a:r>
           </a:p>
         </p:txBody>
@@ -31000,18 +31019,18 @@
 </file>
 
 <file path=customXml/item1.xml><?xml version="1.0" encoding="utf-8"?>
-<p:properties xmlns:p="http://schemas.microsoft.com/office/2006/metadata/properties" xmlns:xsi="http://www.w3.org/2001/XMLSchema-instance" xmlns:pc="http://schemas.microsoft.com/office/infopath/2007/PartnerControls">
-  <documentManagement/>
-</p:properties>
-</file>
-
-<file path=customXml/item2.xml><?xml version="1.0" encoding="utf-8"?>
 <?mso-contentType ?>
 <FormTemplates xmlns="http://schemas.microsoft.com/sharepoint/v3/contenttype/forms">
   <Display>DocumentLibraryForm</Display>
   <Edit>DocumentLibraryForm</Edit>
   <New>DocumentLibraryForm</New>
 </FormTemplates>
+</file>
+
+<file path=customXml/item2.xml><?xml version="1.0" encoding="utf-8"?>
+<p:properties xmlns:p="http://schemas.microsoft.com/office/2006/metadata/properties" xmlns:xsi="http://www.w3.org/2001/XMLSchema-instance" xmlns:pc="http://schemas.microsoft.com/office/infopath/2007/PartnerControls">
+  <documentManagement/>
+</p:properties>
 </file>
 
 <file path=customXml/item3.xml><?xml version="1.0" encoding="utf-8"?>
@@ -31238,18 +31257,18 @@
 </file>
 
 <file path=customXml/itemProps1.xml><?xml version="1.0" encoding="utf-8"?>
-<ds:datastoreItem xmlns:ds="http://schemas.openxmlformats.org/officeDocument/2006/customXml" ds:itemID="{4916EBF2-85BF-48B7-811B-14F5FC5E3D43}">
+<ds:datastoreItem xmlns:ds="http://schemas.openxmlformats.org/officeDocument/2006/customXml" ds:itemID="{25FEBF7E-E609-4AAE-97E6-7B4585FCE32C}">
   <ds:schemaRefs>
-    <ds:schemaRef ds:uri="http://schemas.microsoft.com/office/2006/metadata/properties"/>
-    <ds:schemaRef ds:uri="http://schemas.microsoft.com/office/infopath/2007/PartnerControls"/>
+    <ds:schemaRef ds:uri="http://schemas.microsoft.com/sharepoint/v3/contenttype/forms"/>
   </ds:schemaRefs>
 </ds:datastoreItem>
 </file>
 
 <file path=customXml/itemProps2.xml><?xml version="1.0" encoding="utf-8"?>
-<ds:datastoreItem xmlns:ds="http://schemas.openxmlformats.org/officeDocument/2006/customXml" ds:itemID="{25FEBF7E-E609-4AAE-97E6-7B4585FCE32C}">
+<ds:datastoreItem xmlns:ds="http://schemas.openxmlformats.org/officeDocument/2006/customXml" ds:itemID="{4916EBF2-85BF-48B7-811B-14F5FC5E3D43}">
   <ds:schemaRefs>
-    <ds:schemaRef ds:uri="http://schemas.microsoft.com/sharepoint/v3/contenttype/forms"/>
+    <ds:schemaRef ds:uri="http://schemas.microsoft.com/office/2006/metadata/properties"/>
+    <ds:schemaRef ds:uri="http://schemas.microsoft.com/office/infopath/2007/PartnerControls"/>
   </ds:schemaRefs>
 </ds:datastoreItem>
 </file>
